--- a/Presentation.pptx
+++ b/Presentation.pptx
@@ -5,10 +5,10 @@
     <p:sldMasterId id="2147483660" r:id="rId4"/>
   </p:sldMasterIdLst>
   <p:notesMasterIdLst>
-    <p:notesMasterId r:id="rId20"/>
+    <p:notesMasterId r:id="rId18"/>
   </p:notesMasterIdLst>
   <p:handoutMasterIdLst>
-    <p:handoutMasterId r:id="rId21"/>
+    <p:handoutMasterId r:id="rId19"/>
   </p:handoutMasterIdLst>
   <p:sldIdLst>
     <p:sldId id="257" r:id="rId5"/>
@@ -17,15 +17,13 @@
     <p:sldId id="274" r:id="rId8"/>
     <p:sldId id="273" r:id="rId9"/>
     <p:sldId id="275" r:id="rId10"/>
-    <p:sldId id="276" r:id="rId11"/>
-    <p:sldId id="277" r:id="rId12"/>
-    <p:sldId id="278" r:id="rId13"/>
-    <p:sldId id="279" r:id="rId14"/>
+    <p:sldId id="278" r:id="rId11"/>
+    <p:sldId id="279" r:id="rId12"/>
+    <p:sldId id="283" r:id="rId13"/>
+    <p:sldId id="284" r:id="rId14"/>
     <p:sldId id="281" r:id="rId15"/>
-    <p:sldId id="283" r:id="rId16"/>
-    <p:sldId id="284" r:id="rId17"/>
-    <p:sldId id="267" r:id="rId18"/>
-    <p:sldId id="280" r:id="rId19"/>
+    <p:sldId id="267" r:id="rId16"/>
+    <p:sldId id="280" r:id="rId17"/>
   </p:sldIdLst>
   <p:sldSz cx="12188825" cy="6858000"/>
   <p:notesSz cx="6858000" cy="9144000"/>
@@ -135,17 +133,15 @@
             <p14:sldId id="274"/>
             <p14:sldId id="273"/>
             <p14:sldId id="275"/>
-            <p14:sldId id="276"/>
-            <p14:sldId id="277"/>
             <p14:sldId id="278"/>
           </p14:sldIdLst>
         </p14:section>
         <p14:section name="Untitled Section" id="{DFCAEDE0-7835-484C-BFDA-B048600CD1C6}">
           <p14:sldIdLst>
             <p14:sldId id="279"/>
-            <p14:sldId id="281"/>
             <p14:sldId id="283"/>
             <p14:sldId id="284"/>
+            <p14:sldId id="281"/>
             <p14:sldId id="267"/>
             <p14:sldId id="280"/>
           </p14:sldIdLst>
@@ -266,7 +262,7 @@
           <a:p>
             <a:fld id="{FE5B4EDC-59C0-49C7-8ADA-5A781B329E02}" type="datetimeFigureOut">
               <a:rPr lang="en-US"/>
-              <a:t>10/29/2016</a:t>
+              <a:t>11/26/2016</a:t>
             </a:fld>
             <a:endParaRPr/>
           </a:p>
@@ -431,7 +427,7 @@
           <a:p>
             <a:fld id="{F2D8D46A-B586-417D-BFBD-8C8FE0AAF762}" type="datetimeFigureOut">
               <a:rPr lang="en-US"/>
-              <a:t>10/29/2016</a:t>
+              <a:t>11/26/2016</a:t>
             </a:fld>
             <a:endParaRPr/>
           </a:p>
@@ -1577,7 +1573,7 @@
           <a:p>
             <a:fld id="{F0DFD029-FB74-4578-B929-F66AA97659CA}" type="datetimeFigureOut">
               <a:rPr lang="en-US"/>
-              <a:t>10/29/2016</a:t>
+              <a:t>11/26/2016</a:t>
             </a:fld>
             <a:endParaRPr/>
           </a:p>
@@ -1775,7 +1771,7 @@
           <a:p>
             <a:fld id="{F0DFD029-FB74-4578-B929-F66AA97659CA}" type="datetimeFigureOut">
               <a:rPr lang="en-US"/>
-              <a:t>10/29/2016</a:t>
+              <a:t>11/26/2016</a:t>
             </a:fld>
             <a:endParaRPr/>
           </a:p>
@@ -1983,7 +1979,7 @@
           <a:p>
             <a:fld id="{F0DFD029-FB74-4578-B929-F66AA97659CA}" type="datetimeFigureOut">
               <a:rPr lang="en-US"/>
-              <a:t>10/29/2016</a:t>
+              <a:t>11/26/2016</a:t>
             </a:fld>
             <a:endParaRPr/>
           </a:p>
@@ -2181,7 +2177,7 @@
           <a:p>
             <a:fld id="{F0DFD029-FB74-4578-B929-F66AA97659CA}" type="datetimeFigureOut">
               <a:rPr lang="en-US"/>
-              <a:t>10/29/2016</a:t>
+              <a:t>11/26/2016</a:t>
             </a:fld>
             <a:endParaRPr/>
           </a:p>
@@ -2613,7 +2609,7 @@
           <a:p>
             <a:fld id="{F0DFD029-FB74-4578-B929-F66AA97659CA}" type="datetimeFigureOut">
               <a:rPr lang="en-US"/>
-              <a:t>10/29/2016</a:t>
+              <a:t>11/26/2016</a:t>
             </a:fld>
             <a:endParaRPr/>
           </a:p>
@@ -2917,7 +2913,7 @@
           <a:p>
             <a:fld id="{F0DFD029-FB74-4578-B929-F66AA97659CA}" type="datetimeFigureOut">
               <a:rPr lang="en-US"/>
-              <a:t>10/29/2016</a:t>
+              <a:t>11/26/2016</a:t>
             </a:fld>
             <a:endParaRPr/>
           </a:p>
@@ -3373,7 +3369,7 @@
           <a:p>
             <a:fld id="{F0DFD029-FB74-4578-B929-F66AA97659CA}" type="datetimeFigureOut">
               <a:rPr lang="en-US"/>
-              <a:t>10/29/2016</a:t>
+              <a:t>11/26/2016</a:t>
             </a:fld>
             <a:endParaRPr/>
           </a:p>
@@ -3503,7 +3499,7 @@
           <a:p>
             <a:fld id="{F0DFD029-FB74-4578-B929-F66AA97659CA}" type="datetimeFigureOut">
               <a:rPr lang="en-US"/>
-              <a:t>10/29/2016</a:t>
+              <a:t>11/26/2016</a:t>
             </a:fld>
             <a:endParaRPr/>
           </a:p>
@@ -3610,7 +3606,7 @@
           <a:p>
             <a:fld id="{F0DFD029-FB74-4578-B929-F66AA97659CA}" type="datetimeFigureOut">
               <a:rPr lang="en-US"/>
-              <a:t>10/29/2016</a:t>
+              <a:t>11/26/2016</a:t>
             </a:fld>
             <a:endParaRPr/>
           </a:p>
@@ -3909,7 +3905,7 @@
           <a:p>
             <a:fld id="{F0DFD029-FB74-4578-B929-F66AA97659CA}" type="datetimeFigureOut">
               <a:rPr lang="en-US"/>
-              <a:t>10/29/2016</a:t>
+              <a:t>11/26/2016</a:t>
             </a:fld>
             <a:endParaRPr/>
           </a:p>
@@ -4197,7 +4193,7 @@
           <a:p>
             <a:fld id="{F0DFD029-FB74-4578-B929-F66AA97659CA}" type="datetimeFigureOut">
               <a:rPr lang="en-US"/>
-              <a:t>10/29/2016</a:t>
+              <a:t>11/26/2016</a:t>
             </a:fld>
             <a:endParaRPr/>
           </a:p>
@@ -4820,7 +4816,7 @@
             <a:fld id="{F0DFD029-FB74-4578-B929-F66AA97659CA}" type="datetimeFigureOut">
               <a:rPr lang="en-US"/>
               <a:pPr/>
-              <a:t>10/29/2016</a:t>
+              <a:t>11/26/2016</a:t>
             </a:fld>
             <a:endParaRPr/>
           </a:p>
@@ -5441,10 +5437,9 @@
           <a:lstStyle/>
           <a:p>
             <a:r>
-              <a:rPr lang="pt-PT" dirty="0" err="1"/>
-              <a:t>GraphWalker</a:t>
-            </a:r>
-            <a:endParaRPr lang="pt-PT" dirty="0"/>
+              <a:rPr lang="pt-PT" dirty="0"/>
+              <a:t>MATELO</a:t>
+            </a:r>
           </a:p>
         </p:txBody>
       </p:sp>
@@ -5505,104 +5500,16 @@
           </a:p>
         </p:txBody>
       </p:sp>
-      <p:sp>
-        <p:nvSpPr>
-          <p:cNvPr id="15" name="Text Placeholder 9"/>
-          <p:cNvSpPr>
-            <a:spLocks noGrp="1"/>
-          </p:cNvSpPr>
-          <p:nvPr>
-            <p:ph type="body" idx="1"/>
-          </p:nvPr>
-        </p:nvSpPr>
-        <p:spPr>
-          <a:xfrm>
-            <a:off x="4808775" y="1701800"/>
-            <a:ext cx="3363361" cy="914400"/>
-          </a:xfrm>
-        </p:spPr>
-        <p:txBody>
-          <a:bodyPr/>
-          <a:lstStyle/>
-          <a:p>
-            <a:r>
-              <a:rPr lang="pt-PT" dirty="0" err="1"/>
-              <a:t>Spec</a:t>
-            </a:r>
-            <a:r>
-              <a:rPr lang="pt-PT" dirty="0"/>
-              <a:t> Explorer</a:t>
-            </a:r>
-            <a:endParaRPr lang="pt-PT" dirty="0"/>
-          </a:p>
-        </p:txBody>
-      </p:sp>
-      <p:sp>
-        <p:nvSpPr>
-          <p:cNvPr id="17" name="Text Placeholder 9"/>
-          <p:cNvSpPr>
-            <a:spLocks noGrp="1"/>
-          </p:cNvSpPr>
-          <p:nvPr>
-            <p:ph type="body" idx="1"/>
-          </p:nvPr>
-        </p:nvSpPr>
-        <p:spPr>
-          <a:xfrm>
-            <a:off x="8398668" y="1701800"/>
-            <a:ext cx="3363361" cy="914400"/>
-          </a:xfrm>
-        </p:spPr>
-        <p:txBody>
-          <a:bodyPr/>
-          <a:lstStyle/>
-          <a:p>
-            <a:r>
-              <a:rPr lang="pt-PT" dirty="0" err="1"/>
-              <a:t>Topcased</a:t>
-            </a:r>
-            <a:endParaRPr lang="pt-PT" dirty="0"/>
-          </a:p>
-        </p:txBody>
-      </p:sp>
       <p:pic>
         <p:nvPicPr>
-          <p:cNvPr id="19" name="Content Placeholder 18"/>
+          <p:cNvPr id="4098" name="Picture 2" descr="Image result for MATELO model based testing"/>
           <p:cNvPicPr>
-            <a:picLocks noGrp="1" noChangeAspect="1"/>
+            <a:picLocks noChangeAspect="1" noChangeArrowheads="1"/>
           </p:cNvPicPr>
-          <p:nvPr>
-            <p:ph sz="half" idx="2"/>
-          </p:nvPr>
+          <p:nvPr/>
         </p:nvPicPr>
         <p:blipFill>
-          <a:blip r:embed="rId2"/>
-          <a:stretch>
-            <a:fillRect/>
-          </a:stretch>
-        </p:blipFill>
-        <p:spPr>
-          <a:xfrm>
-            <a:off x="8172136" y="3076445"/>
-            <a:ext cx="2715289" cy="2688603"/>
-          </a:xfrm>
-          <a:prstGeom prst="rect">
-            <a:avLst/>
-          </a:prstGeom>
-        </p:spPr>
-      </p:pic>
-      <p:pic>
-        <p:nvPicPr>
-          <p:cNvPr id="2050" name="Picture 2" descr="http://graphwalker.com/images/logo.png"/>
-          <p:cNvPicPr>
-            <a:picLocks noGrp="1" noChangeAspect="1" noChangeArrowheads="1"/>
-          </p:cNvPicPr>
-          <p:nvPr>
-            <p:ph sz="half" idx="2"/>
-          </p:nvPr>
-        </p:nvPicPr>
-        <p:blipFill>
-          <a:blip r:embed="rId3">
+          <a:blip r:embed="rId2">
             <a:extLst>
               <a:ext uri="{28A0092B-C50C-407E-A947-70E740481C1C}">
                 <a14:useLocalDpi xmlns:a14="http://schemas.microsoft.com/office/drawing/2010/main" val="0"/>
@@ -5616,51 +5523,8 @@
         </p:blipFill>
         <p:spPr bwMode="auto">
           <a:xfrm>
-            <a:off x="963900" y="4077073"/>
-            <a:ext cx="3617625" cy="687348"/>
-          </a:xfrm>
-          <a:prstGeom prst="rect">
-            <a:avLst/>
-          </a:prstGeom>
-          <a:noFill/>
-          <a:extLst>
-            <a:ext uri="{909E8E84-426E-40DD-AFC4-6F175D3DCCD1}">
-              <a14:hiddenFill xmlns:a14="http://schemas.microsoft.com/office/drawing/2010/main">
-                <a:solidFill>
-                  <a:srgbClr val="FFFFFF"/>
-                </a:solidFill>
-              </a14:hiddenFill>
-            </a:ext>
-          </a:extLst>
-        </p:spPr>
-      </p:pic>
-      <p:pic>
-        <p:nvPicPr>
-          <p:cNvPr id="2052" name="Picture 4" descr="http://video.ch9.ms/ecn/ch9/6/2/8/3/3/5/SpecExplorerBasics2_320_ch9.png"/>
-          <p:cNvPicPr>
-            <a:picLocks noGrp="1" noChangeAspect="1" noChangeArrowheads="1"/>
-          </p:cNvPicPr>
-          <p:nvPr>
-            <p:ph sz="half" idx="2"/>
-          </p:nvPr>
-        </p:nvPicPr>
-        <p:blipFill>
-          <a:blip r:embed="rId4">
-            <a:extLst>
-              <a:ext uri="{28A0092B-C50C-407E-A947-70E740481C1C}">
-                <a14:useLocalDpi xmlns:a14="http://schemas.microsoft.com/office/drawing/2010/main" val="0"/>
-              </a:ext>
-            </a:extLst>
-          </a:blip>
-          <a:srcRect/>
-          <a:stretch>
-            <a:fillRect/>
-          </a:stretch>
-        </p:blipFill>
-        <p:spPr bwMode="auto">
-          <a:xfrm>
-            <a:off x="4726260" y="3277747"/>
-            <a:ext cx="3048000" cy="2286000"/>
+            <a:off x="2854052" y="1572014"/>
+            <a:ext cx="8516783" cy="4521282"/>
           </a:xfrm>
           <a:prstGeom prst="rect">
             <a:avLst/>
@@ -5680,7 +5544,7 @@
     </p:spTree>
     <p:extLst>
       <p:ext uri="{BB962C8B-B14F-4D97-AF65-F5344CB8AC3E}">
-        <p14:creationId xmlns:p14="http://schemas.microsoft.com/office/powerpoint/2010/main" val="3003993304"/>
+        <p14:creationId xmlns:p14="http://schemas.microsoft.com/office/powerpoint/2010/main" val="1351320939"/>
       </p:ext>
     </p:extLst>
   </p:cSld>
@@ -5936,380 +5800,6 @@
       </p:grpSpPr>
       <p:sp>
         <p:nvSpPr>
-          <p:cNvPr id="13" name="Title 12"/>
-          <p:cNvSpPr>
-            <a:spLocks noGrp="1"/>
-          </p:cNvSpPr>
-          <p:nvPr>
-            <p:ph type="title"/>
-          </p:nvPr>
-        </p:nvSpPr>
-        <p:spPr/>
-        <p:txBody>
-          <a:bodyPr/>
-          <a:lstStyle/>
-          <a:p>
-            <a:r>
-              <a:rPr lang="en-US"/>
-              <a:t>Which tool I use?</a:t>
-            </a:r>
-            <a:endParaRPr lang="en-US" dirty="0"/>
-          </a:p>
-        </p:txBody>
-      </p:sp>
-      <p:sp>
-        <p:nvSpPr>
-          <p:cNvPr id="10" name="Text Placeholder 9"/>
-          <p:cNvSpPr>
-            <a:spLocks noGrp="1"/>
-          </p:cNvSpPr>
-          <p:nvPr>
-            <p:ph type="body" idx="1"/>
-          </p:nvPr>
-        </p:nvSpPr>
-        <p:spPr>
-          <a:xfrm>
-            <a:off x="1218883" y="1701800"/>
-            <a:ext cx="3363361" cy="914400"/>
-          </a:xfrm>
-        </p:spPr>
-        <p:txBody>
-          <a:bodyPr/>
-          <a:lstStyle/>
-          <a:p>
-            <a:r>
-              <a:rPr lang="pt-PT" dirty="0" err="1"/>
-              <a:t>Spec</a:t>
-            </a:r>
-            <a:r>
-              <a:rPr lang="pt-PT" dirty="0"/>
-              <a:t> Explorer</a:t>
-            </a:r>
-          </a:p>
-        </p:txBody>
-      </p:sp>
-      <p:sp>
-        <p:nvSpPr>
-          <p:cNvPr id="6" name="Title 12"/>
-          <p:cNvSpPr txBox="1">
-            <a:spLocks/>
-          </p:cNvSpPr>
-          <p:nvPr/>
-        </p:nvSpPr>
-        <p:spPr>
-          <a:xfrm>
-            <a:off x="6526460" y="6597352"/>
-            <a:ext cx="5760640" cy="346051"/>
-          </a:xfrm>
-          <a:prstGeom prst="rect">
-            <a:avLst/>
-          </a:prstGeom>
-        </p:spPr>
-        <p:txBody>
-          <a:bodyPr vert="horz" lIns="121899" tIns="60949" rIns="121899" bIns="60949" rtlCol="0" anchor="b">
-            <a:noAutofit/>
-          </a:bodyPr>
-          <a:lstStyle>
-            <a:lvl1pPr algn="l" defTabSz="1218987" rtl="0" eaLnBrk="1" latinLnBrk="0" hangingPunct="1">
-              <a:lnSpc>
-                <a:spcPct val="90000"/>
-              </a:lnSpc>
-              <a:spcBef>
-                <a:spcPct val="0"/>
-              </a:spcBef>
-              <a:buNone/>
-              <a:defRPr sz="5400" kern="1200">
-                <a:solidFill>
-                  <a:schemeClr val="tx1"/>
-                </a:solidFill>
-                <a:latin typeface="+mj-lt"/>
-                <a:ea typeface="+mj-ea"/>
-                <a:cs typeface="+mj-cs"/>
-              </a:defRPr>
-            </a:lvl1pPr>
-          </a:lstStyle>
-          <a:p>
-            <a:pPr algn="ctr"/>
-            <a:r>
-              <a:rPr lang="en-US" sz="2000" dirty="0"/>
-              <a:t>José Esteves e Ricardo </a:t>
-            </a:r>
-            <a:r>
-              <a:rPr lang="en-US" sz="2000" dirty="0" err="1"/>
-              <a:t>Malafaya</a:t>
-            </a:r>
-            <a:r>
-              <a:rPr lang="en-US" sz="2000" dirty="0"/>
-              <a:t> – 03 December 2016</a:t>
-            </a:r>
-          </a:p>
-        </p:txBody>
-      </p:sp>
-      <p:pic>
-        <p:nvPicPr>
-          <p:cNvPr id="2" name="Picture 1"/>
-          <p:cNvPicPr>
-            <a:picLocks noChangeAspect="1"/>
-          </p:cNvPicPr>
-          <p:nvPr/>
-        </p:nvPicPr>
-        <p:blipFill>
-          <a:blip r:embed="rId2">
-            <a:extLst>
-              <a:ext uri="{28A0092B-C50C-407E-A947-70E740481C1C}">
-                <a14:useLocalDpi xmlns:a14="http://schemas.microsoft.com/office/drawing/2010/main" val="0"/>
-              </a:ext>
-            </a:extLst>
-          </a:blip>
-          <a:stretch>
-            <a:fillRect/>
-          </a:stretch>
-        </p:blipFill>
-        <p:spPr>
-          <a:xfrm>
-            <a:off x="3934172" y="1694003"/>
-            <a:ext cx="8165884" cy="4884385"/>
-          </a:xfrm>
-          <a:prstGeom prst="rect">
-            <a:avLst/>
-          </a:prstGeom>
-        </p:spPr>
-      </p:pic>
-    </p:spTree>
-    <p:extLst>
-      <p:ext uri="{BB962C8B-B14F-4D97-AF65-F5344CB8AC3E}">
-        <p14:creationId xmlns:p14="http://schemas.microsoft.com/office/powerpoint/2010/main" val="2409493200"/>
-      </p:ext>
-    </p:extLst>
-  </p:cSld>
-  <p:clrMapOvr>
-    <a:masterClrMapping/>
-  </p:clrMapOvr>
-  <mc:AlternateContent xmlns:mc="http://schemas.openxmlformats.org/markup-compatibility/2006" xmlns:p14="http://schemas.microsoft.com/office/powerpoint/2010/main">
-    <mc:Choice Requires="p14">
-      <p:transition spd="med" p14:dur="700">
-        <p:fade/>
-      </p:transition>
-    </mc:Choice>
-    <mc:Fallback xmlns="">
-      <p:transition spd="med">
-        <p:fade/>
-      </p:transition>
-    </mc:Fallback>
-  </mc:AlternateContent>
-</p:sld>
-</file>
-
-<file path=ppt/slides/slide13.xml><?xml version="1.0" encoding="utf-8"?>
-<p:sld xmlns:a="http://schemas.openxmlformats.org/drawingml/2006/main" xmlns:r="http://schemas.openxmlformats.org/officeDocument/2006/relationships" xmlns:p="http://schemas.openxmlformats.org/presentationml/2006/main">
-  <p:cSld>
-    <p:spTree>
-      <p:nvGrpSpPr>
-        <p:cNvPr id="1" name=""/>
-        <p:cNvGrpSpPr/>
-        <p:nvPr/>
-      </p:nvGrpSpPr>
-      <p:grpSpPr>
-        <a:xfrm>
-          <a:off x="0" y="0"/>
-          <a:ext cx="0" cy="0"/>
-          <a:chOff x="0" y="0"/>
-          <a:chExt cx="0" cy="0"/>
-        </a:xfrm>
-      </p:grpSpPr>
-      <p:sp>
-        <p:nvSpPr>
-          <p:cNvPr id="13" name="Title 12"/>
-          <p:cNvSpPr>
-            <a:spLocks noGrp="1"/>
-          </p:cNvSpPr>
-          <p:nvPr>
-            <p:ph type="title"/>
-          </p:nvPr>
-        </p:nvSpPr>
-        <p:spPr/>
-        <p:txBody>
-          <a:bodyPr/>
-          <a:lstStyle/>
-          <a:p>
-            <a:r>
-              <a:rPr lang="en-US"/>
-              <a:t>Which tool I use?</a:t>
-            </a:r>
-            <a:endParaRPr lang="en-US" dirty="0"/>
-          </a:p>
-        </p:txBody>
-      </p:sp>
-      <p:sp>
-        <p:nvSpPr>
-          <p:cNvPr id="10" name="Text Placeholder 9"/>
-          <p:cNvSpPr>
-            <a:spLocks noGrp="1"/>
-          </p:cNvSpPr>
-          <p:nvPr>
-            <p:ph type="body" idx="1"/>
-          </p:nvPr>
-        </p:nvSpPr>
-        <p:spPr>
-          <a:xfrm>
-            <a:off x="1218883" y="1701800"/>
-            <a:ext cx="3363361" cy="914400"/>
-          </a:xfrm>
-        </p:spPr>
-        <p:txBody>
-          <a:bodyPr/>
-          <a:lstStyle/>
-          <a:p>
-            <a:r>
-              <a:rPr lang="pt-PT" dirty="0" err="1"/>
-              <a:t>Topcased</a:t>
-            </a:r>
-            <a:endParaRPr lang="pt-PT" dirty="0"/>
-          </a:p>
-        </p:txBody>
-      </p:sp>
-      <p:sp>
-        <p:nvSpPr>
-          <p:cNvPr id="6" name="Title 12"/>
-          <p:cNvSpPr txBox="1">
-            <a:spLocks/>
-          </p:cNvSpPr>
-          <p:nvPr/>
-        </p:nvSpPr>
-        <p:spPr>
-          <a:xfrm>
-            <a:off x="6526460" y="6597352"/>
-            <a:ext cx="5760640" cy="346051"/>
-          </a:xfrm>
-          <a:prstGeom prst="rect">
-            <a:avLst/>
-          </a:prstGeom>
-        </p:spPr>
-        <p:txBody>
-          <a:bodyPr vert="horz" lIns="121899" tIns="60949" rIns="121899" bIns="60949" rtlCol="0" anchor="b">
-            <a:noAutofit/>
-          </a:bodyPr>
-          <a:lstStyle>
-            <a:lvl1pPr algn="l" defTabSz="1218987" rtl="0" eaLnBrk="1" latinLnBrk="0" hangingPunct="1">
-              <a:lnSpc>
-                <a:spcPct val="90000"/>
-              </a:lnSpc>
-              <a:spcBef>
-                <a:spcPct val="0"/>
-              </a:spcBef>
-              <a:buNone/>
-              <a:defRPr sz="5400" kern="1200">
-                <a:solidFill>
-                  <a:schemeClr val="tx1"/>
-                </a:solidFill>
-                <a:latin typeface="+mj-lt"/>
-                <a:ea typeface="+mj-ea"/>
-                <a:cs typeface="+mj-cs"/>
-              </a:defRPr>
-            </a:lvl1pPr>
-          </a:lstStyle>
-          <a:p>
-            <a:pPr algn="ctr"/>
-            <a:r>
-              <a:rPr lang="en-US" sz="2000" dirty="0"/>
-              <a:t>José Esteves e Ricardo </a:t>
-            </a:r>
-            <a:r>
-              <a:rPr lang="en-US" sz="2000" dirty="0" err="1"/>
-              <a:t>Malafaya</a:t>
-            </a:r>
-            <a:r>
-              <a:rPr lang="en-US" sz="2000" dirty="0"/>
-              <a:t> – 03 December 2016</a:t>
-            </a:r>
-          </a:p>
-        </p:txBody>
-      </p:sp>
-      <p:pic>
-        <p:nvPicPr>
-          <p:cNvPr id="5122" name="Picture 2" descr="http://wiki.edna-site.org/images/3/3a/TopCasedKernelDataModel.png"/>
-          <p:cNvPicPr>
-            <a:picLocks noChangeAspect="1" noChangeArrowheads="1"/>
-          </p:cNvPicPr>
-          <p:nvPr/>
-        </p:nvPicPr>
-        <p:blipFill>
-          <a:blip r:embed="rId2">
-            <a:extLst>
-              <a:ext uri="{28A0092B-C50C-407E-A947-70E740481C1C}">
-                <a14:useLocalDpi xmlns:a14="http://schemas.microsoft.com/office/drawing/2010/main" val="0"/>
-              </a:ext>
-            </a:extLst>
-          </a:blip>
-          <a:srcRect/>
-          <a:stretch>
-            <a:fillRect/>
-          </a:stretch>
-        </p:blipFill>
-        <p:spPr bwMode="auto">
-          <a:xfrm>
-            <a:off x="5014292" y="1736407"/>
-            <a:ext cx="6908497" cy="4841776"/>
-          </a:xfrm>
-          <a:prstGeom prst="rect">
-            <a:avLst/>
-          </a:prstGeom>
-          <a:noFill/>
-          <a:extLst>
-            <a:ext uri="{909E8E84-426E-40DD-AFC4-6F175D3DCCD1}">
-              <a14:hiddenFill xmlns:a14="http://schemas.microsoft.com/office/drawing/2010/main">
-                <a:solidFill>
-                  <a:srgbClr val="FFFFFF"/>
-                </a:solidFill>
-              </a14:hiddenFill>
-            </a:ext>
-          </a:extLst>
-        </p:spPr>
-      </p:pic>
-    </p:spTree>
-    <p:extLst>
-      <p:ext uri="{BB962C8B-B14F-4D97-AF65-F5344CB8AC3E}">
-        <p14:creationId xmlns:p14="http://schemas.microsoft.com/office/powerpoint/2010/main" val="1351320939"/>
-      </p:ext>
-    </p:extLst>
-  </p:cSld>
-  <p:clrMapOvr>
-    <a:masterClrMapping/>
-  </p:clrMapOvr>
-  <mc:AlternateContent xmlns:mc="http://schemas.openxmlformats.org/markup-compatibility/2006" xmlns:p14="http://schemas.microsoft.com/office/powerpoint/2010/main">
-    <mc:Choice Requires="p14">
-      <p:transition spd="med" p14:dur="700">
-        <p:fade/>
-      </p:transition>
-    </mc:Choice>
-    <mc:Fallback xmlns="">
-      <p:transition spd="med">
-        <p:fade/>
-      </p:transition>
-    </mc:Fallback>
-  </mc:AlternateContent>
-</p:sld>
-</file>
-
-<file path=ppt/slides/slide14.xml><?xml version="1.0" encoding="utf-8"?>
-<p:sld xmlns:a="http://schemas.openxmlformats.org/drawingml/2006/main" xmlns:r="http://schemas.openxmlformats.org/officeDocument/2006/relationships" xmlns:p="http://schemas.openxmlformats.org/presentationml/2006/main">
-  <p:cSld>
-    <p:spTree>
-      <p:nvGrpSpPr>
-        <p:cNvPr id="1" name=""/>
-        <p:cNvGrpSpPr/>
-        <p:nvPr/>
-      </p:nvGrpSpPr>
-      <p:grpSpPr>
-        <a:xfrm>
-          <a:off x="0" y="0"/>
-          <a:ext cx="0" cy="0"/>
-          <a:chOff x="0" y="0"/>
-          <a:chExt cx="0" cy="0"/>
-        </a:xfrm>
-      </p:grpSpPr>
-      <p:sp>
-        <p:nvSpPr>
           <p:cNvPr id="7" name="Title 6"/>
           <p:cNvSpPr>
             <a:spLocks noGrp="1"/>
@@ -6417,7 +5907,7 @@
 </p:sld>
 </file>
 
-<file path=ppt/slides/slide15.xml><?xml version="1.0" encoding="utf-8"?>
+<file path=ppt/slides/slide13.xml><?xml version="1.0" encoding="utf-8"?>
 <p:sld xmlns:a="http://schemas.openxmlformats.org/drawingml/2006/main" xmlns:r="http://schemas.openxmlformats.org/officeDocument/2006/relationships" xmlns:p="http://schemas.openxmlformats.org/presentationml/2006/main">
   <p:cSld>
     <p:spTree>
@@ -6773,88 +6263,47 @@
           <a:lstStyle/>
           <a:p>
             <a:r>
-              <a:rPr lang="en-GB" sz="2000" dirty="0"/>
-              <a:t>Model-based testing (MBT) is the automatic generation of software test procedures, using models of system requirements and behaviour.</a:t>
-            </a:r>
-          </a:p>
-          <a:p>
-            <a:r>
-              <a:rPr lang="pt-PT" sz="2000" dirty="0" err="1"/>
-              <a:t>Almost</a:t>
-            </a:r>
-            <a:r>
-              <a:rPr lang="pt-PT" sz="2000" dirty="0"/>
-              <a:t> </a:t>
-            </a:r>
-            <a:r>
-              <a:rPr lang="pt-PT" sz="2000" dirty="0" err="1"/>
-              <a:t>synonyms</a:t>
-            </a:r>
-            <a:endParaRPr lang="pt-PT" sz="2000" dirty="0"/>
+              <a:rPr lang="en-US" sz="2000" dirty="0"/>
+              <a:t>Model-based testing (MBT) is the automatic generation of software test procedures, using models of system requirements and behavior.</a:t>
+            </a:r>
+          </a:p>
+          <a:p>
+            <a:r>
+              <a:rPr lang="en-US" sz="2000" dirty="0"/>
+              <a:t>Almost synonyms</a:t>
+            </a:r>
           </a:p>
           <a:p>
             <a:pPr lvl="1"/>
             <a:r>
-              <a:rPr lang="pt-PT" sz="1800" dirty="0" err="1"/>
-              <a:t>Model-driven</a:t>
-            </a:r>
-            <a:r>
-              <a:rPr lang="pt-PT" sz="1800" dirty="0"/>
-              <a:t> </a:t>
-            </a:r>
-            <a:r>
-              <a:rPr lang="pt-PT" sz="1800" dirty="0" err="1"/>
-              <a:t>testing</a:t>
-            </a:r>
-            <a:endParaRPr lang="pt-PT" sz="1800" dirty="0"/>
+              <a:rPr lang="en-US" sz="1800" dirty="0"/>
+              <a:t>Model-driven testing</a:t>
+            </a:r>
           </a:p>
           <a:p>
             <a:pPr lvl="1"/>
             <a:r>
-              <a:rPr lang="pt-PT" sz="1800" dirty="0" err="1"/>
-              <a:t>Test</a:t>
-            </a:r>
-            <a:r>
-              <a:rPr lang="pt-PT" sz="1800" dirty="0"/>
-              <a:t> </a:t>
-            </a:r>
-            <a:r>
-              <a:rPr lang="pt-PT" sz="1800" dirty="0" err="1"/>
-              <a:t>generation</a:t>
-            </a:r>
-            <a:endParaRPr lang="pt-PT" sz="1800" dirty="0"/>
+              <a:rPr lang="en-US" sz="1800" dirty="0"/>
+              <a:t>Test generation</a:t>
+            </a:r>
           </a:p>
           <a:p>
             <a:pPr lvl="1"/>
             <a:r>
-              <a:rPr lang="pt-PT" sz="1800" dirty="0"/>
-              <a:t>Hardware in </a:t>
-            </a:r>
-            <a:r>
-              <a:rPr lang="pt-PT" sz="1800" dirty="0" err="1"/>
-              <a:t>the</a:t>
-            </a:r>
-            <a:r>
-              <a:rPr lang="pt-PT" sz="1800" dirty="0"/>
-              <a:t> </a:t>
-            </a:r>
-            <a:r>
-              <a:rPr lang="pt-PT" sz="1800" dirty="0" err="1"/>
-              <a:t>loop</a:t>
-            </a:r>
-            <a:endParaRPr lang="pt-PT" sz="1800" dirty="0"/>
-          </a:p>
-          <a:p>
-            <a:r>
-              <a:rPr lang="pt-PT" sz="2000" dirty="0" err="1"/>
-              <a:t>Approachs</a:t>
-            </a:r>
-            <a:endParaRPr lang="pt-PT" sz="2000" dirty="0"/>
+              <a:rPr lang="en-US" sz="1800" dirty="0"/>
+              <a:t>Hardware in the loop</a:t>
+            </a:r>
+          </a:p>
+          <a:p>
+            <a:r>
+              <a:rPr lang="en-US" sz="2000" dirty="0"/>
+              <a:t>Approaches</a:t>
+            </a:r>
           </a:p>
           <a:p>
             <a:pPr lvl="1"/>
             <a:r>
-              <a:rPr lang="pt-PT" sz="1800" dirty="0"/>
+              <a:rPr lang="en-US" sz="1800" dirty="0"/>
               <a:t>Online MBT</a:t>
             </a:r>
           </a:p>
@@ -6964,7 +6413,7 @@
         </p:blipFill>
         <p:spPr>
           <a:xfrm>
-            <a:off x="7701078" y="3586718"/>
+            <a:off x="7592093" y="3583498"/>
             <a:ext cx="3878306" cy="2462981"/>
           </a:xfrm>
           <a:prstGeom prst="rect">
@@ -7056,7 +6505,6 @@
               <a:rPr lang="pt-PT" dirty="0"/>
               <a:t>Offline MBT</a:t>
             </a:r>
-            <a:endParaRPr lang="pt-PT" dirty="0"/>
           </a:p>
         </p:txBody>
       </p:sp>
@@ -7120,7 +6568,6 @@
               <a:rPr lang="pt-PT" dirty="0"/>
               <a:t>Online MBT</a:t>
             </a:r>
-            <a:endParaRPr lang="pt-PT" dirty="0"/>
           </a:p>
         </p:txBody>
       </p:sp>
@@ -7141,7 +6588,13 @@
           <a:p>
             <a:r>
               <a:rPr lang="en-GB" dirty="0"/>
-              <a:t>Test case generation and execution in motion •Next step is design after the output receiving </a:t>
+              <a:t>Test case generation and execution in motion </a:t>
+            </a:r>
+          </a:p>
+          <a:p>
+            <a:r>
+              <a:rPr lang="en-GB" dirty="0"/>
+              <a:t>•Next step is design after the output receiving </a:t>
             </a:r>
           </a:p>
           <a:p>
@@ -7608,60 +7061,11 @@
           <a:p>
             <a:r>
               <a:rPr lang="en-US" dirty="0"/>
-              <a:t>What is the model?</a:t>
+              <a:t>Which tool I use?</a:t>
             </a:r>
           </a:p>
         </p:txBody>
       </p:sp>
-      <p:sp>
-        <p:nvSpPr>
-          <p:cNvPr id="2" name="Text Placeholder 1"/>
-          <p:cNvSpPr>
-            <a:spLocks noGrp="1"/>
-          </p:cNvSpPr>
-          <p:nvPr>
-            <p:ph type="body" idx="1"/>
-          </p:nvPr>
-        </p:nvSpPr>
-        <p:spPr/>
-        <p:txBody>
-          <a:bodyPr/>
-          <a:lstStyle/>
-          <a:p>
-            <a:r>
-              <a:rPr lang="en-US" dirty="0"/>
-              <a:t>Example</a:t>
-            </a:r>
-            <a:endParaRPr lang="pt-PT" dirty="0"/>
-          </a:p>
-        </p:txBody>
-      </p:sp>
-      <p:pic>
-        <p:nvPicPr>
-          <p:cNvPr id="5" name="Content Placeholder 4"/>
-          <p:cNvPicPr>
-            <a:picLocks noGrp="1" noChangeAspect="1"/>
-          </p:cNvPicPr>
-          <p:nvPr>
-            <p:ph sz="half" idx="2"/>
-          </p:nvPr>
-        </p:nvPicPr>
-        <p:blipFill>
-          <a:blip r:embed="rId2"/>
-          <a:stretch>
-            <a:fillRect/>
-          </a:stretch>
-        </p:blipFill>
-        <p:spPr>
-          <a:xfrm>
-            <a:off x="4086958" y="2717800"/>
-            <a:ext cx="4624508" cy="3454400"/>
-          </a:xfrm>
-          <a:prstGeom prst="rect">
-            <a:avLst/>
-          </a:prstGeom>
-        </p:spPr>
-      </p:pic>
       <p:sp>
         <p:nvSpPr>
           <p:cNvPr id="6" name="Title 12"/>
@@ -7719,10 +7123,2048 @@
           </a:p>
         </p:txBody>
       </p:sp>
+      <p:graphicFrame>
+        <p:nvGraphicFramePr>
+          <p:cNvPr id="11" name="Table 10"/>
+          <p:cNvGraphicFramePr>
+            <a:graphicFrameLocks noGrp="1"/>
+          </p:cNvGraphicFramePr>
+          <p:nvPr>
+            <p:extLst>
+              <p:ext uri="{D42A27DB-BD31-4B8C-83A1-F6EECF244321}">
+                <p14:modId xmlns:p14="http://schemas.microsoft.com/office/powerpoint/2010/main" val="3746128574"/>
+              </p:ext>
+            </p:extLst>
+          </p:nvPr>
+        </p:nvGraphicFramePr>
+        <p:xfrm>
+          <a:off x="1053852" y="1498600"/>
+          <a:ext cx="10873207" cy="5004983"/>
+        </p:xfrm>
+        <a:graphic>
+          <a:graphicData uri="http://schemas.openxmlformats.org/drawingml/2006/table">
+            <a:tbl>
+              <a:tblPr firstRow="1" firstCol="1">
+                <a:tableStyleId>{5C22544A-7EE6-4342-B048-85BDC9FD1C3A}</a:tableStyleId>
+              </a:tblPr>
+              <a:tblGrid>
+                <a:gridCol w="2701827">
+                  <a:extLst>
+                    <a:ext uri="{9D8B030D-6E8A-4147-A177-3AD203B41FA5}">
+                      <a16:colId xmlns:a16="http://schemas.microsoft.com/office/drawing/2014/main" val="3839411820"/>
+                    </a:ext>
+                  </a:extLst>
+                </a:gridCol>
+                <a:gridCol w="1449761">
+                  <a:extLst>
+                    <a:ext uri="{9D8B030D-6E8A-4147-A177-3AD203B41FA5}">
+                      <a16:colId xmlns:a16="http://schemas.microsoft.com/office/drawing/2014/main" val="3100957654"/>
+                    </a:ext>
+                  </a:extLst>
+                </a:gridCol>
+                <a:gridCol w="4107656">
+                  <a:extLst>
+                    <a:ext uri="{9D8B030D-6E8A-4147-A177-3AD203B41FA5}">
+                      <a16:colId xmlns:a16="http://schemas.microsoft.com/office/drawing/2014/main" val="3043289213"/>
+                    </a:ext>
+                  </a:extLst>
+                </a:gridCol>
+                <a:gridCol w="2613963">
+                  <a:extLst>
+                    <a:ext uri="{9D8B030D-6E8A-4147-A177-3AD203B41FA5}">
+                      <a16:colId xmlns:a16="http://schemas.microsoft.com/office/drawing/2014/main" val="2791684382"/>
+                    </a:ext>
+                  </a:extLst>
+                </a:gridCol>
+              </a:tblGrid>
+              <a:tr h="250190">
+                <a:tc>
+                  <a:txBody>
+                    <a:bodyPr/>
+                    <a:lstStyle/>
+                    <a:p>
+                      <a:pPr algn="ctr" rtl="0" fontAlgn="ctr"/>
+                      <a:r>
+                        <a:rPr lang="pt-PT" sz="1600" u="none" strike="noStrike">
+                          <a:effectLst/>
+                        </a:rPr>
+                        <a:t>Tool</a:t>
+                      </a:r>
+                      <a:endParaRPr lang="pt-PT" sz="1600" b="1" i="0" u="none" strike="noStrike">
+                        <a:solidFill>
+                          <a:srgbClr val="FFFFFF"/>
+                        </a:solidFill>
+                        <a:effectLst/>
+                        <a:latin typeface="Calibri" panose="020F0502020204030204" pitchFamily="34" charset="0"/>
+                      </a:endParaRPr>
+                    </a:p>
+                  </a:txBody>
+                  <a:tcPr marL="6350" marR="6350" marT="6350" marB="0" anchor="ctr"/>
+                </a:tc>
+                <a:tc>
+                  <a:txBody>
+                    <a:bodyPr/>
+                    <a:lstStyle/>
+                    <a:p>
+                      <a:pPr algn="ctr" rtl="0" fontAlgn="ctr"/>
+                      <a:r>
+                        <a:rPr lang="pt-PT" sz="1600" u="none" strike="noStrike">
+                          <a:effectLst/>
+                        </a:rPr>
+                        <a:t>Modified</a:t>
+                      </a:r>
+                      <a:endParaRPr lang="pt-PT" sz="1600" b="1" i="0" u="none" strike="noStrike">
+                        <a:solidFill>
+                          <a:srgbClr val="FFFFFF"/>
+                        </a:solidFill>
+                        <a:effectLst/>
+                        <a:latin typeface="Calibri" panose="020F0502020204030204" pitchFamily="34" charset="0"/>
+                      </a:endParaRPr>
+                    </a:p>
+                  </a:txBody>
+                  <a:tcPr marL="6350" marR="6350" marT="6350" marB="0" anchor="ctr"/>
+                </a:tc>
+                <a:tc>
+                  <a:txBody>
+                    <a:bodyPr/>
+                    <a:lstStyle/>
+                    <a:p>
+                      <a:pPr algn="ctr" rtl="0" fontAlgn="ctr"/>
+                      <a:r>
+                        <a:rPr lang="pt-PT" sz="1600" u="none" strike="noStrike">
+                          <a:effectLst/>
+                        </a:rPr>
+                        <a:t>Input format</a:t>
+                      </a:r>
+                      <a:endParaRPr lang="pt-PT" sz="1600" b="1" i="0" u="none" strike="noStrike">
+                        <a:solidFill>
+                          <a:srgbClr val="FFFFFF"/>
+                        </a:solidFill>
+                        <a:effectLst/>
+                        <a:latin typeface="Calibri" panose="020F0502020204030204" pitchFamily="34" charset="0"/>
+                      </a:endParaRPr>
+                    </a:p>
+                  </a:txBody>
+                  <a:tcPr marL="6350" marR="6350" marT="6350" marB="0" anchor="ctr"/>
+                </a:tc>
+                <a:tc>
+                  <a:txBody>
+                    <a:bodyPr/>
+                    <a:lstStyle/>
+                    <a:p>
+                      <a:pPr algn="ctr" rtl="0" fontAlgn="ctr"/>
+                      <a:r>
+                        <a:rPr lang="pt-PT" sz="1600" u="none" strike="noStrike">
+                          <a:effectLst/>
+                        </a:rPr>
+                        <a:t>Type</a:t>
+                      </a:r>
+                      <a:endParaRPr lang="pt-PT" sz="1600" b="1" i="0" u="none" strike="noStrike">
+                        <a:solidFill>
+                          <a:srgbClr val="FFFFFF"/>
+                        </a:solidFill>
+                        <a:effectLst/>
+                        <a:latin typeface="Calibri" panose="020F0502020204030204" pitchFamily="34" charset="0"/>
+                      </a:endParaRPr>
+                    </a:p>
+                  </a:txBody>
+                  <a:tcPr marL="6350" marR="6350" marT="6350" marB="0" anchor="ctr"/>
+                </a:tc>
+                <a:extLst>
+                  <a:ext uri="{0D108BD9-81ED-4DB2-BD59-A6C34878D82A}">
+                    <a16:rowId xmlns:a16="http://schemas.microsoft.com/office/drawing/2014/main" val="2202786671"/>
+                  </a:ext>
+                </a:extLst>
+              </a:tr>
+              <a:tr h="250190">
+                <a:tc>
+                  <a:txBody>
+                    <a:bodyPr/>
+                    <a:lstStyle/>
+                    <a:p>
+                      <a:pPr algn="ctr" rtl="0" fontAlgn="ctr"/>
+                      <a:r>
+                        <a:rPr lang="pt-PT" sz="1600" u="none" strike="noStrike">
+                          <a:effectLst/>
+                        </a:rPr>
+                        <a:t>Spec Explorer</a:t>
+                      </a:r>
+                      <a:endParaRPr lang="pt-PT" sz="1600" b="1" i="0" u="none" strike="noStrike">
+                        <a:solidFill>
+                          <a:srgbClr val="FFFFFF"/>
+                        </a:solidFill>
+                        <a:effectLst/>
+                        <a:latin typeface="Calibri" panose="020F0502020204030204" pitchFamily="34" charset="0"/>
+                      </a:endParaRPr>
+                    </a:p>
+                  </a:txBody>
+                  <a:tcPr marL="6350" marR="6350" marT="6350" marB="0" anchor="ctr"/>
+                </a:tc>
+                <a:tc>
+                  <a:txBody>
+                    <a:bodyPr/>
+                    <a:lstStyle/>
+                    <a:p>
+                      <a:pPr algn="ctr" rtl="0" fontAlgn="ctr"/>
+                      <a:r>
+                        <a:rPr lang="pt-PT" sz="1600" u="none" strike="noStrike">
+                          <a:effectLst/>
+                        </a:rPr>
+                        <a:t>2013</a:t>
+                      </a:r>
+                      <a:endParaRPr lang="pt-PT" sz="1600" b="0" i="0" u="none" strike="noStrike">
+                        <a:solidFill>
+                          <a:srgbClr val="000000"/>
+                        </a:solidFill>
+                        <a:effectLst/>
+                        <a:latin typeface="Calibri" panose="020F0502020204030204" pitchFamily="34" charset="0"/>
+                      </a:endParaRPr>
+                    </a:p>
+                  </a:txBody>
+                  <a:tcPr marL="6350" marR="6350" marT="6350" marB="0" anchor="ctr"/>
+                </a:tc>
+                <a:tc>
+                  <a:txBody>
+                    <a:bodyPr/>
+                    <a:lstStyle/>
+                    <a:p>
+                      <a:pPr algn="ctr" rtl="0" fontAlgn="ctr"/>
+                      <a:r>
+                        <a:rPr lang="pt-PT" sz="1600" u="none" strike="noStrike">
+                          <a:effectLst/>
+                        </a:rPr>
+                        <a:t>model programs in C#</a:t>
+                      </a:r>
+                      <a:endParaRPr lang="pt-PT" sz="1600" b="0" i="0" u="none" strike="noStrike">
+                        <a:solidFill>
+                          <a:srgbClr val="000000"/>
+                        </a:solidFill>
+                        <a:effectLst/>
+                        <a:latin typeface="Calibri" panose="020F0502020204030204" pitchFamily="34" charset="0"/>
+                      </a:endParaRPr>
+                    </a:p>
+                  </a:txBody>
+                  <a:tcPr marL="6350" marR="6350" marT="6350" marB="0" anchor="ctr"/>
+                </a:tc>
+                <a:tc>
+                  <a:txBody>
+                    <a:bodyPr/>
+                    <a:lstStyle/>
+                    <a:p>
+                      <a:pPr algn="ctr" rtl="0" fontAlgn="ctr"/>
+                      <a:r>
+                        <a:rPr lang="pt-PT" sz="1600" u="none" strike="noStrike">
+                          <a:effectLst/>
+                        </a:rPr>
+                        <a:t>Commercial</a:t>
+                      </a:r>
+                      <a:endParaRPr lang="pt-PT" sz="1600" b="0" i="0" u="none" strike="noStrike">
+                        <a:solidFill>
+                          <a:srgbClr val="000000"/>
+                        </a:solidFill>
+                        <a:effectLst/>
+                        <a:latin typeface="Calibri" panose="020F0502020204030204" pitchFamily="34" charset="0"/>
+                      </a:endParaRPr>
+                    </a:p>
+                  </a:txBody>
+                  <a:tcPr marL="6350" marR="6350" marT="6350" marB="0" anchor="ctr"/>
+                </a:tc>
+                <a:extLst>
+                  <a:ext uri="{0D108BD9-81ED-4DB2-BD59-A6C34878D82A}">
+                    <a16:rowId xmlns:a16="http://schemas.microsoft.com/office/drawing/2014/main" val="495779410"/>
+                  </a:ext>
+                </a:extLst>
+              </a:tr>
+              <a:tr h="250190">
+                <a:tc>
+                  <a:txBody>
+                    <a:bodyPr/>
+                    <a:lstStyle/>
+                    <a:p>
+                      <a:pPr algn="ctr" rtl="0" fontAlgn="ctr"/>
+                      <a:r>
+                        <a:rPr lang="pt-PT" sz="1600" u="none" strike="noStrike">
+                          <a:effectLst/>
+                        </a:rPr>
+                        <a:t>MaTeLo</a:t>
+                      </a:r>
+                      <a:endParaRPr lang="pt-PT" sz="1600" b="1" i="0" u="none" strike="noStrike">
+                        <a:solidFill>
+                          <a:srgbClr val="FFFFFF"/>
+                        </a:solidFill>
+                        <a:effectLst/>
+                        <a:latin typeface="Calibri" panose="020F0502020204030204" pitchFamily="34" charset="0"/>
+                      </a:endParaRPr>
+                    </a:p>
+                  </a:txBody>
+                  <a:tcPr marL="6350" marR="6350" marT="6350" marB="0" anchor="ctr"/>
+                </a:tc>
+                <a:tc>
+                  <a:txBody>
+                    <a:bodyPr/>
+                    <a:lstStyle/>
+                    <a:p>
+                      <a:pPr algn="ctr" rtl="0" fontAlgn="ctr"/>
+                      <a:r>
+                        <a:rPr lang="pt-PT" sz="1600" u="none" strike="noStrike">
+                          <a:effectLst/>
+                        </a:rPr>
+                        <a:t>2013</a:t>
+                      </a:r>
+                      <a:endParaRPr lang="pt-PT" sz="1600" b="0" i="0" u="none" strike="noStrike">
+                        <a:solidFill>
+                          <a:srgbClr val="000000"/>
+                        </a:solidFill>
+                        <a:effectLst/>
+                        <a:latin typeface="Calibri" panose="020F0502020204030204" pitchFamily="34" charset="0"/>
+                      </a:endParaRPr>
+                    </a:p>
+                  </a:txBody>
+                  <a:tcPr marL="6350" marR="6350" marT="6350" marB="0" anchor="ctr"/>
+                </a:tc>
+                <a:tc>
+                  <a:txBody>
+                    <a:bodyPr/>
+                    <a:lstStyle/>
+                    <a:p>
+                      <a:pPr algn="ctr" rtl="0" fontAlgn="ctr"/>
+                      <a:r>
+                        <a:rPr lang="pt-PT" sz="1600" u="none" strike="noStrike">
+                          <a:effectLst/>
+                        </a:rPr>
+                        <a:t>Markov chains</a:t>
+                      </a:r>
+                      <a:endParaRPr lang="pt-PT" sz="1600" b="0" i="0" u="none" strike="noStrike">
+                        <a:solidFill>
+                          <a:srgbClr val="000000"/>
+                        </a:solidFill>
+                        <a:effectLst/>
+                        <a:latin typeface="Calibri" panose="020F0502020204030204" pitchFamily="34" charset="0"/>
+                      </a:endParaRPr>
+                    </a:p>
+                  </a:txBody>
+                  <a:tcPr marL="6350" marR="6350" marT="6350" marB="0" anchor="ctr"/>
+                </a:tc>
+                <a:tc>
+                  <a:txBody>
+                    <a:bodyPr/>
+                    <a:lstStyle/>
+                    <a:p>
+                      <a:pPr algn="ctr" rtl="0" fontAlgn="ctr"/>
+                      <a:r>
+                        <a:rPr lang="pt-PT" sz="1600" u="none" strike="noStrike">
+                          <a:effectLst/>
+                        </a:rPr>
+                        <a:t>Commercial</a:t>
+                      </a:r>
+                      <a:endParaRPr lang="pt-PT" sz="1600" b="0" i="0" u="none" strike="noStrike">
+                        <a:solidFill>
+                          <a:srgbClr val="000000"/>
+                        </a:solidFill>
+                        <a:effectLst/>
+                        <a:latin typeface="Calibri" panose="020F0502020204030204" pitchFamily="34" charset="0"/>
+                      </a:endParaRPr>
+                    </a:p>
+                  </a:txBody>
+                  <a:tcPr marL="6350" marR="6350" marT="6350" marB="0" anchor="ctr"/>
+                </a:tc>
+                <a:extLst>
+                  <a:ext uri="{0D108BD9-81ED-4DB2-BD59-A6C34878D82A}">
+                    <a16:rowId xmlns:a16="http://schemas.microsoft.com/office/drawing/2014/main" val="1876639308"/>
+                  </a:ext>
+                </a:extLst>
+              </a:tr>
+              <a:tr h="251373">
+                <a:tc>
+                  <a:txBody>
+                    <a:bodyPr/>
+                    <a:lstStyle/>
+                    <a:p>
+                      <a:pPr algn="ctr" rtl="0" fontAlgn="ctr"/>
+                      <a:r>
+                        <a:rPr lang="pt-PT" sz="1600" u="none" strike="noStrike">
+                          <a:effectLst/>
+                        </a:rPr>
+                        <a:t>GraphWalker</a:t>
+                      </a:r>
+                      <a:endParaRPr lang="pt-PT" sz="1600" b="1" i="0" u="none" strike="noStrike">
+                        <a:solidFill>
+                          <a:srgbClr val="FFFFFF"/>
+                        </a:solidFill>
+                        <a:effectLst/>
+                        <a:latin typeface="Calibri" panose="020F0502020204030204" pitchFamily="34" charset="0"/>
+                      </a:endParaRPr>
+                    </a:p>
+                  </a:txBody>
+                  <a:tcPr marL="6350" marR="6350" marT="6350" marB="0" anchor="ctr"/>
+                </a:tc>
+                <a:tc>
+                  <a:txBody>
+                    <a:bodyPr/>
+                    <a:lstStyle/>
+                    <a:p>
+                      <a:pPr algn="ctr" rtl="0" fontAlgn="ctr"/>
+                      <a:r>
+                        <a:rPr lang="pt-PT" sz="1600" u="none" strike="noStrike">
+                          <a:effectLst/>
+                        </a:rPr>
+                        <a:t>2014</a:t>
+                      </a:r>
+                      <a:endParaRPr lang="pt-PT" sz="1600" b="0" i="0" u="none" strike="noStrike">
+                        <a:solidFill>
+                          <a:srgbClr val="000000"/>
+                        </a:solidFill>
+                        <a:effectLst/>
+                        <a:latin typeface="Calibri" panose="020F0502020204030204" pitchFamily="34" charset="0"/>
+                      </a:endParaRPr>
+                    </a:p>
+                  </a:txBody>
+                  <a:tcPr marL="6350" marR="6350" marT="6350" marB="0" anchor="ctr"/>
+                </a:tc>
+                <a:tc>
+                  <a:txBody>
+                    <a:bodyPr/>
+                    <a:lstStyle/>
+                    <a:p>
+                      <a:pPr algn="ctr" rtl="0" fontAlgn="ctr"/>
+                      <a:r>
+                        <a:rPr lang="pt-PT" sz="1600" u="none" strike="noStrike">
+                          <a:effectLst/>
+                        </a:rPr>
+                        <a:t>FSM</a:t>
+                      </a:r>
+                      <a:endParaRPr lang="pt-PT" sz="1600" b="0" i="0" u="none" strike="noStrike">
+                        <a:solidFill>
+                          <a:srgbClr val="000000"/>
+                        </a:solidFill>
+                        <a:effectLst/>
+                        <a:latin typeface="Calibri" panose="020F0502020204030204" pitchFamily="34" charset="0"/>
+                      </a:endParaRPr>
+                    </a:p>
+                  </a:txBody>
+                  <a:tcPr marL="6350" marR="6350" marT="6350" marB="0" anchor="ctr"/>
+                </a:tc>
+                <a:tc>
+                  <a:txBody>
+                    <a:bodyPr/>
+                    <a:lstStyle/>
+                    <a:p>
+                      <a:pPr algn="ctr" rtl="0" fontAlgn="ctr"/>
+                      <a:r>
+                        <a:rPr lang="pt-PT" sz="1600" u="none" strike="noStrike">
+                          <a:effectLst/>
+                        </a:rPr>
+                        <a:t>Open source</a:t>
+                      </a:r>
+                      <a:endParaRPr lang="pt-PT" sz="1600" b="0" i="0" u="none" strike="noStrike">
+                        <a:solidFill>
+                          <a:srgbClr val="000000"/>
+                        </a:solidFill>
+                        <a:effectLst/>
+                        <a:latin typeface="Calibri" panose="020F0502020204030204" pitchFamily="34" charset="0"/>
+                      </a:endParaRPr>
+                    </a:p>
+                  </a:txBody>
+                  <a:tcPr marL="6350" marR="6350" marT="6350" marB="0" anchor="ctr"/>
+                </a:tc>
+                <a:extLst>
+                  <a:ext uri="{0D108BD9-81ED-4DB2-BD59-A6C34878D82A}">
+                    <a16:rowId xmlns:a16="http://schemas.microsoft.com/office/drawing/2014/main" val="118450071"/>
+                  </a:ext>
+                </a:extLst>
+              </a:tr>
+              <a:tr h="250190">
+                <a:tc>
+                  <a:txBody>
+                    <a:bodyPr/>
+                    <a:lstStyle/>
+                    <a:p>
+                      <a:pPr algn="ctr" rtl="0" fontAlgn="ctr"/>
+                      <a:r>
+                        <a:rPr lang="pt-PT" sz="1600" u="none" strike="noStrike">
+                          <a:effectLst/>
+                        </a:rPr>
+                        <a:t>Uppaal</a:t>
+                      </a:r>
+                      <a:endParaRPr lang="pt-PT" sz="1600" b="1" i="0" u="none" strike="noStrike">
+                        <a:solidFill>
+                          <a:srgbClr val="FFFFFF"/>
+                        </a:solidFill>
+                        <a:effectLst/>
+                        <a:latin typeface="Calibri" panose="020F0502020204030204" pitchFamily="34" charset="0"/>
+                      </a:endParaRPr>
+                    </a:p>
+                  </a:txBody>
+                  <a:tcPr marL="6350" marR="6350" marT="6350" marB="0" anchor="ctr"/>
+                </a:tc>
+                <a:tc>
+                  <a:txBody>
+                    <a:bodyPr/>
+                    <a:lstStyle/>
+                    <a:p>
+                      <a:pPr algn="ctr" rtl="0" fontAlgn="ctr"/>
+                      <a:r>
+                        <a:rPr lang="pt-PT" sz="1600" u="none" strike="noStrike">
+                          <a:effectLst/>
+                        </a:rPr>
+                        <a:t> </a:t>
+                      </a:r>
+                      <a:endParaRPr lang="pt-PT" sz="1600" b="0" i="0" u="none" strike="noStrike">
+                        <a:solidFill>
+                          <a:srgbClr val="000000"/>
+                        </a:solidFill>
+                        <a:effectLst/>
+                        <a:latin typeface="Calibri" panose="020F0502020204030204" pitchFamily="34" charset="0"/>
+                      </a:endParaRPr>
+                    </a:p>
+                  </a:txBody>
+                  <a:tcPr marL="6350" marR="6350" marT="6350" marB="0" anchor="ctr"/>
+                </a:tc>
+                <a:tc>
+                  <a:txBody>
+                    <a:bodyPr/>
+                    <a:lstStyle/>
+                    <a:p>
+                      <a:pPr algn="ctr" rtl="0" fontAlgn="ctr"/>
+                      <a:r>
+                        <a:rPr lang="pt-PT" sz="1600" u="none" strike="noStrike">
+                          <a:effectLst/>
+                        </a:rPr>
+                        <a:t> </a:t>
+                      </a:r>
+                      <a:endParaRPr lang="pt-PT" sz="1600" b="0" i="0" u="none" strike="noStrike">
+                        <a:solidFill>
+                          <a:srgbClr val="000000"/>
+                        </a:solidFill>
+                        <a:effectLst/>
+                        <a:latin typeface="Calibri" panose="020F0502020204030204" pitchFamily="34" charset="0"/>
+                      </a:endParaRPr>
+                    </a:p>
+                  </a:txBody>
+                  <a:tcPr marL="6350" marR="6350" marT="6350" marB="0" anchor="ctr"/>
+                </a:tc>
+                <a:tc>
+                  <a:txBody>
+                    <a:bodyPr/>
+                    <a:lstStyle/>
+                    <a:p>
+                      <a:pPr algn="ctr" rtl="0" fontAlgn="ctr"/>
+                      <a:r>
+                        <a:rPr lang="pt-PT" sz="1600" u="none" strike="noStrike">
+                          <a:effectLst/>
+                        </a:rPr>
+                        <a:t>Not specified</a:t>
+                      </a:r>
+                      <a:endParaRPr lang="pt-PT" sz="1600" b="0" i="0" u="none" strike="noStrike">
+                        <a:solidFill>
+                          <a:srgbClr val="000000"/>
+                        </a:solidFill>
+                        <a:effectLst/>
+                        <a:latin typeface="Calibri" panose="020F0502020204030204" pitchFamily="34" charset="0"/>
+                      </a:endParaRPr>
+                    </a:p>
+                  </a:txBody>
+                  <a:tcPr marL="6350" marR="6350" marT="6350" marB="0" anchor="ctr"/>
+                </a:tc>
+                <a:extLst>
+                  <a:ext uri="{0D108BD9-81ED-4DB2-BD59-A6C34878D82A}">
+                    <a16:rowId xmlns:a16="http://schemas.microsoft.com/office/drawing/2014/main" val="17439345"/>
+                  </a:ext>
+                </a:extLst>
+              </a:tr>
+              <a:tr h="250190">
+                <a:tc>
+                  <a:txBody>
+                    <a:bodyPr/>
+                    <a:lstStyle/>
+                    <a:p>
+                      <a:pPr algn="ctr" rtl="0" fontAlgn="ctr"/>
+                      <a:r>
+                        <a:rPr lang="pt-PT" sz="1600" u="none" strike="noStrike">
+                          <a:effectLst/>
+                        </a:rPr>
+                        <a:t>Conformiq Creator</a:t>
+                      </a:r>
+                      <a:endParaRPr lang="pt-PT" sz="1600" b="1" i="0" u="none" strike="noStrike">
+                        <a:solidFill>
+                          <a:srgbClr val="FFFFFF"/>
+                        </a:solidFill>
+                        <a:effectLst/>
+                        <a:latin typeface="Calibri" panose="020F0502020204030204" pitchFamily="34" charset="0"/>
+                      </a:endParaRPr>
+                    </a:p>
+                  </a:txBody>
+                  <a:tcPr marL="6350" marR="6350" marT="6350" marB="0" anchor="ctr"/>
+                </a:tc>
+                <a:tc>
+                  <a:txBody>
+                    <a:bodyPr/>
+                    <a:lstStyle/>
+                    <a:p>
+                      <a:pPr algn="ctr" rtl="0" fontAlgn="ctr"/>
+                      <a:r>
+                        <a:rPr lang="pt-PT" sz="1600" u="none" strike="noStrike">
+                          <a:effectLst/>
+                        </a:rPr>
+                        <a:t>2016</a:t>
+                      </a:r>
+                      <a:endParaRPr lang="pt-PT" sz="1600" b="0" i="0" u="none" strike="noStrike">
+                        <a:solidFill>
+                          <a:srgbClr val="000000"/>
+                        </a:solidFill>
+                        <a:effectLst/>
+                        <a:latin typeface="Calibri" panose="020F0502020204030204" pitchFamily="34" charset="0"/>
+                      </a:endParaRPr>
+                    </a:p>
+                  </a:txBody>
+                  <a:tcPr marL="6350" marR="6350" marT="6350" marB="0" anchor="ctr"/>
+                </a:tc>
+                <a:tc>
+                  <a:txBody>
+                    <a:bodyPr/>
+                    <a:lstStyle/>
+                    <a:p>
+                      <a:pPr algn="ctr" rtl="0" fontAlgn="ctr"/>
+                      <a:r>
+                        <a:rPr lang="pt-PT" sz="1600" u="none" strike="noStrike">
+                          <a:effectLst/>
+                        </a:rPr>
+                        <a:t>Activity Diagrams, DSL</a:t>
+                      </a:r>
+                      <a:endParaRPr lang="pt-PT" sz="1600" b="0" i="0" u="none" strike="noStrike">
+                        <a:solidFill>
+                          <a:srgbClr val="000000"/>
+                        </a:solidFill>
+                        <a:effectLst/>
+                        <a:latin typeface="Calibri" panose="020F0502020204030204" pitchFamily="34" charset="0"/>
+                      </a:endParaRPr>
+                    </a:p>
+                  </a:txBody>
+                  <a:tcPr marL="6350" marR="6350" marT="6350" marB="0" anchor="ctr"/>
+                </a:tc>
+                <a:tc>
+                  <a:txBody>
+                    <a:bodyPr/>
+                    <a:lstStyle/>
+                    <a:p>
+                      <a:pPr algn="ctr" rtl="0" fontAlgn="ctr"/>
+                      <a:r>
+                        <a:rPr lang="pt-PT" sz="1600" u="none" strike="noStrike">
+                          <a:effectLst/>
+                        </a:rPr>
+                        <a:t>Commercial</a:t>
+                      </a:r>
+                      <a:endParaRPr lang="pt-PT" sz="1600" b="0" i="0" u="none" strike="noStrike">
+                        <a:solidFill>
+                          <a:srgbClr val="000000"/>
+                        </a:solidFill>
+                        <a:effectLst/>
+                        <a:latin typeface="Calibri" panose="020F0502020204030204" pitchFamily="34" charset="0"/>
+                      </a:endParaRPr>
+                    </a:p>
+                  </a:txBody>
+                  <a:tcPr marL="6350" marR="6350" marT="6350" marB="0" anchor="ctr"/>
+                </a:tc>
+                <a:extLst>
+                  <a:ext uri="{0D108BD9-81ED-4DB2-BD59-A6C34878D82A}">
+                    <a16:rowId xmlns:a16="http://schemas.microsoft.com/office/drawing/2014/main" val="492296402"/>
+                  </a:ext>
+                </a:extLst>
+              </a:tr>
+              <a:tr h="250190">
+                <a:tc>
+                  <a:txBody>
+                    <a:bodyPr/>
+                    <a:lstStyle/>
+                    <a:p>
+                      <a:pPr algn="ctr" rtl="0" fontAlgn="ctr"/>
+                      <a:r>
+                        <a:rPr lang="pt-PT" sz="1600" u="none" strike="noStrike">
+                          <a:effectLst/>
+                        </a:rPr>
+                        <a:t>Conformiq Designer</a:t>
+                      </a:r>
+                      <a:endParaRPr lang="pt-PT" sz="1600" b="1" i="0" u="none" strike="noStrike">
+                        <a:solidFill>
+                          <a:srgbClr val="FFFFFF"/>
+                        </a:solidFill>
+                        <a:effectLst/>
+                        <a:latin typeface="Calibri" panose="020F0502020204030204" pitchFamily="34" charset="0"/>
+                      </a:endParaRPr>
+                    </a:p>
+                  </a:txBody>
+                  <a:tcPr marL="6350" marR="6350" marT="6350" marB="0" anchor="ctr"/>
+                </a:tc>
+                <a:tc>
+                  <a:txBody>
+                    <a:bodyPr/>
+                    <a:lstStyle/>
+                    <a:p>
+                      <a:pPr algn="ctr" rtl="0" fontAlgn="ctr"/>
+                      <a:r>
+                        <a:rPr lang="pt-PT" sz="1600" u="none" strike="noStrike">
+                          <a:effectLst/>
+                        </a:rPr>
+                        <a:t>2014</a:t>
+                      </a:r>
+                      <a:endParaRPr lang="pt-PT" sz="1600" b="0" i="0" u="none" strike="noStrike">
+                        <a:solidFill>
+                          <a:srgbClr val="000000"/>
+                        </a:solidFill>
+                        <a:effectLst/>
+                        <a:latin typeface="Calibri" panose="020F0502020204030204" pitchFamily="34" charset="0"/>
+                      </a:endParaRPr>
+                    </a:p>
+                  </a:txBody>
+                  <a:tcPr marL="6350" marR="6350" marT="6350" marB="0" anchor="ctr"/>
+                </a:tc>
+                <a:tc>
+                  <a:txBody>
+                    <a:bodyPr/>
+                    <a:lstStyle/>
+                    <a:p>
+                      <a:pPr algn="ctr" rtl="0" fontAlgn="ctr"/>
+                      <a:r>
+                        <a:rPr lang="pt-PT" sz="1600" u="none" strike="noStrike">
+                          <a:effectLst/>
+                        </a:rPr>
+                        <a:t>UML State Machines, QML</a:t>
+                      </a:r>
+                      <a:endParaRPr lang="pt-PT" sz="1600" b="0" i="0" u="none" strike="noStrike">
+                        <a:solidFill>
+                          <a:srgbClr val="000000"/>
+                        </a:solidFill>
+                        <a:effectLst/>
+                        <a:latin typeface="Calibri" panose="020F0502020204030204" pitchFamily="34" charset="0"/>
+                      </a:endParaRPr>
+                    </a:p>
+                  </a:txBody>
+                  <a:tcPr marL="6350" marR="6350" marT="6350" marB="0" anchor="ctr"/>
+                </a:tc>
+                <a:tc>
+                  <a:txBody>
+                    <a:bodyPr/>
+                    <a:lstStyle/>
+                    <a:p>
+                      <a:pPr algn="ctr" rtl="0" fontAlgn="ctr"/>
+                      <a:r>
+                        <a:rPr lang="pt-PT" sz="1600" u="none" strike="noStrike">
+                          <a:effectLst/>
+                        </a:rPr>
+                        <a:t>Commercial</a:t>
+                      </a:r>
+                      <a:endParaRPr lang="pt-PT" sz="1600" b="0" i="0" u="none" strike="noStrike">
+                        <a:solidFill>
+                          <a:srgbClr val="000000"/>
+                        </a:solidFill>
+                        <a:effectLst/>
+                        <a:latin typeface="Calibri" panose="020F0502020204030204" pitchFamily="34" charset="0"/>
+                      </a:endParaRPr>
+                    </a:p>
+                  </a:txBody>
+                  <a:tcPr marL="6350" marR="6350" marT="6350" marB="0" anchor="ctr"/>
+                </a:tc>
+                <a:extLst>
+                  <a:ext uri="{0D108BD9-81ED-4DB2-BD59-A6C34878D82A}">
+                    <a16:rowId xmlns:a16="http://schemas.microsoft.com/office/drawing/2014/main" val="197933192"/>
+                  </a:ext>
+                </a:extLst>
+              </a:tr>
+              <a:tr h="250190">
+                <a:tc>
+                  <a:txBody>
+                    <a:bodyPr/>
+                    <a:lstStyle/>
+                    <a:p>
+                      <a:pPr algn="ctr" rtl="0" fontAlgn="ctr"/>
+                      <a:r>
+                        <a:rPr lang="pt-PT" sz="1600" u="none" strike="noStrike">
+                          <a:effectLst/>
+                        </a:rPr>
+                        <a:t>TopCased</a:t>
+                      </a:r>
+                      <a:endParaRPr lang="pt-PT" sz="1600" b="1" i="0" u="none" strike="noStrike">
+                        <a:solidFill>
+                          <a:srgbClr val="FFFFFF"/>
+                        </a:solidFill>
+                        <a:effectLst/>
+                        <a:latin typeface="Calibri" panose="020F0502020204030204" pitchFamily="34" charset="0"/>
+                      </a:endParaRPr>
+                    </a:p>
+                  </a:txBody>
+                  <a:tcPr marL="6350" marR="6350" marT="6350" marB="0" anchor="ctr"/>
+                </a:tc>
+                <a:tc>
+                  <a:txBody>
+                    <a:bodyPr/>
+                    <a:lstStyle/>
+                    <a:p>
+                      <a:pPr algn="ctr" rtl="0" fontAlgn="ctr"/>
+                      <a:r>
+                        <a:rPr lang="pt-PT" sz="1600" u="none" strike="noStrike">
+                          <a:effectLst/>
+                        </a:rPr>
+                        <a:t> </a:t>
+                      </a:r>
+                      <a:endParaRPr lang="pt-PT" sz="1600" b="0" i="0" u="none" strike="noStrike">
+                        <a:solidFill>
+                          <a:srgbClr val="000000"/>
+                        </a:solidFill>
+                        <a:effectLst/>
+                        <a:latin typeface="Calibri" panose="020F0502020204030204" pitchFamily="34" charset="0"/>
+                      </a:endParaRPr>
+                    </a:p>
+                  </a:txBody>
+                  <a:tcPr marL="6350" marR="6350" marT="6350" marB="0" anchor="ctr"/>
+                </a:tc>
+                <a:tc>
+                  <a:txBody>
+                    <a:bodyPr/>
+                    <a:lstStyle/>
+                    <a:p>
+                      <a:pPr algn="ctr" rtl="0" fontAlgn="ctr"/>
+                      <a:r>
+                        <a:rPr lang="pt-PT" sz="1600" u="none" strike="noStrike">
+                          <a:effectLst/>
+                        </a:rPr>
+                        <a:t> </a:t>
+                      </a:r>
+                      <a:endParaRPr lang="pt-PT" sz="1600" b="0" i="0" u="none" strike="noStrike">
+                        <a:solidFill>
+                          <a:srgbClr val="000000"/>
+                        </a:solidFill>
+                        <a:effectLst/>
+                        <a:latin typeface="Calibri" panose="020F0502020204030204" pitchFamily="34" charset="0"/>
+                      </a:endParaRPr>
+                    </a:p>
+                  </a:txBody>
+                  <a:tcPr marL="6350" marR="6350" marT="6350" marB="0" anchor="ctr"/>
+                </a:tc>
+                <a:tc>
+                  <a:txBody>
+                    <a:bodyPr/>
+                    <a:lstStyle/>
+                    <a:p>
+                      <a:pPr algn="ctr" rtl="0" fontAlgn="ctr"/>
+                      <a:r>
+                        <a:rPr lang="pt-PT" sz="1600" u="none" strike="noStrike">
+                          <a:effectLst/>
+                        </a:rPr>
+                        <a:t>Apache 2.0</a:t>
+                      </a:r>
+                      <a:endParaRPr lang="pt-PT" sz="1600" b="0" i="0" u="none" strike="noStrike">
+                        <a:solidFill>
+                          <a:srgbClr val="000000"/>
+                        </a:solidFill>
+                        <a:effectLst/>
+                        <a:latin typeface="Calibri" panose="020F0502020204030204" pitchFamily="34" charset="0"/>
+                      </a:endParaRPr>
+                    </a:p>
+                  </a:txBody>
+                  <a:tcPr marL="6350" marR="6350" marT="6350" marB="0" anchor="ctr"/>
+                </a:tc>
+                <a:extLst>
+                  <a:ext uri="{0D108BD9-81ED-4DB2-BD59-A6C34878D82A}">
+                    <a16:rowId xmlns:a16="http://schemas.microsoft.com/office/drawing/2014/main" val="3642791424"/>
+                  </a:ext>
+                </a:extLst>
+              </a:tr>
+              <a:tr h="250190">
+                <a:tc>
+                  <a:txBody>
+                    <a:bodyPr/>
+                    <a:lstStyle/>
+                    <a:p>
+                      <a:pPr algn="ctr" rtl="0" fontAlgn="ctr"/>
+                      <a:r>
+                        <a:rPr lang="pt-PT" sz="1600" u="none" strike="noStrike">
+                          <a:effectLst/>
+                        </a:rPr>
+                        <a:t>MISTA</a:t>
+                      </a:r>
+                      <a:endParaRPr lang="pt-PT" sz="1600" b="1" i="0" u="none" strike="noStrike">
+                        <a:solidFill>
+                          <a:srgbClr val="FFFFFF"/>
+                        </a:solidFill>
+                        <a:effectLst/>
+                        <a:latin typeface="Calibri" panose="020F0502020204030204" pitchFamily="34" charset="0"/>
+                      </a:endParaRPr>
+                    </a:p>
+                  </a:txBody>
+                  <a:tcPr marL="6350" marR="6350" marT="6350" marB="0" anchor="ctr"/>
+                </a:tc>
+                <a:tc>
+                  <a:txBody>
+                    <a:bodyPr/>
+                    <a:lstStyle/>
+                    <a:p>
+                      <a:pPr algn="ctr" rtl="0" fontAlgn="ctr"/>
+                      <a:r>
+                        <a:rPr lang="pt-PT" sz="1600" u="none" strike="noStrike">
+                          <a:effectLst/>
+                        </a:rPr>
+                        <a:t>2013</a:t>
+                      </a:r>
+                      <a:endParaRPr lang="pt-PT" sz="1600" b="0" i="0" u="none" strike="noStrike">
+                        <a:solidFill>
+                          <a:srgbClr val="000000"/>
+                        </a:solidFill>
+                        <a:effectLst/>
+                        <a:latin typeface="Calibri" panose="020F0502020204030204" pitchFamily="34" charset="0"/>
+                      </a:endParaRPr>
+                    </a:p>
+                  </a:txBody>
+                  <a:tcPr marL="6350" marR="6350" marT="6350" marB="0" anchor="ctr"/>
+                </a:tc>
+                <a:tc>
+                  <a:txBody>
+                    <a:bodyPr/>
+                    <a:lstStyle/>
+                    <a:p>
+                      <a:pPr algn="ctr" rtl="0" fontAlgn="ctr"/>
+                      <a:r>
+                        <a:rPr lang="pt-PT" sz="1600" u="none" strike="noStrike">
+                          <a:effectLst/>
+                        </a:rPr>
+                        <a:t>PrT net</a:t>
+                      </a:r>
+                      <a:endParaRPr lang="pt-PT" sz="1600" b="0" i="0" u="none" strike="noStrike">
+                        <a:solidFill>
+                          <a:srgbClr val="000000"/>
+                        </a:solidFill>
+                        <a:effectLst/>
+                        <a:latin typeface="Calibri" panose="020F0502020204030204" pitchFamily="34" charset="0"/>
+                      </a:endParaRPr>
+                    </a:p>
+                  </a:txBody>
+                  <a:tcPr marL="6350" marR="6350" marT="6350" marB="0" anchor="ctr"/>
+                </a:tc>
+                <a:tc>
+                  <a:txBody>
+                    <a:bodyPr/>
+                    <a:lstStyle/>
+                    <a:p>
+                      <a:pPr algn="ctr" rtl="0" fontAlgn="ctr"/>
+                      <a:r>
+                        <a:rPr lang="pt-PT" sz="1600" u="none" strike="noStrike">
+                          <a:effectLst/>
+                        </a:rPr>
+                        <a:t>Academic</a:t>
+                      </a:r>
+                      <a:endParaRPr lang="pt-PT" sz="1600" b="0" i="0" u="none" strike="noStrike">
+                        <a:solidFill>
+                          <a:srgbClr val="000000"/>
+                        </a:solidFill>
+                        <a:effectLst/>
+                        <a:latin typeface="Calibri" panose="020F0502020204030204" pitchFamily="34" charset="0"/>
+                      </a:endParaRPr>
+                    </a:p>
+                  </a:txBody>
+                  <a:tcPr marL="6350" marR="6350" marT="6350" marB="0" anchor="ctr"/>
+                </a:tc>
+                <a:extLst>
+                  <a:ext uri="{0D108BD9-81ED-4DB2-BD59-A6C34878D82A}">
+                    <a16:rowId xmlns:a16="http://schemas.microsoft.com/office/drawing/2014/main" val="3836009039"/>
+                  </a:ext>
+                </a:extLst>
+              </a:tr>
+              <a:tr h="250190">
+                <a:tc>
+                  <a:txBody>
+                    <a:bodyPr/>
+                    <a:lstStyle/>
+                    <a:p>
+                      <a:pPr algn="ctr" rtl="0" fontAlgn="ctr"/>
+                      <a:r>
+                        <a:rPr lang="pt-PT" sz="1600" u="none" strike="noStrike">
+                          <a:effectLst/>
+                        </a:rPr>
+                        <a:t>NModel</a:t>
+                      </a:r>
+                      <a:endParaRPr lang="pt-PT" sz="1600" b="1" i="0" u="none" strike="noStrike">
+                        <a:solidFill>
+                          <a:srgbClr val="FFFFFF"/>
+                        </a:solidFill>
+                        <a:effectLst/>
+                        <a:latin typeface="Calibri" panose="020F0502020204030204" pitchFamily="34" charset="0"/>
+                      </a:endParaRPr>
+                    </a:p>
+                  </a:txBody>
+                  <a:tcPr marL="6350" marR="6350" marT="6350" marB="0" anchor="ctr"/>
+                </a:tc>
+                <a:tc>
+                  <a:txBody>
+                    <a:bodyPr/>
+                    <a:lstStyle/>
+                    <a:p>
+                      <a:pPr algn="ctr" rtl="0" fontAlgn="ctr"/>
+                      <a:r>
+                        <a:rPr lang="pt-PT" sz="1600" u="none" strike="noStrike">
+                          <a:effectLst/>
+                        </a:rPr>
+                        <a:t> </a:t>
+                      </a:r>
+                      <a:endParaRPr lang="pt-PT" sz="1600" b="0" i="0" u="none" strike="noStrike">
+                        <a:solidFill>
+                          <a:srgbClr val="000000"/>
+                        </a:solidFill>
+                        <a:effectLst/>
+                        <a:latin typeface="Calibri" panose="020F0502020204030204" pitchFamily="34" charset="0"/>
+                      </a:endParaRPr>
+                    </a:p>
+                  </a:txBody>
+                  <a:tcPr marL="6350" marR="6350" marT="6350" marB="0" anchor="ctr"/>
+                </a:tc>
+                <a:tc>
+                  <a:txBody>
+                    <a:bodyPr/>
+                    <a:lstStyle/>
+                    <a:p>
+                      <a:pPr algn="ctr" rtl="0" fontAlgn="ctr"/>
+                      <a:r>
+                        <a:rPr lang="pt-PT" sz="1600" u="none" strike="noStrike">
+                          <a:effectLst/>
+                        </a:rPr>
+                        <a:t> </a:t>
+                      </a:r>
+                      <a:endParaRPr lang="pt-PT" sz="1600" b="0" i="0" u="none" strike="noStrike">
+                        <a:solidFill>
+                          <a:srgbClr val="000000"/>
+                        </a:solidFill>
+                        <a:effectLst/>
+                        <a:latin typeface="Calibri" panose="020F0502020204030204" pitchFamily="34" charset="0"/>
+                      </a:endParaRPr>
+                    </a:p>
+                  </a:txBody>
+                  <a:tcPr marL="6350" marR="6350" marT="6350" marB="0" anchor="ctr"/>
+                </a:tc>
+                <a:tc>
+                  <a:txBody>
+                    <a:bodyPr/>
+                    <a:lstStyle/>
+                    <a:p>
+                      <a:pPr algn="ctr" rtl="0" fontAlgn="ctr"/>
+                      <a:r>
+                        <a:rPr lang="pt-PT" sz="1600" u="none" strike="noStrike">
+                          <a:effectLst/>
+                        </a:rPr>
+                        <a:t> </a:t>
+                      </a:r>
+                      <a:endParaRPr lang="pt-PT" sz="1600" b="0" i="0" u="none" strike="noStrike">
+                        <a:solidFill>
+                          <a:srgbClr val="000000"/>
+                        </a:solidFill>
+                        <a:effectLst/>
+                        <a:latin typeface="Calibri" panose="020F0502020204030204" pitchFamily="34" charset="0"/>
+                      </a:endParaRPr>
+                    </a:p>
+                  </a:txBody>
+                  <a:tcPr marL="6350" marR="6350" marT="6350" marB="0" anchor="ctr"/>
+                </a:tc>
+                <a:extLst>
+                  <a:ext uri="{0D108BD9-81ED-4DB2-BD59-A6C34878D82A}">
+                    <a16:rowId xmlns:a16="http://schemas.microsoft.com/office/drawing/2014/main" val="2854574071"/>
+                  </a:ext>
+                </a:extLst>
+              </a:tr>
+              <a:tr h="250190">
+                <a:tc>
+                  <a:txBody>
+                    <a:bodyPr/>
+                    <a:lstStyle/>
+                    <a:p>
+                      <a:pPr algn="ctr" rtl="0" fontAlgn="ctr"/>
+                      <a:r>
+                        <a:rPr lang="pt-PT" sz="1600" u="none" strike="noStrike">
+                          <a:effectLst/>
+                        </a:rPr>
+                        <a:t>fMBT</a:t>
+                      </a:r>
+                      <a:endParaRPr lang="pt-PT" sz="1600" b="1" i="0" u="none" strike="noStrike">
+                        <a:solidFill>
+                          <a:srgbClr val="FFFFFF"/>
+                        </a:solidFill>
+                        <a:effectLst/>
+                        <a:latin typeface="Calibri" panose="020F0502020204030204" pitchFamily="34" charset="0"/>
+                      </a:endParaRPr>
+                    </a:p>
+                  </a:txBody>
+                  <a:tcPr marL="6350" marR="6350" marT="6350" marB="0" anchor="ctr"/>
+                </a:tc>
+                <a:tc>
+                  <a:txBody>
+                    <a:bodyPr/>
+                    <a:lstStyle/>
+                    <a:p>
+                      <a:pPr algn="ctr" rtl="0" fontAlgn="ctr"/>
+                      <a:r>
+                        <a:rPr lang="pt-PT" sz="1600" u="none" strike="noStrike">
+                          <a:effectLst/>
+                        </a:rPr>
+                        <a:t>2014</a:t>
+                      </a:r>
+                      <a:endParaRPr lang="pt-PT" sz="1600" b="0" i="0" u="none" strike="noStrike">
+                        <a:solidFill>
+                          <a:srgbClr val="000000"/>
+                        </a:solidFill>
+                        <a:effectLst/>
+                        <a:latin typeface="Calibri" panose="020F0502020204030204" pitchFamily="34" charset="0"/>
+                      </a:endParaRPr>
+                    </a:p>
+                  </a:txBody>
+                  <a:tcPr marL="6350" marR="6350" marT="6350" marB="0" anchor="ctr"/>
+                </a:tc>
+                <a:tc>
+                  <a:txBody>
+                    <a:bodyPr/>
+                    <a:lstStyle/>
+                    <a:p>
+                      <a:pPr algn="ctr" rtl="0" fontAlgn="ctr"/>
+                      <a:r>
+                        <a:rPr lang="pt-PT" sz="1600" u="none" strike="noStrike">
+                          <a:effectLst/>
+                        </a:rPr>
+                        <a:t>Custom (AAL)</a:t>
+                      </a:r>
+                      <a:endParaRPr lang="pt-PT" sz="1600" b="0" i="0" u="none" strike="noStrike">
+                        <a:solidFill>
+                          <a:srgbClr val="000000"/>
+                        </a:solidFill>
+                        <a:effectLst/>
+                        <a:latin typeface="Calibri" panose="020F0502020204030204" pitchFamily="34" charset="0"/>
+                      </a:endParaRPr>
+                    </a:p>
+                  </a:txBody>
+                  <a:tcPr marL="6350" marR="6350" marT="6350" marB="0" anchor="ctr"/>
+                </a:tc>
+                <a:tc>
+                  <a:txBody>
+                    <a:bodyPr/>
+                    <a:lstStyle/>
+                    <a:p>
+                      <a:pPr algn="ctr" rtl="0" fontAlgn="ctr"/>
+                      <a:r>
+                        <a:rPr lang="pt-PT" sz="1600" u="none" strike="noStrike">
+                          <a:effectLst/>
+                        </a:rPr>
+                        <a:t>Open source</a:t>
+                      </a:r>
+                      <a:endParaRPr lang="pt-PT" sz="1600" b="0" i="0" u="none" strike="noStrike">
+                        <a:solidFill>
+                          <a:srgbClr val="000000"/>
+                        </a:solidFill>
+                        <a:effectLst/>
+                        <a:latin typeface="Calibri" panose="020F0502020204030204" pitchFamily="34" charset="0"/>
+                      </a:endParaRPr>
+                    </a:p>
+                  </a:txBody>
+                  <a:tcPr marL="6350" marR="6350" marT="6350" marB="0" anchor="ctr"/>
+                </a:tc>
+                <a:extLst>
+                  <a:ext uri="{0D108BD9-81ED-4DB2-BD59-A6C34878D82A}">
+                    <a16:rowId xmlns:a16="http://schemas.microsoft.com/office/drawing/2014/main" val="1864621761"/>
+                  </a:ext>
+                </a:extLst>
+              </a:tr>
+              <a:tr h="250190">
+                <a:tc>
+                  <a:txBody>
+                    <a:bodyPr/>
+                    <a:lstStyle/>
+                    <a:p>
+                      <a:pPr algn="ctr" rtl="0" fontAlgn="ctr"/>
+                      <a:r>
+                        <a:rPr lang="pt-PT" sz="1600" u="none" strike="noStrike">
+                          <a:effectLst/>
+                        </a:rPr>
+                        <a:t>T-VEC</a:t>
+                      </a:r>
+                      <a:endParaRPr lang="pt-PT" sz="1600" b="1" i="0" u="none" strike="noStrike">
+                        <a:solidFill>
+                          <a:srgbClr val="FFFFFF"/>
+                        </a:solidFill>
+                        <a:effectLst/>
+                        <a:latin typeface="Calibri" panose="020F0502020204030204" pitchFamily="34" charset="0"/>
+                      </a:endParaRPr>
+                    </a:p>
+                  </a:txBody>
+                  <a:tcPr marL="6350" marR="6350" marT="6350" marB="0" anchor="ctr"/>
+                </a:tc>
+                <a:tc>
+                  <a:txBody>
+                    <a:bodyPr/>
+                    <a:lstStyle/>
+                    <a:p>
+                      <a:pPr algn="ctr" rtl="0" fontAlgn="ctr"/>
+                      <a:r>
+                        <a:rPr lang="pt-PT" sz="1600" u="none" strike="noStrike">
+                          <a:effectLst/>
+                        </a:rPr>
+                        <a:t>2013</a:t>
+                      </a:r>
+                      <a:endParaRPr lang="pt-PT" sz="1600" b="0" i="0" u="none" strike="noStrike">
+                        <a:solidFill>
+                          <a:srgbClr val="000000"/>
+                        </a:solidFill>
+                        <a:effectLst/>
+                        <a:latin typeface="Calibri" panose="020F0502020204030204" pitchFamily="34" charset="0"/>
+                      </a:endParaRPr>
+                    </a:p>
+                  </a:txBody>
+                  <a:tcPr marL="6350" marR="6350" marT="6350" marB="0" anchor="ctr"/>
+                </a:tc>
+                <a:tc>
+                  <a:txBody>
+                    <a:bodyPr/>
+                    <a:lstStyle/>
+                    <a:p>
+                      <a:pPr algn="ctr" rtl="0" fontAlgn="ctr"/>
+                      <a:r>
+                        <a:rPr lang="pt-PT" sz="1600" u="none" strike="noStrike">
+                          <a:effectLst/>
+                        </a:rPr>
+                        <a:t>Simulink</a:t>
+                      </a:r>
+                      <a:endParaRPr lang="pt-PT" sz="1600" b="0" i="0" u="none" strike="noStrike">
+                        <a:solidFill>
+                          <a:srgbClr val="000000"/>
+                        </a:solidFill>
+                        <a:effectLst/>
+                        <a:latin typeface="Calibri" panose="020F0502020204030204" pitchFamily="34" charset="0"/>
+                      </a:endParaRPr>
+                    </a:p>
+                  </a:txBody>
+                  <a:tcPr marL="6350" marR="6350" marT="6350" marB="0" anchor="ctr"/>
+                </a:tc>
+                <a:tc>
+                  <a:txBody>
+                    <a:bodyPr/>
+                    <a:lstStyle/>
+                    <a:p>
+                      <a:pPr algn="ctr" rtl="0" fontAlgn="ctr"/>
+                      <a:r>
+                        <a:rPr lang="pt-PT" sz="1600" u="none" strike="noStrike">
+                          <a:effectLst/>
+                        </a:rPr>
+                        <a:t>Commercial</a:t>
+                      </a:r>
+                      <a:endParaRPr lang="pt-PT" sz="1600" b="0" i="0" u="none" strike="noStrike">
+                        <a:solidFill>
+                          <a:srgbClr val="000000"/>
+                        </a:solidFill>
+                        <a:effectLst/>
+                        <a:latin typeface="Calibri" panose="020F0502020204030204" pitchFamily="34" charset="0"/>
+                      </a:endParaRPr>
+                    </a:p>
+                  </a:txBody>
+                  <a:tcPr marL="6350" marR="6350" marT="6350" marB="0" anchor="ctr"/>
+                </a:tc>
+                <a:extLst>
+                  <a:ext uri="{0D108BD9-81ED-4DB2-BD59-A6C34878D82A}">
+                    <a16:rowId xmlns:a16="http://schemas.microsoft.com/office/drawing/2014/main" val="2978820004"/>
+                  </a:ext>
+                </a:extLst>
+              </a:tr>
+              <a:tr h="250190">
+                <a:tc>
+                  <a:txBody>
+                    <a:bodyPr/>
+                    <a:lstStyle/>
+                    <a:p>
+                      <a:pPr algn="ctr" rtl="0" fontAlgn="ctr"/>
+                      <a:r>
+                        <a:rPr lang="pt-PT" sz="1600" u="none" strike="noStrike">
+                          <a:effectLst/>
+                        </a:rPr>
+                        <a:t>MoMuT::UML</a:t>
+                      </a:r>
+                      <a:endParaRPr lang="pt-PT" sz="1600" b="1" i="0" u="none" strike="noStrike">
+                        <a:solidFill>
+                          <a:srgbClr val="FFFFFF"/>
+                        </a:solidFill>
+                        <a:effectLst/>
+                        <a:latin typeface="Calibri" panose="020F0502020204030204" pitchFamily="34" charset="0"/>
+                      </a:endParaRPr>
+                    </a:p>
+                  </a:txBody>
+                  <a:tcPr marL="6350" marR="6350" marT="6350" marB="0" anchor="ctr"/>
+                </a:tc>
+                <a:tc>
+                  <a:txBody>
+                    <a:bodyPr/>
+                    <a:lstStyle/>
+                    <a:p>
+                      <a:pPr algn="ctr" rtl="0" fontAlgn="ctr"/>
+                      <a:r>
+                        <a:rPr lang="pt-PT" sz="1600" u="none" strike="noStrike">
+                          <a:effectLst/>
+                        </a:rPr>
+                        <a:t>2014</a:t>
+                      </a:r>
+                      <a:endParaRPr lang="pt-PT" sz="1600" b="0" i="0" u="none" strike="noStrike">
+                        <a:solidFill>
+                          <a:srgbClr val="000000"/>
+                        </a:solidFill>
+                        <a:effectLst/>
+                        <a:latin typeface="Calibri" panose="020F0502020204030204" pitchFamily="34" charset="0"/>
+                      </a:endParaRPr>
+                    </a:p>
+                  </a:txBody>
+                  <a:tcPr marL="6350" marR="6350" marT="6350" marB="0" anchor="ctr"/>
+                </a:tc>
+                <a:tc>
+                  <a:txBody>
+                    <a:bodyPr/>
+                    <a:lstStyle/>
+                    <a:p>
+                      <a:pPr algn="ctr" rtl="0" fontAlgn="ctr"/>
+                      <a:r>
+                        <a:rPr lang="pt-PT" sz="1600" u="none" strike="noStrike">
+                          <a:effectLst/>
+                        </a:rPr>
+                        <a:t>UML state machines, OOAS</a:t>
+                      </a:r>
+                      <a:endParaRPr lang="pt-PT" sz="1600" b="0" i="0" u="none" strike="noStrike">
+                        <a:solidFill>
+                          <a:srgbClr val="000000"/>
+                        </a:solidFill>
+                        <a:effectLst/>
+                        <a:latin typeface="Calibri" panose="020F0502020204030204" pitchFamily="34" charset="0"/>
+                      </a:endParaRPr>
+                    </a:p>
+                  </a:txBody>
+                  <a:tcPr marL="6350" marR="6350" marT="6350" marB="0" anchor="ctr"/>
+                </a:tc>
+                <a:tc>
+                  <a:txBody>
+                    <a:bodyPr/>
+                    <a:lstStyle/>
+                    <a:p>
+                      <a:pPr algn="ctr" rtl="0" fontAlgn="ctr"/>
+                      <a:r>
+                        <a:rPr lang="pt-PT" sz="1600" u="none" strike="noStrike">
+                          <a:effectLst/>
+                        </a:rPr>
+                        <a:t>Academic</a:t>
+                      </a:r>
+                      <a:endParaRPr lang="pt-PT" sz="1600" b="0" i="0" u="none" strike="noStrike">
+                        <a:solidFill>
+                          <a:srgbClr val="000000"/>
+                        </a:solidFill>
+                        <a:effectLst/>
+                        <a:latin typeface="Calibri" panose="020F0502020204030204" pitchFamily="34" charset="0"/>
+                      </a:endParaRPr>
+                    </a:p>
+                  </a:txBody>
+                  <a:tcPr marL="6350" marR="6350" marT="6350" marB="0" anchor="ctr"/>
+                </a:tc>
+                <a:extLst>
+                  <a:ext uri="{0D108BD9-81ED-4DB2-BD59-A6C34878D82A}">
+                    <a16:rowId xmlns:a16="http://schemas.microsoft.com/office/drawing/2014/main" val="2446750507"/>
+                  </a:ext>
+                </a:extLst>
+              </a:tr>
+              <a:tr h="250190">
+                <a:tc>
+                  <a:txBody>
+                    <a:bodyPr/>
+                    <a:lstStyle/>
+                    <a:p>
+                      <a:pPr algn="ctr" rtl="0" fontAlgn="ctr"/>
+                      <a:r>
+                        <a:rPr lang="pt-PT" sz="1600" u="none" strike="noStrike">
+                          <a:effectLst/>
+                        </a:rPr>
+                        <a:t>Tcases</a:t>
+                      </a:r>
+                      <a:endParaRPr lang="pt-PT" sz="1600" b="1" i="0" u="none" strike="noStrike">
+                        <a:solidFill>
+                          <a:srgbClr val="FFFFFF"/>
+                        </a:solidFill>
+                        <a:effectLst/>
+                        <a:latin typeface="Calibri" panose="020F0502020204030204" pitchFamily="34" charset="0"/>
+                      </a:endParaRPr>
+                    </a:p>
+                  </a:txBody>
+                  <a:tcPr marL="6350" marR="6350" marT="6350" marB="0" anchor="ctr"/>
+                </a:tc>
+                <a:tc>
+                  <a:txBody>
+                    <a:bodyPr/>
+                    <a:lstStyle/>
+                    <a:p>
+                      <a:pPr algn="ctr" rtl="0" fontAlgn="ctr"/>
+                      <a:r>
+                        <a:rPr lang="pt-PT" sz="1600" u="none" strike="noStrike">
+                          <a:effectLst/>
+                        </a:rPr>
+                        <a:t>2015</a:t>
+                      </a:r>
+                      <a:endParaRPr lang="pt-PT" sz="1600" b="0" i="0" u="none" strike="noStrike">
+                        <a:solidFill>
+                          <a:srgbClr val="000000"/>
+                        </a:solidFill>
+                        <a:effectLst/>
+                        <a:latin typeface="Calibri" panose="020F0502020204030204" pitchFamily="34" charset="0"/>
+                      </a:endParaRPr>
+                    </a:p>
+                  </a:txBody>
+                  <a:tcPr marL="6350" marR="6350" marT="6350" marB="0" anchor="ctr"/>
+                </a:tc>
+                <a:tc>
+                  <a:txBody>
+                    <a:bodyPr/>
+                    <a:lstStyle/>
+                    <a:p>
+                      <a:pPr algn="ctr" rtl="0" fontAlgn="ctr"/>
+                      <a:r>
+                        <a:rPr lang="pt-PT" sz="1600" u="none" strike="noStrike">
+                          <a:effectLst/>
+                        </a:rPr>
+                        <a:t>Custom</a:t>
+                      </a:r>
+                      <a:endParaRPr lang="pt-PT" sz="1600" b="0" i="0" u="none" strike="noStrike">
+                        <a:solidFill>
+                          <a:srgbClr val="000000"/>
+                        </a:solidFill>
+                        <a:effectLst/>
+                        <a:latin typeface="Calibri" panose="020F0502020204030204" pitchFamily="34" charset="0"/>
+                      </a:endParaRPr>
+                    </a:p>
+                  </a:txBody>
+                  <a:tcPr marL="6350" marR="6350" marT="6350" marB="0" anchor="ctr"/>
+                </a:tc>
+                <a:tc>
+                  <a:txBody>
+                    <a:bodyPr/>
+                    <a:lstStyle/>
+                    <a:p>
+                      <a:pPr algn="ctr" rtl="0" fontAlgn="ctr"/>
+                      <a:r>
+                        <a:rPr lang="pt-PT" sz="1600" u="none" strike="noStrike">
+                          <a:effectLst/>
+                        </a:rPr>
+                        <a:t>Open source</a:t>
+                      </a:r>
+                      <a:endParaRPr lang="pt-PT" sz="1600" b="0" i="0" u="none" strike="noStrike">
+                        <a:solidFill>
+                          <a:srgbClr val="000000"/>
+                        </a:solidFill>
+                        <a:effectLst/>
+                        <a:latin typeface="Calibri" panose="020F0502020204030204" pitchFamily="34" charset="0"/>
+                      </a:endParaRPr>
+                    </a:p>
+                  </a:txBody>
+                  <a:tcPr marL="6350" marR="6350" marT="6350" marB="0" anchor="ctr"/>
+                </a:tc>
+                <a:extLst>
+                  <a:ext uri="{0D108BD9-81ED-4DB2-BD59-A6C34878D82A}">
+                    <a16:rowId xmlns:a16="http://schemas.microsoft.com/office/drawing/2014/main" val="593567885"/>
+                  </a:ext>
+                </a:extLst>
+              </a:tr>
+              <a:tr h="250190">
+                <a:tc>
+                  <a:txBody>
+                    <a:bodyPr/>
+                    <a:lstStyle/>
+                    <a:p>
+                      <a:pPr algn="ctr" rtl="0" fontAlgn="ctr"/>
+                      <a:r>
+                        <a:rPr lang="pt-PT" sz="1600" u="none" strike="noStrike">
+                          <a:effectLst/>
+                        </a:rPr>
+                        <a:t>TestCast</a:t>
+                      </a:r>
+                      <a:endParaRPr lang="pt-PT" sz="1600" b="1" i="0" u="none" strike="noStrike">
+                        <a:solidFill>
+                          <a:srgbClr val="FFFFFF"/>
+                        </a:solidFill>
+                        <a:effectLst/>
+                        <a:latin typeface="Calibri" panose="020F0502020204030204" pitchFamily="34" charset="0"/>
+                      </a:endParaRPr>
+                    </a:p>
+                  </a:txBody>
+                  <a:tcPr marL="6350" marR="6350" marT="6350" marB="0" anchor="ctr"/>
+                </a:tc>
+                <a:tc>
+                  <a:txBody>
+                    <a:bodyPr/>
+                    <a:lstStyle/>
+                    <a:p>
+                      <a:pPr algn="ctr" rtl="0" fontAlgn="ctr"/>
+                      <a:r>
+                        <a:rPr lang="pt-PT" sz="1600" u="none" strike="noStrike">
+                          <a:effectLst/>
+                        </a:rPr>
+                        <a:t>2014</a:t>
+                      </a:r>
+                      <a:endParaRPr lang="pt-PT" sz="1600" b="0" i="0" u="none" strike="noStrike">
+                        <a:solidFill>
+                          <a:srgbClr val="000000"/>
+                        </a:solidFill>
+                        <a:effectLst/>
+                        <a:latin typeface="Calibri" panose="020F0502020204030204" pitchFamily="34" charset="0"/>
+                      </a:endParaRPr>
+                    </a:p>
+                  </a:txBody>
+                  <a:tcPr marL="6350" marR="6350" marT="6350" marB="0" anchor="ctr"/>
+                </a:tc>
+                <a:tc>
+                  <a:txBody>
+                    <a:bodyPr/>
+                    <a:lstStyle/>
+                    <a:p>
+                      <a:pPr algn="ctr" rtl="0" fontAlgn="ctr"/>
+                      <a:r>
+                        <a:rPr lang="pt-PT" sz="1600" u="none" strike="noStrike">
+                          <a:effectLst/>
+                        </a:rPr>
+                        <a:t>UML State Machines</a:t>
+                      </a:r>
+                      <a:endParaRPr lang="pt-PT" sz="1600" b="0" i="0" u="none" strike="noStrike">
+                        <a:solidFill>
+                          <a:srgbClr val="000000"/>
+                        </a:solidFill>
+                        <a:effectLst/>
+                        <a:latin typeface="Calibri" panose="020F0502020204030204" pitchFamily="34" charset="0"/>
+                      </a:endParaRPr>
+                    </a:p>
+                  </a:txBody>
+                  <a:tcPr marL="6350" marR="6350" marT="6350" marB="0" anchor="ctr"/>
+                </a:tc>
+                <a:tc>
+                  <a:txBody>
+                    <a:bodyPr/>
+                    <a:lstStyle/>
+                    <a:p>
+                      <a:pPr algn="ctr" rtl="0" fontAlgn="ctr"/>
+                      <a:r>
+                        <a:rPr lang="pt-PT" sz="1600" u="none" strike="noStrike">
+                          <a:effectLst/>
+                        </a:rPr>
+                        <a:t>Commercial</a:t>
+                      </a:r>
+                      <a:endParaRPr lang="pt-PT" sz="1600" b="0" i="0" u="none" strike="noStrike">
+                        <a:solidFill>
+                          <a:srgbClr val="000000"/>
+                        </a:solidFill>
+                        <a:effectLst/>
+                        <a:latin typeface="Calibri" panose="020F0502020204030204" pitchFamily="34" charset="0"/>
+                      </a:endParaRPr>
+                    </a:p>
+                  </a:txBody>
+                  <a:tcPr marL="6350" marR="6350" marT="6350" marB="0" anchor="ctr"/>
+                </a:tc>
+                <a:extLst>
+                  <a:ext uri="{0D108BD9-81ED-4DB2-BD59-A6C34878D82A}">
+                    <a16:rowId xmlns:a16="http://schemas.microsoft.com/office/drawing/2014/main" val="4066702260"/>
+                  </a:ext>
+                </a:extLst>
+              </a:tr>
+              <a:tr h="250190">
+                <a:tc>
+                  <a:txBody>
+                    <a:bodyPr/>
+                    <a:lstStyle/>
+                    <a:p>
+                      <a:pPr algn="ctr" rtl="0" fontAlgn="ctr"/>
+                      <a:r>
+                        <a:rPr lang="pt-PT" sz="1600" u="none" strike="noStrike">
+                          <a:effectLst/>
+                        </a:rPr>
+                        <a:t>JUMBL</a:t>
+                      </a:r>
+                      <a:endParaRPr lang="pt-PT" sz="1600" b="1" i="0" u="none" strike="noStrike">
+                        <a:solidFill>
+                          <a:srgbClr val="FFFFFF"/>
+                        </a:solidFill>
+                        <a:effectLst/>
+                        <a:latin typeface="Calibri" panose="020F0502020204030204" pitchFamily="34" charset="0"/>
+                      </a:endParaRPr>
+                    </a:p>
+                  </a:txBody>
+                  <a:tcPr marL="6350" marR="6350" marT="6350" marB="0" anchor="ctr"/>
+                </a:tc>
+                <a:tc>
+                  <a:txBody>
+                    <a:bodyPr/>
+                    <a:lstStyle/>
+                    <a:p>
+                      <a:pPr algn="ctr" rtl="0" fontAlgn="ctr"/>
+                      <a:r>
+                        <a:rPr lang="pt-PT" sz="1600" u="none" strike="noStrike">
+                          <a:effectLst/>
+                        </a:rPr>
+                        <a:t> </a:t>
+                      </a:r>
+                      <a:endParaRPr lang="pt-PT" sz="1600" b="0" i="0" u="none" strike="noStrike">
+                        <a:solidFill>
+                          <a:srgbClr val="000000"/>
+                        </a:solidFill>
+                        <a:effectLst/>
+                        <a:latin typeface="Calibri" panose="020F0502020204030204" pitchFamily="34" charset="0"/>
+                      </a:endParaRPr>
+                    </a:p>
+                  </a:txBody>
+                  <a:tcPr marL="6350" marR="6350" marT="6350" marB="0" anchor="ctr"/>
+                </a:tc>
+                <a:tc>
+                  <a:txBody>
+                    <a:bodyPr/>
+                    <a:lstStyle/>
+                    <a:p>
+                      <a:pPr algn="ctr" rtl="0" fontAlgn="ctr"/>
+                      <a:r>
+                        <a:rPr lang="pt-PT" sz="1600" u="none" strike="noStrike">
+                          <a:effectLst/>
+                        </a:rPr>
+                        <a:t> </a:t>
+                      </a:r>
+                      <a:endParaRPr lang="pt-PT" sz="1600" b="0" i="0" u="none" strike="noStrike">
+                        <a:solidFill>
+                          <a:srgbClr val="000000"/>
+                        </a:solidFill>
+                        <a:effectLst/>
+                        <a:latin typeface="Calibri" panose="020F0502020204030204" pitchFamily="34" charset="0"/>
+                      </a:endParaRPr>
+                    </a:p>
+                  </a:txBody>
+                  <a:tcPr marL="6350" marR="6350" marT="6350" marB="0" anchor="ctr"/>
+                </a:tc>
+                <a:tc>
+                  <a:txBody>
+                    <a:bodyPr/>
+                    <a:lstStyle/>
+                    <a:p>
+                      <a:pPr algn="ctr" rtl="0" fontAlgn="ctr"/>
+                      <a:r>
+                        <a:rPr lang="pt-PT" sz="1600" u="none" strike="noStrike">
+                          <a:effectLst/>
+                        </a:rPr>
+                        <a:t>Univ of Tennesse</a:t>
+                      </a:r>
+                      <a:endParaRPr lang="pt-PT" sz="1600" b="0" i="0" u="none" strike="noStrike">
+                        <a:solidFill>
+                          <a:srgbClr val="000000"/>
+                        </a:solidFill>
+                        <a:effectLst/>
+                        <a:latin typeface="Calibri" panose="020F0502020204030204" pitchFamily="34" charset="0"/>
+                      </a:endParaRPr>
+                    </a:p>
+                  </a:txBody>
+                  <a:tcPr marL="6350" marR="6350" marT="6350" marB="0" anchor="ctr"/>
+                </a:tc>
+                <a:extLst>
+                  <a:ext uri="{0D108BD9-81ED-4DB2-BD59-A6C34878D82A}">
+                    <a16:rowId xmlns:a16="http://schemas.microsoft.com/office/drawing/2014/main" val="2305210048"/>
+                  </a:ext>
+                </a:extLst>
+              </a:tr>
+              <a:tr h="250190">
+                <a:tc>
+                  <a:txBody>
+                    <a:bodyPr/>
+                    <a:lstStyle/>
+                    <a:p>
+                      <a:pPr algn="ctr" rtl="0" fontAlgn="ctr"/>
+                      <a:r>
+                        <a:rPr lang="pt-PT" sz="1600" u="none" strike="noStrike">
+                          <a:effectLst/>
+                        </a:rPr>
+                        <a:t>4Test</a:t>
+                      </a:r>
+                      <a:endParaRPr lang="pt-PT" sz="1600" b="1" i="0" u="none" strike="noStrike">
+                        <a:solidFill>
+                          <a:srgbClr val="FFFFFF"/>
+                        </a:solidFill>
+                        <a:effectLst/>
+                        <a:latin typeface="Calibri" panose="020F0502020204030204" pitchFamily="34" charset="0"/>
+                      </a:endParaRPr>
+                    </a:p>
+                  </a:txBody>
+                  <a:tcPr marL="6350" marR="6350" marT="6350" marB="0" anchor="ctr"/>
+                </a:tc>
+                <a:tc>
+                  <a:txBody>
+                    <a:bodyPr/>
+                    <a:lstStyle/>
+                    <a:p>
+                      <a:pPr algn="ctr" rtl="0" fontAlgn="ctr"/>
+                      <a:r>
+                        <a:rPr lang="pt-PT" sz="1600" u="none" strike="noStrike">
+                          <a:effectLst/>
+                        </a:rPr>
+                        <a:t>2016</a:t>
+                      </a:r>
+                      <a:endParaRPr lang="pt-PT" sz="1600" b="0" i="0" u="none" strike="noStrike">
+                        <a:solidFill>
+                          <a:srgbClr val="000000"/>
+                        </a:solidFill>
+                        <a:effectLst/>
+                        <a:latin typeface="Calibri" panose="020F0502020204030204" pitchFamily="34" charset="0"/>
+                      </a:endParaRPr>
+                    </a:p>
+                  </a:txBody>
+                  <a:tcPr marL="6350" marR="6350" marT="6350" marB="0" anchor="ctr"/>
+                </a:tc>
+                <a:tc>
+                  <a:txBody>
+                    <a:bodyPr/>
+                    <a:lstStyle/>
+                    <a:p>
+                      <a:pPr algn="ctr" rtl="0" fontAlgn="ctr"/>
+                      <a:r>
+                        <a:rPr lang="pt-PT" sz="1600" u="none" strike="noStrike">
+                          <a:effectLst/>
+                        </a:rPr>
+                        <a:t>Custom (Gherkin based)</a:t>
+                      </a:r>
+                      <a:endParaRPr lang="pt-PT" sz="1600" b="0" i="0" u="none" strike="noStrike">
+                        <a:solidFill>
+                          <a:srgbClr val="000000"/>
+                        </a:solidFill>
+                        <a:effectLst/>
+                        <a:latin typeface="Calibri" panose="020F0502020204030204" pitchFamily="34" charset="0"/>
+                      </a:endParaRPr>
+                    </a:p>
+                  </a:txBody>
+                  <a:tcPr marL="6350" marR="6350" marT="6350" marB="0" anchor="ctr"/>
+                </a:tc>
+                <a:tc>
+                  <a:txBody>
+                    <a:bodyPr/>
+                    <a:lstStyle/>
+                    <a:p>
+                      <a:pPr algn="ctr" rtl="0" fontAlgn="ctr"/>
+                      <a:r>
+                        <a:rPr lang="pt-PT" sz="1600" u="none" strike="noStrike">
+                          <a:effectLst/>
+                        </a:rPr>
+                        <a:t>Commercial</a:t>
+                      </a:r>
+                      <a:endParaRPr lang="pt-PT" sz="1600" b="0" i="0" u="none" strike="noStrike">
+                        <a:solidFill>
+                          <a:srgbClr val="000000"/>
+                        </a:solidFill>
+                        <a:effectLst/>
+                        <a:latin typeface="Calibri" panose="020F0502020204030204" pitchFamily="34" charset="0"/>
+                      </a:endParaRPr>
+                    </a:p>
+                  </a:txBody>
+                  <a:tcPr marL="6350" marR="6350" marT="6350" marB="0" anchor="ctr"/>
+                </a:tc>
+                <a:extLst>
+                  <a:ext uri="{0D108BD9-81ED-4DB2-BD59-A6C34878D82A}">
+                    <a16:rowId xmlns:a16="http://schemas.microsoft.com/office/drawing/2014/main" val="3154144911"/>
+                  </a:ext>
+                </a:extLst>
+              </a:tr>
+              <a:tr h="250190">
+                <a:tc>
+                  <a:txBody>
+                    <a:bodyPr/>
+                    <a:lstStyle/>
+                    <a:p>
+                      <a:pPr algn="ctr" rtl="0" fontAlgn="ctr"/>
+                      <a:r>
+                        <a:rPr lang="pt-PT" sz="1600" u="none" strike="noStrike">
+                          <a:effectLst/>
+                        </a:rPr>
+                        <a:t>BPM-Xchange</a:t>
+                      </a:r>
+                      <a:endParaRPr lang="pt-PT" sz="1600" b="1" i="0" u="none" strike="noStrike">
+                        <a:solidFill>
+                          <a:srgbClr val="FFFFFF"/>
+                        </a:solidFill>
+                        <a:effectLst/>
+                        <a:latin typeface="Calibri" panose="020F0502020204030204" pitchFamily="34" charset="0"/>
+                      </a:endParaRPr>
+                    </a:p>
+                  </a:txBody>
+                  <a:tcPr marL="6350" marR="6350" marT="6350" marB="0" anchor="ctr"/>
+                </a:tc>
+                <a:tc>
+                  <a:txBody>
+                    <a:bodyPr/>
+                    <a:lstStyle/>
+                    <a:p>
+                      <a:pPr algn="ctr" rtl="0" fontAlgn="ctr"/>
+                      <a:r>
+                        <a:rPr lang="pt-PT" sz="1600" u="none" strike="noStrike">
+                          <a:effectLst/>
+                        </a:rPr>
+                        <a:t>2014</a:t>
+                      </a:r>
+                      <a:endParaRPr lang="pt-PT" sz="1600" b="0" i="0" u="none" strike="noStrike">
+                        <a:solidFill>
+                          <a:srgbClr val="000000"/>
+                        </a:solidFill>
+                        <a:effectLst/>
+                        <a:latin typeface="Calibri" panose="020F0502020204030204" pitchFamily="34" charset="0"/>
+                      </a:endParaRPr>
+                    </a:p>
+                  </a:txBody>
+                  <a:tcPr marL="6350" marR="6350" marT="6350" marB="0" anchor="ctr"/>
+                </a:tc>
+                <a:tc>
+                  <a:txBody>
+                    <a:bodyPr/>
+                    <a:lstStyle/>
+                    <a:p>
+                      <a:pPr algn="ctr" rtl="0" fontAlgn="ctr"/>
+                      <a:r>
+                        <a:rPr lang="pt-PT" sz="1600" u="none" strike="noStrike">
+                          <a:effectLst/>
+                        </a:rPr>
+                        <a:t>BPMN, UML...</a:t>
+                      </a:r>
+                      <a:endParaRPr lang="pt-PT" sz="1600" b="0" i="0" u="none" strike="noStrike">
+                        <a:solidFill>
+                          <a:srgbClr val="000000"/>
+                        </a:solidFill>
+                        <a:effectLst/>
+                        <a:latin typeface="Calibri" panose="020F0502020204030204" pitchFamily="34" charset="0"/>
+                      </a:endParaRPr>
+                    </a:p>
+                  </a:txBody>
+                  <a:tcPr marL="6350" marR="6350" marT="6350" marB="0" anchor="ctr"/>
+                </a:tc>
+                <a:tc>
+                  <a:txBody>
+                    <a:bodyPr/>
+                    <a:lstStyle/>
+                    <a:p>
+                      <a:pPr algn="ctr" rtl="0" fontAlgn="ctr"/>
+                      <a:r>
+                        <a:rPr lang="pt-PT" sz="1600" u="none" strike="noStrike">
+                          <a:effectLst/>
+                        </a:rPr>
+                        <a:t>Commercial</a:t>
+                      </a:r>
+                      <a:endParaRPr lang="pt-PT" sz="1600" b="0" i="0" u="none" strike="noStrike">
+                        <a:solidFill>
+                          <a:srgbClr val="000000"/>
+                        </a:solidFill>
+                        <a:effectLst/>
+                        <a:latin typeface="Calibri" panose="020F0502020204030204" pitchFamily="34" charset="0"/>
+                      </a:endParaRPr>
+                    </a:p>
+                  </a:txBody>
+                  <a:tcPr marL="6350" marR="6350" marT="6350" marB="0" anchor="ctr"/>
+                </a:tc>
+                <a:extLst>
+                  <a:ext uri="{0D108BD9-81ED-4DB2-BD59-A6C34878D82A}">
+                    <a16:rowId xmlns:a16="http://schemas.microsoft.com/office/drawing/2014/main" val="1350069688"/>
+                  </a:ext>
+                </a:extLst>
+              </a:tr>
+              <a:tr h="250190">
+                <a:tc>
+                  <a:txBody>
+                    <a:bodyPr/>
+                    <a:lstStyle/>
+                    <a:p>
+                      <a:pPr algn="ctr" rtl="0" fontAlgn="ctr"/>
+                      <a:r>
+                        <a:rPr lang="pt-PT" sz="1600" u="none" strike="noStrike">
+                          <a:effectLst/>
+                        </a:rPr>
+                        <a:t>DTM</a:t>
+                      </a:r>
+                      <a:endParaRPr lang="pt-PT" sz="1600" b="1" i="0" u="none" strike="noStrike">
+                        <a:solidFill>
+                          <a:srgbClr val="FFFFFF"/>
+                        </a:solidFill>
+                        <a:effectLst/>
+                        <a:latin typeface="Calibri" panose="020F0502020204030204" pitchFamily="34" charset="0"/>
+                      </a:endParaRPr>
+                    </a:p>
+                  </a:txBody>
+                  <a:tcPr marL="6350" marR="6350" marT="6350" marB="0" anchor="ctr"/>
+                </a:tc>
+                <a:tc>
+                  <a:txBody>
+                    <a:bodyPr/>
+                    <a:lstStyle/>
+                    <a:p>
+                      <a:pPr algn="ctr" rtl="0" fontAlgn="ctr"/>
+                      <a:r>
+                        <a:rPr lang="pt-PT" sz="1600" u="none" strike="noStrike">
+                          <a:effectLst/>
+                        </a:rPr>
+                        <a:t>2013</a:t>
+                      </a:r>
+                      <a:endParaRPr lang="pt-PT" sz="1600" b="0" i="0" u="none" strike="noStrike">
+                        <a:solidFill>
+                          <a:srgbClr val="000000"/>
+                        </a:solidFill>
+                        <a:effectLst/>
+                        <a:latin typeface="Calibri" panose="020F0502020204030204" pitchFamily="34" charset="0"/>
+                      </a:endParaRPr>
+                    </a:p>
+                  </a:txBody>
+                  <a:tcPr marL="6350" marR="6350" marT="6350" marB="0" anchor="ctr"/>
+                </a:tc>
+                <a:tc>
+                  <a:txBody>
+                    <a:bodyPr/>
+                    <a:lstStyle/>
+                    <a:p>
+                      <a:pPr algn="ctr" rtl="0" fontAlgn="ctr"/>
+                      <a:r>
+                        <a:rPr lang="pt-PT" sz="1600" u="none" strike="noStrike">
+                          <a:effectLst/>
+                        </a:rPr>
+                        <a:t>custom activity model</a:t>
+                      </a:r>
+                      <a:endParaRPr lang="pt-PT" sz="1600" b="0" i="0" u="none" strike="noStrike">
+                        <a:solidFill>
+                          <a:srgbClr val="000000"/>
+                        </a:solidFill>
+                        <a:effectLst/>
+                        <a:latin typeface="Calibri" panose="020F0502020204030204" pitchFamily="34" charset="0"/>
+                      </a:endParaRPr>
+                    </a:p>
+                  </a:txBody>
+                  <a:tcPr marL="6350" marR="6350" marT="6350" marB="0" anchor="ctr"/>
+                </a:tc>
+                <a:tc>
+                  <a:txBody>
+                    <a:bodyPr/>
+                    <a:lstStyle/>
+                    <a:p>
+                      <a:pPr algn="ctr" rtl="0" fontAlgn="ctr"/>
+                      <a:r>
+                        <a:rPr lang="pt-PT" sz="1600" u="none" strike="noStrike">
+                          <a:effectLst/>
+                        </a:rPr>
+                        <a:t>Commercial</a:t>
+                      </a:r>
+                      <a:endParaRPr lang="pt-PT" sz="1600" b="0" i="0" u="none" strike="noStrike">
+                        <a:solidFill>
+                          <a:srgbClr val="000000"/>
+                        </a:solidFill>
+                        <a:effectLst/>
+                        <a:latin typeface="Calibri" panose="020F0502020204030204" pitchFamily="34" charset="0"/>
+                      </a:endParaRPr>
+                    </a:p>
+                  </a:txBody>
+                  <a:tcPr marL="6350" marR="6350" marT="6350" marB="0" anchor="ctr"/>
+                </a:tc>
+                <a:extLst>
+                  <a:ext uri="{0D108BD9-81ED-4DB2-BD59-A6C34878D82A}">
+                    <a16:rowId xmlns:a16="http://schemas.microsoft.com/office/drawing/2014/main" val="2329007971"/>
+                  </a:ext>
+                </a:extLst>
+              </a:tr>
+              <a:tr h="250190">
+                <a:tc>
+                  <a:txBody>
+                    <a:bodyPr/>
+                    <a:lstStyle/>
+                    <a:p>
+                      <a:pPr algn="ctr" rtl="0" fontAlgn="ctr"/>
+                      <a:r>
+                        <a:rPr lang="pt-PT" sz="1600" u="none" strike="noStrike">
+                          <a:effectLst/>
+                        </a:rPr>
+                        <a:t>JSXM</a:t>
+                      </a:r>
+                      <a:endParaRPr lang="pt-PT" sz="1600" b="1" i="0" u="none" strike="noStrike">
+                        <a:solidFill>
+                          <a:srgbClr val="FFFFFF"/>
+                        </a:solidFill>
+                        <a:effectLst/>
+                        <a:latin typeface="Calibri" panose="020F0502020204030204" pitchFamily="34" charset="0"/>
+                      </a:endParaRPr>
+                    </a:p>
+                  </a:txBody>
+                  <a:tcPr marL="6350" marR="6350" marT="6350" marB="0" anchor="ctr"/>
+                </a:tc>
+                <a:tc>
+                  <a:txBody>
+                    <a:bodyPr/>
+                    <a:lstStyle/>
+                    <a:p>
+                      <a:pPr algn="ctr" rtl="0" fontAlgn="ctr"/>
+                      <a:r>
+                        <a:rPr lang="pt-PT" sz="1600" u="none" strike="noStrike">
+                          <a:effectLst/>
+                        </a:rPr>
+                        <a:t>2014</a:t>
+                      </a:r>
+                      <a:endParaRPr lang="pt-PT" sz="1600" b="0" i="0" u="none" strike="noStrike">
+                        <a:solidFill>
+                          <a:srgbClr val="000000"/>
+                        </a:solidFill>
+                        <a:effectLst/>
+                        <a:latin typeface="Calibri" panose="020F0502020204030204" pitchFamily="34" charset="0"/>
+                      </a:endParaRPr>
+                    </a:p>
+                  </a:txBody>
+                  <a:tcPr marL="6350" marR="6350" marT="6350" marB="0" anchor="ctr"/>
+                </a:tc>
+                <a:tc>
+                  <a:txBody>
+                    <a:bodyPr/>
+                    <a:lstStyle/>
+                    <a:p>
+                      <a:pPr algn="ctr" rtl="0" fontAlgn="ctr"/>
+                      <a:r>
+                        <a:rPr lang="pt-PT" sz="1600" u="none" strike="noStrike">
+                          <a:effectLst/>
+                        </a:rPr>
+                        <a:t>EFSM (Stream X-machines)</a:t>
+                      </a:r>
+                      <a:endParaRPr lang="pt-PT" sz="1600" b="0" i="0" u="none" strike="noStrike">
+                        <a:solidFill>
+                          <a:srgbClr val="000000"/>
+                        </a:solidFill>
+                        <a:effectLst/>
+                        <a:latin typeface="Calibri" panose="020F0502020204030204" pitchFamily="34" charset="0"/>
+                      </a:endParaRPr>
+                    </a:p>
+                  </a:txBody>
+                  <a:tcPr marL="6350" marR="6350" marT="6350" marB="0" anchor="ctr"/>
+                </a:tc>
+                <a:tc>
+                  <a:txBody>
+                    <a:bodyPr/>
+                    <a:lstStyle/>
+                    <a:p>
+                      <a:pPr algn="ctr" rtl="0" fontAlgn="ctr"/>
+                      <a:r>
+                        <a:rPr lang="pt-PT" sz="1600" u="none" strike="noStrike" dirty="0" err="1">
+                          <a:effectLst/>
+                        </a:rPr>
+                        <a:t>Academic</a:t>
+                      </a:r>
+                      <a:endParaRPr lang="pt-PT" sz="1600" b="0" i="0" u="none" strike="noStrike" dirty="0">
+                        <a:solidFill>
+                          <a:srgbClr val="000000"/>
+                        </a:solidFill>
+                        <a:effectLst/>
+                        <a:latin typeface="Calibri" panose="020F0502020204030204" pitchFamily="34" charset="0"/>
+                      </a:endParaRPr>
+                    </a:p>
+                  </a:txBody>
+                  <a:tcPr marL="6350" marR="6350" marT="6350" marB="0" anchor="ctr"/>
+                </a:tc>
+                <a:extLst>
+                  <a:ext uri="{0D108BD9-81ED-4DB2-BD59-A6C34878D82A}">
+                    <a16:rowId xmlns:a16="http://schemas.microsoft.com/office/drawing/2014/main" val="1729147920"/>
+                  </a:ext>
+                </a:extLst>
+              </a:tr>
+            </a:tbl>
+          </a:graphicData>
+        </a:graphic>
+      </p:graphicFrame>
     </p:spTree>
     <p:extLst>
       <p:ext uri="{BB962C8B-B14F-4D97-AF65-F5344CB8AC3E}">
-        <p14:creationId xmlns:p14="http://schemas.microsoft.com/office/powerpoint/2010/main" val="1580358483"/>
+        <p14:creationId xmlns:p14="http://schemas.microsoft.com/office/powerpoint/2010/main" val="3038408269"/>
       </p:ext>
     </p:extLst>
   </p:cSld>
@@ -7777,15 +9219,16 @@
           <a:lstStyle/>
           <a:p>
             <a:r>
-              <a:rPr lang="en-US" dirty="0"/>
-              <a:t>What is the model?</a:t>
-            </a:r>
+              <a:rPr lang="en-US"/>
+              <a:t>Which tool I use?</a:t>
+            </a:r>
+            <a:endParaRPr lang="en-US" dirty="0"/>
           </a:p>
         </p:txBody>
       </p:sp>
       <p:sp>
         <p:nvSpPr>
-          <p:cNvPr id="2" name="Text Placeholder 1"/>
+          <p:cNvPr id="10" name="Text Placeholder 9"/>
           <p:cNvSpPr>
             <a:spLocks noGrp="1"/>
           </p:cNvSpPr>
@@ -7793,14 +9236,19 @@
             <p:ph type="body" idx="1"/>
           </p:nvPr>
         </p:nvSpPr>
-        <p:spPr/>
+        <p:spPr>
+          <a:xfrm>
+            <a:off x="7642753" y="1710510"/>
+            <a:ext cx="2825197" cy="914400"/>
+          </a:xfrm>
+        </p:spPr>
         <p:txBody>
           <a:bodyPr/>
           <a:lstStyle/>
           <a:p>
             <a:r>
-              <a:rPr lang="en-US" dirty="0"/>
-              <a:t>Example</a:t>
+              <a:rPr lang="pt-PT" dirty="0" err="1"/>
+              <a:t>GraphWalker</a:t>
             </a:r>
             <a:endParaRPr lang="pt-PT" dirty="0"/>
           </a:p>
@@ -7863,34 +9311,189 @@
           </a:p>
         </p:txBody>
       </p:sp>
+      <p:sp>
+        <p:nvSpPr>
+          <p:cNvPr id="15" name="Text Placeholder 9"/>
+          <p:cNvSpPr>
+            <a:spLocks noGrp="1"/>
+          </p:cNvSpPr>
+          <p:nvPr>
+            <p:ph type="body" idx="1"/>
+          </p:nvPr>
+        </p:nvSpPr>
+        <p:spPr>
+          <a:xfrm>
+            <a:off x="4922224" y="1710510"/>
+            <a:ext cx="1645677" cy="914400"/>
+          </a:xfrm>
+        </p:spPr>
+        <p:txBody>
+          <a:bodyPr/>
+          <a:lstStyle/>
+          <a:p>
+            <a:r>
+              <a:rPr lang="pt-PT" dirty="0"/>
+              <a:t>MATELO</a:t>
+            </a:r>
+          </a:p>
+        </p:txBody>
+      </p:sp>
+      <p:sp>
+        <p:nvSpPr>
+          <p:cNvPr id="17" name="Text Placeholder 9"/>
+          <p:cNvSpPr>
+            <a:spLocks noGrp="1"/>
+          </p:cNvSpPr>
+          <p:nvPr>
+            <p:ph type="body" idx="1"/>
+          </p:nvPr>
+        </p:nvSpPr>
+        <p:spPr>
+          <a:xfrm>
+            <a:off x="1862906" y="1840929"/>
+            <a:ext cx="1296144" cy="914400"/>
+          </a:xfrm>
+        </p:spPr>
+        <p:txBody>
+          <a:bodyPr/>
+          <a:lstStyle/>
+          <a:p>
+            <a:r>
+              <a:rPr lang="pt-PT" dirty="0"/>
+              <a:t>Mista</a:t>
+            </a:r>
+          </a:p>
+        </p:txBody>
+      </p:sp>
       <p:pic>
         <p:nvPicPr>
-          <p:cNvPr id="4" name="Picture 3"/>
+          <p:cNvPr id="2050" name="Picture 2" descr="http://graphwalker.com/images/logo.png"/>
           <p:cNvPicPr>
-            <a:picLocks noChangeAspect="1"/>
+            <a:picLocks noGrp="1" noChangeAspect="1" noChangeArrowheads="1"/>
+          </p:cNvPicPr>
+          <p:nvPr>
+            <p:ph sz="half" idx="2"/>
+          </p:nvPr>
+        </p:nvPicPr>
+        <p:blipFill>
+          <a:blip r:embed="rId2">
+            <a:extLst>
+              <a:ext uri="{28A0092B-C50C-407E-A947-70E740481C1C}">
+                <a14:useLocalDpi xmlns:a14="http://schemas.microsoft.com/office/drawing/2010/main" val="0"/>
+              </a:ext>
+            </a:extLst>
+          </a:blip>
+          <a:srcRect/>
+          <a:stretch>
+            <a:fillRect/>
+          </a:stretch>
+        </p:blipFill>
+        <p:spPr bwMode="auto">
+          <a:xfrm>
+            <a:off x="7246540" y="3956763"/>
+            <a:ext cx="3617625" cy="687348"/>
+          </a:xfrm>
+          <a:prstGeom prst="rect">
+            <a:avLst/>
+          </a:prstGeom>
+          <a:noFill/>
+          <a:extLst>
+            <a:ext uri="{909E8E84-426E-40DD-AFC4-6F175D3DCCD1}">
+              <a14:hiddenFill xmlns:a14="http://schemas.microsoft.com/office/drawing/2010/main">
+                <a:solidFill>
+                  <a:srgbClr val="FFFFFF"/>
+                </a:solidFill>
+              </a14:hiddenFill>
+            </a:ext>
+          </a:extLst>
+        </p:spPr>
+      </p:pic>
+      <p:pic>
+        <p:nvPicPr>
+          <p:cNvPr id="4" name="Picture 2" descr="https://news.boisestate.edu/update/files/2013/03/boisestate-B-2color.png"/>
+          <p:cNvPicPr>
+            <a:picLocks noChangeAspect="1" noChangeArrowheads="1"/>
           </p:cNvPicPr>
           <p:nvPr/>
         </p:nvPicPr>
         <p:blipFill>
-          <a:blip r:embed="rId2"/>
+          <a:blip r:embed="rId3" cstate="print">
+            <a:extLst>
+              <a:ext uri="{28A0092B-C50C-407E-A947-70E740481C1C}">
+                <a14:useLocalDpi xmlns:a14="http://schemas.microsoft.com/office/drawing/2010/main" val="0"/>
+              </a:ext>
+            </a:extLst>
+          </a:blip>
+          <a:srcRect/>
           <a:stretch>
             <a:fillRect/>
           </a:stretch>
         </p:blipFill>
-        <p:spPr>
+        <p:spPr bwMode="auto">
           <a:xfrm>
-            <a:off x="4666616" y="1830875"/>
-            <a:ext cx="6912768" cy="4434201"/>
+            <a:off x="4510236" y="3065610"/>
+            <a:ext cx="2469654" cy="2469654"/>
           </a:xfrm>
           <a:prstGeom prst="rect">
             <a:avLst/>
           </a:prstGeom>
+          <a:noFill/>
+          <a:extLst>
+            <a:ext uri="{909E8E84-426E-40DD-AFC4-6F175D3DCCD1}">
+              <a14:hiddenFill xmlns:a14="http://schemas.microsoft.com/office/drawing/2010/main">
+                <a:solidFill>
+                  <a:srgbClr val="FFFFFF"/>
+                </a:solidFill>
+              </a14:hiddenFill>
+            </a:ext>
+          </a:extLst>
+        </p:spPr>
+      </p:pic>
+      <p:pic>
+        <p:nvPicPr>
+          <p:cNvPr id="2056" name="Picture 8" descr="http://www.all4tec.net/images/MaTeLo/Plugins/Button165p/Download-MaTeLo-Free-Trial-On.png"/>
+          <p:cNvPicPr>
+            <a:picLocks noChangeAspect="1" noChangeArrowheads="1"/>
+          </p:cNvPicPr>
+          <p:nvPr/>
+        </p:nvPicPr>
+        <p:blipFill>
+          <a:blip r:embed="rId4">
+            <a:extLst>
+              <a:ext uri="{28A0092B-C50C-407E-A947-70E740481C1C}">
+                <a14:useLocalDpi xmlns:a14="http://schemas.microsoft.com/office/drawing/2010/main" val="0"/>
+              </a:ext>
+            </a:extLst>
+          </a:blip>
+          <a:srcRect/>
+          <a:stretch>
+            <a:fillRect/>
+          </a:stretch>
+        </p:blipFill>
+        <p:spPr bwMode="auto">
+          <a:xfrm>
+            <a:off x="1629916" y="3571775"/>
+            <a:ext cx="1762125" cy="1457325"/>
+          </a:xfrm>
+          <a:prstGeom prst="rect">
+            <a:avLst/>
+          </a:prstGeom>
+          <a:noFill/>
+          <a:extLst>
+            <a:ext uri="{909E8E84-426E-40DD-AFC4-6F175D3DCCD1}">
+              <a14:hiddenFill xmlns:a14="http://schemas.microsoft.com/office/drawing/2010/main">
+                <a:solidFill>
+                  <a:srgbClr val="FFFFFF"/>
+                </a:solidFill>
+              </a14:hiddenFill>
+            </a:ext>
+          </a:extLst>
         </p:spPr>
       </p:pic>
     </p:spTree>
     <p:extLst>
       <p:ext uri="{BB962C8B-B14F-4D97-AF65-F5344CB8AC3E}">
-        <p14:creationId xmlns:p14="http://schemas.microsoft.com/office/powerpoint/2010/main" val="1756399811"/>
+        <p14:creationId xmlns:p14="http://schemas.microsoft.com/office/powerpoint/2010/main" val="3003993304"/>
       </p:ext>
     </p:extLst>
   </p:cSld>
@@ -7945,8 +9548,36 @@
           <a:lstStyle/>
           <a:p>
             <a:r>
-              <a:rPr lang="en-US" dirty="0"/>
+              <a:rPr lang="en-US"/>
               <a:t>Which tool I use?</a:t>
+            </a:r>
+            <a:endParaRPr lang="en-US" dirty="0"/>
+          </a:p>
+        </p:txBody>
+      </p:sp>
+      <p:sp>
+        <p:nvSpPr>
+          <p:cNvPr id="10" name="Text Placeholder 9"/>
+          <p:cNvSpPr>
+            <a:spLocks noGrp="1"/>
+          </p:cNvSpPr>
+          <p:nvPr>
+            <p:ph type="body" idx="1"/>
+          </p:nvPr>
+        </p:nvSpPr>
+        <p:spPr>
+          <a:xfrm>
+            <a:off x="1218883" y="1701800"/>
+            <a:ext cx="3363361" cy="914400"/>
+          </a:xfrm>
+        </p:spPr>
+        <p:txBody>
+          <a:bodyPr/>
+          <a:lstStyle/>
+          <a:p>
+            <a:r>
+              <a:rPr lang="pt-PT" dirty="0"/>
+              <a:t>MISTA</a:t>
             </a:r>
           </a:p>
         </p:txBody>
@@ -8008,2649 +9639,51 @@
           </a:p>
         </p:txBody>
       </p:sp>
-      <p:graphicFrame>
-        <p:nvGraphicFramePr>
-          <p:cNvPr id="7" name="Content Placeholder 6"/>
-          <p:cNvGraphicFramePr>
-            <a:graphicFrameLocks noGrp="1"/>
-          </p:cNvGraphicFramePr>
-          <p:nvPr>
-            <p:ph idx="1"/>
-            <p:extLst>
-              <p:ext uri="{D42A27DB-BD31-4B8C-83A1-F6EECF244321}">
-                <p14:modId xmlns:p14="http://schemas.microsoft.com/office/powerpoint/2010/main" val="2868148859"/>
-              </p:ext>
-            </p:extLst>
-          </p:nvPr>
-        </p:nvGraphicFramePr>
-        <p:xfrm>
-          <a:off x="1218884" y="1701802"/>
-          <a:ext cx="10348136" cy="4462458"/>
-        </p:xfrm>
-        <a:graphic>
-          <a:graphicData uri="http://schemas.openxmlformats.org/drawingml/2006/table">
-            <a:tbl>
-              <a:tblPr firstRow="1" firstCol="1" bandRow="1">
-                <a:tableStyleId>{5C22544A-7EE6-4342-B048-85BDC9FD1C3A}</a:tableStyleId>
-              </a:tblPr>
-              <a:tblGrid>
-                <a:gridCol w="2666391">
-                  <a:extLst>
-                    <a:ext uri="{9D8B030D-6E8A-4147-A177-3AD203B41FA5}">
-                      <a16:colId xmlns:a16="http://schemas.microsoft.com/office/drawing/2014/main" val="1843856318"/>
-                    </a:ext>
-                  </a:extLst>
-                </a:gridCol>
-                <a:gridCol w="1354357">
-                  <a:extLst>
-                    <a:ext uri="{9D8B030D-6E8A-4147-A177-3AD203B41FA5}">
-                      <a16:colId xmlns:a16="http://schemas.microsoft.com/office/drawing/2014/main" val="54884749"/>
-                    </a:ext>
-                  </a:extLst>
-                </a:gridCol>
-                <a:gridCol w="4592118">
-                  <a:extLst>
-                    <a:ext uri="{9D8B030D-6E8A-4147-A177-3AD203B41FA5}">
-                      <a16:colId xmlns:a16="http://schemas.microsoft.com/office/drawing/2014/main" val="3130447722"/>
-                    </a:ext>
-                  </a:extLst>
-                </a:gridCol>
-                <a:gridCol w="1735270">
-                  <a:extLst>
-                    <a:ext uri="{9D8B030D-6E8A-4147-A177-3AD203B41FA5}">
-                      <a16:colId xmlns:a16="http://schemas.microsoft.com/office/drawing/2014/main" val="2098148624"/>
-                    </a:ext>
-                  </a:extLst>
-                </a:gridCol>
-              </a:tblGrid>
-              <a:tr h="171633">
-                <a:tc>
-                  <a:txBody>
-                    <a:bodyPr/>
-                    <a:lstStyle/>
-                    <a:p>
-                      <a:pPr algn="ctr" fontAlgn="ctr"/>
-                      <a:r>
-                        <a:rPr lang="pt-PT" sz="700" u="none" strike="noStrike">
-                          <a:effectLst/>
-                        </a:rPr>
-                        <a:t>Tool</a:t>
-                      </a:r>
-                      <a:endParaRPr lang="pt-PT" sz="700" b="1" i="0" u="none" strike="noStrike">
-                        <a:solidFill>
-                          <a:srgbClr val="000000"/>
-                        </a:solidFill>
-                        <a:effectLst/>
-                        <a:latin typeface="Verdana" panose="020B0604030504040204" pitchFamily="34" charset="0"/>
-                      </a:endParaRPr>
-                    </a:p>
-                  </a:txBody>
-                  <a:tcPr marL="3503" marR="3503" marT="5254" marB="5254" anchor="ctr"/>
-                </a:tc>
-                <a:tc>
-                  <a:txBody>
-                    <a:bodyPr/>
-                    <a:lstStyle/>
-                    <a:p>
-                      <a:pPr algn="ctr" fontAlgn="ctr"/>
-                      <a:r>
-                        <a:rPr lang="pt-PT" sz="700" u="none" strike="noStrike">
-                          <a:effectLst/>
-                        </a:rPr>
-                        <a:t>Modified</a:t>
-                      </a:r>
-                      <a:endParaRPr lang="pt-PT" sz="700" b="1" i="0" u="none" strike="noStrike">
-                        <a:solidFill>
-                          <a:srgbClr val="000000"/>
-                        </a:solidFill>
-                        <a:effectLst/>
-                        <a:latin typeface="Verdana" panose="020B0604030504040204" pitchFamily="34" charset="0"/>
-                      </a:endParaRPr>
-                    </a:p>
-                  </a:txBody>
-                  <a:tcPr marL="3503" marR="3503" marT="5254" marB="5254" anchor="ctr"/>
-                </a:tc>
-                <a:tc>
-                  <a:txBody>
-                    <a:bodyPr/>
-                    <a:lstStyle/>
-                    <a:p>
-                      <a:pPr algn="ctr" fontAlgn="ctr"/>
-                      <a:r>
-                        <a:rPr lang="pt-PT" sz="700" u="none" strike="noStrike">
-                          <a:effectLst/>
-                        </a:rPr>
-                        <a:t>Input format</a:t>
-                      </a:r>
-                      <a:endParaRPr lang="pt-PT" sz="700" b="1" i="0" u="none" strike="noStrike">
-                        <a:solidFill>
-                          <a:srgbClr val="000000"/>
-                        </a:solidFill>
-                        <a:effectLst/>
-                        <a:latin typeface="Verdana" panose="020B0604030504040204" pitchFamily="34" charset="0"/>
-                      </a:endParaRPr>
-                    </a:p>
-                  </a:txBody>
-                  <a:tcPr marL="3503" marR="3503" marT="5254" marB="5254" anchor="ctr"/>
-                </a:tc>
-                <a:tc>
-                  <a:txBody>
-                    <a:bodyPr/>
-                    <a:lstStyle/>
-                    <a:p>
-                      <a:pPr algn="ctr" fontAlgn="ctr"/>
-                      <a:r>
-                        <a:rPr lang="pt-PT" sz="700" u="none" strike="noStrike">
-                          <a:effectLst/>
-                        </a:rPr>
-                        <a:t>Type</a:t>
-                      </a:r>
-                      <a:endParaRPr lang="pt-PT" sz="700" b="1" i="0" u="none" strike="noStrike">
-                        <a:solidFill>
-                          <a:srgbClr val="000000"/>
-                        </a:solidFill>
-                        <a:effectLst/>
-                        <a:latin typeface="Verdana" panose="020B0604030504040204" pitchFamily="34" charset="0"/>
-                      </a:endParaRPr>
-                    </a:p>
-                  </a:txBody>
-                  <a:tcPr marL="3503" marR="3503" marT="5254" marB="5254" anchor="ctr"/>
-                </a:tc>
-                <a:extLst>
-                  <a:ext uri="{0D108BD9-81ED-4DB2-BD59-A6C34878D82A}">
-                    <a16:rowId xmlns:a16="http://schemas.microsoft.com/office/drawing/2014/main" val="1579644838"/>
-                  </a:ext>
-                </a:extLst>
-              </a:tr>
-              <a:tr h="171633">
-                <a:tc>
-                  <a:txBody>
-                    <a:bodyPr/>
-                    <a:lstStyle/>
-                    <a:p>
-                      <a:pPr algn="ctr" fontAlgn="ctr"/>
-                      <a:r>
-                        <a:rPr lang="pt-PT" sz="600" u="none" strike="noStrike">
-                          <a:effectLst/>
-                        </a:rPr>
-                        <a:t>4Test</a:t>
-                      </a:r>
-                      <a:endParaRPr lang="pt-PT" sz="600" b="0" i="0" u="none" strike="noStrike">
-                        <a:solidFill>
-                          <a:srgbClr val="000000"/>
-                        </a:solidFill>
-                        <a:effectLst/>
-                        <a:latin typeface="Calibri" panose="020F0502020204030204" pitchFamily="34" charset="0"/>
-                      </a:endParaRPr>
-                    </a:p>
-                  </a:txBody>
-                  <a:tcPr marL="3503" marR="3503" marT="5254" marB="5254" anchor="ctr"/>
-                </a:tc>
-                <a:tc>
-                  <a:txBody>
-                    <a:bodyPr/>
-                    <a:lstStyle/>
-                    <a:p>
-                      <a:pPr algn="ctr" fontAlgn="ctr"/>
-                      <a:r>
-                        <a:rPr lang="pt-PT" sz="700" u="none" strike="noStrike">
-                          <a:effectLst/>
-                        </a:rPr>
-                        <a:t>2016</a:t>
-                      </a:r>
-                      <a:endParaRPr lang="pt-PT" sz="700" b="0" i="0" u="none" strike="noStrike">
-                        <a:solidFill>
-                          <a:srgbClr val="000000"/>
-                        </a:solidFill>
-                        <a:effectLst/>
-                        <a:latin typeface="Verdana" panose="020B0604030504040204" pitchFamily="34" charset="0"/>
-                      </a:endParaRPr>
-                    </a:p>
-                  </a:txBody>
-                  <a:tcPr marL="3503" marR="3503" marT="5254" marB="5254" anchor="ctr"/>
-                </a:tc>
-                <a:tc>
-                  <a:txBody>
-                    <a:bodyPr/>
-                    <a:lstStyle/>
-                    <a:p>
-                      <a:pPr algn="ctr" fontAlgn="ctr"/>
-                      <a:r>
-                        <a:rPr lang="pt-PT" sz="700" u="none" strike="noStrike">
-                          <a:effectLst/>
-                        </a:rPr>
-                        <a:t>Custom (Gherkin based)</a:t>
-                      </a:r>
-                      <a:endParaRPr lang="pt-PT" sz="700" b="0" i="0" u="none" strike="noStrike">
-                        <a:solidFill>
-                          <a:srgbClr val="000000"/>
-                        </a:solidFill>
-                        <a:effectLst/>
-                        <a:latin typeface="Verdana" panose="020B0604030504040204" pitchFamily="34" charset="0"/>
-                      </a:endParaRPr>
-                    </a:p>
-                  </a:txBody>
-                  <a:tcPr marL="3503" marR="3503" marT="5254" marB="5254" anchor="ctr"/>
-                </a:tc>
-                <a:tc>
-                  <a:txBody>
-                    <a:bodyPr/>
-                    <a:lstStyle/>
-                    <a:p>
-                      <a:pPr algn="ctr" fontAlgn="ctr"/>
-                      <a:r>
-                        <a:rPr lang="pt-PT" sz="700" u="none" strike="noStrike">
-                          <a:effectLst/>
-                        </a:rPr>
-                        <a:t>Commercial</a:t>
-                      </a:r>
-                      <a:endParaRPr lang="pt-PT" sz="700" b="0" i="0" u="none" strike="noStrike">
-                        <a:solidFill>
-                          <a:srgbClr val="000000"/>
-                        </a:solidFill>
-                        <a:effectLst/>
-                        <a:latin typeface="Verdana" panose="020B0604030504040204" pitchFamily="34" charset="0"/>
-                      </a:endParaRPr>
-                    </a:p>
-                  </a:txBody>
-                  <a:tcPr marL="3503" marR="3503" marT="5254" marB="5254" anchor="ctr"/>
-                </a:tc>
-                <a:extLst>
-                  <a:ext uri="{0D108BD9-81ED-4DB2-BD59-A6C34878D82A}">
-                    <a16:rowId xmlns:a16="http://schemas.microsoft.com/office/drawing/2014/main" val="247979423"/>
-                  </a:ext>
-                </a:extLst>
-              </a:tr>
-              <a:tr h="171633">
-                <a:tc>
-                  <a:txBody>
-                    <a:bodyPr/>
-                    <a:lstStyle/>
-                    <a:p>
-                      <a:pPr algn="ctr" fontAlgn="ctr"/>
-                      <a:r>
-                        <a:rPr lang="pt-PT" sz="600" u="none" strike="noStrike">
-                          <a:effectLst/>
-                        </a:rPr>
-                        <a:t>BPM-Xchange</a:t>
-                      </a:r>
-                      <a:endParaRPr lang="pt-PT" sz="600" b="0" i="0" u="none" strike="noStrike">
-                        <a:solidFill>
-                          <a:srgbClr val="000000"/>
-                        </a:solidFill>
-                        <a:effectLst/>
-                        <a:latin typeface="Calibri" panose="020F0502020204030204" pitchFamily="34" charset="0"/>
-                      </a:endParaRPr>
-                    </a:p>
-                  </a:txBody>
-                  <a:tcPr marL="3503" marR="3503" marT="5254" marB="5254" anchor="ctr"/>
-                </a:tc>
-                <a:tc>
-                  <a:txBody>
-                    <a:bodyPr/>
-                    <a:lstStyle/>
-                    <a:p>
-                      <a:pPr algn="ctr" fontAlgn="ctr"/>
-                      <a:r>
-                        <a:rPr lang="pt-PT" sz="700" u="none" strike="noStrike">
-                          <a:effectLst/>
-                        </a:rPr>
-                        <a:t>2014</a:t>
-                      </a:r>
-                      <a:endParaRPr lang="pt-PT" sz="700" b="0" i="0" u="none" strike="noStrike">
-                        <a:solidFill>
-                          <a:srgbClr val="000000"/>
-                        </a:solidFill>
-                        <a:effectLst/>
-                        <a:latin typeface="Verdana" panose="020B0604030504040204" pitchFamily="34" charset="0"/>
-                      </a:endParaRPr>
-                    </a:p>
-                  </a:txBody>
-                  <a:tcPr marL="3503" marR="3503" marT="5254" marB="5254" anchor="ctr"/>
-                </a:tc>
-                <a:tc>
-                  <a:txBody>
-                    <a:bodyPr/>
-                    <a:lstStyle/>
-                    <a:p>
-                      <a:pPr algn="ctr" fontAlgn="ctr"/>
-                      <a:r>
-                        <a:rPr lang="pt-PT" sz="700" u="none" strike="noStrike">
-                          <a:effectLst/>
-                        </a:rPr>
-                        <a:t>BPMN, UML...</a:t>
-                      </a:r>
-                      <a:endParaRPr lang="pt-PT" sz="700" b="0" i="0" u="none" strike="noStrike">
-                        <a:solidFill>
-                          <a:srgbClr val="000000"/>
-                        </a:solidFill>
-                        <a:effectLst/>
-                        <a:latin typeface="Verdana" panose="020B0604030504040204" pitchFamily="34" charset="0"/>
-                      </a:endParaRPr>
-                    </a:p>
-                  </a:txBody>
-                  <a:tcPr marL="3503" marR="3503" marT="5254" marB="5254" anchor="ctr"/>
-                </a:tc>
-                <a:tc>
-                  <a:txBody>
-                    <a:bodyPr/>
-                    <a:lstStyle/>
-                    <a:p>
-                      <a:pPr algn="ctr" fontAlgn="ctr"/>
-                      <a:r>
-                        <a:rPr lang="pt-PT" sz="700" u="none" strike="noStrike">
-                          <a:effectLst/>
-                        </a:rPr>
-                        <a:t>Commercial</a:t>
-                      </a:r>
-                      <a:endParaRPr lang="pt-PT" sz="700" b="0" i="0" u="none" strike="noStrike">
-                        <a:solidFill>
-                          <a:srgbClr val="000000"/>
-                        </a:solidFill>
-                        <a:effectLst/>
-                        <a:latin typeface="Verdana" panose="020B0604030504040204" pitchFamily="34" charset="0"/>
-                      </a:endParaRPr>
-                    </a:p>
-                  </a:txBody>
-                  <a:tcPr marL="3503" marR="3503" marT="5254" marB="5254" anchor="ctr"/>
-                </a:tc>
-                <a:extLst>
-                  <a:ext uri="{0D108BD9-81ED-4DB2-BD59-A6C34878D82A}">
-                    <a16:rowId xmlns:a16="http://schemas.microsoft.com/office/drawing/2014/main" val="2381696840"/>
-                  </a:ext>
-                </a:extLst>
-              </a:tr>
-              <a:tr h="171633">
-                <a:tc>
-                  <a:txBody>
-                    <a:bodyPr/>
-                    <a:lstStyle/>
-                    <a:p>
-                      <a:pPr algn="ctr" fontAlgn="ctr"/>
-                      <a:r>
-                        <a:rPr lang="pt-PT" sz="600" u="none" strike="noStrike">
-                          <a:effectLst/>
-                        </a:rPr>
-                        <a:t>Conformiq Creator</a:t>
-                      </a:r>
-                      <a:endParaRPr lang="pt-PT" sz="600" b="0" i="0" u="none" strike="noStrike">
-                        <a:solidFill>
-                          <a:srgbClr val="000000"/>
-                        </a:solidFill>
-                        <a:effectLst/>
-                        <a:latin typeface="Calibri" panose="020F0502020204030204" pitchFamily="34" charset="0"/>
-                      </a:endParaRPr>
-                    </a:p>
-                  </a:txBody>
-                  <a:tcPr marL="3503" marR="3503" marT="5254" marB="5254" anchor="ctr"/>
-                </a:tc>
-                <a:tc>
-                  <a:txBody>
-                    <a:bodyPr/>
-                    <a:lstStyle/>
-                    <a:p>
-                      <a:pPr algn="ctr" fontAlgn="ctr"/>
-                      <a:r>
-                        <a:rPr lang="pt-PT" sz="700" u="none" strike="noStrike">
-                          <a:effectLst/>
-                        </a:rPr>
-                        <a:t>2016</a:t>
-                      </a:r>
-                      <a:endParaRPr lang="pt-PT" sz="700" b="0" i="0" u="none" strike="noStrike">
-                        <a:solidFill>
-                          <a:srgbClr val="000000"/>
-                        </a:solidFill>
-                        <a:effectLst/>
-                        <a:latin typeface="Verdana" panose="020B0604030504040204" pitchFamily="34" charset="0"/>
-                      </a:endParaRPr>
-                    </a:p>
-                  </a:txBody>
-                  <a:tcPr marL="3503" marR="3503" marT="5254" marB="5254" anchor="ctr"/>
-                </a:tc>
-                <a:tc>
-                  <a:txBody>
-                    <a:bodyPr/>
-                    <a:lstStyle/>
-                    <a:p>
-                      <a:pPr algn="ctr" fontAlgn="ctr"/>
-                      <a:r>
-                        <a:rPr lang="pt-PT" sz="700" u="none" strike="noStrike">
-                          <a:effectLst/>
-                        </a:rPr>
-                        <a:t>Activity Diagrams, DSL</a:t>
-                      </a:r>
-                      <a:endParaRPr lang="pt-PT" sz="700" b="0" i="0" u="none" strike="noStrike">
-                        <a:solidFill>
-                          <a:srgbClr val="000000"/>
-                        </a:solidFill>
-                        <a:effectLst/>
-                        <a:latin typeface="Verdana" panose="020B0604030504040204" pitchFamily="34" charset="0"/>
-                      </a:endParaRPr>
-                    </a:p>
-                  </a:txBody>
-                  <a:tcPr marL="3503" marR="3503" marT="5254" marB="5254" anchor="ctr"/>
-                </a:tc>
-                <a:tc>
-                  <a:txBody>
-                    <a:bodyPr/>
-                    <a:lstStyle/>
-                    <a:p>
-                      <a:pPr algn="ctr" fontAlgn="ctr"/>
-                      <a:r>
-                        <a:rPr lang="pt-PT" sz="700" u="none" strike="noStrike">
-                          <a:effectLst/>
-                        </a:rPr>
-                        <a:t>Commercial</a:t>
-                      </a:r>
-                      <a:endParaRPr lang="pt-PT" sz="700" b="0" i="0" u="none" strike="noStrike">
-                        <a:solidFill>
-                          <a:srgbClr val="000000"/>
-                        </a:solidFill>
-                        <a:effectLst/>
-                        <a:latin typeface="Verdana" panose="020B0604030504040204" pitchFamily="34" charset="0"/>
-                      </a:endParaRPr>
-                    </a:p>
-                  </a:txBody>
-                  <a:tcPr marL="3503" marR="3503" marT="5254" marB="5254" anchor="ctr"/>
-                </a:tc>
-                <a:extLst>
-                  <a:ext uri="{0D108BD9-81ED-4DB2-BD59-A6C34878D82A}">
-                    <a16:rowId xmlns:a16="http://schemas.microsoft.com/office/drawing/2014/main" val="1134681496"/>
-                  </a:ext>
-                </a:extLst>
-              </a:tr>
-              <a:tr h="171633">
-                <a:tc>
-                  <a:txBody>
-                    <a:bodyPr/>
-                    <a:lstStyle/>
-                    <a:p>
-                      <a:pPr algn="ctr" fontAlgn="ctr"/>
-                      <a:r>
-                        <a:rPr lang="pt-PT" sz="600" u="none" strike="noStrike">
-                          <a:effectLst/>
-                        </a:rPr>
-                        <a:t>Conformiq Designer</a:t>
-                      </a:r>
-                      <a:endParaRPr lang="pt-PT" sz="600" b="0" i="0" u="none" strike="noStrike">
-                        <a:solidFill>
-                          <a:srgbClr val="000000"/>
-                        </a:solidFill>
-                        <a:effectLst/>
-                        <a:latin typeface="Calibri" panose="020F0502020204030204" pitchFamily="34" charset="0"/>
-                      </a:endParaRPr>
-                    </a:p>
-                  </a:txBody>
-                  <a:tcPr marL="3503" marR="3503" marT="5254" marB="5254" anchor="ctr"/>
-                </a:tc>
-                <a:tc>
-                  <a:txBody>
-                    <a:bodyPr/>
-                    <a:lstStyle/>
-                    <a:p>
-                      <a:pPr algn="ctr" fontAlgn="ctr"/>
-                      <a:r>
-                        <a:rPr lang="pt-PT" sz="700" u="none" strike="noStrike">
-                          <a:effectLst/>
-                        </a:rPr>
-                        <a:t>2014</a:t>
-                      </a:r>
-                      <a:endParaRPr lang="pt-PT" sz="700" b="0" i="0" u="none" strike="noStrike">
-                        <a:solidFill>
-                          <a:srgbClr val="000000"/>
-                        </a:solidFill>
-                        <a:effectLst/>
-                        <a:latin typeface="Verdana" panose="020B0604030504040204" pitchFamily="34" charset="0"/>
-                      </a:endParaRPr>
-                    </a:p>
-                  </a:txBody>
-                  <a:tcPr marL="3503" marR="3503" marT="5254" marB="5254" anchor="ctr"/>
-                </a:tc>
-                <a:tc>
-                  <a:txBody>
-                    <a:bodyPr/>
-                    <a:lstStyle/>
-                    <a:p>
-                      <a:pPr algn="ctr" fontAlgn="ctr"/>
-                      <a:r>
-                        <a:rPr lang="pt-PT" sz="700" u="none" strike="noStrike">
-                          <a:effectLst/>
-                        </a:rPr>
-                        <a:t>UML State Machines, QML</a:t>
-                      </a:r>
-                      <a:endParaRPr lang="pt-PT" sz="700" b="0" i="0" u="none" strike="noStrike">
-                        <a:solidFill>
-                          <a:srgbClr val="000000"/>
-                        </a:solidFill>
-                        <a:effectLst/>
-                        <a:latin typeface="Verdana" panose="020B0604030504040204" pitchFamily="34" charset="0"/>
-                      </a:endParaRPr>
-                    </a:p>
-                  </a:txBody>
-                  <a:tcPr marL="3503" marR="3503" marT="5254" marB="5254" anchor="ctr"/>
-                </a:tc>
-                <a:tc>
-                  <a:txBody>
-                    <a:bodyPr/>
-                    <a:lstStyle/>
-                    <a:p>
-                      <a:pPr algn="ctr" fontAlgn="ctr"/>
-                      <a:r>
-                        <a:rPr lang="pt-PT" sz="700" u="none" strike="noStrike">
-                          <a:effectLst/>
-                        </a:rPr>
-                        <a:t>Commercial</a:t>
-                      </a:r>
-                      <a:endParaRPr lang="pt-PT" sz="700" b="0" i="0" u="none" strike="noStrike">
-                        <a:solidFill>
-                          <a:srgbClr val="000000"/>
-                        </a:solidFill>
-                        <a:effectLst/>
-                        <a:latin typeface="Verdana" panose="020B0604030504040204" pitchFamily="34" charset="0"/>
-                      </a:endParaRPr>
-                    </a:p>
-                  </a:txBody>
-                  <a:tcPr marL="3503" marR="3503" marT="5254" marB="5254" anchor="ctr"/>
-                </a:tc>
-                <a:extLst>
-                  <a:ext uri="{0D108BD9-81ED-4DB2-BD59-A6C34878D82A}">
-                    <a16:rowId xmlns:a16="http://schemas.microsoft.com/office/drawing/2014/main" val="4129290035"/>
-                  </a:ext>
-                </a:extLst>
-              </a:tr>
-              <a:tr h="171633">
-                <a:tc>
-                  <a:txBody>
-                    <a:bodyPr/>
-                    <a:lstStyle/>
-                    <a:p>
-                      <a:pPr algn="ctr" fontAlgn="ctr"/>
-                      <a:r>
-                        <a:rPr lang="pt-PT" sz="600" u="none" strike="noStrike">
-                          <a:effectLst/>
-                        </a:rPr>
-                        <a:t>DTM</a:t>
-                      </a:r>
-                      <a:endParaRPr lang="pt-PT" sz="600" b="0" i="0" u="none" strike="noStrike">
-                        <a:solidFill>
-                          <a:srgbClr val="000000"/>
-                        </a:solidFill>
-                        <a:effectLst/>
-                        <a:latin typeface="Calibri" panose="020F0502020204030204" pitchFamily="34" charset="0"/>
-                      </a:endParaRPr>
-                    </a:p>
-                  </a:txBody>
-                  <a:tcPr marL="3503" marR="3503" marT="5254" marB="5254" anchor="ctr"/>
-                </a:tc>
-                <a:tc>
-                  <a:txBody>
-                    <a:bodyPr/>
-                    <a:lstStyle/>
-                    <a:p>
-                      <a:pPr algn="ctr" fontAlgn="ctr"/>
-                      <a:r>
-                        <a:rPr lang="pt-PT" sz="700" u="none" strike="noStrike">
-                          <a:effectLst/>
-                        </a:rPr>
-                        <a:t>2013</a:t>
-                      </a:r>
-                      <a:endParaRPr lang="pt-PT" sz="700" b="0" i="0" u="none" strike="noStrike">
-                        <a:solidFill>
-                          <a:srgbClr val="000000"/>
-                        </a:solidFill>
-                        <a:effectLst/>
-                        <a:latin typeface="Verdana" panose="020B0604030504040204" pitchFamily="34" charset="0"/>
-                      </a:endParaRPr>
-                    </a:p>
-                  </a:txBody>
-                  <a:tcPr marL="3503" marR="3503" marT="5254" marB="5254" anchor="ctr"/>
-                </a:tc>
-                <a:tc>
-                  <a:txBody>
-                    <a:bodyPr/>
-                    <a:lstStyle/>
-                    <a:p>
-                      <a:pPr algn="ctr" fontAlgn="ctr"/>
-                      <a:r>
-                        <a:rPr lang="pt-PT" sz="700" u="none" strike="noStrike">
-                          <a:effectLst/>
-                        </a:rPr>
-                        <a:t>custom activity model</a:t>
-                      </a:r>
-                      <a:endParaRPr lang="pt-PT" sz="700" b="0" i="0" u="none" strike="noStrike">
-                        <a:solidFill>
-                          <a:srgbClr val="000000"/>
-                        </a:solidFill>
-                        <a:effectLst/>
-                        <a:latin typeface="Verdana" panose="020B0604030504040204" pitchFamily="34" charset="0"/>
-                      </a:endParaRPr>
-                    </a:p>
-                  </a:txBody>
-                  <a:tcPr marL="3503" marR="3503" marT="5254" marB="5254" anchor="ctr"/>
-                </a:tc>
-                <a:tc>
-                  <a:txBody>
-                    <a:bodyPr/>
-                    <a:lstStyle/>
-                    <a:p>
-                      <a:pPr algn="ctr" fontAlgn="ctr"/>
-                      <a:r>
-                        <a:rPr lang="pt-PT" sz="700" u="none" strike="noStrike">
-                          <a:effectLst/>
-                        </a:rPr>
-                        <a:t>Commercial</a:t>
-                      </a:r>
-                      <a:endParaRPr lang="pt-PT" sz="700" b="0" i="0" u="none" strike="noStrike">
-                        <a:solidFill>
-                          <a:srgbClr val="000000"/>
-                        </a:solidFill>
-                        <a:effectLst/>
-                        <a:latin typeface="Verdana" panose="020B0604030504040204" pitchFamily="34" charset="0"/>
-                      </a:endParaRPr>
-                    </a:p>
-                  </a:txBody>
-                  <a:tcPr marL="3503" marR="3503" marT="5254" marB="5254" anchor="ctr"/>
-                </a:tc>
-                <a:extLst>
-                  <a:ext uri="{0D108BD9-81ED-4DB2-BD59-A6C34878D82A}">
-                    <a16:rowId xmlns:a16="http://schemas.microsoft.com/office/drawing/2014/main" val="968882100"/>
-                  </a:ext>
-                </a:extLst>
-              </a:tr>
-              <a:tr h="171633">
-                <a:tc>
-                  <a:txBody>
-                    <a:bodyPr/>
-                    <a:lstStyle/>
-                    <a:p>
-                      <a:pPr algn="ctr" fontAlgn="ctr"/>
-                      <a:r>
-                        <a:rPr lang="pt-PT" sz="600" u="none" strike="noStrike">
-                          <a:effectLst/>
-                        </a:rPr>
-                        <a:t>fMBT</a:t>
-                      </a:r>
-                      <a:endParaRPr lang="pt-PT" sz="600" b="0" i="0" u="none" strike="noStrike">
-                        <a:solidFill>
-                          <a:srgbClr val="000000"/>
-                        </a:solidFill>
-                        <a:effectLst/>
-                        <a:latin typeface="Calibri" panose="020F0502020204030204" pitchFamily="34" charset="0"/>
-                      </a:endParaRPr>
-                    </a:p>
-                  </a:txBody>
-                  <a:tcPr marL="3503" marR="3503" marT="5254" marB="5254" anchor="ctr"/>
-                </a:tc>
-                <a:tc>
-                  <a:txBody>
-                    <a:bodyPr/>
-                    <a:lstStyle/>
-                    <a:p>
-                      <a:pPr algn="ctr" fontAlgn="ctr"/>
-                      <a:r>
-                        <a:rPr lang="pt-PT" sz="700" u="none" strike="noStrike">
-                          <a:effectLst/>
-                        </a:rPr>
-                        <a:t>2014</a:t>
-                      </a:r>
-                      <a:endParaRPr lang="pt-PT" sz="700" b="0" i="0" u="none" strike="noStrike">
-                        <a:solidFill>
-                          <a:srgbClr val="000000"/>
-                        </a:solidFill>
-                        <a:effectLst/>
-                        <a:latin typeface="Verdana" panose="020B0604030504040204" pitchFamily="34" charset="0"/>
-                      </a:endParaRPr>
-                    </a:p>
-                  </a:txBody>
-                  <a:tcPr marL="3503" marR="3503" marT="5254" marB="5254" anchor="ctr"/>
-                </a:tc>
-                <a:tc>
-                  <a:txBody>
-                    <a:bodyPr/>
-                    <a:lstStyle/>
-                    <a:p>
-                      <a:pPr algn="ctr" fontAlgn="ctr"/>
-                      <a:r>
-                        <a:rPr lang="pt-PT" sz="700" u="none" strike="noStrike">
-                          <a:effectLst/>
-                        </a:rPr>
-                        <a:t>Custom (AAL)</a:t>
-                      </a:r>
-                      <a:endParaRPr lang="pt-PT" sz="700" b="0" i="0" u="none" strike="noStrike">
-                        <a:solidFill>
-                          <a:srgbClr val="000000"/>
-                        </a:solidFill>
-                        <a:effectLst/>
-                        <a:latin typeface="Verdana" panose="020B0604030504040204" pitchFamily="34" charset="0"/>
-                      </a:endParaRPr>
-                    </a:p>
-                  </a:txBody>
-                  <a:tcPr marL="3503" marR="3503" marT="5254" marB="5254" anchor="ctr"/>
-                </a:tc>
-                <a:tc>
-                  <a:txBody>
-                    <a:bodyPr/>
-                    <a:lstStyle/>
-                    <a:p>
-                      <a:pPr algn="ctr" fontAlgn="ctr"/>
-                      <a:r>
-                        <a:rPr lang="pt-PT" sz="700" u="none" strike="noStrike">
-                          <a:effectLst/>
-                        </a:rPr>
-                        <a:t>Open source</a:t>
-                      </a:r>
-                      <a:endParaRPr lang="pt-PT" sz="700" b="0" i="0" u="none" strike="noStrike">
-                        <a:solidFill>
-                          <a:srgbClr val="000000"/>
-                        </a:solidFill>
-                        <a:effectLst/>
-                        <a:latin typeface="Verdana" panose="020B0604030504040204" pitchFamily="34" charset="0"/>
-                      </a:endParaRPr>
-                    </a:p>
-                  </a:txBody>
-                  <a:tcPr marL="3503" marR="3503" marT="5254" marB="5254" anchor="ctr"/>
-                </a:tc>
-                <a:extLst>
-                  <a:ext uri="{0D108BD9-81ED-4DB2-BD59-A6C34878D82A}">
-                    <a16:rowId xmlns:a16="http://schemas.microsoft.com/office/drawing/2014/main" val="3393117909"/>
-                  </a:ext>
-                </a:extLst>
-              </a:tr>
-              <a:tr h="171633">
-                <a:tc>
-                  <a:txBody>
-                    <a:bodyPr/>
-                    <a:lstStyle/>
-                    <a:p>
-                      <a:pPr algn="ctr" fontAlgn="ctr"/>
-                      <a:r>
-                        <a:rPr lang="pt-PT" sz="600" u="none" strike="noStrike">
-                          <a:effectLst/>
-                        </a:rPr>
-                        <a:t>GraphWalker</a:t>
-                      </a:r>
-                      <a:endParaRPr lang="pt-PT" sz="600" b="0" i="0" u="none" strike="noStrike">
-                        <a:solidFill>
-                          <a:srgbClr val="000000"/>
-                        </a:solidFill>
-                        <a:effectLst/>
-                        <a:latin typeface="Calibri" panose="020F0502020204030204" pitchFamily="34" charset="0"/>
-                      </a:endParaRPr>
-                    </a:p>
-                  </a:txBody>
-                  <a:tcPr marL="3503" marR="3503" marT="5254" marB="5254" anchor="ctr"/>
-                </a:tc>
-                <a:tc>
-                  <a:txBody>
-                    <a:bodyPr/>
-                    <a:lstStyle/>
-                    <a:p>
-                      <a:pPr algn="ctr" fontAlgn="ctr"/>
-                      <a:r>
-                        <a:rPr lang="pt-PT" sz="700" u="none" strike="noStrike">
-                          <a:effectLst/>
-                        </a:rPr>
-                        <a:t>2014</a:t>
-                      </a:r>
-                      <a:endParaRPr lang="pt-PT" sz="700" b="0" i="0" u="none" strike="noStrike">
-                        <a:solidFill>
-                          <a:srgbClr val="000000"/>
-                        </a:solidFill>
-                        <a:effectLst/>
-                        <a:latin typeface="Verdana" panose="020B0604030504040204" pitchFamily="34" charset="0"/>
-                      </a:endParaRPr>
-                    </a:p>
-                  </a:txBody>
-                  <a:tcPr marL="3503" marR="3503" marT="5254" marB="5254" anchor="ctr"/>
-                </a:tc>
-                <a:tc>
-                  <a:txBody>
-                    <a:bodyPr/>
-                    <a:lstStyle/>
-                    <a:p>
-                      <a:pPr algn="ctr" fontAlgn="ctr"/>
-                      <a:r>
-                        <a:rPr lang="pt-PT" sz="700" u="none" strike="noStrike">
-                          <a:effectLst/>
-                        </a:rPr>
-                        <a:t>FSM</a:t>
-                      </a:r>
-                      <a:endParaRPr lang="pt-PT" sz="700" b="0" i="0" u="none" strike="noStrike">
-                        <a:solidFill>
-                          <a:srgbClr val="000000"/>
-                        </a:solidFill>
-                        <a:effectLst/>
-                        <a:latin typeface="Verdana" panose="020B0604030504040204" pitchFamily="34" charset="0"/>
-                      </a:endParaRPr>
-                    </a:p>
-                  </a:txBody>
-                  <a:tcPr marL="3503" marR="3503" marT="5254" marB="5254" anchor="ctr"/>
-                </a:tc>
-                <a:tc>
-                  <a:txBody>
-                    <a:bodyPr/>
-                    <a:lstStyle/>
-                    <a:p>
-                      <a:pPr algn="ctr" fontAlgn="ctr"/>
-                      <a:r>
-                        <a:rPr lang="pt-PT" sz="700" u="none" strike="noStrike">
-                          <a:effectLst/>
-                        </a:rPr>
-                        <a:t>Open source</a:t>
-                      </a:r>
-                      <a:endParaRPr lang="pt-PT" sz="700" b="0" i="0" u="none" strike="noStrike">
-                        <a:solidFill>
-                          <a:srgbClr val="000000"/>
-                        </a:solidFill>
-                        <a:effectLst/>
-                        <a:latin typeface="Verdana" panose="020B0604030504040204" pitchFamily="34" charset="0"/>
-                      </a:endParaRPr>
-                    </a:p>
-                  </a:txBody>
-                  <a:tcPr marL="3503" marR="3503" marT="5254" marB="5254" anchor="ctr"/>
-                </a:tc>
-                <a:extLst>
-                  <a:ext uri="{0D108BD9-81ED-4DB2-BD59-A6C34878D82A}">
-                    <a16:rowId xmlns:a16="http://schemas.microsoft.com/office/drawing/2014/main" val="127246434"/>
-                  </a:ext>
-                </a:extLst>
-              </a:tr>
-              <a:tr h="171633">
-                <a:tc>
-                  <a:txBody>
-                    <a:bodyPr/>
-                    <a:lstStyle/>
-                    <a:p>
-                      <a:pPr algn="ctr" fontAlgn="ctr"/>
-                      <a:r>
-                        <a:rPr lang="pt-PT" sz="600" u="none" strike="noStrike">
-                          <a:effectLst/>
-                        </a:rPr>
-                        <a:t>JSXM</a:t>
-                      </a:r>
-                      <a:endParaRPr lang="pt-PT" sz="600" b="0" i="0" u="none" strike="noStrike">
-                        <a:solidFill>
-                          <a:srgbClr val="000000"/>
-                        </a:solidFill>
-                        <a:effectLst/>
-                        <a:latin typeface="Calibri" panose="020F0502020204030204" pitchFamily="34" charset="0"/>
-                      </a:endParaRPr>
-                    </a:p>
-                  </a:txBody>
-                  <a:tcPr marL="3503" marR="3503" marT="5254" marB="5254" anchor="ctr"/>
-                </a:tc>
-                <a:tc>
-                  <a:txBody>
-                    <a:bodyPr/>
-                    <a:lstStyle/>
-                    <a:p>
-                      <a:pPr algn="ctr" fontAlgn="ctr"/>
-                      <a:r>
-                        <a:rPr lang="pt-PT" sz="700" u="none" strike="noStrike">
-                          <a:effectLst/>
-                        </a:rPr>
-                        <a:t>2014</a:t>
-                      </a:r>
-                      <a:endParaRPr lang="pt-PT" sz="700" b="0" i="0" u="none" strike="noStrike">
-                        <a:solidFill>
-                          <a:srgbClr val="000000"/>
-                        </a:solidFill>
-                        <a:effectLst/>
-                        <a:latin typeface="Verdana" panose="020B0604030504040204" pitchFamily="34" charset="0"/>
-                      </a:endParaRPr>
-                    </a:p>
-                  </a:txBody>
-                  <a:tcPr marL="3503" marR="3503" marT="5254" marB="5254" anchor="ctr"/>
-                </a:tc>
-                <a:tc>
-                  <a:txBody>
-                    <a:bodyPr/>
-                    <a:lstStyle/>
-                    <a:p>
-                      <a:pPr algn="ctr" fontAlgn="ctr"/>
-                      <a:r>
-                        <a:rPr lang="pt-PT" sz="700" u="none" strike="noStrike">
-                          <a:effectLst/>
-                        </a:rPr>
-                        <a:t>EFSM (Stream X-machines)</a:t>
-                      </a:r>
-                      <a:endParaRPr lang="pt-PT" sz="700" b="0" i="0" u="none" strike="noStrike">
-                        <a:solidFill>
-                          <a:srgbClr val="000000"/>
-                        </a:solidFill>
-                        <a:effectLst/>
-                        <a:latin typeface="Verdana" panose="020B0604030504040204" pitchFamily="34" charset="0"/>
-                      </a:endParaRPr>
-                    </a:p>
-                  </a:txBody>
-                  <a:tcPr marL="3503" marR="3503" marT="5254" marB="5254" anchor="ctr"/>
-                </a:tc>
-                <a:tc>
-                  <a:txBody>
-                    <a:bodyPr/>
-                    <a:lstStyle/>
-                    <a:p>
-                      <a:pPr algn="ctr" fontAlgn="ctr"/>
-                      <a:r>
-                        <a:rPr lang="pt-PT" sz="700" u="none" strike="noStrike">
-                          <a:effectLst/>
-                        </a:rPr>
-                        <a:t>Academic</a:t>
-                      </a:r>
-                      <a:endParaRPr lang="pt-PT" sz="700" b="0" i="0" u="none" strike="noStrike">
-                        <a:solidFill>
-                          <a:srgbClr val="000000"/>
-                        </a:solidFill>
-                        <a:effectLst/>
-                        <a:latin typeface="Verdana" panose="020B0604030504040204" pitchFamily="34" charset="0"/>
-                      </a:endParaRPr>
-                    </a:p>
-                  </a:txBody>
-                  <a:tcPr marL="3503" marR="3503" marT="5254" marB="5254" anchor="ctr"/>
-                </a:tc>
-                <a:extLst>
-                  <a:ext uri="{0D108BD9-81ED-4DB2-BD59-A6C34878D82A}">
-                    <a16:rowId xmlns:a16="http://schemas.microsoft.com/office/drawing/2014/main" val="1824950484"/>
-                  </a:ext>
-                </a:extLst>
-              </a:tr>
-              <a:tr h="171633">
-                <a:tc>
-                  <a:txBody>
-                    <a:bodyPr/>
-                    <a:lstStyle/>
-                    <a:p>
-                      <a:pPr algn="ctr" fontAlgn="ctr"/>
-                      <a:r>
-                        <a:rPr lang="pt-PT" sz="600" u="none" strike="noStrike">
-                          <a:effectLst/>
-                        </a:rPr>
-                        <a:t>JTorX</a:t>
-                      </a:r>
-                      <a:endParaRPr lang="pt-PT" sz="600" b="0" i="0" u="none" strike="noStrike">
-                        <a:solidFill>
-                          <a:srgbClr val="000000"/>
-                        </a:solidFill>
-                        <a:effectLst/>
-                        <a:latin typeface="Calibri" panose="020F0502020204030204" pitchFamily="34" charset="0"/>
-                      </a:endParaRPr>
-                    </a:p>
-                  </a:txBody>
-                  <a:tcPr marL="3503" marR="3503" marT="5254" marB="5254" anchor="ctr"/>
-                </a:tc>
-                <a:tc>
-                  <a:txBody>
-                    <a:bodyPr/>
-                    <a:lstStyle/>
-                    <a:p>
-                      <a:pPr algn="ctr" fontAlgn="ctr"/>
-                      <a:r>
-                        <a:rPr lang="pt-PT" sz="700" u="none" strike="noStrike">
-                          <a:effectLst/>
-                        </a:rPr>
-                        <a:t>2014</a:t>
-                      </a:r>
-                      <a:endParaRPr lang="pt-PT" sz="700" b="0" i="0" u="none" strike="noStrike">
-                        <a:solidFill>
-                          <a:srgbClr val="000000"/>
-                        </a:solidFill>
-                        <a:effectLst/>
-                        <a:latin typeface="Verdana" panose="020B0604030504040204" pitchFamily="34" charset="0"/>
-                      </a:endParaRPr>
-                    </a:p>
-                  </a:txBody>
-                  <a:tcPr marL="3503" marR="3503" marT="5254" marB="5254" anchor="ctr"/>
-                </a:tc>
-                <a:tc>
-                  <a:txBody>
-                    <a:bodyPr/>
-                    <a:lstStyle/>
-                    <a:p>
-                      <a:pPr algn="ctr" fontAlgn="ctr"/>
-                      <a:r>
-                        <a:rPr lang="pt-PT" sz="700" u="none" strike="noStrike">
-                          <a:effectLst/>
-                        </a:rPr>
-                        <a:t>LTS</a:t>
-                      </a:r>
-                      <a:endParaRPr lang="pt-PT" sz="700" b="0" i="0" u="none" strike="noStrike">
-                        <a:solidFill>
-                          <a:srgbClr val="000000"/>
-                        </a:solidFill>
-                        <a:effectLst/>
-                        <a:latin typeface="Verdana" panose="020B0604030504040204" pitchFamily="34" charset="0"/>
-                      </a:endParaRPr>
-                    </a:p>
-                  </a:txBody>
-                  <a:tcPr marL="3503" marR="3503" marT="5254" marB="5254" anchor="ctr"/>
-                </a:tc>
-                <a:tc>
-                  <a:txBody>
-                    <a:bodyPr/>
-                    <a:lstStyle/>
-                    <a:p>
-                      <a:pPr algn="ctr" fontAlgn="ctr"/>
-                      <a:r>
-                        <a:rPr lang="pt-PT" sz="700" u="none" strike="noStrike">
-                          <a:effectLst/>
-                        </a:rPr>
-                        <a:t>Open source</a:t>
-                      </a:r>
-                      <a:endParaRPr lang="pt-PT" sz="700" b="0" i="0" u="none" strike="noStrike">
-                        <a:solidFill>
-                          <a:srgbClr val="000000"/>
-                        </a:solidFill>
-                        <a:effectLst/>
-                        <a:latin typeface="Verdana" panose="020B0604030504040204" pitchFamily="34" charset="0"/>
-                      </a:endParaRPr>
-                    </a:p>
-                  </a:txBody>
-                  <a:tcPr marL="3503" marR="3503" marT="5254" marB="5254" anchor="ctr"/>
-                </a:tc>
-                <a:extLst>
-                  <a:ext uri="{0D108BD9-81ED-4DB2-BD59-A6C34878D82A}">
-                    <a16:rowId xmlns:a16="http://schemas.microsoft.com/office/drawing/2014/main" val="888983731"/>
-                  </a:ext>
-                </a:extLst>
-              </a:tr>
-              <a:tr h="171633">
-                <a:tc>
-                  <a:txBody>
-                    <a:bodyPr/>
-                    <a:lstStyle/>
-                    <a:p>
-                      <a:pPr algn="ctr" fontAlgn="ctr"/>
-                      <a:r>
-                        <a:rPr lang="pt-PT" sz="600" u="none" strike="noStrike">
-                          <a:effectLst/>
-                        </a:rPr>
-                        <a:t>MaTeLo</a:t>
-                      </a:r>
-                      <a:endParaRPr lang="pt-PT" sz="600" b="0" i="0" u="none" strike="noStrike">
-                        <a:solidFill>
-                          <a:srgbClr val="000000"/>
-                        </a:solidFill>
-                        <a:effectLst/>
-                        <a:latin typeface="Calibri" panose="020F0502020204030204" pitchFamily="34" charset="0"/>
-                      </a:endParaRPr>
-                    </a:p>
-                  </a:txBody>
-                  <a:tcPr marL="3503" marR="3503" marT="5254" marB="5254" anchor="ctr"/>
-                </a:tc>
-                <a:tc>
-                  <a:txBody>
-                    <a:bodyPr/>
-                    <a:lstStyle/>
-                    <a:p>
-                      <a:pPr algn="ctr" fontAlgn="ctr"/>
-                      <a:r>
-                        <a:rPr lang="pt-PT" sz="700" u="none" strike="noStrike">
-                          <a:effectLst/>
-                        </a:rPr>
-                        <a:t>2013</a:t>
-                      </a:r>
-                      <a:endParaRPr lang="pt-PT" sz="700" b="0" i="0" u="none" strike="noStrike">
-                        <a:solidFill>
-                          <a:srgbClr val="000000"/>
-                        </a:solidFill>
-                        <a:effectLst/>
-                        <a:latin typeface="Verdana" panose="020B0604030504040204" pitchFamily="34" charset="0"/>
-                      </a:endParaRPr>
-                    </a:p>
-                  </a:txBody>
-                  <a:tcPr marL="3503" marR="3503" marT="5254" marB="5254" anchor="ctr"/>
-                </a:tc>
-                <a:tc>
-                  <a:txBody>
-                    <a:bodyPr/>
-                    <a:lstStyle/>
-                    <a:p>
-                      <a:pPr algn="ctr" fontAlgn="ctr"/>
-                      <a:r>
-                        <a:rPr lang="pt-PT" sz="700" u="none" strike="noStrike">
-                          <a:effectLst/>
-                        </a:rPr>
-                        <a:t>Markov chains</a:t>
-                      </a:r>
-                      <a:endParaRPr lang="pt-PT" sz="700" b="0" i="0" u="none" strike="noStrike">
-                        <a:solidFill>
-                          <a:srgbClr val="000000"/>
-                        </a:solidFill>
-                        <a:effectLst/>
-                        <a:latin typeface="Verdana" panose="020B0604030504040204" pitchFamily="34" charset="0"/>
-                      </a:endParaRPr>
-                    </a:p>
-                  </a:txBody>
-                  <a:tcPr marL="3503" marR="3503" marT="5254" marB="5254" anchor="ctr"/>
-                </a:tc>
-                <a:tc>
-                  <a:txBody>
-                    <a:bodyPr/>
-                    <a:lstStyle/>
-                    <a:p>
-                      <a:pPr algn="ctr" fontAlgn="ctr"/>
-                      <a:r>
-                        <a:rPr lang="pt-PT" sz="700" u="none" strike="noStrike">
-                          <a:effectLst/>
-                        </a:rPr>
-                        <a:t>Commercial</a:t>
-                      </a:r>
-                      <a:endParaRPr lang="pt-PT" sz="700" b="0" i="0" u="none" strike="noStrike">
-                        <a:solidFill>
-                          <a:srgbClr val="000000"/>
-                        </a:solidFill>
-                        <a:effectLst/>
-                        <a:latin typeface="Verdana" panose="020B0604030504040204" pitchFamily="34" charset="0"/>
-                      </a:endParaRPr>
-                    </a:p>
-                  </a:txBody>
-                  <a:tcPr marL="3503" marR="3503" marT="5254" marB="5254" anchor="ctr"/>
-                </a:tc>
-                <a:extLst>
-                  <a:ext uri="{0D108BD9-81ED-4DB2-BD59-A6C34878D82A}">
-                    <a16:rowId xmlns:a16="http://schemas.microsoft.com/office/drawing/2014/main" val="2167551706"/>
-                  </a:ext>
-                </a:extLst>
-              </a:tr>
-              <a:tr h="171633">
-                <a:tc>
-                  <a:txBody>
-                    <a:bodyPr/>
-                    <a:lstStyle/>
-                    <a:p>
-                      <a:pPr algn="ctr" fontAlgn="ctr"/>
-                      <a:r>
-                        <a:rPr lang="pt-PT" sz="600" u="none" strike="noStrike">
-                          <a:effectLst/>
-                        </a:rPr>
-                        <a:t>MBTsuite</a:t>
-                      </a:r>
-                      <a:endParaRPr lang="pt-PT" sz="600" b="0" i="0" u="none" strike="noStrike">
-                        <a:solidFill>
-                          <a:srgbClr val="000000"/>
-                        </a:solidFill>
-                        <a:effectLst/>
-                        <a:latin typeface="Calibri" panose="020F0502020204030204" pitchFamily="34" charset="0"/>
-                      </a:endParaRPr>
-                    </a:p>
-                  </a:txBody>
-                  <a:tcPr marL="3503" marR="3503" marT="5254" marB="5254" anchor="ctr"/>
-                </a:tc>
-                <a:tc>
-                  <a:txBody>
-                    <a:bodyPr/>
-                    <a:lstStyle/>
-                    <a:p>
-                      <a:pPr algn="ctr" fontAlgn="ctr"/>
-                      <a:r>
-                        <a:rPr lang="pt-PT" sz="700" u="none" strike="noStrike">
-                          <a:effectLst/>
-                        </a:rPr>
-                        <a:t>2016</a:t>
-                      </a:r>
-                      <a:endParaRPr lang="pt-PT" sz="700" b="0" i="0" u="none" strike="noStrike">
-                        <a:solidFill>
-                          <a:srgbClr val="000000"/>
-                        </a:solidFill>
-                        <a:effectLst/>
-                        <a:latin typeface="Verdana" panose="020B0604030504040204" pitchFamily="34" charset="0"/>
-                      </a:endParaRPr>
-                    </a:p>
-                  </a:txBody>
-                  <a:tcPr marL="3503" marR="3503" marT="5254" marB="5254" anchor="ctr"/>
-                </a:tc>
-                <a:tc>
-                  <a:txBody>
-                    <a:bodyPr/>
-                    <a:lstStyle/>
-                    <a:p>
-                      <a:pPr algn="ctr" fontAlgn="ctr"/>
-                      <a:r>
-                        <a:rPr lang="pt-PT" sz="700" u="none" strike="noStrike">
-                          <a:effectLst/>
-                        </a:rPr>
-                        <a:t>UML or BPMN</a:t>
-                      </a:r>
-                      <a:endParaRPr lang="pt-PT" sz="700" b="0" i="0" u="none" strike="noStrike">
-                        <a:solidFill>
-                          <a:srgbClr val="000000"/>
-                        </a:solidFill>
-                        <a:effectLst/>
-                        <a:latin typeface="Verdana" panose="020B0604030504040204" pitchFamily="34" charset="0"/>
-                      </a:endParaRPr>
-                    </a:p>
-                  </a:txBody>
-                  <a:tcPr marL="3503" marR="3503" marT="5254" marB="5254" anchor="ctr"/>
-                </a:tc>
-                <a:tc>
-                  <a:txBody>
-                    <a:bodyPr/>
-                    <a:lstStyle/>
-                    <a:p>
-                      <a:pPr algn="ctr" fontAlgn="ctr"/>
-                      <a:r>
-                        <a:rPr lang="pt-PT" sz="700" u="none" strike="noStrike">
-                          <a:effectLst/>
-                        </a:rPr>
-                        <a:t>Commercial</a:t>
-                      </a:r>
-                      <a:endParaRPr lang="pt-PT" sz="700" b="0" i="0" u="none" strike="noStrike">
-                        <a:solidFill>
-                          <a:srgbClr val="000000"/>
-                        </a:solidFill>
-                        <a:effectLst/>
-                        <a:latin typeface="Verdana" panose="020B0604030504040204" pitchFamily="34" charset="0"/>
-                      </a:endParaRPr>
-                    </a:p>
-                  </a:txBody>
-                  <a:tcPr marL="3503" marR="3503" marT="5254" marB="5254" anchor="ctr"/>
-                </a:tc>
-                <a:extLst>
-                  <a:ext uri="{0D108BD9-81ED-4DB2-BD59-A6C34878D82A}">
-                    <a16:rowId xmlns:a16="http://schemas.microsoft.com/office/drawing/2014/main" val="3329736443"/>
-                  </a:ext>
-                </a:extLst>
-              </a:tr>
-              <a:tr h="171633">
-                <a:tc>
-                  <a:txBody>
-                    <a:bodyPr/>
-                    <a:lstStyle/>
-                    <a:p>
-                      <a:pPr algn="ctr" fontAlgn="ctr"/>
-                      <a:r>
-                        <a:rPr lang="pt-PT" sz="600" u="none" strike="noStrike">
-                          <a:effectLst/>
-                        </a:rPr>
-                        <a:t>MISTA</a:t>
-                      </a:r>
-                      <a:endParaRPr lang="pt-PT" sz="600" b="0" i="0" u="none" strike="noStrike">
-                        <a:solidFill>
-                          <a:srgbClr val="000000"/>
-                        </a:solidFill>
-                        <a:effectLst/>
-                        <a:latin typeface="Calibri" panose="020F0502020204030204" pitchFamily="34" charset="0"/>
-                      </a:endParaRPr>
-                    </a:p>
-                  </a:txBody>
-                  <a:tcPr marL="3503" marR="3503" marT="5254" marB="5254" anchor="ctr"/>
-                </a:tc>
-                <a:tc>
-                  <a:txBody>
-                    <a:bodyPr/>
-                    <a:lstStyle/>
-                    <a:p>
-                      <a:pPr algn="ctr" fontAlgn="ctr"/>
-                      <a:r>
-                        <a:rPr lang="pt-PT" sz="700" u="none" strike="noStrike">
-                          <a:effectLst/>
-                        </a:rPr>
-                        <a:t>2013</a:t>
-                      </a:r>
-                      <a:endParaRPr lang="pt-PT" sz="700" b="0" i="0" u="none" strike="noStrike">
-                        <a:solidFill>
-                          <a:srgbClr val="000000"/>
-                        </a:solidFill>
-                        <a:effectLst/>
-                        <a:latin typeface="Verdana" panose="020B0604030504040204" pitchFamily="34" charset="0"/>
-                      </a:endParaRPr>
-                    </a:p>
-                  </a:txBody>
-                  <a:tcPr marL="3503" marR="3503" marT="5254" marB="5254" anchor="ctr"/>
-                </a:tc>
-                <a:tc>
-                  <a:txBody>
-                    <a:bodyPr/>
-                    <a:lstStyle/>
-                    <a:p>
-                      <a:pPr algn="ctr" fontAlgn="ctr"/>
-                      <a:r>
-                        <a:rPr lang="pt-PT" sz="700" u="none" strike="noStrike">
-                          <a:effectLst/>
-                        </a:rPr>
-                        <a:t>PrT net</a:t>
-                      </a:r>
-                      <a:endParaRPr lang="pt-PT" sz="700" b="0" i="0" u="none" strike="noStrike">
-                        <a:solidFill>
-                          <a:srgbClr val="000000"/>
-                        </a:solidFill>
-                        <a:effectLst/>
-                        <a:latin typeface="Verdana" panose="020B0604030504040204" pitchFamily="34" charset="0"/>
-                      </a:endParaRPr>
-                    </a:p>
-                  </a:txBody>
-                  <a:tcPr marL="3503" marR="3503" marT="5254" marB="5254" anchor="ctr"/>
-                </a:tc>
-                <a:tc>
-                  <a:txBody>
-                    <a:bodyPr/>
-                    <a:lstStyle/>
-                    <a:p>
-                      <a:pPr algn="ctr" fontAlgn="ctr"/>
-                      <a:r>
-                        <a:rPr lang="pt-PT" sz="700" u="none" strike="noStrike">
-                          <a:effectLst/>
-                        </a:rPr>
-                        <a:t>Academic</a:t>
-                      </a:r>
-                      <a:endParaRPr lang="pt-PT" sz="700" b="0" i="0" u="none" strike="noStrike">
-                        <a:solidFill>
-                          <a:srgbClr val="000000"/>
-                        </a:solidFill>
-                        <a:effectLst/>
-                        <a:latin typeface="Verdana" panose="020B0604030504040204" pitchFamily="34" charset="0"/>
-                      </a:endParaRPr>
-                    </a:p>
-                  </a:txBody>
-                  <a:tcPr marL="3503" marR="3503" marT="5254" marB="5254" anchor="ctr"/>
-                </a:tc>
-                <a:extLst>
-                  <a:ext uri="{0D108BD9-81ED-4DB2-BD59-A6C34878D82A}">
-                    <a16:rowId xmlns:a16="http://schemas.microsoft.com/office/drawing/2014/main" val="2622108904"/>
-                  </a:ext>
-                </a:extLst>
-              </a:tr>
-              <a:tr h="171633">
-                <a:tc>
-                  <a:txBody>
-                    <a:bodyPr/>
-                    <a:lstStyle/>
-                    <a:p>
-                      <a:pPr algn="ctr" fontAlgn="ctr"/>
-                      <a:r>
-                        <a:rPr lang="pt-PT" sz="600" u="none" strike="noStrike">
-                          <a:effectLst/>
-                        </a:rPr>
-                        <a:t>Modbat</a:t>
-                      </a:r>
-                      <a:endParaRPr lang="pt-PT" sz="600" b="0" i="0" u="none" strike="noStrike">
-                        <a:solidFill>
-                          <a:srgbClr val="000000"/>
-                        </a:solidFill>
-                        <a:effectLst/>
-                        <a:latin typeface="Calibri" panose="020F0502020204030204" pitchFamily="34" charset="0"/>
-                      </a:endParaRPr>
-                    </a:p>
-                  </a:txBody>
-                  <a:tcPr marL="3503" marR="3503" marT="5254" marB="5254" anchor="ctr"/>
-                </a:tc>
-                <a:tc>
-                  <a:txBody>
-                    <a:bodyPr/>
-                    <a:lstStyle/>
-                    <a:p>
-                      <a:pPr algn="ctr" fontAlgn="ctr"/>
-                      <a:r>
-                        <a:rPr lang="pt-PT" sz="700" u="none" strike="noStrike">
-                          <a:effectLst/>
-                        </a:rPr>
-                        <a:t>2015</a:t>
-                      </a:r>
-                      <a:endParaRPr lang="pt-PT" sz="700" b="0" i="0" u="none" strike="noStrike">
-                        <a:solidFill>
-                          <a:srgbClr val="000000"/>
-                        </a:solidFill>
-                        <a:effectLst/>
-                        <a:latin typeface="Verdana" panose="020B0604030504040204" pitchFamily="34" charset="0"/>
-                      </a:endParaRPr>
-                    </a:p>
-                  </a:txBody>
-                  <a:tcPr marL="3503" marR="3503" marT="5254" marB="5254" anchor="ctr"/>
-                </a:tc>
-                <a:tc>
-                  <a:txBody>
-                    <a:bodyPr/>
-                    <a:lstStyle/>
-                    <a:p>
-                      <a:pPr algn="ctr" fontAlgn="ctr"/>
-                      <a:r>
-                        <a:rPr lang="pt-PT" sz="700" u="none" strike="noStrike">
-                          <a:effectLst/>
-                        </a:rPr>
-                        <a:t>EFSM (Scala-based DSL)</a:t>
-                      </a:r>
-                      <a:endParaRPr lang="pt-PT" sz="700" b="0" i="0" u="none" strike="noStrike">
-                        <a:solidFill>
-                          <a:srgbClr val="000000"/>
-                        </a:solidFill>
-                        <a:effectLst/>
-                        <a:latin typeface="Verdana" panose="020B0604030504040204" pitchFamily="34" charset="0"/>
-                      </a:endParaRPr>
-                    </a:p>
-                  </a:txBody>
-                  <a:tcPr marL="3503" marR="3503" marT="5254" marB="5254" anchor="ctr"/>
-                </a:tc>
-                <a:tc>
-                  <a:txBody>
-                    <a:bodyPr/>
-                    <a:lstStyle/>
-                    <a:p>
-                      <a:pPr algn="ctr" fontAlgn="ctr"/>
-                      <a:r>
-                        <a:rPr lang="pt-PT" sz="700" u="none" strike="noStrike">
-                          <a:effectLst/>
-                        </a:rPr>
-                        <a:t>Open source</a:t>
-                      </a:r>
-                      <a:endParaRPr lang="pt-PT" sz="700" b="0" i="0" u="none" strike="noStrike">
-                        <a:solidFill>
-                          <a:srgbClr val="000000"/>
-                        </a:solidFill>
-                        <a:effectLst/>
-                        <a:latin typeface="Verdana" panose="020B0604030504040204" pitchFamily="34" charset="0"/>
-                      </a:endParaRPr>
-                    </a:p>
-                  </a:txBody>
-                  <a:tcPr marL="3503" marR="3503" marT="5254" marB="5254" anchor="ctr"/>
-                </a:tc>
-                <a:extLst>
-                  <a:ext uri="{0D108BD9-81ED-4DB2-BD59-A6C34878D82A}">
-                    <a16:rowId xmlns:a16="http://schemas.microsoft.com/office/drawing/2014/main" val="2839462823"/>
-                  </a:ext>
-                </a:extLst>
-              </a:tr>
-              <a:tr h="171633">
-                <a:tc>
-                  <a:txBody>
-                    <a:bodyPr/>
-                    <a:lstStyle/>
-                    <a:p>
-                      <a:pPr algn="ctr" fontAlgn="ctr"/>
-                      <a:r>
-                        <a:rPr lang="pt-PT" sz="600" u="none" strike="noStrike">
-                          <a:effectLst/>
-                        </a:rPr>
-                        <a:t>ModelJUnit</a:t>
-                      </a:r>
-                      <a:endParaRPr lang="pt-PT" sz="600" b="0" i="0" u="none" strike="noStrike">
-                        <a:solidFill>
-                          <a:srgbClr val="000000"/>
-                        </a:solidFill>
-                        <a:effectLst/>
-                        <a:latin typeface="Calibri" panose="020F0502020204030204" pitchFamily="34" charset="0"/>
-                      </a:endParaRPr>
-                    </a:p>
-                  </a:txBody>
-                  <a:tcPr marL="3503" marR="3503" marT="5254" marB="5254" anchor="ctr"/>
-                </a:tc>
-                <a:tc>
-                  <a:txBody>
-                    <a:bodyPr/>
-                    <a:lstStyle/>
-                    <a:p>
-                      <a:pPr algn="ctr" fontAlgn="ctr"/>
-                      <a:r>
-                        <a:rPr lang="pt-PT" sz="700" u="none" strike="noStrike">
-                          <a:effectLst/>
-                        </a:rPr>
-                        <a:t>2014</a:t>
-                      </a:r>
-                      <a:endParaRPr lang="pt-PT" sz="700" b="0" i="0" u="none" strike="noStrike">
-                        <a:solidFill>
-                          <a:srgbClr val="000000"/>
-                        </a:solidFill>
-                        <a:effectLst/>
-                        <a:latin typeface="Verdana" panose="020B0604030504040204" pitchFamily="34" charset="0"/>
-                      </a:endParaRPr>
-                    </a:p>
-                  </a:txBody>
-                  <a:tcPr marL="3503" marR="3503" marT="5254" marB="5254" anchor="ctr"/>
-                </a:tc>
-                <a:tc>
-                  <a:txBody>
-                    <a:bodyPr/>
-                    <a:lstStyle/>
-                    <a:p>
-                      <a:pPr algn="ctr" fontAlgn="ctr"/>
-                      <a:r>
-                        <a:rPr lang="pt-PT" sz="700" u="none" strike="noStrike">
-                          <a:effectLst/>
-                        </a:rPr>
-                        <a:t>EFSM</a:t>
-                      </a:r>
-                      <a:endParaRPr lang="pt-PT" sz="700" b="0" i="0" u="none" strike="noStrike">
-                        <a:solidFill>
-                          <a:srgbClr val="000000"/>
-                        </a:solidFill>
-                        <a:effectLst/>
-                        <a:latin typeface="Verdana" panose="020B0604030504040204" pitchFamily="34" charset="0"/>
-                      </a:endParaRPr>
-                    </a:p>
-                  </a:txBody>
-                  <a:tcPr marL="3503" marR="3503" marT="5254" marB="5254" anchor="ctr"/>
-                </a:tc>
-                <a:tc>
-                  <a:txBody>
-                    <a:bodyPr/>
-                    <a:lstStyle/>
-                    <a:p>
-                      <a:pPr algn="ctr" fontAlgn="ctr"/>
-                      <a:r>
-                        <a:rPr lang="pt-PT" sz="700" u="none" strike="noStrike">
-                          <a:effectLst/>
-                        </a:rPr>
-                        <a:t>Open source</a:t>
-                      </a:r>
-                      <a:endParaRPr lang="pt-PT" sz="700" b="0" i="0" u="none" strike="noStrike">
-                        <a:solidFill>
-                          <a:srgbClr val="000000"/>
-                        </a:solidFill>
-                        <a:effectLst/>
-                        <a:latin typeface="Verdana" panose="020B0604030504040204" pitchFamily="34" charset="0"/>
-                      </a:endParaRPr>
-                    </a:p>
-                  </a:txBody>
-                  <a:tcPr marL="3503" marR="3503" marT="5254" marB="5254" anchor="ctr"/>
-                </a:tc>
-                <a:extLst>
-                  <a:ext uri="{0D108BD9-81ED-4DB2-BD59-A6C34878D82A}">
-                    <a16:rowId xmlns:a16="http://schemas.microsoft.com/office/drawing/2014/main" val="3243910207"/>
-                  </a:ext>
-                </a:extLst>
-              </a:tr>
-              <a:tr h="171633">
-                <a:tc>
-                  <a:txBody>
-                    <a:bodyPr/>
-                    <a:lstStyle/>
-                    <a:p>
-                      <a:pPr algn="ctr" fontAlgn="ctr"/>
-                      <a:r>
-                        <a:rPr lang="pt-PT" sz="600" u="none" strike="noStrike" dirty="0" err="1">
-                          <a:effectLst/>
-                        </a:rPr>
-                        <a:t>MoMuT</a:t>
-                      </a:r>
-                      <a:r>
-                        <a:rPr lang="pt-PT" sz="600" u="none" strike="noStrike" dirty="0">
-                          <a:effectLst/>
-                        </a:rPr>
-                        <a:t>::UML</a:t>
-                      </a:r>
-                      <a:endParaRPr lang="pt-PT" sz="600" b="0" i="0" u="none" strike="noStrike" dirty="0">
-                        <a:solidFill>
-                          <a:srgbClr val="000000"/>
-                        </a:solidFill>
-                        <a:effectLst/>
-                        <a:latin typeface="Calibri" panose="020F0502020204030204" pitchFamily="34" charset="0"/>
-                      </a:endParaRPr>
-                    </a:p>
-                  </a:txBody>
-                  <a:tcPr marL="3503" marR="3503" marT="5254" marB="5254" anchor="ctr"/>
-                </a:tc>
-                <a:tc>
-                  <a:txBody>
-                    <a:bodyPr/>
-                    <a:lstStyle/>
-                    <a:p>
-                      <a:pPr algn="ctr" fontAlgn="ctr"/>
-                      <a:r>
-                        <a:rPr lang="pt-PT" sz="700" u="none" strike="noStrike">
-                          <a:effectLst/>
-                        </a:rPr>
-                        <a:t>2014</a:t>
-                      </a:r>
-                      <a:endParaRPr lang="pt-PT" sz="700" b="0" i="0" u="none" strike="noStrike">
-                        <a:solidFill>
-                          <a:srgbClr val="000000"/>
-                        </a:solidFill>
-                        <a:effectLst/>
-                        <a:latin typeface="Verdana" panose="020B0604030504040204" pitchFamily="34" charset="0"/>
-                      </a:endParaRPr>
-                    </a:p>
-                  </a:txBody>
-                  <a:tcPr marL="3503" marR="3503" marT="5254" marB="5254" anchor="ctr"/>
-                </a:tc>
-                <a:tc>
-                  <a:txBody>
-                    <a:bodyPr/>
-                    <a:lstStyle/>
-                    <a:p>
-                      <a:pPr algn="ctr" fontAlgn="ctr"/>
-                      <a:r>
-                        <a:rPr lang="pt-PT" sz="700" u="none" strike="noStrike">
-                          <a:effectLst/>
-                        </a:rPr>
-                        <a:t>UML state machines, OOAS</a:t>
-                      </a:r>
-                      <a:endParaRPr lang="pt-PT" sz="700" b="0" i="0" u="none" strike="noStrike">
-                        <a:solidFill>
-                          <a:srgbClr val="000000"/>
-                        </a:solidFill>
-                        <a:effectLst/>
-                        <a:latin typeface="Verdana" panose="020B0604030504040204" pitchFamily="34" charset="0"/>
-                      </a:endParaRPr>
-                    </a:p>
-                  </a:txBody>
-                  <a:tcPr marL="3503" marR="3503" marT="5254" marB="5254" anchor="ctr"/>
-                </a:tc>
-                <a:tc>
-                  <a:txBody>
-                    <a:bodyPr/>
-                    <a:lstStyle/>
-                    <a:p>
-                      <a:pPr algn="ctr" fontAlgn="ctr"/>
-                      <a:r>
-                        <a:rPr lang="pt-PT" sz="700" u="none" strike="noStrike">
-                          <a:effectLst/>
-                        </a:rPr>
-                        <a:t>Academic</a:t>
-                      </a:r>
-                      <a:endParaRPr lang="pt-PT" sz="700" b="0" i="0" u="none" strike="noStrike">
-                        <a:solidFill>
-                          <a:srgbClr val="000000"/>
-                        </a:solidFill>
-                        <a:effectLst/>
-                        <a:latin typeface="Verdana" panose="020B0604030504040204" pitchFamily="34" charset="0"/>
-                      </a:endParaRPr>
-                    </a:p>
-                  </a:txBody>
-                  <a:tcPr marL="3503" marR="3503" marT="5254" marB="5254" anchor="ctr"/>
-                </a:tc>
-                <a:extLst>
-                  <a:ext uri="{0D108BD9-81ED-4DB2-BD59-A6C34878D82A}">
-                    <a16:rowId xmlns:a16="http://schemas.microsoft.com/office/drawing/2014/main" val="1917396733"/>
-                  </a:ext>
-                </a:extLst>
-              </a:tr>
-              <a:tr h="171633">
-                <a:tc>
-                  <a:txBody>
-                    <a:bodyPr/>
-                    <a:lstStyle/>
-                    <a:p>
-                      <a:pPr algn="ctr" fontAlgn="ctr"/>
-                      <a:r>
-                        <a:rPr lang="pt-PT" sz="600" u="none" strike="noStrike">
-                          <a:effectLst/>
-                        </a:rPr>
-                        <a:t>OSMO</a:t>
-                      </a:r>
-                      <a:endParaRPr lang="pt-PT" sz="600" b="0" i="0" u="none" strike="noStrike">
-                        <a:solidFill>
-                          <a:srgbClr val="000000"/>
-                        </a:solidFill>
-                        <a:effectLst/>
-                        <a:latin typeface="Calibri" panose="020F0502020204030204" pitchFamily="34" charset="0"/>
-                      </a:endParaRPr>
-                    </a:p>
-                  </a:txBody>
-                  <a:tcPr marL="3503" marR="3503" marT="5254" marB="5254" anchor="ctr"/>
-                </a:tc>
-                <a:tc>
-                  <a:txBody>
-                    <a:bodyPr/>
-                    <a:lstStyle/>
-                    <a:p>
-                      <a:pPr algn="ctr" fontAlgn="ctr"/>
-                      <a:r>
-                        <a:rPr lang="pt-PT" sz="700" u="none" strike="noStrike">
-                          <a:effectLst/>
-                        </a:rPr>
-                        <a:t>2014</a:t>
-                      </a:r>
-                      <a:endParaRPr lang="pt-PT" sz="700" b="0" i="0" u="none" strike="noStrike">
-                        <a:solidFill>
-                          <a:srgbClr val="000000"/>
-                        </a:solidFill>
-                        <a:effectLst/>
-                        <a:latin typeface="Verdana" panose="020B0604030504040204" pitchFamily="34" charset="0"/>
-                      </a:endParaRPr>
-                    </a:p>
-                  </a:txBody>
-                  <a:tcPr marL="3503" marR="3503" marT="5254" marB="5254" anchor="ctr"/>
-                </a:tc>
-                <a:tc>
-                  <a:txBody>
-                    <a:bodyPr/>
-                    <a:lstStyle/>
-                    <a:p>
-                      <a:pPr algn="ctr" fontAlgn="ctr"/>
-                      <a:r>
-                        <a:rPr lang="pt-PT" sz="700" u="none" strike="noStrike">
-                          <a:effectLst/>
-                        </a:rPr>
-                        <a:t>model program in Java</a:t>
-                      </a:r>
-                      <a:endParaRPr lang="pt-PT" sz="700" b="0" i="0" u="none" strike="noStrike">
-                        <a:solidFill>
-                          <a:srgbClr val="000000"/>
-                        </a:solidFill>
-                        <a:effectLst/>
-                        <a:latin typeface="Verdana" panose="020B0604030504040204" pitchFamily="34" charset="0"/>
-                      </a:endParaRPr>
-                    </a:p>
-                  </a:txBody>
-                  <a:tcPr marL="3503" marR="3503" marT="5254" marB="5254" anchor="ctr"/>
-                </a:tc>
-                <a:tc>
-                  <a:txBody>
-                    <a:bodyPr/>
-                    <a:lstStyle/>
-                    <a:p>
-                      <a:pPr algn="ctr" fontAlgn="ctr"/>
-                      <a:r>
-                        <a:rPr lang="pt-PT" sz="700" u="none" strike="noStrike">
-                          <a:effectLst/>
-                        </a:rPr>
-                        <a:t>Open source</a:t>
-                      </a:r>
-                      <a:endParaRPr lang="pt-PT" sz="700" b="0" i="0" u="none" strike="noStrike">
-                        <a:solidFill>
-                          <a:srgbClr val="000000"/>
-                        </a:solidFill>
-                        <a:effectLst/>
-                        <a:latin typeface="Verdana" panose="020B0604030504040204" pitchFamily="34" charset="0"/>
-                      </a:endParaRPr>
-                    </a:p>
-                  </a:txBody>
-                  <a:tcPr marL="3503" marR="3503" marT="5254" marB="5254" anchor="ctr"/>
-                </a:tc>
-                <a:extLst>
-                  <a:ext uri="{0D108BD9-81ED-4DB2-BD59-A6C34878D82A}">
-                    <a16:rowId xmlns:a16="http://schemas.microsoft.com/office/drawing/2014/main" val="2023216741"/>
-                  </a:ext>
-                </a:extLst>
-              </a:tr>
-              <a:tr h="171633">
-                <a:tc>
-                  <a:txBody>
-                    <a:bodyPr/>
-                    <a:lstStyle/>
-                    <a:p>
-                      <a:pPr algn="ctr" fontAlgn="ctr"/>
-                      <a:r>
-                        <a:rPr lang="pt-PT" sz="600" u="none" strike="noStrike">
-                          <a:effectLst/>
-                        </a:rPr>
-                        <a:t>PyModel</a:t>
-                      </a:r>
-                      <a:endParaRPr lang="pt-PT" sz="600" b="0" i="0" u="none" strike="noStrike">
-                        <a:solidFill>
-                          <a:srgbClr val="000000"/>
-                        </a:solidFill>
-                        <a:effectLst/>
-                        <a:latin typeface="Calibri" panose="020F0502020204030204" pitchFamily="34" charset="0"/>
-                      </a:endParaRPr>
-                    </a:p>
-                  </a:txBody>
-                  <a:tcPr marL="3503" marR="3503" marT="5254" marB="5254" anchor="ctr"/>
-                </a:tc>
-                <a:tc>
-                  <a:txBody>
-                    <a:bodyPr/>
-                    <a:lstStyle/>
-                    <a:p>
-                      <a:pPr algn="ctr" fontAlgn="ctr"/>
-                      <a:r>
-                        <a:rPr lang="pt-PT" sz="700" u="none" strike="noStrike">
-                          <a:effectLst/>
-                        </a:rPr>
-                        <a:t>2013</a:t>
-                      </a:r>
-                      <a:endParaRPr lang="pt-PT" sz="700" b="0" i="0" u="none" strike="noStrike">
-                        <a:solidFill>
-                          <a:srgbClr val="000000"/>
-                        </a:solidFill>
-                        <a:effectLst/>
-                        <a:latin typeface="Verdana" panose="020B0604030504040204" pitchFamily="34" charset="0"/>
-                      </a:endParaRPr>
-                    </a:p>
-                  </a:txBody>
-                  <a:tcPr marL="3503" marR="3503" marT="5254" marB="5254" anchor="ctr"/>
-                </a:tc>
-                <a:tc>
-                  <a:txBody>
-                    <a:bodyPr/>
-                    <a:lstStyle/>
-                    <a:p>
-                      <a:pPr algn="ctr" fontAlgn="ctr"/>
-                      <a:r>
-                        <a:rPr lang="pt-PT" sz="700" u="none" strike="noStrike">
-                          <a:effectLst/>
-                        </a:rPr>
-                        <a:t>Python source</a:t>
-                      </a:r>
-                      <a:endParaRPr lang="pt-PT" sz="700" b="0" i="0" u="none" strike="noStrike">
-                        <a:solidFill>
-                          <a:srgbClr val="000000"/>
-                        </a:solidFill>
-                        <a:effectLst/>
-                        <a:latin typeface="Verdana" panose="020B0604030504040204" pitchFamily="34" charset="0"/>
-                      </a:endParaRPr>
-                    </a:p>
-                  </a:txBody>
-                  <a:tcPr marL="3503" marR="3503" marT="5254" marB="5254" anchor="ctr"/>
-                </a:tc>
-                <a:tc>
-                  <a:txBody>
-                    <a:bodyPr/>
-                    <a:lstStyle/>
-                    <a:p>
-                      <a:pPr algn="ctr" fontAlgn="ctr"/>
-                      <a:r>
-                        <a:rPr lang="pt-PT" sz="700" u="none" strike="noStrike">
-                          <a:effectLst/>
-                        </a:rPr>
-                        <a:t>Open source</a:t>
-                      </a:r>
-                      <a:endParaRPr lang="pt-PT" sz="700" b="0" i="0" u="none" strike="noStrike">
-                        <a:solidFill>
-                          <a:srgbClr val="000000"/>
-                        </a:solidFill>
-                        <a:effectLst/>
-                        <a:latin typeface="Verdana" panose="020B0604030504040204" pitchFamily="34" charset="0"/>
-                      </a:endParaRPr>
-                    </a:p>
-                  </a:txBody>
-                  <a:tcPr marL="3503" marR="3503" marT="5254" marB="5254" anchor="ctr"/>
-                </a:tc>
-                <a:extLst>
-                  <a:ext uri="{0D108BD9-81ED-4DB2-BD59-A6C34878D82A}">
-                    <a16:rowId xmlns:a16="http://schemas.microsoft.com/office/drawing/2014/main" val="183266497"/>
-                  </a:ext>
-                </a:extLst>
-              </a:tr>
-              <a:tr h="171633">
-                <a:tc>
-                  <a:txBody>
-                    <a:bodyPr/>
-                    <a:lstStyle/>
-                    <a:p>
-                      <a:pPr algn="ctr" fontAlgn="ctr"/>
-                      <a:r>
-                        <a:rPr lang="pt-PT" sz="600" u="none" strike="noStrike">
-                          <a:effectLst/>
-                        </a:rPr>
-                        <a:t>RT-Tester</a:t>
-                      </a:r>
-                      <a:endParaRPr lang="pt-PT" sz="600" b="0" i="0" u="none" strike="noStrike">
-                        <a:solidFill>
-                          <a:srgbClr val="000000"/>
-                        </a:solidFill>
-                        <a:effectLst/>
-                        <a:latin typeface="Calibri" panose="020F0502020204030204" pitchFamily="34" charset="0"/>
-                      </a:endParaRPr>
-                    </a:p>
-                  </a:txBody>
-                  <a:tcPr marL="3503" marR="3503" marT="5254" marB="5254" anchor="ctr"/>
-                </a:tc>
-                <a:tc>
-                  <a:txBody>
-                    <a:bodyPr/>
-                    <a:lstStyle/>
-                    <a:p>
-                      <a:pPr algn="ctr" fontAlgn="ctr"/>
-                      <a:r>
-                        <a:rPr lang="pt-PT" sz="700" u="none" strike="noStrike">
-                          <a:effectLst/>
-                        </a:rPr>
-                        <a:t>2014</a:t>
-                      </a:r>
-                      <a:endParaRPr lang="pt-PT" sz="700" b="0" i="0" u="none" strike="noStrike">
-                        <a:solidFill>
-                          <a:srgbClr val="000000"/>
-                        </a:solidFill>
-                        <a:effectLst/>
-                        <a:latin typeface="Verdana" panose="020B0604030504040204" pitchFamily="34" charset="0"/>
-                      </a:endParaRPr>
-                    </a:p>
-                  </a:txBody>
-                  <a:tcPr marL="3503" marR="3503" marT="5254" marB="5254" anchor="ctr"/>
-                </a:tc>
-                <a:tc>
-                  <a:txBody>
-                    <a:bodyPr/>
-                    <a:lstStyle/>
-                    <a:p>
-                      <a:pPr algn="ctr" fontAlgn="ctr"/>
-                      <a:r>
-                        <a:rPr lang="pt-PT" sz="700" u="none" strike="noStrike">
-                          <a:effectLst/>
-                        </a:rPr>
-                        <a:t>UML/SysML, Matlab</a:t>
-                      </a:r>
-                      <a:endParaRPr lang="pt-PT" sz="700" b="0" i="0" u="none" strike="noStrike">
-                        <a:solidFill>
-                          <a:srgbClr val="000000"/>
-                        </a:solidFill>
-                        <a:effectLst/>
-                        <a:latin typeface="Verdana" panose="020B0604030504040204" pitchFamily="34" charset="0"/>
-                      </a:endParaRPr>
-                    </a:p>
-                  </a:txBody>
-                  <a:tcPr marL="3503" marR="3503" marT="5254" marB="5254" anchor="ctr"/>
-                </a:tc>
-                <a:tc>
-                  <a:txBody>
-                    <a:bodyPr/>
-                    <a:lstStyle/>
-                    <a:p>
-                      <a:pPr algn="ctr" fontAlgn="ctr"/>
-                      <a:r>
-                        <a:rPr lang="pt-PT" sz="700" u="none" strike="noStrike">
-                          <a:effectLst/>
-                        </a:rPr>
-                        <a:t>Commercial</a:t>
-                      </a:r>
-                      <a:endParaRPr lang="pt-PT" sz="700" b="0" i="0" u="none" strike="noStrike">
-                        <a:solidFill>
-                          <a:srgbClr val="000000"/>
-                        </a:solidFill>
-                        <a:effectLst/>
-                        <a:latin typeface="Verdana" panose="020B0604030504040204" pitchFamily="34" charset="0"/>
-                      </a:endParaRPr>
-                    </a:p>
-                  </a:txBody>
-                  <a:tcPr marL="3503" marR="3503" marT="5254" marB="5254" anchor="ctr"/>
-                </a:tc>
-                <a:extLst>
-                  <a:ext uri="{0D108BD9-81ED-4DB2-BD59-A6C34878D82A}">
-                    <a16:rowId xmlns:a16="http://schemas.microsoft.com/office/drawing/2014/main" val="1016369379"/>
-                  </a:ext>
-                </a:extLst>
-              </a:tr>
-              <a:tr h="171633">
-                <a:tc>
-                  <a:txBody>
-                    <a:bodyPr/>
-                    <a:lstStyle/>
-                    <a:p>
-                      <a:pPr algn="ctr" fontAlgn="ctr"/>
-                      <a:r>
-                        <a:rPr lang="pt-PT" sz="600" u="none" strike="noStrike">
-                          <a:effectLst/>
-                        </a:rPr>
-                        <a:t>Smartesting CertifyIt</a:t>
-                      </a:r>
-                      <a:endParaRPr lang="pt-PT" sz="600" b="0" i="0" u="none" strike="noStrike">
-                        <a:solidFill>
-                          <a:srgbClr val="000000"/>
-                        </a:solidFill>
-                        <a:effectLst/>
-                        <a:latin typeface="Calibri" panose="020F0502020204030204" pitchFamily="34" charset="0"/>
-                      </a:endParaRPr>
-                    </a:p>
-                  </a:txBody>
-                  <a:tcPr marL="3503" marR="3503" marT="5254" marB="5254" anchor="ctr"/>
-                </a:tc>
-                <a:tc>
-                  <a:txBody>
-                    <a:bodyPr/>
-                    <a:lstStyle/>
-                    <a:p>
-                      <a:pPr algn="ctr" fontAlgn="ctr"/>
-                      <a:r>
-                        <a:rPr lang="pt-PT" sz="700" u="none" strike="noStrike">
-                          <a:effectLst/>
-                        </a:rPr>
-                        <a:t>2014</a:t>
-                      </a:r>
-                      <a:endParaRPr lang="pt-PT" sz="700" b="0" i="0" u="none" strike="noStrike">
-                        <a:solidFill>
-                          <a:srgbClr val="000000"/>
-                        </a:solidFill>
-                        <a:effectLst/>
-                        <a:latin typeface="Verdana" panose="020B0604030504040204" pitchFamily="34" charset="0"/>
-                      </a:endParaRPr>
-                    </a:p>
-                  </a:txBody>
-                  <a:tcPr marL="3503" marR="3503" marT="5254" marB="5254" anchor="ctr"/>
-                </a:tc>
-                <a:tc>
-                  <a:txBody>
-                    <a:bodyPr/>
-                    <a:lstStyle/>
-                    <a:p>
-                      <a:pPr algn="ctr" fontAlgn="ctr"/>
-                      <a:r>
-                        <a:rPr lang="pt-PT" sz="700" u="none" strike="noStrike">
-                          <a:effectLst/>
-                        </a:rPr>
-                        <a:t>UML + OCL</a:t>
-                      </a:r>
-                      <a:endParaRPr lang="pt-PT" sz="700" b="0" i="0" u="none" strike="noStrike">
-                        <a:solidFill>
-                          <a:srgbClr val="000000"/>
-                        </a:solidFill>
-                        <a:effectLst/>
-                        <a:latin typeface="Verdana" panose="020B0604030504040204" pitchFamily="34" charset="0"/>
-                      </a:endParaRPr>
-                    </a:p>
-                  </a:txBody>
-                  <a:tcPr marL="3503" marR="3503" marT="5254" marB="5254" anchor="ctr"/>
-                </a:tc>
-                <a:tc>
-                  <a:txBody>
-                    <a:bodyPr/>
-                    <a:lstStyle/>
-                    <a:p>
-                      <a:pPr algn="ctr" fontAlgn="ctr"/>
-                      <a:r>
-                        <a:rPr lang="pt-PT" sz="700" u="none" strike="noStrike">
-                          <a:effectLst/>
-                        </a:rPr>
-                        <a:t>Commercial</a:t>
-                      </a:r>
-                      <a:endParaRPr lang="pt-PT" sz="700" b="0" i="0" u="none" strike="noStrike">
-                        <a:solidFill>
-                          <a:srgbClr val="000000"/>
-                        </a:solidFill>
-                        <a:effectLst/>
-                        <a:latin typeface="Verdana" panose="020B0604030504040204" pitchFamily="34" charset="0"/>
-                      </a:endParaRPr>
-                    </a:p>
-                  </a:txBody>
-                  <a:tcPr marL="3503" marR="3503" marT="5254" marB="5254" anchor="ctr"/>
-                </a:tc>
-                <a:extLst>
-                  <a:ext uri="{0D108BD9-81ED-4DB2-BD59-A6C34878D82A}">
-                    <a16:rowId xmlns:a16="http://schemas.microsoft.com/office/drawing/2014/main" val="5957980"/>
-                  </a:ext>
-                </a:extLst>
-              </a:tr>
-              <a:tr h="171633">
-                <a:tc>
-                  <a:txBody>
-                    <a:bodyPr/>
-                    <a:lstStyle/>
-                    <a:p>
-                      <a:pPr algn="ctr" fontAlgn="ctr"/>
-                      <a:r>
-                        <a:rPr lang="pt-PT" sz="600" u="none" strike="noStrike">
-                          <a:effectLst/>
-                        </a:rPr>
-                        <a:t>Spec Explorer</a:t>
-                      </a:r>
-                      <a:endParaRPr lang="pt-PT" sz="600" b="0" i="0" u="none" strike="noStrike">
-                        <a:solidFill>
-                          <a:srgbClr val="000000"/>
-                        </a:solidFill>
-                        <a:effectLst/>
-                        <a:latin typeface="Calibri" panose="020F0502020204030204" pitchFamily="34" charset="0"/>
-                      </a:endParaRPr>
-                    </a:p>
-                  </a:txBody>
-                  <a:tcPr marL="3503" marR="3503" marT="5254" marB="5254" anchor="ctr"/>
-                </a:tc>
-                <a:tc>
-                  <a:txBody>
-                    <a:bodyPr/>
-                    <a:lstStyle/>
-                    <a:p>
-                      <a:pPr algn="ctr" fontAlgn="ctr"/>
-                      <a:r>
-                        <a:rPr lang="pt-PT" sz="700" u="none" strike="noStrike">
-                          <a:effectLst/>
-                        </a:rPr>
-                        <a:t>2013</a:t>
-                      </a:r>
-                      <a:endParaRPr lang="pt-PT" sz="700" b="0" i="0" u="none" strike="noStrike">
-                        <a:solidFill>
-                          <a:srgbClr val="000000"/>
-                        </a:solidFill>
-                        <a:effectLst/>
-                        <a:latin typeface="Verdana" panose="020B0604030504040204" pitchFamily="34" charset="0"/>
-                      </a:endParaRPr>
-                    </a:p>
-                  </a:txBody>
-                  <a:tcPr marL="3503" marR="3503" marT="5254" marB="5254" anchor="ctr"/>
-                </a:tc>
-                <a:tc>
-                  <a:txBody>
-                    <a:bodyPr/>
-                    <a:lstStyle/>
-                    <a:p>
-                      <a:pPr algn="ctr" fontAlgn="ctr"/>
-                      <a:r>
-                        <a:rPr lang="pt-PT" sz="700" u="none" strike="noStrike">
-                          <a:effectLst/>
-                        </a:rPr>
-                        <a:t>model programs in C#</a:t>
-                      </a:r>
-                      <a:endParaRPr lang="pt-PT" sz="700" b="0" i="0" u="none" strike="noStrike">
-                        <a:solidFill>
-                          <a:srgbClr val="000000"/>
-                        </a:solidFill>
-                        <a:effectLst/>
-                        <a:latin typeface="Verdana" panose="020B0604030504040204" pitchFamily="34" charset="0"/>
-                      </a:endParaRPr>
-                    </a:p>
-                  </a:txBody>
-                  <a:tcPr marL="3503" marR="3503" marT="5254" marB="5254" anchor="ctr"/>
-                </a:tc>
-                <a:tc>
-                  <a:txBody>
-                    <a:bodyPr/>
-                    <a:lstStyle/>
-                    <a:p>
-                      <a:pPr algn="ctr" fontAlgn="ctr"/>
-                      <a:r>
-                        <a:rPr lang="pt-PT" sz="700" u="none" strike="noStrike">
-                          <a:effectLst/>
-                        </a:rPr>
-                        <a:t>Commercial</a:t>
-                      </a:r>
-                      <a:endParaRPr lang="pt-PT" sz="700" b="0" i="0" u="none" strike="noStrike">
-                        <a:solidFill>
-                          <a:srgbClr val="000000"/>
-                        </a:solidFill>
-                        <a:effectLst/>
-                        <a:latin typeface="Verdana" panose="020B0604030504040204" pitchFamily="34" charset="0"/>
-                      </a:endParaRPr>
-                    </a:p>
-                  </a:txBody>
-                  <a:tcPr marL="3503" marR="3503" marT="5254" marB="5254" anchor="ctr"/>
-                </a:tc>
-                <a:extLst>
-                  <a:ext uri="{0D108BD9-81ED-4DB2-BD59-A6C34878D82A}">
-                    <a16:rowId xmlns:a16="http://schemas.microsoft.com/office/drawing/2014/main" val="378439074"/>
-                  </a:ext>
-                </a:extLst>
-              </a:tr>
-              <a:tr h="171633">
-                <a:tc>
-                  <a:txBody>
-                    <a:bodyPr/>
-                    <a:lstStyle/>
-                    <a:p>
-                      <a:pPr algn="ctr" fontAlgn="ctr"/>
-                      <a:r>
-                        <a:rPr lang="pt-PT" sz="600" u="none" strike="noStrike">
-                          <a:effectLst/>
-                        </a:rPr>
-                        <a:t>Tcases</a:t>
-                      </a:r>
-                      <a:endParaRPr lang="pt-PT" sz="600" b="0" i="0" u="none" strike="noStrike">
-                        <a:solidFill>
-                          <a:srgbClr val="000000"/>
-                        </a:solidFill>
-                        <a:effectLst/>
-                        <a:latin typeface="Calibri" panose="020F0502020204030204" pitchFamily="34" charset="0"/>
-                      </a:endParaRPr>
-                    </a:p>
-                  </a:txBody>
-                  <a:tcPr marL="3503" marR="3503" marT="5254" marB="5254" anchor="ctr"/>
-                </a:tc>
-                <a:tc>
-                  <a:txBody>
-                    <a:bodyPr/>
-                    <a:lstStyle/>
-                    <a:p>
-                      <a:pPr algn="ctr" fontAlgn="ctr"/>
-                      <a:r>
-                        <a:rPr lang="pt-PT" sz="700" u="none" strike="noStrike">
-                          <a:effectLst/>
-                        </a:rPr>
-                        <a:t>2015</a:t>
-                      </a:r>
-                      <a:endParaRPr lang="pt-PT" sz="700" b="0" i="0" u="none" strike="noStrike">
-                        <a:solidFill>
-                          <a:srgbClr val="000000"/>
-                        </a:solidFill>
-                        <a:effectLst/>
-                        <a:latin typeface="Verdana" panose="020B0604030504040204" pitchFamily="34" charset="0"/>
-                      </a:endParaRPr>
-                    </a:p>
-                  </a:txBody>
-                  <a:tcPr marL="3503" marR="3503" marT="5254" marB="5254" anchor="ctr"/>
-                </a:tc>
-                <a:tc>
-                  <a:txBody>
-                    <a:bodyPr/>
-                    <a:lstStyle/>
-                    <a:p>
-                      <a:pPr algn="ctr" fontAlgn="ctr"/>
-                      <a:r>
-                        <a:rPr lang="pt-PT" sz="700" u="none" strike="noStrike">
-                          <a:effectLst/>
-                        </a:rPr>
-                        <a:t>Custom</a:t>
-                      </a:r>
-                      <a:endParaRPr lang="pt-PT" sz="700" b="0" i="0" u="none" strike="noStrike">
-                        <a:solidFill>
-                          <a:srgbClr val="000000"/>
-                        </a:solidFill>
-                        <a:effectLst/>
-                        <a:latin typeface="Verdana" panose="020B0604030504040204" pitchFamily="34" charset="0"/>
-                      </a:endParaRPr>
-                    </a:p>
-                  </a:txBody>
-                  <a:tcPr marL="3503" marR="3503" marT="5254" marB="5254" anchor="ctr"/>
-                </a:tc>
-                <a:tc>
-                  <a:txBody>
-                    <a:bodyPr/>
-                    <a:lstStyle/>
-                    <a:p>
-                      <a:pPr algn="ctr" fontAlgn="ctr"/>
-                      <a:r>
-                        <a:rPr lang="pt-PT" sz="700" u="none" strike="noStrike">
-                          <a:effectLst/>
-                        </a:rPr>
-                        <a:t>Open source</a:t>
-                      </a:r>
-                      <a:endParaRPr lang="pt-PT" sz="700" b="0" i="0" u="none" strike="noStrike">
-                        <a:solidFill>
-                          <a:srgbClr val="000000"/>
-                        </a:solidFill>
-                        <a:effectLst/>
-                        <a:latin typeface="Verdana" panose="020B0604030504040204" pitchFamily="34" charset="0"/>
-                      </a:endParaRPr>
-                    </a:p>
-                  </a:txBody>
-                  <a:tcPr marL="3503" marR="3503" marT="5254" marB="5254" anchor="ctr"/>
-                </a:tc>
-                <a:extLst>
-                  <a:ext uri="{0D108BD9-81ED-4DB2-BD59-A6C34878D82A}">
-                    <a16:rowId xmlns:a16="http://schemas.microsoft.com/office/drawing/2014/main" val="3793735137"/>
-                  </a:ext>
-                </a:extLst>
-              </a:tr>
-              <a:tr h="171633">
-                <a:tc>
-                  <a:txBody>
-                    <a:bodyPr/>
-                    <a:lstStyle/>
-                    <a:p>
-                      <a:pPr algn="ctr" fontAlgn="ctr"/>
-                      <a:r>
-                        <a:rPr lang="pt-PT" sz="600" u="none" strike="noStrike">
-                          <a:effectLst/>
-                        </a:rPr>
-                        <a:t>TEMPPO</a:t>
-                      </a:r>
-                      <a:endParaRPr lang="pt-PT" sz="600" b="0" i="0" u="none" strike="noStrike">
-                        <a:solidFill>
-                          <a:srgbClr val="000000"/>
-                        </a:solidFill>
-                        <a:effectLst/>
-                        <a:latin typeface="Calibri" panose="020F0502020204030204" pitchFamily="34" charset="0"/>
-                      </a:endParaRPr>
-                    </a:p>
-                  </a:txBody>
-                  <a:tcPr marL="3503" marR="3503" marT="5254" marB="5254" anchor="ctr"/>
-                </a:tc>
-                <a:tc>
-                  <a:txBody>
-                    <a:bodyPr/>
-                    <a:lstStyle/>
-                    <a:p>
-                      <a:pPr algn="ctr" fontAlgn="ctr"/>
-                      <a:r>
-                        <a:rPr lang="pt-PT" sz="700" u="none" strike="noStrike">
-                          <a:effectLst/>
-                        </a:rPr>
-                        <a:t>2014</a:t>
-                      </a:r>
-                      <a:endParaRPr lang="pt-PT" sz="700" b="0" i="0" u="none" strike="noStrike">
-                        <a:solidFill>
-                          <a:srgbClr val="000000"/>
-                        </a:solidFill>
-                        <a:effectLst/>
-                        <a:latin typeface="Verdana" panose="020B0604030504040204" pitchFamily="34" charset="0"/>
-                      </a:endParaRPr>
-                    </a:p>
-                  </a:txBody>
-                  <a:tcPr marL="3503" marR="3503" marT="5254" marB="5254" anchor="ctr"/>
-                </a:tc>
-                <a:tc>
-                  <a:txBody>
-                    <a:bodyPr/>
-                    <a:lstStyle/>
-                    <a:p>
-                      <a:pPr algn="ctr" fontAlgn="ctr"/>
-                      <a:r>
-                        <a:rPr lang="pt-PT" sz="700" u="none" strike="noStrike">
-                          <a:effectLst/>
-                        </a:rPr>
-                        <a:t>Task flow model</a:t>
-                      </a:r>
-                      <a:endParaRPr lang="pt-PT" sz="700" b="0" i="0" u="none" strike="noStrike">
-                        <a:solidFill>
-                          <a:srgbClr val="000000"/>
-                        </a:solidFill>
-                        <a:effectLst/>
-                        <a:latin typeface="Verdana" panose="020B0604030504040204" pitchFamily="34" charset="0"/>
-                      </a:endParaRPr>
-                    </a:p>
-                  </a:txBody>
-                  <a:tcPr marL="3503" marR="3503" marT="5254" marB="5254" anchor="ctr"/>
-                </a:tc>
-                <a:tc>
-                  <a:txBody>
-                    <a:bodyPr/>
-                    <a:lstStyle/>
-                    <a:p>
-                      <a:pPr algn="ctr" fontAlgn="ctr"/>
-                      <a:r>
-                        <a:rPr lang="pt-PT" sz="700" u="none" strike="noStrike">
-                          <a:effectLst/>
-                        </a:rPr>
-                        <a:t>Commercial</a:t>
-                      </a:r>
-                      <a:endParaRPr lang="pt-PT" sz="700" b="0" i="0" u="none" strike="noStrike">
-                        <a:solidFill>
-                          <a:srgbClr val="000000"/>
-                        </a:solidFill>
-                        <a:effectLst/>
-                        <a:latin typeface="Verdana" panose="020B0604030504040204" pitchFamily="34" charset="0"/>
-                      </a:endParaRPr>
-                    </a:p>
-                  </a:txBody>
-                  <a:tcPr marL="3503" marR="3503" marT="5254" marB="5254" anchor="ctr"/>
-                </a:tc>
-                <a:extLst>
-                  <a:ext uri="{0D108BD9-81ED-4DB2-BD59-A6C34878D82A}">
-                    <a16:rowId xmlns:a16="http://schemas.microsoft.com/office/drawing/2014/main" val="2935042577"/>
-                  </a:ext>
-                </a:extLst>
-              </a:tr>
-              <a:tr h="171633">
-                <a:tc>
-                  <a:txBody>
-                    <a:bodyPr/>
-                    <a:lstStyle/>
-                    <a:p>
-                      <a:pPr algn="ctr" fontAlgn="ctr"/>
-                      <a:r>
-                        <a:rPr lang="pt-PT" sz="600" u="none" strike="noStrike">
-                          <a:effectLst/>
-                        </a:rPr>
-                        <a:t>TestCast</a:t>
-                      </a:r>
-                      <a:endParaRPr lang="pt-PT" sz="600" b="0" i="0" u="none" strike="noStrike">
-                        <a:solidFill>
-                          <a:srgbClr val="000000"/>
-                        </a:solidFill>
-                        <a:effectLst/>
-                        <a:latin typeface="Calibri" panose="020F0502020204030204" pitchFamily="34" charset="0"/>
-                      </a:endParaRPr>
-                    </a:p>
-                  </a:txBody>
-                  <a:tcPr marL="3503" marR="3503" marT="5254" marB="5254" anchor="ctr"/>
-                </a:tc>
-                <a:tc>
-                  <a:txBody>
-                    <a:bodyPr/>
-                    <a:lstStyle/>
-                    <a:p>
-                      <a:pPr algn="ctr" fontAlgn="ctr"/>
-                      <a:r>
-                        <a:rPr lang="pt-PT" sz="700" u="none" strike="noStrike">
-                          <a:effectLst/>
-                        </a:rPr>
-                        <a:t>2014</a:t>
-                      </a:r>
-                      <a:endParaRPr lang="pt-PT" sz="700" b="0" i="0" u="none" strike="noStrike">
-                        <a:solidFill>
-                          <a:srgbClr val="000000"/>
-                        </a:solidFill>
-                        <a:effectLst/>
-                        <a:latin typeface="Verdana" panose="020B0604030504040204" pitchFamily="34" charset="0"/>
-                      </a:endParaRPr>
-                    </a:p>
-                  </a:txBody>
-                  <a:tcPr marL="3503" marR="3503" marT="5254" marB="5254" anchor="ctr"/>
-                </a:tc>
-                <a:tc>
-                  <a:txBody>
-                    <a:bodyPr/>
-                    <a:lstStyle/>
-                    <a:p>
-                      <a:pPr algn="ctr" fontAlgn="ctr"/>
-                      <a:r>
-                        <a:rPr lang="pt-PT" sz="700" u="none" strike="noStrike">
-                          <a:effectLst/>
-                        </a:rPr>
-                        <a:t>UML State Machines</a:t>
-                      </a:r>
-                      <a:endParaRPr lang="pt-PT" sz="700" b="0" i="0" u="none" strike="noStrike">
-                        <a:solidFill>
-                          <a:srgbClr val="000000"/>
-                        </a:solidFill>
-                        <a:effectLst/>
-                        <a:latin typeface="Verdana" panose="020B0604030504040204" pitchFamily="34" charset="0"/>
-                      </a:endParaRPr>
-                    </a:p>
-                  </a:txBody>
-                  <a:tcPr marL="3503" marR="3503" marT="5254" marB="5254" anchor="ctr"/>
-                </a:tc>
-                <a:tc>
-                  <a:txBody>
-                    <a:bodyPr/>
-                    <a:lstStyle/>
-                    <a:p>
-                      <a:pPr algn="ctr" fontAlgn="ctr"/>
-                      <a:r>
-                        <a:rPr lang="pt-PT" sz="700" u="none" strike="noStrike">
-                          <a:effectLst/>
-                        </a:rPr>
-                        <a:t>Commercial</a:t>
-                      </a:r>
-                      <a:endParaRPr lang="pt-PT" sz="700" b="0" i="0" u="none" strike="noStrike">
-                        <a:solidFill>
-                          <a:srgbClr val="000000"/>
-                        </a:solidFill>
-                        <a:effectLst/>
-                        <a:latin typeface="Verdana" panose="020B0604030504040204" pitchFamily="34" charset="0"/>
-                      </a:endParaRPr>
-                    </a:p>
-                  </a:txBody>
-                  <a:tcPr marL="3503" marR="3503" marT="5254" marB="5254" anchor="ctr"/>
-                </a:tc>
-                <a:extLst>
-                  <a:ext uri="{0D108BD9-81ED-4DB2-BD59-A6C34878D82A}">
-                    <a16:rowId xmlns:a16="http://schemas.microsoft.com/office/drawing/2014/main" val="3313738471"/>
-                  </a:ext>
-                </a:extLst>
-              </a:tr>
-              <a:tr h="171633">
-                <a:tc>
-                  <a:txBody>
-                    <a:bodyPr/>
-                    <a:lstStyle/>
-                    <a:p>
-                      <a:pPr algn="ctr" fontAlgn="ctr"/>
-                      <a:r>
-                        <a:rPr lang="pt-PT" sz="600" u="none" strike="noStrike">
-                          <a:effectLst/>
-                        </a:rPr>
-                        <a:t>TestOptimal</a:t>
-                      </a:r>
-                      <a:endParaRPr lang="pt-PT" sz="600" b="0" i="0" u="none" strike="noStrike">
-                        <a:solidFill>
-                          <a:srgbClr val="000000"/>
-                        </a:solidFill>
-                        <a:effectLst/>
-                        <a:latin typeface="Calibri" panose="020F0502020204030204" pitchFamily="34" charset="0"/>
-                      </a:endParaRPr>
-                    </a:p>
-                  </a:txBody>
-                  <a:tcPr marL="3503" marR="3503" marT="5254" marB="5254" anchor="ctr"/>
-                </a:tc>
-                <a:tc>
-                  <a:txBody>
-                    <a:bodyPr/>
-                    <a:lstStyle/>
-                    <a:p>
-                      <a:pPr algn="ctr" fontAlgn="ctr"/>
-                      <a:r>
-                        <a:rPr lang="pt-PT" sz="700" u="none" strike="noStrike">
-                          <a:effectLst/>
-                        </a:rPr>
-                        <a:t>2013</a:t>
-                      </a:r>
-                      <a:endParaRPr lang="pt-PT" sz="700" b="0" i="0" u="none" strike="noStrike">
-                        <a:solidFill>
-                          <a:srgbClr val="000000"/>
-                        </a:solidFill>
-                        <a:effectLst/>
-                        <a:latin typeface="Verdana" panose="020B0604030504040204" pitchFamily="34" charset="0"/>
-                      </a:endParaRPr>
-                    </a:p>
-                  </a:txBody>
-                  <a:tcPr marL="3503" marR="3503" marT="5254" marB="5254" anchor="ctr"/>
-                </a:tc>
-                <a:tc>
-                  <a:txBody>
-                    <a:bodyPr/>
-                    <a:lstStyle/>
-                    <a:p>
-                      <a:pPr algn="ctr" fontAlgn="ctr"/>
-                      <a:r>
-                        <a:rPr lang="pt-PT" sz="700" u="none" strike="noStrike">
-                          <a:effectLst/>
-                        </a:rPr>
-                        <a:t>(E)FSM</a:t>
-                      </a:r>
-                      <a:endParaRPr lang="pt-PT" sz="700" b="0" i="0" u="none" strike="noStrike">
-                        <a:solidFill>
-                          <a:srgbClr val="000000"/>
-                        </a:solidFill>
-                        <a:effectLst/>
-                        <a:latin typeface="Verdana" panose="020B0604030504040204" pitchFamily="34" charset="0"/>
-                      </a:endParaRPr>
-                    </a:p>
-                  </a:txBody>
-                  <a:tcPr marL="3503" marR="3503" marT="5254" marB="5254" anchor="ctr"/>
-                </a:tc>
-                <a:tc>
-                  <a:txBody>
-                    <a:bodyPr/>
-                    <a:lstStyle/>
-                    <a:p>
-                      <a:pPr algn="ctr" fontAlgn="ctr"/>
-                      <a:r>
-                        <a:rPr lang="pt-PT" sz="700" u="none" strike="noStrike">
-                          <a:effectLst/>
-                        </a:rPr>
-                        <a:t>Commercial</a:t>
-                      </a:r>
-                      <a:endParaRPr lang="pt-PT" sz="700" b="0" i="0" u="none" strike="noStrike">
-                        <a:solidFill>
-                          <a:srgbClr val="000000"/>
-                        </a:solidFill>
-                        <a:effectLst/>
-                        <a:latin typeface="Verdana" panose="020B0604030504040204" pitchFamily="34" charset="0"/>
-                      </a:endParaRPr>
-                    </a:p>
-                  </a:txBody>
-                  <a:tcPr marL="3503" marR="3503" marT="5254" marB="5254" anchor="ctr"/>
-                </a:tc>
-                <a:extLst>
-                  <a:ext uri="{0D108BD9-81ED-4DB2-BD59-A6C34878D82A}">
-                    <a16:rowId xmlns:a16="http://schemas.microsoft.com/office/drawing/2014/main" val="1344501314"/>
-                  </a:ext>
-                </a:extLst>
-              </a:tr>
-              <a:tr h="171633">
-                <a:tc>
-                  <a:txBody>
-                    <a:bodyPr/>
-                    <a:lstStyle/>
-                    <a:p>
-                      <a:pPr algn="ctr" fontAlgn="ctr"/>
-                      <a:r>
-                        <a:rPr lang="pt-PT" sz="600" u="none" strike="noStrike">
-                          <a:effectLst/>
-                        </a:rPr>
-                        <a:t>T-VEC</a:t>
-                      </a:r>
-                      <a:endParaRPr lang="pt-PT" sz="600" b="0" i="0" u="none" strike="noStrike">
-                        <a:solidFill>
-                          <a:srgbClr val="000000"/>
-                        </a:solidFill>
-                        <a:effectLst/>
-                        <a:latin typeface="Calibri" panose="020F0502020204030204" pitchFamily="34" charset="0"/>
-                      </a:endParaRPr>
-                    </a:p>
-                  </a:txBody>
-                  <a:tcPr marL="3503" marR="3503" marT="5254" marB="5254" anchor="ctr"/>
-                </a:tc>
-                <a:tc>
-                  <a:txBody>
-                    <a:bodyPr/>
-                    <a:lstStyle/>
-                    <a:p>
-                      <a:pPr algn="ctr" fontAlgn="ctr"/>
-                      <a:r>
-                        <a:rPr lang="pt-PT" sz="700" u="none" strike="noStrike">
-                          <a:effectLst/>
-                        </a:rPr>
-                        <a:t>2013</a:t>
-                      </a:r>
-                      <a:endParaRPr lang="pt-PT" sz="700" b="0" i="0" u="none" strike="noStrike">
-                        <a:solidFill>
-                          <a:srgbClr val="000000"/>
-                        </a:solidFill>
-                        <a:effectLst/>
-                        <a:latin typeface="Verdana" panose="020B0604030504040204" pitchFamily="34" charset="0"/>
-                      </a:endParaRPr>
-                    </a:p>
-                  </a:txBody>
-                  <a:tcPr marL="3503" marR="3503" marT="5254" marB="5254" anchor="ctr"/>
-                </a:tc>
-                <a:tc>
-                  <a:txBody>
-                    <a:bodyPr/>
-                    <a:lstStyle/>
-                    <a:p>
-                      <a:pPr algn="ctr" fontAlgn="ctr"/>
-                      <a:r>
-                        <a:rPr lang="pt-PT" sz="700" u="none" strike="noStrike">
-                          <a:effectLst/>
-                        </a:rPr>
-                        <a:t>Simulink</a:t>
-                      </a:r>
-                      <a:endParaRPr lang="pt-PT" sz="700" b="0" i="0" u="none" strike="noStrike">
-                        <a:solidFill>
-                          <a:srgbClr val="000000"/>
-                        </a:solidFill>
-                        <a:effectLst/>
-                        <a:latin typeface="Verdana" panose="020B0604030504040204" pitchFamily="34" charset="0"/>
-                      </a:endParaRPr>
-                    </a:p>
-                  </a:txBody>
-                  <a:tcPr marL="3503" marR="3503" marT="5254" marB="5254" anchor="ctr"/>
-                </a:tc>
-                <a:tc>
-                  <a:txBody>
-                    <a:bodyPr/>
-                    <a:lstStyle/>
-                    <a:p>
-                      <a:pPr algn="ctr" fontAlgn="ctr"/>
-                      <a:r>
-                        <a:rPr lang="pt-PT" sz="700" u="none" strike="noStrike" dirty="0" err="1">
-                          <a:effectLst/>
-                        </a:rPr>
-                        <a:t>Commercial</a:t>
-                      </a:r>
-                      <a:endParaRPr lang="pt-PT" sz="700" b="0" i="0" u="none" strike="noStrike" dirty="0">
-                        <a:solidFill>
-                          <a:srgbClr val="000000"/>
-                        </a:solidFill>
-                        <a:effectLst/>
-                        <a:latin typeface="Verdana" panose="020B0604030504040204" pitchFamily="34" charset="0"/>
-                      </a:endParaRPr>
-                    </a:p>
-                  </a:txBody>
-                  <a:tcPr marL="3503" marR="3503" marT="5254" marB="5254" anchor="ctr"/>
-                </a:tc>
-                <a:extLst>
-                  <a:ext uri="{0D108BD9-81ED-4DB2-BD59-A6C34878D82A}">
-                    <a16:rowId xmlns:a16="http://schemas.microsoft.com/office/drawing/2014/main" val="2914164287"/>
-                  </a:ext>
-                </a:extLst>
-              </a:tr>
-            </a:tbl>
-          </a:graphicData>
-        </a:graphic>
-      </p:graphicFrame>
+      <p:pic>
+        <p:nvPicPr>
+          <p:cNvPr id="3074" name="Picture 2" descr="Image result for MISTA model based testing"/>
+          <p:cNvPicPr>
+            <a:picLocks noChangeAspect="1" noChangeArrowheads="1"/>
+          </p:cNvPicPr>
+          <p:nvPr/>
+        </p:nvPicPr>
+        <p:blipFill>
+          <a:blip r:embed="rId2">
+            <a:extLst>
+              <a:ext uri="{28A0092B-C50C-407E-A947-70E740481C1C}">
+                <a14:useLocalDpi xmlns:a14="http://schemas.microsoft.com/office/drawing/2010/main" val="0"/>
+              </a:ext>
+            </a:extLst>
+          </a:blip>
+          <a:srcRect/>
+          <a:stretch>
+            <a:fillRect/>
+          </a:stretch>
+        </p:blipFill>
+        <p:spPr bwMode="auto">
+          <a:xfrm>
+            <a:off x="2767551" y="1556793"/>
+            <a:ext cx="8655454" cy="4868834"/>
+          </a:xfrm>
+          <a:prstGeom prst="rect">
+            <a:avLst/>
+          </a:prstGeom>
+          <a:noFill/>
+          <a:extLst>
+            <a:ext uri="{909E8E84-426E-40DD-AFC4-6F175D3DCCD1}">
+              <a14:hiddenFill xmlns:a14="http://schemas.microsoft.com/office/drawing/2010/main">
+                <a:solidFill>
+                  <a:srgbClr val="FFFFFF"/>
+                </a:solidFill>
+              </a14:hiddenFill>
+            </a:ext>
+          </a:extLst>
+        </p:spPr>
+      </p:pic>
     </p:spTree>
     <p:extLst>
       <p:ext uri="{BB962C8B-B14F-4D97-AF65-F5344CB8AC3E}">
-        <p14:creationId xmlns:p14="http://schemas.microsoft.com/office/powerpoint/2010/main" val="3038408269"/>
+        <p14:creationId xmlns:p14="http://schemas.microsoft.com/office/powerpoint/2010/main" val="2409493200"/>
       </p:ext>
     </p:extLst>
   </p:cSld>
@@ -11623,12 +10656,1043 @@
 </file>
 
 <file path=customXml/item1.xml><?xml version="1.0" encoding="utf-8"?>
-<?mso-contentType ?>
-<FormTemplates xmlns="http://schemas.microsoft.com/sharepoint/v3/contenttype/forms">
-  <Display>DocumentLibraryForm</Display>
-  <Edit>AssetEditForm</Edit>
-  <New>DocumentLibraryForm</New>
-</FormTemplates>
+<ct:contentTypeSchema xmlns:ct="http://schemas.microsoft.com/office/2006/metadata/contentType" xmlns:ma="http://schemas.microsoft.com/office/2006/metadata/properties/metaAttributes" ct:_="" ma:_="" ma:contentTypeName="TemplateFile" ma:contentTypeID="0x0101006EDDDB5EE6D98C44930B742096920B300400F5B6D36B3EF94B4E9A635CDF2A18F5B8" ma:contentTypeVersion="72" ma:contentTypeDescription="Create a new document." ma:contentTypeScope="" ma:versionID="a23e56308344d904b51738559c3d67c9">
+  <xsd:schema xmlns:xsd="http://www.w3.org/2001/XMLSchema" xmlns:xs="http://www.w3.org/2001/XMLSchema" xmlns:p="http://schemas.microsoft.com/office/2006/metadata/properties" xmlns:ns2="4873beb7-5857-4685-be1f-d57550cc96cc" targetNamespace="http://schemas.microsoft.com/office/2006/metadata/properties" ma:root="true" ma:fieldsID="cd0908cc4600e77bf5da051303e00c8d" ns2:_="">
+    <xsd:import namespace="4873beb7-5857-4685-be1f-d57550cc96cc"/>
+    <xsd:element name="properties">
+      <xsd:complexType>
+        <xsd:sequence>
+          <xsd:element name="documentManagement">
+            <xsd:complexType>
+              <xsd:all>
+                <xsd:element ref="ns2:AcquiredFrom" minOccurs="0"/>
+                <xsd:element ref="ns2:UACurrentWords" minOccurs="0"/>
+                <xsd:element ref="ns2:TPApplication" minOccurs="0"/>
+                <xsd:element ref="ns2:ApprovalLog" minOccurs="0"/>
+                <xsd:element ref="ns2:ApprovalStatus" minOccurs="0"/>
+                <xsd:element ref="ns2:AssetStart" minOccurs="0"/>
+                <xsd:element ref="ns2:AssetExpire" minOccurs="0"/>
+                <xsd:element ref="ns2:AssetId" minOccurs="0"/>
+                <xsd:element ref="ns2:IsSearchable" minOccurs="0"/>
+                <xsd:element ref="ns2:AssetType" minOccurs="0"/>
+                <xsd:element ref="ns2:APAuthor" minOccurs="0"/>
+                <xsd:element ref="ns2:AverageRating" minOccurs="0"/>
+                <xsd:element ref="ns2:BlockPublish" minOccurs="0"/>
+                <xsd:element ref="ns2:BugNumber" minOccurs="0"/>
+                <xsd:element ref="ns2:CampaignTagsTaxHTField0" minOccurs="0"/>
+                <xsd:element ref="ns2:TPClientViewer" minOccurs="0"/>
+                <xsd:element ref="ns2:ClipArtFilename" minOccurs="0"/>
+                <xsd:element ref="ns2:TPCommandLine" minOccurs="0"/>
+                <xsd:element ref="ns2:TPComponent" minOccurs="0"/>
+                <xsd:element ref="ns2:ContentItem" minOccurs="0"/>
+                <xsd:element ref="ns2:CrawlForDependencies" minOccurs="0"/>
+                <xsd:element ref="ns2:CSXHash" minOccurs="0"/>
+                <xsd:element ref="ns2:CSXSubmissionMarket" minOccurs="0"/>
+                <xsd:element ref="ns2:CSXUpdate" minOccurs="0"/>
+                <xsd:element ref="ns2:IntlLangReviewDate" minOccurs="0"/>
+                <xsd:element ref="ns2:IsDeleted" minOccurs="0"/>
+                <xsd:element ref="ns2:APDescription" minOccurs="0"/>
+                <xsd:element ref="ns2:DirectSourceMarket" minOccurs="0"/>
+                <xsd:element ref="ns2:Downloads" minOccurs="0"/>
+                <xsd:element ref="ns2:DSATActionTaken" minOccurs="0"/>
+                <xsd:element ref="ns2:APEditor" minOccurs="0"/>
+                <xsd:element ref="ns2:EditorialStatus" minOccurs="0"/>
+                <xsd:element ref="ns2:EditorialTags" minOccurs="0"/>
+                <xsd:element ref="ns2:TPExecutable" minOccurs="0"/>
+                <xsd:element ref="ns2:FeatureTagsTaxHTField0" minOccurs="0"/>
+                <xsd:element ref="ns2:TPFriendlyName" minOccurs="0"/>
+                <xsd:element ref="ns2:FriendlyTitle" minOccurs="0"/>
+                <xsd:element ref="ns2:PrimaryImageGen" minOccurs="0"/>
+                <xsd:element ref="ns2:HandoffToMSDN" minOccurs="0"/>
+                <xsd:element ref="ns2:InProjectListLookup" minOccurs="0"/>
+                <xsd:element ref="ns2:TPInstallLocation" minOccurs="0"/>
+                <xsd:element ref="ns2:InternalTagsTaxHTField0" minOccurs="0"/>
+                <xsd:element ref="ns2:IntlLangReview" minOccurs="0"/>
+                <xsd:element ref="ns2:IntlLangReviewer" minOccurs="0"/>
+                <xsd:element ref="ns2:MarketSpecific" minOccurs="0"/>
+                <xsd:element ref="ns2:LastCompleteVersionLookup" minOccurs="0"/>
+                <xsd:element ref="ns2:LastHandOff" minOccurs="0"/>
+                <xsd:element ref="ns2:LastModifiedDateTime" minOccurs="0"/>
+                <xsd:element ref="ns2:LastPreviewErrorLookup" minOccurs="0"/>
+                <xsd:element ref="ns2:LastPreviewResultLookup" minOccurs="0"/>
+                <xsd:element ref="ns2:LastPreviewAttemptDateLookup" minOccurs="0"/>
+                <xsd:element ref="ns2:LastPreviewedByLookup" minOccurs="0"/>
+                <xsd:element ref="ns2:LastPreviewTimeLookup" minOccurs="0"/>
+                <xsd:element ref="ns2:LastPreviewVersionLookup" minOccurs="0"/>
+                <xsd:element ref="ns2:LastPublishErrorLookup" minOccurs="0"/>
+                <xsd:element ref="ns2:LastPublishResultLookup" minOccurs="0"/>
+                <xsd:element ref="ns2:LastPublishAttemptDateLookup" minOccurs="0"/>
+                <xsd:element ref="ns2:LastPublishedByLookup" minOccurs="0"/>
+                <xsd:element ref="ns2:LastPublishTimeLookup" minOccurs="0"/>
+                <xsd:element ref="ns2:LastPublishVersionLookup" minOccurs="0"/>
+                <xsd:element ref="ns2:TPLaunchHelpLinkType" minOccurs="0"/>
+                <xsd:element ref="ns2:LegacyData" minOccurs="0"/>
+                <xsd:element ref="ns2:TPLaunchHelpLink" minOccurs="0"/>
+                <xsd:element ref="ns2:LocComments" minOccurs="0"/>
+                <xsd:element ref="ns2:LocLastLocAttemptVersionLookup" minOccurs="0"/>
+                <xsd:element ref="ns2:LocLastLocAttemptVersionTypeLookup" minOccurs="0"/>
+                <xsd:element ref="ns2:LocManualTestRequired" minOccurs="0"/>
+                <xsd:element ref="ns2:LocMarketGroupTiers2" minOccurs="0"/>
+                <xsd:element ref="ns2:LocNewPublishedVersionLookup" minOccurs="0"/>
+                <xsd:element ref="ns2:LocOverallHandbackStatusLookup" minOccurs="0"/>
+                <xsd:element ref="ns2:LocOverallLocStatusLookup" minOccurs="0"/>
+                <xsd:element ref="ns2:LocOverallPreviewStatusLookup" minOccurs="0"/>
+                <xsd:element ref="ns2:LocOverallPublishStatusLookup" minOccurs="0"/>
+                <xsd:element ref="ns2:IntlLocPriority" minOccurs="0"/>
+                <xsd:element ref="ns2:LocProcessedForHandoffsLookup" minOccurs="0"/>
+                <xsd:element ref="ns2:LocProcessedForMarketsLookup" minOccurs="0"/>
+                <xsd:element ref="ns2:LocPublishedDependentAssetsLookup" minOccurs="0"/>
+                <xsd:element ref="ns2:LocPublishedLinkedAssetsLookup" minOccurs="0"/>
+                <xsd:element ref="ns2:LocRecommendedHandoff" minOccurs="0"/>
+                <xsd:element ref="ns2:LocalizationTagsTaxHTField0" minOccurs="0"/>
+                <xsd:element ref="ns2:MachineTranslated" minOccurs="0"/>
+                <xsd:element ref="ns2:Manager" minOccurs="0"/>
+                <xsd:element ref="ns2:Markets" minOccurs="0"/>
+                <xsd:element ref="ns2:Milestone" minOccurs="0"/>
+                <xsd:element ref="ns2:TPNamespace" minOccurs="0"/>
+                <xsd:element ref="ns2:NumericId" minOccurs="0"/>
+                <xsd:element ref="ns2:NumOfRatingsLookup" minOccurs="0"/>
+                <xsd:element ref="ns2:OOCacheId" minOccurs="0"/>
+                <xsd:element ref="ns2:OpenTemplate" minOccurs="0"/>
+                <xsd:element ref="ns2:OriginAsset" minOccurs="0"/>
+                <xsd:element ref="ns2:OriginalRelease" minOccurs="0"/>
+                <xsd:element ref="ns2:OriginalSourceMarket" minOccurs="0"/>
+                <xsd:element ref="ns2:OutputCachingOn" minOccurs="0"/>
+                <xsd:element ref="ns2:ParentAssetId" minOccurs="0"/>
+                <xsd:element ref="ns2:PlannedPubDate" minOccurs="0"/>
+                <xsd:element ref="ns2:PolicheckWords" minOccurs="0"/>
+                <xsd:element ref="ns2:BusinessGroup" minOccurs="0"/>
+                <xsd:element ref="ns2:UAProjectedTotalWords" minOccurs="0"/>
+                <xsd:element ref="ns2:Provider" minOccurs="0"/>
+                <xsd:element ref="ns2:Providers" minOccurs="0"/>
+                <xsd:element ref="ns2:PublishStatusLookup" minOccurs="0"/>
+                <xsd:element ref="ns2:PublishTargets" minOccurs="0"/>
+                <xsd:element ref="ns2:RecommendationsModifier" minOccurs="0"/>
+                <xsd:element ref="ns2:ArtSampleDocs" minOccurs="0"/>
+                <xsd:element ref="ns2:ScenarioTagsTaxHTField0" minOccurs="0"/>
+                <xsd:element ref="ns2:ShowIn" minOccurs="0"/>
+                <xsd:element ref="ns2:SourceTitle" minOccurs="0"/>
+                <xsd:element ref="ns2:CSXSubmissionDate" minOccurs="0"/>
+                <xsd:element ref="ns2:SubmitterId" minOccurs="0"/>
+                <xsd:element ref="ns2:TaxCatchAll" minOccurs="0"/>
+                <xsd:element ref="ns2:TaxCatchAllLabel" minOccurs="0"/>
+                <xsd:element ref="ns2:TemplateStatus" minOccurs="0"/>
+                <xsd:element ref="ns2:TemplateTemplateType" minOccurs="0"/>
+                <xsd:element ref="ns2:ThumbnailAssetId" minOccurs="0"/>
+                <xsd:element ref="ns2:TimesCloned" minOccurs="0"/>
+                <xsd:element ref="ns2:TrustLevel" minOccurs="0"/>
+                <xsd:element ref="ns2:UALocComments" minOccurs="0"/>
+                <xsd:element ref="ns2:UALocRecommendation" minOccurs="0"/>
+                <xsd:element ref="ns2:UANotes" minOccurs="0"/>
+                <xsd:element ref="ns2:TPAppVersion" minOccurs="0"/>
+                <xsd:element ref="ns2:VoteCount" minOccurs="0"/>
+              </xsd:all>
+            </xsd:complexType>
+          </xsd:element>
+        </xsd:sequence>
+      </xsd:complexType>
+    </xsd:element>
+  </xsd:schema>
+  <xsd:schema xmlns:xsd="http://www.w3.org/2001/XMLSchema" xmlns:xs="http://www.w3.org/2001/XMLSchema" xmlns:dms="http://schemas.microsoft.com/office/2006/documentManagement/types" xmlns:pc="http://schemas.microsoft.com/office/infopath/2007/PartnerControls" targetNamespace="4873beb7-5857-4685-be1f-d57550cc96cc" elementFormDefault="qualified">
+    <xsd:import namespace="http://schemas.microsoft.com/office/2006/documentManagement/types"/>
+    <xsd:import namespace="http://schemas.microsoft.com/office/infopath/2007/PartnerControls"/>
+    <xsd:element name="AcquiredFrom" ma:index="1" nillable="true" ma:displayName="Acquired From" ma:default="Internal MS" ma:internalName="AcquiredFrom" ma:readOnly="false">
+      <xsd:simpleType>
+        <xsd:restriction base="dms:Choice">
+          <xsd:enumeration value="Internal MS"/>
+          <xsd:enumeration value="Community"/>
+          <xsd:enumeration value="MVP"/>
+          <xsd:enumeration value="Publisher"/>
+          <xsd:enumeration value="Partner"/>
+          <xsd:enumeration value="None"/>
+        </xsd:restriction>
+      </xsd:simpleType>
+    </xsd:element>
+    <xsd:element name="UACurrentWords" ma:index="2" nillable="true" ma:displayName="Actual Word Count" ma:default="" ma:internalName="UACurrentWords" ma:readOnly="false">
+      <xsd:simpleType>
+        <xsd:restriction base="dms:Unknown"/>
+      </xsd:simpleType>
+    </xsd:element>
+    <xsd:element name="TPApplication" ma:index="3" nillable="true" ma:displayName="Application to Open Template With" ma:default="" ma:internalName="TPApplication">
+      <xsd:simpleType>
+        <xsd:restriction base="dms:Text"/>
+      </xsd:simpleType>
+    </xsd:element>
+    <xsd:element name="ApprovalLog" ma:index="4" nillable="true" ma:displayName="Approval Log" ma:default="" ma:hidden="true" ma:internalName="ApprovalLog" ma:readOnly="false">
+      <xsd:simpleType>
+        <xsd:restriction base="dms:Note"/>
+      </xsd:simpleType>
+    </xsd:element>
+    <xsd:element name="ApprovalStatus" ma:index="5" nillable="true" ma:displayName="Approval Status" ma:default="InProgress" ma:internalName="ApprovalStatus" ma:readOnly="false">
+      <xsd:simpleType>
+        <xsd:restriction base="dms:Choice">
+          <xsd:enumeration value="InProgress"/>
+          <xsd:enumeration value="Rejected"/>
+          <xsd:enumeration value="Questionable"/>
+          <xsd:enumeration value="ApprovedAutomatic"/>
+          <xsd:enumeration value="ApprovedManual"/>
+          <xsd:enumeration value="On Hold"/>
+          <xsd:enumeration value="Needs Review"/>
+          <xsd:enumeration value="A Violation"/>
+          <xsd:enumeration value="Unpublished Violation"/>
+        </xsd:restriction>
+      </xsd:simpleType>
+    </xsd:element>
+    <xsd:element name="AssetStart" ma:index="6" nillable="true" ma:displayName="Asset Begin Date" ma:default="[Today]" ma:internalName="AssetStart" ma:readOnly="false">
+      <xsd:simpleType>
+        <xsd:restriction base="dms:DateTime"/>
+      </xsd:simpleType>
+    </xsd:element>
+    <xsd:element name="AssetExpire" ma:index="7" nillable="true" ma:displayName="Asset End Date" ma:default="2029-01-01T08:00:00Z" ma:format="DateTime" ma:internalName="AssetExpire" ma:readOnly="false">
+      <xsd:simpleType>
+        <xsd:restriction base="dms:DateTime"/>
+      </xsd:simpleType>
+    </xsd:element>
+    <xsd:element name="AssetId" ma:index="8" nillable="true" ma:displayName="Asset ID" ma:default="" ma:indexed="true" ma:internalName="AssetId" ma:readOnly="false">
+      <xsd:simpleType>
+        <xsd:restriction base="dms:Text">
+          <xsd:maxLength value="255"/>
+        </xsd:restriction>
+      </xsd:simpleType>
+    </xsd:element>
+    <xsd:element name="IsSearchable" ma:index="9" nillable="true" ma:displayName="Asset Searchable?" ma:default="true" ma:internalName="IsSearchable" ma:readOnly="false">
+      <xsd:simpleType>
+        <xsd:restriction base="dms:Boolean"/>
+      </xsd:simpleType>
+    </xsd:element>
+    <xsd:element name="AssetType" ma:index="10" nillable="true" ma:displayName="Asset Type" ma:default="" ma:internalName="AssetType" ma:readOnly="false">
+      <xsd:simpleType>
+        <xsd:restriction base="dms:Unknown"/>
+      </xsd:simpleType>
+    </xsd:element>
+    <xsd:element name="APAuthor" ma:index="11" nillable="true" ma:displayName="Author" ma:default="" ma:list="UserInfo" ma:internalName="APAuthor" ma:readOnly="false">
+      <xsd:complexType>
+        <xsd:complexContent>
+          <xsd:extension base="dms:User">
+            <xsd:sequence>
+              <xsd:element name="UserInfo" minOccurs="0" maxOccurs="unbounded">
+                <xsd:complexType>
+                  <xsd:sequence>
+                    <xsd:element name="DisplayName" type="xsd:string" minOccurs="0"/>
+                    <xsd:element name="AccountId" type="dms:UserId" minOccurs="0" nillable="true"/>
+                    <xsd:element name="AccountType" type="xsd:string" minOccurs="0"/>
+                  </xsd:sequence>
+                </xsd:complexType>
+              </xsd:element>
+            </xsd:sequence>
+          </xsd:extension>
+        </xsd:complexContent>
+      </xsd:complexType>
+    </xsd:element>
+    <xsd:element name="AverageRating" ma:index="12" nillable="true" ma:displayName="Average Rating" ma:internalName="AverageRating" ma:readOnly="false">
+      <xsd:simpleType>
+        <xsd:restriction base="dms:Text"/>
+      </xsd:simpleType>
+    </xsd:element>
+    <xsd:element name="BlockPublish" ma:index="13" nillable="true" ma:displayName="Block from Publishing?" ma:default="" ma:internalName="BlockPublish" ma:readOnly="false">
+      <xsd:simpleType>
+        <xsd:restriction base="dms:Boolean"/>
+      </xsd:simpleType>
+    </xsd:element>
+    <xsd:element name="BugNumber" ma:index="14" nillable="true" ma:displayName="Bug Number" ma:default="" ma:internalName="BugNumber" ma:readOnly="false">
+      <xsd:simpleType>
+        <xsd:restriction base="dms:Text"/>
+      </xsd:simpleType>
+    </xsd:element>
+    <xsd:element name="CampaignTagsTaxHTField0" ma:index="16" nillable="true" ma:taxonomy="true" ma:internalName="CampaignTagsTaxHTField0" ma:taxonomyFieldName="CampaignTags" ma:displayName="Campaigns" ma:readOnly="false" ma:default="" ma:fieldId="{1df42cc3-2301-4f11-a52a-6ead923c29ed}" ma:taxonomyMulti="true" ma:sspId="8f79753a-75d3-41f5-8ca3-40b843941b4f" ma:termSetId="ca0e50d4-faa1-44ce-961e-bb1441c60e66" ma:anchorId="00000000-0000-0000-0000-000000000000" ma:open="false" ma:isKeyword="false">
+      <xsd:complexType>
+        <xsd:sequence>
+          <xsd:element ref="pc:Terms" minOccurs="0" maxOccurs="1"/>
+        </xsd:sequence>
+      </xsd:complexType>
+    </xsd:element>
+    <xsd:element name="TPClientViewer" ma:index="17" nillable="true" ma:displayName="Client Viewer" ma:default="" ma:internalName="TPClientViewer">
+      <xsd:simpleType>
+        <xsd:restriction base="dms:Text"/>
+      </xsd:simpleType>
+    </xsd:element>
+    <xsd:element name="ClipArtFilename" ma:index="18" nillable="true" ma:displayName="Clip Art Name" ma:default="" ma:internalName="ClipArtFilename" ma:readOnly="false">
+      <xsd:simpleType>
+        <xsd:restriction base="dms:Text"/>
+      </xsd:simpleType>
+    </xsd:element>
+    <xsd:element name="TPCommandLine" ma:index="19" nillable="true" ma:displayName="Command Line" ma:default="" ma:internalName="TPCommandLine">
+      <xsd:simpleType>
+        <xsd:restriction base="dms:Text"/>
+      </xsd:simpleType>
+    </xsd:element>
+    <xsd:element name="TPComponent" ma:index="20" nillable="true" ma:displayName="Component" ma:default="" ma:internalName="TPComponent">
+      <xsd:simpleType>
+        <xsd:restriction base="dms:Text"/>
+      </xsd:simpleType>
+    </xsd:element>
+    <xsd:element name="ContentItem" ma:index="21" nillable="true" ma:displayName="Content Item" ma:default="" ma:hidden="true" ma:internalName="ContentItem" ma:readOnly="false">
+      <xsd:simpleType>
+        <xsd:restriction base="dms:Unknown"/>
+      </xsd:simpleType>
+    </xsd:element>
+    <xsd:element name="CrawlForDependencies" ma:index="23" nillable="true" ma:displayName="Crawl for Dependencies?" ma:default="true" ma:internalName="CrawlForDependencies" ma:readOnly="false">
+      <xsd:simpleType>
+        <xsd:restriction base="dms:Boolean"/>
+      </xsd:simpleType>
+    </xsd:element>
+    <xsd:element name="CSXHash" ma:index="26" nillable="true" ma:displayName="CSX Hash" ma:default="" ma:indexed="true" ma:internalName="CSXHash" ma:readOnly="false">
+      <xsd:simpleType>
+        <xsd:restriction base="dms:Text"/>
+      </xsd:simpleType>
+    </xsd:element>
+    <xsd:element name="CSXSubmissionMarket" ma:index="27" nillable="true" ma:displayName="CSX Submission Market" ma:default="" ma:list="{2FBD1B11-2ACE-4FDC-B5A3-635D4ADF6F1B}" ma:internalName="CSXSubmissionMarket" ma:readOnly="false" ma:showField="MarketName" ma:web="4873beb7-5857-4685-be1f-d57550cc96cc">
+      <xsd:simpleType>
+        <xsd:restriction base="dms:Lookup"/>
+      </xsd:simpleType>
+    </xsd:element>
+    <xsd:element name="CSXUpdate" ma:index="28" nillable="true" ma:displayName="CSX Updated?" ma:default="false" ma:internalName="CSXUpdate" ma:readOnly="false">
+      <xsd:simpleType>
+        <xsd:restriction base="dms:Boolean"/>
+      </xsd:simpleType>
+    </xsd:element>
+    <xsd:element name="IntlLangReviewDate" ma:index="29" nillable="true" ma:displayName="Date to Complete Intl QA" ma:default="" ma:internalName="IntlLangReviewDate" ma:readOnly="false">
+      <xsd:simpleType>
+        <xsd:restriction base="dms:DateTime"/>
+      </xsd:simpleType>
+    </xsd:element>
+    <xsd:element name="IsDeleted" ma:index="30" nillable="true" ma:displayName="Deleted?" ma:default="" ma:internalName="IsDeleted" ma:readOnly="false">
+      <xsd:simpleType>
+        <xsd:restriction base="dms:Boolean"/>
+      </xsd:simpleType>
+    </xsd:element>
+    <xsd:element name="APDescription" ma:index="31" nillable="true" ma:displayName="Description" ma:default="" ma:internalName="APDescription" ma:readOnly="false">
+      <xsd:simpleType>
+        <xsd:restriction base="dms:Note"/>
+      </xsd:simpleType>
+    </xsd:element>
+    <xsd:element name="DirectSourceMarket" ma:index="32" nillable="true" ma:displayName="Direct Source Market Group" ma:default="" ma:internalName="DirectSourceMarket" ma:readOnly="false">
+      <xsd:simpleType>
+        <xsd:restriction base="dms:Text"/>
+      </xsd:simpleType>
+    </xsd:element>
+    <xsd:element name="Downloads" ma:index="33" nillable="true" ma:displayName="Downloads" ma:default="0" ma:hidden="true" ma:internalName="Downloads" ma:readOnly="false">
+      <xsd:simpleType>
+        <xsd:restriction base="dms:Unknown"/>
+      </xsd:simpleType>
+    </xsd:element>
+    <xsd:element name="DSATActionTaken" ma:index="34" nillable="true" ma:displayName="DSAT Action Taken" ma:default="" ma:internalName="DSATActionTaken" ma:readOnly="false">
+      <xsd:simpleType>
+        <xsd:restriction base="dms:Choice">
+          <xsd:enumeration value="Best Bets"/>
+          <xsd:enumeration value="Expire"/>
+          <xsd:enumeration value="Hide"/>
+          <xsd:enumeration value="None"/>
+        </xsd:restriction>
+      </xsd:simpleType>
+    </xsd:element>
+    <xsd:element name="APEditor" ma:index="35" nillable="true" ma:displayName="Editor" ma:default="" ma:list="UserInfo" ma:internalName="APEditor" ma:readOnly="false">
+      <xsd:complexType>
+        <xsd:complexContent>
+          <xsd:extension base="dms:User">
+            <xsd:sequence>
+              <xsd:element name="UserInfo" minOccurs="0" maxOccurs="unbounded">
+                <xsd:complexType>
+                  <xsd:sequence>
+                    <xsd:element name="DisplayName" type="xsd:string" minOccurs="0"/>
+                    <xsd:element name="AccountId" type="dms:UserId" minOccurs="0" nillable="true"/>
+                    <xsd:element name="AccountType" type="xsd:string" minOccurs="0"/>
+                  </xsd:sequence>
+                </xsd:complexType>
+              </xsd:element>
+            </xsd:sequence>
+          </xsd:extension>
+        </xsd:complexContent>
+      </xsd:complexType>
+    </xsd:element>
+    <xsd:element name="EditorialStatus" ma:index="36" nillable="true" ma:displayName="Editorial Status" ma:default="" ma:internalName="EditorialStatus" ma:readOnly="false">
+      <xsd:simpleType>
+        <xsd:restriction base="dms:Unknown"/>
+      </xsd:simpleType>
+    </xsd:element>
+    <xsd:element name="EditorialTags" ma:index="37" nillable="true" ma:displayName="Editorial Tags" ma:default="" ma:internalName="EditorialTags">
+      <xsd:simpleType>
+        <xsd:restriction base="dms:Unknown"/>
+      </xsd:simpleType>
+    </xsd:element>
+    <xsd:element name="TPExecutable" ma:index="38" nillable="true" ma:displayName="Executable" ma:default="" ma:internalName="TPExecutable">
+      <xsd:simpleType>
+        <xsd:restriction base="dms:Text"/>
+      </xsd:simpleType>
+    </xsd:element>
+    <xsd:element name="FeatureTagsTaxHTField0" ma:index="40" nillable="true" ma:taxonomy="true" ma:internalName="FeatureTagsTaxHTField0" ma:taxonomyFieldName="FeatureTags" ma:displayName="Features" ma:readOnly="false" ma:default="" ma:fieldId="{7fc0d542-15c6-4882-a8e3-13bca44403fb}" ma:taxonomyMulti="true" ma:sspId="8f79753a-75d3-41f5-8ca3-40b843941b4f" ma:termSetId="f1ab6845-967d-4854-a0ba-4ec07f0f8113" ma:anchorId="00000000-0000-0000-0000-000000000000" ma:open="false" ma:isKeyword="false">
+      <xsd:complexType>
+        <xsd:sequence>
+          <xsd:element ref="pc:Terms" minOccurs="0" maxOccurs="1"/>
+        </xsd:sequence>
+      </xsd:complexType>
+    </xsd:element>
+    <xsd:element name="TPFriendlyName" ma:index="41" nillable="true" ma:displayName="Friendly Name" ma:default="" ma:internalName="TPFriendlyName">
+      <xsd:simpleType>
+        <xsd:restriction base="dms:Text"/>
+      </xsd:simpleType>
+    </xsd:element>
+    <xsd:element name="FriendlyTitle" ma:index="42" nillable="true" ma:displayName="Friendly Title" ma:default="" ma:description="Shorter title to be used when displaying search results" ma:internalName="FriendlyTitle" ma:readOnly="false">
+      <xsd:simpleType>
+        <xsd:restriction base="dms:Text"/>
+      </xsd:simpleType>
+    </xsd:element>
+    <xsd:element name="PrimaryImageGen" ma:index="43" nillable="true" ma:displayName="Generate Images?" ma:default="true" ma:internalName="PrimaryImageGen">
+      <xsd:simpleType>
+        <xsd:restriction base="dms:Boolean"/>
+      </xsd:simpleType>
+    </xsd:element>
+    <xsd:element name="HandoffToMSDN" ma:index="44" nillable="true" ma:displayName="Handoff To MSDN Date" ma:default="" ma:internalName="HandoffToMSDN" ma:readOnly="false">
+      <xsd:simpleType>
+        <xsd:restriction base="dms:DateTime"/>
+      </xsd:simpleType>
+    </xsd:element>
+    <xsd:element name="InProjectListLookup" ma:index="45" nillable="true" ma:displayName="InProjectListLookup" ma:list="{9E343742-310B-4684-A24C-1D137CB4B230}" ma:internalName="InProjectListLookup" ma:readOnly="true" ma:showField="InProjectList" ma:web="4873beb7-5857-4685-be1f-d57550cc96cc">
+      <xsd:complexType>
+        <xsd:complexContent>
+          <xsd:extension base="dms:MultiChoiceLookup">
+            <xsd:sequence>
+              <xsd:element name="Value" type="dms:Lookup" maxOccurs="unbounded" minOccurs="0" nillable="true"/>
+            </xsd:sequence>
+          </xsd:extension>
+        </xsd:complexContent>
+      </xsd:complexType>
+    </xsd:element>
+    <xsd:element name="TPInstallLocation" ma:index="46" nillable="true" ma:displayName="Install Location" ma:default="" ma:internalName="TPInstallLocation">
+      <xsd:simpleType>
+        <xsd:restriction base="dms:Text"/>
+      </xsd:simpleType>
+    </xsd:element>
+    <xsd:element name="InternalTagsTaxHTField0" ma:index="48" nillable="true" ma:taxonomy="true" ma:internalName="InternalTagsTaxHTField0" ma:taxonomyFieldName="InternalTags" ma:displayName="Internal Tags" ma:readOnly="false" ma:default="" ma:fieldId="{1490b8a4-2706-41ec-b5e3-73176dccf34e}" ma:taxonomyMulti="true" ma:sspId="8f79753a-75d3-41f5-8ca3-40b843941b4f" ma:termSetId="82b6639e-f7fc-4c18-ad2d-003a6e707765" ma:anchorId="00000000-0000-0000-0000-000000000000" ma:open="false" ma:isKeyword="false">
+      <xsd:complexType>
+        <xsd:sequence>
+          <xsd:element ref="pc:Terms" minOccurs="0" maxOccurs="1"/>
+        </xsd:sequence>
+      </xsd:complexType>
+    </xsd:element>
+    <xsd:element name="IntlLangReview" ma:index="49" nillable="true" ma:displayName="Intl Lang QA Review Required?" ma:default="" ma:internalName="IntlLangReview" ma:readOnly="false">
+      <xsd:simpleType>
+        <xsd:restriction base="dms:Boolean"/>
+      </xsd:simpleType>
+    </xsd:element>
+    <xsd:element name="IntlLangReviewer" ma:index="50" nillable="true" ma:displayName="Intl Lang QA Reviewer" ma:default="" ma:internalName="IntlLangReviewer" ma:readOnly="false">
+      <xsd:simpleType>
+        <xsd:restriction base="dms:Text"/>
+      </xsd:simpleType>
+    </xsd:element>
+    <xsd:element name="MarketSpecific" ma:index="51" nillable="true" ma:displayName="Is Market Specific?" ma:default="" ma:internalName="MarketSpecific" ma:readOnly="false">
+      <xsd:simpleType>
+        <xsd:restriction base="dms:Boolean"/>
+      </xsd:simpleType>
+    </xsd:element>
+    <xsd:element name="LastCompleteVersionLookup" ma:index="52" nillable="true" ma:displayName="Last Complete Version Lookup" ma:default="" ma:list="{9E343742-310B-4684-A24C-1D137CB4B230}" ma:internalName="LastCompleteVersionLookup" ma:readOnly="true" ma:showField="LastCompleteVersion" ma:web="4873beb7-5857-4685-be1f-d57550cc96cc">
+      <xsd:complexType>
+        <xsd:complexContent>
+          <xsd:extension base="dms:MultiChoiceLookup">
+            <xsd:sequence>
+              <xsd:element name="Value" type="dms:Lookup" maxOccurs="unbounded" minOccurs="0" nillable="true"/>
+            </xsd:sequence>
+          </xsd:extension>
+        </xsd:complexContent>
+      </xsd:complexType>
+    </xsd:element>
+    <xsd:element name="LastHandOff" ma:index="53" nillable="true" ma:displayName="Last Hand-off" ma:default="" ma:internalName="LastHandOff" ma:readOnly="false">
+      <xsd:simpleType>
+        <xsd:restriction base="dms:DateTime"/>
+      </xsd:simpleType>
+    </xsd:element>
+    <xsd:element name="LastModifiedDateTime" ma:index="54" nillable="true" ma:displayName="Last Modified Date" ma:default="" ma:internalName="LastModifiedDateTime" ma:readOnly="false">
+      <xsd:simpleType>
+        <xsd:restriction base="dms:DateTime"/>
+      </xsd:simpleType>
+    </xsd:element>
+    <xsd:element name="LastPreviewErrorLookup" ma:index="55" nillable="true" ma:displayName="Last Preview Attempt Error" ma:default="" ma:list="{9E343742-310B-4684-A24C-1D137CB4B230}" ma:internalName="LastPreviewErrorLookup" ma:readOnly="true" ma:showField="LastPreviewError" ma:web="4873beb7-5857-4685-be1f-d57550cc96cc">
+      <xsd:complexType>
+        <xsd:complexContent>
+          <xsd:extension base="dms:MultiChoiceLookup">
+            <xsd:sequence>
+              <xsd:element name="Value" type="dms:Lookup" maxOccurs="unbounded" minOccurs="0" nillable="true"/>
+            </xsd:sequence>
+          </xsd:extension>
+        </xsd:complexContent>
+      </xsd:complexType>
+    </xsd:element>
+    <xsd:element name="LastPreviewResultLookup" ma:index="56" nillable="true" ma:displayName="Last Preview Attempt Result" ma:default="" ma:list="{9E343742-310B-4684-A24C-1D137CB4B230}" ma:internalName="LastPreviewResultLookup" ma:readOnly="true" ma:showField="LastPreviewResult" ma:web="4873beb7-5857-4685-be1f-d57550cc96cc">
+      <xsd:complexType>
+        <xsd:complexContent>
+          <xsd:extension base="dms:MultiChoiceLookup">
+            <xsd:sequence>
+              <xsd:element name="Value" type="dms:Lookup" maxOccurs="unbounded" minOccurs="0" nillable="true"/>
+            </xsd:sequence>
+          </xsd:extension>
+        </xsd:complexContent>
+      </xsd:complexType>
+    </xsd:element>
+    <xsd:element name="LastPreviewAttemptDateLookup" ma:index="57" nillable="true" ma:displayName="Last Preview Attempted On" ma:default="" ma:list="{9E343742-310B-4684-A24C-1D137CB4B230}" ma:internalName="LastPreviewAttemptDateLookup" ma:readOnly="true" ma:showField="LastPreviewAttemptDate" ma:web="4873beb7-5857-4685-be1f-d57550cc96cc">
+      <xsd:complexType>
+        <xsd:complexContent>
+          <xsd:extension base="dms:MultiChoiceLookup">
+            <xsd:sequence>
+              <xsd:element name="Value" type="dms:Lookup" maxOccurs="unbounded" minOccurs="0" nillable="true"/>
+            </xsd:sequence>
+          </xsd:extension>
+        </xsd:complexContent>
+      </xsd:complexType>
+    </xsd:element>
+    <xsd:element name="LastPreviewedByLookup" ma:index="58" nillable="true" ma:displayName="Last Previewed By" ma:default="" ma:list="{9E343742-310B-4684-A24C-1D137CB4B230}" ma:internalName="LastPreviewedByLookup" ma:readOnly="true" ma:showField="LastPreviewedBy" ma:web="4873beb7-5857-4685-be1f-d57550cc96cc">
+      <xsd:complexType>
+        <xsd:complexContent>
+          <xsd:extension base="dms:MultiChoiceLookup">
+            <xsd:sequence>
+              <xsd:element name="Value" type="dms:Lookup" maxOccurs="unbounded" minOccurs="0" nillable="true"/>
+            </xsd:sequence>
+          </xsd:extension>
+        </xsd:complexContent>
+      </xsd:complexType>
+    </xsd:element>
+    <xsd:element name="LastPreviewTimeLookup" ma:index="59" nillable="true" ma:displayName="Last Previewed Date" ma:default="" ma:list="{9E343742-310B-4684-A24C-1D137CB4B230}" ma:internalName="LastPreviewTimeLookup" ma:readOnly="true" ma:showField="LastPreviewTime" ma:web="4873beb7-5857-4685-be1f-d57550cc96cc">
+      <xsd:complexType>
+        <xsd:complexContent>
+          <xsd:extension base="dms:MultiChoiceLookup">
+            <xsd:sequence>
+              <xsd:element name="Value" type="dms:Lookup" maxOccurs="unbounded" minOccurs="0" nillable="true"/>
+            </xsd:sequence>
+          </xsd:extension>
+        </xsd:complexContent>
+      </xsd:complexType>
+    </xsd:element>
+    <xsd:element name="LastPreviewVersionLookup" ma:index="60" nillable="true" ma:displayName="Last Previewed Version" ma:default="" ma:list="{9E343742-310B-4684-A24C-1D137CB4B230}" ma:internalName="LastPreviewVersionLookup" ma:readOnly="true" ma:showField="LastPreviewVersion" ma:web="4873beb7-5857-4685-be1f-d57550cc96cc">
+      <xsd:complexType>
+        <xsd:complexContent>
+          <xsd:extension base="dms:MultiChoiceLookup">
+            <xsd:sequence>
+              <xsd:element name="Value" type="dms:Lookup" maxOccurs="unbounded" minOccurs="0" nillable="true"/>
+            </xsd:sequence>
+          </xsd:extension>
+        </xsd:complexContent>
+      </xsd:complexType>
+    </xsd:element>
+    <xsd:element name="LastPublishErrorLookup" ma:index="61" nillable="true" ma:displayName="Last Publish Attempt Error" ma:default="" ma:list="{9E343742-310B-4684-A24C-1D137CB4B230}" ma:internalName="LastPublishErrorLookup" ma:readOnly="true" ma:showField="LastPublishError" ma:web="4873beb7-5857-4685-be1f-d57550cc96cc">
+      <xsd:complexType>
+        <xsd:complexContent>
+          <xsd:extension base="dms:MultiChoiceLookup">
+            <xsd:sequence>
+              <xsd:element name="Value" type="dms:Lookup" maxOccurs="unbounded" minOccurs="0" nillable="true"/>
+            </xsd:sequence>
+          </xsd:extension>
+        </xsd:complexContent>
+      </xsd:complexType>
+    </xsd:element>
+    <xsd:element name="LastPublishResultLookup" ma:index="62" nillable="true" ma:displayName="Last Publish Attempt Result" ma:default="" ma:list="{9E343742-310B-4684-A24C-1D137CB4B230}" ma:internalName="LastPublishResultLookup" ma:readOnly="true" ma:showField="LastPublishResult" ma:web="4873beb7-5857-4685-be1f-d57550cc96cc">
+      <xsd:complexType>
+        <xsd:complexContent>
+          <xsd:extension base="dms:MultiChoiceLookup">
+            <xsd:sequence>
+              <xsd:element name="Value" type="dms:Lookup" maxOccurs="unbounded" minOccurs="0" nillable="true"/>
+            </xsd:sequence>
+          </xsd:extension>
+        </xsd:complexContent>
+      </xsd:complexType>
+    </xsd:element>
+    <xsd:element name="LastPublishAttemptDateLookup" ma:index="63" nillable="true" ma:displayName="Last Publish Attempted On" ma:default="" ma:list="{9E343742-310B-4684-A24C-1D137CB4B230}" ma:internalName="LastPublishAttemptDateLookup" ma:readOnly="true" ma:showField="LastPublishAttemptDate" ma:web="4873beb7-5857-4685-be1f-d57550cc96cc">
+      <xsd:complexType>
+        <xsd:complexContent>
+          <xsd:extension base="dms:MultiChoiceLookup">
+            <xsd:sequence>
+              <xsd:element name="Value" type="dms:Lookup" maxOccurs="unbounded" minOccurs="0" nillable="true"/>
+            </xsd:sequence>
+          </xsd:extension>
+        </xsd:complexContent>
+      </xsd:complexType>
+    </xsd:element>
+    <xsd:element name="LastPublishedByLookup" ma:index="64" nillable="true" ma:displayName="Last Published By" ma:default="" ma:list="{9E343742-310B-4684-A24C-1D137CB4B230}" ma:internalName="LastPublishedByLookup" ma:readOnly="true" ma:showField="LastPublishedBy" ma:web="4873beb7-5857-4685-be1f-d57550cc96cc">
+      <xsd:complexType>
+        <xsd:complexContent>
+          <xsd:extension base="dms:MultiChoiceLookup">
+            <xsd:sequence>
+              <xsd:element name="Value" type="dms:Lookup" maxOccurs="unbounded" minOccurs="0" nillable="true"/>
+            </xsd:sequence>
+          </xsd:extension>
+        </xsd:complexContent>
+      </xsd:complexType>
+    </xsd:element>
+    <xsd:element name="LastPublishTimeLookup" ma:index="65" nillable="true" ma:displayName="Last Published Date" ma:default="" ma:list="{9E343742-310B-4684-A24C-1D137CB4B230}" ma:internalName="LastPublishTimeLookup" ma:readOnly="true" ma:showField="LastPublishTime" ma:web="4873beb7-5857-4685-be1f-d57550cc96cc">
+      <xsd:complexType>
+        <xsd:complexContent>
+          <xsd:extension base="dms:MultiChoiceLookup">
+            <xsd:sequence>
+              <xsd:element name="Value" type="dms:Lookup" maxOccurs="unbounded" minOccurs="0" nillable="true"/>
+            </xsd:sequence>
+          </xsd:extension>
+        </xsd:complexContent>
+      </xsd:complexType>
+    </xsd:element>
+    <xsd:element name="LastPublishVersionLookup" ma:index="66" nillable="true" ma:displayName="Last Published Version" ma:default="" ma:list="{9E343742-310B-4684-A24C-1D137CB4B230}" ma:internalName="LastPublishVersionLookup" ma:readOnly="true" ma:showField="LastPublishVersion" ma:web="4873beb7-5857-4685-be1f-d57550cc96cc">
+      <xsd:complexType>
+        <xsd:complexContent>
+          <xsd:extension base="dms:MultiChoiceLookup">
+            <xsd:sequence>
+              <xsd:element name="Value" type="dms:Lookup" maxOccurs="unbounded" minOccurs="0" nillable="true"/>
+            </xsd:sequence>
+          </xsd:extension>
+        </xsd:complexContent>
+      </xsd:complexType>
+    </xsd:element>
+    <xsd:element name="TPLaunchHelpLinkType" ma:index="67" nillable="true" ma:displayName="Launch Help Link Type" ma:default="Template" ma:internalName="TPLaunchHelpLinkType">
+      <xsd:simpleType>
+        <xsd:restriction base="dms:Choice">
+          <xsd:enumeration value="Template"/>
+          <xsd:enumeration value="Training"/>
+          <xsd:enumeration value="URL"/>
+          <xsd:enumeration value="None"/>
+        </xsd:restriction>
+      </xsd:simpleType>
+    </xsd:element>
+    <xsd:element name="LegacyData" ma:index="68" nillable="true" ma:displayName="Legacy Data" ma:default="" ma:internalName="LegacyData" ma:readOnly="false">
+      <xsd:simpleType>
+        <xsd:restriction base="dms:Note"/>
+      </xsd:simpleType>
+    </xsd:element>
+    <xsd:element name="TPLaunchHelpLink" ma:index="69" nillable="true" ma:displayName="Link to Launch Help Topic" ma:default="" ma:internalName="TPLaunchHelpLink">
+      <xsd:simpleType>
+        <xsd:restriction base="dms:Text"/>
+      </xsd:simpleType>
+    </xsd:element>
+    <xsd:element name="LocComments" ma:index="70" nillable="true" ma:displayName="Loc Approval Comments" ma:default="" ma:internalName="LocComments" ma:readOnly="false">
+      <xsd:simpleType>
+        <xsd:restriction base="dms:Note"/>
+      </xsd:simpleType>
+    </xsd:element>
+    <xsd:element name="LocLastLocAttemptVersionLookup" ma:index="71" nillable="true" ma:displayName="Loc Last Loc Attempt Version" ma:default="" ma:list="{7DD1DCEC-E449-43D3-891F-7DC62F62AD21}" ma:internalName="LocLastLocAttemptVersionLookup" ma:readOnly="false" ma:showField="LastLocAttemptVersion" ma:web="4873beb7-5857-4685-be1f-d57550cc96cc">
+      <xsd:simpleType>
+        <xsd:restriction base="dms:Lookup"/>
+      </xsd:simpleType>
+    </xsd:element>
+    <xsd:element name="LocLastLocAttemptVersionTypeLookup" ma:index="72" nillable="true" ma:displayName="Loc Last Loc Attempt Version Type" ma:default="" ma:list="{7DD1DCEC-E449-43D3-891F-7DC62F62AD21}" ma:internalName="LocLastLocAttemptVersionTypeLookup" ma:readOnly="true" ma:showField="LastLocAttemptVersionType" ma:web="4873beb7-5857-4685-be1f-d57550cc96cc">
+      <xsd:simpleType>
+        <xsd:restriction base="dms:Lookup"/>
+      </xsd:simpleType>
+    </xsd:element>
+    <xsd:element name="LocManualTestRequired" ma:index="73" nillable="true" ma:displayName="Loc Manual Test Required" ma:default="" ma:internalName="LocManualTestRequired" ma:readOnly="false">
+      <xsd:simpleType>
+        <xsd:restriction base="dms:Boolean"/>
+      </xsd:simpleType>
+    </xsd:element>
+    <xsd:element name="LocMarketGroupTiers2" ma:index="74" nillable="true" ma:displayName="Loc Market Group Tiers" ma:internalName="LocMarketGroupTiers2" ma:readOnly="false">
+      <xsd:simpleType>
+        <xsd:restriction base="dms:Unknown"/>
+      </xsd:simpleType>
+    </xsd:element>
+    <xsd:element name="LocNewPublishedVersionLookup" ma:index="75" nillable="true" ma:displayName="Loc New Published Version Lookup" ma:default="" ma:list="{7DD1DCEC-E449-43D3-891F-7DC62F62AD21}" ma:internalName="LocNewPublishedVersionLookup" ma:readOnly="true" ma:showField="NewPublishedVersion" ma:web="4873beb7-5857-4685-be1f-d57550cc96cc">
+      <xsd:simpleType>
+        <xsd:restriction base="dms:Lookup"/>
+      </xsd:simpleType>
+    </xsd:element>
+    <xsd:element name="LocOverallHandbackStatusLookup" ma:index="76" nillable="true" ma:displayName="Loc Overall Handback Status" ma:default="" ma:list="{7DD1DCEC-E449-43D3-891F-7DC62F62AD21}" ma:internalName="LocOverallHandbackStatusLookup" ma:readOnly="true" ma:showField="OverallHandbackStatus" ma:web="4873beb7-5857-4685-be1f-d57550cc96cc">
+      <xsd:simpleType>
+        <xsd:restriction base="dms:Lookup"/>
+      </xsd:simpleType>
+    </xsd:element>
+    <xsd:element name="LocOverallLocStatusLookup" ma:index="77" nillable="true" ma:displayName="Loc Overall Localize Status" ma:default="" ma:list="{7DD1DCEC-E449-43D3-891F-7DC62F62AD21}" ma:internalName="LocOverallLocStatusLookup" ma:readOnly="true" ma:showField="OverallLocStatus" ma:web="4873beb7-5857-4685-be1f-d57550cc96cc">
+      <xsd:simpleType>
+        <xsd:restriction base="dms:Lookup"/>
+      </xsd:simpleType>
+    </xsd:element>
+    <xsd:element name="LocOverallPreviewStatusLookup" ma:index="78" nillable="true" ma:displayName="Loc Overall Preview Status" ma:default="" ma:list="{7DD1DCEC-E449-43D3-891F-7DC62F62AD21}" ma:internalName="LocOverallPreviewStatusLookup" ma:readOnly="true" ma:showField="OverallPreviewStatus" ma:web="4873beb7-5857-4685-be1f-d57550cc96cc">
+      <xsd:simpleType>
+        <xsd:restriction base="dms:Lookup"/>
+      </xsd:simpleType>
+    </xsd:element>
+    <xsd:element name="LocOverallPublishStatusLookup" ma:index="79" nillable="true" ma:displayName="Loc Overall Publish Status" ma:default="" ma:list="{7DD1DCEC-E449-43D3-891F-7DC62F62AD21}" ma:internalName="LocOverallPublishStatusLookup" ma:readOnly="true" ma:showField="OverallPublishStatus" ma:web="4873beb7-5857-4685-be1f-d57550cc96cc">
+      <xsd:simpleType>
+        <xsd:restriction base="dms:Lookup"/>
+      </xsd:simpleType>
+    </xsd:element>
+    <xsd:element name="IntlLocPriority" ma:index="80" nillable="true" ma:displayName="Loc Priority" ma:default="" ma:internalName="IntlLocPriority" ma:readOnly="false">
+      <xsd:simpleType>
+        <xsd:restriction base="dms:Unknown"/>
+      </xsd:simpleType>
+    </xsd:element>
+    <xsd:element name="LocProcessedForHandoffsLookup" ma:index="81" nillable="true" ma:displayName="Loc Processed For Handoffs" ma:default="" ma:list="{7DD1DCEC-E449-43D3-891F-7DC62F62AD21}" ma:internalName="LocProcessedForHandoffsLookup" ma:readOnly="true" ma:showField="ProcessedForHandoffs" ma:web="4873beb7-5857-4685-be1f-d57550cc96cc">
+      <xsd:simpleType>
+        <xsd:restriction base="dms:Lookup"/>
+      </xsd:simpleType>
+    </xsd:element>
+    <xsd:element name="LocProcessedForMarketsLookup" ma:index="82" nillable="true" ma:displayName="Loc Processed For Markets" ma:default="" ma:list="{7DD1DCEC-E449-43D3-891F-7DC62F62AD21}" ma:internalName="LocProcessedForMarketsLookup" ma:readOnly="true" ma:showField="ProcessedForMarkets" ma:web="4873beb7-5857-4685-be1f-d57550cc96cc">
+      <xsd:simpleType>
+        <xsd:restriction base="dms:Lookup"/>
+      </xsd:simpleType>
+    </xsd:element>
+    <xsd:element name="LocPublishedDependentAssetsLookup" ma:index="83" nillable="true" ma:displayName="Loc Published Dependent Assets" ma:default="" ma:list="{7DD1DCEC-E449-43D3-891F-7DC62F62AD21}" ma:internalName="LocPublishedDependentAssetsLookup" ma:readOnly="true" ma:showField="PublishedDependentAssets" ma:web="4873beb7-5857-4685-be1f-d57550cc96cc">
+      <xsd:simpleType>
+        <xsd:restriction base="dms:Lookup"/>
+      </xsd:simpleType>
+    </xsd:element>
+    <xsd:element name="LocPublishedLinkedAssetsLookup" ma:index="84" nillable="true" ma:displayName="Loc Published Linked Assets" ma:default="" ma:list="{7DD1DCEC-E449-43D3-891F-7DC62F62AD21}" ma:internalName="LocPublishedLinkedAssetsLookup" ma:readOnly="true" ma:showField="PublishedLinkedAssets" ma:web="4873beb7-5857-4685-be1f-d57550cc96cc">
+      <xsd:simpleType>
+        <xsd:restriction base="dms:Lookup"/>
+      </xsd:simpleType>
+    </xsd:element>
+    <xsd:element name="LocRecommendedHandoff" ma:index="85" nillable="true" ma:displayName="Loc Recommended Handoff" ma:default="" ma:indexed="true" ma:internalName="LocRecommendedHandoff" ma:readOnly="false">
+      <xsd:simpleType>
+        <xsd:restriction base="dms:Text"/>
+      </xsd:simpleType>
+    </xsd:element>
+    <xsd:element name="LocalizationTagsTaxHTField0" ma:index="87" nillable="true" ma:taxonomy="true" ma:internalName="LocalizationTagsTaxHTField0" ma:taxonomyFieldName="LocalizationTags" ma:displayName="Localization Tags" ma:readOnly="false" ma:default="" ma:fieldId="{00f02cb3-2c7c-424a-9c61-10e9b6878429}" ma:taxonomyMulti="true" ma:sspId="8f79753a-75d3-41f5-8ca3-40b843941b4f" ma:termSetId="5b7703a5-8e8b-4b58-8b31-1cea35331da3" ma:anchorId="00000000-0000-0000-0000-000000000000" ma:open="false" ma:isKeyword="false">
+      <xsd:complexType>
+        <xsd:sequence>
+          <xsd:element ref="pc:Terms" minOccurs="0" maxOccurs="1"/>
+        </xsd:sequence>
+      </xsd:complexType>
+    </xsd:element>
+    <xsd:element name="MachineTranslated" ma:index="88" nillable="true" ma:displayName="Machine Translated" ma:default="" ma:internalName="MachineTranslated" ma:readOnly="false">
+      <xsd:simpleType>
+        <xsd:restriction base="dms:Boolean"/>
+      </xsd:simpleType>
+    </xsd:element>
+    <xsd:element name="Manager" ma:index="89" nillable="true" ma:displayName="Manager" ma:hidden="true" ma:internalName="Manager" ma:readOnly="false">
+      <xsd:simpleType>
+        <xsd:restriction base="dms:Text"/>
+      </xsd:simpleType>
+    </xsd:element>
+    <xsd:element name="Markets" ma:index="90" nillable="true" ma:displayName="Markets" ma:default="" ma:description="Leave blank to show in all markets" ma:list="{2FBD1B11-2ACE-4FDC-B5A3-635D4ADF6F1B}" ma:internalName="Markets" ma:readOnly="false" ma:showField="MarketName" ma:web="4873beb7-5857-4685-be1f-d57550cc96cc">
+      <xsd:complexType>
+        <xsd:complexContent>
+          <xsd:extension base="dms:MultiChoiceLookup">
+            <xsd:sequence>
+              <xsd:element name="Value" type="dms:Lookup" maxOccurs="unbounded" minOccurs="0" nillable="true"/>
+            </xsd:sequence>
+          </xsd:extension>
+        </xsd:complexContent>
+      </xsd:complexType>
+    </xsd:element>
+    <xsd:element name="Milestone" ma:index="91" nillable="true" ma:displayName="Milestone" ma:default="" ma:internalName="Milestone" ma:readOnly="false">
+      <xsd:simpleType>
+        <xsd:restriction base="dms:Unknown"/>
+      </xsd:simpleType>
+    </xsd:element>
+    <xsd:element name="TPNamespace" ma:index="94" nillable="true" ma:displayName="Namespace" ma:default="" ma:internalName="TPNamespace">
+      <xsd:simpleType>
+        <xsd:restriction base="dms:Text"/>
+      </xsd:simpleType>
+    </xsd:element>
+    <xsd:element name="NumericId" ma:index="95" nillable="true" ma:displayName="Numeric ID" ma:default="" ma:indexed="true" ma:internalName="NumericId" ma:readOnly="false">
+      <xsd:simpleType>
+        <xsd:restriction base="dms:Number"/>
+      </xsd:simpleType>
+    </xsd:element>
+    <xsd:element name="NumOfRatingsLookup" ma:index="96" nillable="true" ma:displayName="NumOfRatings" ma:default="" ma:list="{9E343742-310B-4684-A24C-1D137CB4B230}" ma:internalName="NumOfRatingsLookup" ma:readOnly="true" ma:showField="NumOfRatings" ma:web="4873beb7-5857-4685-be1f-d57550cc96cc">
+      <xsd:complexType>
+        <xsd:complexContent>
+          <xsd:extension base="dms:MultiChoiceLookup">
+            <xsd:sequence>
+              <xsd:element name="Value" type="dms:Lookup" maxOccurs="unbounded" minOccurs="0" nillable="true"/>
+            </xsd:sequence>
+          </xsd:extension>
+        </xsd:complexContent>
+      </xsd:complexType>
+    </xsd:element>
+    <xsd:element name="OOCacheId" ma:index="97" nillable="true" ma:displayName="OOCacheId" ma:internalName="OOCacheId" ma:readOnly="false">
+      <xsd:simpleType>
+        <xsd:restriction base="dms:Text"/>
+      </xsd:simpleType>
+    </xsd:element>
+    <xsd:element name="OpenTemplate" ma:index="98" nillable="true" ma:displayName="Open Template" ma:default="true" ma:internalName="OpenTemplate">
+      <xsd:simpleType>
+        <xsd:restriction base="dms:Boolean"/>
+      </xsd:simpleType>
+    </xsd:element>
+    <xsd:element name="OriginAsset" ma:index="99" nillable="true" ma:displayName="Origin Asset" ma:default="" ma:internalName="OriginAsset" ma:readOnly="false">
+      <xsd:simpleType>
+        <xsd:restriction base="dms:Text"/>
+      </xsd:simpleType>
+    </xsd:element>
+    <xsd:element name="OriginalRelease" ma:index="100" nillable="true" ma:displayName="Original Release" ma:default="15" ma:internalName="OriginalRelease" ma:readOnly="false">
+      <xsd:simpleType>
+        <xsd:restriction base="dms:Choice">
+          <xsd:enumeration value="14"/>
+          <xsd:enumeration value="15"/>
+          <xsd:enumeration value="16"/>
+        </xsd:restriction>
+      </xsd:simpleType>
+    </xsd:element>
+    <xsd:element name="OriginalSourceMarket" ma:index="101" nillable="true" ma:displayName="Original Source Market Group" ma:default="" ma:internalName="OriginalSourceMarket" ma:readOnly="false">
+      <xsd:simpleType>
+        <xsd:restriction base="dms:Text"/>
+      </xsd:simpleType>
+    </xsd:element>
+    <xsd:element name="OutputCachingOn" ma:index="102" nillable="true" ma:displayName="Output Caching" ma:default="true" ma:hidden="true" ma:internalName="OutputCachingOn" ma:readOnly="false">
+      <xsd:simpleType>
+        <xsd:restriction base="dms:Boolean"/>
+      </xsd:simpleType>
+    </xsd:element>
+    <xsd:element name="ParentAssetId" ma:index="103" nillable="true" ma:displayName="Parent Asset Id" ma:default="" ma:internalName="ParentAssetId" ma:readOnly="false">
+      <xsd:simpleType>
+        <xsd:restriction base="dms:Text"/>
+      </xsd:simpleType>
+    </xsd:element>
+    <xsd:element name="PlannedPubDate" ma:index="104" nillable="true" ma:displayName="Planned Publish Date" ma:default="" ma:indexed="true" ma:internalName="PlannedPubDate" ma:readOnly="false">
+      <xsd:simpleType>
+        <xsd:restriction base="dms:DateTime"/>
+      </xsd:simpleType>
+    </xsd:element>
+    <xsd:element name="PolicheckWords" ma:index="105" nillable="true" ma:displayName="Policheck Words" ma:default="" ma:internalName="PolicheckWords" ma:readOnly="false">
+      <xsd:simpleType>
+        <xsd:restriction base="dms:Text"/>
+      </xsd:simpleType>
+    </xsd:element>
+    <xsd:element name="BusinessGroup" ma:index="106" nillable="true" ma:displayName="Product Division Owner" ma:default="" ma:internalName="BusinessGroup" ma:readOnly="false">
+      <xsd:simpleType>
+        <xsd:restriction base="dms:Unknown"/>
+      </xsd:simpleType>
+    </xsd:element>
+    <xsd:element name="UAProjectedTotalWords" ma:index="107" nillable="true" ma:displayName="Projected Word Count" ma:default="" ma:internalName="UAProjectedTotalWords" ma:readOnly="false">
+      <xsd:simpleType>
+        <xsd:restriction base="dms:Unknown"/>
+      </xsd:simpleType>
+    </xsd:element>
+    <xsd:element name="Provider" ma:index="108" nillable="true" ma:displayName="Provider" ma:default="" ma:internalName="Provider" ma:readOnly="false">
+      <xsd:simpleType>
+        <xsd:restriction base="dms:Unknown"/>
+      </xsd:simpleType>
+    </xsd:element>
+    <xsd:element name="Providers" ma:index="109" nillable="true" ma:displayName="Providers" ma:default="" ma:internalName="Providers">
+      <xsd:simpleType>
+        <xsd:restriction base="dms:Unknown"/>
+      </xsd:simpleType>
+    </xsd:element>
+    <xsd:element name="PublishStatusLookup" ma:index="110" nillable="true" ma:displayName="Publish Status" ma:default="" ma:list="{9E343742-310B-4684-A24C-1D137CB4B230}" ma:internalName="PublishStatusLookup" ma:readOnly="false" ma:showField="PublishStatus" ma:web="4873beb7-5857-4685-be1f-d57550cc96cc">
+      <xsd:complexType>
+        <xsd:complexContent>
+          <xsd:extension base="dms:MultiChoiceLookup">
+            <xsd:sequence>
+              <xsd:element name="Value" type="dms:Lookup" maxOccurs="unbounded" minOccurs="0" nillable="true"/>
+            </xsd:sequence>
+          </xsd:extension>
+        </xsd:complexContent>
+      </xsd:complexType>
+    </xsd:element>
+    <xsd:element name="PublishTargets" ma:index="111" nillable="true" ma:displayName="Publish Target" ma:default="OfficeOnlineVNext" ma:internalName="PublishTargets" ma:readOnly="false">
+      <xsd:simpleType>
+        <xsd:restriction base="dms:Unknown"/>
+      </xsd:simpleType>
+    </xsd:element>
+    <xsd:element name="RecommendationsModifier" ma:index="112" nillable="true" ma:displayName="Recommendations Modifier" ma:default="" ma:internalName="RecommendationsModifier" ma:readOnly="false">
+      <xsd:simpleType>
+        <xsd:restriction base="dms:Number"/>
+      </xsd:simpleType>
+    </xsd:element>
+    <xsd:element name="ArtSampleDocs" ma:index="113" nillable="true" ma:displayName="Sample Docs" ma:default="" ma:hidden="true" ma:internalName="ArtSampleDocs" ma:readOnly="false">
+      <xsd:simpleType>
+        <xsd:restriction base="dms:Text"/>
+      </xsd:simpleType>
+    </xsd:element>
+    <xsd:element name="ScenarioTagsTaxHTField0" ma:index="115" nillable="true" ma:taxonomy="true" ma:internalName="ScenarioTagsTaxHTField0" ma:taxonomyFieldName="ScenarioTags" ma:displayName="Scenarios" ma:readOnly="false" ma:default="" ma:fieldId="{93aef74d-6c78-4815-8310-51477dceeccc}" ma:taxonomyMulti="true" ma:sspId="8f79753a-75d3-41f5-8ca3-40b843941b4f" ma:termSetId="4b7d5f16-e2f2-4fc0-bab3-6e8b931e57d6" ma:anchorId="00000000-0000-0000-0000-000000000000" ma:open="false" ma:isKeyword="false">
+      <xsd:complexType>
+        <xsd:sequence>
+          <xsd:element ref="pc:Terms" minOccurs="0" maxOccurs="1"/>
+        </xsd:sequence>
+      </xsd:complexType>
+    </xsd:element>
+    <xsd:element name="ShowIn" ma:index="117" nillable="true" ma:displayName="Show In" ma:default="Show everywhere" ma:internalName="ShowIn" ma:readOnly="false">
+      <xsd:simpleType>
+        <xsd:restriction base="dms:Choice">
+          <xsd:enumeration value="Hide on web"/>
+          <xsd:enumeration value="On Web no search"/>
+          <xsd:enumeration value="Show everywhere"/>
+          <xsd:enumeration value="Special use only"/>
+        </xsd:restriction>
+      </xsd:simpleType>
+    </xsd:element>
+    <xsd:element name="SourceTitle" ma:index="118" nillable="true" ma:displayName="Source Title" ma:default="" ma:indexed="true" ma:internalName="SourceTitle" ma:readOnly="false">
+      <xsd:simpleType>
+        <xsd:restriction base="dms:Text"/>
+      </xsd:simpleType>
+    </xsd:element>
+    <xsd:element name="CSXSubmissionDate" ma:index="119" nillable="true" ma:displayName="Submission Date" ma:default="" ma:internalName="CSXSubmissionDate" ma:readOnly="false">
+      <xsd:simpleType>
+        <xsd:restriction base="dms:DateTime"/>
+      </xsd:simpleType>
+    </xsd:element>
+    <xsd:element name="SubmitterId" ma:index="120" nillable="true" ma:displayName="Submitter ID" ma:default="" ma:internalName="SubmitterId" ma:readOnly="false">
+      <xsd:simpleType>
+        <xsd:restriction base="dms:Text"/>
+      </xsd:simpleType>
+    </xsd:element>
+    <xsd:element name="TaxCatchAll" ma:index="121" nillable="true" ma:displayName="Taxonomy Catch All Column" ma:hidden="true" ma:list="{530f955b-6704-4601-bd83-f81d87f1e440}" ma:internalName="TaxCatchAll" ma:showField="CatchAllData" ma:web="4873beb7-5857-4685-be1f-d57550cc96cc">
+      <xsd:complexType>
+        <xsd:complexContent>
+          <xsd:extension base="dms:MultiChoiceLookup">
+            <xsd:sequence>
+              <xsd:element name="Value" type="dms:Lookup" maxOccurs="unbounded" minOccurs="0" nillable="true"/>
+            </xsd:sequence>
+          </xsd:extension>
+        </xsd:complexContent>
+      </xsd:complexType>
+    </xsd:element>
+    <xsd:element name="TaxCatchAllLabel" ma:index="122" nillable="true" ma:displayName="Taxonomy Catch All Column1" ma:hidden="true" ma:list="{530f955b-6704-4601-bd83-f81d87f1e440}" ma:internalName="TaxCatchAllLabel" ma:readOnly="true" ma:showField="CatchAllDataLabel" ma:web="4873beb7-5857-4685-be1f-d57550cc96cc">
+      <xsd:complexType>
+        <xsd:complexContent>
+          <xsd:extension base="dms:MultiChoiceLookup">
+            <xsd:sequence>
+              <xsd:element name="Value" type="dms:Lookup" maxOccurs="unbounded" minOccurs="0" nillable="true"/>
+            </xsd:sequence>
+          </xsd:extension>
+        </xsd:complexContent>
+      </xsd:complexType>
+    </xsd:element>
+    <xsd:element name="TemplateStatus" ma:index="123" nillable="true" ma:displayName="Template Status" ma:default="" ma:internalName="TemplateStatus">
+      <xsd:simpleType>
+        <xsd:restriction base="dms:Unknown"/>
+      </xsd:simpleType>
+    </xsd:element>
+    <xsd:element name="TemplateTemplateType" ma:index="124" nillable="true" ma:displayName="Template Type" ma:default="" ma:internalName="TemplateTemplateType">
+      <xsd:simpleType>
+        <xsd:restriction base="dms:Unknown"/>
+      </xsd:simpleType>
+    </xsd:element>
+    <xsd:element name="ThumbnailAssetId" ma:index="125" nillable="true" ma:displayName="Thumbnail Image Asset" ma:default="" ma:internalName="ThumbnailAssetId" ma:readOnly="false">
+      <xsd:simpleType>
+        <xsd:restriction base="dms:Text"/>
+      </xsd:simpleType>
+    </xsd:element>
+    <xsd:element name="TimesCloned" ma:index="126" nillable="true" ma:displayName="Times Cloned" ma:default="" ma:internalName="TimesCloned" ma:readOnly="false">
+      <xsd:simpleType>
+        <xsd:restriction base="dms:Number"/>
+      </xsd:simpleType>
+    </xsd:element>
+    <xsd:element name="TrustLevel" ma:index="128" nillable="true" ma:displayName="Trust Level" ma:default="1 Microsoft Managed Content" ma:internalName="TrustLevel" ma:readOnly="false">
+      <xsd:simpleType>
+        <xsd:restriction base="dms:Unknown"/>
+      </xsd:simpleType>
+    </xsd:element>
+    <xsd:element name="UALocComments" ma:index="129" nillable="true" ma:displayName="UA Loc Comments" ma:default="" ma:internalName="UALocComments" ma:readOnly="false">
+      <xsd:simpleType>
+        <xsd:restriction base="dms:Note"/>
+      </xsd:simpleType>
+    </xsd:element>
+    <xsd:element name="UALocRecommendation" ma:index="130" nillable="true" ma:displayName="UA Loc Recommendation" ma:default="Localize" ma:internalName="UALocRecommendation" ma:readOnly="false">
+      <xsd:simpleType>
+        <xsd:restriction base="dms:Choice">
+          <xsd:enumeration value="Localize"/>
+          <xsd:enumeration value="Never Localize"/>
+          <xsd:enumeration value="Priority Localize"/>
+        </xsd:restriction>
+      </xsd:simpleType>
+    </xsd:element>
+    <xsd:element name="UANotes" ma:index="131" nillable="true" ma:displayName="UA Notes" ma:default="" ma:internalName="UANotes" ma:readOnly="false">
+      <xsd:simpleType>
+        <xsd:restriction base="dms:Note"/>
+      </xsd:simpleType>
+    </xsd:element>
+    <xsd:element name="TPAppVersion" ma:index="132" nillable="true" ma:displayName="Version" ma:default="" ma:internalName="TPAppVersion">
+      <xsd:simpleType>
+        <xsd:restriction base="dms:Text"/>
+      </xsd:simpleType>
+    </xsd:element>
+    <xsd:element name="VoteCount" ma:index="133" nillable="true" ma:displayName="Vote Count" ma:default="" ma:internalName="VoteCount" ma:readOnly="false">
+      <xsd:simpleType>
+        <xsd:restriction base="dms:Unknown"/>
+      </xsd:simpleType>
+    </xsd:element>
+  </xsd:schema>
+  <xsd:schema xmlns="http://schemas.openxmlformats.org/package/2006/metadata/core-properties" xmlns:xsd="http://www.w3.org/2001/XMLSchema" xmlns:xsi="http://www.w3.org/2001/XMLSchema-instance" xmlns:dc="http://purl.org/dc/elements/1.1/" xmlns:dcterms="http://purl.org/dc/terms/" xmlns:odoc="http://schemas.microsoft.com/internal/obd" targetNamespace="http://schemas.openxmlformats.org/package/2006/metadata/core-properties" elementFormDefault="qualified" attributeFormDefault="unqualified" blockDefault="#all">
+    <xsd:import namespace="http://purl.org/dc/elements/1.1/" schemaLocation="http://dublincore.org/schemas/xmls/qdc/2003/04/02/dc.xsd"/>
+    <xsd:import namespace="http://purl.org/dc/terms/" schemaLocation="http://dublincore.org/schemas/xmls/qdc/2003/04/02/dcterms.xsd"/>
+    <xsd:element name="coreProperties" type="CT_coreProperties"/>
+    <xsd:complexType name="CT_coreProperties">
+      <xsd:all>
+        <xsd:element ref="dc:creator" minOccurs="0" maxOccurs="1"/>
+        <xsd:element ref="dcterms:created" minOccurs="0" maxOccurs="1"/>
+        <xsd:element ref="dc:identifier" minOccurs="0" maxOccurs="1"/>
+        <xsd:element name="contentType" minOccurs="0" maxOccurs="1" type="xsd:string" ma:index="22" ma:displayName="Content Type"/>
+        <xsd:element ref="dc:title" minOccurs="0" maxOccurs="1" ma:index="127" ma:displayName="Title"/>
+        <xsd:element ref="dc:subject" minOccurs="0" maxOccurs="1"/>
+        <xsd:element ref="dc:description" minOccurs="0" maxOccurs="1"/>
+        <xsd:element name="keywords" minOccurs="0" maxOccurs="1" type="xsd:string"/>
+        <xsd:element ref="dc:language" minOccurs="0" maxOccurs="1"/>
+        <xsd:element name="category" minOccurs="0" maxOccurs="1" type="xsd:string"/>
+        <xsd:element name="version" minOccurs="0" maxOccurs="1" type="xsd:string"/>
+        <xsd:element name="revision" minOccurs="0" maxOccurs="1" type="xsd:string">
+          <xsd:annotation>
+            <xsd:documentation>
+                        This value indicates the number of saves or revisions. The application is responsible for updating this value after each revision.
+                    </xsd:documentation>
+          </xsd:annotation>
+        </xsd:element>
+        <xsd:element name="lastModifiedBy" minOccurs="0" maxOccurs="1" type="xsd:string"/>
+        <xsd:element ref="dcterms:modified" minOccurs="0" maxOccurs="1"/>
+        <xsd:element name="contentStatus" minOccurs="0" maxOccurs="1" type="xsd:string"/>
+      </xsd:all>
+    </xsd:complexType>
+  </xsd:schema>
+  <xs:schema xmlns:pc="http://schemas.microsoft.com/office/infopath/2007/PartnerControls" xmlns:xs="http://www.w3.org/2001/XMLSchema" targetNamespace="http://schemas.microsoft.com/office/infopath/2007/PartnerControls" elementFormDefault="qualified" attributeFormDefault="unqualified">
+    <xs:element name="Person">
+      <xs:complexType>
+        <xs:sequence>
+          <xs:element ref="pc:DisplayName" minOccurs="0"/>
+          <xs:element ref="pc:AccountId" minOccurs="0"/>
+          <xs:element ref="pc:AccountType" minOccurs="0"/>
+        </xs:sequence>
+      </xs:complexType>
+    </xs:element>
+    <xs:element name="DisplayName" type="xs:string"/>
+    <xs:element name="AccountId" type="xs:string"/>
+    <xs:element name="AccountType" type="xs:string"/>
+    <xs:element name="BDCAssociatedEntity">
+      <xs:complexType>
+        <xs:sequence>
+          <xs:element ref="pc:BDCEntity" minOccurs="0" maxOccurs="unbounded"/>
+        </xs:sequence>
+        <xs:attribute ref="pc:EntityNamespace"/>
+        <xs:attribute ref="pc:EntityName"/>
+        <xs:attribute ref="pc:SystemInstanceName"/>
+        <xs:attribute ref="pc:AssociationName"/>
+      </xs:complexType>
+    </xs:element>
+    <xs:attribute name="EntityNamespace" type="xs:string"/>
+    <xs:attribute name="EntityName" type="xs:string"/>
+    <xs:attribute name="SystemInstanceName" type="xs:string"/>
+    <xs:attribute name="AssociationName" type="xs:string"/>
+    <xs:element name="BDCEntity">
+      <xs:complexType>
+        <xs:sequence>
+          <xs:element ref="pc:EntityDisplayName" minOccurs="0"/>
+          <xs:element ref="pc:EntityInstanceReference" minOccurs="0"/>
+          <xs:element ref="pc:EntityId1" minOccurs="0"/>
+          <xs:element ref="pc:EntityId2" minOccurs="0"/>
+          <xs:element ref="pc:EntityId3" minOccurs="0"/>
+          <xs:element ref="pc:EntityId4" minOccurs="0"/>
+          <xs:element ref="pc:EntityId5" minOccurs="0"/>
+        </xs:sequence>
+      </xs:complexType>
+    </xs:element>
+    <xs:element name="EntityDisplayName" type="xs:string"/>
+    <xs:element name="EntityInstanceReference" type="xs:string"/>
+    <xs:element name="EntityId1" type="xs:string"/>
+    <xs:element name="EntityId2" type="xs:string"/>
+    <xs:element name="EntityId3" type="xs:string"/>
+    <xs:element name="EntityId4" type="xs:string"/>
+    <xs:element name="EntityId5" type="xs:string"/>
+    <xs:element name="Terms">
+      <xs:complexType>
+        <xs:sequence>
+          <xs:element ref="pc:TermInfo" minOccurs="0" maxOccurs="unbounded"/>
+        </xs:sequence>
+      </xs:complexType>
+    </xs:element>
+    <xs:element name="TermInfo">
+      <xs:complexType>
+        <xs:sequence>
+          <xs:element ref="pc:TermName" minOccurs="0"/>
+          <xs:element ref="pc:TermId" minOccurs="0"/>
+        </xs:sequence>
+      </xs:complexType>
+    </xs:element>
+    <xs:element name="TermName" type="xs:string"/>
+    <xs:element name="TermId" type="xs:string"/>
+  </xs:schema>
+</ct:contentTypeSchema>
 </file>
 
 <file path=customXml/item2.xml><?xml version="1.0" encoding="utf-8"?>
@@ -11768,1070 +11832,15 @@
 </file>
 
 <file path=customXml/item3.xml><?xml version="1.0" encoding="utf-8"?>
-<ct:contentTypeSchema xmlns:ct="http://schemas.microsoft.com/office/2006/metadata/contentType" xmlns:ma="http://schemas.microsoft.com/office/2006/metadata/properties/metaAttributes" ct:_="" ma:_="" ma:contentTypeName="TemplateFile" ma:contentTypeID="0x0101006EDDDB5EE6D98C44930B742096920B300400F5B6D36B3EF94B4E9A635CDF2A18F5B8" ma:contentTypeVersion="72" ma:contentTypeDescription="Create a new document." ma:contentTypeScope="" ma:versionID="a23e56308344d904b51738559c3d67c9">
-  <xsd:schema xmlns:xsd="http://www.w3.org/2001/XMLSchema" xmlns:xs="http://www.w3.org/2001/XMLSchema" xmlns:p="http://schemas.microsoft.com/office/2006/metadata/properties" xmlns:ns2="4873beb7-5857-4685-be1f-d57550cc96cc" targetNamespace="http://schemas.microsoft.com/office/2006/metadata/properties" ma:root="true" ma:fieldsID="cd0908cc4600e77bf5da051303e00c8d" ns2:_="">
-    <xsd:import namespace="4873beb7-5857-4685-be1f-d57550cc96cc"/>
-    <xsd:element name="properties">
-      <xsd:complexType>
-        <xsd:sequence>
-          <xsd:element name="documentManagement">
-            <xsd:complexType>
-              <xsd:all>
-                <xsd:element ref="ns2:AcquiredFrom" minOccurs="0"/>
-                <xsd:element ref="ns2:UACurrentWords" minOccurs="0"/>
-                <xsd:element ref="ns2:TPApplication" minOccurs="0"/>
-                <xsd:element ref="ns2:ApprovalLog" minOccurs="0"/>
-                <xsd:element ref="ns2:ApprovalStatus" minOccurs="0"/>
-                <xsd:element ref="ns2:AssetStart" minOccurs="0"/>
-                <xsd:element ref="ns2:AssetExpire" minOccurs="0"/>
-                <xsd:element ref="ns2:AssetId" minOccurs="0"/>
-                <xsd:element ref="ns2:IsSearchable" minOccurs="0"/>
-                <xsd:element ref="ns2:AssetType" minOccurs="0"/>
-                <xsd:element ref="ns2:APAuthor" minOccurs="0"/>
-                <xsd:element ref="ns2:AverageRating" minOccurs="0"/>
-                <xsd:element ref="ns2:BlockPublish" minOccurs="0"/>
-                <xsd:element ref="ns2:BugNumber" minOccurs="0"/>
-                <xsd:element ref="ns2:CampaignTagsTaxHTField0" minOccurs="0"/>
-                <xsd:element ref="ns2:TPClientViewer" minOccurs="0"/>
-                <xsd:element ref="ns2:ClipArtFilename" minOccurs="0"/>
-                <xsd:element ref="ns2:TPCommandLine" minOccurs="0"/>
-                <xsd:element ref="ns2:TPComponent" minOccurs="0"/>
-                <xsd:element ref="ns2:ContentItem" minOccurs="0"/>
-                <xsd:element ref="ns2:CrawlForDependencies" minOccurs="0"/>
-                <xsd:element ref="ns2:CSXHash" minOccurs="0"/>
-                <xsd:element ref="ns2:CSXSubmissionMarket" minOccurs="0"/>
-                <xsd:element ref="ns2:CSXUpdate" minOccurs="0"/>
-                <xsd:element ref="ns2:IntlLangReviewDate" minOccurs="0"/>
-                <xsd:element ref="ns2:IsDeleted" minOccurs="0"/>
-                <xsd:element ref="ns2:APDescription" minOccurs="0"/>
-                <xsd:element ref="ns2:DirectSourceMarket" minOccurs="0"/>
-                <xsd:element ref="ns2:Downloads" minOccurs="0"/>
-                <xsd:element ref="ns2:DSATActionTaken" minOccurs="0"/>
-                <xsd:element ref="ns2:APEditor" minOccurs="0"/>
-                <xsd:element ref="ns2:EditorialStatus" minOccurs="0"/>
-                <xsd:element ref="ns2:EditorialTags" minOccurs="0"/>
-                <xsd:element ref="ns2:TPExecutable" minOccurs="0"/>
-                <xsd:element ref="ns2:FeatureTagsTaxHTField0" minOccurs="0"/>
-                <xsd:element ref="ns2:TPFriendlyName" minOccurs="0"/>
-                <xsd:element ref="ns2:FriendlyTitle" minOccurs="0"/>
-                <xsd:element ref="ns2:PrimaryImageGen" minOccurs="0"/>
-                <xsd:element ref="ns2:HandoffToMSDN" minOccurs="0"/>
-                <xsd:element ref="ns2:InProjectListLookup" minOccurs="0"/>
-                <xsd:element ref="ns2:TPInstallLocation" minOccurs="0"/>
-                <xsd:element ref="ns2:InternalTagsTaxHTField0" minOccurs="0"/>
-                <xsd:element ref="ns2:IntlLangReview" minOccurs="0"/>
-                <xsd:element ref="ns2:IntlLangReviewer" minOccurs="0"/>
-                <xsd:element ref="ns2:MarketSpecific" minOccurs="0"/>
-                <xsd:element ref="ns2:LastCompleteVersionLookup" minOccurs="0"/>
-                <xsd:element ref="ns2:LastHandOff" minOccurs="0"/>
-                <xsd:element ref="ns2:LastModifiedDateTime" minOccurs="0"/>
-                <xsd:element ref="ns2:LastPreviewErrorLookup" minOccurs="0"/>
-                <xsd:element ref="ns2:LastPreviewResultLookup" minOccurs="0"/>
-                <xsd:element ref="ns2:LastPreviewAttemptDateLookup" minOccurs="0"/>
-                <xsd:element ref="ns2:LastPreviewedByLookup" minOccurs="0"/>
-                <xsd:element ref="ns2:LastPreviewTimeLookup" minOccurs="0"/>
-                <xsd:element ref="ns2:LastPreviewVersionLookup" minOccurs="0"/>
-                <xsd:element ref="ns2:LastPublishErrorLookup" minOccurs="0"/>
-                <xsd:element ref="ns2:LastPublishResultLookup" minOccurs="0"/>
-                <xsd:element ref="ns2:LastPublishAttemptDateLookup" minOccurs="0"/>
-                <xsd:element ref="ns2:LastPublishedByLookup" minOccurs="0"/>
-                <xsd:element ref="ns2:LastPublishTimeLookup" minOccurs="0"/>
-                <xsd:element ref="ns2:LastPublishVersionLookup" minOccurs="0"/>
-                <xsd:element ref="ns2:TPLaunchHelpLinkType" minOccurs="0"/>
-                <xsd:element ref="ns2:LegacyData" minOccurs="0"/>
-                <xsd:element ref="ns2:TPLaunchHelpLink" minOccurs="0"/>
-                <xsd:element ref="ns2:LocComments" minOccurs="0"/>
-                <xsd:element ref="ns2:LocLastLocAttemptVersionLookup" minOccurs="0"/>
-                <xsd:element ref="ns2:LocLastLocAttemptVersionTypeLookup" minOccurs="0"/>
-                <xsd:element ref="ns2:LocManualTestRequired" minOccurs="0"/>
-                <xsd:element ref="ns2:LocMarketGroupTiers2" minOccurs="0"/>
-                <xsd:element ref="ns2:LocNewPublishedVersionLookup" minOccurs="0"/>
-                <xsd:element ref="ns2:LocOverallHandbackStatusLookup" minOccurs="0"/>
-                <xsd:element ref="ns2:LocOverallLocStatusLookup" minOccurs="0"/>
-                <xsd:element ref="ns2:LocOverallPreviewStatusLookup" minOccurs="0"/>
-                <xsd:element ref="ns2:LocOverallPublishStatusLookup" minOccurs="0"/>
-                <xsd:element ref="ns2:IntlLocPriority" minOccurs="0"/>
-                <xsd:element ref="ns2:LocProcessedForHandoffsLookup" minOccurs="0"/>
-                <xsd:element ref="ns2:LocProcessedForMarketsLookup" minOccurs="0"/>
-                <xsd:element ref="ns2:LocPublishedDependentAssetsLookup" minOccurs="0"/>
-                <xsd:element ref="ns2:LocPublishedLinkedAssetsLookup" minOccurs="0"/>
-                <xsd:element ref="ns2:LocRecommendedHandoff" minOccurs="0"/>
-                <xsd:element ref="ns2:LocalizationTagsTaxHTField0" minOccurs="0"/>
-                <xsd:element ref="ns2:MachineTranslated" minOccurs="0"/>
-                <xsd:element ref="ns2:Manager" minOccurs="0"/>
-                <xsd:element ref="ns2:Markets" minOccurs="0"/>
-                <xsd:element ref="ns2:Milestone" minOccurs="0"/>
-                <xsd:element ref="ns2:TPNamespace" minOccurs="0"/>
-                <xsd:element ref="ns2:NumericId" minOccurs="0"/>
-                <xsd:element ref="ns2:NumOfRatingsLookup" minOccurs="0"/>
-                <xsd:element ref="ns2:OOCacheId" minOccurs="0"/>
-                <xsd:element ref="ns2:OpenTemplate" minOccurs="0"/>
-                <xsd:element ref="ns2:OriginAsset" minOccurs="0"/>
-                <xsd:element ref="ns2:OriginalRelease" minOccurs="0"/>
-                <xsd:element ref="ns2:OriginalSourceMarket" minOccurs="0"/>
-                <xsd:element ref="ns2:OutputCachingOn" minOccurs="0"/>
-                <xsd:element ref="ns2:ParentAssetId" minOccurs="0"/>
-                <xsd:element ref="ns2:PlannedPubDate" minOccurs="0"/>
-                <xsd:element ref="ns2:PolicheckWords" minOccurs="0"/>
-                <xsd:element ref="ns2:BusinessGroup" minOccurs="0"/>
-                <xsd:element ref="ns2:UAProjectedTotalWords" minOccurs="0"/>
-                <xsd:element ref="ns2:Provider" minOccurs="0"/>
-                <xsd:element ref="ns2:Providers" minOccurs="0"/>
-                <xsd:element ref="ns2:PublishStatusLookup" minOccurs="0"/>
-                <xsd:element ref="ns2:PublishTargets" minOccurs="0"/>
-                <xsd:element ref="ns2:RecommendationsModifier" minOccurs="0"/>
-                <xsd:element ref="ns2:ArtSampleDocs" minOccurs="0"/>
-                <xsd:element ref="ns2:ScenarioTagsTaxHTField0" minOccurs="0"/>
-                <xsd:element ref="ns2:ShowIn" minOccurs="0"/>
-                <xsd:element ref="ns2:SourceTitle" minOccurs="0"/>
-                <xsd:element ref="ns2:CSXSubmissionDate" minOccurs="0"/>
-                <xsd:element ref="ns2:SubmitterId" minOccurs="0"/>
-                <xsd:element ref="ns2:TaxCatchAll" minOccurs="0"/>
-                <xsd:element ref="ns2:TaxCatchAllLabel" minOccurs="0"/>
-                <xsd:element ref="ns2:TemplateStatus" minOccurs="0"/>
-                <xsd:element ref="ns2:TemplateTemplateType" minOccurs="0"/>
-                <xsd:element ref="ns2:ThumbnailAssetId" minOccurs="0"/>
-                <xsd:element ref="ns2:TimesCloned" minOccurs="0"/>
-                <xsd:element ref="ns2:TrustLevel" minOccurs="0"/>
-                <xsd:element ref="ns2:UALocComments" minOccurs="0"/>
-                <xsd:element ref="ns2:UALocRecommendation" minOccurs="0"/>
-                <xsd:element ref="ns2:UANotes" minOccurs="0"/>
-                <xsd:element ref="ns2:TPAppVersion" minOccurs="0"/>
-                <xsd:element ref="ns2:VoteCount" minOccurs="0"/>
-              </xsd:all>
-            </xsd:complexType>
-          </xsd:element>
-        </xsd:sequence>
-      </xsd:complexType>
-    </xsd:element>
-  </xsd:schema>
-  <xsd:schema xmlns:xsd="http://www.w3.org/2001/XMLSchema" xmlns:xs="http://www.w3.org/2001/XMLSchema" xmlns:dms="http://schemas.microsoft.com/office/2006/documentManagement/types" xmlns:pc="http://schemas.microsoft.com/office/infopath/2007/PartnerControls" targetNamespace="4873beb7-5857-4685-be1f-d57550cc96cc" elementFormDefault="qualified">
-    <xsd:import namespace="http://schemas.microsoft.com/office/2006/documentManagement/types"/>
-    <xsd:import namespace="http://schemas.microsoft.com/office/infopath/2007/PartnerControls"/>
-    <xsd:element name="AcquiredFrom" ma:index="1" nillable="true" ma:displayName="Acquired From" ma:default="Internal MS" ma:internalName="AcquiredFrom" ma:readOnly="false">
-      <xsd:simpleType>
-        <xsd:restriction base="dms:Choice">
-          <xsd:enumeration value="Internal MS"/>
-          <xsd:enumeration value="Community"/>
-          <xsd:enumeration value="MVP"/>
-          <xsd:enumeration value="Publisher"/>
-          <xsd:enumeration value="Partner"/>
-          <xsd:enumeration value="None"/>
-        </xsd:restriction>
-      </xsd:simpleType>
-    </xsd:element>
-    <xsd:element name="UACurrentWords" ma:index="2" nillable="true" ma:displayName="Actual Word Count" ma:default="" ma:internalName="UACurrentWords" ma:readOnly="false">
-      <xsd:simpleType>
-        <xsd:restriction base="dms:Unknown"/>
-      </xsd:simpleType>
-    </xsd:element>
-    <xsd:element name="TPApplication" ma:index="3" nillable="true" ma:displayName="Application to Open Template With" ma:default="" ma:internalName="TPApplication">
-      <xsd:simpleType>
-        <xsd:restriction base="dms:Text"/>
-      </xsd:simpleType>
-    </xsd:element>
-    <xsd:element name="ApprovalLog" ma:index="4" nillable="true" ma:displayName="Approval Log" ma:default="" ma:hidden="true" ma:internalName="ApprovalLog" ma:readOnly="false">
-      <xsd:simpleType>
-        <xsd:restriction base="dms:Note"/>
-      </xsd:simpleType>
-    </xsd:element>
-    <xsd:element name="ApprovalStatus" ma:index="5" nillable="true" ma:displayName="Approval Status" ma:default="InProgress" ma:internalName="ApprovalStatus" ma:readOnly="false">
-      <xsd:simpleType>
-        <xsd:restriction base="dms:Choice">
-          <xsd:enumeration value="InProgress"/>
-          <xsd:enumeration value="Rejected"/>
-          <xsd:enumeration value="Questionable"/>
-          <xsd:enumeration value="ApprovedAutomatic"/>
-          <xsd:enumeration value="ApprovedManual"/>
-          <xsd:enumeration value="On Hold"/>
-          <xsd:enumeration value="Needs Review"/>
-          <xsd:enumeration value="A Violation"/>
-          <xsd:enumeration value="Unpublished Violation"/>
-        </xsd:restriction>
-      </xsd:simpleType>
-    </xsd:element>
-    <xsd:element name="AssetStart" ma:index="6" nillable="true" ma:displayName="Asset Begin Date" ma:default="[Today]" ma:internalName="AssetStart" ma:readOnly="false">
-      <xsd:simpleType>
-        <xsd:restriction base="dms:DateTime"/>
-      </xsd:simpleType>
-    </xsd:element>
-    <xsd:element name="AssetExpire" ma:index="7" nillable="true" ma:displayName="Asset End Date" ma:default="2029-01-01T08:00:00Z" ma:format="DateTime" ma:internalName="AssetExpire" ma:readOnly="false">
-      <xsd:simpleType>
-        <xsd:restriction base="dms:DateTime"/>
-      </xsd:simpleType>
-    </xsd:element>
-    <xsd:element name="AssetId" ma:index="8" nillable="true" ma:displayName="Asset ID" ma:default="" ma:indexed="true" ma:internalName="AssetId" ma:readOnly="false">
-      <xsd:simpleType>
-        <xsd:restriction base="dms:Text">
-          <xsd:maxLength value="255"/>
-        </xsd:restriction>
-      </xsd:simpleType>
-    </xsd:element>
-    <xsd:element name="IsSearchable" ma:index="9" nillable="true" ma:displayName="Asset Searchable?" ma:default="true" ma:internalName="IsSearchable" ma:readOnly="false">
-      <xsd:simpleType>
-        <xsd:restriction base="dms:Boolean"/>
-      </xsd:simpleType>
-    </xsd:element>
-    <xsd:element name="AssetType" ma:index="10" nillable="true" ma:displayName="Asset Type" ma:default="" ma:internalName="AssetType" ma:readOnly="false">
-      <xsd:simpleType>
-        <xsd:restriction base="dms:Unknown"/>
-      </xsd:simpleType>
-    </xsd:element>
-    <xsd:element name="APAuthor" ma:index="11" nillable="true" ma:displayName="Author" ma:default="" ma:list="UserInfo" ma:internalName="APAuthor" ma:readOnly="false">
-      <xsd:complexType>
-        <xsd:complexContent>
-          <xsd:extension base="dms:User">
-            <xsd:sequence>
-              <xsd:element name="UserInfo" minOccurs="0" maxOccurs="unbounded">
-                <xsd:complexType>
-                  <xsd:sequence>
-                    <xsd:element name="DisplayName" type="xsd:string" minOccurs="0"/>
-                    <xsd:element name="AccountId" type="dms:UserId" minOccurs="0" nillable="true"/>
-                    <xsd:element name="AccountType" type="xsd:string" minOccurs="0"/>
-                  </xsd:sequence>
-                </xsd:complexType>
-              </xsd:element>
-            </xsd:sequence>
-          </xsd:extension>
-        </xsd:complexContent>
-      </xsd:complexType>
-    </xsd:element>
-    <xsd:element name="AverageRating" ma:index="12" nillable="true" ma:displayName="Average Rating" ma:internalName="AverageRating" ma:readOnly="false">
-      <xsd:simpleType>
-        <xsd:restriction base="dms:Text"/>
-      </xsd:simpleType>
-    </xsd:element>
-    <xsd:element name="BlockPublish" ma:index="13" nillable="true" ma:displayName="Block from Publishing?" ma:default="" ma:internalName="BlockPublish" ma:readOnly="false">
-      <xsd:simpleType>
-        <xsd:restriction base="dms:Boolean"/>
-      </xsd:simpleType>
-    </xsd:element>
-    <xsd:element name="BugNumber" ma:index="14" nillable="true" ma:displayName="Bug Number" ma:default="" ma:internalName="BugNumber" ma:readOnly="false">
-      <xsd:simpleType>
-        <xsd:restriction base="dms:Text"/>
-      </xsd:simpleType>
-    </xsd:element>
-    <xsd:element name="CampaignTagsTaxHTField0" ma:index="16" nillable="true" ma:taxonomy="true" ma:internalName="CampaignTagsTaxHTField0" ma:taxonomyFieldName="CampaignTags" ma:displayName="Campaigns" ma:readOnly="false" ma:default="" ma:fieldId="{1df42cc3-2301-4f11-a52a-6ead923c29ed}" ma:taxonomyMulti="true" ma:sspId="8f79753a-75d3-41f5-8ca3-40b843941b4f" ma:termSetId="ca0e50d4-faa1-44ce-961e-bb1441c60e66" ma:anchorId="00000000-0000-0000-0000-000000000000" ma:open="false" ma:isKeyword="false">
-      <xsd:complexType>
-        <xsd:sequence>
-          <xsd:element ref="pc:Terms" minOccurs="0" maxOccurs="1"/>
-        </xsd:sequence>
-      </xsd:complexType>
-    </xsd:element>
-    <xsd:element name="TPClientViewer" ma:index="17" nillable="true" ma:displayName="Client Viewer" ma:default="" ma:internalName="TPClientViewer">
-      <xsd:simpleType>
-        <xsd:restriction base="dms:Text"/>
-      </xsd:simpleType>
-    </xsd:element>
-    <xsd:element name="ClipArtFilename" ma:index="18" nillable="true" ma:displayName="Clip Art Name" ma:default="" ma:internalName="ClipArtFilename" ma:readOnly="false">
-      <xsd:simpleType>
-        <xsd:restriction base="dms:Text"/>
-      </xsd:simpleType>
-    </xsd:element>
-    <xsd:element name="TPCommandLine" ma:index="19" nillable="true" ma:displayName="Command Line" ma:default="" ma:internalName="TPCommandLine">
-      <xsd:simpleType>
-        <xsd:restriction base="dms:Text"/>
-      </xsd:simpleType>
-    </xsd:element>
-    <xsd:element name="TPComponent" ma:index="20" nillable="true" ma:displayName="Component" ma:default="" ma:internalName="TPComponent">
-      <xsd:simpleType>
-        <xsd:restriction base="dms:Text"/>
-      </xsd:simpleType>
-    </xsd:element>
-    <xsd:element name="ContentItem" ma:index="21" nillable="true" ma:displayName="Content Item" ma:default="" ma:hidden="true" ma:internalName="ContentItem" ma:readOnly="false">
-      <xsd:simpleType>
-        <xsd:restriction base="dms:Unknown"/>
-      </xsd:simpleType>
-    </xsd:element>
-    <xsd:element name="CrawlForDependencies" ma:index="23" nillable="true" ma:displayName="Crawl for Dependencies?" ma:default="true" ma:internalName="CrawlForDependencies" ma:readOnly="false">
-      <xsd:simpleType>
-        <xsd:restriction base="dms:Boolean"/>
-      </xsd:simpleType>
-    </xsd:element>
-    <xsd:element name="CSXHash" ma:index="26" nillable="true" ma:displayName="CSX Hash" ma:default="" ma:indexed="true" ma:internalName="CSXHash" ma:readOnly="false">
-      <xsd:simpleType>
-        <xsd:restriction base="dms:Text"/>
-      </xsd:simpleType>
-    </xsd:element>
-    <xsd:element name="CSXSubmissionMarket" ma:index="27" nillable="true" ma:displayName="CSX Submission Market" ma:default="" ma:list="{2FBD1B11-2ACE-4FDC-B5A3-635D4ADF6F1B}" ma:internalName="CSXSubmissionMarket" ma:readOnly="false" ma:showField="MarketName" ma:web="4873beb7-5857-4685-be1f-d57550cc96cc">
-      <xsd:simpleType>
-        <xsd:restriction base="dms:Lookup"/>
-      </xsd:simpleType>
-    </xsd:element>
-    <xsd:element name="CSXUpdate" ma:index="28" nillable="true" ma:displayName="CSX Updated?" ma:default="false" ma:internalName="CSXUpdate" ma:readOnly="false">
-      <xsd:simpleType>
-        <xsd:restriction base="dms:Boolean"/>
-      </xsd:simpleType>
-    </xsd:element>
-    <xsd:element name="IntlLangReviewDate" ma:index="29" nillable="true" ma:displayName="Date to Complete Intl QA" ma:default="" ma:internalName="IntlLangReviewDate" ma:readOnly="false">
-      <xsd:simpleType>
-        <xsd:restriction base="dms:DateTime"/>
-      </xsd:simpleType>
-    </xsd:element>
-    <xsd:element name="IsDeleted" ma:index="30" nillable="true" ma:displayName="Deleted?" ma:default="" ma:internalName="IsDeleted" ma:readOnly="false">
-      <xsd:simpleType>
-        <xsd:restriction base="dms:Boolean"/>
-      </xsd:simpleType>
-    </xsd:element>
-    <xsd:element name="APDescription" ma:index="31" nillable="true" ma:displayName="Description" ma:default="" ma:internalName="APDescription" ma:readOnly="false">
-      <xsd:simpleType>
-        <xsd:restriction base="dms:Note"/>
-      </xsd:simpleType>
-    </xsd:element>
-    <xsd:element name="DirectSourceMarket" ma:index="32" nillable="true" ma:displayName="Direct Source Market Group" ma:default="" ma:internalName="DirectSourceMarket" ma:readOnly="false">
-      <xsd:simpleType>
-        <xsd:restriction base="dms:Text"/>
-      </xsd:simpleType>
-    </xsd:element>
-    <xsd:element name="Downloads" ma:index="33" nillable="true" ma:displayName="Downloads" ma:default="0" ma:hidden="true" ma:internalName="Downloads" ma:readOnly="false">
-      <xsd:simpleType>
-        <xsd:restriction base="dms:Unknown"/>
-      </xsd:simpleType>
-    </xsd:element>
-    <xsd:element name="DSATActionTaken" ma:index="34" nillable="true" ma:displayName="DSAT Action Taken" ma:default="" ma:internalName="DSATActionTaken" ma:readOnly="false">
-      <xsd:simpleType>
-        <xsd:restriction base="dms:Choice">
-          <xsd:enumeration value="Best Bets"/>
-          <xsd:enumeration value="Expire"/>
-          <xsd:enumeration value="Hide"/>
-          <xsd:enumeration value="None"/>
-        </xsd:restriction>
-      </xsd:simpleType>
-    </xsd:element>
-    <xsd:element name="APEditor" ma:index="35" nillable="true" ma:displayName="Editor" ma:default="" ma:list="UserInfo" ma:internalName="APEditor" ma:readOnly="false">
-      <xsd:complexType>
-        <xsd:complexContent>
-          <xsd:extension base="dms:User">
-            <xsd:sequence>
-              <xsd:element name="UserInfo" minOccurs="0" maxOccurs="unbounded">
-                <xsd:complexType>
-                  <xsd:sequence>
-                    <xsd:element name="DisplayName" type="xsd:string" minOccurs="0"/>
-                    <xsd:element name="AccountId" type="dms:UserId" minOccurs="0" nillable="true"/>
-                    <xsd:element name="AccountType" type="xsd:string" minOccurs="0"/>
-                  </xsd:sequence>
-                </xsd:complexType>
-              </xsd:element>
-            </xsd:sequence>
-          </xsd:extension>
-        </xsd:complexContent>
-      </xsd:complexType>
-    </xsd:element>
-    <xsd:element name="EditorialStatus" ma:index="36" nillable="true" ma:displayName="Editorial Status" ma:default="" ma:internalName="EditorialStatus" ma:readOnly="false">
-      <xsd:simpleType>
-        <xsd:restriction base="dms:Unknown"/>
-      </xsd:simpleType>
-    </xsd:element>
-    <xsd:element name="EditorialTags" ma:index="37" nillable="true" ma:displayName="Editorial Tags" ma:default="" ma:internalName="EditorialTags">
-      <xsd:simpleType>
-        <xsd:restriction base="dms:Unknown"/>
-      </xsd:simpleType>
-    </xsd:element>
-    <xsd:element name="TPExecutable" ma:index="38" nillable="true" ma:displayName="Executable" ma:default="" ma:internalName="TPExecutable">
-      <xsd:simpleType>
-        <xsd:restriction base="dms:Text"/>
-      </xsd:simpleType>
-    </xsd:element>
-    <xsd:element name="FeatureTagsTaxHTField0" ma:index="40" nillable="true" ma:taxonomy="true" ma:internalName="FeatureTagsTaxHTField0" ma:taxonomyFieldName="FeatureTags" ma:displayName="Features" ma:readOnly="false" ma:default="" ma:fieldId="{7fc0d542-15c6-4882-a8e3-13bca44403fb}" ma:taxonomyMulti="true" ma:sspId="8f79753a-75d3-41f5-8ca3-40b843941b4f" ma:termSetId="f1ab6845-967d-4854-a0ba-4ec07f0f8113" ma:anchorId="00000000-0000-0000-0000-000000000000" ma:open="false" ma:isKeyword="false">
-      <xsd:complexType>
-        <xsd:sequence>
-          <xsd:element ref="pc:Terms" minOccurs="0" maxOccurs="1"/>
-        </xsd:sequence>
-      </xsd:complexType>
-    </xsd:element>
-    <xsd:element name="TPFriendlyName" ma:index="41" nillable="true" ma:displayName="Friendly Name" ma:default="" ma:internalName="TPFriendlyName">
-      <xsd:simpleType>
-        <xsd:restriction base="dms:Text"/>
-      </xsd:simpleType>
-    </xsd:element>
-    <xsd:element name="FriendlyTitle" ma:index="42" nillable="true" ma:displayName="Friendly Title" ma:default="" ma:description="Shorter title to be used when displaying search results" ma:internalName="FriendlyTitle" ma:readOnly="false">
-      <xsd:simpleType>
-        <xsd:restriction base="dms:Text"/>
-      </xsd:simpleType>
-    </xsd:element>
-    <xsd:element name="PrimaryImageGen" ma:index="43" nillable="true" ma:displayName="Generate Images?" ma:default="true" ma:internalName="PrimaryImageGen">
-      <xsd:simpleType>
-        <xsd:restriction base="dms:Boolean"/>
-      </xsd:simpleType>
-    </xsd:element>
-    <xsd:element name="HandoffToMSDN" ma:index="44" nillable="true" ma:displayName="Handoff To MSDN Date" ma:default="" ma:internalName="HandoffToMSDN" ma:readOnly="false">
-      <xsd:simpleType>
-        <xsd:restriction base="dms:DateTime"/>
-      </xsd:simpleType>
-    </xsd:element>
-    <xsd:element name="InProjectListLookup" ma:index="45" nillable="true" ma:displayName="InProjectListLookup" ma:list="{9E343742-310B-4684-A24C-1D137CB4B230}" ma:internalName="InProjectListLookup" ma:readOnly="true" ma:showField="InProjectList" ma:web="4873beb7-5857-4685-be1f-d57550cc96cc">
-      <xsd:complexType>
-        <xsd:complexContent>
-          <xsd:extension base="dms:MultiChoiceLookup">
-            <xsd:sequence>
-              <xsd:element name="Value" type="dms:Lookup" maxOccurs="unbounded" minOccurs="0" nillable="true"/>
-            </xsd:sequence>
-          </xsd:extension>
-        </xsd:complexContent>
-      </xsd:complexType>
-    </xsd:element>
-    <xsd:element name="TPInstallLocation" ma:index="46" nillable="true" ma:displayName="Install Location" ma:default="" ma:internalName="TPInstallLocation">
-      <xsd:simpleType>
-        <xsd:restriction base="dms:Text"/>
-      </xsd:simpleType>
-    </xsd:element>
-    <xsd:element name="InternalTagsTaxHTField0" ma:index="48" nillable="true" ma:taxonomy="true" ma:internalName="InternalTagsTaxHTField0" ma:taxonomyFieldName="InternalTags" ma:displayName="Internal Tags" ma:readOnly="false" ma:default="" ma:fieldId="{1490b8a4-2706-41ec-b5e3-73176dccf34e}" ma:taxonomyMulti="true" ma:sspId="8f79753a-75d3-41f5-8ca3-40b843941b4f" ma:termSetId="82b6639e-f7fc-4c18-ad2d-003a6e707765" ma:anchorId="00000000-0000-0000-0000-000000000000" ma:open="false" ma:isKeyword="false">
-      <xsd:complexType>
-        <xsd:sequence>
-          <xsd:element ref="pc:Terms" minOccurs="0" maxOccurs="1"/>
-        </xsd:sequence>
-      </xsd:complexType>
-    </xsd:element>
-    <xsd:element name="IntlLangReview" ma:index="49" nillable="true" ma:displayName="Intl Lang QA Review Required?" ma:default="" ma:internalName="IntlLangReview" ma:readOnly="false">
-      <xsd:simpleType>
-        <xsd:restriction base="dms:Boolean"/>
-      </xsd:simpleType>
-    </xsd:element>
-    <xsd:element name="IntlLangReviewer" ma:index="50" nillable="true" ma:displayName="Intl Lang QA Reviewer" ma:default="" ma:internalName="IntlLangReviewer" ma:readOnly="false">
-      <xsd:simpleType>
-        <xsd:restriction base="dms:Text"/>
-      </xsd:simpleType>
-    </xsd:element>
-    <xsd:element name="MarketSpecific" ma:index="51" nillable="true" ma:displayName="Is Market Specific?" ma:default="" ma:internalName="MarketSpecific" ma:readOnly="false">
-      <xsd:simpleType>
-        <xsd:restriction base="dms:Boolean"/>
-      </xsd:simpleType>
-    </xsd:element>
-    <xsd:element name="LastCompleteVersionLookup" ma:index="52" nillable="true" ma:displayName="Last Complete Version Lookup" ma:default="" ma:list="{9E343742-310B-4684-A24C-1D137CB4B230}" ma:internalName="LastCompleteVersionLookup" ma:readOnly="true" ma:showField="LastCompleteVersion" ma:web="4873beb7-5857-4685-be1f-d57550cc96cc">
-      <xsd:complexType>
-        <xsd:complexContent>
-          <xsd:extension base="dms:MultiChoiceLookup">
-            <xsd:sequence>
-              <xsd:element name="Value" type="dms:Lookup" maxOccurs="unbounded" minOccurs="0" nillable="true"/>
-            </xsd:sequence>
-          </xsd:extension>
-        </xsd:complexContent>
-      </xsd:complexType>
-    </xsd:element>
-    <xsd:element name="LastHandOff" ma:index="53" nillable="true" ma:displayName="Last Hand-off" ma:default="" ma:internalName="LastHandOff" ma:readOnly="false">
-      <xsd:simpleType>
-        <xsd:restriction base="dms:DateTime"/>
-      </xsd:simpleType>
-    </xsd:element>
-    <xsd:element name="LastModifiedDateTime" ma:index="54" nillable="true" ma:displayName="Last Modified Date" ma:default="" ma:internalName="LastModifiedDateTime" ma:readOnly="false">
-      <xsd:simpleType>
-        <xsd:restriction base="dms:DateTime"/>
-      </xsd:simpleType>
-    </xsd:element>
-    <xsd:element name="LastPreviewErrorLookup" ma:index="55" nillable="true" ma:displayName="Last Preview Attempt Error" ma:default="" ma:list="{9E343742-310B-4684-A24C-1D137CB4B230}" ma:internalName="LastPreviewErrorLookup" ma:readOnly="true" ma:showField="LastPreviewError" ma:web="4873beb7-5857-4685-be1f-d57550cc96cc">
-      <xsd:complexType>
-        <xsd:complexContent>
-          <xsd:extension base="dms:MultiChoiceLookup">
-            <xsd:sequence>
-              <xsd:element name="Value" type="dms:Lookup" maxOccurs="unbounded" minOccurs="0" nillable="true"/>
-            </xsd:sequence>
-          </xsd:extension>
-        </xsd:complexContent>
-      </xsd:complexType>
-    </xsd:element>
-    <xsd:element name="LastPreviewResultLookup" ma:index="56" nillable="true" ma:displayName="Last Preview Attempt Result" ma:default="" ma:list="{9E343742-310B-4684-A24C-1D137CB4B230}" ma:internalName="LastPreviewResultLookup" ma:readOnly="true" ma:showField="LastPreviewResult" ma:web="4873beb7-5857-4685-be1f-d57550cc96cc">
-      <xsd:complexType>
-        <xsd:complexContent>
-          <xsd:extension base="dms:MultiChoiceLookup">
-            <xsd:sequence>
-              <xsd:element name="Value" type="dms:Lookup" maxOccurs="unbounded" minOccurs="0" nillable="true"/>
-            </xsd:sequence>
-          </xsd:extension>
-        </xsd:complexContent>
-      </xsd:complexType>
-    </xsd:element>
-    <xsd:element name="LastPreviewAttemptDateLookup" ma:index="57" nillable="true" ma:displayName="Last Preview Attempted On" ma:default="" ma:list="{9E343742-310B-4684-A24C-1D137CB4B230}" ma:internalName="LastPreviewAttemptDateLookup" ma:readOnly="true" ma:showField="LastPreviewAttemptDate" ma:web="4873beb7-5857-4685-be1f-d57550cc96cc">
-      <xsd:complexType>
-        <xsd:complexContent>
-          <xsd:extension base="dms:MultiChoiceLookup">
-            <xsd:sequence>
-              <xsd:element name="Value" type="dms:Lookup" maxOccurs="unbounded" minOccurs="0" nillable="true"/>
-            </xsd:sequence>
-          </xsd:extension>
-        </xsd:complexContent>
-      </xsd:complexType>
-    </xsd:element>
-    <xsd:element name="LastPreviewedByLookup" ma:index="58" nillable="true" ma:displayName="Last Previewed By" ma:default="" ma:list="{9E343742-310B-4684-A24C-1D137CB4B230}" ma:internalName="LastPreviewedByLookup" ma:readOnly="true" ma:showField="LastPreviewedBy" ma:web="4873beb7-5857-4685-be1f-d57550cc96cc">
-      <xsd:complexType>
-        <xsd:complexContent>
-          <xsd:extension base="dms:MultiChoiceLookup">
-            <xsd:sequence>
-              <xsd:element name="Value" type="dms:Lookup" maxOccurs="unbounded" minOccurs="0" nillable="true"/>
-            </xsd:sequence>
-          </xsd:extension>
-        </xsd:complexContent>
-      </xsd:complexType>
-    </xsd:element>
-    <xsd:element name="LastPreviewTimeLookup" ma:index="59" nillable="true" ma:displayName="Last Previewed Date" ma:default="" ma:list="{9E343742-310B-4684-A24C-1D137CB4B230}" ma:internalName="LastPreviewTimeLookup" ma:readOnly="true" ma:showField="LastPreviewTime" ma:web="4873beb7-5857-4685-be1f-d57550cc96cc">
-      <xsd:complexType>
-        <xsd:complexContent>
-          <xsd:extension base="dms:MultiChoiceLookup">
-            <xsd:sequence>
-              <xsd:element name="Value" type="dms:Lookup" maxOccurs="unbounded" minOccurs="0" nillable="true"/>
-            </xsd:sequence>
-          </xsd:extension>
-        </xsd:complexContent>
-      </xsd:complexType>
-    </xsd:element>
-    <xsd:element name="LastPreviewVersionLookup" ma:index="60" nillable="true" ma:displayName="Last Previewed Version" ma:default="" ma:list="{9E343742-310B-4684-A24C-1D137CB4B230}" ma:internalName="LastPreviewVersionLookup" ma:readOnly="true" ma:showField="LastPreviewVersion" ma:web="4873beb7-5857-4685-be1f-d57550cc96cc">
-      <xsd:complexType>
-        <xsd:complexContent>
-          <xsd:extension base="dms:MultiChoiceLookup">
-            <xsd:sequence>
-              <xsd:element name="Value" type="dms:Lookup" maxOccurs="unbounded" minOccurs="0" nillable="true"/>
-            </xsd:sequence>
-          </xsd:extension>
-        </xsd:complexContent>
-      </xsd:complexType>
-    </xsd:element>
-    <xsd:element name="LastPublishErrorLookup" ma:index="61" nillable="true" ma:displayName="Last Publish Attempt Error" ma:default="" ma:list="{9E343742-310B-4684-A24C-1D137CB4B230}" ma:internalName="LastPublishErrorLookup" ma:readOnly="true" ma:showField="LastPublishError" ma:web="4873beb7-5857-4685-be1f-d57550cc96cc">
-      <xsd:complexType>
-        <xsd:complexContent>
-          <xsd:extension base="dms:MultiChoiceLookup">
-            <xsd:sequence>
-              <xsd:element name="Value" type="dms:Lookup" maxOccurs="unbounded" minOccurs="0" nillable="true"/>
-            </xsd:sequence>
-          </xsd:extension>
-        </xsd:complexContent>
-      </xsd:complexType>
-    </xsd:element>
-    <xsd:element name="LastPublishResultLookup" ma:index="62" nillable="true" ma:displayName="Last Publish Attempt Result" ma:default="" ma:list="{9E343742-310B-4684-A24C-1D137CB4B230}" ma:internalName="LastPublishResultLookup" ma:readOnly="true" ma:showField="LastPublishResult" ma:web="4873beb7-5857-4685-be1f-d57550cc96cc">
-      <xsd:complexType>
-        <xsd:complexContent>
-          <xsd:extension base="dms:MultiChoiceLookup">
-            <xsd:sequence>
-              <xsd:element name="Value" type="dms:Lookup" maxOccurs="unbounded" minOccurs="0" nillable="true"/>
-            </xsd:sequence>
-          </xsd:extension>
-        </xsd:complexContent>
-      </xsd:complexType>
-    </xsd:element>
-    <xsd:element name="LastPublishAttemptDateLookup" ma:index="63" nillable="true" ma:displayName="Last Publish Attempted On" ma:default="" ma:list="{9E343742-310B-4684-A24C-1D137CB4B230}" ma:internalName="LastPublishAttemptDateLookup" ma:readOnly="true" ma:showField="LastPublishAttemptDate" ma:web="4873beb7-5857-4685-be1f-d57550cc96cc">
-      <xsd:complexType>
-        <xsd:complexContent>
-          <xsd:extension base="dms:MultiChoiceLookup">
-            <xsd:sequence>
-              <xsd:element name="Value" type="dms:Lookup" maxOccurs="unbounded" minOccurs="0" nillable="true"/>
-            </xsd:sequence>
-          </xsd:extension>
-        </xsd:complexContent>
-      </xsd:complexType>
-    </xsd:element>
-    <xsd:element name="LastPublishedByLookup" ma:index="64" nillable="true" ma:displayName="Last Published By" ma:default="" ma:list="{9E343742-310B-4684-A24C-1D137CB4B230}" ma:internalName="LastPublishedByLookup" ma:readOnly="true" ma:showField="LastPublishedBy" ma:web="4873beb7-5857-4685-be1f-d57550cc96cc">
-      <xsd:complexType>
-        <xsd:complexContent>
-          <xsd:extension base="dms:MultiChoiceLookup">
-            <xsd:sequence>
-              <xsd:element name="Value" type="dms:Lookup" maxOccurs="unbounded" minOccurs="0" nillable="true"/>
-            </xsd:sequence>
-          </xsd:extension>
-        </xsd:complexContent>
-      </xsd:complexType>
-    </xsd:element>
-    <xsd:element name="LastPublishTimeLookup" ma:index="65" nillable="true" ma:displayName="Last Published Date" ma:default="" ma:list="{9E343742-310B-4684-A24C-1D137CB4B230}" ma:internalName="LastPublishTimeLookup" ma:readOnly="true" ma:showField="LastPublishTime" ma:web="4873beb7-5857-4685-be1f-d57550cc96cc">
-      <xsd:complexType>
-        <xsd:complexContent>
-          <xsd:extension base="dms:MultiChoiceLookup">
-            <xsd:sequence>
-              <xsd:element name="Value" type="dms:Lookup" maxOccurs="unbounded" minOccurs="0" nillable="true"/>
-            </xsd:sequence>
-          </xsd:extension>
-        </xsd:complexContent>
-      </xsd:complexType>
-    </xsd:element>
-    <xsd:element name="LastPublishVersionLookup" ma:index="66" nillable="true" ma:displayName="Last Published Version" ma:default="" ma:list="{9E343742-310B-4684-A24C-1D137CB4B230}" ma:internalName="LastPublishVersionLookup" ma:readOnly="true" ma:showField="LastPublishVersion" ma:web="4873beb7-5857-4685-be1f-d57550cc96cc">
-      <xsd:complexType>
-        <xsd:complexContent>
-          <xsd:extension base="dms:MultiChoiceLookup">
-            <xsd:sequence>
-              <xsd:element name="Value" type="dms:Lookup" maxOccurs="unbounded" minOccurs="0" nillable="true"/>
-            </xsd:sequence>
-          </xsd:extension>
-        </xsd:complexContent>
-      </xsd:complexType>
-    </xsd:element>
-    <xsd:element name="TPLaunchHelpLinkType" ma:index="67" nillable="true" ma:displayName="Launch Help Link Type" ma:default="Template" ma:internalName="TPLaunchHelpLinkType">
-      <xsd:simpleType>
-        <xsd:restriction base="dms:Choice">
-          <xsd:enumeration value="Template"/>
-          <xsd:enumeration value="Training"/>
-          <xsd:enumeration value="URL"/>
-          <xsd:enumeration value="None"/>
-        </xsd:restriction>
-      </xsd:simpleType>
-    </xsd:element>
-    <xsd:element name="LegacyData" ma:index="68" nillable="true" ma:displayName="Legacy Data" ma:default="" ma:internalName="LegacyData" ma:readOnly="false">
-      <xsd:simpleType>
-        <xsd:restriction base="dms:Note"/>
-      </xsd:simpleType>
-    </xsd:element>
-    <xsd:element name="TPLaunchHelpLink" ma:index="69" nillable="true" ma:displayName="Link to Launch Help Topic" ma:default="" ma:internalName="TPLaunchHelpLink">
-      <xsd:simpleType>
-        <xsd:restriction base="dms:Text"/>
-      </xsd:simpleType>
-    </xsd:element>
-    <xsd:element name="LocComments" ma:index="70" nillable="true" ma:displayName="Loc Approval Comments" ma:default="" ma:internalName="LocComments" ma:readOnly="false">
-      <xsd:simpleType>
-        <xsd:restriction base="dms:Note"/>
-      </xsd:simpleType>
-    </xsd:element>
-    <xsd:element name="LocLastLocAttemptVersionLookup" ma:index="71" nillable="true" ma:displayName="Loc Last Loc Attempt Version" ma:default="" ma:list="{7DD1DCEC-E449-43D3-891F-7DC62F62AD21}" ma:internalName="LocLastLocAttemptVersionLookup" ma:readOnly="false" ma:showField="LastLocAttemptVersion" ma:web="4873beb7-5857-4685-be1f-d57550cc96cc">
-      <xsd:simpleType>
-        <xsd:restriction base="dms:Lookup"/>
-      </xsd:simpleType>
-    </xsd:element>
-    <xsd:element name="LocLastLocAttemptVersionTypeLookup" ma:index="72" nillable="true" ma:displayName="Loc Last Loc Attempt Version Type" ma:default="" ma:list="{7DD1DCEC-E449-43D3-891F-7DC62F62AD21}" ma:internalName="LocLastLocAttemptVersionTypeLookup" ma:readOnly="true" ma:showField="LastLocAttemptVersionType" ma:web="4873beb7-5857-4685-be1f-d57550cc96cc">
-      <xsd:simpleType>
-        <xsd:restriction base="dms:Lookup"/>
-      </xsd:simpleType>
-    </xsd:element>
-    <xsd:element name="LocManualTestRequired" ma:index="73" nillable="true" ma:displayName="Loc Manual Test Required" ma:default="" ma:internalName="LocManualTestRequired" ma:readOnly="false">
-      <xsd:simpleType>
-        <xsd:restriction base="dms:Boolean"/>
-      </xsd:simpleType>
-    </xsd:element>
-    <xsd:element name="LocMarketGroupTiers2" ma:index="74" nillable="true" ma:displayName="Loc Market Group Tiers" ma:internalName="LocMarketGroupTiers2" ma:readOnly="false">
-      <xsd:simpleType>
-        <xsd:restriction base="dms:Unknown"/>
-      </xsd:simpleType>
-    </xsd:element>
-    <xsd:element name="LocNewPublishedVersionLookup" ma:index="75" nillable="true" ma:displayName="Loc New Published Version Lookup" ma:default="" ma:list="{7DD1DCEC-E449-43D3-891F-7DC62F62AD21}" ma:internalName="LocNewPublishedVersionLookup" ma:readOnly="true" ma:showField="NewPublishedVersion" ma:web="4873beb7-5857-4685-be1f-d57550cc96cc">
-      <xsd:simpleType>
-        <xsd:restriction base="dms:Lookup"/>
-      </xsd:simpleType>
-    </xsd:element>
-    <xsd:element name="LocOverallHandbackStatusLookup" ma:index="76" nillable="true" ma:displayName="Loc Overall Handback Status" ma:default="" ma:list="{7DD1DCEC-E449-43D3-891F-7DC62F62AD21}" ma:internalName="LocOverallHandbackStatusLookup" ma:readOnly="true" ma:showField="OverallHandbackStatus" ma:web="4873beb7-5857-4685-be1f-d57550cc96cc">
-      <xsd:simpleType>
-        <xsd:restriction base="dms:Lookup"/>
-      </xsd:simpleType>
-    </xsd:element>
-    <xsd:element name="LocOverallLocStatusLookup" ma:index="77" nillable="true" ma:displayName="Loc Overall Localize Status" ma:default="" ma:list="{7DD1DCEC-E449-43D3-891F-7DC62F62AD21}" ma:internalName="LocOverallLocStatusLookup" ma:readOnly="true" ma:showField="OverallLocStatus" ma:web="4873beb7-5857-4685-be1f-d57550cc96cc">
-      <xsd:simpleType>
-        <xsd:restriction base="dms:Lookup"/>
-      </xsd:simpleType>
-    </xsd:element>
-    <xsd:element name="LocOverallPreviewStatusLookup" ma:index="78" nillable="true" ma:displayName="Loc Overall Preview Status" ma:default="" ma:list="{7DD1DCEC-E449-43D3-891F-7DC62F62AD21}" ma:internalName="LocOverallPreviewStatusLookup" ma:readOnly="true" ma:showField="OverallPreviewStatus" ma:web="4873beb7-5857-4685-be1f-d57550cc96cc">
-      <xsd:simpleType>
-        <xsd:restriction base="dms:Lookup"/>
-      </xsd:simpleType>
-    </xsd:element>
-    <xsd:element name="LocOverallPublishStatusLookup" ma:index="79" nillable="true" ma:displayName="Loc Overall Publish Status" ma:default="" ma:list="{7DD1DCEC-E449-43D3-891F-7DC62F62AD21}" ma:internalName="LocOverallPublishStatusLookup" ma:readOnly="true" ma:showField="OverallPublishStatus" ma:web="4873beb7-5857-4685-be1f-d57550cc96cc">
-      <xsd:simpleType>
-        <xsd:restriction base="dms:Lookup"/>
-      </xsd:simpleType>
-    </xsd:element>
-    <xsd:element name="IntlLocPriority" ma:index="80" nillable="true" ma:displayName="Loc Priority" ma:default="" ma:internalName="IntlLocPriority" ma:readOnly="false">
-      <xsd:simpleType>
-        <xsd:restriction base="dms:Unknown"/>
-      </xsd:simpleType>
-    </xsd:element>
-    <xsd:element name="LocProcessedForHandoffsLookup" ma:index="81" nillable="true" ma:displayName="Loc Processed For Handoffs" ma:default="" ma:list="{7DD1DCEC-E449-43D3-891F-7DC62F62AD21}" ma:internalName="LocProcessedForHandoffsLookup" ma:readOnly="true" ma:showField="ProcessedForHandoffs" ma:web="4873beb7-5857-4685-be1f-d57550cc96cc">
-      <xsd:simpleType>
-        <xsd:restriction base="dms:Lookup"/>
-      </xsd:simpleType>
-    </xsd:element>
-    <xsd:element name="LocProcessedForMarketsLookup" ma:index="82" nillable="true" ma:displayName="Loc Processed For Markets" ma:default="" ma:list="{7DD1DCEC-E449-43D3-891F-7DC62F62AD21}" ma:internalName="LocProcessedForMarketsLookup" ma:readOnly="true" ma:showField="ProcessedForMarkets" ma:web="4873beb7-5857-4685-be1f-d57550cc96cc">
-      <xsd:simpleType>
-        <xsd:restriction base="dms:Lookup"/>
-      </xsd:simpleType>
-    </xsd:element>
-    <xsd:element name="LocPublishedDependentAssetsLookup" ma:index="83" nillable="true" ma:displayName="Loc Published Dependent Assets" ma:default="" ma:list="{7DD1DCEC-E449-43D3-891F-7DC62F62AD21}" ma:internalName="LocPublishedDependentAssetsLookup" ma:readOnly="true" ma:showField="PublishedDependentAssets" ma:web="4873beb7-5857-4685-be1f-d57550cc96cc">
-      <xsd:simpleType>
-        <xsd:restriction base="dms:Lookup"/>
-      </xsd:simpleType>
-    </xsd:element>
-    <xsd:element name="LocPublishedLinkedAssetsLookup" ma:index="84" nillable="true" ma:displayName="Loc Published Linked Assets" ma:default="" ma:list="{7DD1DCEC-E449-43D3-891F-7DC62F62AD21}" ma:internalName="LocPublishedLinkedAssetsLookup" ma:readOnly="true" ma:showField="PublishedLinkedAssets" ma:web="4873beb7-5857-4685-be1f-d57550cc96cc">
-      <xsd:simpleType>
-        <xsd:restriction base="dms:Lookup"/>
-      </xsd:simpleType>
-    </xsd:element>
-    <xsd:element name="LocRecommendedHandoff" ma:index="85" nillable="true" ma:displayName="Loc Recommended Handoff" ma:default="" ma:indexed="true" ma:internalName="LocRecommendedHandoff" ma:readOnly="false">
-      <xsd:simpleType>
-        <xsd:restriction base="dms:Text"/>
-      </xsd:simpleType>
-    </xsd:element>
-    <xsd:element name="LocalizationTagsTaxHTField0" ma:index="87" nillable="true" ma:taxonomy="true" ma:internalName="LocalizationTagsTaxHTField0" ma:taxonomyFieldName="LocalizationTags" ma:displayName="Localization Tags" ma:readOnly="false" ma:default="" ma:fieldId="{00f02cb3-2c7c-424a-9c61-10e9b6878429}" ma:taxonomyMulti="true" ma:sspId="8f79753a-75d3-41f5-8ca3-40b843941b4f" ma:termSetId="5b7703a5-8e8b-4b58-8b31-1cea35331da3" ma:anchorId="00000000-0000-0000-0000-000000000000" ma:open="false" ma:isKeyword="false">
-      <xsd:complexType>
-        <xsd:sequence>
-          <xsd:element ref="pc:Terms" minOccurs="0" maxOccurs="1"/>
-        </xsd:sequence>
-      </xsd:complexType>
-    </xsd:element>
-    <xsd:element name="MachineTranslated" ma:index="88" nillable="true" ma:displayName="Machine Translated" ma:default="" ma:internalName="MachineTranslated" ma:readOnly="false">
-      <xsd:simpleType>
-        <xsd:restriction base="dms:Boolean"/>
-      </xsd:simpleType>
-    </xsd:element>
-    <xsd:element name="Manager" ma:index="89" nillable="true" ma:displayName="Manager" ma:hidden="true" ma:internalName="Manager" ma:readOnly="false">
-      <xsd:simpleType>
-        <xsd:restriction base="dms:Text"/>
-      </xsd:simpleType>
-    </xsd:element>
-    <xsd:element name="Markets" ma:index="90" nillable="true" ma:displayName="Markets" ma:default="" ma:description="Leave blank to show in all markets" ma:list="{2FBD1B11-2ACE-4FDC-B5A3-635D4ADF6F1B}" ma:internalName="Markets" ma:readOnly="false" ma:showField="MarketName" ma:web="4873beb7-5857-4685-be1f-d57550cc96cc">
-      <xsd:complexType>
-        <xsd:complexContent>
-          <xsd:extension base="dms:MultiChoiceLookup">
-            <xsd:sequence>
-              <xsd:element name="Value" type="dms:Lookup" maxOccurs="unbounded" minOccurs="0" nillable="true"/>
-            </xsd:sequence>
-          </xsd:extension>
-        </xsd:complexContent>
-      </xsd:complexType>
-    </xsd:element>
-    <xsd:element name="Milestone" ma:index="91" nillable="true" ma:displayName="Milestone" ma:default="" ma:internalName="Milestone" ma:readOnly="false">
-      <xsd:simpleType>
-        <xsd:restriction base="dms:Unknown"/>
-      </xsd:simpleType>
-    </xsd:element>
-    <xsd:element name="TPNamespace" ma:index="94" nillable="true" ma:displayName="Namespace" ma:default="" ma:internalName="TPNamespace">
-      <xsd:simpleType>
-        <xsd:restriction base="dms:Text"/>
-      </xsd:simpleType>
-    </xsd:element>
-    <xsd:element name="NumericId" ma:index="95" nillable="true" ma:displayName="Numeric ID" ma:default="" ma:indexed="true" ma:internalName="NumericId" ma:readOnly="false">
-      <xsd:simpleType>
-        <xsd:restriction base="dms:Number"/>
-      </xsd:simpleType>
-    </xsd:element>
-    <xsd:element name="NumOfRatingsLookup" ma:index="96" nillable="true" ma:displayName="NumOfRatings" ma:default="" ma:list="{9E343742-310B-4684-A24C-1D137CB4B230}" ma:internalName="NumOfRatingsLookup" ma:readOnly="true" ma:showField="NumOfRatings" ma:web="4873beb7-5857-4685-be1f-d57550cc96cc">
-      <xsd:complexType>
-        <xsd:complexContent>
-          <xsd:extension base="dms:MultiChoiceLookup">
-            <xsd:sequence>
-              <xsd:element name="Value" type="dms:Lookup" maxOccurs="unbounded" minOccurs="0" nillable="true"/>
-            </xsd:sequence>
-          </xsd:extension>
-        </xsd:complexContent>
-      </xsd:complexType>
-    </xsd:element>
-    <xsd:element name="OOCacheId" ma:index="97" nillable="true" ma:displayName="OOCacheId" ma:internalName="OOCacheId" ma:readOnly="false">
-      <xsd:simpleType>
-        <xsd:restriction base="dms:Text"/>
-      </xsd:simpleType>
-    </xsd:element>
-    <xsd:element name="OpenTemplate" ma:index="98" nillable="true" ma:displayName="Open Template" ma:default="true" ma:internalName="OpenTemplate">
-      <xsd:simpleType>
-        <xsd:restriction base="dms:Boolean"/>
-      </xsd:simpleType>
-    </xsd:element>
-    <xsd:element name="OriginAsset" ma:index="99" nillable="true" ma:displayName="Origin Asset" ma:default="" ma:internalName="OriginAsset" ma:readOnly="false">
-      <xsd:simpleType>
-        <xsd:restriction base="dms:Text"/>
-      </xsd:simpleType>
-    </xsd:element>
-    <xsd:element name="OriginalRelease" ma:index="100" nillable="true" ma:displayName="Original Release" ma:default="15" ma:internalName="OriginalRelease" ma:readOnly="false">
-      <xsd:simpleType>
-        <xsd:restriction base="dms:Choice">
-          <xsd:enumeration value="14"/>
-          <xsd:enumeration value="15"/>
-          <xsd:enumeration value="16"/>
-        </xsd:restriction>
-      </xsd:simpleType>
-    </xsd:element>
-    <xsd:element name="OriginalSourceMarket" ma:index="101" nillable="true" ma:displayName="Original Source Market Group" ma:default="" ma:internalName="OriginalSourceMarket" ma:readOnly="false">
-      <xsd:simpleType>
-        <xsd:restriction base="dms:Text"/>
-      </xsd:simpleType>
-    </xsd:element>
-    <xsd:element name="OutputCachingOn" ma:index="102" nillable="true" ma:displayName="Output Caching" ma:default="true" ma:hidden="true" ma:internalName="OutputCachingOn" ma:readOnly="false">
-      <xsd:simpleType>
-        <xsd:restriction base="dms:Boolean"/>
-      </xsd:simpleType>
-    </xsd:element>
-    <xsd:element name="ParentAssetId" ma:index="103" nillable="true" ma:displayName="Parent Asset Id" ma:default="" ma:internalName="ParentAssetId" ma:readOnly="false">
-      <xsd:simpleType>
-        <xsd:restriction base="dms:Text"/>
-      </xsd:simpleType>
-    </xsd:element>
-    <xsd:element name="PlannedPubDate" ma:index="104" nillable="true" ma:displayName="Planned Publish Date" ma:default="" ma:indexed="true" ma:internalName="PlannedPubDate" ma:readOnly="false">
-      <xsd:simpleType>
-        <xsd:restriction base="dms:DateTime"/>
-      </xsd:simpleType>
-    </xsd:element>
-    <xsd:element name="PolicheckWords" ma:index="105" nillable="true" ma:displayName="Policheck Words" ma:default="" ma:internalName="PolicheckWords" ma:readOnly="false">
-      <xsd:simpleType>
-        <xsd:restriction base="dms:Text"/>
-      </xsd:simpleType>
-    </xsd:element>
-    <xsd:element name="BusinessGroup" ma:index="106" nillable="true" ma:displayName="Product Division Owner" ma:default="" ma:internalName="BusinessGroup" ma:readOnly="false">
-      <xsd:simpleType>
-        <xsd:restriction base="dms:Unknown"/>
-      </xsd:simpleType>
-    </xsd:element>
-    <xsd:element name="UAProjectedTotalWords" ma:index="107" nillable="true" ma:displayName="Projected Word Count" ma:default="" ma:internalName="UAProjectedTotalWords" ma:readOnly="false">
-      <xsd:simpleType>
-        <xsd:restriction base="dms:Unknown"/>
-      </xsd:simpleType>
-    </xsd:element>
-    <xsd:element name="Provider" ma:index="108" nillable="true" ma:displayName="Provider" ma:default="" ma:internalName="Provider" ma:readOnly="false">
-      <xsd:simpleType>
-        <xsd:restriction base="dms:Unknown"/>
-      </xsd:simpleType>
-    </xsd:element>
-    <xsd:element name="Providers" ma:index="109" nillable="true" ma:displayName="Providers" ma:default="" ma:internalName="Providers">
-      <xsd:simpleType>
-        <xsd:restriction base="dms:Unknown"/>
-      </xsd:simpleType>
-    </xsd:element>
-    <xsd:element name="PublishStatusLookup" ma:index="110" nillable="true" ma:displayName="Publish Status" ma:default="" ma:list="{9E343742-310B-4684-A24C-1D137CB4B230}" ma:internalName="PublishStatusLookup" ma:readOnly="false" ma:showField="PublishStatus" ma:web="4873beb7-5857-4685-be1f-d57550cc96cc">
-      <xsd:complexType>
-        <xsd:complexContent>
-          <xsd:extension base="dms:MultiChoiceLookup">
-            <xsd:sequence>
-              <xsd:element name="Value" type="dms:Lookup" maxOccurs="unbounded" minOccurs="0" nillable="true"/>
-            </xsd:sequence>
-          </xsd:extension>
-        </xsd:complexContent>
-      </xsd:complexType>
-    </xsd:element>
-    <xsd:element name="PublishTargets" ma:index="111" nillable="true" ma:displayName="Publish Target" ma:default="OfficeOnlineVNext" ma:internalName="PublishTargets" ma:readOnly="false">
-      <xsd:simpleType>
-        <xsd:restriction base="dms:Unknown"/>
-      </xsd:simpleType>
-    </xsd:element>
-    <xsd:element name="RecommendationsModifier" ma:index="112" nillable="true" ma:displayName="Recommendations Modifier" ma:default="" ma:internalName="RecommendationsModifier" ma:readOnly="false">
-      <xsd:simpleType>
-        <xsd:restriction base="dms:Number"/>
-      </xsd:simpleType>
-    </xsd:element>
-    <xsd:element name="ArtSampleDocs" ma:index="113" nillable="true" ma:displayName="Sample Docs" ma:default="" ma:hidden="true" ma:internalName="ArtSampleDocs" ma:readOnly="false">
-      <xsd:simpleType>
-        <xsd:restriction base="dms:Text"/>
-      </xsd:simpleType>
-    </xsd:element>
-    <xsd:element name="ScenarioTagsTaxHTField0" ma:index="115" nillable="true" ma:taxonomy="true" ma:internalName="ScenarioTagsTaxHTField0" ma:taxonomyFieldName="ScenarioTags" ma:displayName="Scenarios" ma:readOnly="false" ma:default="" ma:fieldId="{93aef74d-6c78-4815-8310-51477dceeccc}" ma:taxonomyMulti="true" ma:sspId="8f79753a-75d3-41f5-8ca3-40b843941b4f" ma:termSetId="4b7d5f16-e2f2-4fc0-bab3-6e8b931e57d6" ma:anchorId="00000000-0000-0000-0000-000000000000" ma:open="false" ma:isKeyword="false">
-      <xsd:complexType>
-        <xsd:sequence>
-          <xsd:element ref="pc:Terms" minOccurs="0" maxOccurs="1"/>
-        </xsd:sequence>
-      </xsd:complexType>
-    </xsd:element>
-    <xsd:element name="ShowIn" ma:index="117" nillable="true" ma:displayName="Show In" ma:default="Show everywhere" ma:internalName="ShowIn" ma:readOnly="false">
-      <xsd:simpleType>
-        <xsd:restriction base="dms:Choice">
-          <xsd:enumeration value="Hide on web"/>
-          <xsd:enumeration value="On Web no search"/>
-          <xsd:enumeration value="Show everywhere"/>
-          <xsd:enumeration value="Special use only"/>
-        </xsd:restriction>
-      </xsd:simpleType>
-    </xsd:element>
-    <xsd:element name="SourceTitle" ma:index="118" nillable="true" ma:displayName="Source Title" ma:default="" ma:indexed="true" ma:internalName="SourceTitle" ma:readOnly="false">
-      <xsd:simpleType>
-        <xsd:restriction base="dms:Text"/>
-      </xsd:simpleType>
-    </xsd:element>
-    <xsd:element name="CSXSubmissionDate" ma:index="119" nillable="true" ma:displayName="Submission Date" ma:default="" ma:internalName="CSXSubmissionDate" ma:readOnly="false">
-      <xsd:simpleType>
-        <xsd:restriction base="dms:DateTime"/>
-      </xsd:simpleType>
-    </xsd:element>
-    <xsd:element name="SubmitterId" ma:index="120" nillable="true" ma:displayName="Submitter ID" ma:default="" ma:internalName="SubmitterId" ma:readOnly="false">
-      <xsd:simpleType>
-        <xsd:restriction base="dms:Text"/>
-      </xsd:simpleType>
-    </xsd:element>
-    <xsd:element name="TaxCatchAll" ma:index="121" nillable="true" ma:displayName="Taxonomy Catch All Column" ma:hidden="true" ma:list="{530f955b-6704-4601-bd83-f81d87f1e440}" ma:internalName="TaxCatchAll" ma:showField="CatchAllData" ma:web="4873beb7-5857-4685-be1f-d57550cc96cc">
-      <xsd:complexType>
-        <xsd:complexContent>
-          <xsd:extension base="dms:MultiChoiceLookup">
-            <xsd:sequence>
-              <xsd:element name="Value" type="dms:Lookup" maxOccurs="unbounded" minOccurs="0" nillable="true"/>
-            </xsd:sequence>
-          </xsd:extension>
-        </xsd:complexContent>
-      </xsd:complexType>
-    </xsd:element>
-    <xsd:element name="TaxCatchAllLabel" ma:index="122" nillable="true" ma:displayName="Taxonomy Catch All Column1" ma:hidden="true" ma:list="{530f955b-6704-4601-bd83-f81d87f1e440}" ma:internalName="TaxCatchAllLabel" ma:readOnly="true" ma:showField="CatchAllDataLabel" ma:web="4873beb7-5857-4685-be1f-d57550cc96cc">
-      <xsd:complexType>
-        <xsd:complexContent>
-          <xsd:extension base="dms:MultiChoiceLookup">
-            <xsd:sequence>
-              <xsd:element name="Value" type="dms:Lookup" maxOccurs="unbounded" minOccurs="0" nillable="true"/>
-            </xsd:sequence>
-          </xsd:extension>
-        </xsd:complexContent>
-      </xsd:complexType>
-    </xsd:element>
-    <xsd:element name="TemplateStatus" ma:index="123" nillable="true" ma:displayName="Template Status" ma:default="" ma:internalName="TemplateStatus">
-      <xsd:simpleType>
-        <xsd:restriction base="dms:Unknown"/>
-      </xsd:simpleType>
-    </xsd:element>
-    <xsd:element name="TemplateTemplateType" ma:index="124" nillable="true" ma:displayName="Template Type" ma:default="" ma:internalName="TemplateTemplateType">
-      <xsd:simpleType>
-        <xsd:restriction base="dms:Unknown"/>
-      </xsd:simpleType>
-    </xsd:element>
-    <xsd:element name="ThumbnailAssetId" ma:index="125" nillable="true" ma:displayName="Thumbnail Image Asset" ma:default="" ma:internalName="ThumbnailAssetId" ma:readOnly="false">
-      <xsd:simpleType>
-        <xsd:restriction base="dms:Text"/>
-      </xsd:simpleType>
-    </xsd:element>
-    <xsd:element name="TimesCloned" ma:index="126" nillable="true" ma:displayName="Times Cloned" ma:default="" ma:internalName="TimesCloned" ma:readOnly="false">
-      <xsd:simpleType>
-        <xsd:restriction base="dms:Number"/>
-      </xsd:simpleType>
-    </xsd:element>
-    <xsd:element name="TrustLevel" ma:index="128" nillable="true" ma:displayName="Trust Level" ma:default="1 Microsoft Managed Content" ma:internalName="TrustLevel" ma:readOnly="false">
-      <xsd:simpleType>
-        <xsd:restriction base="dms:Unknown"/>
-      </xsd:simpleType>
-    </xsd:element>
-    <xsd:element name="UALocComments" ma:index="129" nillable="true" ma:displayName="UA Loc Comments" ma:default="" ma:internalName="UALocComments" ma:readOnly="false">
-      <xsd:simpleType>
-        <xsd:restriction base="dms:Note"/>
-      </xsd:simpleType>
-    </xsd:element>
-    <xsd:element name="UALocRecommendation" ma:index="130" nillable="true" ma:displayName="UA Loc Recommendation" ma:default="Localize" ma:internalName="UALocRecommendation" ma:readOnly="false">
-      <xsd:simpleType>
-        <xsd:restriction base="dms:Choice">
-          <xsd:enumeration value="Localize"/>
-          <xsd:enumeration value="Never Localize"/>
-          <xsd:enumeration value="Priority Localize"/>
-        </xsd:restriction>
-      </xsd:simpleType>
-    </xsd:element>
-    <xsd:element name="UANotes" ma:index="131" nillable="true" ma:displayName="UA Notes" ma:default="" ma:internalName="UANotes" ma:readOnly="false">
-      <xsd:simpleType>
-        <xsd:restriction base="dms:Note"/>
-      </xsd:simpleType>
-    </xsd:element>
-    <xsd:element name="TPAppVersion" ma:index="132" nillable="true" ma:displayName="Version" ma:default="" ma:internalName="TPAppVersion">
-      <xsd:simpleType>
-        <xsd:restriction base="dms:Text"/>
-      </xsd:simpleType>
-    </xsd:element>
-    <xsd:element name="VoteCount" ma:index="133" nillable="true" ma:displayName="Vote Count" ma:default="" ma:internalName="VoteCount" ma:readOnly="false">
-      <xsd:simpleType>
-        <xsd:restriction base="dms:Unknown"/>
-      </xsd:simpleType>
-    </xsd:element>
-  </xsd:schema>
-  <xsd:schema xmlns="http://schemas.openxmlformats.org/package/2006/metadata/core-properties" xmlns:xsd="http://www.w3.org/2001/XMLSchema" xmlns:xsi="http://www.w3.org/2001/XMLSchema-instance" xmlns:dc="http://purl.org/dc/elements/1.1/" xmlns:dcterms="http://purl.org/dc/terms/" xmlns:odoc="http://schemas.microsoft.com/internal/obd" targetNamespace="http://schemas.openxmlformats.org/package/2006/metadata/core-properties" elementFormDefault="qualified" attributeFormDefault="unqualified" blockDefault="#all">
-    <xsd:import namespace="http://purl.org/dc/elements/1.1/" schemaLocation="http://dublincore.org/schemas/xmls/qdc/2003/04/02/dc.xsd"/>
-    <xsd:import namespace="http://purl.org/dc/terms/" schemaLocation="http://dublincore.org/schemas/xmls/qdc/2003/04/02/dcterms.xsd"/>
-    <xsd:element name="coreProperties" type="CT_coreProperties"/>
-    <xsd:complexType name="CT_coreProperties">
-      <xsd:all>
-        <xsd:element ref="dc:creator" minOccurs="0" maxOccurs="1"/>
-        <xsd:element ref="dcterms:created" minOccurs="0" maxOccurs="1"/>
-        <xsd:element ref="dc:identifier" minOccurs="0" maxOccurs="1"/>
-        <xsd:element name="contentType" minOccurs="0" maxOccurs="1" type="xsd:string" ma:index="22" ma:displayName="Content Type"/>
-        <xsd:element ref="dc:title" minOccurs="0" maxOccurs="1" ma:index="127" ma:displayName="Title"/>
-        <xsd:element ref="dc:subject" minOccurs="0" maxOccurs="1"/>
-        <xsd:element ref="dc:description" minOccurs="0" maxOccurs="1"/>
-        <xsd:element name="keywords" minOccurs="0" maxOccurs="1" type="xsd:string"/>
-        <xsd:element ref="dc:language" minOccurs="0" maxOccurs="1"/>
-        <xsd:element name="category" minOccurs="0" maxOccurs="1" type="xsd:string"/>
-        <xsd:element name="version" minOccurs="0" maxOccurs="1" type="xsd:string"/>
-        <xsd:element name="revision" minOccurs="0" maxOccurs="1" type="xsd:string">
-          <xsd:annotation>
-            <xsd:documentation>
-                        This value indicates the number of saves or revisions. The application is responsible for updating this value after each revision.
-                    </xsd:documentation>
-          </xsd:annotation>
-        </xsd:element>
-        <xsd:element name="lastModifiedBy" minOccurs="0" maxOccurs="1" type="xsd:string"/>
-        <xsd:element ref="dcterms:modified" minOccurs="0" maxOccurs="1"/>
-        <xsd:element name="contentStatus" minOccurs="0" maxOccurs="1" type="xsd:string"/>
-      </xsd:all>
-    </xsd:complexType>
-  </xsd:schema>
-  <xs:schema xmlns:pc="http://schemas.microsoft.com/office/infopath/2007/PartnerControls" xmlns:xs="http://www.w3.org/2001/XMLSchema" targetNamespace="http://schemas.microsoft.com/office/infopath/2007/PartnerControls" elementFormDefault="qualified" attributeFormDefault="unqualified">
-    <xs:element name="Person">
-      <xs:complexType>
-        <xs:sequence>
-          <xs:element ref="pc:DisplayName" minOccurs="0"/>
-          <xs:element ref="pc:AccountId" minOccurs="0"/>
-          <xs:element ref="pc:AccountType" minOccurs="0"/>
-        </xs:sequence>
-      </xs:complexType>
-    </xs:element>
-    <xs:element name="DisplayName" type="xs:string"/>
-    <xs:element name="AccountId" type="xs:string"/>
-    <xs:element name="AccountType" type="xs:string"/>
-    <xs:element name="BDCAssociatedEntity">
-      <xs:complexType>
-        <xs:sequence>
-          <xs:element ref="pc:BDCEntity" minOccurs="0" maxOccurs="unbounded"/>
-        </xs:sequence>
-        <xs:attribute ref="pc:EntityNamespace"/>
-        <xs:attribute ref="pc:EntityName"/>
-        <xs:attribute ref="pc:SystemInstanceName"/>
-        <xs:attribute ref="pc:AssociationName"/>
-      </xs:complexType>
-    </xs:element>
-    <xs:attribute name="EntityNamespace" type="xs:string"/>
-    <xs:attribute name="EntityName" type="xs:string"/>
-    <xs:attribute name="SystemInstanceName" type="xs:string"/>
-    <xs:attribute name="AssociationName" type="xs:string"/>
-    <xs:element name="BDCEntity">
-      <xs:complexType>
-        <xs:sequence>
-          <xs:element ref="pc:EntityDisplayName" minOccurs="0"/>
-          <xs:element ref="pc:EntityInstanceReference" minOccurs="0"/>
-          <xs:element ref="pc:EntityId1" minOccurs="0"/>
-          <xs:element ref="pc:EntityId2" minOccurs="0"/>
-          <xs:element ref="pc:EntityId3" minOccurs="0"/>
-          <xs:element ref="pc:EntityId4" minOccurs="0"/>
-          <xs:element ref="pc:EntityId5" minOccurs="0"/>
-        </xs:sequence>
-      </xs:complexType>
-    </xs:element>
-    <xs:element name="EntityDisplayName" type="xs:string"/>
-    <xs:element name="EntityInstanceReference" type="xs:string"/>
-    <xs:element name="EntityId1" type="xs:string"/>
-    <xs:element name="EntityId2" type="xs:string"/>
-    <xs:element name="EntityId3" type="xs:string"/>
-    <xs:element name="EntityId4" type="xs:string"/>
-    <xs:element name="EntityId5" type="xs:string"/>
-    <xs:element name="Terms">
-      <xs:complexType>
-        <xs:sequence>
-          <xs:element ref="pc:TermInfo" minOccurs="0" maxOccurs="unbounded"/>
-        </xs:sequence>
-      </xs:complexType>
-    </xs:element>
-    <xs:element name="TermInfo">
-      <xs:complexType>
-        <xs:sequence>
-          <xs:element ref="pc:TermName" minOccurs="0"/>
-          <xs:element ref="pc:TermId" minOccurs="0"/>
-        </xs:sequence>
-      </xs:complexType>
-    </xs:element>
-    <xs:element name="TermName" type="xs:string"/>
-    <xs:element name="TermId" type="xs:string"/>
-  </xs:schema>
-</ct:contentTypeSchema>
+<?mso-contentType ?>
+<FormTemplates xmlns="http://schemas.microsoft.com/sharepoint/v3/contenttype/forms">
+  <Display>DocumentLibraryForm</Display>
+  <Edit>AssetEditForm</Edit>
+  <New>DocumentLibraryForm</New>
+</FormTemplates>
 </file>
 
 <file path=customXml/itemProps1.xml><?xml version="1.0" encoding="utf-8"?>
-<ds:datastoreItem xmlns:ds="http://schemas.openxmlformats.org/officeDocument/2006/customXml" ds:itemID="{3836F65B-1B07-41EE-A0E8-BC6EF3855225}">
-  <ds:schemaRefs>
-    <ds:schemaRef ds:uri="http://schemas.microsoft.com/sharepoint/v3/contenttype/forms"/>
-  </ds:schemaRefs>
-</ds:datastoreItem>
-</file>
-
-<file path=customXml/itemProps2.xml><?xml version="1.0" encoding="utf-8"?>
-<ds:datastoreItem xmlns:ds="http://schemas.openxmlformats.org/officeDocument/2006/customXml" ds:itemID="{60C67BEE-D13F-4BD2-98A5-34D8A0977F68}">
-  <ds:schemaRefs>
-    <ds:schemaRef ds:uri="http://purl.org/dc/dcmitype/"/>
-    <ds:schemaRef ds:uri="http://purl.org/dc/elements/1.1/"/>
-    <ds:schemaRef ds:uri="http://schemas.microsoft.com/office/2006/metadata/properties"/>
-    <ds:schemaRef ds:uri="http://schemas.microsoft.com/office/infopath/2007/PartnerControls"/>
-    <ds:schemaRef ds:uri="http://purl.org/dc/terms/"/>
-    <ds:schemaRef ds:uri="http://schemas.microsoft.com/office/2006/documentManagement/types"/>
-    <ds:schemaRef ds:uri="http://schemas.openxmlformats.org/package/2006/metadata/core-properties"/>
-    <ds:schemaRef ds:uri="4873beb7-5857-4685-be1f-d57550cc96cc"/>
-    <ds:schemaRef ds:uri="http://www.w3.org/XML/1998/namespace"/>
-  </ds:schemaRefs>
-</ds:datastoreItem>
-</file>
-
-<file path=customXml/itemProps3.xml><?xml version="1.0" encoding="utf-8"?>
 <ds:datastoreItem xmlns:ds="http://schemas.openxmlformats.org/officeDocument/2006/customXml" ds:itemID="{A09BF4D4-EF60-4196-BFC3-9462D607978C}">
   <ds:schemaRefs>
     <ds:schemaRef ds:uri="http://schemas.microsoft.com/office/2006/metadata/contentType"/>
@@ -12847,4 +11856,28 @@
     <ds:schemaRef ds:uri="http://schemas.microsoft.com/internal/obd"/>
   </ds:schemaRefs>
 </ds:datastoreItem>
+</file>
+
+<file path=customXml/itemProps2.xml><?xml version="1.0" encoding="utf-8"?>
+<ds:datastoreItem xmlns:ds="http://schemas.openxmlformats.org/officeDocument/2006/customXml" ds:itemID="{60C67BEE-D13F-4BD2-98A5-34D8A0977F68}">
+  <ds:schemaRefs>
+    <ds:schemaRef ds:uri="http://purl.org/dc/terms/"/>
+    <ds:schemaRef ds:uri="4873beb7-5857-4685-be1f-d57550cc96cc"/>
+    <ds:schemaRef ds:uri="http://schemas.openxmlformats.org/package/2006/metadata/core-properties"/>
+    <ds:schemaRef ds:uri="http://purl.org/dc/dcmitype/"/>
+    <ds:schemaRef ds:uri="http://schemas.microsoft.com/office/infopath/2007/PartnerControls"/>
+    <ds:schemaRef ds:uri="http://purl.org/dc/elements/1.1/"/>
+    <ds:schemaRef ds:uri="http://schemas.microsoft.com/office/2006/metadata/properties"/>
+    <ds:schemaRef ds:uri="http://schemas.microsoft.com/office/2006/documentManagement/types"/>
+    <ds:schemaRef ds:uri="http://www.w3.org/XML/1998/namespace"/>
+  </ds:schemaRefs>
+</ds:datastoreItem>
+</file>
+
+<file path=customXml/itemProps3.xml><?xml version="1.0" encoding="utf-8"?>
+<ds:datastoreItem xmlns:ds="http://schemas.openxmlformats.org/officeDocument/2006/customXml" ds:itemID="{3836F65B-1B07-41EE-A0E8-BC6EF3855225}">
+  <ds:schemaRefs>
+    <ds:schemaRef ds:uri="http://schemas.microsoft.com/sharepoint/v3/contenttype/forms"/>
+  </ds:schemaRefs>
+</ds:datastoreItem>
 </file>
--- a/Presentation.pptx
+++ b/Presentation.pptx
@@ -5,25 +5,27 @@
     <p:sldMasterId id="2147483660" r:id="rId4"/>
   </p:sldMasterIdLst>
   <p:notesMasterIdLst>
-    <p:notesMasterId r:id="rId18"/>
+    <p:notesMasterId r:id="rId20"/>
   </p:notesMasterIdLst>
   <p:handoutMasterIdLst>
-    <p:handoutMasterId r:id="rId19"/>
+    <p:handoutMasterId r:id="rId21"/>
   </p:handoutMasterIdLst>
   <p:sldIdLst>
     <p:sldId id="257" r:id="rId5"/>
     <p:sldId id="272" r:id="rId6"/>
     <p:sldId id="268" r:id="rId7"/>
-    <p:sldId id="274" r:id="rId8"/>
-    <p:sldId id="273" r:id="rId9"/>
-    <p:sldId id="275" r:id="rId10"/>
-    <p:sldId id="278" r:id="rId11"/>
-    <p:sldId id="279" r:id="rId12"/>
-    <p:sldId id="283" r:id="rId13"/>
-    <p:sldId id="284" r:id="rId14"/>
-    <p:sldId id="281" r:id="rId15"/>
-    <p:sldId id="267" r:id="rId16"/>
-    <p:sldId id="280" r:id="rId17"/>
+    <p:sldId id="286" r:id="rId8"/>
+    <p:sldId id="287" r:id="rId9"/>
+    <p:sldId id="274" r:id="rId10"/>
+    <p:sldId id="273" r:id="rId11"/>
+    <p:sldId id="275" r:id="rId12"/>
+    <p:sldId id="285" r:id="rId13"/>
+    <p:sldId id="278" r:id="rId14"/>
+    <p:sldId id="279" r:id="rId15"/>
+    <p:sldId id="281" r:id="rId16"/>
+    <p:sldId id="283" r:id="rId17"/>
+    <p:sldId id="267" r:id="rId18"/>
+    <p:sldId id="280" r:id="rId19"/>
   </p:sldIdLst>
   <p:sldSz cx="12188825" cy="6858000"/>
   <p:notesSz cx="6858000" cy="9144000"/>
@@ -130,18 +132,20 @@
             <p14:sldId id="257"/>
             <p14:sldId id="272"/>
             <p14:sldId id="268"/>
+            <p14:sldId id="286"/>
+            <p14:sldId id="287"/>
             <p14:sldId id="274"/>
             <p14:sldId id="273"/>
             <p14:sldId id="275"/>
+            <p14:sldId id="285"/>
             <p14:sldId id="278"/>
           </p14:sldIdLst>
         </p14:section>
         <p14:section name="Untitled Section" id="{DFCAEDE0-7835-484C-BFDA-B048600CD1C6}">
           <p14:sldIdLst>
             <p14:sldId id="279"/>
+            <p14:sldId id="281"/>
             <p14:sldId id="283"/>
-            <p14:sldId id="284"/>
-            <p14:sldId id="281"/>
             <p14:sldId id="267"/>
             <p14:sldId id="280"/>
           </p14:sldIdLst>
@@ -262,7 +266,7 @@
           <a:p>
             <a:fld id="{FE5B4EDC-59C0-49C7-8ADA-5A781B329E02}" type="datetimeFigureOut">
               <a:rPr lang="en-US"/>
-              <a:t>11/26/2016</a:t>
+              <a:t>12/1/2016</a:t>
             </a:fld>
             <a:endParaRPr/>
           </a:p>
@@ -427,7 +431,7 @@
           <a:p>
             <a:fld id="{F2D8D46A-B586-417D-BFBD-8C8FE0AAF762}" type="datetimeFigureOut">
               <a:rPr lang="en-US"/>
-              <a:t>11/26/2016</a:t>
+              <a:t>12/1/2016</a:t>
             </a:fld>
             <a:endParaRPr/>
           </a:p>
@@ -739,43 +743,648 @@
           <a:lstStyle/>
           <a:p>
             <a:r>
-              <a:rPr lang="en-GB" dirty="0"/>
-              <a:t>Rules are specified once.</a:t>
-            </a:r>
-          </a:p>
-          <a:p>
-            <a:r>
-              <a:rPr lang="en-GB" dirty="0"/>
-              <a:t>Project maintenance is lower. You do not need to write new tests for each new feature. Once you have a model it is easier to generate and re-generate test cases than it is with hand-coded test cases.</a:t>
-            </a:r>
-          </a:p>
-          <a:p>
-            <a:r>
-              <a:rPr lang="en-GB" dirty="0"/>
-              <a:t>Design is fluid. When a new feature is added, a new action is added to the state machine to run in combination with existing actions. A simple change can automatically ripple through the entire suite of test cases.</a:t>
-            </a:r>
-          </a:p>
-          <a:p>
-            <a:r>
-              <a:rPr lang="en-GB" dirty="0"/>
-              <a:t>Design more and code less.</a:t>
-            </a:r>
-          </a:p>
-          <a:p>
-            <a:r>
-              <a:rPr lang="en-GB" dirty="0"/>
-              <a:t>High coverage. Tests continue to find bugs, not just regressions due to changes in the code path or dependencies.</a:t>
-            </a:r>
-          </a:p>
-          <a:p>
-            <a:r>
-              <a:rPr lang="en-GB" dirty="0"/>
-              <a:t>Model authoring is independent of implementation and actual testing so that these activities can be carried out by different members of a team concurrently.</a:t>
-            </a:r>
-          </a:p>
-          <a:p>
-            <a:endParaRPr lang="en-GB" dirty="0"/>
-          </a:p>
+              <a:rPr lang="en-US" dirty="0"/>
+              <a:t>Good morning, My</a:t>
+            </a:r>
+            <a:r>
+              <a:rPr lang="en-US" baseline="0" dirty="0"/>
+              <a:t> name is Jose and this is Ricardo. We are here to present model based testing.</a:t>
+            </a:r>
+          </a:p>
+          <a:p>
+            <a:r>
+              <a:rPr lang="en-US" baseline="0" dirty="0"/>
+              <a:t>As many of you were here in the last lesson. Professor </a:t>
+            </a:r>
+            <a:r>
+              <a:rPr lang="en-US" baseline="0" dirty="0" err="1"/>
+              <a:t>Faria</a:t>
+            </a:r>
+            <a:r>
+              <a:rPr lang="en-US" baseline="0" dirty="0"/>
+              <a:t> explains us model based testing and how it works. As a result we are going to try pass the theory very quickly so we can procced to demonstrations and finally exercises.</a:t>
+            </a:r>
+            <a:endParaRPr lang="pt-PT" dirty="0"/>
+          </a:p>
+        </p:txBody>
+      </p:sp>
+      <p:sp>
+        <p:nvSpPr>
+          <p:cNvPr id="4" name="Slide Number Placeholder 3"/>
+          <p:cNvSpPr>
+            <a:spLocks noGrp="1"/>
+          </p:cNvSpPr>
+          <p:nvPr>
+            <p:ph type="sldNum" sz="quarter" idx="10"/>
+          </p:nvPr>
+        </p:nvSpPr>
+        <p:spPr/>
+        <p:txBody>
+          <a:bodyPr/>
+          <a:lstStyle/>
+          <a:p>
+            <a:fld id="{3EBA5BD7-F043-4D1B-AA17-CD412FC534DE}" type="slidenum">
+              <a:rPr lang="pt-PT" smtClean="0"/>
+              <a:t>1</a:t>
+            </a:fld>
+            <a:endParaRPr lang="pt-PT"/>
+          </a:p>
+        </p:txBody>
+      </p:sp>
+    </p:spTree>
+    <p:extLst>
+      <p:ext uri="{BB962C8B-B14F-4D97-AF65-F5344CB8AC3E}">
+        <p14:creationId xmlns:p14="http://schemas.microsoft.com/office/powerpoint/2010/main" val="1628541370"/>
+      </p:ext>
+    </p:extLst>
+  </p:cSld>
+  <p:clrMapOvr>
+    <a:masterClrMapping/>
+  </p:clrMapOvr>
+</p:notes>
+</file>
+
+<file path=ppt/notesSlides/notesSlide2.xml><?xml version="1.0" encoding="utf-8"?>
+<p:notes xmlns:a="http://schemas.openxmlformats.org/drawingml/2006/main" xmlns:r="http://schemas.openxmlformats.org/officeDocument/2006/relationships" xmlns:p="http://schemas.openxmlformats.org/presentationml/2006/main">
+  <p:cSld>
+    <p:spTree>
+      <p:nvGrpSpPr>
+        <p:cNvPr id="1" name=""/>
+        <p:cNvGrpSpPr/>
+        <p:nvPr/>
+      </p:nvGrpSpPr>
+      <p:grpSpPr>
+        <a:xfrm>
+          <a:off x="0" y="0"/>
+          <a:ext cx="0" cy="0"/>
+          <a:chOff x="0" y="0"/>
+          <a:chExt cx="0" cy="0"/>
+        </a:xfrm>
+      </p:grpSpPr>
+      <p:sp>
+        <p:nvSpPr>
+          <p:cNvPr id="2" name="Slide Image Placeholder 1"/>
+          <p:cNvSpPr>
+            <a:spLocks noGrp="1" noRot="1" noChangeAspect="1"/>
+          </p:cNvSpPr>
+          <p:nvPr>
+            <p:ph type="sldImg"/>
+          </p:nvPr>
+        </p:nvSpPr>
+        <p:spPr/>
+      </p:sp>
+      <p:sp>
+        <p:nvSpPr>
+          <p:cNvPr id="3" name="Notes Placeholder 2"/>
+          <p:cNvSpPr>
+            <a:spLocks noGrp="1"/>
+          </p:cNvSpPr>
+          <p:nvPr>
+            <p:ph type="body" idx="1"/>
+          </p:nvPr>
+        </p:nvSpPr>
+        <p:spPr/>
+        <p:txBody>
+          <a:bodyPr/>
+          <a:lstStyle/>
+          <a:p>
+            <a:r>
+              <a:rPr lang="en-US" dirty="0"/>
+              <a:t>This</a:t>
+            </a:r>
+            <a:r>
+              <a:rPr lang="en-US" baseline="0" dirty="0"/>
+              <a:t> are the question we are going to address this questions</a:t>
+            </a:r>
+            <a:endParaRPr lang="pt-PT" dirty="0"/>
+          </a:p>
+        </p:txBody>
+      </p:sp>
+      <p:sp>
+        <p:nvSpPr>
+          <p:cNvPr id="4" name="Slide Number Placeholder 3"/>
+          <p:cNvSpPr>
+            <a:spLocks noGrp="1"/>
+          </p:cNvSpPr>
+          <p:nvPr>
+            <p:ph type="sldNum" sz="quarter" idx="10"/>
+          </p:nvPr>
+        </p:nvSpPr>
+        <p:spPr/>
+        <p:txBody>
+          <a:bodyPr/>
+          <a:lstStyle/>
+          <a:p>
+            <a:fld id="{3EBA5BD7-F043-4D1B-AA17-CD412FC534DE}" type="slidenum">
+              <a:rPr lang="pt-PT" smtClean="0"/>
+              <a:t>2</a:t>
+            </a:fld>
+            <a:endParaRPr lang="pt-PT"/>
+          </a:p>
+        </p:txBody>
+      </p:sp>
+    </p:spTree>
+    <p:extLst>
+      <p:ext uri="{BB962C8B-B14F-4D97-AF65-F5344CB8AC3E}">
+        <p14:creationId xmlns:p14="http://schemas.microsoft.com/office/powerpoint/2010/main" val="1102618146"/>
+      </p:ext>
+    </p:extLst>
+  </p:cSld>
+  <p:clrMapOvr>
+    <a:masterClrMapping/>
+  </p:clrMapOvr>
+</p:notes>
+</file>
+
+<file path=ppt/notesSlides/notesSlide3.xml><?xml version="1.0" encoding="utf-8"?>
+<p:notes xmlns:a="http://schemas.openxmlformats.org/drawingml/2006/main" xmlns:r="http://schemas.openxmlformats.org/officeDocument/2006/relationships" xmlns:p="http://schemas.openxmlformats.org/presentationml/2006/main">
+  <p:cSld>
+    <p:spTree>
+      <p:nvGrpSpPr>
+        <p:cNvPr id="1" name=""/>
+        <p:cNvGrpSpPr/>
+        <p:nvPr/>
+      </p:nvGrpSpPr>
+      <p:grpSpPr>
+        <a:xfrm>
+          <a:off x="0" y="0"/>
+          <a:ext cx="0" cy="0"/>
+          <a:chOff x="0" y="0"/>
+          <a:chExt cx="0" cy="0"/>
+        </a:xfrm>
+      </p:grpSpPr>
+      <p:sp>
+        <p:nvSpPr>
+          <p:cNvPr id="2" name="Slide Image Placeholder 1"/>
+          <p:cNvSpPr>
+            <a:spLocks noGrp="1" noRot="1" noChangeAspect="1"/>
+          </p:cNvSpPr>
+          <p:nvPr>
+            <p:ph type="sldImg"/>
+          </p:nvPr>
+        </p:nvSpPr>
+        <p:spPr/>
+      </p:sp>
+      <p:sp>
+        <p:nvSpPr>
+          <p:cNvPr id="3" name="Notes Placeholder 2"/>
+          <p:cNvSpPr>
+            <a:spLocks noGrp="1"/>
+          </p:cNvSpPr>
+          <p:nvPr>
+            <p:ph type="body" idx="1"/>
+          </p:nvPr>
+        </p:nvSpPr>
+        <p:spPr/>
+        <p:txBody>
+          <a:bodyPr/>
+          <a:lstStyle/>
+          <a:p>
+            <a:pPr>
+              <a:lnSpc>
+                <a:spcPct val="90000"/>
+              </a:lnSpc>
+              <a:buFontTx/>
+              <a:buNone/>
+            </a:pPr>
+            <a:r>
+              <a:rPr lang="en-US" altLang="pt-PT" sz="1600" b="1" dirty="0">
+                <a:latin typeface="Times New Roman" panose="02020603050405020304" pitchFamily="18" charset="0"/>
+                <a:cs typeface="Times New Roman" panose="02020603050405020304" pitchFamily="18" charset="0"/>
+              </a:rPr>
+              <a:t>- </a:t>
+            </a:r>
+            <a:r>
+              <a:rPr lang="en-US" altLang="pt-PT" sz="1600" dirty="0">
+                <a:latin typeface="Times New Roman" panose="02020603050405020304" pitchFamily="18" charset="0"/>
+                <a:cs typeface="Times New Roman" panose="02020603050405020304" pitchFamily="18" charset="0"/>
+              </a:rPr>
+              <a:t>Emerging trend in software industry</a:t>
+            </a:r>
+          </a:p>
+          <a:p>
+            <a:pPr>
+              <a:lnSpc>
+                <a:spcPct val="90000"/>
+              </a:lnSpc>
+              <a:buFontTx/>
+              <a:buNone/>
+            </a:pPr>
+            <a:r>
+              <a:rPr lang="en-US" altLang="pt-PT" sz="1600" dirty="0">
+                <a:latin typeface="Times New Roman" panose="02020603050405020304" pitchFamily="18" charset="0"/>
+                <a:cs typeface="Times New Roman" panose="02020603050405020304" pitchFamily="18" charset="0"/>
+              </a:rPr>
+              <a:t>- Handle system complexity </a:t>
+            </a:r>
+          </a:p>
+          <a:p>
+            <a:pPr>
+              <a:lnSpc>
+                <a:spcPct val="90000"/>
+              </a:lnSpc>
+              <a:buFontTx/>
+              <a:buNone/>
+            </a:pPr>
+            <a:r>
+              <a:rPr lang="en-US" altLang="pt-PT" sz="1600" dirty="0">
+                <a:latin typeface="Times New Roman" panose="02020603050405020304" pitchFamily="18" charset="0"/>
+                <a:cs typeface="Times New Roman" panose="02020603050405020304" pitchFamily="18" charset="0"/>
+              </a:rPr>
+              <a:t>- Deviation from traditional development</a:t>
+            </a:r>
+          </a:p>
+          <a:p>
+            <a:pPr>
+              <a:lnSpc>
+                <a:spcPct val="90000"/>
+              </a:lnSpc>
+              <a:buFontTx/>
+              <a:buNone/>
+            </a:pPr>
+            <a:r>
+              <a:rPr lang="en-US" altLang="pt-PT" sz="1600" dirty="0">
+                <a:latin typeface="Times New Roman" panose="02020603050405020304" pitchFamily="18" charset="0"/>
+                <a:cs typeface="Times New Roman" panose="02020603050405020304" pitchFamily="18" charset="0"/>
+              </a:rPr>
+              <a:t>- Support requirements change</a:t>
+            </a:r>
+          </a:p>
+          <a:p>
+            <a:pPr>
+              <a:lnSpc>
+                <a:spcPct val="90000"/>
+              </a:lnSpc>
+              <a:buFontTx/>
+              <a:buNone/>
+            </a:pPr>
+            <a:r>
+              <a:rPr lang="en-US" altLang="pt-PT" sz="1600" dirty="0">
+                <a:latin typeface="Times New Roman" panose="02020603050405020304" pitchFamily="18" charset="0"/>
+                <a:cs typeface="Times New Roman" panose="02020603050405020304" pitchFamily="18" charset="0"/>
+              </a:rPr>
+              <a:t>- Support for highly distributed systems </a:t>
+            </a:r>
+          </a:p>
+          <a:p>
+            <a:pPr>
+              <a:lnSpc>
+                <a:spcPct val="90000"/>
+              </a:lnSpc>
+              <a:buFontTx/>
+              <a:buNone/>
+            </a:pPr>
+            <a:r>
+              <a:rPr lang="en-US" altLang="pt-PT" sz="1600" dirty="0">
+                <a:latin typeface="Times New Roman" panose="02020603050405020304" pitchFamily="18" charset="0"/>
+                <a:cs typeface="Times New Roman" panose="02020603050405020304" pitchFamily="18" charset="0"/>
+              </a:rPr>
+              <a:t>- Improve consistency  </a:t>
+            </a:r>
+          </a:p>
+          <a:p>
+            <a:pPr>
+              <a:lnSpc>
+                <a:spcPct val="90000"/>
+              </a:lnSpc>
+              <a:buFontTx/>
+              <a:buNone/>
+            </a:pPr>
+            <a:r>
+              <a:rPr lang="en-US" altLang="pt-PT" sz="1600" dirty="0">
+                <a:latin typeface="Times New Roman" panose="02020603050405020304" pitchFamily="18" charset="0"/>
+                <a:cs typeface="Times New Roman" panose="02020603050405020304" pitchFamily="18" charset="0"/>
+              </a:rPr>
+              <a:t>- Provide quality solutions </a:t>
+            </a:r>
+          </a:p>
+          <a:p>
+            <a:pPr>
+              <a:lnSpc>
+                <a:spcPct val="90000"/>
+              </a:lnSpc>
+              <a:buFontTx/>
+              <a:buNone/>
+            </a:pPr>
+            <a:r>
+              <a:rPr lang="en-US" altLang="pt-PT" sz="1600" dirty="0">
+                <a:latin typeface="Times New Roman" panose="02020603050405020304" pitchFamily="18" charset="0"/>
+                <a:cs typeface="Times New Roman" panose="02020603050405020304" pitchFamily="18" charset="0"/>
+              </a:rPr>
+              <a:t>- Improve the productivity </a:t>
+            </a:r>
+            <a:endParaRPr lang="en-IN" altLang="pt-PT" sz="1600" dirty="0">
+              <a:latin typeface="Times New Roman" panose="02020603050405020304" pitchFamily="18" charset="0"/>
+              <a:cs typeface="Times New Roman" panose="02020603050405020304" pitchFamily="18" charset="0"/>
+            </a:endParaRPr>
+          </a:p>
+          <a:p>
+            <a:endParaRPr lang="pt-PT" dirty="0"/>
+          </a:p>
+        </p:txBody>
+      </p:sp>
+      <p:sp>
+        <p:nvSpPr>
+          <p:cNvPr id="4" name="Slide Number Placeholder 3"/>
+          <p:cNvSpPr>
+            <a:spLocks noGrp="1"/>
+          </p:cNvSpPr>
+          <p:nvPr>
+            <p:ph type="sldNum" sz="quarter" idx="10"/>
+          </p:nvPr>
+        </p:nvSpPr>
+        <p:spPr/>
+        <p:txBody>
+          <a:bodyPr/>
+          <a:lstStyle/>
+          <a:p>
+            <a:fld id="{3EBA5BD7-F043-4D1B-AA17-CD412FC534DE}" type="slidenum">
+              <a:rPr lang="pt-PT" smtClean="0"/>
+              <a:t>3</a:t>
+            </a:fld>
+            <a:endParaRPr lang="pt-PT"/>
+          </a:p>
+        </p:txBody>
+      </p:sp>
+    </p:spTree>
+    <p:extLst>
+      <p:ext uri="{BB962C8B-B14F-4D97-AF65-F5344CB8AC3E}">
+        <p14:creationId xmlns:p14="http://schemas.microsoft.com/office/powerpoint/2010/main" val="2863044691"/>
+      </p:ext>
+    </p:extLst>
+  </p:cSld>
+  <p:clrMapOvr>
+    <a:masterClrMapping/>
+  </p:clrMapOvr>
+</p:notes>
+</file>
+
+<file path=ppt/notesSlides/notesSlide4.xml><?xml version="1.0" encoding="utf-8"?>
+<p:notes xmlns:a="http://schemas.openxmlformats.org/drawingml/2006/main" xmlns:r="http://schemas.openxmlformats.org/officeDocument/2006/relationships" xmlns:p="http://schemas.openxmlformats.org/presentationml/2006/main">
+  <p:cSld>
+    <p:spTree>
+      <p:nvGrpSpPr>
+        <p:cNvPr id="1" name=""/>
+        <p:cNvGrpSpPr/>
+        <p:nvPr/>
+      </p:nvGrpSpPr>
+      <p:grpSpPr>
+        <a:xfrm>
+          <a:off x="0" y="0"/>
+          <a:ext cx="0" cy="0"/>
+          <a:chOff x="0" y="0"/>
+          <a:chExt cx="0" cy="0"/>
+        </a:xfrm>
+      </p:grpSpPr>
+      <p:sp>
+        <p:nvSpPr>
+          <p:cNvPr id="2" name="Slide Image Placeholder 1"/>
+          <p:cNvSpPr>
+            <a:spLocks noGrp="1" noRot="1" noChangeAspect="1"/>
+          </p:cNvSpPr>
+          <p:nvPr>
+            <p:ph type="sldImg"/>
+          </p:nvPr>
+        </p:nvSpPr>
+        <p:spPr/>
+      </p:sp>
+      <p:sp>
+        <p:nvSpPr>
+          <p:cNvPr id="3" name="Notes Placeholder 2"/>
+          <p:cNvSpPr>
+            <a:spLocks noGrp="1"/>
+          </p:cNvSpPr>
+          <p:nvPr>
+            <p:ph type="body" idx="1"/>
+          </p:nvPr>
+        </p:nvSpPr>
+        <p:spPr/>
+        <p:txBody>
+          <a:bodyPr/>
+          <a:lstStyle/>
+          <a:p>
+            <a:pPr>
+              <a:lnSpc>
+                <a:spcPct val="90000"/>
+              </a:lnSpc>
+              <a:buFontTx/>
+              <a:buNone/>
+            </a:pPr>
+            <a:r>
+              <a:rPr lang="en-US" altLang="pt-PT" sz="1600" b="1">
+                <a:latin typeface="Times New Roman" panose="02020603050405020304" pitchFamily="18" charset="0"/>
+                <a:cs typeface="Times New Roman" panose="02020603050405020304" pitchFamily="18" charset="0"/>
+              </a:rPr>
+              <a:t>- </a:t>
+            </a:r>
+            <a:r>
+              <a:rPr lang="en-US" altLang="pt-PT" sz="1600">
+                <a:latin typeface="Times New Roman" panose="02020603050405020304" pitchFamily="18" charset="0"/>
+                <a:cs typeface="Times New Roman" panose="02020603050405020304" pitchFamily="18" charset="0"/>
+              </a:rPr>
+              <a:t>Emerging trend in software industry</a:t>
+            </a:r>
+          </a:p>
+          <a:p>
+            <a:pPr>
+              <a:lnSpc>
+                <a:spcPct val="90000"/>
+              </a:lnSpc>
+              <a:buFontTx/>
+              <a:buNone/>
+            </a:pPr>
+            <a:r>
+              <a:rPr lang="en-US" altLang="pt-PT" sz="1600">
+                <a:latin typeface="Times New Roman" panose="02020603050405020304" pitchFamily="18" charset="0"/>
+                <a:cs typeface="Times New Roman" panose="02020603050405020304" pitchFamily="18" charset="0"/>
+              </a:rPr>
+              <a:t>- Handle system complexity </a:t>
+            </a:r>
+          </a:p>
+          <a:p>
+            <a:pPr>
+              <a:lnSpc>
+                <a:spcPct val="90000"/>
+              </a:lnSpc>
+              <a:buFontTx/>
+              <a:buNone/>
+            </a:pPr>
+            <a:r>
+              <a:rPr lang="en-US" altLang="pt-PT" sz="1600">
+                <a:latin typeface="Times New Roman" panose="02020603050405020304" pitchFamily="18" charset="0"/>
+                <a:cs typeface="Times New Roman" panose="02020603050405020304" pitchFamily="18" charset="0"/>
+              </a:rPr>
+              <a:t>- Deviation from traditional development</a:t>
+            </a:r>
+          </a:p>
+          <a:p>
+            <a:pPr>
+              <a:lnSpc>
+                <a:spcPct val="90000"/>
+              </a:lnSpc>
+              <a:buFontTx/>
+              <a:buNone/>
+            </a:pPr>
+            <a:r>
+              <a:rPr lang="en-US" altLang="pt-PT" sz="1600">
+                <a:latin typeface="Times New Roman" panose="02020603050405020304" pitchFamily="18" charset="0"/>
+                <a:cs typeface="Times New Roman" panose="02020603050405020304" pitchFamily="18" charset="0"/>
+              </a:rPr>
+              <a:t>- Support requirements change</a:t>
+            </a:r>
+          </a:p>
+          <a:p>
+            <a:pPr>
+              <a:lnSpc>
+                <a:spcPct val="90000"/>
+              </a:lnSpc>
+              <a:buFontTx/>
+              <a:buNone/>
+            </a:pPr>
+            <a:r>
+              <a:rPr lang="en-US" altLang="pt-PT" sz="1600">
+                <a:latin typeface="Times New Roman" panose="02020603050405020304" pitchFamily="18" charset="0"/>
+                <a:cs typeface="Times New Roman" panose="02020603050405020304" pitchFamily="18" charset="0"/>
+              </a:rPr>
+              <a:t>- Support for highly distributed systems </a:t>
+            </a:r>
+          </a:p>
+          <a:p>
+            <a:pPr>
+              <a:lnSpc>
+                <a:spcPct val="90000"/>
+              </a:lnSpc>
+              <a:buFontTx/>
+              <a:buNone/>
+            </a:pPr>
+            <a:r>
+              <a:rPr lang="en-US" altLang="pt-PT" sz="1600">
+                <a:latin typeface="Times New Roman" panose="02020603050405020304" pitchFamily="18" charset="0"/>
+                <a:cs typeface="Times New Roman" panose="02020603050405020304" pitchFamily="18" charset="0"/>
+              </a:rPr>
+              <a:t>- Improve consistency  </a:t>
+            </a:r>
+          </a:p>
+          <a:p>
+            <a:pPr>
+              <a:lnSpc>
+                <a:spcPct val="90000"/>
+              </a:lnSpc>
+              <a:buFontTx/>
+              <a:buNone/>
+            </a:pPr>
+            <a:r>
+              <a:rPr lang="en-US" altLang="pt-PT" sz="1600">
+                <a:latin typeface="Times New Roman" panose="02020603050405020304" pitchFamily="18" charset="0"/>
+                <a:cs typeface="Times New Roman" panose="02020603050405020304" pitchFamily="18" charset="0"/>
+              </a:rPr>
+              <a:t>- Provide quality solutions </a:t>
+            </a:r>
+          </a:p>
+          <a:p>
+            <a:pPr>
+              <a:lnSpc>
+                <a:spcPct val="90000"/>
+              </a:lnSpc>
+              <a:buFontTx/>
+              <a:buNone/>
+            </a:pPr>
+            <a:r>
+              <a:rPr lang="en-US" altLang="pt-PT" sz="1600">
+                <a:latin typeface="Times New Roman" panose="02020603050405020304" pitchFamily="18" charset="0"/>
+                <a:cs typeface="Times New Roman" panose="02020603050405020304" pitchFamily="18" charset="0"/>
+              </a:rPr>
+              <a:t>- Improve the productivity </a:t>
+            </a:r>
+            <a:endParaRPr lang="en-IN" altLang="pt-PT" sz="1600">
+              <a:latin typeface="Times New Roman" panose="02020603050405020304" pitchFamily="18" charset="0"/>
+              <a:cs typeface="Times New Roman" panose="02020603050405020304" pitchFamily="18" charset="0"/>
+            </a:endParaRPr>
+          </a:p>
+          <a:p>
+            <a:endParaRPr lang="pt-PT" dirty="0"/>
+          </a:p>
+        </p:txBody>
+      </p:sp>
+      <p:sp>
+        <p:nvSpPr>
+          <p:cNvPr id="4" name="Slide Number Placeholder 3"/>
+          <p:cNvSpPr>
+            <a:spLocks noGrp="1"/>
+          </p:cNvSpPr>
+          <p:nvPr>
+            <p:ph type="sldNum" sz="quarter" idx="10"/>
+          </p:nvPr>
+        </p:nvSpPr>
+        <p:spPr/>
+        <p:txBody>
+          <a:bodyPr/>
+          <a:lstStyle/>
+          <a:p>
+            <a:fld id="{3EBA5BD7-F043-4D1B-AA17-CD412FC534DE}" type="slidenum">
+              <a:rPr lang="pt-PT" smtClean="0"/>
+              <a:t>4</a:t>
+            </a:fld>
+            <a:endParaRPr lang="pt-PT"/>
+          </a:p>
+        </p:txBody>
+      </p:sp>
+    </p:spTree>
+    <p:extLst>
+      <p:ext uri="{BB962C8B-B14F-4D97-AF65-F5344CB8AC3E}">
+        <p14:creationId xmlns:p14="http://schemas.microsoft.com/office/powerpoint/2010/main" val="2700296833"/>
+      </p:ext>
+    </p:extLst>
+  </p:cSld>
+  <p:clrMapOvr>
+    <a:masterClrMapping/>
+  </p:clrMapOvr>
+</p:notes>
+</file>
+
+<file path=ppt/notesSlides/notesSlide5.xml><?xml version="1.0" encoding="utf-8"?>
+<p:notes xmlns:a="http://schemas.openxmlformats.org/drawingml/2006/main" xmlns:r="http://schemas.openxmlformats.org/officeDocument/2006/relationships" xmlns:p="http://schemas.openxmlformats.org/presentationml/2006/main">
+  <p:cSld>
+    <p:spTree>
+      <p:nvGrpSpPr>
+        <p:cNvPr id="1" name=""/>
+        <p:cNvGrpSpPr/>
+        <p:nvPr/>
+      </p:nvGrpSpPr>
+      <p:grpSpPr>
+        <a:xfrm>
+          <a:off x="0" y="0"/>
+          <a:ext cx="0" cy="0"/>
+          <a:chOff x="0" y="0"/>
+          <a:chExt cx="0" cy="0"/>
+        </a:xfrm>
+      </p:grpSpPr>
+      <p:sp>
+        <p:nvSpPr>
+          <p:cNvPr id="2" name="Slide Image Placeholder 1"/>
+          <p:cNvSpPr>
+            <a:spLocks noGrp="1" noRot="1" noChangeAspect="1"/>
+          </p:cNvSpPr>
+          <p:nvPr>
+            <p:ph type="sldImg"/>
+          </p:nvPr>
+        </p:nvSpPr>
+        <p:spPr/>
+      </p:sp>
+      <p:sp>
+        <p:nvSpPr>
+          <p:cNvPr id="3" name="Notes Placeholder 2"/>
+          <p:cNvSpPr>
+            <a:spLocks noGrp="1"/>
+          </p:cNvSpPr>
+          <p:nvPr>
+            <p:ph type="body" idx="1"/>
+          </p:nvPr>
+        </p:nvSpPr>
+        <p:spPr/>
+        <p:txBody>
+          <a:bodyPr/>
+          <a:lstStyle/>
           <a:p>
             <a:endParaRPr lang="pt-PT" dirty="0"/>
           </a:p>
@@ -807,7 +1416,312 @@
     </p:spTree>
     <p:extLst>
       <p:ext uri="{BB962C8B-B14F-4D97-AF65-F5344CB8AC3E}">
+        <p14:creationId xmlns:p14="http://schemas.microsoft.com/office/powerpoint/2010/main" val="150649060"/>
+      </p:ext>
+    </p:extLst>
+  </p:cSld>
+  <p:clrMapOvr>
+    <a:masterClrMapping/>
+  </p:clrMapOvr>
+</p:notes>
+</file>
+
+<file path=ppt/notesSlides/notesSlide6.xml><?xml version="1.0" encoding="utf-8"?>
+<p:notes xmlns:a="http://schemas.openxmlformats.org/drawingml/2006/main" xmlns:r="http://schemas.openxmlformats.org/officeDocument/2006/relationships" xmlns:p="http://schemas.openxmlformats.org/presentationml/2006/main">
+  <p:cSld>
+    <p:spTree>
+      <p:nvGrpSpPr>
+        <p:cNvPr id="1" name=""/>
+        <p:cNvGrpSpPr/>
+        <p:nvPr/>
+      </p:nvGrpSpPr>
+      <p:grpSpPr>
+        <a:xfrm>
+          <a:off x="0" y="0"/>
+          <a:ext cx="0" cy="0"/>
+          <a:chOff x="0" y="0"/>
+          <a:chExt cx="0" cy="0"/>
+        </a:xfrm>
+      </p:grpSpPr>
+      <p:sp>
+        <p:nvSpPr>
+          <p:cNvPr id="2" name="Slide Image Placeholder 1"/>
+          <p:cNvSpPr>
+            <a:spLocks noGrp="1" noRot="1" noChangeAspect="1"/>
+          </p:cNvSpPr>
+          <p:nvPr>
+            <p:ph type="sldImg"/>
+          </p:nvPr>
+        </p:nvSpPr>
+        <p:spPr/>
+      </p:sp>
+      <p:sp>
+        <p:nvSpPr>
+          <p:cNvPr id="3" name="Notes Placeholder 2"/>
+          <p:cNvSpPr>
+            <a:spLocks noGrp="1"/>
+          </p:cNvSpPr>
+          <p:nvPr>
+            <p:ph type="body" idx="1"/>
+          </p:nvPr>
+        </p:nvSpPr>
+        <p:spPr/>
+        <p:txBody>
+          <a:bodyPr/>
+          <a:lstStyle/>
+          <a:p>
+            <a:r>
+              <a:rPr lang="en-GB" dirty="0"/>
+              <a:t>Rules are specified once.</a:t>
+            </a:r>
+          </a:p>
+          <a:p>
+            <a:r>
+              <a:rPr lang="en-GB" dirty="0"/>
+              <a:t>Project maintenance is lower. You do not need to write new tests for each new feature. Once you have a model it is easier to generate and re-generate test cases than it is with hand-coded test cases.</a:t>
+            </a:r>
+          </a:p>
+          <a:p>
+            <a:r>
+              <a:rPr lang="en-GB" dirty="0"/>
+              <a:t>Design is fluid. When a new feature is added, a new action is added to the state machine to run in combination with existing actions. A simple change can automatically ripple through the entire suite of test cases.</a:t>
+            </a:r>
+          </a:p>
+          <a:p>
+            <a:r>
+              <a:rPr lang="en-GB" dirty="0"/>
+              <a:t>Design more and code less.</a:t>
+            </a:r>
+          </a:p>
+          <a:p>
+            <a:r>
+              <a:rPr lang="en-GB" dirty="0"/>
+              <a:t>High coverage. Tests continue to find bugs, not just regressions due to changes in the code path or dependencies.</a:t>
+            </a:r>
+          </a:p>
+          <a:p>
+            <a:r>
+              <a:rPr lang="en-GB" dirty="0"/>
+              <a:t>Model authoring is independent of implementation and actual testing so that these activities can be carried out by different members of a team concurrently.</a:t>
+            </a:r>
+          </a:p>
+          <a:p>
+            <a:endParaRPr lang="en-GB" dirty="0"/>
+          </a:p>
+          <a:p>
+            <a:endParaRPr lang="pt-PT" dirty="0"/>
+          </a:p>
+        </p:txBody>
+      </p:sp>
+      <p:sp>
+        <p:nvSpPr>
+          <p:cNvPr id="4" name="Slide Number Placeholder 3"/>
+          <p:cNvSpPr>
+            <a:spLocks noGrp="1"/>
+          </p:cNvSpPr>
+          <p:nvPr>
+            <p:ph type="sldNum" sz="quarter" idx="10"/>
+          </p:nvPr>
+        </p:nvSpPr>
+        <p:spPr/>
+        <p:txBody>
+          <a:bodyPr/>
+          <a:lstStyle/>
+          <a:p>
+            <a:fld id="{3EBA5BD7-F043-4D1B-AA17-CD412FC534DE}" type="slidenum">
+              <a:rPr lang="pt-PT" smtClean="0"/>
+              <a:t>7</a:t>
+            </a:fld>
+            <a:endParaRPr lang="pt-PT"/>
+          </a:p>
+        </p:txBody>
+      </p:sp>
+    </p:spTree>
+    <p:extLst>
+      <p:ext uri="{BB962C8B-B14F-4D97-AF65-F5344CB8AC3E}">
         <p14:creationId xmlns:p14="http://schemas.microsoft.com/office/powerpoint/2010/main" val="2382682886"/>
+      </p:ext>
+    </p:extLst>
+  </p:cSld>
+  <p:clrMapOvr>
+    <a:masterClrMapping/>
+  </p:clrMapOvr>
+</p:notes>
+</file>
+
+<file path=ppt/notesSlides/notesSlide7.xml><?xml version="1.0" encoding="utf-8"?>
+<p:notes xmlns:a="http://schemas.openxmlformats.org/drawingml/2006/main" xmlns:r="http://schemas.openxmlformats.org/officeDocument/2006/relationships" xmlns:p="http://schemas.openxmlformats.org/presentationml/2006/main">
+  <p:cSld>
+    <p:spTree>
+      <p:nvGrpSpPr>
+        <p:cNvPr id="1" name=""/>
+        <p:cNvGrpSpPr/>
+        <p:nvPr/>
+      </p:nvGrpSpPr>
+      <p:grpSpPr>
+        <a:xfrm>
+          <a:off x="0" y="0"/>
+          <a:ext cx="0" cy="0"/>
+          <a:chOff x="0" y="0"/>
+          <a:chExt cx="0" cy="0"/>
+        </a:xfrm>
+      </p:grpSpPr>
+      <p:sp>
+        <p:nvSpPr>
+          <p:cNvPr id="2" name="Slide Image Placeholder 1"/>
+          <p:cNvSpPr>
+            <a:spLocks noGrp="1" noRot="1" noChangeAspect="1"/>
+          </p:cNvSpPr>
+          <p:nvPr>
+            <p:ph type="sldImg"/>
+          </p:nvPr>
+        </p:nvSpPr>
+        <p:spPr/>
+      </p:sp>
+      <p:sp>
+        <p:nvSpPr>
+          <p:cNvPr id="3" name="Notes Placeholder 2"/>
+          <p:cNvSpPr>
+            <a:spLocks noGrp="1"/>
+          </p:cNvSpPr>
+          <p:nvPr>
+            <p:ph type="body" idx="1"/>
+          </p:nvPr>
+        </p:nvSpPr>
+        <p:spPr/>
+        <p:txBody>
+          <a:bodyPr/>
+          <a:lstStyle/>
+          <a:p>
+            <a:r>
+              <a:rPr lang="en-US" altLang="pt-PT" sz="1600" dirty="0">
+                <a:latin typeface="Times New Roman" panose="02020603050405020304" pitchFamily="18" charset="0"/>
+                <a:cs typeface="Times New Roman" panose="02020603050405020304" pitchFamily="18" charset="0"/>
+              </a:rPr>
+              <a:t>A Model is an abstract representation of the system</a:t>
+            </a:r>
+            <a:endParaRPr lang="pt-PT" dirty="0"/>
+          </a:p>
+        </p:txBody>
+      </p:sp>
+      <p:sp>
+        <p:nvSpPr>
+          <p:cNvPr id="4" name="Slide Number Placeholder 3"/>
+          <p:cNvSpPr>
+            <a:spLocks noGrp="1"/>
+          </p:cNvSpPr>
+          <p:nvPr>
+            <p:ph type="sldNum" sz="quarter" idx="10"/>
+          </p:nvPr>
+        </p:nvSpPr>
+        <p:spPr/>
+        <p:txBody>
+          <a:bodyPr/>
+          <a:lstStyle/>
+          <a:p>
+            <a:fld id="{3EBA5BD7-F043-4D1B-AA17-CD412FC534DE}" type="slidenum">
+              <a:rPr lang="pt-PT" smtClean="0"/>
+              <a:t>8</a:t>
+            </a:fld>
+            <a:endParaRPr lang="pt-PT"/>
+          </a:p>
+        </p:txBody>
+      </p:sp>
+    </p:spTree>
+    <p:extLst>
+      <p:ext uri="{BB962C8B-B14F-4D97-AF65-F5344CB8AC3E}">
+        <p14:creationId xmlns:p14="http://schemas.microsoft.com/office/powerpoint/2010/main" val="4058823215"/>
+      </p:ext>
+    </p:extLst>
+  </p:cSld>
+  <p:clrMapOvr>
+    <a:masterClrMapping/>
+  </p:clrMapOvr>
+</p:notes>
+</file>
+
+<file path=ppt/notesSlides/notesSlide8.xml><?xml version="1.0" encoding="utf-8"?>
+<p:notes xmlns:a="http://schemas.openxmlformats.org/drawingml/2006/main" xmlns:r="http://schemas.openxmlformats.org/officeDocument/2006/relationships" xmlns:p="http://schemas.openxmlformats.org/presentationml/2006/main">
+  <p:cSld>
+    <p:spTree>
+      <p:nvGrpSpPr>
+        <p:cNvPr id="1" name=""/>
+        <p:cNvGrpSpPr/>
+        <p:nvPr/>
+      </p:nvGrpSpPr>
+      <p:grpSpPr>
+        <a:xfrm>
+          <a:off x="0" y="0"/>
+          <a:ext cx="0" cy="0"/>
+          <a:chOff x="0" y="0"/>
+          <a:chExt cx="0" cy="0"/>
+        </a:xfrm>
+      </p:grpSpPr>
+      <p:sp>
+        <p:nvSpPr>
+          <p:cNvPr id="2" name="Slide Image Placeholder 1"/>
+          <p:cNvSpPr>
+            <a:spLocks noGrp="1" noRot="1" noChangeAspect="1"/>
+          </p:cNvSpPr>
+          <p:nvPr>
+            <p:ph type="sldImg"/>
+          </p:nvPr>
+        </p:nvSpPr>
+        <p:spPr/>
+      </p:sp>
+      <p:sp>
+        <p:nvSpPr>
+          <p:cNvPr id="3" name="Notes Placeholder 2"/>
+          <p:cNvSpPr>
+            <a:spLocks noGrp="1"/>
+          </p:cNvSpPr>
+          <p:nvPr>
+            <p:ph type="body" idx="1"/>
+          </p:nvPr>
+        </p:nvSpPr>
+        <p:spPr/>
+        <p:txBody>
+          <a:bodyPr/>
+          <a:lstStyle/>
+          <a:p>
+            <a:r>
+              <a:rPr lang="en-US" altLang="pt-PT" sz="1600" dirty="0">
+                <a:latin typeface="Times New Roman" panose="02020603050405020304" pitchFamily="18" charset="0"/>
+                <a:cs typeface="Times New Roman" panose="02020603050405020304" pitchFamily="18" charset="0"/>
+              </a:rPr>
+              <a:t>A Model is an abstract representation of the system</a:t>
+            </a:r>
+            <a:endParaRPr lang="pt-PT" dirty="0"/>
+          </a:p>
+        </p:txBody>
+      </p:sp>
+      <p:sp>
+        <p:nvSpPr>
+          <p:cNvPr id="4" name="Slide Number Placeholder 3"/>
+          <p:cNvSpPr>
+            <a:spLocks noGrp="1"/>
+          </p:cNvSpPr>
+          <p:nvPr>
+            <p:ph type="sldNum" sz="quarter" idx="10"/>
+          </p:nvPr>
+        </p:nvSpPr>
+        <p:spPr/>
+        <p:txBody>
+          <a:bodyPr/>
+          <a:lstStyle/>
+          <a:p>
+            <a:fld id="{3EBA5BD7-F043-4D1B-AA17-CD412FC534DE}" type="slidenum">
+              <a:rPr lang="pt-PT" smtClean="0"/>
+              <a:t>9</a:t>
+            </a:fld>
+            <a:endParaRPr lang="pt-PT"/>
+          </a:p>
+        </p:txBody>
+      </p:sp>
+    </p:spTree>
+    <p:extLst>
+      <p:ext uri="{BB962C8B-B14F-4D97-AF65-F5344CB8AC3E}">
+        <p14:creationId xmlns:p14="http://schemas.microsoft.com/office/powerpoint/2010/main" val="4144054894"/>
       </p:ext>
     </p:extLst>
   </p:cSld>
@@ -1573,7 +2487,7 @@
           <a:p>
             <a:fld id="{F0DFD029-FB74-4578-B929-F66AA97659CA}" type="datetimeFigureOut">
               <a:rPr lang="en-US"/>
-              <a:t>11/26/2016</a:t>
+              <a:t>12/1/2016</a:t>
             </a:fld>
             <a:endParaRPr/>
           </a:p>
@@ -1771,7 +2685,7 @@
           <a:p>
             <a:fld id="{F0DFD029-FB74-4578-B929-F66AA97659CA}" type="datetimeFigureOut">
               <a:rPr lang="en-US"/>
-              <a:t>11/26/2016</a:t>
+              <a:t>12/1/2016</a:t>
             </a:fld>
             <a:endParaRPr/>
           </a:p>
@@ -1979,7 +2893,7 @@
           <a:p>
             <a:fld id="{F0DFD029-FB74-4578-B929-F66AA97659CA}" type="datetimeFigureOut">
               <a:rPr lang="en-US"/>
-              <a:t>11/26/2016</a:t>
+              <a:t>12/1/2016</a:t>
             </a:fld>
             <a:endParaRPr/>
           </a:p>
@@ -2177,7 +3091,7 @@
           <a:p>
             <a:fld id="{F0DFD029-FB74-4578-B929-F66AA97659CA}" type="datetimeFigureOut">
               <a:rPr lang="en-US"/>
-              <a:t>11/26/2016</a:t>
+              <a:t>12/1/2016</a:t>
             </a:fld>
             <a:endParaRPr/>
           </a:p>
@@ -2609,7 +3523,7 @@
           <a:p>
             <a:fld id="{F0DFD029-FB74-4578-B929-F66AA97659CA}" type="datetimeFigureOut">
               <a:rPr lang="en-US"/>
-              <a:t>11/26/2016</a:t>
+              <a:t>12/1/2016</a:t>
             </a:fld>
             <a:endParaRPr/>
           </a:p>
@@ -2913,7 +3827,7 @@
           <a:p>
             <a:fld id="{F0DFD029-FB74-4578-B929-F66AA97659CA}" type="datetimeFigureOut">
               <a:rPr lang="en-US"/>
-              <a:t>11/26/2016</a:t>
+              <a:t>12/1/2016</a:t>
             </a:fld>
             <a:endParaRPr/>
           </a:p>
@@ -3369,7 +4283,7 @@
           <a:p>
             <a:fld id="{F0DFD029-FB74-4578-B929-F66AA97659CA}" type="datetimeFigureOut">
               <a:rPr lang="en-US"/>
-              <a:t>11/26/2016</a:t>
+              <a:t>12/1/2016</a:t>
             </a:fld>
             <a:endParaRPr/>
           </a:p>
@@ -3499,7 +4413,7 @@
           <a:p>
             <a:fld id="{F0DFD029-FB74-4578-B929-F66AA97659CA}" type="datetimeFigureOut">
               <a:rPr lang="en-US"/>
-              <a:t>11/26/2016</a:t>
+              <a:t>12/1/2016</a:t>
             </a:fld>
             <a:endParaRPr/>
           </a:p>
@@ -3606,7 +4520,7 @@
           <a:p>
             <a:fld id="{F0DFD029-FB74-4578-B929-F66AA97659CA}" type="datetimeFigureOut">
               <a:rPr lang="en-US"/>
-              <a:t>11/26/2016</a:t>
+              <a:t>12/1/2016</a:t>
             </a:fld>
             <a:endParaRPr/>
           </a:p>
@@ -3905,7 +4819,7 @@
           <a:p>
             <a:fld id="{F0DFD029-FB74-4578-B929-F66AA97659CA}" type="datetimeFigureOut">
               <a:rPr lang="en-US"/>
-              <a:t>11/26/2016</a:t>
+              <a:t>12/1/2016</a:t>
             </a:fld>
             <a:endParaRPr/>
           </a:p>
@@ -4193,7 +5107,7 @@
           <a:p>
             <a:fld id="{F0DFD029-FB74-4578-B929-F66AA97659CA}" type="datetimeFigureOut">
               <a:rPr lang="en-US"/>
-              <a:t>11/26/2016</a:t>
+              <a:t>12/1/2016</a:t>
             </a:fld>
             <a:endParaRPr/>
           </a:p>
@@ -4816,7 +5730,7 @@
             <a:fld id="{F0DFD029-FB74-4578-B929-F66AA97659CA}" type="datetimeFigureOut">
               <a:rPr lang="en-US"/>
               <a:pPr/>
-              <a:t>11/26/2016</a:t>
+              <a:t>12/1/2016</a:t>
             </a:fld>
             <a:endParaRPr/>
           </a:p>
@@ -5377,1657 +6291,6 @@
 </file>
 
 <file path=ppt/slides/slide10.xml><?xml version="1.0" encoding="utf-8"?>
-<p:sld xmlns:a="http://schemas.openxmlformats.org/drawingml/2006/main" xmlns:r="http://schemas.openxmlformats.org/officeDocument/2006/relationships" xmlns:p="http://schemas.openxmlformats.org/presentationml/2006/main">
-  <p:cSld>
-    <p:spTree>
-      <p:nvGrpSpPr>
-        <p:cNvPr id="1" name=""/>
-        <p:cNvGrpSpPr/>
-        <p:nvPr/>
-      </p:nvGrpSpPr>
-      <p:grpSpPr>
-        <a:xfrm>
-          <a:off x="0" y="0"/>
-          <a:ext cx="0" cy="0"/>
-          <a:chOff x="0" y="0"/>
-          <a:chExt cx="0" cy="0"/>
-        </a:xfrm>
-      </p:grpSpPr>
-      <p:sp>
-        <p:nvSpPr>
-          <p:cNvPr id="13" name="Title 12"/>
-          <p:cNvSpPr>
-            <a:spLocks noGrp="1"/>
-          </p:cNvSpPr>
-          <p:nvPr>
-            <p:ph type="title"/>
-          </p:nvPr>
-        </p:nvSpPr>
-        <p:spPr/>
-        <p:txBody>
-          <a:bodyPr/>
-          <a:lstStyle/>
-          <a:p>
-            <a:r>
-              <a:rPr lang="en-US"/>
-              <a:t>Which tool I use?</a:t>
-            </a:r>
-            <a:endParaRPr lang="en-US" dirty="0"/>
-          </a:p>
-        </p:txBody>
-      </p:sp>
-      <p:sp>
-        <p:nvSpPr>
-          <p:cNvPr id="10" name="Text Placeholder 9"/>
-          <p:cNvSpPr>
-            <a:spLocks noGrp="1"/>
-          </p:cNvSpPr>
-          <p:nvPr>
-            <p:ph type="body" idx="1"/>
-          </p:nvPr>
-        </p:nvSpPr>
-        <p:spPr>
-          <a:xfrm>
-            <a:off x="1218883" y="1701800"/>
-            <a:ext cx="3363361" cy="914400"/>
-          </a:xfrm>
-        </p:spPr>
-        <p:txBody>
-          <a:bodyPr/>
-          <a:lstStyle/>
-          <a:p>
-            <a:r>
-              <a:rPr lang="pt-PT" dirty="0"/>
-              <a:t>MATELO</a:t>
-            </a:r>
-          </a:p>
-        </p:txBody>
-      </p:sp>
-      <p:sp>
-        <p:nvSpPr>
-          <p:cNvPr id="6" name="Title 12"/>
-          <p:cNvSpPr txBox="1">
-            <a:spLocks/>
-          </p:cNvSpPr>
-          <p:nvPr/>
-        </p:nvSpPr>
-        <p:spPr>
-          <a:xfrm>
-            <a:off x="6526460" y="6597352"/>
-            <a:ext cx="5760640" cy="346051"/>
-          </a:xfrm>
-          <a:prstGeom prst="rect">
-            <a:avLst/>
-          </a:prstGeom>
-        </p:spPr>
-        <p:txBody>
-          <a:bodyPr vert="horz" lIns="121899" tIns="60949" rIns="121899" bIns="60949" rtlCol="0" anchor="b">
-            <a:noAutofit/>
-          </a:bodyPr>
-          <a:lstStyle>
-            <a:lvl1pPr algn="l" defTabSz="1218987" rtl="0" eaLnBrk="1" latinLnBrk="0" hangingPunct="1">
-              <a:lnSpc>
-                <a:spcPct val="90000"/>
-              </a:lnSpc>
-              <a:spcBef>
-                <a:spcPct val="0"/>
-              </a:spcBef>
-              <a:buNone/>
-              <a:defRPr sz="5400" kern="1200">
-                <a:solidFill>
-                  <a:schemeClr val="tx1"/>
-                </a:solidFill>
-                <a:latin typeface="+mj-lt"/>
-                <a:ea typeface="+mj-ea"/>
-                <a:cs typeface="+mj-cs"/>
-              </a:defRPr>
-            </a:lvl1pPr>
-          </a:lstStyle>
-          <a:p>
-            <a:pPr algn="ctr"/>
-            <a:r>
-              <a:rPr lang="en-US" sz="2000" dirty="0"/>
-              <a:t>José Esteves e Ricardo </a:t>
-            </a:r>
-            <a:r>
-              <a:rPr lang="en-US" sz="2000" dirty="0" err="1"/>
-              <a:t>Malafaya</a:t>
-            </a:r>
-            <a:r>
-              <a:rPr lang="en-US" sz="2000" dirty="0"/>
-              <a:t> – 03 December 2016</a:t>
-            </a:r>
-          </a:p>
-        </p:txBody>
-      </p:sp>
-      <p:pic>
-        <p:nvPicPr>
-          <p:cNvPr id="4098" name="Picture 2" descr="Image result for MATELO model based testing"/>
-          <p:cNvPicPr>
-            <a:picLocks noChangeAspect="1" noChangeArrowheads="1"/>
-          </p:cNvPicPr>
-          <p:nvPr/>
-        </p:nvPicPr>
-        <p:blipFill>
-          <a:blip r:embed="rId2">
-            <a:extLst>
-              <a:ext uri="{28A0092B-C50C-407E-A947-70E740481C1C}">
-                <a14:useLocalDpi xmlns:a14="http://schemas.microsoft.com/office/drawing/2010/main" val="0"/>
-              </a:ext>
-            </a:extLst>
-          </a:blip>
-          <a:srcRect/>
-          <a:stretch>
-            <a:fillRect/>
-          </a:stretch>
-        </p:blipFill>
-        <p:spPr bwMode="auto">
-          <a:xfrm>
-            <a:off x="2854052" y="1572014"/>
-            <a:ext cx="8516783" cy="4521282"/>
-          </a:xfrm>
-          <a:prstGeom prst="rect">
-            <a:avLst/>
-          </a:prstGeom>
-          <a:noFill/>
-          <a:extLst>
-            <a:ext uri="{909E8E84-426E-40DD-AFC4-6F175D3DCCD1}">
-              <a14:hiddenFill xmlns:a14="http://schemas.microsoft.com/office/drawing/2010/main">
-                <a:solidFill>
-                  <a:srgbClr val="FFFFFF"/>
-                </a:solidFill>
-              </a14:hiddenFill>
-            </a:ext>
-          </a:extLst>
-        </p:spPr>
-      </p:pic>
-    </p:spTree>
-    <p:extLst>
-      <p:ext uri="{BB962C8B-B14F-4D97-AF65-F5344CB8AC3E}">
-        <p14:creationId xmlns:p14="http://schemas.microsoft.com/office/powerpoint/2010/main" val="1351320939"/>
-      </p:ext>
-    </p:extLst>
-  </p:cSld>
-  <p:clrMapOvr>
-    <a:masterClrMapping/>
-  </p:clrMapOvr>
-  <mc:AlternateContent xmlns:mc="http://schemas.openxmlformats.org/markup-compatibility/2006" xmlns:p14="http://schemas.microsoft.com/office/powerpoint/2010/main">
-    <mc:Choice Requires="p14">
-      <p:transition spd="med" p14:dur="700">
-        <p:fade/>
-      </p:transition>
-    </mc:Choice>
-    <mc:Fallback xmlns="">
-      <p:transition spd="med">
-        <p:fade/>
-      </p:transition>
-    </mc:Fallback>
-  </mc:AlternateContent>
-</p:sld>
-</file>
-
-<file path=ppt/slides/slide11.xml><?xml version="1.0" encoding="utf-8"?>
-<p:sld xmlns:a="http://schemas.openxmlformats.org/drawingml/2006/main" xmlns:r="http://schemas.openxmlformats.org/officeDocument/2006/relationships" xmlns:p="http://schemas.openxmlformats.org/presentationml/2006/main">
-  <p:cSld>
-    <p:spTree>
-      <p:nvGrpSpPr>
-        <p:cNvPr id="1" name=""/>
-        <p:cNvGrpSpPr/>
-        <p:nvPr/>
-      </p:nvGrpSpPr>
-      <p:grpSpPr>
-        <a:xfrm>
-          <a:off x="0" y="0"/>
-          <a:ext cx="0" cy="0"/>
-          <a:chOff x="0" y="0"/>
-          <a:chExt cx="0" cy="0"/>
-        </a:xfrm>
-      </p:grpSpPr>
-      <p:sp>
-        <p:nvSpPr>
-          <p:cNvPr id="13" name="Title 12"/>
-          <p:cNvSpPr>
-            <a:spLocks noGrp="1"/>
-          </p:cNvSpPr>
-          <p:nvPr>
-            <p:ph type="title"/>
-          </p:nvPr>
-        </p:nvSpPr>
-        <p:spPr/>
-        <p:txBody>
-          <a:bodyPr/>
-          <a:lstStyle/>
-          <a:p>
-            <a:r>
-              <a:rPr lang="en-US"/>
-              <a:t>Which tool I use?</a:t>
-            </a:r>
-            <a:endParaRPr lang="en-US" dirty="0"/>
-          </a:p>
-        </p:txBody>
-      </p:sp>
-      <p:sp>
-        <p:nvSpPr>
-          <p:cNvPr id="10" name="Text Placeholder 9"/>
-          <p:cNvSpPr>
-            <a:spLocks noGrp="1"/>
-          </p:cNvSpPr>
-          <p:nvPr>
-            <p:ph type="body" idx="1"/>
-          </p:nvPr>
-        </p:nvSpPr>
-        <p:spPr>
-          <a:xfrm>
-            <a:off x="1218883" y="1701800"/>
-            <a:ext cx="3363361" cy="914400"/>
-          </a:xfrm>
-        </p:spPr>
-        <p:txBody>
-          <a:bodyPr/>
-          <a:lstStyle/>
-          <a:p>
-            <a:r>
-              <a:rPr lang="pt-PT" dirty="0" err="1"/>
-              <a:t>GraphWalker</a:t>
-            </a:r>
-            <a:endParaRPr lang="pt-PT" dirty="0"/>
-          </a:p>
-        </p:txBody>
-      </p:sp>
-      <p:sp>
-        <p:nvSpPr>
-          <p:cNvPr id="6" name="Title 12"/>
-          <p:cNvSpPr txBox="1">
-            <a:spLocks/>
-          </p:cNvSpPr>
-          <p:nvPr/>
-        </p:nvSpPr>
-        <p:spPr>
-          <a:xfrm>
-            <a:off x="6526460" y="6597352"/>
-            <a:ext cx="5760640" cy="346051"/>
-          </a:xfrm>
-          <a:prstGeom prst="rect">
-            <a:avLst/>
-          </a:prstGeom>
-        </p:spPr>
-        <p:txBody>
-          <a:bodyPr vert="horz" lIns="121899" tIns="60949" rIns="121899" bIns="60949" rtlCol="0" anchor="b">
-            <a:noAutofit/>
-          </a:bodyPr>
-          <a:lstStyle>
-            <a:lvl1pPr algn="l" defTabSz="1218987" rtl="0" eaLnBrk="1" latinLnBrk="0" hangingPunct="1">
-              <a:lnSpc>
-                <a:spcPct val="90000"/>
-              </a:lnSpc>
-              <a:spcBef>
-                <a:spcPct val="0"/>
-              </a:spcBef>
-              <a:buNone/>
-              <a:defRPr sz="5400" kern="1200">
-                <a:solidFill>
-                  <a:schemeClr val="tx1"/>
-                </a:solidFill>
-                <a:latin typeface="+mj-lt"/>
-                <a:ea typeface="+mj-ea"/>
-                <a:cs typeface="+mj-cs"/>
-              </a:defRPr>
-            </a:lvl1pPr>
-          </a:lstStyle>
-          <a:p>
-            <a:pPr algn="ctr"/>
-            <a:r>
-              <a:rPr lang="en-US" sz="2000" dirty="0"/>
-              <a:t>José Esteves e Ricardo </a:t>
-            </a:r>
-            <a:r>
-              <a:rPr lang="en-US" sz="2000" dirty="0" err="1"/>
-              <a:t>Malafaya</a:t>
-            </a:r>
-            <a:r>
-              <a:rPr lang="en-US" sz="2000" dirty="0"/>
-              <a:t> – 03 December 2016</a:t>
-            </a:r>
-          </a:p>
-        </p:txBody>
-      </p:sp>
-      <p:pic>
-        <p:nvPicPr>
-          <p:cNvPr id="8" name="Picture 7"/>
-          <p:cNvPicPr>
-            <a:picLocks noChangeAspect="1"/>
-          </p:cNvPicPr>
-          <p:nvPr/>
-        </p:nvPicPr>
-        <p:blipFill>
-          <a:blip r:embed="rId2"/>
-          <a:stretch>
-            <a:fillRect/>
-          </a:stretch>
-        </p:blipFill>
-        <p:spPr>
-          <a:xfrm>
-            <a:off x="970529" y="2845078"/>
-            <a:ext cx="5589476" cy="3336602"/>
-          </a:xfrm>
-          <a:prstGeom prst="rect">
-            <a:avLst/>
-          </a:prstGeom>
-        </p:spPr>
-      </p:pic>
-      <p:pic>
-        <p:nvPicPr>
-          <p:cNvPr id="4098" name="Picture 2" descr="PetClinic"/>
-          <p:cNvPicPr>
-            <a:picLocks noChangeAspect="1" noChangeArrowheads="1"/>
-          </p:cNvPicPr>
-          <p:nvPr/>
-        </p:nvPicPr>
-        <p:blipFill>
-          <a:blip r:embed="rId3">
-            <a:extLst>
-              <a:ext uri="{28A0092B-C50C-407E-A947-70E740481C1C}">
-                <a14:useLocalDpi xmlns:a14="http://schemas.microsoft.com/office/drawing/2010/main" val="0"/>
-              </a:ext>
-            </a:extLst>
-          </a:blip>
-          <a:srcRect/>
-          <a:stretch>
-            <a:fillRect/>
-          </a:stretch>
-        </p:blipFill>
-        <p:spPr bwMode="auto">
-          <a:xfrm>
-            <a:off x="6598468" y="1866855"/>
-            <a:ext cx="5105400" cy="4314825"/>
-          </a:xfrm>
-          <a:prstGeom prst="rect">
-            <a:avLst/>
-          </a:prstGeom>
-          <a:noFill/>
-          <a:extLst>
-            <a:ext uri="{909E8E84-426E-40DD-AFC4-6F175D3DCCD1}">
-              <a14:hiddenFill xmlns:a14="http://schemas.microsoft.com/office/drawing/2010/main">
-                <a:solidFill>
-                  <a:srgbClr val="FFFFFF"/>
-                </a:solidFill>
-              </a14:hiddenFill>
-            </a:ext>
-          </a:extLst>
-        </p:spPr>
-      </p:pic>
-    </p:spTree>
-    <p:extLst>
-      <p:ext uri="{BB962C8B-B14F-4D97-AF65-F5344CB8AC3E}">
-        <p14:creationId xmlns:p14="http://schemas.microsoft.com/office/powerpoint/2010/main" val="1162509744"/>
-      </p:ext>
-    </p:extLst>
-  </p:cSld>
-  <p:clrMapOvr>
-    <a:masterClrMapping/>
-  </p:clrMapOvr>
-  <mc:AlternateContent xmlns:mc="http://schemas.openxmlformats.org/markup-compatibility/2006" xmlns:p14="http://schemas.microsoft.com/office/powerpoint/2010/main">
-    <mc:Choice Requires="p14">
-      <p:transition spd="med" p14:dur="700">
-        <p:fade/>
-      </p:transition>
-    </mc:Choice>
-    <mc:Fallback xmlns="">
-      <p:transition spd="med">
-        <p:fade/>
-      </p:transition>
-    </mc:Fallback>
-  </mc:AlternateContent>
-</p:sld>
-</file>
-
-<file path=ppt/slides/slide12.xml><?xml version="1.0" encoding="utf-8"?>
-<p:sld xmlns:a="http://schemas.openxmlformats.org/drawingml/2006/main" xmlns:r="http://schemas.openxmlformats.org/officeDocument/2006/relationships" xmlns:p="http://schemas.openxmlformats.org/presentationml/2006/main">
-  <p:cSld>
-    <p:spTree>
-      <p:nvGrpSpPr>
-        <p:cNvPr id="1" name=""/>
-        <p:cNvGrpSpPr/>
-        <p:nvPr/>
-      </p:nvGrpSpPr>
-      <p:grpSpPr>
-        <a:xfrm>
-          <a:off x="0" y="0"/>
-          <a:ext cx="0" cy="0"/>
-          <a:chOff x="0" y="0"/>
-          <a:chExt cx="0" cy="0"/>
-        </a:xfrm>
-      </p:grpSpPr>
-      <p:sp>
-        <p:nvSpPr>
-          <p:cNvPr id="7" name="Title 6"/>
-          <p:cNvSpPr>
-            <a:spLocks noGrp="1"/>
-          </p:cNvSpPr>
-          <p:nvPr>
-            <p:ph type="title"/>
-          </p:nvPr>
-        </p:nvSpPr>
-        <p:spPr/>
-        <p:txBody>
-          <a:bodyPr/>
-          <a:lstStyle/>
-          <a:p>
-            <a:r>
-              <a:rPr lang="en-US" dirty="0"/>
-              <a:t>Exercise demonstration</a:t>
-            </a:r>
-          </a:p>
-        </p:txBody>
-      </p:sp>
-      <p:pic>
-        <p:nvPicPr>
-          <p:cNvPr id="4" name="Content Placeholder 3"/>
-          <p:cNvPicPr>
-            <a:picLocks noGrp="1" noChangeAspect="1"/>
-          </p:cNvPicPr>
-          <p:nvPr>
-            <p:ph idx="1"/>
-          </p:nvPr>
-        </p:nvPicPr>
-        <p:blipFill>
-          <a:blip r:embed="rId2">
-            <a:extLst>
-              <a:ext uri="{28A0092B-C50C-407E-A947-70E740481C1C}">
-                <a14:useLocalDpi xmlns:a14="http://schemas.microsoft.com/office/drawing/2010/main" val="0"/>
-              </a:ext>
-            </a:extLst>
-          </a:blip>
-          <a:stretch>
-            <a:fillRect/>
-          </a:stretch>
-        </p:blipFill>
-        <p:spPr>
-          <a:xfrm>
-            <a:off x="3646140" y="1628800"/>
-            <a:ext cx="5112568" cy="4866986"/>
-          </a:xfrm>
-          <a:prstGeom prst="rect">
-            <a:avLst/>
-          </a:prstGeom>
-          <a:solidFill>
-            <a:srgbClr val="FFFFFF">
-              <a:shade val="85000"/>
-            </a:srgbClr>
-          </a:solidFill>
-          <a:ln w="88900" cap="sq">
-            <a:solidFill>
-              <a:srgbClr val="FFFFFF"/>
-            </a:solidFill>
-            <a:miter lim="800000"/>
-          </a:ln>
-          <a:effectLst>
-            <a:outerShdw blurRad="55000" dist="18000" dir="5400000" algn="tl" rotWithShape="0">
-              <a:srgbClr val="000000">
-                <a:alpha val="40000"/>
-              </a:srgbClr>
-            </a:outerShdw>
-          </a:effectLst>
-          <a:scene3d>
-            <a:camera prst="orthographicFront"/>
-            <a:lightRig rig="twoPt" dir="t">
-              <a:rot lat="0" lon="0" rev="7200000"/>
-            </a:lightRig>
-          </a:scene3d>
-          <a:sp3d>
-            <a:bevelT w="25400" h="19050"/>
-            <a:contourClr>
-              <a:srgbClr val="FFFFFF"/>
-            </a:contourClr>
-          </a:sp3d>
-        </p:spPr>
-      </p:pic>
-    </p:spTree>
-    <p:extLst>
-      <p:ext uri="{BB962C8B-B14F-4D97-AF65-F5344CB8AC3E}">
-        <p14:creationId xmlns:p14="http://schemas.microsoft.com/office/powerpoint/2010/main" val="1484811712"/>
-      </p:ext>
-    </p:extLst>
-  </p:cSld>
-  <p:clrMapOvr>
-    <a:masterClrMapping/>
-  </p:clrMapOvr>
-  <mc:AlternateContent xmlns:mc="http://schemas.openxmlformats.org/markup-compatibility/2006" xmlns:p14="http://schemas.microsoft.com/office/powerpoint/2010/main">
-    <mc:Choice Requires="p14">
-      <p:transition spd="med" p14:dur="700">
-        <p:fade/>
-      </p:transition>
-    </mc:Choice>
-    <mc:Fallback xmlns="">
-      <p:transition spd="med">
-        <p:fade/>
-      </p:transition>
-    </mc:Fallback>
-  </mc:AlternateContent>
-</p:sld>
-</file>
-
-<file path=ppt/slides/slide13.xml><?xml version="1.0" encoding="utf-8"?>
-<p:sld xmlns:a="http://schemas.openxmlformats.org/drawingml/2006/main" xmlns:r="http://schemas.openxmlformats.org/officeDocument/2006/relationships" xmlns:p="http://schemas.openxmlformats.org/presentationml/2006/main">
-  <p:cSld>
-    <p:spTree>
-      <p:nvGrpSpPr>
-        <p:cNvPr id="1" name=""/>
-        <p:cNvGrpSpPr/>
-        <p:nvPr/>
-      </p:nvGrpSpPr>
-      <p:grpSpPr>
-        <a:xfrm>
-          <a:off x="0" y="0"/>
-          <a:ext cx="0" cy="0"/>
-          <a:chOff x="0" y="0"/>
-          <a:chExt cx="0" cy="0"/>
-        </a:xfrm>
-      </p:grpSpPr>
-      <p:sp>
-        <p:nvSpPr>
-          <p:cNvPr id="7" name="Title 6"/>
-          <p:cNvSpPr>
-            <a:spLocks noGrp="1"/>
-          </p:cNvSpPr>
-          <p:nvPr>
-            <p:ph type="title"/>
-          </p:nvPr>
-        </p:nvSpPr>
-        <p:spPr/>
-        <p:txBody>
-          <a:bodyPr/>
-          <a:lstStyle/>
-          <a:p>
-            <a:r>
-              <a:rPr lang="en-US" dirty="0"/>
-              <a:t>Now is your turn</a:t>
-            </a:r>
-          </a:p>
-        </p:txBody>
-      </p:sp>
-      <p:pic>
-        <p:nvPicPr>
-          <p:cNvPr id="4" name="Content Placeholder 3"/>
-          <p:cNvPicPr>
-            <a:picLocks noGrp="1" noChangeAspect="1"/>
-          </p:cNvPicPr>
-          <p:nvPr>
-            <p:ph idx="1"/>
-          </p:nvPr>
-        </p:nvPicPr>
-        <p:blipFill>
-          <a:blip r:embed="rId2">
-            <a:extLst>
-              <a:ext uri="{28A0092B-C50C-407E-A947-70E740481C1C}">
-                <a14:useLocalDpi xmlns:a14="http://schemas.microsoft.com/office/drawing/2010/main" val="0"/>
-              </a:ext>
-            </a:extLst>
-          </a:blip>
-          <a:stretch>
-            <a:fillRect/>
-          </a:stretch>
-        </p:blipFill>
-        <p:spPr>
-          <a:xfrm>
-            <a:off x="3646140" y="1628800"/>
-            <a:ext cx="5112568" cy="4866986"/>
-          </a:xfrm>
-          <a:prstGeom prst="rect">
-            <a:avLst/>
-          </a:prstGeom>
-          <a:solidFill>
-            <a:srgbClr val="FFFFFF">
-              <a:shade val="85000"/>
-            </a:srgbClr>
-          </a:solidFill>
-          <a:ln w="88900" cap="sq">
-            <a:solidFill>
-              <a:srgbClr val="FFFFFF"/>
-            </a:solidFill>
-            <a:miter lim="800000"/>
-          </a:ln>
-          <a:effectLst>
-            <a:outerShdw blurRad="55000" dist="18000" dir="5400000" algn="tl" rotWithShape="0">
-              <a:srgbClr val="000000">
-                <a:alpha val="40000"/>
-              </a:srgbClr>
-            </a:outerShdw>
-          </a:effectLst>
-          <a:scene3d>
-            <a:camera prst="orthographicFront"/>
-            <a:lightRig rig="twoPt" dir="t">
-              <a:rot lat="0" lon="0" rev="7200000"/>
-            </a:lightRig>
-          </a:scene3d>
-          <a:sp3d>
-            <a:bevelT w="25400" h="19050"/>
-            <a:contourClr>
-              <a:srgbClr val="FFFFFF"/>
-            </a:contourClr>
-          </a:sp3d>
-        </p:spPr>
-      </p:pic>
-    </p:spTree>
-    <p:extLst>
-      <p:ext uri="{BB962C8B-B14F-4D97-AF65-F5344CB8AC3E}">
-        <p14:creationId xmlns:p14="http://schemas.microsoft.com/office/powerpoint/2010/main" val="3636648490"/>
-      </p:ext>
-    </p:extLst>
-  </p:cSld>
-  <p:clrMapOvr>
-    <a:masterClrMapping/>
-  </p:clrMapOvr>
-  <mc:AlternateContent xmlns:mc="http://schemas.openxmlformats.org/markup-compatibility/2006" xmlns:p14="http://schemas.microsoft.com/office/powerpoint/2010/main">
-    <mc:Choice Requires="p14">
-      <p:transition spd="med" p14:dur="700">
-        <p:fade/>
-      </p:transition>
-    </mc:Choice>
-    <mc:Fallback xmlns="">
-      <p:transition spd="med">
-        <p:fade/>
-      </p:transition>
-    </mc:Fallback>
-  </mc:AlternateContent>
-</p:sld>
-</file>
-
-<file path=ppt/slides/slide2.xml><?xml version="1.0" encoding="utf-8"?>
-<p:sld xmlns:a="http://schemas.openxmlformats.org/drawingml/2006/main" xmlns:r="http://schemas.openxmlformats.org/officeDocument/2006/relationships" xmlns:p="http://schemas.openxmlformats.org/presentationml/2006/main">
-  <p:cSld>
-    <p:spTree>
-      <p:nvGrpSpPr>
-        <p:cNvPr id="1" name=""/>
-        <p:cNvGrpSpPr/>
-        <p:nvPr/>
-      </p:nvGrpSpPr>
-      <p:grpSpPr>
-        <a:xfrm>
-          <a:off x="0" y="0"/>
-          <a:ext cx="0" cy="0"/>
-          <a:chOff x="0" y="0"/>
-          <a:chExt cx="0" cy="0"/>
-        </a:xfrm>
-      </p:grpSpPr>
-      <p:sp>
-        <p:nvSpPr>
-          <p:cNvPr id="13" name="Title 12"/>
-          <p:cNvSpPr>
-            <a:spLocks noGrp="1"/>
-          </p:cNvSpPr>
-          <p:nvPr>
-            <p:ph type="title"/>
-          </p:nvPr>
-        </p:nvSpPr>
-        <p:spPr/>
-        <p:txBody>
-          <a:bodyPr/>
-          <a:lstStyle/>
-          <a:p>
-            <a:r>
-              <a:rPr lang="en-US" dirty="0"/>
-              <a:t>What is model-based testing?</a:t>
-            </a:r>
-          </a:p>
-        </p:txBody>
-      </p:sp>
-      <p:sp>
-        <p:nvSpPr>
-          <p:cNvPr id="14" name="Content Placeholder 13"/>
-          <p:cNvSpPr>
-            <a:spLocks noGrp="1"/>
-          </p:cNvSpPr>
-          <p:nvPr>
-            <p:ph idx="1"/>
-          </p:nvPr>
-        </p:nvSpPr>
-        <p:spPr/>
-        <p:txBody>
-          <a:bodyPr/>
-          <a:lstStyle/>
-          <a:p>
-            <a:r>
-              <a:rPr lang="en-US" dirty="0"/>
-              <a:t>What is model-based testing?</a:t>
-            </a:r>
-          </a:p>
-          <a:p>
-            <a:r>
-              <a:rPr lang="en-US" dirty="0"/>
-              <a:t>Why is this used?</a:t>
-            </a:r>
-          </a:p>
-          <a:p>
-            <a:r>
-              <a:rPr lang="en-US" dirty="0"/>
-              <a:t>What is the model?</a:t>
-            </a:r>
-          </a:p>
-          <a:p>
-            <a:r>
-              <a:rPr lang="en-US" dirty="0"/>
-              <a:t>Which tool I use?</a:t>
-            </a:r>
-          </a:p>
-          <a:p>
-            <a:r>
-              <a:rPr lang="en-US" dirty="0"/>
-              <a:t>Exercise demonstration</a:t>
-            </a:r>
-          </a:p>
-          <a:p>
-            <a:r>
-              <a:rPr lang="en-US" dirty="0"/>
-              <a:t>Now is your turn</a:t>
-            </a:r>
-          </a:p>
-        </p:txBody>
-      </p:sp>
-      <p:sp>
-        <p:nvSpPr>
-          <p:cNvPr id="6" name="Title 12"/>
-          <p:cNvSpPr txBox="1">
-            <a:spLocks/>
-          </p:cNvSpPr>
-          <p:nvPr/>
-        </p:nvSpPr>
-        <p:spPr>
-          <a:xfrm>
-            <a:off x="6526460" y="6597352"/>
-            <a:ext cx="5760640" cy="346051"/>
-          </a:xfrm>
-          <a:prstGeom prst="rect">
-            <a:avLst/>
-          </a:prstGeom>
-        </p:spPr>
-        <p:txBody>
-          <a:bodyPr vert="horz" lIns="121899" tIns="60949" rIns="121899" bIns="60949" rtlCol="0" anchor="b">
-            <a:noAutofit/>
-          </a:bodyPr>
-          <a:lstStyle>
-            <a:lvl1pPr algn="l" defTabSz="1218987" rtl="0" eaLnBrk="1" latinLnBrk="0" hangingPunct="1">
-              <a:lnSpc>
-                <a:spcPct val="90000"/>
-              </a:lnSpc>
-              <a:spcBef>
-                <a:spcPct val="0"/>
-              </a:spcBef>
-              <a:buNone/>
-              <a:defRPr sz="5400" kern="1200">
-                <a:solidFill>
-                  <a:schemeClr val="tx1"/>
-                </a:solidFill>
-                <a:latin typeface="+mj-lt"/>
-                <a:ea typeface="+mj-ea"/>
-                <a:cs typeface="+mj-cs"/>
-              </a:defRPr>
-            </a:lvl1pPr>
-          </a:lstStyle>
-          <a:p>
-            <a:pPr algn="ctr"/>
-            <a:r>
-              <a:rPr lang="en-US" sz="2000" dirty="0"/>
-              <a:t>José Esteves e Ricardo </a:t>
-            </a:r>
-            <a:r>
-              <a:rPr lang="en-US" sz="2000" dirty="0" err="1"/>
-              <a:t>Malafaya</a:t>
-            </a:r>
-            <a:r>
-              <a:rPr lang="en-US" sz="2000" dirty="0"/>
-              <a:t> – 03 December 2016</a:t>
-            </a:r>
-          </a:p>
-        </p:txBody>
-      </p:sp>
-    </p:spTree>
-    <p:extLst>
-      <p:ext uri="{BB962C8B-B14F-4D97-AF65-F5344CB8AC3E}">
-        <p14:creationId xmlns:p14="http://schemas.microsoft.com/office/powerpoint/2010/main" val="1801968693"/>
-      </p:ext>
-    </p:extLst>
-  </p:cSld>
-  <p:clrMapOvr>
-    <a:masterClrMapping/>
-  </p:clrMapOvr>
-  <mc:AlternateContent xmlns:mc="http://schemas.openxmlformats.org/markup-compatibility/2006" xmlns:p14="http://schemas.microsoft.com/office/powerpoint/2010/main">
-    <mc:Choice Requires="p14">
-      <p:transition spd="med" p14:dur="700">
-        <p:fade/>
-      </p:transition>
-    </mc:Choice>
-    <mc:Fallback xmlns="">
-      <p:transition spd="med">
-        <p:fade/>
-      </p:transition>
-    </mc:Fallback>
-  </mc:AlternateContent>
-</p:sld>
-</file>
-
-<file path=ppt/slides/slide3.xml><?xml version="1.0" encoding="utf-8"?>
-<p:sld xmlns:a="http://schemas.openxmlformats.org/drawingml/2006/main" xmlns:r="http://schemas.openxmlformats.org/officeDocument/2006/relationships" xmlns:p="http://schemas.openxmlformats.org/presentationml/2006/main">
-  <p:cSld>
-    <p:spTree>
-      <p:nvGrpSpPr>
-        <p:cNvPr id="1" name=""/>
-        <p:cNvGrpSpPr/>
-        <p:nvPr/>
-      </p:nvGrpSpPr>
-      <p:grpSpPr>
-        <a:xfrm>
-          <a:off x="0" y="0"/>
-          <a:ext cx="0" cy="0"/>
-          <a:chOff x="0" y="0"/>
-          <a:chExt cx="0" cy="0"/>
-        </a:xfrm>
-      </p:grpSpPr>
-      <p:sp>
-        <p:nvSpPr>
-          <p:cNvPr id="13" name="Title 12"/>
-          <p:cNvSpPr>
-            <a:spLocks noGrp="1"/>
-          </p:cNvSpPr>
-          <p:nvPr>
-            <p:ph type="title"/>
-          </p:nvPr>
-        </p:nvSpPr>
-        <p:spPr/>
-        <p:txBody>
-          <a:bodyPr/>
-          <a:lstStyle/>
-          <a:p>
-            <a:r>
-              <a:rPr lang="en-US" dirty="0"/>
-              <a:t>What is model-based testing?</a:t>
-            </a:r>
-          </a:p>
-        </p:txBody>
-      </p:sp>
-      <p:sp>
-        <p:nvSpPr>
-          <p:cNvPr id="14" name="Content Placeholder 13"/>
-          <p:cNvSpPr>
-            <a:spLocks noGrp="1"/>
-          </p:cNvSpPr>
-          <p:nvPr>
-            <p:ph idx="1"/>
-          </p:nvPr>
-        </p:nvSpPr>
-        <p:spPr/>
-        <p:txBody>
-          <a:bodyPr>
-            <a:normAutofit/>
-          </a:bodyPr>
-          <a:lstStyle/>
-          <a:p>
-            <a:r>
-              <a:rPr lang="en-US" sz="2000" dirty="0"/>
-              <a:t>Model-based testing (MBT) is the automatic generation of software test procedures, using models of system requirements and behavior.</a:t>
-            </a:r>
-          </a:p>
-          <a:p>
-            <a:r>
-              <a:rPr lang="en-US" sz="2000" dirty="0"/>
-              <a:t>Almost synonyms</a:t>
-            </a:r>
-          </a:p>
-          <a:p>
-            <a:pPr lvl="1"/>
-            <a:r>
-              <a:rPr lang="en-US" sz="1800" dirty="0"/>
-              <a:t>Model-driven testing</a:t>
-            </a:r>
-          </a:p>
-          <a:p>
-            <a:pPr lvl="1"/>
-            <a:r>
-              <a:rPr lang="en-US" sz="1800" dirty="0"/>
-              <a:t>Test generation</a:t>
-            </a:r>
-          </a:p>
-          <a:p>
-            <a:pPr lvl="1"/>
-            <a:r>
-              <a:rPr lang="en-US" sz="1800" dirty="0"/>
-              <a:t>Hardware in the loop</a:t>
-            </a:r>
-          </a:p>
-          <a:p>
-            <a:r>
-              <a:rPr lang="en-US" sz="2000" dirty="0"/>
-              <a:t>Approaches</a:t>
-            </a:r>
-          </a:p>
-          <a:p>
-            <a:pPr lvl="1"/>
-            <a:r>
-              <a:rPr lang="en-US" sz="1800" dirty="0"/>
-              <a:t>Online MBT</a:t>
-            </a:r>
-          </a:p>
-          <a:p>
-            <a:pPr lvl="1"/>
-            <a:r>
-              <a:rPr lang="pt-PT" sz="1800" dirty="0"/>
-              <a:t>Offline MBT</a:t>
-            </a:r>
-          </a:p>
-        </p:txBody>
-      </p:sp>
-      <p:sp>
-        <p:nvSpPr>
-          <p:cNvPr id="6" name="Title 12"/>
-          <p:cNvSpPr txBox="1">
-            <a:spLocks/>
-          </p:cNvSpPr>
-          <p:nvPr/>
-        </p:nvSpPr>
-        <p:spPr>
-          <a:xfrm>
-            <a:off x="6526460" y="6597352"/>
-            <a:ext cx="5760640" cy="346051"/>
-          </a:xfrm>
-          <a:prstGeom prst="rect">
-            <a:avLst/>
-          </a:prstGeom>
-        </p:spPr>
-        <p:txBody>
-          <a:bodyPr vert="horz" lIns="121899" tIns="60949" rIns="121899" bIns="60949" rtlCol="0" anchor="b">
-            <a:noAutofit/>
-          </a:bodyPr>
-          <a:lstStyle>
-            <a:lvl1pPr algn="l" defTabSz="1218987" rtl="0" eaLnBrk="1" latinLnBrk="0" hangingPunct="1">
-              <a:lnSpc>
-                <a:spcPct val="90000"/>
-              </a:lnSpc>
-              <a:spcBef>
-                <a:spcPct val="0"/>
-              </a:spcBef>
-              <a:buNone/>
-              <a:defRPr sz="5400" kern="1200">
-                <a:solidFill>
-                  <a:schemeClr val="tx1"/>
-                </a:solidFill>
-                <a:latin typeface="+mj-lt"/>
-                <a:ea typeface="+mj-ea"/>
-                <a:cs typeface="+mj-cs"/>
-              </a:defRPr>
-            </a:lvl1pPr>
-          </a:lstStyle>
-          <a:p>
-            <a:pPr algn="ctr"/>
-            <a:r>
-              <a:rPr lang="en-US" sz="2000" dirty="0"/>
-              <a:t>José Esteves e Ricardo </a:t>
-            </a:r>
-            <a:r>
-              <a:rPr lang="en-US" sz="2000" dirty="0" err="1"/>
-              <a:t>Malafaya</a:t>
-            </a:r>
-            <a:r>
-              <a:rPr lang="en-US" sz="2000" dirty="0"/>
-              <a:t> – 03 December 2016</a:t>
-            </a:r>
-          </a:p>
-        </p:txBody>
-      </p:sp>
-      <p:pic>
-        <p:nvPicPr>
-          <p:cNvPr id="2" name="Picture 1"/>
-          <p:cNvPicPr>
-            <a:picLocks noChangeAspect="1"/>
-          </p:cNvPicPr>
-          <p:nvPr/>
-        </p:nvPicPr>
-        <p:blipFill>
-          <a:blip r:embed="rId2"/>
-          <a:stretch>
-            <a:fillRect/>
-          </a:stretch>
-        </p:blipFill>
-        <p:spPr>
-          <a:xfrm>
-            <a:off x="7490131" y="2217636"/>
-            <a:ext cx="4082231" cy="1267484"/>
-          </a:xfrm>
-          <a:prstGeom prst="rect">
-            <a:avLst/>
-          </a:prstGeom>
-        </p:spPr>
-      </p:pic>
-      <p:pic>
-        <p:nvPicPr>
-          <p:cNvPr id="3" name="Picture 2"/>
-          <p:cNvPicPr>
-            <a:picLocks noChangeAspect="1"/>
-          </p:cNvPicPr>
-          <p:nvPr/>
-        </p:nvPicPr>
-        <p:blipFill>
-          <a:blip r:embed="rId3"/>
-          <a:stretch>
-            <a:fillRect/>
-          </a:stretch>
-        </p:blipFill>
-        <p:spPr>
-          <a:xfrm>
-            <a:off x="7592093" y="3583498"/>
-            <a:ext cx="3878306" cy="2462981"/>
-          </a:xfrm>
-          <a:prstGeom prst="rect">
-            <a:avLst/>
-          </a:prstGeom>
-        </p:spPr>
-      </p:pic>
-    </p:spTree>
-    <p:extLst>
-      <p:ext uri="{BB962C8B-B14F-4D97-AF65-F5344CB8AC3E}">
-        <p14:creationId xmlns:p14="http://schemas.microsoft.com/office/powerpoint/2010/main" val="3529114326"/>
-      </p:ext>
-    </p:extLst>
-  </p:cSld>
-  <p:clrMapOvr>
-    <a:masterClrMapping/>
-  </p:clrMapOvr>
-  <mc:AlternateContent xmlns:mc="http://schemas.openxmlformats.org/markup-compatibility/2006" xmlns:p14="http://schemas.microsoft.com/office/powerpoint/2010/main">
-    <mc:Choice Requires="p14">
-      <p:transition spd="med" p14:dur="700">
-        <p:fade/>
-      </p:transition>
-    </mc:Choice>
-    <mc:Fallback xmlns="">
-      <p:transition spd="med">
-        <p:fade/>
-      </p:transition>
-    </mc:Fallback>
-  </mc:AlternateContent>
-</p:sld>
-</file>
-
-<file path=ppt/slides/slide4.xml><?xml version="1.0" encoding="utf-8"?>
-<p:sld xmlns:a="http://schemas.openxmlformats.org/drawingml/2006/main" xmlns:r="http://schemas.openxmlformats.org/officeDocument/2006/relationships" xmlns:p="http://schemas.openxmlformats.org/presentationml/2006/main">
-  <p:cSld>
-    <p:spTree>
-      <p:nvGrpSpPr>
-        <p:cNvPr id="1" name=""/>
-        <p:cNvGrpSpPr/>
-        <p:nvPr/>
-      </p:nvGrpSpPr>
-      <p:grpSpPr>
-        <a:xfrm>
-          <a:off x="0" y="0"/>
-          <a:ext cx="0" cy="0"/>
-          <a:chOff x="0" y="0"/>
-          <a:chExt cx="0" cy="0"/>
-        </a:xfrm>
-      </p:grpSpPr>
-      <p:sp>
-        <p:nvSpPr>
-          <p:cNvPr id="2" name="Title 1"/>
-          <p:cNvSpPr>
-            <a:spLocks noGrp="1"/>
-          </p:cNvSpPr>
-          <p:nvPr>
-            <p:ph type="title"/>
-          </p:nvPr>
-        </p:nvSpPr>
-        <p:spPr/>
-        <p:txBody>
-          <a:bodyPr/>
-          <a:lstStyle/>
-          <a:p>
-            <a:r>
-              <a:rPr lang="en-US" dirty="0"/>
-              <a:t>What is model-based testing?</a:t>
-            </a:r>
-            <a:endParaRPr lang="pt-PT" dirty="0"/>
-          </a:p>
-        </p:txBody>
-      </p:sp>
-      <p:sp>
-        <p:nvSpPr>
-          <p:cNvPr id="3" name="Text Placeholder 2"/>
-          <p:cNvSpPr>
-            <a:spLocks noGrp="1"/>
-          </p:cNvSpPr>
-          <p:nvPr>
-            <p:ph type="body" idx="1"/>
-          </p:nvPr>
-        </p:nvSpPr>
-        <p:spPr/>
-        <p:txBody>
-          <a:bodyPr/>
-          <a:lstStyle/>
-          <a:p>
-            <a:r>
-              <a:rPr lang="pt-PT" dirty="0"/>
-              <a:t>Offline MBT</a:t>
-            </a:r>
-          </a:p>
-        </p:txBody>
-      </p:sp>
-      <p:sp>
-        <p:nvSpPr>
-          <p:cNvPr id="4" name="Content Placeholder 3"/>
-          <p:cNvSpPr>
-            <a:spLocks noGrp="1"/>
-          </p:cNvSpPr>
-          <p:nvPr>
-            <p:ph sz="half" idx="2"/>
-          </p:nvPr>
-        </p:nvSpPr>
-        <p:spPr/>
-        <p:txBody>
-          <a:bodyPr/>
-          <a:lstStyle/>
-          <a:p>
-            <a:r>
-              <a:rPr lang="en-GB" sz="2000" dirty="0"/>
-              <a:t>Automate test case generation </a:t>
-            </a:r>
-          </a:p>
-          <a:p>
-            <a:r>
-              <a:rPr lang="en-GB" sz="2000" dirty="0"/>
-              <a:t>Offline MBT means generating a finite set of tests and execute those later </a:t>
-            </a:r>
-          </a:p>
-          <a:p>
-            <a:r>
-              <a:rPr lang="en-GB" sz="2000" dirty="0"/>
-              <a:t>This allows automatic test execution in third party test execution platform </a:t>
-            </a:r>
-          </a:p>
-          <a:p>
-            <a:r>
-              <a:rPr lang="en-GB" sz="2000" dirty="0"/>
-              <a:t>Makes possible to create a tool chain:</a:t>
-            </a:r>
-            <a:endParaRPr lang="pt-PT" sz="2000" dirty="0"/>
-          </a:p>
-        </p:txBody>
-      </p:sp>
-      <p:sp>
-        <p:nvSpPr>
-          <p:cNvPr id="5" name="Text Placeholder 4"/>
-          <p:cNvSpPr>
-            <a:spLocks noGrp="1"/>
-          </p:cNvSpPr>
-          <p:nvPr>
-            <p:ph type="body" sz="quarter" idx="3"/>
-          </p:nvPr>
-        </p:nvSpPr>
-        <p:spPr/>
-        <p:txBody>
-          <a:bodyPr/>
-          <a:lstStyle/>
-          <a:p>
-            <a:r>
-              <a:rPr lang="pt-PT" dirty="0"/>
-              <a:t>Online MBT</a:t>
-            </a:r>
-          </a:p>
-        </p:txBody>
-      </p:sp>
-      <p:sp>
-        <p:nvSpPr>
-          <p:cNvPr id="6" name="Content Placeholder 5"/>
-          <p:cNvSpPr>
-            <a:spLocks noGrp="1"/>
-          </p:cNvSpPr>
-          <p:nvPr>
-            <p:ph sz="quarter" idx="4"/>
-          </p:nvPr>
-        </p:nvSpPr>
-        <p:spPr/>
-        <p:txBody>
-          <a:bodyPr/>
-          <a:lstStyle/>
-          <a:p>
-            <a:r>
-              <a:rPr lang="en-GB" dirty="0"/>
-              <a:t>Test case generation and execution in motion </a:t>
-            </a:r>
-          </a:p>
-          <a:p>
-            <a:r>
-              <a:rPr lang="en-GB" dirty="0"/>
-              <a:t>•Next step is design after the output receiving </a:t>
-            </a:r>
-          </a:p>
-          <a:p>
-            <a:r>
-              <a:rPr lang="en-GB" dirty="0"/>
-              <a:t>Testing nondeterministic systems</a:t>
-            </a:r>
-          </a:p>
-          <a:p>
-            <a:r>
-              <a:rPr lang="en-GB" dirty="0"/>
-              <a:t>Infinite test suite running</a:t>
-            </a:r>
-            <a:endParaRPr lang="pt-PT" dirty="0"/>
-          </a:p>
-        </p:txBody>
-      </p:sp>
-      <p:pic>
-        <p:nvPicPr>
-          <p:cNvPr id="7" name="Picture 6"/>
-          <p:cNvPicPr>
-            <a:picLocks noChangeAspect="1"/>
-          </p:cNvPicPr>
-          <p:nvPr/>
-        </p:nvPicPr>
-        <p:blipFill>
-          <a:blip r:embed="rId2"/>
-          <a:stretch>
-            <a:fillRect/>
-          </a:stretch>
-        </p:blipFill>
-        <p:spPr>
-          <a:xfrm>
-            <a:off x="1485900" y="5229200"/>
-            <a:ext cx="4333875" cy="752475"/>
-          </a:xfrm>
-          <a:prstGeom prst="rect">
-            <a:avLst/>
-          </a:prstGeom>
-        </p:spPr>
-      </p:pic>
-    </p:spTree>
-    <p:extLst>
-      <p:ext uri="{BB962C8B-B14F-4D97-AF65-F5344CB8AC3E}">
-        <p14:creationId xmlns:p14="http://schemas.microsoft.com/office/powerpoint/2010/main" val="646453974"/>
-      </p:ext>
-    </p:extLst>
-  </p:cSld>
-  <p:clrMapOvr>
-    <a:masterClrMapping/>
-  </p:clrMapOvr>
-  <mc:AlternateContent xmlns:mc="http://schemas.openxmlformats.org/markup-compatibility/2006" xmlns:p14="http://schemas.microsoft.com/office/powerpoint/2010/main">
-    <mc:Choice Requires="p14">
-      <p:transition spd="med" p14:dur="700">
-        <p:fade/>
-      </p:transition>
-    </mc:Choice>
-    <mc:Fallback xmlns="">
-      <p:transition spd="med">
-        <p:fade/>
-      </p:transition>
-    </mc:Fallback>
-  </mc:AlternateContent>
-</p:sld>
-</file>
-
-<file path=ppt/slides/slide5.xml><?xml version="1.0" encoding="utf-8"?>
-<p:sld xmlns:a="http://schemas.openxmlformats.org/drawingml/2006/main" xmlns:r="http://schemas.openxmlformats.org/officeDocument/2006/relationships" xmlns:p="http://schemas.openxmlformats.org/presentationml/2006/main">
-  <p:cSld>
-    <p:spTree>
-      <p:nvGrpSpPr>
-        <p:cNvPr id="1" name=""/>
-        <p:cNvGrpSpPr/>
-        <p:nvPr/>
-      </p:nvGrpSpPr>
-      <p:grpSpPr>
-        <a:xfrm>
-          <a:off x="0" y="0"/>
-          <a:ext cx="0" cy="0"/>
-          <a:chOff x="0" y="0"/>
-          <a:chExt cx="0" cy="0"/>
-        </a:xfrm>
-      </p:grpSpPr>
-      <p:sp>
-        <p:nvSpPr>
-          <p:cNvPr id="13" name="Title 12"/>
-          <p:cNvSpPr>
-            <a:spLocks noGrp="1"/>
-          </p:cNvSpPr>
-          <p:nvPr>
-            <p:ph type="title"/>
-          </p:nvPr>
-        </p:nvSpPr>
-        <p:spPr/>
-        <p:txBody>
-          <a:bodyPr/>
-          <a:lstStyle/>
-          <a:p>
-            <a:r>
-              <a:rPr lang="en-US" dirty="0"/>
-              <a:t>Why is this used?</a:t>
-            </a:r>
-          </a:p>
-        </p:txBody>
-      </p:sp>
-      <p:sp>
-        <p:nvSpPr>
-          <p:cNvPr id="14" name="Content Placeholder 13"/>
-          <p:cNvSpPr>
-            <a:spLocks noGrp="1"/>
-          </p:cNvSpPr>
-          <p:nvPr>
-            <p:ph idx="1"/>
-          </p:nvPr>
-        </p:nvSpPr>
-        <p:spPr/>
-        <p:txBody>
-          <a:bodyPr>
-            <a:normAutofit/>
-          </a:bodyPr>
-          <a:lstStyle/>
-          <a:p>
-            <a:r>
-              <a:rPr lang="en-GB" dirty="0"/>
-              <a:t>Rules are specified once.</a:t>
-            </a:r>
-          </a:p>
-          <a:p>
-            <a:r>
-              <a:rPr lang="en-GB" dirty="0"/>
-              <a:t>Project maintenance is lower</a:t>
-            </a:r>
-          </a:p>
-          <a:p>
-            <a:r>
-              <a:rPr lang="en-GB" dirty="0"/>
-              <a:t>Design is fluid</a:t>
-            </a:r>
-          </a:p>
-          <a:p>
-            <a:r>
-              <a:rPr lang="en-GB" dirty="0"/>
-              <a:t>Design more and code less</a:t>
-            </a:r>
-          </a:p>
-          <a:p>
-            <a:r>
-              <a:rPr lang="en-GB" dirty="0"/>
-              <a:t>High coverage</a:t>
-            </a:r>
-          </a:p>
-          <a:p>
-            <a:r>
-              <a:rPr lang="en-GB" dirty="0"/>
-              <a:t>Model authoring is independent of implementation and actual testing</a:t>
-            </a:r>
-          </a:p>
-        </p:txBody>
-      </p:sp>
-      <p:sp>
-        <p:nvSpPr>
-          <p:cNvPr id="6" name="Title 12"/>
-          <p:cNvSpPr txBox="1">
-            <a:spLocks/>
-          </p:cNvSpPr>
-          <p:nvPr/>
-        </p:nvSpPr>
-        <p:spPr>
-          <a:xfrm>
-            <a:off x="6526460" y="6597352"/>
-            <a:ext cx="5760640" cy="346051"/>
-          </a:xfrm>
-          <a:prstGeom prst="rect">
-            <a:avLst/>
-          </a:prstGeom>
-        </p:spPr>
-        <p:txBody>
-          <a:bodyPr vert="horz" lIns="121899" tIns="60949" rIns="121899" bIns="60949" rtlCol="0" anchor="b">
-            <a:noAutofit/>
-          </a:bodyPr>
-          <a:lstStyle>
-            <a:lvl1pPr algn="l" defTabSz="1218987" rtl="0" eaLnBrk="1" latinLnBrk="0" hangingPunct="1">
-              <a:lnSpc>
-                <a:spcPct val="90000"/>
-              </a:lnSpc>
-              <a:spcBef>
-                <a:spcPct val="0"/>
-              </a:spcBef>
-              <a:buNone/>
-              <a:defRPr sz="5400" kern="1200">
-                <a:solidFill>
-                  <a:schemeClr val="tx1"/>
-                </a:solidFill>
-                <a:latin typeface="+mj-lt"/>
-                <a:ea typeface="+mj-ea"/>
-                <a:cs typeface="+mj-cs"/>
-              </a:defRPr>
-            </a:lvl1pPr>
-          </a:lstStyle>
-          <a:p>
-            <a:pPr algn="ctr"/>
-            <a:r>
-              <a:rPr lang="en-US" sz="2000" dirty="0"/>
-              <a:t>José Esteves e Ricardo </a:t>
-            </a:r>
-            <a:r>
-              <a:rPr lang="en-US" sz="2000" dirty="0" err="1"/>
-              <a:t>Malafaya</a:t>
-            </a:r>
-            <a:r>
-              <a:rPr lang="en-US" sz="2000" dirty="0"/>
-              <a:t> – 03 December 2016</a:t>
-            </a:r>
-          </a:p>
-        </p:txBody>
-      </p:sp>
-      <p:pic>
-        <p:nvPicPr>
-          <p:cNvPr id="2" name="Picture 1"/>
-          <p:cNvPicPr>
-            <a:picLocks noChangeAspect="1"/>
-          </p:cNvPicPr>
-          <p:nvPr/>
-        </p:nvPicPr>
-        <p:blipFill>
-          <a:blip r:embed="rId3"/>
-          <a:stretch>
-            <a:fillRect/>
-          </a:stretch>
-        </p:blipFill>
-        <p:spPr>
-          <a:xfrm>
-            <a:off x="981844" y="7101408"/>
-            <a:ext cx="9793331" cy="6858000"/>
-          </a:xfrm>
-          <a:prstGeom prst="rect">
-            <a:avLst/>
-          </a:prstGeom>
-        </p:spPr>
-      </p:pic>
-    </p:spTree>
-    <p:extLst>
-      <p:ext uri="{BB962C8B-B14F-4D97-AF65-F5344CB8AC3E}">
-        <p14:creationId xmlns:p14="http://schemas.microsoft.com/office/powerpoint/2010/main" val="3381232033"/>
-      </p:ext>
-    </p:extLst>
-  </p:cSld>
-  <p:clrMapOvr>
-    <a:masterClrMapping/>
-  </p:clrMapOvr>
-  <mc:AlternateContent xmlns:mc="http://schemas.openxmlformats.org/markup-compatibility/2006" xmlns:p14="http://schemas.microsoft.com/office/powerpoint/2010/main">
-    <mc:Choice Requires="p14">
-      <p:transition spd="med" p14:dur="700">
-        <p:fade/>
-      </p:transition>
-    </mc:Choice>
-    <mc:Fallback xmlns="">
-      <p:transition spd="med">
-        <p:fade/>
-      </p:transition>
-    </mc:Fallback>
-  </mc:AlternateContent>
-</p:sld>
-</file>
-
-<file path=ppt/slides/slide6.xml><?xml version="1.0" encoding="utf-8"?>
-<p:sld xmlns:a="http://schemas.openxmlformats.org/drawingml/2006/main" xmlns:r="http://schemas.openxmlformats.org/officeDocument/2006/relationships" xmlns:p="http://schemas.openxmlformats.org/presentationml/2006/main">
-  <p:cSld>
-    <p:spTree>
-      <p:nvGrpSpPr>
-        <p:cNvPr id="1" name=""/>
-        <p:cNvGrpSpPr/>
-        <p:nvPr/>
-      </p:nvGrpSpPr>
-      <p:grpSpPr>
-        <a:xfrm>
-          <a:off x="0" y="0"/>
-          <a:ext cx="0" cy="0"/>
-          <a:chOff x="0" y="0"/>
-          <a:chExt cx="0" cy="0"/>
-        </a:xfrm>
-      </p:grpSpPr>
-      <p:sp>
-        <p:nvSpPr>
-          <p:cNvPr id="13" name="Title 12"/>
-          <p:cNvSpPr>
-            <a:spLocks noGrp="1"/>
-          </p:cNvSpPr>
-          <p:nvPr>
-            <p:ph type="title"/>
-          </p:nvPr>
-        </p:nvSpPr>
-        <p:spPr/>
-        <p:txBody>
-          <a:bodyPr/>
-          <a:lstStyle/>
-          <a:p>
-            <a:r>
-              <a:rPr lang="en-US" dirty="0"/>
-              <a:t>What is the model?</a:t>
-            </a:r>
-          </a:p>
-        </p:txBody>
-      </p:sp>
-      <p:sp>
-        <p:nvSpPr>
-          <p:cNvPr id="14" name="Content Placeholder 13"/>
-          <p:cNvSpPr>
-            <a:spLocks noGrp="1"/>
-          </p:cNvSpPr>
-          <p:nvPr>
-            <p:ph idx="1"/>
-          </p:nvPr>
-        </p:nvSpPr>
-        <p:spPr/>
-        <p:txBody>
-          <a:bodyPr/>
-          <a:lstStyle/>
-          <a:p>
-            <a:r>
-              <a:rPr lang="en-GB" dirty="0"/>
-              <a:t>Data Flow</a:t>
-            </a:r>
-          </a:p>
-          <a:p>
-            <a:r>
-              <a:rPr lang="en-GB" dirty="0"/>
-              <a:t>Control Flow</a:t>
-            </a:r>
-          </a:p>
-          <a:p>
-            <a:r>
-              <a:rPr lang="en-GB" dirty="0"/>
-              <a:t>Dependency Graphs</a:t>
-            </a:r>
-          </a:p>
-          <a:p>
-            <a:r>
-              <a:rPr lang="en-GB" dirty="0"/>
-              <a:t>Decision Tables</a:t>
-            </a:r>
-          </a:p>
-          <a:p>
-            <a:r>
-              <a:rPr lang="en-GB" dirty="0"/>
-              <a:t>State transition machines</a:t>
-            </a:r>
-          </a:p>
-        </p:txBody>
-      </p:sp>
-      <p:sp>
-        <p:nvSpPr>
-          <p:cNvPr id="6" name="Title 12"/>
-          <p:cNvSpPr txBox="1">
-            <a:spLocks/>
-          </p:cNvSpPr>
-          <p:nvPr/>
-        </p:nvSpPr>
-        <p:spPr>
-          <a:xfrm>
-            <a:off x="6526460" y="6597352"/>
-            <a:ext cx="5760640" cy="346051"/>
-          </a:xfrm>
-          <a:prstGeom prst="rect">
-            <a:avLst/>
-          </a:prstGeom>
-        </p:spPr>
-        <p:txBody>
-          <a:bodyPr vert="horz" lIns="121899" tIns="60949" rIns="121899" bIns="60949" rtlCol="0" anchor="b">
-            <a:noAutofit/>
-          </a:bodyPr>
-          <a:lstStyle>
-            <a:lvl1pPr algn="l" defTabSz="1218987" rtl="0" eaLnBrk="1" latinLnBrk="0" hangingPunct="1">
-              <a:lnSpc>
-                <a:spcPct val="90000"/>
-              </a:lnSpc>
-              <a:spcBef>
-                <a:spcPct val="0"/>
-              </a:spcBef>
-              <a:buNone/>
-              <a:defRPr sz="5400" kern="1200">
-                <a:solidFill>
-                  <a:schemeClr val="tx1"/>
-                </a:solidFill>
-                <a:latin typeface="+mj-lt"/>
-                <a:ea typeface="+mj-ea"/>
-                <a:cs typeface="+mj-cs"/>
-              </a:defRPr>
-            </a:lvl1pPr>
-          </a:lstStyle>
-          <a:p>
-            <a:pPr algn="ctr"/>
-            <a:r>
-              <a:rPr lang="en-US" sz="2000" dirty="0"/>
-              <a:t>José Esteves e Ricardo </a:t>
-            </a:r>
-            <a:r>
-              <a:rPr lang="en-US" sz="2000" dirty="0" err="1"/>
-              <a:t>Malafaya</a:t>
-            </a:r>
-            <a:r>
-              <a:rPr lang="en-US" sz="2000" dirty="0"/>
-              <a:t> – 03 December 2016</a:t>
-            </a:r>
-          </a:p>
-        </p:txBody>
-      </p:sp>
-    </p:spTree>
-    <p:extLst>
-      <p:ext uri="{BB962C8B-B14F-4D97-AF65-F5344CB8AC3E}">
-        <p14:creationId xmlns:p14="http://schemas.microsoft.com/office/powerpoint/2010/main" val="2266073314"/>
-      </p:ext>
-    </p:extLst>
-  </p:cSld>
-  <p:clrMapOvr>
-    <a:masterClrMapping/>
-  </p:clrMapOvr>
-  <mc:AlternateContent xmlns:mc="http://schemas.openxmlformats.org/markup-compatibility/2006" xmlns:p14="http://schemas.microsoft.com/office/powerpoint/2010/main">
-    <mc:Choice Requires="p14">
-      <p:transition spd="med" p14:dur="700">
-        <p:fade/>
-      </p:transition>
-    </mc:Choice>
-    <mc:Fallback xmlns="">
-      <p:transition spd="med">
-        <p:fade/>
-      </p:transition>
-    </mc:Fallback>
-  </mc:AlternateContent>
-</p:sld>
-</file>
-
-<file path=ppt/slides/slide7.xml><?xml version="1.0" encoding="utf-8"?>
 <p:sld xmlns:a="http://schemas.openxmlformats.org/drawingml/2006/main" xmlns:r="http://schemas.openxmlformats.org/officeDocument/2006/relationships" xmlns:p="http://schemas.openxmlformats.org/presentationml/2006/main">
   <p:cSld>
     <p:spTree>
@@ -9186,7 +8449,7 @@
 </p:sld>
 </file>
 
-<file path=ppt/slides/slide8.xml><?xml version="1.0" encoding="utf-8"?>
+<file path=ppt/slides/slide11.xml><?xml version="1.0" encoding="utf-8"?>
 <p:sld xmlns:a="http://schemas.openxmlformats.org/drawingml/2006/main" xmlns:r="http://schemas.openxmlformats.org/officeDocument/2006/relationships" xmlns:p="http://schemas.openxmlformats.org/presentationml/2006/main">
   <p:cSld>
     <p:spTree>
@@ -9238,7 +8501,7 @@
         </p:nvSpPr>
         <p:spPr>
           <a:xfrm>
-            <a:off x="7642753" y="1710510"/>
+            <a:off x="2242153" y="1974835"/>
             <a:ext cx="2825197" cy="914400"/>
           </a:xfrm>
         </p:spPr>
@@ -9313,7 +8576,7 @@
       </p:sp>
       <p:sp>
         <p:nvSpPr>
-          <p:cNvPr id="15" name="Text Placeholder 9"/>
+          <p:cNvPr id="17" name="Text Placeholder 9"/>
           <p:cNvSpPr>
             <a:spLocks noGrp="1"/>
           </p:cNvSpPr>
@@ -9323,34 +8586,7 @@
         </p:nvSpPr>
         <p:spPr>
           <a:xfrm>
-            <a:off x="4922224" y="1710510"/>
-            <a:ext cx="1645677" cy="914400"/>
-          </a:xfrm>
-        </p:spPr>
-        <p:txBody>
-          <a:bodyPr/>
-          <a:lstStyle/>
-          <a:p>
-            <a:r>
-              <a:rPr lang="pt-PT" dirty="0"/>
-              <a:t>MATELO</a:t>
-            </a:r>
-          </a:p>
-        </p:txBody>
-      </p:sp>
-      <p:sp>
-        <p:nvSpPr>
-          <p:cNvPr id="17" name="Text Placeholder 9"/>
-          <p:cNvSpPr>
-            <a:spLocks noGrp="1"/>
-          </p:cNvSpPr>
-          <p:nvPr>
-            <p:ph type="body" idx="1"/>
-          </p:nvPr>
-        </p:nvSpPr>
-        <p:spPr>
-          <a:xfrm>
-            <a:off x="1862906" y="1840929"/>
+            <a:off x="7623546" y="1830238"/>
             <a:ext cx="1296144" cy="914400"/>
           </a:xfrm>
         </p:spPr>
@@ -9390,7 +8626,7 @@
         </p:blipFill>
         <p:spPr bwMode="auto">
           <a:xfrm>
-            <a:off x="7246540" y="3956763"/>
+            <a:off x="1845940" y="4221088"/>
             <a:ext cx="3617625" cy="687348"/>
           </a:xfrm>
           <a:prstGeom prst="rect">
@@ -9431,49 +8667,8 @@
         </p:blipFill>
         <p:spPr bwMode="auto">
           <a:xfrm>
-            <a:off x="4510236" y="3065610"/>
+            <a:off x="7246540" y="2986261"/>
             <a:ext cx="2469654" cy="2469654"/>
-          </a:xfrm>
-          <a:prstGeom prst="rect">
-            <a:avLst/>
-          </a:prstGeom>
-          <a:noFill/>
-          <a:extLst>
-            <a:ext uri="{909E8E84-426E-40DD-AFC4-6F175D3DCCD1}">
-              <a14:hiddenFill xmlns:a14="http://schemas.microsoft.com/office/drawing/2010/main">
-                <a:solidFill>
-                  <a:srgbClr val="FFFFFF"/>
-                </a:solidFill>
-              </a14:hiddenFill>
-            </a:ext>
-          </a:extLst>
-        </p:spPr>
-      </p:pic>
-      <p:pic>
-        <p:nvPicPr>
-          <p:cNvPr id="2056" name="Picture 8" descr="http://www.all4tec.net/images/MaTeLo/Plugins/Button165p/Download-MaTeLo-Free-Trial-On.png"/>
-          <p:cNvPicPr>
-            <a:picLocks noChangeAspect="1" noChangeArrowheads="1"/>
-          </p:cNvPicPr>
-          <p:nvPr/>
-        </p:nvPicPr>
-        <p:blipFill>
-          <a:blip r:embed="rId4">
-            <a:extLst>
-              <a:ext uri="{28A0092B-C50C-407E-A947-70E740481C1C}">
-                <a14:useLocalDpi xmlns:a14="http://schemas.microsoft.com/office/drawing/2010/main" val="0"/>
-              </a:ext>
-            </a:extLst>
-          </a:blip>
-          <a:srcRect/>
-          <a:stretch>
-            <a:fillRect/>
-          </a:stretch>
-        </p:blipFill>
-        <p:spPr bwMode="auto">
-          <a:xfrm>
-            <a:off x="1629916" y="3571775"/>
-            <a:ext cx="1762125" cy="1457325"/>
           </a:xfrm>
           <a:prstGeom prst="rect">
             <a:avLst/>
@@ -9515,7 +8710,222 @@
 </p:sld>
 </file>
 
-<file path=ppt/slides/slide9.xml><?xml version="1.0" encoding="utf-8"?>
+<file path=ppt/slides/slide12.xml><?xml version="1.0" encoding="utf-8"?>
+<p:sld xmlns:a="http://schemas.openxmlformats.org/drawingml/2006/main" xmlns:r="http://schemas.openxmlformats.org/officeDocument/2006/relationships" xmlns:p="http://schemas.openxmlformats.org/presentationml/2006/main">
+  <p:cSld>
+    <p:spTree>
+      <p:nvGrpSpPr>
+        <p:cNvPr id="1" name=""/>
+        <p:cNvGrpSpPr/>
+        <p:nvPr/>
+      </p:nvGrpSpPr>
+      <p:grpSpPr>
+        <a:xfrm>
+          <a:off x="0" y="0"/>
+          <a:ext cx="0" cy="0"/>
+          <a:chOff x="0" y="0"/>
+          <a:chExt cx="0" cy="0"/>
+        </a:xfrm>
+      </p:grpSpPr>
+      <p:sp>
+        <p:nvSpPr>
+          <p:cNvPr id="13" name="Title 12"/>
+          <p:cNvSpPr>
+            <a:spLocks noGrp="1"/>
+          </p:cNvSpPr>
+          <p:nvPr>
+            <p:ph type="title"/>
+          </p:nvPr>
+        </p:nvSpPr>
+        <p:spPr/>
+        <p:txBody>
+          <a:bodyPr/>
+          <a:lstStyle/>
+          <a:p>
+            <a:r>
+              <a:rPr lang="en-US"/>
+              <a:t>Which tool I use?</a:t>
+            </a:r>
+            <a:endParaRPr lang="en-US" dirty="0"/>
+          </a:p>
+        </p:txBody>
+      </p:sp>
+      <p:sp>
+        <p:nvSpPr>
+          <p:cNvPr id="10" name="Text Placeholder 9"/>
+          <p:cNvSpPr>
+            <a:spLocks noGrp="1"/>
+          </p:cNvSpPr>
+          <p:nvPr>
+            <p:ph type="body" idx="1"/>
+          </p:nvPr>
+        </p:nvSpPr>
+        <p:spPr>
+          <a:xfrm>
+            <a:off x="1218883" y="1701800"/>
+            <a:ext cx="3363361" cy="914400"/>
+          </a:xfrm>
+        </p:spPr>
+        <p:txBody>
+          <a:bodyPr/>
+          <a:lstStyle/>
+          <a:p>
+            <a:r>
+              <a:rPr lang="pt-PT" dirty="0" err="1"/>
+              <a:t>GraphWalker</a:t>
+            </a:r>
+            <a:endParaRPr lang="pt-PT" dirty="0"/>
+          </a:p>
+        </p:txBody>
+      </p:sp>
+      <p:sp>
+        <p:nvSpPr>
+          <p:cNvPr id="6" name="Title 12"/>
+          <p:cNvSpPr txBox="1">
+            <a:spLocks/>
+          </p:cNvSpPr>
+          <p:nvPr/>
+        </p:nvSpPr>
+        <p:spPr>
+          <a:xfrm>
+            <a:off x="6526460" y="6597352"/>
+            <a:ext cx="5760640" cy="346051"/>
+          </a:xfrm>
+          <a:prstGeom prst="rect">
+            <a:avLst/>
+          </a:prstGeom>
+        </p:spPr>
+        <p:txBody>
+          <a:bodyPr vert="horz" lIns="121899" tIns="60949" rIns="121899" bIns="60949" rtlCol="0" anchor="b">
+            <a:noAutofit/>
+          </a:bodyPr>
+          <a:lstStyle>
+            <a:lvl1pPr algn="l" defTabSz="1218987" rtl="0" eaLnBrk="1" latinLnBrk="0" hangingPunct="1">
+              <a:lnSpc>
+                <a:spcPct val="90000"/>
+              </a:lnSpc>
+              <a:spcBef>
+                <a:spcPct val="0"/>
+              </a:spcBef>
+              <a:buNone/>
+              <a:defRPr sz="5400" kern="1200">
+                <a:solidFill>
+                  <a:schemeClr val="tx1"/>
+                </a:solidFill>
+                <a:latin typeface="+mj-lt"/>
+                <a:ea typeface="+mj-ea"/>
+                <a:cs typeface="+mj-cs"/>
+              </a:defRPr>
+            </a:lvl1pPr>
+          </a:lstStyle>
+          <a:p>
+            <a:pPr algn="ctr"/>
+            <a:r>
+              <a:rPr lang="en-US" sz="2000" dirty="0"/>
+              <a:t>José Esteves e Ricardo </a:t>
+            </a:r>
+            <a:r>
+              <a:rPr lang="en-US" sz="2000" dirty="0" err="1"/>
+              <a:t>Malafaya</a:t>
+            </a:r>
+            <a:r>
+              <a:rPr lang="en-US" sz="2000" dirty="0"/>
+              <a:t> – 03 December 2016</a:t>
+            </a:r>
+          </a:p>
+        </p:txBody>
+      </p:sp>
+      <p:pic>
+        <p:nvPicPr>
+          <p:cNvPr id="8" name="Picture 7"/>
+          <p:cNvPicPr>
+            <a:picLocks noChangeAspect="1"/>
+          </p:cNvPicPr>
+          <p:nvPr/>
+        </p:nvPicPr>
+        <p:blipFill>
+          <a:blip r:embed="rId2"/>
+          <a:stretch>
+            <a:fillRect/>
+          </a:stretch>
+        </p:blipFill>
+        <p:spPr>
+          <a:xfrm>
+            <a:off x="970529" y="2845078"/>
+            <a:ext cx="5589476" cy="3336602"/>
+          </a:xfrm>
+          <a:prstGeom prst="rect">
+            <a:avLst/>
+          </a:prstGeom>
+        </p:spPr>
+      </p:pic>
+      <p:pic>
+        <p:nvPicPr>
+          <p:cNvPr id="4098" name="Picture 2" descr="PetClinic"/>
+          <p:cNvPicPr>
+            <a:picLocks noChangeAspect="1" noChangeArrowheads="1"/>
+          </p:cNvPicPr>
+          <p:nvPr/>
+        </p:nvPicPr>
+        <p:blipFill>
+          <a:blip r:embed="rId3">
+            <a:extLst>
+              <a:ext uri="{28A0092B-C50C-407E-A947-70E740481C1C}">
+                <a14:useLocalDpi xmlns:a14="http://schemas.microsoft.com/office/drawing/2010/main" val="0"/>
+              </a:ext>
+            </a:extLst>
+          </a:blip>
+          <a:srcRect/>
+          <a:stretch>
+            <a:fillRect/>
+          </a:stretch>
+        </p:blipFill>
+        <p:spPr bwMode="auto">
+          <a:xfrm>
+            <a:off x="6598468" y="1866855"/>
+            <a:ext cx="5105400" cy="4314825"/>
+          </a:xfrm>
+          <a:prstGeom prst="rect">
+            <a:avLst/>
+          </a:prstGeom>
+          <a:noFill/>
+          <a:extLst>
+            <a:ext uri="{909E8E84-426E-40DD-AFC4-6F175D3DCCD1}">
+              <a14:hiddenFill xmlns:a14="http://schemas.microsoft.com/office/drawing/2010/main">
+                <a:solidFill>
+                  <a:srgbClr val="FFFFFF"/>
+                </a:solidFill>
+              </a14:hiddenFill>
+            </a:ext>
+          </a:extLst>
+        </p:spPr>
+      </p:pic>
+    </p:spTree>
+    <p:extLst>
+      <p:ext uri="{BB962C8B-B14F-4D97-AF65-F5344CB8AC3E}">
+        <p14:creationId xmlns:p14="http://schemas.microsoft.com/office/powerpoint/2010/main" val="1162509744"/>
+      </p:ext>
+    </p:extLst>
+  </p:cSld>
+  <p:clrMapOvr>
+    <a:masterClrMapping/>
+  </p:clrMapOvr>
+  <mc:AlternateContent xmlns:mc="http://schemas.openxmlformats.org/markup-compatibility/2006" xmlns:p14="http://schemas.microsoft.com/office/powerpoint/2010/main">
+    <mc:Choice Requires="p14">
+      <p:transition spd="med" p14:dur="700">
+        <p:fade/>
+      </p:transition>
+    </mc:Choice>
+    <mc:Fallback xmlns="">
+      <p:transition spd="med">
+        <p:fade/>
+      </p:transition>
+    </mc:Fallback>
+  </mc:AlternateContent>
+</p:sld>
+</file>
+
+<file path=ppt/slides/slide13.xml><?xml version="1.0" encoding="utf-8"?>
 <p:sld xmlns:a="http://schemas.openxmlformats.org/drawingml/2006/main" xmlns:r="http://schemas.openxmlformats.org/officeDocument/2006/relationships" xmlns:p="http://schemas.openxmlformats.org/presentationml/2006/main">
   <p:cSld>
     <p:spTree>
@@ -9684,6 +9094,2165 @@
     <p:extLst>
       <p:ext uri="{BB962C8B-B14F-4D97-AF65-F5344CB8AC3E}">
         <p14:creationId xmlns:p14="http://schemas.microsoft.com/office/powerpoint/2010/main" val="2409493200"/>
+      </p:ext>
+    </p:extLst>
+  </p:cSld>
+  <p:clrMapOvr>
+    <a:masterClrMapping/>
+  </p:clrMapOvr>
+  <mc:AlternateContent xmlns:mc="http://schemas.openxmlformats.org/markup-compatibility/2006" xmlns:p14="http://schemas.microsoft.com/office/powerpoint/2010/main">
+    <mc:Choice Requires="p14">
+      <p:transition spd="med" p14:dur="700">
+        <p:fade/>
+      </p:transition>
+    </mc:Choice>
+    <mc:Fallback xmlns="">
+      <p:transition spd="med">
+        <p:fade/>
+      </p:transition>
+    </mc:Fallback>
+  </mc:AlternateContent>
+</p:sld>
+</file>
+
+<file path=ppt/slides/slide14.xml><?xml version="1.0" encoding="utf-8"?>
+<p:sld xmlns:a="http://schemas.openxmlformats.org/drawingml/2006/main" xmlns:r="http://schemas.openxmlformats.org/officeDocument/2006/relationships" xmlns:p="http://schemas.openxmlformats.org/presentationml/2006/main">
+  <p:cSld>
+    <p:spTree>
+      <p:nvGrpSpPr>
+        <p:cNvPr id="1" name=""/>
+        <p:cNvGrpSpPr/>
+        <p:nvPr/>
+      </p:nvGrpSpPr>
+      <p:grpSpPr>
+        <a:xfrm>
+          <a:off x="0" y="0"/>
+          <a:ext cx="0" cy="0"/>
+          <a:chOff x="0" y="0"/>
+          <a:chExt cx="0" cy="0"/>
+        </a:xfrm>
+      </p:grpSpPr>
+      <p:sp>
+        <p:nvSpPr>
+          <p:cNvPr id="7" name="Title 6"/>
+          <p:cNvSpPr>
+            <a:spLocks noGrp="1"/>
+          </p:cNvSpPr>
+          <p:nvPr>
+            <p:ph type="title"/>
+          </p:nvPr>
+        </p:nvSpPr>
+        <p:spPr/>
+        <p:txBody>
+          <a:bodyPr/>
+          <a:lstStyle/>
+          <a:p>
+            <a:r>
+              <a:rPr lang="en-US" dirty="0"/>
+              <a:t>Exercise demonstration</a:t>
+            </a:r>
+          </a:p>
+        </p:txBody>
+      </p:sp>
+      <p:pic>
+        <p:nvPicPr>
+          <p:cNvPr id="4" name="Content Placeholder 3"/>
+          <p:cNvPicPr>
+            <a:picLocks noGrp="1" noChangeAspect="1"/>
+          </p:cNvPicPr>
+          <p:nvPr>
+            <p:ph idx="1"/>
+          </p:nvPr>
+        </p:nvPicPr>
+        <p:blipFill>
+          <a:blip r:embed="rId2">
+            <a:extLst>
+              <a:ext uri="{28A0092B-C50C-407E-A947-70E740481C1C}">
+                <a14:useLocalDpi xmlns:a14="http://schemas.microsoft.com/office/drawing/2010/main" val="0"/>
+              </a:ext>
+            </a:extLst>
+          </a:blip>
+          <a:stretch>
+            <a:fillRect/>
+          </a:stretch>
+        </p:blipFill>
+        <p:spPr>
+          <a:xfrm>
+            <a:off x="3646140" y="1628800"/>
+            <a:ext cx="5112568" cy="4866986"/>
+          </a:xfrm>
+          <a:prstGeom prst="rect">
+            <a:avLst/>
+          </a:prstGeom>
+          <a:solidFill>
+            <a:srgbClr val="FFFFFF">
+              <a:shade val="85000"/>
+            </a:srgbClr>
+          </a:solidFill>
+          <a:ln w="88900" cap="sq">
+            <a:solidFill>
+              <a:srgbClr val="FFFFFF"/>
+            </a:solidFill>
+            <a:miter lim="800000"/>
+          </a:ln>
+          <a:effectLst>
+            <a:outerShdw blurRad="55000" dist="18000" dir="5400000" algn="tl" rotWithShape="0">
+              <a:srgbClr val="000000">
+                <a:alpha val="40000"/>
+              </a:srgbClr>
+            </a:outerShdw>
+          </a:effectLst>
+          <a:scene3d>
+            <a:camera prst="orthographicFront"/>
+            <a:lightRig rig="twoPt" dir="t">
+              <a:rot lat="0" lon="0" rev="7200000"/>
+            </a:lightRig>
+          </a:scene3d>
+          <a:sp3d>
+            <a:bevelT w="25400" h="19050"/>
+            <a:contourClr>
+              <a:srgbClr val="FFFFFF"/>
+            </a:contourClr>
+          </a:sp3d>
+        </p:spPr>
+      </p:pic>
+    </p:spTree>
+    <p:extLst>
+      <p:ext uri="{BB962C8B-B14F-4D97-AF65-F5344CB8AC3E}">
+        <p14:creationId xmlns:p14="http://schemas.microsoft.com/office/powerpoint/2010/main" val="1484811712"/>
+      </p:ext>
+    </p:extLst>
+  </p:cSld>
+  <p:clrMapOvr>
+    <a:masterClrMapping/>
+  </p:clrMapOvr>
+  <mc:AlternateContent xmlns:mc="http://schemas.openxmlformats.org/markup-compatibility/2006" xmlns:p14="http://schemas.microsoft.com/office/powerpoint/2010/main">
+    <mc:Choice Requires="p14">
+      <p:transition spd="med" p14:dur="700">
+        <p:fade/>
+      </p:transition>
+    </mc:Choice>
+    <mc:Fallback xmlns="">
+      <p:transition spd="med">
+        <p:fade/>
+      </p:transition>
+    </mc:Fallback>
+  </mc:AlternateContent>
+</p:sld>
+</file>
+
+<file path=ppt/slides/slide15.xml><?xml version="1.0" encoding="utf-8"?>
+<p:sld xmlns:a="http://schemas.openxmlformats.org/drawingml/2006/main" xmlns:r="http://schemas.openxmlformats.org/officeDocument/2006/relationships" xmlns:p="http://schemas.openxmlformats.org/presentationml/2006/main">
+  <p:cSld>
+    <p:spTree>
+      <p:nvGrpSpPr>
+        <p:cNvPr id="1" name=""/>
+        <p:cNvGrpSpPr/>
+        <p:nvPr/>
+      </p:nvGrpSpPr>
+      <p:grpSpPr>
+        <a:xfrm>
+          <a:off x="0" y="0"/>
+          <a:ext cx="0" cy="0"/>
+          <a:chOff x="0" y="0"/>
+          <a:chExt cx="0" cy="0"/>
+        </a:xfrm>
+      </p:grpSpPr>
+      <p:sp>
+        <p:nvSpPr>
+          <p:cNvPr id="7" name="Title 6"/>
+          <p:cNvSpPr>
+            <a:spLocks noGrp="1"/>
+          </p:cNvSpPr>
+          <p:nvPr>
+            <p:ph type="title"/>
+          </p:nvPr>
+        </p:nvSpPr>
+        <p:spPr/>
+        <p:txBody>
+          <a:bodyPr/>
+          <a:lstStyle/>
+          <a:p>
+            <a:r>
+              <a:rPr lang="en-US" dirty="0"/>
+              <a:t>Now is your turn</a:t>
+            </a:r>
+          </a:p>
+        </p:txBody>
+      </p:sp>
+      <p:pic>
+        <p:nvPicPr>
+          <p:cNvPr id="4" name="Content Placeholder 3"/>
+          <p:cNvPicPr>
+            <a:picLocks noGrp="1" noChangeAspect="1"/>
+          </p:cNvPicPr>
+          <p:nvPr>
+            <p:ph idx="1"/>
+          </p:nvPr>
+        </p:nvPicPr>
+        <p:blipFill>
+          <a:blip r:embed="rId2">
+            <a:extLst>
+              <a:ext uri="{28A0092B-C50C-407E-A947-70E740481C1C}">
+                <a14:useLocalDpi xmlns:a14="http://schemas.microsoft.com/office/drawing/2010/main" val="0"/>
+              </a:ext>
+            </a:extLst>
+          </a:blip>
+          <a:stretch>
+            <a:fillRect/>
+          </a:stretch>
+        </p:blipFill>
+        <p:spPr>
+          <a:xfrm>
+            <a:off x="3646140" y="1628800"/>
+            <a:ext cx="5112568" cy="4866986"/>
+          </a:xfrm>
+          <a:prstGeom prst="rect">
+            <a:avLst/>
+          </a:prstGeom>
+          <a:solidFill>
+            <a:srgbClr val="FFFFFF">
+              <a:shade val="85000"/>
+            </a:srgbClr>
+          </a:solidFill>
+          <a:ln w="88900" cap="sq">
+            <a:solidFill>
+              <a:srgbClr val="FFFFFF"/>
+            </a:solidFill>
+            <a:miter lim="800000"/>
+          </a:ln>
+          <a:effectLst>
+            <a:outerShdw blurRad="55000" dist="18000" dir="5400000" algn="tl" rotWithShape="0">
+              <a:srgbClr val="000000">
+                <a:alpha val="40000"/>
+              </a:srgbClr>
+            </a:outerShdw>
+          </a:effectLst>
+          <a:scene3d>
+            <a:camera prst="orthographicFront"/>
+            <a:lightRig rig="twoPt" dir="t">
+              <a:rot lat="0" lon="0" rev="7200000"/>
+            </a:lightRig>
+          </a:scene3d>
+          <a:sp3d>
+            <a:bevelT w="25400" h="19050"/>
+            <a:contourClr>
+              <a:srgbClr val="FFFFFF"/>
+            </a:contourClr>
+          </a:sp3d>
+        </p:spPr>
+      </p:pic>
+    </p:spTree>
+    <p:extLst>
+      <p:ext uri="{BB962C8B-B14F-4D97-AF65-F5344CB8AC3E}">
+        <p14:creationId xmlns:p14="http://schemas.microsoft.com/office/powerpoint/2010/main" val="3636648490"/>
+      </p:ext>
+    </p:extLst>
+  </p:cSld>
+  <p:clrMapOvr>
+    <a:masterClrMapping/>
+  </p:clrMapOvr>
+  <mc:AlternateContent xmlns:mc="http://schemas.openxmlformats.org/markup-compatibility/2006" xmlns:p14="http://schemas.microsoft.com/office/powerpoint/2010/main">
+    <mc:Choice Requires="p14">
+      <p:transition spd="med" p14:dur="700">
+        <p:fade/>
+      </p:transition>
+    </mc:Choice>
+    <mc:Fallback xmlns="">
+      <p:transition spd="med">
+        <p:fade/>
+      </p:transition>
+    </mc:Fallback>
+  </mc:AlternateContent>
+</p:sld>
+</file>
+
+<file path=ppt/slides/slide2.xml><?xml version="1.0" encoding="utf-8"?>
+<p:sld xmlns:a="http://schemas.openxmlformats.org/drawingml/2006/main" xmlns:r="http://schemas.openxmlformats.org/officeDocument/2006/relationships" xmlns:p="http://schemas.openxmlformats.org/presentationml/2006/main">
+  <p:cSld>
+    <p:spTree>
+      <p:nvGrpSpPr>
+        <p:cNvPr id="1" name=""/>
+        <p:cNvGrpSpPr/>
+        <p:nvPr/>
+      </p:nvGrpSpPr>
+      <p:grpSpPr>
+        <a:xfrm>
+          <a:off x="0" y="0"/>
+          <a:ext cx="0" cy="0"/>
+          <a:chOff x="0" y="0"/>
+          <a:chExt cx="0" cy="0"/>
+        </a:xfrm>
+      </p:grpSpPr>
+      <p:sp>
+        <p:nvSpPr>
+          <p:cNvPr id="13" name="Title 12"/>
+          <p:cNvSpPr>
+            <a:spLocks noGrp="1"/>
+          </p:cNvSpPr>
+          <p:nvPr>
+            <p:ph type="title"/>
+          </p:nvPr>
+        </p:nvSpPr>
+        <p:spPr/>
+        <p:txBody>
+          <a:bodyPr/>
+          <a:lstStyle/>
+          <a:p>
+            <a:r>
+              <a:rPr lang="en-US" dirty="0"/>
+              <a:t>Model-based testing</a:t>
+            </a:r>
+          </a:p>
+        </p:txBody>
+      </p:sp>
+      <p:sp>
+        <p:nvSpPr>
+          <p:cNvPr id="14" name="Content Placeholder 13"/>
+          <p:cNvSpPr>
+            <a:spLocks noGrp="1"/>
+          </p:cNvSpPr>
+          <p:nvPr>
+            <p:ph idx="1"/>
+          </p:nvPr>
+        </p:nvSpPr>
+        <p:spPr/>
+        <p:txBody>
+          <a:bodyPr/>
+          <a:lstStyle/>
+          <a:p>
+            <a:r>
+              <a:rPr lang="en-US" dirty="0"/>
+              <a:t>What is model-based testing?</a:t>
+            </a:r>
+          </a:p>
+          <a:p>
+            <a:r>
+              <a:rPr lang="en-US" dirty="0"/>
+              <a:t>Why is this used?</a:t>
+            </a:r>
+          </a:p>
+          <a:p>
+            <a:r>
+              <a:rPr lang="en-US" dirty="0"/>
+              <a:t>What is the model?</a:t>
+            </a:r>
+          </a:p>
+          <a:p>
+            <a:r>
+              <a:rPr lang="en-US" dirty="0"/>
+              <a:t>Which tool I use?</a:t>
+            </a:r>
+          </a:p>
+          <a:p>
+            <a:r>
+              <a:rPr lang="en-US" dirty="0"/>
+              <a:t>Exercise demonstration</a:t>
+            </a:r>
+          </a:p>
+          <a:p>
+            <a:r>
+              <a:rPr lang="en-US" dirty="0"/>
+              <a:t>Now is your turn</a:t>
+            </a:r>
+          </a:p>
+        </p:txBody>
+      </p:sp>
+      <p:sp>
+        <p:nvSpPr>
+          <p:cNvPr id="6" name="Title 12"/>
+          <p:cNvSpPr txBox="1">
+            <a:spLocks/>
+          </p:cNvSpPr>
+          <p:nvPr/>
+        </p:nvSpPr>
+        <p:spPr>
+          <a:xfrm>
+            <a:off x="6526460" y="6597352"/>
+            <a:ext cx="5760640" cy="346051"/>
+          </a:xfrm>
+          <a:prstGeom prst="rect">
+            <a:avLst/>
+          </a:prstGeom>
+        </p:spPr>
+        <p:txBody>
+          <a:bodyPr vert="horz" lIns="121899" tIns="60949" rIns="121899" bIns="60949" rtlCol="0" anchor="b">
+            <a:noAutofit/>
+          </a:bodyPr>
+          <a:lstStyle>
+            <a:lvl1pPr algn="l" defTabSz="1218987" rtl="0" eaLnBrk="1" latinLnBrk="0" hangingPunct="1">
+              <a:lnSpc>
+                <a:spcPct val="90000"/>
+              </a:lnSpc>
+              <a:spcBef>
+                <a:spcPct val="0"/>
+              </a:spcBef>
+              <a:buNone/>
+              <a:defRPr sz="5400" kern="1200">
+                <a:solidFill>
+                  <a:schemeClr val="tx1"/>
+                </a:solidFill>
+                <a:latin typeface="+mj-lt"/>
+                <a:ea typeface="+mj-ea"/>
+                <a:cs typeface="+mj-cs"/>
+              </a:defRPr>
+            </a:lvl1pPr>
+          </a:lstStyle>
+          <a:p>
+            <a:pPr algn="ctr"/>
+            <a:r>
+              <a:rPr lang="en-US" sz="2000" dirty="0"/>
+              <a:t>José Esteves e Ricardo </a:t>
+            </a:r>
+            <a:r>
+              <a:rPr lang="en-US" sz="2000" dirty="0" err="1"/>
+              <a:t>Malafaya</a:t>
+            </a:r>
+            <a:r>
+              <a:rPr lang="en-US" sz="2000" dirty="0"/>
+              <a:t> – 03 December 2016</a:t>
+            </a:r>
+          </a:p>
+        </p:txBody>
+      </p:sp>
+    </p:spTree>
+    <p:extLst>
+      <p:ext uri="{BB962C8B-B14F-4D97-AF65-F5344CB8AC3E}">
+        <p14:creationId xmlns:p14="http://schemas.microsoft.com/office/powerpoint/2010/main" val="1801968693"/>
+      </p:ext>
+    </p:extLst>
+  </p:cSld>
+  <p:clrMapOvr>
+    <a:masterClrMapping/>
+  </p:clrMapOvr>
+  <mc:AlternateContent xmlns:mc="http://schemas.openxmlformats.org/markup-compatibility/2006" xmlns:p14="http://schemas.microsoft.com/office/powerpoint/2010/main">
+    <mc:Choice Requires="p14">
+      <p:transition spd="med" p14:dur="700">
+        <p:fade/>
+      </p:transition>
+    </mc:Choice>
+    <mc:Fallback xmlns="">
+      <p:transition spd="med">
+        <p:fade/>
+      </p:transition>
+    </mc:Fallback>
+  </mc:AlternateContent>
+</p:sld>
+</file>
+
+<file path=ppt/slides/slide3.xml><?xml version="1.0" encoding="utf-8"?>
+<p:sld xmlns:a="http://schemas.openxmlformats.org/drawingml/2006/main" xmlns:r="http://schemas.openxmlformats.org/officeDocument/2006/relationships" xmlns:p="http://schemas.openxmlformats.org/presentationml/2006/main">
+  <p:cSld>
+    <p:spTree>
+      <p:nvGrpSpPr>
+        <p:cNvPr id="1" name=""/>
+        <p:cNvGrpSpPr/>
+        <p:nvPr/>
+      </p:nvGrpSpPr>
+      <p:grpSpPr>
+        <a:xfrm>
+          <a:off x="0" y="0"/>
+          <a:ext cx="0" cy="0"/>
+          <a:chOff x="0" y="0"/>
+          <a:chExt cx="0" cy="0"/>
+        </a:xfrm>
+      </p:grpSpPr>
+      <p:sp>
+        <p:nvSpPr>
+          <p:cNvPr id="13" name="Title 12"/>
+          <p:cNvSpPr>
+            <a:spLocks noGrp="1"/>
+          </p:cNvSpPr>
+          <p:nvPr>
+            <p:ph type="title"/>
+          </p:nvPr>
+        </p:nvSpPr>
+        <p:spPr/>
+        <p:txBody>
+          <a:bodyPr/>
+          <a:lstStyle/>
+          <a:p>
+            <a:r>
+              <a:rPr lang="en-US" dirty="0"/>
+              <a:t>What is model-based testing?</a:t>
+            </a:r>
+          </a:p>
+        </p:txBody>
+      </p:sp>
+      <p:sp>
+        <p:nvSpPr>
+          <p:cNvPr id="14" name="Content Placeholder 13"/>
+          <p:cNvSpPr>
+            <a:spLocks noGrp="1"/>
+          </p:cNvSpPr>
+          <p:nvPr>
+            <p:ph idx="1"/>
+          </p:nvPr>
+        </p:nvSpPr>
+        <p:spPr/>
+        <p:txBody>
+          <a:bodyPr>
+            <a:normAutofit/>
+          </a:bodyPr>
+          <a:lstStyle/>
+          <a:p>
+            <a:r>
+              <a:rPr lang="en-US" sz="2000" dirty="0"/>
+              <a:t>Model-based testing (MBT) is the automatic generation of software test procedures, using models of system requirements and behavior.</a:t>
+            </a:r>
+          </a:p>
+          <a:p>
+            <a:r>
+              <a:rPr lang="en-US" sz="2000" dirty="0"/>
+              <a:t>Almost synonyms</a:t>
+            </a:r>
+          </a:p>
+          <a:p>
+            <a:pPr lvl="1"/>
+            <a:r>
+              <a:rPr lang="en-US" sz="1800" dirty="0"/>
+              <a:t>Model-driven testing</a:t>
+            </a:r>
+          </a:p>
+          <a:p>
+            <a:pPr lvl="1"/>
+            <a:r>
+              <a:rPr lang="en-US" sz="1800" dirty="0"/>
+              <a:t>Test generation</a:t>
+            </a:r>
+          </a:p>
+          <a:p>
+            <a:pPr lvl="1"/>
+            <a:r>
+              <a:rPr lang="en-US" sz="1800" dirty="0"/>
+              <a:t>Hardware in the loop</a:t>
+            </a:r>
+          </a:p>
+          <a:p>
+            <a:r>
+              <a:rPr lang="en-US" sz="2000" dirty="0"/>
+              <a:t>Approaches</a:t>
+            </a:r>
+          </a:p>
+          <a:p>
+            <a:pPr lvl="1"/>
+            <a:r>
+              <a:rPr lang="en-US" sz="1800" dirty="0"/>
+              <a:t>Online MBT</a:t>
+            </a:r>
+          </a:p>
+          <a:p>
+            <a:pPr lvl="1"/>
+            <a:r>
+              <a:rPr lang="pt-PT" sz="1800" dirty="0"/>
+              <a:t>Offline MBT</a:t>
+            </a:r>
+          </a:p>
+        </p:txBody>
+      </p:sp>
+      <p:sp>
+        <p:nvSpPr>
+          <p:cNvPr id="6" name="Title 12"/>
+          <p:cNvSpPr txBox="1">
+            <a:spLocks/>
+          </p:cNvSpPr>
+          <p:nvPr/>
+        </p:nvSpPr>
+        <p:spPr>
+          <a:xfrm>
+            <a:off x="6526460" y="6597352"/>
+            <a:ext cx="5760640" cy="346051"/>
+          </a:xfrm>
+          <a:prstGeom prst="rect">
+            <a:avLst/>
+          </a:prstGeom>
+        </p:spPr>
+        <p:txBody>
+          <a:bodyPr vert="horz" lIns="121899" tIns="60949" rIns="121899" bIns="60949" rtlCol="0" anchor="b">
+            <a:noAutofit/>
+          </a:bodyPr>
+          <a:lstStyle>
+            <a:lvl1pPr algn="l" defTabSz="1218987" rtl="0" eaLnBrk="1" latinLnBrk="0" hangingPunct="1">
+              <a:lnSpc>
+                <a:spcPct val="90000"/>
+              </a:lnSpc>
+              <a:spcBef>
+                <a:spcPct val="0"/>
+              </a:spcBef>
+              <a:buNone/>
+              <a:defRPr sz="5400" kern="1200">
+                <a:solidFill>
+                  <a:schemeClr val="tx1"/>
+                </a:solidFill>
+                <a:latin typeface="+mj-lt"/>
+                <a:ea typeface="+mj-ea"/>
+                <a:cs typeface="+mj-cs"/>
+              </a:defRPr>
+            </a:lvl1pPr>
+          </a:lstStyle>
+          <a:p>
+            <a:pPr algn="ctr"/>
+            <a:r>
+              <a:rPr lang="en-US" sz="2000" dirty="0"/>
+              <a:t>José Esteves e Ricardo </a:t>
+            </a:r>
+            <a:r>
+              <a:rPr lang="en-US" sz="2000" dirty="0" err="1"/>
+              <a:t>Malafaya</a:t>
+            </a:r>
+            <a:r>
+              <a:rPr lang="en-US" sz="2000" dirty="0"/>
+              <a:t> – 03 December 2016</a:t>
+            </a:r>
+          </a:p>
+        </p:txBody>
+      </p:sp>
+      <p:pic>
+        <p:nvPicPr>
+          <p:cNvPr id="2" name="Picture 1"/>
+          <p:cNvPicPr>
+            <a:picLocks noChangeAspect="1"/>
+          </p:cNvPicPr>
+          <p:nvPr/>
+        </p:nvPicPr>
+        <p:blipFill>
+          <a:blip r:embed="rId3"/>
+          <a:stretch>
+            <a:fillRect/>
+          </a:stretch>
+        </p:blipFill>
+        <p:spPr>
+          <a:xfrm>
+            <a:off x="7490131" y="2217636"/>
+            <a:ext cx="4082231" cy="1267484"/>
+          </a:xfrm>
+          <a:prstGeom prst="rect">
+            <a:avLst/>
+          </a:prstGeom>
+        </p:spPr>
+      </p:pic>
+      <p:pic>
+        <p:nvPicPr>
+          <p:cNvPr id="3" name="Picture 2"/>
+          <p:cNvPicPr>
+            <a:picLocks noChangeAspect="1"/>
+          </p:cNvPicPr>
+          <p:nvPr/>
+        </p:nvPicPr>
+        <p:blipFill>
+          <a:blip r:embed="rId4"/>
+          <a:stretch>
+            <a:fillRect/>
+          </a:stretch>
+        </p:blipFill>
+        <p:spPr>
+          <a:xfrm>
+            <a:off x="7592093" y="3583498"/>
+            <a:ext cx="3878306" cy="2462981"/>
+          </a:xfrm>
+          <a:prstGeom prst="rect">
+            <a:avLst/>
+          </a:prstGeom>
+        </p:spPr>
+      </p:pic>
+    </p:spTree>
+    <p:extLst>
+      <p:ext uri="{BB962C8B-B14F-4D97-AF65-F5344CB8AC3E}">
+        <p14:creationId xmlns:p14="http://schemas.microsoft.com/office/powerpoint/2010/main" val="3529114326"/>
+      </p:ext>
+    </p:extLst>
+  </p:cSld>
+  <p:clrMapOvr>
+    <a:masterClrMapping/>
+  </p:clrMapOvr>
+  <mc:AlternateContent xmlns:mc="http://schemas.openxmlformats.org/markup-compatibility/2006" xmlns:p14="http://schemas.microsoft.com/office/powerpoint/2010/main">
+    <mc:Choice Requires="p14">
+      <p:transition spd="med" p14:dur="700">
+        <p:fade/>
+      </p:transition>
+    </mc:Choice>
+    <mc:Fallback xmlns="">
+      <p:transition spd="med">
+        <p:fade/>
+      </p:transition>
+    </mc:Fallback>
+  </mc:AlternateContent>
+</p:sld>
+</file>
+
+<file path=ppt/slides/slide4.xml><?xml version="1.0" encoding="utf-8"?>
+<p:sld xmlns:a="http://schemas.openxmlformats.org/drawingml/2006/main" xmlns:r="http://schemas.openxmlformats.org/officeDocument/2006/relationships" xmlns:p="http://schemas.openxmlformats.org/presentationml/2006/main">
+  <p:cSld>
+    <p:spTree>
+      <p:nvGrpSpPr>
+        <p:cNvPr id="1" name=""/>
+        <p:cNvGrpSpPr/>
+        <p:nvPr/>
+      </p:nvGrpSpPr>
+      <p:grpSpPr>
+        <a:xfrm>
+          <a:off x="0" y="0"/>
+          <a:ext cx="0" cy="0"/>
+          <a:chOff x="0" y="0"/>
+          <a:chExt cx="0" cy="0"/>
+        </a:xfrm>
+      </p:grpSpPr>
+      <p:sp>
+        <p:nvSpPr>
+          <p:cNvPr id="13" name="Title 12"/>
+          <p:cNvSpPr>
+            <a:spLocks noGrp="1"/>
+          </p:cNvSpPr>
+          <p:nvPr>
+            <p:ph type="title"/>
+          </p:nvPr>
+        </p:nvSpPr>
+        <p:spPr/>
+        <p:txBody>
+          <a:bodyPr/>
+          <a:lstStyle/>
+          <a:p>
+            <a:r>
+              <a:rPr lang="en-US" dirty="0"/>
+              <a:t>What is model-based testing?</a:t>
+            </a:r>
+          </a:p>
+        </p:txBody>
+      </p:sp>
+      <p:sp>
+        <p:nvSpPr>
+          <p:cNvPr id="14" name="Content Placeholder 13"/>
+          <p:cNvSpPr>
+            <a:spLocks noGrp="1"/>
+          </p:cNvSpPr>
+          <p:nvPr>
+            <p:ph idx="1"/>
+          </p:nvPr>
+        </p:nvSpPr>
+        <p:spPr/>
+        <p:txBody>
+          <a:bodyPr>
+            <a:normAutofit/>
+          </a:bodyPr>
+          <a:lstStyle/>
+          <a:p>
+            <a:r>
+              <a:rPr lang="en-US" altLang="pt-PT" sz="2000" dirty="0">
+                <a:latin typeface="Times New Roman" panose="02020603050405020304" pitchFamily="18" charset="0"/>
+                <a:cs typeface="Times New Roman" panose="02020603050405020304" pitchFamily="18" charset="0"/>
+              </a:rPr>
+              <a:t>“</a:t>
+            </a:r>
+            <a:r>
+              <a:rPr lang="en-IN" altLang="pt-PT" sz="2000" b="1" i="1" dirty="0">
+                <a:latin typeface="Times New Roman" panose="02020603050405020304" pitchFamily="18" charset="0"/>
+                <a:cs typeface="Times New Roman" panose="02020603050405020304" pitchFamily="18" charset="0"/>
+              </a:rPr>
+              <a:t>Model-based testing</a:t>
+            </a:r>
+            <a:r>
+              <a:rPr lang="en-IN" altLang="pt-PT" sz="2000" dirty="0">
+                <a:latin typeface="Times New Roman" panose="02020603050405020304" pitchFamily="18" charset="0"/>
+                <a:cs typeface="Times New Roman" panose="02020603050405020304" pitchFamily="18" charset="0"/>
+              </a:rPr>
+              <a:t> is black box testing process </a:t>
+            </a:r>
+            <a:br>
+              <a:rPr lang="en-IN" altLang="pt-PT" sz="2000" dirty="0">
+                <a:latin typeface="Times New Roman" panose="02020603050405020304" pitchFamily="18" charset="0"/>
+                <a:cs typeface="Times New Roman" panose="02020603050405020304" pitchFamily="18" charset="0"/>
+              </a:rPr>
+            </a:br>
+            <a:r>
+              <a:rPr lang="en-IN" altLang="pt-PT" sz="2000" dirty="0">
+                <a:latin typeface="Times New Roman" panose="02020603050405020304" pitchFamily="18" charset="0"/>
+                <a:cs typeface="Times New Roman" panose="02020603050405020304" pitchFamily="18" charset="0"/>
+              </a:rPr>
+              <a:t>for  </a:t>
+            </a:r>
+            <a:r>
+              <a:rPr lang="en-IN" altLang="pt-PT" sz="2000" b="1" i="1" dirty="0">
+                <a:latin typeface="Times New Roman" panose="02020603050405020304" pitchFamily="18" charset="0"/>
+                <a:cs typeface="Times New Roman" panose="02020603050405020304" pitchFamily="18" charset="0"/>
+              </a:rPr>
+              <a:t>derivation</a:t>
+            </a:r>
+            <a:r>
+              <a:rPr lang="en-IN" altLang="pt-PT" sz="2000" dirty="0">
+                <a:latin typeface="Times New Roman" panose="02020603050405020304" pitchFamily="18" charset="0"/>
+                <a:cs typeface="Times New Roman" panose="02020603050405020304" pitchFamily="18" charset="0"/>
+              </a:rPr>
+              <a:t> of  test cases from a </a:t>
+            </a:r>
+            <a:r>
+              <a:rPr lang="en-IN" altLang="pt-PT" sz="2000" b="1" i="1" dirty="0">
+                <a:latin typeface="Times New Roman" panose="02020603050405020304" pitchFamily="18" charset="0"/>
+                <a:cs typeface="Times New Roman" panose="02020603050405020304" pitchFamily="18" charset="0"/>
+              </a:rPr>
+              <a:t>model</a:t>
+            </a:r>
+            <a:r>
+              <a:rPr lang="en-IN" altLang="pt-PT" sz="2000" dirty="0">
+                <a:latin typeface="Times New Roman" panose="02020603050405020304" pitchFamily="18" charset="0"/>
+                <a:cs typeface="Times New Roman" panose="02020603050405020304" pitchFamily="18" charset="0"/>
+              </a:rPr>
+              <a:t> that </a:t>
+            </a:r>
+            <a:br>
+              <a:rPr lang="en-IN" altLang="pt-PT" sz="2000" dirty="0">
+                <a:latin typeface="Times New Roman" panose="02020603050405020304" pitchFamily="18" charset="0"/>
+                <a:cs typeface="Times New Roman" panose="02020603050405020304" pitchFamily="18" charset="0"/>
+              </a:rPr>
+            </a:br>
+            <a:r>
+              <a:rPr lang="en-IN" altLang="pt-PT" sz="2000" dirty="0">
+                <a:latin typeface="Times New Roman" panose="02020603050405020304" pitchFamily="18" charset="0"/>
+                <a:cs typeface="Times New Roman" panose="02020603050405020304" pitchFamily="18" charset="0"/>
+              </a:rPr>
+              <a:t>describe </a:t>
+            </a:r>
+            <a:r>
+              <a:rPr lang="en-IN" altLang="pt-PT" sz="2000" b="1" i="1" dirty="0">
+                <a:latin typeface="Times New Roman" panose="02020603050405020304" pitchFamily="18" charset="0"/>
+                <a:cs typeface="Times New Roman" panose="02020603050405020304" pitchFamily="18" charset="0"/>
+              </a:rPr>
+              <a:t>functional</a:t>
+            </a:r>
+            <a:r>
+              <a:rPr lang="en-IN" altLang="pt-PT" sz="2000" dirty="0">
+                <a:latin typeface="Times New Roman" panose="02020603050405020304" pitchFamily="18" charset="0"/>
+                <a:cs typeface="Times New Roman" panose="02020603050405020304" pitchFamily="18" charset="0"/>
+              </a:rPr>
+              <a:t> aspects of the system under test </a:t>
+            </a:r>
+            <a:br>
+              <a:rPr lang="en-IN" altLang="pt-PT" sz="2000" dirty="0">
+                <a:latin typeface="Times New Roman" panose="02020603050405020304" pitchFamily="18" charset="0"/>
+                <a:cs typeface="Times New Roman" panose="02020603050405020304" pitchFamily="18" charset="0"/>
+              </a:rPr>
+            </a:br>
+            <a:r>
+              <a:rPr lang="en-IN" altLang="pt-PT" sz="2000" dirty="0">
+                <a:latin typeface="Times New Roman" panose="02020603050405020304" pitchFamily="18" charset="0"/>
+                <a:cs typeface="Times New Roman" panose="02020603050405020304" pitchFamily="18" charset="0"/>
+              </a:rPr>
+              <a:t>and </a:t>
+            </a:r>
+            <a:r>
+              <a:rPr lang="en-IN" altLang="pt-PT" sz="2000" b="1" i="1" dirty="0">
+                <a:latin typeface="Times New Roman" panose="02020603050405020304" pitchFamily="18" charset="0"/>
+                <a:cs typeface="Times New Roman" panose="02020603050405020304" pitchFamily="18" charset="0"/>
+              </a:rPr>
+              <a:t>executing</a:t>
+            </a:r>
+            <a:r>
+              <a:rPr lang="en-IN" altLang="pt-PT" sz="2000" dirty="0">
+                <a:latin typeface="Times New Roman" panose="02020603050405020304" pitchFamily="18" charset="0"/>
+                <a:cs typeface="Times New Roman" panose="02020603050405020304" pitchFamily="18" charset="0"/>
+              </a:rPr>
+              <a:t> those test cases.</a:t>
+            </a:r>
+            <a:r>
+              <a:rPr lang="en-US" altLang="pt-PT" sz="2000" dirty="0">
+                <a:latin typeface="Times New Roman" panose="02020603050405020304" pitchFamily="18" charset="0"/>
+                <a:cs typeface="Times New Roman" panose="02020603050405020304" pitchFamily="18" charset="0"/>
+              </a:rPr>
+              <a:t>”</a:t>
+            </a:r>
+            <a:endParaRPr lang="en-US" altLang="pt-PT" sz="2000" dirty="0"/>
+          </a:p>
+        </p:txBody>
+      </p:sp>
+      <p:sp>
+        <p:nvSpPr>
+          <p:cNvPr id="6" name="Title 12"/>
+          <p:cNvSpPr txBox="1">
+            <a:spLocks/>
+          </p:cNvSpPr>
+          <p:nvPr/>
+        </p:nvSpPr>
+        <p:spPr>
+          <a:xfrm>
+            <a:off x="6526460" y="6597352"/>
+            <a:ext cx="5760640" cy="346051"/>
+          </a:xfrm>
+          <a:prstGeom prst="rect">
+            <a:avLst/>
+          </a:prstGeom>
+        </p:spPr>
+        <p:txBody>
+          <a:bodyPr vert="horz" lIns="121899" tIns="60949" rIns="121899" bIns="60949" rtlCol="0" anchor="b">
+            <a:noAutofit/>
+          </a:bodyPr>
+          <a:lstStyle>
+            <a:lvl1pPr algn="l" defTabSz="1218987" rtl="0" eaLnBrk="1" latinLnBrk="0" hangingPunct="1">
+              <a:lnSpc>
+                <a:spcPct val="90000"/>
+              </a:lnSpc>
+              <a:spcBef>
+                <a:spcPct val="0"/>
+              </a:spcBef>
+              <a:buNone/>
+              <a:defRPr sz="5400" kern="1200">
+                <a:solidFill>
+                  <a:schemeClr val="tx1"/>
+                </a:solidFill>
+                <a:latin typeface="+mj-lt"/>
+                <a:ea typeface="+mj-ea"/>
+                <a:cs typeface="+mj-cs"/>
+              </a:defRPr>
+            </a:lvl1pPr>
+          </a:lstStyle>
+          <a:p>
+            <a:pPr algn="ctr"/>
+            <a:r>
+              <a:rPr lang="en-US" sz="2000" dirty="0"/>
+              <a:t>José Esteves e Ricardo </a:t>
+            </a:r>
+            <a:r>
+              <a:rPr lang="en-US" sz="2000" dirty="0" err="1"/>
+              <a:t>Malafaya</a:t>
+            </a:r>
+            <a:r>
+              <a:rPr lang="en-US" sz="2000" dirty="0"/>
+              <a:t> – 03 December 2016</a:t>
+            </a:r>
+          </a:p>
+        </p:txBody>
+      </p:sp>
+      <p:pic>
+        <p:nvPicPr>
+          <p:cNvPr id="4" name="Picture 3"/>
+          <p:cNvPicPr>
+            <a:picLocks noChangeAspect="1"/>
+          </p:cNvPicPr>
+          <p:nvPr/>
+        </p:nvPicPr>
+        <p:blipFill>
+          <a:blip r:embed="rId3"/>
+          <a:stretch>
+            <a:fillRect/>
+          </a:stretch>
+        </p:blipFill>
+        <p:spPr>
+          <a:xfrm>
+            <a:off x="5950396" y="2852936"/>
+            <a:ext cx="4772270" cy="3212976"/>
+          </a:xfrm>
+          <a:prstGeom prst="rect">
+            <a:avLst/>
+          </a:prstGeom>
+        </p:spPr>
+      </p:pic>
+    </p:spTree>
+    <p:extLst>
+      <p:ext uri="{BB962C8B-B14F-4D97-AF65-F5344CB8AC3E}">
+        <p14:creationId xmlns:p14="http://schemas.microsoft.com/office/powerpoint/2010/main" val="3749918248"/>
+      </p:ext>
+    </p:extLst>
+  </p:cSld>
+  <p:clrMapOvr>
+    <a:masterClrMapping/>
+  </p:clrMapOvr>
+  <mc:AlternateContent xmlns:mc="http://schemas.openxmlformats.org/markup-compatibility/2006" xmlns:p14="http://schemas.microsoft.com/office/powerpoint/2010/main">
+    <mc:Choice Requires="p14">
+      <p:transition spd="med" p14:dur="700">
+        <p:fade/>
+      </p:transition>
+    </mc:Choice>
+    <mc:Fallback xmlns="">
+      <p:transition spd="med">
+        <p:fade/>
+      </p:transition>
+    </mc:Fallback>
+  </mc:AlternateContent>
+</p:sld>
+</file>
+
+<file path=ppt/slides/slide5.xml><?xml version="1.0" encoding="utf-8"?>
+<p:sld xmlns:a="http://schemas.openxmlformats.org/drawingml/2006/main" xmlns:r="http://schemas.openxmlformats.org/officeDocument/2006/relationships" xmlns:p="http://schemas.openxmlformats.org/presentationml/2006/main">
+  <p:cSld>
+    <p:spTree>
+      <p:nvGrpSpPr>
+        <p:cNvPr id="1" name=""/>
+        <p:cNvGrpSpPr/>
+        <p:nvPr/>
+      </p:nvGrpSpPr>
+      <p:grpSpPr>
+        <a:xfrm>
+          <a:off x="0" y="0"/>
+          <a:ext cx="0" cy="0"/>
+          <a:chOff x="0" y="0"/>
+          <a:chExt cx="0" cy="0"/>
+        </a:xfrm>
+      </p:grpSpPr>
+      <p:sp>
+        <p:nvSpPr>
+          <p:cNvPr id="13" name="Title 12"/>
+          <p:cNvSpPr>
+            <a:spLocks noGrp="1"/>
+          </p:cNvSpPr>
+          <p:nvPr>
+            <p:ph type="title"/>
+          </p:nvPr>
+        </p:nvSpPr>
+        <p:spPr/>
+        <p:txBody>
+          <a:bodyPr/>
+          <a:lstStyle/>
+          <a:p>
+            <a:r>
+              <a:rPr lang="en-US" dirty="0"/>
+              <a:t>What is model-based testing?</a:t>
+            </a:r>
+          </a:p>
+        </p:txBody>
+      </p:sp>
+      <p:sp>
+        <p:nvSpPr>
+          <p:cNvPr id="14" name="Content Placeholder 13"/>
+          <p:cNvSpPr>
+            <a:spLocks noGrp="1"/>
+          </p:cNvSpPr>
+          <p:nvPr>
+            <p:ph idx="1"/>
+          </p:nvPr>
+        </p:nvSpPr>
+        <p:spPr/>
+        <p:txBody>
+          <a:bodyPr>
+            <a:normAutofit/>
+          </a:bodyPr>
+          <a:lstStyle/>
+          <a:p>
+            <a:pPr>
+              <a:buFontTx/>
+              <a:buAutoNum type="arabicParenR"/>
+            </a:pPr>
+            <a:r>
+              <a:rPr lang="en-US" altLang="pt-PT" sz="2000" dirty="0">
+                <a:latin typeface="Times New Roman" panose="02020603050405020304" pitchFamily="18" charset="0"/>
+                <a:cs typeface="Times New Roman" panose="02020603050405020304" pitchFamily="18" charset="0"/>
+              </a:rPr>
+              <a:t>Model the SUT</a:t>
+            </a:r>
+          </a:p>
+          <a:p>
+            <a:pPr>
+              <a:buFontTx/>
+              <a:buAutoNum type="arabicParenR"/>
+            </a:pPr>
+            <a:r>
+              <a:rPr lang="en-US" altLang="pt-PT" sz="2000" dirty="0">
+                <a:latin typeface="Times New Roman" panose="02020603050405020304" pitchFamily="18" charset="0"/>
+                <a:cs typeface="Times New Roman" panose="02020603050405020304" pitchFamily="18" charset="0"/>
+              </a:rPr>
+              <a:t>Generate abstract tests from the model.</a:t>
+            </a:r>
+          </a:p>
+          <a:p>
+            <a:pPr>
+              <a:buFontTx/>
+              <a:buAutoNum type="arabicParenR"/>
+            </a:pPr>
+            <a:r>
+              <a:rPr lang="en-US" altLang="pt-PT" sz="2000" dirty="0">
+                <a:latin typeface="Times New Roman" panose="02020603050405020304" pitchFamily="18" charset="0"/>
+                <a:cs typeface="Times New Roman" panose="02020603050405020304" pitchFamily="18" charset="0"/>
+              </a:rPr>
+              <a:t>Concretize the abstract </a:t>
+            </a:r>
+            <a:br>
+              <a:rPr lang="en-US" altLang="pt-PT" sz="2000" dirty="0">
+                <a:latin typeface="Times New Roman" panose="02020603050405020304" pitchFamily="18" charset="0"/>
+                <a:cs typeface="Times New Roman" panose="02020603050405020304" pitchFamily="18" charset="0"/>
+              </a:rPr>
+            </a:br>
+            <a:r>
+              <a:rPr lang="en-US" altLang="pt-PT" sz="2000" dirty="0">
+                <a:latin typeface="Times New Roman" panose="02020603050405020304" pitchFamily="18" charset="0"/>
+                <a:cs typeface="Times New Roman" panose="02020603050405020304" pitchFamily="18" charset="0"/>
+              </a:rPr>
+              <a:t>tests to make them </a:t>
+            </a:r>
+            <a:br>
+              <a:rPr lang="en-US" altLang="pt-PT" sz="2000" dirty="0">
+                <a:latin typeface="Times New Roman" panose="02020603050405020304" pitchFamily="18" charset="0"/>
+                <a:cs typeface="Times New Roman" panose="02020603050405020304" pitchFamily="18" charset="0"/>
+              </a:rPr>
+            </a:br>
+            <a:r>
+              <a:rPr lang="en-US" altLang="pt-PT" sz="2000" dirty="0">
+                <a:latin typeface="Times New Roman" panose="02020603050405020304" pitchFamily="18" charset="0"/>
+                <a:cs typeface="Times New Roman" panose="02020603050405020304" pitchFamily="18" charset="0"/>
+              </a:rPr>
+              <a:t>executable</a:t>
+            </a:r>
+          </a:p>
+          <a:p>
+            <a:pPr>
+              <a:buFontTx/>
+              <a:buAutoNum type="arabicParenR"/>
+            </a:pPr>
+            <a:r>
+              <a:rPr lang="en-US" altLang="pt-PT" sz="2000" dirty="0">
+                <a:latin typeface="Times New Roman" panose="02020603050405020304" pitchFamily="18" charset="0"/>
+                <a:cs typeface="Times New Roman" panose="02020603050405020304" pitchFamily="18" charset="0"/>
+              </a:rPr>
+              <a:t>Execute the tests on </a:t>
+            </a:r>
+            <a:br>
+              <a:rPr lang="en-US" altLang="pt-PT" sz="2000" dirty="0">
+                <a:latin typeface="Times New Roman" panose="02020603050405020304" pitchFamily="18" charset="0"/>
+                <a:cs typeface="Times New Roman" panose="02020603050405020304" pitchFamily="18" charset="0"/>
+              </a:rPr>
+            </a:br>
+            <a:r>
+              <a:rPr lang="en-US" altLang="pt-PT" sz="2000" dirty="0">
+                <a:latin typeface="Times New Roman" panose="02020603050405020304" pitchFamily="18" charset="0"/>
+                <a:cs typeface="Times New Roman" panose="02020603050405020304" pitchFamily="18" charset="0"/>
+              </a:rPr>
+              <a:t>the SUT and assign </a:t>
+            </a:r>
+            <a:br>
+              <a:rPr lang="en-US" altLang="pt-PT" sz="2000" dirty="0">
+                <a:latin typeface="Times New Roman" panose="02020603050405020304" pitchFamily="18" charset="0"/>
+                <a:cs typeface="Times New Roman" panose="02020603050405020304" pitchFamily="18" charset="0"/>
+              </a:rPr>
+            </a:br>
+            <a:r>
+              <a:rPr lang="en-US" altLang="pt-PT" sz="2000" dirty="0">
+                <a:latin typeface="Times New Roman" panose="02020603050405020304" pitchFamily="18" charset="0"/>
+                <a:cs typeface="Times New Roman" panose="02020603050405020304" pitchFamily="18" charset="0"/>
+              </a:rPr>
+              <a:t>verdicts.</a:t>
+            </a:r>
+          </a:p>
+          <a:p>
+            <a:pPr>
+              <a:buFontTx/>
+              <a:buAutoNum type="arabicParenR"/>
+            </a:pPr>
+            <a:r>
+              <a:rPr lang="en-US" altLang="pt-PT" sz="2000" dirty="0">
+                <a:latin typeface="Times New Roman" panose="02020603050405020304" pitchFamily="18" charset="0"/>
+                <a:cs typeface="Times New Roman" panose="02020603050405020304" pitchFamily="18" charset="0"/>
+              </a:rPr>
+              <a:t>Analyze the test results.</a:t>
+            </a:r>
+            <a:endParaRPr lang="en-US" altLang="pt-PT" sz="2000" i="1" dirty="0"/>
+          </a:p>
+        </p:txBody>
+      </p:sp>
+      <p:sp>
+        <p:nvSpPr>
+          <p:cNvPr id="6" name="Title 12"/>
+          <p:cNvSpPr txBox="1">
+            <a:spLocks/>
+          </p:cNvSpPr>
+          <p:nvPr/>
+        </p:nvSpPr>
+        <p:spPr>
+          <a:xfrm>
+            <a:off x="6526460" y="6597352"/>
+            <a:ext cx="5760640" cy="346051"/>
+          </a:xfrm>
+          <a:prstGeom prst="rect">
+            <a:avLst/>
+          </a:prstGeom>
+        </p:spPr>
+        <p:txBody>
+          <a:bodyPr vert="horz" lIns="121899" tIns="60949" rIns="121899" bIns="60949" rtlCol="0" anchor="b">
+            <a:noAutofit/>
+          </a:bodyPr>
+          <a:lstStyle>
+            <a:lvl1pPr algn="l" defTabSz="1218987" rtl="0" eaLnBrk="1" latinLnBrk="0" hangingPunct="1">
+              <a:lnSpc>
+                <a:spcPct val="90000"/>
+              </a:lnSpc>
+              <a:spcBef>
+                <a:spcPct val="0"/>
+              </a:spcBef>
+              <a:buNone/>
+              <a:defRPr sz="5400" kern="1200">
+                <a:solidFill>
+                  <a:schemeClr val="tx1"/>
+                </a:solidFill>
+                <a:latin typeface="+mj-lt"/>
+                <a:ea typeface="+mj-ea"/>
+                <a:cs typeface="+mj-cs"/>
+              </a:defRPr>
+            </a:lvl1pPr>
+          </a:lstStyle>
+          <a:p>
+            <a:pPr algn="ctr"/>
+            <a:r>
+              <a:rPr lang="en-US" sz="2000" dirty="0"/>
+              <a:t>José Esteves e Ricardo </a:t>
+            </a:r>
+            <a:r>
+              <a:rPr lang="en-US" sz="2000" dirty="0" err="1"/>
+              <a:t>Malafaya</a:t>
+            </a:r>
+            <a:r>
+              <a:rPr lang="en-US" sz="2000" dirty="0"/>
+              <a:t> – 03 December 2016</a:t>
+            </a:r>
+          </a:p>
+        </p:txBody>
+      </p:sp>
+      <p:pic>
+        <p:nvPicPr>
+          <p:cNvPr id="7" name="Picture 2"/>
+          <p:cNvPicPr>
+            <a:picLocks noChangeAspect="1" noChangeArrowheads="1"/>
+          </p:cNvPicPr>
+          <p:nvPr/>
+        </p:nvPicPr>
+        <p:blipFill>
+          <a:blip r:embed="rId3">
+            <a:extLst>
+              <a:ext uri="{28A0092B-C50C-407E-A947-70E740481C1C}">
+                <a14:useLocalDpi xmlns:a14="http://schemas.microsoft.com/office/drawing/2010/main" val="0"/>
+              </a:ext>
+            </a:extLst>
+          </a:blip>
+          <a:srcRect/>
+          <a:stretch>
+            <a:fillRect/>
+          </a:stretch>
+        </p:blipFill>
+        <p:spPr bwMode="auto">
+          <a:xfrm>
+            <a:off x="6998429" y="1124744"/>
+            <a:ext cx="4594225" cy="5122862"/>
+          </a:xfrm>
+          <a:prstGeom prst="rect">
+            <a:avLst/>
+          </a:prstGeom>
+          <a:noFill/>
+          <a:ln>
+            <a:noFill/>
+          </a:ln>
+          <a:extLst>
+            <a:ext uri="{909E8E84-426E-40DD-AFC4-6F175D3DCCD1}">
+              <a14:hiddenFill xmlns:a14="http://schemas.microsoft.com/office/drawing/2010/main">
+                <a:solidFill>
+                  <a:srgbClr val="FFFFFF"/>
+                </a:solidFill>
+              </a14:hiddenFill>
+            </a:ext>
+            <a:ext uri="{91240B29-F687-4F45-9708-019B960494DF}">
+              <a14:hiddenLine xmlns:a14="http://schemas.microsoft.com/office/drawing/2010/main" w="9525">
+                <a:solidFill>
+                  <a:srgbClr val="000000"/>
+                </a:solidFill>
+                <a:miter lim="800000"/>
+                <a:headEnd/>
+                <a:tailEnd/>
+              </a14:hiddenLine>
+            </a:ext>
+          </a:extLst>
+        </p:spPr>
+      </p:pic>
+    </p:spTree>
+    <p:extLst>
+      <p:ext uri="{BB962C8B-B14F-4D97-AF65-F5344CB8AC3E}">
+        <p14:creationId xmlns:p14="http://schemas.microsoft.com/office/powerpoint/2010/main" val="3760846325"/>
+      </p:ext>
+    </p:extLst>
+  </p:cSld>
+  <p:clrMapOvr>
+    <a:masterClrMapping/>
+  </p:clrMapOvr>
+  <mc:AlternateContent xmlns:mc="http://schemas.openxmlformats.org/markup-compatibility/2006" xmlns:p14="http://schemas.microsoft.com/office/powerpoint/2010/main">
+    <mc:Choice Requires="p14">
+      <p:transition spd="med" p14:dur="700">
+        <p:fade/>
+      </p:transition>
+    </mc:Choice>
+    <mc:Fallback xmlns="">
+      <p:transition spd="med">
+        <p:fade/>
+      </p:transition>
+    </mc:Fallback>
+  </mc:AlternateContent>
+</p:sld>
+</file>
+
+<file path=ppt/slides/slide6.xml><?xml version="1.0" encoding="utf-8"?>
+<p:sld xmlns:a="http://schemas.openxmlformats.org/drawingml/2006/main" xmlns:r="http://schemas.openxmlformats.org/officeDocument/2006/relationships" xmlns:p="http://schemas.openxmlformats.org/presentationml/2006/main">
+  <p:cSld>
+    <p:spTree>
+      <p:nvGrpSpPr>
+        <p:cNvPr id="1" name=""/>
+        <p:cNvGrpSpPr/>
+        <p:nvPr/>
+      </p:nvGrpSpPr>
+      <p:grpSpPr>
+        <a:xfrm>
+          <a:off x="0" y="0"/>
+          <a:ext cx="0" cy="0"/>
+          <a:chOff x="0" y="0"/>
+          <a:chExt cx="0" cy="0"/>
+        </a:xfrm>
+      </p:grpSpPr>
+      <p:sp>
+        <p:nvSpPr>
+          <p:cNvPr id="2" name="Title 1"/>
+          <p:cNvSpPr>
+            <a:spLocks noGrp="1"/>
+          </p:cNvSpPr>
+          <p:nvPr>
+            <p:ph type="title"/>
+          </p:nvPr>
+        </p:nvSpPr>
+        <p:spPr/>
+        <p:txBody>
+          <a:bodyPr/>
+          <a:lstStyle/>
+          <a:p>
+            <a:r>
+              <a:rPr lang="en-US" dirty="0"/>
+              <a:t>What is model-based testing?</a:t>
+            </a:r>
+            <a:endParaRPr lang="pt-PT" dirty="0"/>
+          </a:p>
+        </p:txBody>
+      </p:sp>
+      <p:sp>
+        <p:nvSpPr>
+          <p:cNvPr id="3" name="Text Placeholder 2"/>
+          <p:cNvSpPr>
+            <a:spLocks noGrp="1"/>
+          </p:cNvSpPr>
+          <p:nvPr>
+            <p:ph type="body" idx="1"/>
+          </p:nvPr>
+        </p:nvSpPr>
+        <p:spPr/>
+        <p:txBody>
+          <a:bodyPr/>
+          <a:lstStyle/>
+          <a:p>
+            <a:r>
+              <a:rPr lang="pt-PT" dirty="0"/>
+              <a:t>Offline MBT</a:t>
+            </a:r>
+          </a:p>
+        </p:txBody>
+      </p:sp>
+      <p:sp>
+        <p:nvSpPr>
+          <p:cNvPr id="4" name="Content Placeholder 3"/>
+          <p:cNvSpPr>
+            <a:spLocks noGrp="1"/>
+          </p:cNvSpPr>
+          <p:nvPr>
+            <p:ph sz="half" idx="2"/>
+          </p:nvPr>
+        </p:nvSpPr>
+        <p:spPr/>
+        <p:txBody>
+          <a:bodyPr/>
+          <a:lstStyle/>
+          <a:p>
+            <a:r>
+              <a:rPr lang="en-GB" sz="2000" dirty="0"/>
+              <a:t>Automate test case generation </a:t>
+            </a:r>
+          </a:p>
+          <a:p>
+            <a:r>
+              <a:rPr lang="en-GB" sz="2000" dirty="0"/>
+              <a:t>Offline MBT means generating a finite set of tests and execute those later </a:t>
+            </a:r>
+          </a:p>
+          <a:p>
+            <a:r>
+              <a:rPr lang="en-GB" sz="2000" dirty="0"/>
+              <a:t>This allows automatic test execution in third party test execution platform </a:t>
+            </a:r>
+          </a:p>
+          <a:p>
+            <a:r>
+              <a:rPr lang="en-GB" sz="2000" dirty="0"/>
+              <a:t>Makes possible to create a tool chain:</a:t>
+            </a:r>
+            <a:endParaRPr lang="pt-PT" sz="2000" dirty="0"/>
+          </a:p>
+        </p:txBody>
+      </p:sp>
+      <p:sp>
+        <p:nvSpPr>
+          <p:cNvPr id="5" name="Text Placeholder 4"/>
+          <p:cNvSpPr>
+            <a:spLocks noGrp="1"/>
+          </p:cNvSpPr>
+          <p:nvPr>
+            <p:ph type="body" sz="quarter" idx="3"/>
+          </p:nvPr>
+        </p:nvSpPr>
+        <p:spPr/>
+        <p:txBody>
+          <a:bodyPr/>
+          <a:lstStyle/>
+          <a:p>
+            <a:r>
+              <a:rPr lang="pt-PT" dirty="0"/>
+              <a:t>Online MBT</a:t>
+            </a:r>
+          </a:p>
+        </p:txBody>
+      </p:sp>
+      <p:sp>
+        <p:nvSpPr>
+          <p:cNvPr id="6" name="Content Placeholder 5"/>
+          <p:cNvSpPr>
+            <a:spLocks noGrp="1"/>
+          </p:cNvSpPr>
+          <p:nvPr>
+            <p:ph sz="quarter" idx="4"/>
+          </p:nvPr>
+        </p:nvSpPr>
+        <p:spPr/>
+        <p:txBody>
+          <a:bodyPr/>
+          <a:lstStyle/>
+          <a:p>
+            <a:r>
+              <a:rPr lang="en-GB" dirty="0"/>
+              <a:t>Test case generation and execution in motion </a:t>
+            </a:r>
+          </a:p>
+          <a:p>
+            <a:r>
+              <a:rPr lang="en-GB" dirty="0"/>
+              <a:t>•Next step is design after the output receiving </a:t>
+            </a:r>
+          </a:p>
+          <a:p>
+            <a:r>
+              <a:rPr lang="en-GB" dirty="0"/>
+              <a:t>Testing nondeterministic systems</a:t>
+            </a:r>
+          </a:p>
+          <a:p>
+            <a:r>
+              <a:rPr lang="en-GB" dirty="0"/>
+              <a:t>Infinite test suite running</a:t>
+            </a:r>
+            <a:endParaRPr lang="pt-PT" dirty="0"/>
+          </a:p>
+        </p:txBody>
+      </p:sp>
+      <p:pic>
+        <p:nvPicPr>
+          <p:cNvPr id="7" name="Picture 6"/>
+          <p:cNvPicPr>
+            <a:picLocks noChangeAspect="1"/>
+          </p:cNvPicPr>
+          <p:nvPr/>
+        </p:nvPicPr>
+        <p:blipFill>
+          <a:blip r:embed="rId2"/>
+          <a:stretch>
+            <a:fillRect/>
+          </a:stretch>
+        </p:blipFill>
+        <p:spPr>
+          <a:xfrm>
+            <a:off x="1485900" y="5229200"/>
+            <a:ext cx="4333875" cy="752475"/>
+          </a:xfrm>
+          <a:prstGeom prst="rect">
+            <a:avLst/>
+          </a:prstGeom>
+        </p:spPr>
+      </p:pic>
+    </p:spTree>
+    <p:extLst>
+      <p:ext uri="{BB962C8B-B14F-4D97-AF65-F5344CB8AC3E}">
+        <p14:creationId xmlns:p14="http://schemas.microsoft.com/office/powerpoint/2010/main" val="646453974"/>
+      </p:ext>
+    </p:extLst>
+  </p:cSld>
+  <p:clrMapOvr>
+    <a:masterClrMapping/>
+  </p:clrMapOvr>
+  <mc:AlternateContent xmlns:mc="http://schemas.openxmlformats.org/markup-compatibility/2006" xmlns:p14="http://schemas.microsoft.com/office/powerpoint/2010/main">
+    <mc:Choice Requires="p14">
+      <p:transition spd="med" p14:dur="700">
+        <p:fade/>
+      </p:transition>
+    </mc:Choice>
+    <mc:Fallback xmlns="">
+      <p:transition spd="med">
+        <p:fade/>
+      </p:transition>
+    </mc:Fallback>
+  </mc:AlternateContent>
+</p:sld>
+</file>
+
+<file path=ppt/slides/slide7.xml><?xml version="1.0" encoding="utf-8"?>
+<p:sld xmlns:a="http://schemas.openxmlformats.org/drawingml/2006/main" xmlns:r="http://schemas.openxmlformats.org/officeDocument/2006/relationships" xmlns:p="http://schemas.openxmlformats.org/presentationml/2006/main">
+  <p:cSld>
+    <p:spTree>
+      <p:nvGrpSpPr>
+        <p:cNvPr id="1" name=""/>
+        <p:cNvGrpSpPr/>
+        <p:nvPr/>
+      </p:nvGrpSpPr>
+      <p:grpSpPr>
+        <a:xfrm>
+          <a:off x="0" y="0"/>
+          <a:ext cx="0" cy="0"/>
+          <a:chOff x="0" y="0"/>
+          <a:chExt cx="0" cy="0"/>
+        </a:xfrm>
+      </p:grpSpPr>
+      <p:sp>
+        <p:nvSpPr>
+          <p:cNvPr id="13" name="Title 12"/>
+          <p:cNvSpPr>
+            <a:spLocks noGrp="1"/>
+          </p:cNvSpPr>
+          <p:nvPr>
+            <p:ph type="title"/>
+          </p:nvPr>
+        </p:nvSpPr>
+        <p:spPr/>
+        <p:txBody>
+          <a:bodyPr/>
+          <a:lstStyle/>
+          <a:p>
+            <a:r>
+              <a:rPr lang="en-US" dirty="0"/>
+              <a:t>Why is this used?</a:t>
+            </a:r>
+          </a:p>
+        </p:txBody>
+      </p:sp>
+      <p:sp>
+        <p:nvSpPr>
+          <p:cNvPr id="14" name="Content Placeholder 13"/>
+          <p:cNvSpPr>
+            <a:spLocks noGrp="1"/>
+          </p:cNvSpPr>
+          <p:nvPr>
+            <p:ph idx="1"/>
+          </p:nvPr>
+        </p:nvSpPr>
+        <p:spPr/>
+        <p:txBody>
+          <a:bodyPr>
+            <a:normAutofit/>
+          </a:bodyPr>
+          <a:lstStyle/>
+          <a:p>
+            <a:r>
+              <a:rPr lang="en-GB" dirty="0"/>
+              <a:t>Rules are specified once.</a:t>
+            </a:r>
+          </a:p>
+          <a:p>
+            <a:r>
+              <a:rPr lang="en-GB" dirty="0"/>
+              <a:t>Project maintenance is lower</a:t>
+            </a:r>
+          </a:p>
+          <a:p>
+            <a:r>
+              <a:rPr lang="en-GB" dirty="0"/>
+              <a:t>Design is fluid</a:t>
+            </a:r>
+          </a:p>
+          <a:p>
+            <a:r>
+              <a:rPr lang="en-GB" dirty="0"/>
+              <a:t>Design more and code less</a:t>
+            </a:r>
+          </a:p>
+          <a:p>
+            <a:r>
+              <a:rPr lang="en-GB" dirty="0"/>
+              <a:t>High coverage</a:t>
+            </a:r>
+          </a:p>
+          <a:p>
+            <a:r>
+              <a:rPr lang="en-GB" dirty="0"/>
+              <a:t>Model authoring is independent of implementation and actual testing</a:t>
+            </a:r>
+          </a:p>
+        </p:txBody>
+      </p:sp>
+      <p:sp>
+        <p:nvSpPr>
+          <p:cNvPr id="6" name="Title 12"/>
+          <p:cNvSpPr txBox="1">
+            <a:spLocks/>
+          </p:cNvSpPr>
+          <p:nvPr/>
+        </p:nvSpPr>
+        <p:spPr>
+          <a:xfrm>
+            <a:off x="6526460" y="6597352"/>
+            <a:ext cx="5760640" cy="346051"/>
+          </a:xfrm>
+          <a:prstGeom prst="rect">
+            <a:avLst/>
+          </a:prstGeom>
+        </p:spPr>
+        <p:txBody>
+          <a:bodyPr vert="horz" lIns="121899" tIns="60949" rIns="121899" bIns="60949" rtlCol="0" anchor="b">
+            <a:noAutofit/>
+          </a:bodyPr>
+          <a:lstStyle>
+            <a:lvl1pPr algn="l" defTabSz="1218987" rtl="0" eaLnBrk="1" latinLnBrk="0" hangingPunct="1">
+              <a:lnSpc>
+                <a:spcPct val="90000"/>
+              </a:lnSpc>
+              <a:spcBef>
+                <a:spcPct val="0"/>
+              </a:spcBef>
+              <a:buNone/>
+              <a:defRPr sz="5400" kern="1200">
+                <a:solidFill>
+                  <a:schemeClr val="tx1"/>
+                </a:solidFill>
+                <a:latin typeface="+mj-lt"/>
+                <a:ea typeface="+mj-ea"/>
+                <a:cs typeface="+mj-cs"/>
+              </a:defRPr>
+            </a:lvl1pPr>
+          </a:lstStyle>
+          <a:p>
+            <a:pPr algn="ctr"/>
+            <a:r>
+              <a:rPr lang="en-US" sz="2000" dirty="0"/>
+              <a:t>José Esteves e Ricardo </a:t>
+            </a:r>
+            <a:r>
+              <a:rPr lang="en-US" sz="2000" dirty="0" err="1"/>
+              <a:t>Malafaya</a:t>
+            </a:r>
+            <a:r>
+              <a:rPr lang="en-US" sz="2000" dirty="0"/>
+              <a:t> – 03 December 2016</a:t>
+            </a:r>
+          </a:p>
+        </p:txBody>
+      </p:sp>
+    </p:spTree>
+    <p:extLst>
+      <p:ext uri="{BB962C8B-B14F-4D97-AF65-F5344CB8AC3E}">
+        <p14:creationId xmlns:p14="http://schemas.microsoft.com/office/powerpoint/2010/main" val="3381232033"/>
+      </p:ext>
+    </p:extLst>
+  </p:cSld>
+  <p:clrMapOvr>
+    <a:masterClrMapping/>
+  </p:clrMapOvr>
+  <mc:AlternateContent xmlns:mc="http://schemas.openxmlformats.org/markup-compatibility/2006" xmlns:p14="http://schemas.microsoft.com/office/powerpoint/2010/main">
+    <mc:Choice Requires="p14">
+      <p:transition spd="med" p14:dur="700">
+        <p:fade/>
+      </p:transition>
+    </mc:Choice>
+    <mc:Fallback xmlns="">
+      <p:transition spd="med">
+        <p:fade/>
+      </p:transition>
+    </mc:Fallback>
+  </mc:AlternateContent>
+</p:sld>
+</file>
+
+<file path=ppt/slides/slide8.xml><?xml version="1.0" encoding="utf-8"?>
+<p:sld xmlns:a="http://schemas.openxmlformats.org/drawingml/2006/main" xmlns:r="http://schemas.openxmlformats.org/officeDocument/2006/relationships" xmlns:p="http://schemas.openxmlformats.org/presentationml/2006/main">
+  <p:cSld>
+    <p:spTree>
+      <p:nvGrpSpPr>
+        <p:cNvPr id="1" name=""/>
+        <p:cNvGrpSpPr/>
+        <p:nvPr/>
+      </p:nvGrpSpPr>
+      <p:grpSpPr>
+        <a:xfrm>
+          <a:off x="0" y="0"/>
+          <a:ext cx="0" cy="0"/>
+          <a:chOff x="0" y="0"/>
+          <a:chExt cx="0" cy="0"/>
+        </a:xfrm>
+      </p:grpSpPr>
+      <p:sp>
+        <p:nvSpPr>
+          <p:cNvPr id="13" name="Title 12"/>
+          <p:cNvSpPr>
+            <a:spLocks noGrp="1"/>
+          </p:cNvSpPr>
+          <p:nvPr>
+            <p:ph type="title"/>
+          </p:nvPr>
+        </p:nvSpPr>
+        <p:spPr/>
+        <p:txBody>
+          <a:bodyPr/>
+          <a:lstStyle/>
+          <a:p>
+            <a:r>
+              <a:rPr lang="en-US" dirty="0"/>
+              <a:t>What is the model?</a:t>
+            </a:r>
+          </a:p>
+        </p:txBody>
+      </p:sp>
+      <p:sp>
+        <p:nvSpPr>
+          <p:cNvPr id="14" name="Content Placeholder 13"/>
+          <p:cNvSpPr>
+            <a:spLocks noGrp="1"/>
+          </p:cNvSpPr>
+          <p:nvPr>
+            <p:ph idx="1"/>
+          </p:nvPr>
+        </p:nvSpPr>
+        <p:spPr/>
+        <p:txBody>
+          <a:bodyPr/>
+          <a:lstStyle/>
+          <a:p>
+            <a:r>
+              <a:rPr lang="en-GB" dirty="0"/>
+              <a:t>Data Flow</a:t>
+            </a:r>
+          </a:p>
+          <a:p>
+            <a:r>
+              <a:rPr lang="en-GB" dirty="0"/>
+              <a:t>Control Flow</a:t>
+            </a:r>
+          </a:p>
+          <a:p>
+            <a:r>
+              <a:rPr lang="en-GB" dirty="0"/>
+              <a:t>Dependency Graphs</a:t>
+            </a:r>
+          </a:p>
+          <a:p>
+            <a:r>
+              <a:rPr lang="en-GB" dirty="0"/>
+              <a:t>Decision Tables</a:t>
+            </a:r>
+          </a:p>
+          <a:p>
+            <a:r>
+              <a:rPr lang="en-GB" dirty="0"/>
+              <a:t>State transition machines</a:t>
+            </a:r>
+          </a:p>
+        </p:txBody>
+      </p:sp>
+      <p:sp>
+        <p:nvSpPr>
+          <p:cNvPr id="6" name="Title 12"/>
+          <p:cNvSpPr txBox="1">
+            <a:spLocks/>
+          </p:cNvSpPr>
+          <p:nvPr/>
+        </p:nvSpPr>
+        <p:spPr>
+          <a:xfrm>
+            <a:off x="6526460" y="6597352"/>
+            <a:ext cx="5760640" cy="346051"/>
+          </a:xfrm>
+          <a:prstGeom prst="rect">
+            <a:avLst/>
+          </a:prstGeom>
+        </p:spPr>
+        <p:txBody>
+          <a:bodyPr vert="horz" lIns="121899" tIns="60949" rIns="121899" bIns="60949" rtlCol="0" anchor="b">
+            <a:noAutofit/>
+          </a:bodyPr>
+          <a:lstStyle>
+            <a:lvl1pPr algn="l" defTabSz="1218987" rtl="0" eaLnBrk="1" latinLnBrk="0" hangingPunct="1">
+              <a:lnSpc>
+                <a:spcPct val="90000"/>
+              </a:lnSpc>
+              <a:spcBef>
+                <a:spcPct val="0"/>
+              </a:spcBef>
+              <a:buNone/>
+              <a:defRPr sz="5400" kern="1200">
+                <a:solidFill>
+                  <a:schemeClr val="tx1"/>
+                </a:solidFill>
+                <a:latin typeface="+mj-lt"/>
+                <a:ea typeface="+mj-ea"/>
+                <a:cs typeface="+mj-cs"/>
+              </a:defRPr>
+            </a:lvl1pPr>
+          </a:lstStyle>
+          <a:p>
+            <a:pPr algn="ctr"/>
+            <a:r>
+              <a:rPr lang="en-US" sz="2000" dirty="0"/>
+              <a:t>José Esteves e Ricardo </a:t>
+            </a:r>
+            <a:r>
+              <a:rPr lang="en-US" sz="2000" dirty="0" err="1"/>
+              <a:t>Malafaya</a:t>
+            </a:r>
+            <a:r>
+              <a:rPr lang="en-US" sz="2000" dirty="0"/>
+              <a:t> – 03 December 2016</a:t>
+            </a:r>
+          </a:p>
+        </p:txBody>
+      </p:sp>
+    </p:spTree>
+    <p:extLst>
+      <p:ext uri="{BB962C8B-B14F-4D97-AF65-F5344CB8AC3E}">
+        <p14:creationId xmlns:p14="http://schemas.microsoft.com/office/powerpoint/2010/main" val="2266073314"/>
+      </p:ext>
+    </p:extLst>
+  </p:cSld>
+  <p:clrMapOvr>
+    <a:masterClrMapping/>
+  </p:clrMapOvr>
+  <mc:AlternateContent xmlns:mc="http://schemas.openxmlformats.org/markup-compatibility/2006" xmlns:p14="http://schemas.microsoft.com/office/powerpoint/2010/main">
+    <mc:Choice Requires="p14">
+      <p:transition spd="med" p14:dur="700">
+        <p:fade/>
+      </p:transition>
+    </mc:Choice>
+    <mc:Fallback xmlns="">
+      <p:transition spd="med">
+        <p:fade/>
+      </p:transition>
+    </mc:Fallback>
+  </mc:AlternateContent>
+</p:sld>
+</file>
+
+<file path=ppt/slides/slide9.xml><?xml version="1.0" encoding="utf-8"?>
+<p:sld xmlns:a="http://schemas.openxmlformats.org/drawingml/2006/main" xmlns:r="http://schemas.openxmlformats.org/officeDocument/2006/relationships" xmlns:p="http://schemas.openxmlformats.org/presentationml/2006/main">
+  <p:cSld>
+    <p:spTree>
+      <p:nvGrpSpPr>
+        <p:cNvPr id="1" name=""/>
+        <p:cNvGrpSpPr/>
+        <p:nvPr/>
+      </p:nvGrpSpPr>
+      <p:grpSpPr>
+        <a:xfrm>
+          <a:off x="0" y="0"/>
+          <a:ext cx="0" cy="0"/>
+          <a:chOff x="0" y="0"/>
+          <a:chExt cx="0" cy="0"/>
+        </a:xfrm>
+      </p:grpSpPr>
+      <p:sp>
+        <p:nvSpPr>
+          <p:cNvPr id="13" name="Title 12"/>
+          <p:cNvSpPr>
+            <a:spLocks noGrp="1"/>
+          </p:cNvSpPr>
+          <p:nvPr>
+            <p:ph type="title"/>
+          </p:nvPr>
+        </p:nvSpPr>
+        <p:spPr/>
+        <p:txBody>
+          <a:bodyPr/>
+          <a:lstStyle/>
+          <a:p>
+            <a:r>
+              <a:rPr lang="en-US" dirty="0"/>
+              <a:t>What is the model?</a:t>
+            </a:r>
+          </a:p>
+        </p:txBody>
+      </p:sp>
+      <p:sp>
+        <p:nvSpPr>
+          <p:cNvPr id="6" name="Title 12"/>
+          <p:cNvSpPr txBox="1">
+            <a:spLocks/>
+          </p:cNvSpPr>
+          <p:nvPr/>
+        </p:nvSpPr>
+        <p:spPr>
+          <a:xfrm>
+            <a:off x="6526460" y="6597352"/>
+            <a:ext cx="5760640" cy="346051"/>
+          </a:xfrm>
+          <a:prstGeom prst="rect">
+            <a:avLst/>
+          </a:prstGeom>
+        </p:spPr>
+        <p:txBody>
+          <a:bodyPr vert="horz" lIns="121899" tIns="60949" rIns="121899" bIns="60949" rtlCol="0" anchor="b">
+            <a:noAutofit/>
+          </a:bodyPr>
+          <a:lstStyle>
+            <a:lvl1pPr algn="l" defTabSz="1218987" rtl="0" eaLnBrk="1" latinLnBrk="0" hangingPunct="1">
+              <a:lnSpc>
+                <a:spcPct val="90000"/>
+              </a:lnSpc>
+              <a:spcBef>
+                <a:spcPct val="0"/>
+              </a:spcBef>
+              <a:buNone/>
+              <a:defRPr sz="5400" kern="1200">
+                <a:solidFill>
+                  <a:schemeClr val="tx1"/>
+                </a:solidFill>
+                <a:latin typeface="+mj-lt"/>
+                <a:ea typeface="+mj-ea"/>
+                <a:cs typeface="+mj-cs"/>
+              </a:defRPr>
+            </a:lvl1pPr>
+          </a:lstStyle>
+          <a:p>
+            <a:pPr algn="ctr"/>
+            <a:r>
+              <a:rPr lang="en-US" sz="2000" dirty="0"/>
+              <a:t>José Esteves e Ricardo </a:t>
+            </a:r>
+            <a:r>
+              <a:rPr lang="en-US" sz="2000" dirty="0" err="1"/>
+              <a:t>Malafaya</a:t>
+            </a:r>
+            <a:r>
+              <a:rPr lang="en-US" sz="2000" dirty="0"/>
+              <a:t> – 03 December 2016</a:t>
+            </a:r>
+          </a:p>
+        </p:txBody>
+      </p:sp>
+      <p:pic>
+        <p:nvPicPr>
+          <p:cNvPr id="7" name="Picture 4"/>
+          <p:cNvPicPr>
+            <a:picLocks noChangeAspect="1" noChangeArrowheads="1"/>
+          </p:cNvPicPr>
+          <p:nvPr/>
+        </p:nvPicPr>
+        <p:blipFill>
+          <a:blip r:embed="rId3">
+            <a:extLst>
+              <a:ext uri="{28A0092B-C50C-407E-A947-70E740481C1C}">
+                <a14:useLocalDpi xmlns:a14="http://schemas.microsoft.com/office/drawing/2010/main" val="0"/>
+              </a:ext>
+            </a:extLst>
+          </a:blip>
+          <a:srcRect/>
+          <a:stretch>
+            <a:fillRect/>
+          </a:stretch>
+        </p:blipFill>
+        <p:spPr bwMode="auto">
+          <a:xfrm>
+            <a:off x="1917948" y="1687736"/>
+            <a:ext cx="2021410" cy="1930375"/>
+          </a:xfrm>
+          <a:prstGeom prst="rect">
+            <a:avLst/>
+          </a:prstGeom>
+          <a:noFill/>
+          <a:ln>
+            <a:noFill/>
+          </a:ln>
+          <a:extLst>
+            <a:ext uri="{909E8E84-426E-40DD-AFC4-6F175D3DCCD1}">
+              <a14:hiddenFill xmlns:a14="http://schemas.microsoft.com/office/drawing/2010/main">
+                <a:solidFill>
+                  <a:srgbClr val="FFFFFF"/>
+                </a:solidFill>
+              </a14:hiddenFill>
+            </a:ext>
+            <a:ext uri="{91240B29-F687-4F45-9708-019B960494DF}">
+              <a14:hiddenLine xmlns:a14="http://schemas.microsoft.com/office/drawing/2010/main" w="9525">
+                <a:solidFill>
+                  <a:srgbClr val="000000"/>
+                </a:solidFill>
+                <a:miter lim="800000"/>
+                <a:headEnd/>
+                <a:tailEnd/>
+              </a14:hiddenLine>
+            </a:ext>
+          </a:extLst>
+        </p:spPr>
+      </p:pic>
+      <p:pic>
+        <p:nvPicPr>
+          <p:cNvPr id="8" name="Picture 5"/>
+          <p:cNvPicPr>
+            <a:picLocks noChangeAspect="1" noChangeArrowheads="1"/>
+          </p:cNvPicPr>
+          <p:nvPr/>
+        </p:nvPicPr>
+        <p:blipFill>
+          <a:blip r:embed="rId4">
+            <a:extLst>
+              <a:ext uri="{28A0092B-C50C-407E-A947-70E740481C1C}">
+                <a14:useLocalDpi xmlns:a14="http://schemas.microsoft.com/office/drawing/2010/main" val="0"/>
+              </a:ext>
+            </a:extLst>
+          </a:blip>
+          <a:srcRect/>
+          <a:stretch>
+            <a:fillRect/>
+          </a:stretch>
+        </p:blipFill>
+        <p:spPr bwMode="auto">
+          <a:xfrm>
+            <a:off x="4162666" y="1681510"/>
+            <a:ext cx="2361958" cy="1930375"/>
+          </a:xfrm>
+          <a:prstGeom prst="rect">
+            <a:avLst/>
+          </a:prstGeom>
+          <a:noFill/>
+          <a:ln>
+            <a:noFill/>
+          </a:ln>
+          <a:extLst>
+            <a:ext uri="{909E8E84-426E-40DD-AFC4-6F175D3DCCD1}">
+              <a14:hiddenFill xmlns:a14="http://schemas.microsoft.com/office/drawing/2010/main">
+                <a:solidFill>
+                  <a:srgbClr val="FFFFFF"/>
+                </a:solidFill>
+              </a14:hiddenFill>
+            </a:ext>
+            <a:ext uri="{91240B29-F687-4F45-9708-019B960494DF}">
+              <a14:hiddenLine xmlns:a14="http://schemas.microsoft.com/office/drawing/2010/main" w="9525">
+                <a:solidFill>
+                  <a:srgbClr val="000000"/>
+                </a:solidFill>
+                <a:miter lim="800000"/>
+                <a:headEnd/>
+                <a:tailEnd/>
+              </a14:hiddenLine>
+            </a:ext>
+          </a:extLst>
+        </p:spPr>
+      </p:pic>
+      <p:pic>
+        <p:nvPicPr>
+          <p:cNvPr id="9" name="Picture 6"/>
+          <p:cNvPicPr>
+            <a:picLocks noChangeAspect="1" noChangeArrowheads="1"/>
+          </p:cNvPicPr>
+          <p:nvPr/>
+        </p:nvPicPr>
+        <p:blipFill>
+          <a:blip r:embed="rId5">
+            <a:extLst>
+              <a:ext uri="{28A0092B-C50C-407E-A947-70E740481C1C}">
+                <a14:useLocalDpi xmlns:a14="http://schemas.microsoft.com/office/drawing/2010/main" val="0"/>
+              </a:ext>
+            </a:extLst>
+          </a:blip>
+          <a:srcRect/>
+          <a:stretch>
+            <a:fillRect/>
+          </a:stretch>
+        </p:blipFill>
+        <p:spPr bwMode="auto">
+          <a:xfrm>
+            <a:off x="6814925" y="1700808"/>
+            <a:ext cx="2557847" cy="1911077"/>
+          </a:xfrm>
+          <a:prstGeom prst="rect">
+            <a:avLst/>
+          </a:prstGeom>
+          <a:noFill/>
+          <a:ln>
+            <a:noFill/>
+          </a:ln>
+          <a:extLst>
+            <a:ext uri="{909E8E84-426E-40DD-AFC4-6F175D3DCCD1}">
+              <a14:hiddenFill xmlns:a14="http://schemas.microsoft.com/office/drawing/2010/main">
+                <a:solidFill>
+                  <a:srgbClr val="FFFFFF"/>
+                </a:solidFill>
+              </a14:hiddenFill>
+            </a:ext>
+            <a:ext uri="{91240B29-F687-4F45-9708-019B960494DF}">
+              <a14:hiddenLine xmlns:a14="http://schemas.microsoft.com/office/drawing/2010/main" w="9525">
+                <a:solidFill>
+                  <a:srgbClr val="000000"/>
+                </a:solidFill>
+                <a:miter lim="800000"/>
+                <a:headEnd/>
+                <a:tailEnd/>
+              </a14:hiddenLine>
+            </a:ext>
+          </a:extLst>
+        </p:spPr>
+      </p:pic>
+      <p:pic>
+        <p:nvPicPr>
+          <p:cNvPr id="10" name="Picture 8"/>
+          <p:cNvPicPr>
+            <a:picLocks noChangeAspect="1" noChangeArrowheads="1"/>
+          </p:cNvPicPr>
+          <p:nvPr/>
+        </p:nvPicPr>
+        <p:blipFill>
+          <a:blip r:embed="rId6">
+            <a:extLst>
+              <a:ext uri="{28A0092B-C50C-407E-A947-70E740481C1C}">
+                <a14:useLocalDpi xmlns:a14="http://schemas.microsoft.com/office/drawing/2010/main" val="0"/>
+              </a:ext>
+            </a:extLst>
+          </a:blip>
+          <a:srcRect/>
+          <a:stretch>
+            <a:fillRect/>
+          </a:stretch>
+        </p:blipFill>
+        <p:spPr bwMode="auto">
+          <a:xfrm>
+            <a:off x="3939358" y="3785121"/>
+            <a:ext cx="3016250" cy="2578100"/>
+          </a:xfrm>
+          <a:prstGeom prst="rect">
+            <a:avLst/>
+          </a:prstGeom>
+          <a:noFill/>
+          <a:ln>
+            <a:noFill/>
+          </a:ln>
+          <a:extLst>
+            <a:ext uri="{909E8E84-426E-40DD-AFC4-6F175D3DCCD1}">
+              <a14:hiddenFill xmlns:a14="http://schemas.microsoft.com/office/drawing/2010/main">
+                <a:solidFill>
+                  <a:srgbClr val="FFFFFF"/>
+                </a:solidFill>
+              </a14:hiddenFill>
+            </a:ext>
+            <a:ext uri="{91240B29-F687-4F45-9708-019B960494DF}">
+              <a14:hiddenLine xmlns:a14="http://schemas.microsoft.com/office/drawing/2010/main" w="9525">
+                <a:solidFill>
+                  <a:srgbClr val="000000"/>
+                </a:solidFill>
+                <a:miter lim="800000"/>
+                <a:headEnd/>
+                <a:tailEnd/>
+              </a14:hiddenLine>
+            </a:ext>
+          </a:extLst>
+        </p:spPr>
+      </p:pic>
+    </p:spTree>
+    <p:extLst>
+      <p:ext uri="{BB962C8B-B14F-4D97-AF65-F5344CB8AC3E}">
+        <p14:creationId xmlns:p14="http://schemas.microsoft.com/office/powerpoint/2010/main" val="3738896833"/>
       </p:ext>
     </p:extLst>
   </p:cSld>
@@ -10656,6 +12225,151 @@
 </file>
 
 <file path=customXml/item1.xml><?xml version="1.0" encoding="utf-8"?>
+<?mso-contentType ?>
+<FormTemplates xmlns="http://schemas.microsoft.com/sharepoint/v3/contenttype/forms">
+  <Display>DocumentLibraryForm</Display>
+  <Edit>AssetEditForm</Edit>
+  <New>DocumentLibraryForm</New>
+</FormTemplates>
+</file>
+
+<file path=customXml/item2.xml><?xml version="1.0" encoding="utf-8"?>
+<p:properties xmlns:p="http://schemas.microsoft.com/office/2006/metadata/properties" xmlns:xsi="http://www.w3.org/2001/XMLSchema-instance" xmlns:pc="http://schemas.microsoft.com/office/infopath/2007/PartnerControls">
+  <documentManagement>
+    <LocPublishedLinkedAssetsLookup xmlns="4873beb7-5857-4685-be1f-d57550cc96cc" xsi:nil="true"/>
+    <ApprovalStatus xmlns="4873beb7-5857-4685-be1f-d57550cc96cc">InProgress</ApprovalStatus>
+    <MarketSpecific xmlns="4873beb7-5857-4685-be1f-d57550cc96cc">false</MarketSpecific>
+    <LocComments xmlns="4873beb7-5857-4685-be1f-d57550cc96cc" xsi:nil="true"/>
+    <LocLastLocAttemptVersionTypeLookup xmlns="4873beb7-5857-4685-be1f-d57550cc96cc" xsi:nil="true"/>
+    <DirectSourceMarket xmlns="4873beb7-5857-4685-be1f-d57550cc96cc" xsi:nil="true"/>
+    <ThumbnailAssetId xmlns="4873beb7-5857-4685-be1f-d57550cc96cc" xsi:nil="true"/>
+    <PrimaryImageGen xmlns="4873beb7-5857-4685-be1f-d57550cc96cc">false</PrimaryImageGen>
+    <LocNewPublishedVersionLookup xmlns="4873beb7-5857-4685-be1f-d57550cc96cc" xsi:nil="true"/>
+    <LegacyData xmlns="4873beb7-5857-4685-be1f-d57550cc96cc" xsi:nil="true"/>
+    <LocRecommendedHandoff xmlns="4873beb7-5857-4685-be1f-d57550cc96cc" xsi:nil="true"/>
+    <BusinessGroup xmlns="4873beb7-5857-4685-be1f-d57550cc96cc" xsi:nil="true"/>
+    <BlockPublish xmlns="4873beb7-5857-4685-be1f-d57550cc96cc">false</BlockPublish>
+    <TPFriendlyName xmlns="4873beb7-5857-4685-be1f-d57550cc96cc" xsi:nil="true"/>
+    <LocOverallPublishStatusLookup xmlns="4873beb7-5857-4685-be1f-d57550cc96cc" xsi:nil="true"/>
+    <NumericId xmlns="4873beb7-5857-4685-be1f-d57550cc96cc" xsi:nil="true"/>
+    <APEditor xmlns="4873beb7-5857-4685-be1f-d57550cc96cc">
+      <UserInfo>
+        <DisplayName/>
+        <AccountId xsi:nil="true"/>
+        <AccountType/>
+      </UserInfo>
+    </APEditor>
+    <SourceTitle xmlns="4873beb7-5857-4685-be1f-d57550cc96cc" xsi:nil="true"/>
+    <OpenTemplate xmlns="4873beb7-5857-4685-be1f-d57550cc96cc">true</OpenTemplate>
+    <LocOverallLocStatusLookup xmlns="4873beb7-5857-4685-be1f-d57550cc96cc" xsi:nil="true"/>
+    <UALocComments xmlns="4873beb7-5857-4685-be1f-d57550cc96cc" xsi:nil="true"/>
+    <ParentAssetId xmlns="4873beb7-5857-4685-be1f-d57550cc96cc" xsi:nil="true"/>
+    <IntlLangReviewDate xmlns="4873beb7-5857-4685-be1f-d57550cc96cc" xsi:nil="true"/>
+    <FeatureTagsTaxHTField0 xmlns="4873beb7-5857-4685-be1f-d57550cc96cc">
+      <Terms xmlns="http://schemas.microsoft.com/office/infopath/2007/PartnerControls"/>
+    </FeatureTagsTaxHTField0>
+    <PublishStatusLookup xmlns="4873beb7-5857-4685-be1f-d57550cc96cc">
+      <Value>1345093</Value>
+    </PublishStatusLookup>
+    <Providers xmlns="4873beb7-5857-4685-be1f-d57550cc96cc" xsi:nil="true"/>
+    <MachineTranslated xmlns="4873beb7-5857-4685-be1f-d57550cc96cc">false</MachineTranslated>
+    <OriginalSourceMarket xmlns="4873beb7-5857-4685-be1f-d57550cc96cc" xsi:nil="true"/>
+    <APDescription xmlns="4873beb7-5857-4685-be1f-d57550cc96cc">This simple template design works for technology and  businesses, but it's versatile enough to use in other contexts.  It features multiple slide layouts designed for widescreen (16x9 resolution) and includes a sample SmartArt list and chart that are easily editable.</APDescription>
+    <ClipArtFilename xmlns="4873beb7-5857-4685-be1f-d57550cc96cc" xsi:nil="true"/>
+    <ContentItem xmlns="4873beb7-5857-4685-be1f-d57550cc96cc" xsi:nil="true"/>
+    <TPInstallLocation xmlns="4873beb7-5857-4685-be1f-d57550cc96cc" xsi:nil="true"/>
+    <PublishTargets xmlns="4873beb7-5857-4685-be1f-d57550cc96cc">OfficeOnlineVNext</PublishTargets>
+    <TimesCloned xmlns="4873beb7-5857-4685-be1f-d57550cc96cc" xsi:nil="true"/>
+    <AssetStart xmlns="4873beb7-5857-4685-be1f-d57550cc96cc">2011-11-26T00:30:00+00:00</AssetStart>
+    <Provider xmlns="4873beb7-5857-4685-be1f-d57550cc96cc" xsi:nil="true"/>
+    <AcquiredFrom xmlns="4873beb7-5857-4685-be1f-d57550cc96cc">Internal MS</AcquiredFrom>
+    <FriendlyTitle xmlns="4873beb7-5857-4685-be1f-d57550cc96cc" xsi:nil="true"/>
+    <LastHandOff xmlns="4873beb7-5857-4685-be1f-d57550cc96cc" xsi:nil="true"/>
+    <TPClientViewer xmlns="4873beb7-5857-4685-be1f-d57550cc96cc" xsi:nil="true"/>
+    <TemplateStatus xmlns="4873beb7-5857-4685-be1f-d57550cc96cc">Complete</TemplateStatus>
+    <Downloads xmlns="4873beb7-5857-4685-be1f-d57550cc96cc">0</Downloads>
+    <OOCacheId xmlns="4873beb7-5857-4685-be1f-d57550cc96cc" xsi:nil="true"/>
+    <IsDeleted xmlns="4873beb7-5857-4685-be1f-d57550cc96cc">false</IsDeleted>
+    <LocPublishedDependentAssetsLookup xmlns="4873beb7-5857-4685-be1f-d57550cc96cc" xsi:nil="true"/>
+    <TPExecutable xmlns="4873beb7-5857-4685-be1f-d57550cc96cc" xsi:nil="true"/>
+    <EditorialTags xmlns="4873beb7-5857-4685-be1f-d57550cc96cc" xsi:nil="true"/>
+    <SubmitterId xmlns="4873beb7-5857-4685-be1f-d57550cc96cc" xsi:nil="true"/>
+    <ApprovalLog xmlns="4873beb7-5857-4685-be1f-d57550cc96cc" xsi:nil="true"/>
+    <AssetType xmlns="4873beb7-5857-4685-be1f-d57550cc96cc">TP</AssetType>
+    <BugNumber xmlns="4873beb7-5857-4685-be1f-d57550cc96cc" xsi:nil="true"/>
+    <CSXSubmissionDate xmlns="4873beb7-5857-4685-be1f-d57550cc96cc" xsi:nil="true"/>
+    <CSXUpdate xmlns="4873beb7-5857-4685-be1f-d57550cc96cc">false</CSXUpdate>
+    <Milestone xmlns="4873beb7-5857-4685-be1f-d57550cc96cc" xsi:nil="true"/>
+    <RecommendationsModifier xmlns="4873beb7-5857-4685-be1f-d57550cc96cc" xsi:nil="true"/>
+    <OriginAsset xmlns="4873beb7-5857-4685-be1f-d57550cc96cc" xsi:nil="true"/>
+    <TPComponent xmlns="4873beb7-5857-4685-be1f-d57550cc96cc" xsi:nil="true"/>
+    <AssetId xmlns="4873beb7-5857-4685-be1f-d57550cc96cc">TP102787989</AssetId>
+    <IntlLocPriority xmlns="4873beb7-5857-4685-be1f-d57550cc96cc" xsi:nil="true"/>
+    <PolicheckWords xmlns="4873beb7-5857-4685-be1f-d57550cc96cc" xsi:nil="true"/>
+    <TPLaunchHelpLink xmlns="4873beb7-5857-4685-be1f-d57550cc96cc" xsi:nil="true"/>
+    <TPApplication xmlns="4873beb7-5857-4685-be1f-d57550cc96cc" xsi:nil="true"/>
+    <CrawlForDependencies xmlns="4873beb7-5857-4685-be1f-d57550cc96cc">false</CrawlForDependencies>
+    <HandoffToMSDN xmlns="4873beb7-5857-4685-be1f-d57550cc96cc" xsi:nil="true"/>
+    <PlannedPubDate xmlns="4873beb7-5857-4685-be1f-d57550cc96cc" xsi:nil="true"/>
+    <IntlLangReviewer xmlns="4873beb7-5857-4685-be1f-d57550cc96cc" xsi:nil="true"/>
+    <TrustLevel xmlns="4873beb7-5857-4685-be1f-d57550cc96cc">1 Microsoft Managed Content</TrustLevel>
+    <LocLastLocAttemptVersionLookup xmlns="4873beb7-5857-4685-be1f-d57550cc96cc">694266</LocLastLocAttemptVersionLookup>
+    <LocProcessedForHandoffsLookup xmlns="4873beb7-5857-4685-be1f-d57550cc96cc" xsi:nil="true"/>
+    <IsSearchable xmlns="4873beb7-5857-4685-be1f-d57550cc96cc">true</IsSearchable>
+    <TemplateTemplateType xmlns="4873beb7-5857-4685-be1f-d57550cc96cc">PowerPoint Presentation Template</TemplateTemplateType>
+    <CampaignTagsTaxHTField0 xmlns="4873beb7-5857-4685-be1f-d57550cc96cc">
+      <Terms xmlns="http://schemas.microsoft.com/office/infopath/2007/PartnerControls"/>
+    </CampaignTagsTaxHTField0>
+    <TPNamespace xmlns="4873beb7-5857-4685-be1f-d57550cc96cc" xsi:nil="true"/>
+    <LocOverallPreviewStatusLookup xmlns="4873beb7-5857-4685-be1f-d57550cc96cc" xsi:nil="true"/>
+    <TaxCatchAll xmlns="4873beb7-5857-4685-be1f-d57550cc96cc"/>
+    <Markets xmlns="4873beb7-5857-4685-be1f-d57550cc96cc"/>
+    <UAProjectedTotalWords xmlns="4873beb7-5857-4685-be1f-d57550cc96cc" xsi:nil="true"/>
+    <IntlLangReview xmlns="4873beb7-5857-4685-be1f-d57550cc96cc" xsi:nil="true"/>
+    <OutputCachingOn xmlns="4873beb7-5857-4685-be1f-d57550cc96cc">false</OutputCachingOn>
+    <AverageRating xmlns="4873beb7-5857-4685-be1f-d57550cc96cc" xsi:nil="true"/>
+    <APAuthor xmlns="4873beb7-5857-4685-be1f-d57550cc96cc">
+      <UserInfo>
+        <DisplayName>REDMOND\kristaa</DisplayName>
+        <AccountId>136</AccountId>
+        <AccountType/>
+      </UserInfo>
+    </APAuthor>
+    <LocManualTestRequired xmlns="4873beb7-5857-4685-be1f-d57550cc96cc">false</LocManualTestRequired>
+    <TPCommandLine xmlns="4873beb7-5857-4685-be1f-d57550cc96cc" xsi:nil="true"/>
+    <TPAppVersion xmlns="4873beb7-5857-4685-be1f-d57550cc96cc" xsi:nil="true"/>
+    <EditorialStatus xmlns="4873beb7-5857-4685-be1f-d57550cc96cc">Complete</EditorialStatus>
+    <LastModifiedDateTime xmlns="4873beb7-5857-4685-be1f-d57550cc96cc" xsi:nil="true"/>
+    <ScenarioTagsTaxHTField0 xmlns="4873beb7-5857-4685-be1f-d57550cc96cc">
+      <Terms xmlns="http://schemas.microsoft.com/office/infopath/2007/PartnerControls"/>
+    </ScenarioTagsTaxHTField0>
+    <LocProcessedForMarketsLookup xmlns="4873beb7-5857-4685-be1f-d57550cc96cc" xsi:nil="true"/>
+    <TPLaunchHelpLinkType xmlns="4873beb7-5857-4685-be1f-d57550cc96cc">Template</TPLaunchHelpLinkType>
+    <OriginalRelease xmlns="4873beb7-5857-4685-be1f-d57550cc96cc">15</OriginalRelease>
+    <LocalizationTagsTaxHTField0 xmlns="4873beb7-5857-4685-be1f-d57550cc96cc">
+      <Terms xmlns="http://schemas.microsoft.com/office/infopath/2007/PartnerControls"/>
+    </LocalizationTagsTaxHTField0>
+    <UACurrentWords xmlns="4873beb7-5857-4685-be1f-d57550cc96cc" xsi:nil="true"/>
+    <ArtSampleDocs xmlns="4873beb7-5857-4685-be1f-d57550cc96cc" xsi:nil="true"/>
+    <UALocRecommendation xmlns="4873beb7-5857-4685-be1f-d57550cc96cc">Localize</UALocRecommendation>
+    <Manager xmlns="4873beb7-5857-4685-be1f-d57550cc96cc" xsi:nil="true"/>
+    <LocOverallHandbackStatusLookup xmlns="4873beb7-5857-4685-be1f-d57550cc96cc" xsi:nil="true"/>
+    <ShowIn xmlns="4873beb7-5857-4685-be1f-d57550cc96cc">Show everywhere</ShowIn>
+    <UANotes xmlns="4873beb7-5857-4685-be1f-d57550cc96cc" xsi:nil="true"/>
+    <InternalTagsTaxHTField0 xmlns="4873beb7-5857-4685-be1f-d57550cc96cc">
+      <Terms xmlns="http://schemas.microsoft.com/office/infopath/2007/PartnerControls"/>
+    </InternalTagsTaxHTField0>
+    <CSXHash xmlns="4873beb7-5857-4685-be1f-d57550cc96cc" xsi:nil="true"/>
+    <VoteCount xmlns="4873beb7-5857-4685-be1f-d57550cc96cc" xsi:nil="true"/>
+    <AssetExpire xmlns="4873beb7-5857-4685-be1f-d57550cc96cc">2029-05-12T07:00:00+00:00</AssetExpire>
+    <DSATActionTaken xmlns="4873beb7-5857-4685-be1f-d57550cc96cc" xsi:nil="true"/>
+    <CSXSubmissionMarket xmlns="4873beb7-5857-4685-be1f-d57550cc96cc" xsi:nil="true"/>
+    <LocMarketGroupTiers2 xmlns="4873beb7-5857-4685-be1f-d57550cc96cc" xsi:nil="true"/>
+  </documentManagement>
+</p:properties>
+</file>
+
+<file path=customXml/item3.xml><?xml version="1.0" encoding="utf-8"?>
 <ct:contentTypeSchema xmlns:ct="http://schemas.microsoft.com/office/2006/metadata/contentType" xmlns:ma="http://schemas.microsoft.com/office/2006/metadata/properties/metaAttributes" ct:_="" ma:_="" ma:contentTypeName="TemplateFile" ma:contentTypeID="0x0101006EDDDB5EE6D98C44930B742096920B300400F5B6D36B3EF94B4E9A635CDF2A18F5B8" ma:contentTypeVersion="72" ma:contentTypeDescription="Create a new document." ma:contentTypeScope="" ma:versionID="a23e56308344d904b51738559c3d67c9">
   <xsd:schema xmlns:xsd="http://www.w3.org/2001/XMLSchema" xmlns:xs="http://www.w3.org/2001/XMLSchema" xmlns:p="http://schemas.microsoft.com/office/2006/metadata/properties" xmlns:ns2="4873beb7-5857-4685-be1f-d57550cc96cc" targetNamespace="http://schemas.microsoft.com/office/2006/metadata/properties" ma:root="true" ma:fieldsID="cd0908cc4600e77bf5da051303e00c8d" ns2:_="">
     <xsd:import namespace="4873beb7-5857-4685-be1f-d57550cc96cc"/>
@@ -11695,165 +13409,10 @@
 </ct:contentTypeSchema>
 </file>
 
-<file path=customXml/item2.xml><?xml version="1.0" encoding="utf-8"?>
-<p:properties xmlns:p="http://schemas.microsoft.com/office/2006/metadata/properties" xmlns:xsi="http://www.w3.org/2001/XMLSchema-instance" xmlns:pc="http://schemas.microsoft.com/office/infopath/2007/PartnerControls">
-  <documentManagement>
-    <LocPublishedLinkedAssetsLookup xmlns="4873beb7-5857-4685-be1f-d57550cc96cc" xsi:nil="true"/>
-    <ApprovalStatus xmlns="4873beb7-5857-4685-be1f-d57550cc96cc">InProgress</ApprovalStatus>
-    <MarketSpecific xmlns="4873beb7-5857-4685-be1f-d57550cc96cc">false</MarketSpecific>
-    <LocComments xmlns="4873beb7-5857-4685-be1f-d57550cc96cc" xsi:nil="true"/>
-    <LocLastLocAttemptVersionTypeLookup xmlns="4873beb7-5857-4685-be1f-d57550cc96cc" xsi:nil="true"/>
-    <DirectSourceMarket xmlns="4873beb7-5857-4685-be1f-d57550cc96cc" xsi:nil="true"/>
-    <ThumbnailAssetId xmlns="4873beb7-5857-4685-be1f-d57550cc96cc" xsi:nil="true"/>
-    <PrimaryImageGen xmlns="4873beb7-5857-4685-be1f-d57550cc96cc">false</PrimaryImageGen>
-    <LocNewPublishedVersionLookup xmlns="4873beb7-5857-4685-be1f-d57550cc96cc" xsi:nil="true"/>
-    <LegacyData xmlns="4873beb7-5857-4685-be1f-d57550cc96cc" xsi:nil="true"/>
-    <LocRecommendedHandoff xmlns="4873beb7-5857-4685-be1f-d57550cc96cc" xsi:nil="true"/>
-    <BusinessGroup xmlns="4873beb7-5857-4685-be1f-d57550cc96cc" xsi:nil="true"/>
-    <BlockPublish xmlns="4873beb7-5857-4685-be1f-d57550cc96cc">false</BlockPublish>
-    <TPFriendlyName xmlns="4873beb7-5857-4685-be1f-d57550cc96cc" xsi:nil="true"/>
-    <LocOverallPublishStatusLookup xmlns="4873beb7-5857-4685-be1f-d57550cc96cc" xsi:nil="true"/>
-    <NumericId xmlns="4873beb7-5857-4685-be1f-d57550cc96cc" xsi:nil="true"/>
-    <APEditor xmlns="4873beb7-5857-4685-be1f-d57550cc96cc">
-      <UserInfo>
-        <DisplayName/>
-        <AccountId xsi:nil="true"/>
-        <AccountType/>
-      </UserInfo>
-    </APEditor>
-    <SourceTitle xmlns="4873beb7-5857-4685-be1f-d57550cc96cc" xsi:nil="true"/>
-    <OpenTemplate xmlns="4873beb7-5857-4685-be1f-d57550cc96cc">true</OpenTemplate>
-    <LocOverallLocStatusLookup xmlns="4873beb7-5857-4685-be1f-d57550cc96cc" xsi:nil="true"/>
-    <UALocComments xmlns="4873beb7-5857-4685-be1f-d57550cc96cc" xsi:nil="true"/>
-    <ParentAssetId xmlns="4873beb7-5857-4685-be1f-d57550cc96cc" xsi:nil="true"/>
-    <IntlLangReviewDate xmlns="4873beb7-5857-4685-be1f-d57550cc96cc" xsi:nil="true"/>
-    <FeatureTagsTaxHTField0 xmlns="4873beb7-5857-4685-be1f-d57550cc96cc">
-      <Terms xmlns="http://schemas.microsoft.com/office/infopath/2007/PartnerControls"/>
-    </FeatureTagsTaxHTField0>
-    <PublishStatusLookup xmlns="4873beb7-5857-4685-be1f-d57550cc96cc">
-      <Value>1345093</Value>
-    </PublishStatusLookup>
-    <Providers xmlns="4873beb7-5857-4685-be1f-d57550cc96cc" xsi:nil="true"/>
-    <MachineTranslated xmlns="4873beb7-5857-4685-be1f-d57550cc96cc">false</MachineTranslated>
-    <OriginalSourceMarket xmlns="4873beb7-5857-4685-be1f-d57550cc96cc" xsi:nil="true"/>
-    <APDescription xmlns="4873beb7-5857-4685-be1f-d57550cc96cc">This simple template design works for technology and  businesses, but it's versatile enough to use in other contexts.  It features multiple slide layouts designed for widescreen (16x9 resolution) and includes a sample SmartArt list and chart that are easily editable.</APDescription>
-    <ClipArtFilename xmlns="4873beb7-5857-4685-be1f-d57550cc96cc" xsi:nil="true"/>
-    <ContentItem xmlns="4873beb7-5857-4685-be1f-d57550cc96cc" xsi:nil="true"/>
-    <TPInstallLocation xmlns="4873beb7-5857-4685-be1f-d57550cc96cc" xsi:nil="true"/>
-    <PublishTargets xmlns="4873beb7-5857-4685-be1f-d57550cc96cc">OfficeOnlineVNext</PublishTargets>
-    <TimesCloned xmlns="4873beb7-5857-4685-be1f-d57550cc96cc" xsi:nil="true"/>
-    <AssetStart xmlns="4873beb7-5857-4685-be1f-d57550cc96cc">2011-11-26T00:30:00+00:00</AssetStart>
-    <Provider xmlns="4873beb7-5857-4685-be1f-d57550cc96cc" xsi:nil="true"/>
-    <AcquiredFrom xmlns="4873beb7-5857-4685-be1f-d57550cc96cc">Internal MS</AcquiredFrom>
-    <FriendlyTitle xmlns="4873beb7-5857-4685-be1f-d57550cc96cc" xsi:nil="true"/>
-    <LastHandOff xmlns="4873beb7-5857-4685-be1f-d57550cc96cc" xsi:nil="true"/>
-    <TPClientViewer xmlns="4873beb7-5857-4685-be1f-d57550cc96cc" xsi:nil="true"/>
-    <TemplateStatus xmlns="4873beb7-5857-4685-be1f-d57550cc96cc">Complete</TemplateStatus>
-    <Downloads xmlns="4873beb7-5857-4685-be1f-d57550cc96cc">0</Downloads>
-    <OOCacheId xmlns="4873beb7-5857-4685-be1f-d57550cc96cc" xsi:nil="true"/>
-    <IsDeleted xmlns="4873beb7-5857-4685-be1f-d57550cc96cc">false</IsDeleted>
-    <LocPublishedDependentAssetsLookup xmlns="4873beb7-5857-4685-be1f-d57550cc96cc" xsi:nil="true"/>
-    <TPExecutable xmlns="4873beb7-5857-4685-be1f-d57550cc96cc" xsi:nil="true"/>
-    <EditorialTags xmlns="4873beb7-5857-4685-be1f-d57550cc96cc" xsi:nil="true"/>
-    <SubmitterId xmlns="4873beb7-5857-4685-be1f-d57550cc96cc" xsi:nil="true"/>
-    <ApprovalLog xmlns="4873beb7-5857-4685-be1f-d57550cc96cc" xsi:nil="true"/>
-    <AssetType xmlns="4873beb7-5857-4685-be1f-d57550cc96cc">TP</AssetType>
-    <BugNumber xmlns="4873beb7-5857-4685-be1f-d57550cc96cc" xsi:nil="true"/>
-    <CSXSubmissionDate xmlns="4873beb7-5857-4685-be1f-d57550cc96cc" xsi:nil="true"/>
-    <CSXUpdate xmlns="4873beb7-5857-4685-be1f-d57550cc96cc">false</CSXUpdate>
-    <Milestone xmlns="4873beb7-5857-4685-be1f-d57550cc96cc" xsi:nil="true"/>
-    <RecommendationsModifier xmlns="4873beb7-5857-4685-be1f-d57550cc96cc" xsi:nil="true"/>
-    <OriginAsset xmlns="4873beb7-5857-4685-be1f-d57550cc96cc" xsi:nil="true"/>
-    <TPComponent xmlns="4873beb7-5857-4685-be1f-d57550cc96cc" xsi:nil="true"/>
-    <AssetId xmlns="4873beb7-5857-4685-be1f-d57550cc96cc">TP102787989</AssetId>
-    <IntlLocPriority xmlns="4873beb7-5857-4685-be1f-d57550cc96cc" xsi:nil="true"/>
-    <PolicheckWords xmlns="4873beb7-5857-4685-be1f-d57550cc96cc" xsi:nil="true"/>
-    <TPLaunchHelpLink xmlns="4873beb7-5857-4685-be1f-d57550cc96cc" xsi:nil="true"/>
-    <TPApplication xmlns="4873beb7-5857-4685-be1f-d57550cc96cc" xsi:nil="true"/>
-    <CrawlForDependencies xmlns="4873beb7-5857-4685-be1f-d57550cc96cc">false</CrawlForDependencies>
-    <HandoffToMSDN xmlns="4873beb7-5857-4685-be1f-d57550cc96cc" xsi:nil="true"/>
-    <PlannedPubDate xmlns="4873beb7-5857-4685-be1f-d57550cc96cc" xsi:nil="true"/>
-    <IntlLangReviewer xmlns="4873beb7-5857-4685-be1f-d57550cc96cc" xsi:nil="true"/>
-    <TrustLevel xmlns="4873beb7-5857-4685-be1f-d57550cc96cc">1 Microsoft Managed Content</TrustLevel>
-    <LocLastLocAttemptVersionLookup xmlns="4873beb7-5857-4685-be1f-d57550cc96cc">694266</LocLastLocAttemptVersionLookup>
-    <LocProcessedForHandoffsLookup xmlns="4873beb7-5857-4685-be1f-d57550cc96cc" xsi:nil="true"/>
-    <IsSearchable xmlns="4873beb7-5857-4685-be1f-d57550cc96cc">true</IsSearchable>
-    <TemplateTemplateType xmlns="4873beb7-5857-4685-be1f-d57550cc96cc">PowerPoint Presentation Template</TemplateTemplateType>
-    <CampaignTagsTaxHTField0 xmlns="4873beb7-5857-4685-be1f-d57550cc96cc">
-      <Terms xmlns="http://schemas.microsoft.com/office/infopath/2007/PartnerControls"/>
-    </CampaignTagsTaxHTField0>
-    <TPNamespace xmlns="4873beb7-5857-4685-be1f-d57550cc96cc" xsi:nil="true"/>
-    <LocOverallPreviewStatusLookup xmlns="4873beb7-5857-4685-be1f-d57550cc96cc" xsi:nil="true"/>
-    <TaxCatchAll xmlns="4873beb7-5857-4685-be1f-d57550cc96cc"/>
-    <Markets xmlns="4873beb7-5857-4685-be1f-d57550cc96cc"/>
-    <UAProjectedTotalWords xmlns="4873beb7-5857-4685-be1f-d57550cc96cc" xsi:nil="true"/>
-    <IntlLangReview xmlns="4873beb7-5857-4685-be1f-d57550cc96cc" xsi:nil="true"/>
-    <OutputCachingOn xmlns="4873beb7-5857-4685-be1f-d57550cc96cc">false</OutputCachingOn>
-    <AverageRating xmlns="4873beb7-5857-4685-be1f-d57550cc96cc" xsi:nil="true"/>
-    <APAuthor xmlns="4873beb7-5857-4685-be1f-d57550cc96cc">
-      <UserInfo>
-        <DisplayName>REDMOND\kristaa</DisplayName>
-        <AccountId>136</AccountId>
-        <AccountType/>
-      </UserInfo>
-    </APAuthor>
-    <LocManualTestRequired xmlns="4873beb7-5857-4685-be1f-d57550cc96cc">false</LocManualTestRequired>
-    <TPCommandLine xmlns="4873beb7-5857-4685-be1f-d57550cc96cc" xsi:nil="true"/>
-    <TPAppVersion xmlns="4873beb7-5857-4685-be1f-d57550cc96cc" xsi:nil="true"/>
-    <EditorialStatus xmlns="4873beb7-5857-4685-be1f-d57550cc96cc">Complete</EditorialStatus>
-    <LastModifiedDateTime xmlns="4873beb7-5857-4685-be1f-d57550cc96cc" xsi:nil="true"/>
-    <ScenarioTagsTaxHTField0 xmlns="4873beb7-5857-4685-be1f-d57550cc96cc">
-      <Terms xmlns="http://schemas.microsoft.com/office/infopath/2007/PartnerControls"/>
-    </ScenarioTagsTaxHTField0>
-    <LocProcessedForMarketsLookup xmlns="4873beb7-5857-4685-be1f-d57550cc96cc" xsi:nil="true"/>
-    <TPLaunchHelpLinkType xmlns="4873beb7-5857-4685-be1f-d57550cc96cc">Template</TPLaunchHelpLinkType>
-    <OriginalRelease xmlns="4873beb7-5857-4685-be1f-d57550cc96cc">15</OriginalRelease>
-    <LocalizationTagsTaxHTField0 xmlns="4873beb7-5857-4685-be1f-d57550cc96cc">
-      <Terms xmlns="http://schemas.microsoft.com/office/infopath/2007/PartnerControls"/>
-    </LocalizationTagsTaxHTField0>
-    <UACurrentWords xmlns="4873beb7-5857-4685-be1f-d57550cc96cc" xsi:nil="true"/>
-    <ArtSampleDocs xmlns="4873beb7-5857-4685-be1f-d57550cc96cc" xsi:nil="true"/>
-    <UALocRecommendation xmlns="4873beb7-5857-4685-be1f-d57550cc96cc">Localize</UALocRecommendation>
-    <Manager xmlns="4873beb7-5857-4685-be1f-d57550cc96cc" xsi:nil="true"/>
-    <LocOverallHandbackStatusLookup xmlns="4873beb7-5857-4685-be1f-d57550cc96cc" xsi:nil="true"/>
-    <ShowIn xmlns="4873beb7-5857-4685-be1f-d57550cc96cc">Show everywhere</ShowIn>
-    <UANotes xmlns="4873beb7-5857-4685-be1f-d57550cc96cc" xsi:nil="true"/>
-    <InternalTagsTaxHTField0 xmlns="4873beb7-5857-4685-be1f-d57550cc96cc">
-      <Terms xmlns="http://schemas.microsoft.com/office/infopath/2007/PartnerControls"/>
-    </InternalTagsTaxHTField0>
-    <CSXHash xmlns="4873beb7-5857-4685-be1f-d57550cc96cc" xsi:nil="true"/>
-    <VoteCount xmlns="4873beb7-5857-4685-be1f-d57550cc96cc" xsi:nil="true"/>
-    <AssetExpire xmlns="4873beb7-5857-4685-be1f-d57550cc96cc">2029-05-12T07:00:00+00:00</AssetExpire>
-    <DSATActionTaken xmlns="4873beb7-5857-4685-be1f-d57550cc96cc" xsi:nil="true"/>
-    <CSXSubmissionMarket xmlns="4873beb7-5857-4685-be1f-d57550cc96cc" xsi:nil="true"/>
-    <LocMarketGroupTiers2 xmlns="4873beb7-5857-4685-be1f-d57550cc96cc" xsi:nil="true"/>
-  </documentManagement>
-</p:properties>
-</file>
-
-<file path=customXml/item3.xml><?xml version="1.0" encoding="utf-8"?>
-<?mso-contentType ?>
-<FormTemplates xmlns="http://schemas.microsoft.com/sharepoint/v3/contenttype/forms">
-  <Display>DocumentLibraryForm</Display>
-  <Edit>AssetEditForm</Edit>
-  <New>DocumentLibraryForm</New>
-</FormTemplates>
-</file>
-
 <file path=customXml/itemProps1.xml><?xml version="1.0" encoding="utf-8"?>
-<ds:datastoreItem xmlns:ds="http://schemas.openxmlformats.org/officeDocument/2006/customXml" ds:itemID="{A09BF4D4-EF60-4196-BFC3-9462D607978C}">
+<ds:datastoreItem xmlns:ds="http://schemas.openxmlformats.org/officeDocument/2006/customXml" ds:itemID="{3836F65B-1B07-41EE-A0E8-BC6EF3855225}">
   <ds:schemaRefs>
-    <ds:schemaRef ds:uri="http://schemas.microsoft.com/office/2006/metadata/contentType"/>
-    <ds:schemaRef ds:uri="http://schemas.microsoft.com/office/2006/metadata/properties/metaAttributes"/>
-    <ds:schemaRef ds:uri="http://www.w3.org/2001/XMLSchema"/>
-    <ds:schemaRef ds:uri="http://schemas.microsoft.com/office/2006/metadata/properties"/>
-    <ds:schemaRef ds:uri="4873beb7-5857-4685-be1f-d57550cc96cc"/>
-    <ds:schemaRef ds:uri="http://schemas.microsoft.com/office/2006/documentManagement/types"/>
-    <ds:schemaRef ds:uri="http://schemas.microsoft.com/office/infopath/2007/PartnerControls"/>
-    <ds:schemaRef ds:uri="http://schemas.openxmlformats.org/package/2006/metadata/core-properties"/>
-    <ds:schemaRef ds:uri="http://purl.org/dc/elements/1.1/"/>
-    <ds:schemaRef ds:uri="http://purl.org/dc/terms/"/>
-    <ds:schemaRef ds:uri="http://schemas.microsoft.com/internal/obd"/>
+    <ds:schemaRef ds:uri="http://schemas.microsoft.com/sharepoint/v3/contenttype/forms"/>
   </ds:schemaRefs>
 </ds:datastoreItem>
 </file>
@@ -11875,9 +13434,19 @@
 </file>
 
 <file path=customXml/itemProps3.xml><?xml version="1.0" encoding="utf-8"?>
-<ds:datastoreItem xmlns:ds="http://schemas.openxmlformats.org/officeDocument/2006/customXml" ds:itemID="{3836F65B-1B07-41EE-A0E8-BC6EF3855225}">
+<ds:datastoreItem xmlns:ds="http://schemas.openxmlformats.org/officeDocument/2006/customXml" ds:itemID="{A09BF4D4-EF60-4196-BFC3-9462D607978C}">
   <ds:schemaRefs>
-    <ds:schemaRef ds:uri="http://schemas.microsoft.com/sharepoint/v3/contenttype/forms"/>
+    <ds:schemaRef ds:uri="http://schemas.microsoft.com/office/2006/metadata/contentType"/>
+    <ds:schemaRef ds:uri="http://schemas.microsoft.com/office/2006/metadata/properties/metaAttributes"/>
+    <ds:schemaRef ds:uri="http://www.w3.org/2001/XMLSchema"/>
+    <ds:schemaRef ds:uri="http://schemas.microsoft.com/office/2006/metadata/properties"/>
+    <ds:schemaRef ds:uri="4873beb7-5857-4685-be1f-d57550cc96cc"/>
+    <ds:schemaRef ds:uri="http://schemas.microsoft.com/office/2006/documentManagement/types"/>
+    <ds:schemaRef ds:uri="http://schemas.microsoft.com/office/infopath/2007/PartnerControls"/>
+    <ds:schemaRef ds:uri="http://schemas.openxmlformats.org/package/2006/metadata/core-properties"/>
+    <ds:schemaRef ds:uri="http://purl.org/dc/elements/1.1/"/>
+    <ds:schemaRef ds:uri="http://purl.org/dc/terms/"/>
+    <ds:schemaRef ds:uri="http://schemas.microsoft.com/internal/obd"/>
   </ds:schemaRefs>
 </ds:datastoreItem>
 </file>
--- a/Presentation.pptx
+++ b/Presentation.pptx
@@ -5,10 +5,10 @@
     <p:sldMasterId id="2147483660" r:id="rId4"/>
   </p:sldMasterIdLst>
   <p:notesMasterIdLst>
-    <p:notesMasterId r:id="rId20"/>
+    <p:notesMasterId r:id="rId18"/>
   </p:notesMasterIdLst>
   <p:handoutMasterIdLst>
-    <p:handoutMasterId r:id="rId21"/>
+    <p:handoutMasterId r:id="rId19"/>
   </p:handoutMasterIdLst>
   <p:sldIdLst>
     <p:sldId id="257" r:id="rId5"/>
@@ -24,8 +24,6 @@
     <p:sldId id="279" r:id="rId15"/>
     <p:sldId id="281" r:id="rId16"/>
     <p:sldId id="283" r:id="rId17"/>
-    <p:sldId id="267" r:id="rId18"/>
-    <p:sldId id="280" r:id="rId19"/>
   </p:sldIdLst>
   <p:sldSz cx="12188825" cy="6858000"/>
   <p:notesSz cx="6858000" cy="9144000"/>
@@ -146,8 +144,6 @@
             <p14:sldId id="279"/>
             <p14:sldId id="281"/>
             <p14:sldId id="283"/>
-            <p14:sldId id="267"/>
-            <p14:sldId id="280"/>
           </p14:sldIdLst>
         </p14:section>
       </p14:sectionLst>
@@ -9115,258 +9111,6 @@
 </p:sld>
 </file>
 
-<file path=ppt/slides/slide14.xml><?xml version="1.0" encoding="utf-8"?>
-<p:sld xmlns:a="http://schemas.openxmlformats.org/drawingml/2006/main" xmlns:r="http://schemas.openxmlformats.org/officeDocument/2006/relationships" xmlns:p="http://schemas.openxmlformats.org/presentationml/2006/main">
-  <p:cSld>
-    <p:spTree>
-      <p:nvGrpSpPr>
-        <p:cNvPr id="1" name=""/>
-        <p:cNvGrpSpPr/>
-        <p:nvPr/>
-      </p:nvGrpSpPr>
-      <p:grpSpPr>
-        <a:xfrm>
-          <a:off x="0" y="0"/>
-          <a:ext cx="0" cy="0"/>
-          <a:chOff x="0" y="0"/>
-          <a:chExt cx="0" cy="0"/>
-        </a:xfrm>
-      </p:grpSpPr>
-      <p:sp>
-        <p:nvSpPr>
-          <p:cNvPr id="7" name="Title 6"/>
-          <p:cNvSpPr>
-            <a:spLocks noGrp="1"/>
-          </p:cNvSpPr>
-          <p:nvPr>
-            <p:ph type="title"/>
-          </p:nvPr>
-        </p:nvSpPr>
-        <p:spPr/>
-        <p:txBody>
-          <a:bodyPr/>
-          <a:lstStyle/>
-          <a:p>
-            <a:r>
-              <a:rPr lang="en-US" dirty="0"/>
-              <a:t>Exercise demonstration</a:t>
-            </a:r>
-          </a:p>
-        </p:txBody>
-      </p:sp>
-      <p:pic>
-        <p:nvPicPr>
-          <p:cNvPr id="4" name="Content Placeholder 3"/>
-          <p:cNvPicPr>
-            <a:picLocks noGrp="1" noChangeAspect="1"/>
-          </p:cNvPicPr>
-          <p:nvPr>
-            <p:ph idx="1"/>
-          </p:nvPr>
-        </p:nvPicPr>
-        <p:blipFill>
-          <a:blip r:embed="rId2">
-            <a:extLst>
-              <a:ext uri="{28A0092B-C50C-407E-A947-70E740481C1C}">
-                <a14:useLocalDpi xmlns:a14="http://schemas.microsoft.com/office/drawing/2010/main" val="0"/>
-              </a:ext>
-            </a:extLst>
-          </a:blip>
-          <a:stretch>
-            <a:fillRect/>
-          </a:stretch>
-        </p:blipFill>
-        <p:spPr>
-          <a:xfrm>
-            <a:off x="3646140" y="1628800"/>
-            <a:ext cx="5112568" cy="4866986"/>
-          </a:xfrm>
-          <a:prstGeom prst="rect">
-            <a:avLst/>
-          </a:prstGeom>
-          <a:solidFill>
-            <a:srgbClr val="FFFFFF">
-              <a:shade val="85000"/>
-            </a:srgbClr>
-          </a:solidFill>
-          <a:ln w="88900" cap="sq">
-            <a:solidFill>
-              <a:srgbClr val="FFFFFF"/>
-            </a:solidFill>
-            <a:miter lim="800000"/>
-          </a:ln>
-          <a:effectLst>
-            <a:outerShdw blurRad="55000" dist="18000" dir="5400000" algn="tl" rotWithShape="0">
-              <a:srgbClr val="000000">
-                <a:alpha val="40000"/>
-              </a:srgbClr>
-            </a:outerShdw>
-          </a:effectLst>
-          <a:scene3d>
-            <a:camera prst="orthographicFront"/>
-            <a:lightRig rig="twoPt" dir="t">
-              <a:rot lat="0" lon="0" rev="7200000"/>
-            </a:lightRig>
-          </a:scene3d>
-          <a:sp3d>
-            <a:bevelT w="25400" h="19050"/>
-            <a:contourClr>
-              <a:srgbClr val="FFFFFF"/>
-            </a:contourClr>
-          </a:sp3d>
-        </p:spPr>
-      </p:pic>
-    </p:spTree>
-    <p:extLst>
-      <p:ext uri="{BB962C8B-B14F-4D97-AF65-F5344CB8AC3E}">
-        <p14:creationId xmlns:p14="http://schemas.microsoft.com/office/powerpoint/2010/main" val="1484811712"/>
-      </p:ext>
-    </p:extLst>
-  </p:cSld>
-  <p:clrMapOvr>
-    <a:masterClrMapping/>
-  </p:clrMapOvr>
-  <mc:AlternateContent xmlns:mc="http://schemas.openxmlformats.org/markup-compatibility/2006" xmlns:p14="http://schemas.microsoft.com/office/powerpoint/2010/main">
-    <mc:Choice Requires="p14">
-      <p:transition spd="med" p14:dur="700">
-        <p:fade/>
-      </p:transition>
-    </mc:Choice>
-    <mc:Fallback xmlns="">
-      <p:transition spd="med">
-        <p:fade/>
-      </p:transition>
-    </mc:Fallback>
-  </mc:AlternateContent>
-</p:sld>
-</file>
-
-<file path=ppt/slides/slide15.xml><?xml version="1.0" encoding="utf-8"?>
-<p:sld xmlns:a="http://schemas.openxmlformats.org/drawingml/2006/main" xmlns:r="http://schemas.openxmlformats.org/officeDocument/2006/relationships" xmlns:p="http://schemas.openxmlformats.org/presentationml/2006/main">
-  <p:cSld>
-    <p:spTree>
-      <p:nvGrpSpPr>
-        <p:cNvPr id="1" name=""/>
-        <p:cNvGrpSpPr/>
-        <p:nvPr/>
-      </p:nvGrpSpPr>
-      <p:grpSpPr>
-        <a:xfrm>
-          <a:off x="0" y="0"/>
-          <a:ext cx="0" cy="0"/>
-          <a:chOff x="0" y="0"/>
-          <a:chExt cx="0" cy="0"/>
-        </a:xfrm>
-      </p:grpSpPr>
-      <p:sp>
-        <p:nvSpPr>
-          <p:cNvPr id="7" name="Title 6"/>
-          <p:cNvSpPr>
-            <a:spLocks noGrp="1"/>
-          </p:cNvSpPr>
-          <p:nvPr>
-            <p:ph type="title"/>
-          </p:nvPr>
-        </p:nvSpPr>
-        <p:spPr/>
-        <p:txBody>
-          <a:bodyPr/>
-          <a:lstStyle/>
-          <a:p>
-            <a:r>
-              <a:rPr lang="en-US" dirty="0"/>
-              <a:t>Now is your turn</a:t>
-            </a:r>
-          </a:p>
-        </p:txBody>
-      </p:sp>
-      <p:pic>
-        <p:nvPicPr>
-          <p:cNvPr id="4" name="Content Placeholder 3"/>
-          <p:cNvPicPr>
-            <a:picLocks noGrp="1" noChangeAspect="1"/>
-          </p:cNvPicPr>
-          <p:nvPr>
-            <p:ph idx="1"/>
-          </p:nvPr>
-        </p:nvPicPr>
-        <p:blipFill>
-          <a:blip r:embed="rId2">
-            <a:extLst>
-              <a:ext uri="{28A0092B-C50C-407E-A947-70E740481C1C}">
-                <a14:useLocalDpi xmlns:a14="http://schemas.microsoft.com/office/drawing/2010/main" val="0"/>
-              </a:ext>
-            </a:extLst>
-          </a:blip>
-          <a:stretch>
-            <a:fillRect/>
-          </a:stretch>
-        </p:blipFill>
-        <p:spPr>
-          <a:xfrm>
-            <a:off x="3646140" y="1628800"/>
-            <a:ext cx="5112568" cy="4866986"/>
-          </a:xfrm>
-          <a:prstGeom prst="rect">
-            <a:avLst/>
-          </a:prstGeom>
-          <a:solidFill>
-            <a:srgbClr val="FFFFFF">
-              <a:shade val="85000"/>
-            </a:srgbClr>
-          </a:solidFill>
-          <a:ln w="88900" cap="sq">
-            <a:solidFill>
-              <a:srgbClr val="FFFFFF"/>
-            </a:solidFill>
-            <a:miter lim="800000"/>
-          </a:ln>
-          <a:effectLst>
-            <a:outerShdw blurRad="55000" dist="18000" dir="5400000" algn="tl" rotWithShape="0">
-              <a:srgbClr val="000000">
-                <a:alpha val="40000"/>
-              </a:srgbClr>
-            </a:outerShdw>
-          </a:effectLst>
-          <a:scene3d>
-            <a:camera prst="orthographicFront"/>
-            <a:lightRig rig="twoPt" dir="t">
-              <a:rot lat="0" lon="0" rev="7200000"/>
-            </a:lightRig>
-          </a:scene3d>
-          <a:sp3d>
-            <a:bevelT w="25400" h="19050"/>
-            <a:contourClr>
-              <a:srgbClr val="FFFFFF"/>
-            </a:contourClr>
-          </a:sp3d>
-        </p:spPr>
-      </p:pic>
-    </p:spTree>
-    <p:extLst>
-      <p:ext uri="{BB962C8B-B14F-4D97-AF65-F5344CB8AC3E}">
-        <p14:creationId xmlns:p14="http://schemas.microsoft.com/office/powerpoint/2010/main" val="3636648490"/>
-      </p:ext>
-    </p:extLst>
-  </p:cSld>
-  <p:clrMapOvr>
-    <a:masterClrMapping/>
-  </p:clrMapOvr>
-  <mc:AlternateContent xmlns:mc="http://schemas.openxmlformats.org/markup-compatibility/2006" xmlns:p14="http://schemas.microsoft.com/office/powerpoint/2010/main">
-    <mc:Choice Requires="p14">
-      <p:transition spd="med" p14:dur="700">
-        <p:fade/>
-      </p:transition>
-    </mc:Choice>
-    <mc:Fallback xmlns="">
-      <p:transition spd="med">
-        <p:fade/>
-      </p:transition>
-    </mc:Fallback>
-  </mc:AlternateContent>
-</p:sld>
-</file>
-
 <file path=ppt/slides/slide2.xml><?xml version="1.0" encoding="utf-8"?>
 <p:sld xmlns:a="http://schemas.openxmlformats.org/drawingml/2006/main" xmlns:r="http://schemas.openxmlformats.org/officeDocument/2006/relationships" xmlns:p="http://schemas.openxmlformats.org/presentationml/2006/main">
   <p:cSld>
@@ -12225,151 +11969,6 @@
 </file>
 
 <file path=customXml/item1.xml><?xml version="1.0" encoding="utf-8"?>
-<?mso-contentType ?>
-<FormTemplates xmlns="http://schemas.microsoft.com/sharepoint/v3/contenttype/forms">
-  <Display>DocumentLibraryForm</Display>
-  <Edit>AssetEditForm</Edit>
-  <New>DocumentLibraryForm</New>
-</FormTemplates>
-</file>
-
-<file path=customXml/item2.xml><?xml version="1.0" encoding="utf-8"?>
-<p:properties xmlns:p="http://schemas.microsoft.com/office/2006/metadata/properties" xmlns:xsi="http://www.w3.org/2001/XMLSchema-instance" xmlns:pc="http://schemas.microsoft.com/office/infopath/2007/PartnerControls">
-  <documentManagement>
-    <LocPublishedLinkedAssetsLookup xmlns="4873beb7-5857-4685-be1f-d57550cc96cc" xsi:nil="true"/>
-    <ApprovalStatus xmlns="4873beb7-5857-4685-be1f-d57550cc96cc">InProgress</ApprovalStatus>
-    <MarketSpecific xmlns="4873beb7-5857-4685-be1f-d57550cc96cc">false</MarketSpecific>
-    <LocComments xmlns="4873beb7-5857-4685-be1f-d57550cc96cc" xsi:nil="true"/>
-    <LocLastLocAttemptVersionTypeLookup xmlns="4873beb7-5857-4685-be1f-d57550cc96cc" xsi:nil="true"/>
-    <DirectSourceMarket xmlns="4873beb7-5857-4685-be1f-d57550cc96cc" xsi:nil="true"/>
-    <ThumbnailAssetId xmlns="4873beb7-5857-4685-be1f-d57550cc96cc" xsi:nil="true"/>
-    <PrimaryImageGen xmlns="4873beb7-5857-4685-be1f-d57550cc96cc">false</PrimaryImageGen>
-    <LocNewPublishedVersionLookup xmlns="4873beb7-5857-4685-be1f-d57550cc96cc" xsi:nil="true"/>
-    <LegacyData xmlns="4873beb7-5857-4685-be1f-d57550cc96cc" xsi:nil="true"/>
-    <LocRecommendedHandoff xmlns="4873beb7-5857-4685-be1f-d57550cc96cc" xsi:nil="true"/>
-    <BusinessGroup xmlns="4873beb7-5857-4685-be1f-d57550cc96cc" xsi:nil="true"/>
-    <BlockPublish xmlns="4873beb7-5857-4685-be1f-d57550cc96cc">false</BlockPublish>
-    <TPFriendlyName xmlns="4873beb7-5857-4685-be1f-d57550cc96cc" xsi:nil="true"/>
-    <LocOverallPublishStatusLookup xmlns="4873beb7-5857-4685-be1f-d57550cc96cc" xsi:nil="true"/>
-    <NumericId xmlns="4873beb7-5857-4685-be1f-d57550cc96cc" xsi:nil="true"/>
-    <APEditor xmlns="4873beb7-5857-4685-be1f-d57550cc96cc">
-      <UserInfo>
-        <DisplayName/>
-        <AccountId xsi:nil="true"/>
-        <AccountType/>
-      </UserInfo>
-    </APEditor>
-    <SourceTitle xmlns="4873beb7-5857-4685-be1f-d57550cc96cc" xsi:nil="true"/>
-    <OpenTemplate xmlns="4873beb7-5857-4685-be1f-d57550cc96cc">true</OpenTemplate>
-    <LocOverallLocStatusLookup xmlns="4873beb7-5857-4685-be1f-d57550cc96cc" xsi:nil="true"/>
-    <UALocComments xmlns="4873beb7-5857-4685-be1f-d57550cc96cc" xsi:nil="true"/>
-    <ParentAssetId xmlns="4873beb7-5857-4685-be1f-d57550cc96cc" xsi:nil="true"/>
-    <IntlLangReviewDate xmlns="4873beb7-5857-4685-be1f-d57550cc96cc" xsi:nil="true"/>
-    <FeatureTagsTaxHTField0 xmlns="4873beb7-5857-4685-be1f-d57550cc96cc">
-      <Terms xmlns="http://schemas.microsoft.com/office/infopath/2007/PartnerControls"/>
-    </FeatureTagsTaxHTField0>
-    <PublishStatusLookup xmlns="4873beb7-5857-4685-be1f-d57550cc96cc">
-      <Value>1345093</Value>
-    </PublishStatusLookup>
-    <Providers xmlns="4873beb7-5857-4685-be1f-d57550cc96cc" xsi:nil="true"/>
-    <MachineTranslated xmlns="4873beb7-5857-4685-be1f-d57550cc96cc">false</MachineTranslated>
-    <OriginalSourceMarket xmlns="4873beb7-5857-4685-be1f-d57550cc96cc" xsi:nil="true"/>
-    <APDescription xmlns="4873beb7-5857-4685-be1f-d57550cc96cc">This simple template design works for technology and  businesses, but it's versatile enough to use in other contexts.  It features multiple slide layouts designed for widescreen (16x9 resolution) and includes a sample SmartArt list and chart that are easily editable.</APDescription>
-    <ClipArtFilename xmlns="4873beb7-5857-4685-be1f-d57550cc96cc" xsi:nil="true"/>
-    <ContentItem xmlns="4873beb7-5857-4685-be1f-d57550cc96cc" xsi:nil="true"/>
-    <TPInstallLocation xmlns="4873beb7-5857-4685-be1f-d57550cc96cc" xsi:nil="true"/>
-    <PublishTargets xmlns="4873beb7-5857-4685-be1f-d57550cc96cc">OfficeOnlineVNext</PublishTargets>
-    <TimesCloned xmlns="4873beb7-5857-4685-be1f-d57550cc96cc" xsi:nil="true"/>
-    <AssetStart xmlns="4873beb7-5857-4685-be1f-d57550cc96cc">2011-11-26T00:30:00+00:00</AssetStart>
-    <Provider xmlns="4873beb7-5857-4685-be1f-d57550cc96cc" xsi:nil="true"/>
-    <AcquiredFrom xmlns="4873beb7-5857-4685-be1f-d57550cc96cc">Internal MS</AcquiredFrom>
-    <FriendlyTitle xmlns="4873beb7-5857-4685-be1f-d57550cc96cc" xsi:nil="true"/>
-    <LastHandOff xmlns="4873beb7-5857-4685-be1f-d57550cc96cc" xsi:nil="true"/>
-    <TPClientViewer xmlns="4873beb7-5857-4685-be1f-d57550cc96cc" xsi:nil="true"/>
-    <TemplateStatus xmlns="4873beb7-5857-4685-be1f-d57550cc96cc">Complete</TemplateStatus>
-    <Downloads xmlns="4873beb7-5857-4685-be1f-d57550cc96cc">0</Downloads>
-    <OOCacheId xmlns="4873beb7-5857-4685-be1f-d57550cc96cc" xsi:nil="true"/>
-    <IsDeleted xmlns="4873beb7-5857-4685-be1f-d57550cc96cc">false</IsDeleted>
-    <LocPublishedDependentAssetsLookup xmlns="4873beb7-5857-4685-be1f-d57550cc96cc" xsi:nil="true"/>
-    <TPExecutable xmlns="4873beb7-5857-4685-be1f-d57550cc96cc" xsi:nil="true"/>
-    <EditorialTags xmlns="4873beb7-5857-4685-be1f-d57550cc96cc" xsi:nil="true"/>
-    <SubmitterId xmlns="4873beb7-5857-4685-be1f-d57550cc96cc" xsi:nil="true"/>
-    <ApprovalLog xmlns="4873beb7-5857-4685-be1f-d57550cc96cc" xsi:nil="true"/>
-    <AssetType xmlns="4873beb7-5857-4685-be1f-d57550cc96cc">TP</AssetType>
-    <BugNumber xmlns="4873beb7-5857-4685-be1f-d57550cc96cc" xsi:nil="true"/>
-    <CSXSubmissionDate xmlns="4873beb7-5857-4685-be1f-d57550cc96cc" xsi:nil="true"/>
-    <CSXUpdate xmlns="4873beb7-5857-4685-be1f-d57550cc96cc">false</CSXUpdate>
-    <Milestone xmlns="4873beb7-5857-4685-be1f-d57550cc96cc" xsi:nil="true"/>
-    <RecommendationsModifier xmlns="4873beb7-5857-4685-be1f-d57550cc96cc" xsi:nil="true"/>
-    <OriginAsset xmlns="4873beb7-5857-4685-be1f-d57550cc96cc" xsi:nil="true"/>
-    <TPComponent xmlns="4873beb7-5857-4685-be1f-d57550cc96cc" xsi:nil="true"/>
-    <AssetId xmlns="4873beb7-5857-4685-be1f-d57550cc96cc">TP102787989</AssetId>
-    <IntlLocPriority xmlns="4873beb7-5857-4685-be1f-d57550cc96cc" xsi:nil="true"/>
-    <PolicheckWords xmlns="4873beb7-5857-4685-be1f-d57550cc96cc" xsi:nil="true"/>
-    <TPLaunchHelpLink xmlns="4873beb7-5857-4685-be1f-d57550cc96cc" xsi:nil="true"/>
-    <TPApplication xmlns="4873beb7-5857-4685-be1f-d57550cc96cc" xsi:nil="true"/>
-    <CrawlForDependencies xmlns="4873beb7-5857-4685-be1f-d57550cc96cc">false</CrawlForDependencies>
-    <HandoffToMSDN xmlns="4873beb7-5857-4685-be1f-d57550cc96cc" xsi:nil="true"/>
-    <PlannedPubDate xmlns="4873beb7-5857-4685-be1f-d57550cc96cc" xsi:nil="true"/>
-    <IntlLangReviewer xmlns="4873beb7-5857-4685-be1f-d57550cc96cc" xsi:nil="true"/>
-    <TrustLevel xmlns="4873beb7-5857-4685-be1f-d57550cc96cc">1 Microsoft Managed Content</TrustLevel>
-    <LocLastLocAttemptVersionLookup xmlns="4873beb7-5857-4685-be1f-d57550cc96cc">694266</LocLastLocAttemptVersionLookup>
-    <LocProcessedForHandoffsLookup xmlns="4873beb7-5857-4685-be1f-d57550cc96cc" xsi:nil="true"/>
-    <IsSearchable xmlns="4873beb7-5857-4685-be1f-d57550cc96cc">true</IsSearchable>
-    <TemplateTemplateType xmlns="4873beb7-5857-4685-be1f-d57550cc96cc">PowerPoint Presentation Template</TemplateTemplateType>
-    <CampaignTagsTaxHTField0 xmlns="4873beb7-5857-4685-be1f-d57550cc96cc">
-      <Terms xmlns="http://schemas.microsoft.com/office/infopath/2007/PartnerControls"/>
-    </CampaignTagsTaxHTField0>
-    <TPNamespace xmlns="4873beb7-5857-4685-be1f-d57550cc96cc" xsi:nil="true"/>
-    <LocOverallPreviewStatusLookup xmlns="4873beb7-5857-4685-be1f-d57550cc96cc" xsi:nil="true"/>
-    <TaxCatchAll xmlns="4873beb7-5857-4685-be1f-d57550cc96cc"/>
-    <Markets xmlns="4873beb7-5857-4685-be1f-d57550cc96cc"/>
-    <UAProjectedTotalWords xmlns="4873beb7-5857-4685-be1f-d57550cc96cc" xsi:nil="true"/>
-    <IntlLangReview xmlns="4873beb7-5857-4685-be1f-d57550cc96cc" xsi:nil="true"/>
-    <OutputCachingOn xmlns="4873beb7-5857-4685-be1f-d57550cc96cc">false</OutputCachingOn>
-    <AverageRating xmlns="4873beb7-5857-4685-be1f-d57550cc96cc" xsi:nil="true"/>
-    <APAuthor xmlns="4873beb7-5857-4685-be1f-d57550cc96cc">
-      <UserInfo>
-        <DisplayName>REDMOND\kristaa</DisplayName>
-        <AccountId>136</AccountId>
-        <AccountType/>
-      </UserInfo>
-    </APAuthor>
-    <LocManualTestRequired xmlns="4873beb7-5857-4685-be1f-d57550cc96cc">false</LocManualTestRequired>
-    <TPCommandLine xmlns="4873beb7-5857-4685-be1f-d57550cc96cc" xsi:nil="true"/>
-    <TPAppVersion xmlns="4873beb7-5857-4685-be1f-d57550cc96cc" xsi:nil="true"/>
-    <EditorialStatus xmlns="4873beb7-5857-4685-be1f-d57550cc96cc">Complete</EditorialStatus>
-    <LastModifiedDateTime xmlns="4873beb7-5857-4685-be1f-d57550cc96cc" xsi:nil="true"/>
-    <ScenarioTagsTaxHTField0 xmlns="4873beb7-5857-4685-be1f-d57550cc96cc">
-      <Terms xmlns="http://schemas.microsoft.com/office/infopath/2007/PartnerControls"/>
-    </ScenarioTagsTaxHTField0>
-    <LocProcessedForMarketsLookup xmlns="4873beb7-5857-4685-be1f-d57550cc96cc" xsi:nil="true"/>
-    <TPLaunchHelpLinkType xmlns="4873beb7-5857-4685-be1f-d57550cc96cc">Template</TPLaunchHelpLinkType>
-    <OriginalRelease xmlns="4873beb7-5857-4685-be1f-d57550cc96cc">15</OriginalRelease>
-    <LocalizationTagsTaxHTField0 xmlns="4873beb7-5857-4685-be1f-d57550cc96cc">
-      <Terms xmlns="http://schemas.microsoft.com/office/infopath/2007/PartnerControls"/>
-    </LocalizationTagsTaxHTField0>
-    <UACurrentWords xmlns="4873beb7-5857-4685-be1f-d57550cc96cc" xsi:nil="true"/>
-    <ArtSampleDocs xmlns="4873beb7-5857-4685-be1f-d57550cc96cc" xsi:nil="true"/>
-    <UALocRecommendation xmlns="4873beb7-5857-4685-be1f-d57550cc96cc">Localize</UALocRecommendation>
-    <Manager xmlns="4873beb7-5857-4685-be1f-d57550cc96cc" xsi:nil="true"/>
-    <LocOverallHandbackStatusLookup xmlns="4873beb7-5857-4685-be1f-d57550cc96cc" xsi:nil="true"/>
-    <ShowIn xmlns="4873beb7-5857-4685-be1f-d57550cc96cc">Show everywhere</ShowIn>
-    <UANotes xmlns="4873beb7-5857-4685-be1f-d57550cc96cc" xsi:nil="true"/>
-    <InternalTagsTaxHTField0 xmlns="4873beb7-5857-4685-be1f-d57550cc96cc">
-      <Terms xmlns="http://schemas.microsoft.com/office/infopath/2007/PartnerControls"/>
-    </InternalTagsTaxHTField0>
-    <CSXHash xmlns="4873beb7-5857-4685-be1f-d57550cc96cc" xsi:nil="true"/>
-    <VoteCount xmlns="4873beb7-5857-4685-be1f-d57550cc96cc" xsi:nil="true"/>
-    <AssetExpire xmlns="4873beb7-5857-4685-be1f-d57550cc96cc">2029-05-12T07:00:00+00:00</AssetExpire>
-    <DSATActionTaken xmlns="4873beb7-5857-4685-be1f-d57550cc96cc" xsi:nil="true"/>
-    <CSXSubmissionMarket xmlns="4873beb7-5857-4685-be1f-d57550cc96cc" xsi:nil="true"/>
-    <LocMarketGroupTiers2 xmlns="4873beb7-5857-4685-be1f-d57550cc96cc" xsi:nil="true"/>
-  </documentManagement>
-</p:properties>
-</file>
-
-<file path=customXml/item3.xml><?xml version="1.0" encoding="utf-8"?>
 <ct:contentTypeSchema xmlns:ct="http://schemas.microsoft.com/office/2006/metadata/contentType" xmlns:ma="http://schemas.microsoft.com/office/2006/metadata/properties/metaAttributes" ct:_="" ma:_="" ma:contentTypeName="TemplateFile" ma:contentTypeID="0x0101006EDDDB5EE6D98C44930B742096920B300400F5B6D36B3EF94B4E9A635CDF2A18F5B8" ma:contentTypeVersion="72" ma:contentTypeDescription="Create a new document." ma:contentTypeScope="" ma:versionID="a23e56308344d904b51738559c3d67c9">
   <xsd:schema xmlns:xsd="http://www.w3.org/2001/XMLSchema" xmlns:xs="http://www.w3.org/2001/XMLSchema" xmlns:p="http://schemas.microsoft.com/office/2006/metadata/properties" xmlns:ns2="4873beb7-5857-4685-be1f-d57550cc96cc" targetNamespace="http://schemas.microsoft.com/office/2006/metadata/properties" ma:root="true" ma:fieldsID="cd0908cc4600e77bf5da051303e00c8d" ns2:_="">
     <xsd:import namespace="4873beb7-5857-4685-be1f-d57550cc96cc"/>
@@ -13409,10 +13008,165 @@
 </ct:contentTypeSchema>
 </file>
 
+<file path=customXml/item2.xml><?xml version="1.0" encoding="utf-8"?>
+<p:properties xmlns:p="http://schemas.microsoft.com/office/2006/metadata/properties" xmlns:xsi="http://www.w3.org/2001/XMLSchema-instance" xmlns:pc="http://schemas.microsoft.com/office/infopath/2007/PartnerControls">
+  <documentManagement>
+    <LocPublishedLinkedAssetsLookup xmlns="4873beb7-5857-4685-be1f-d57550cc96cc" xsi:nil="true"/>
+    <ApprovalStatus xmlns="4873beb7-5857-4685-be1f-d57550cc96cc">InProgress</ApprovalStatus>
+    <MarketSpecific xmlns="4873beb7-5857-4685-be1f-d57550cc96cc">false</MarketSpecific>
+    <LocComments xmlns="4873beb7-5857-4685-be1f-d57550cc96cc" xsi:nil="true"/>
+    <LocLastLocAttemptVersionTypeLookup xmlns="4873beb7-5857-4685-be1f-d57550cc96cc" xsi:nil="true"/>
+    <DirectSourceMarket xmlns="4873beb7-5857-4685-be1f-d57550cc96cc" xsi:nil="true"/>
+    <ThumbnailAssetId xmlns="4873beb7-5857-4685-be1f-d57550cc96cc" xsi:nil="true"/>
+    <PrimaryImageGen xmlns="4873beb7-5857-4685-be1f-d57550cc96cc">false</PrimaryImageGen>
+    <LocNewPublishedVersionLookup xmlns="4873beb7-5857-4685-be1f-d57550cc96cc" xsi:nil="true"/>
+    <LegacyData xmlns="4873beb7-5857-4685-be1f-d57550cc96cc" xsi:nil="true"/>
+    <LocRecommendedHandoff xmlns="4873beb7-5857-4685-be1f-d57550cc96cc" xsi:nil="true"/>
+    <BusinessGroup xmlns="4873beb7-5857-4685-be1f-d57550cc96cc" xsi:nil="true"/>
+    <BlockPublish xmlns="4873beb7-5857-4685-be1f-d57550cc96cc">false</BlockPublish>
+    <TPFriendlyName xmlns="4873beb7-5857-4685-be1f-d57550cc96cc" xsi:nil="true"/>
+    <LocOverallPublishStatusLookup xmlns="4873beb7-5857-4685-be1f-d57550cc96cc" xsi:nil="true"/>
+    <NumericId xmlns="4873beb7-5857-4685-be1f-d57550cc96cc" xsi:nil="true"/>
+    <APEditor xmlns="4873beb7-5857-4685-be1f-d57550cc96cc">
+      <UserInfo>
+        <DisplayName/>
+        <AccountId xsi:nil="true"/>
+        <AccountType/>
+      </UserInfo>
+    </APEditor>
+    <SourceTitle xmlns="4873beb7-5857-4685-be1f-d57550cc96cc" xsi:nil="true"/>
+    <OpenTemplate xmlns="4873beb7-5857-4685-be1f-d57550cc96cc">true</OpenTemplate>
+    <LocOverallLocStatusLookup xmlns="4873beb7-5857-4685-be1f-d57550cc96cc" xsi:nil="true"/>
+    <UALocComments xmlns="4873beb7-5857-4685-be1f-d57550cc96cc" xsi:nil="true"/>
+    <ParentAssetId xmlns="4873beb7-5857-4685-be1f-d57550cc96cc" xsi:nil="true"/>
+    <IntlLangReviewDate xmlns="4873beb7-5857-4685-be1f-d57550cc96cc" xsi:nil="true"/>
+    <FeatureTagsTaxHTField0 xmlns="4873beb7-5857-4685-be1f-d57550cc96cc">
+      <Terms xmlns="http://schemas.microsoft.com/office/infopath/2007/PartnerControls"/>
+    </FeatureTagsTaxHTField0>
+    <PublishStatusLookup xmlns="4873beb7-5857-4685-be1f-d57550cc96cc">
+      <Value>1345093</Value>
+    </PublishStatusLookup>
+    <Providers xmlns="4873beb7-5857-4685-be1f-d57550cc96cc" xsi:nil="true"/>
+    <MachineTranslated xmlns="4873beb7-5857-4685-be1f-d57550cc96cc">false</MachineTranslated>
+    <OriginalSourceMarket xmlns="4873beb7-5857-4685-be1f-d57550cc96cc" xsi:nil="true"/>
+    <APDescription xmlns="4873beb7-5857-4685-be1f-d57550cc96cc">This simple template design works for technology and  businesses, but it's versatile enough to use in other contexts.  It features multiple slide layouts designed for widescreen (16x9 resolution) and includes a sample SmartArt list and chart that are easily editable.</APDescription>
+    <ClipArtFilename xmlns="4873beb7-5857-4685-be1f-d57550cc96cc" xsi:nil="true"/>
+    <ContentItem xmlns="4873beb7-5857-4685-be1f-d57550cc96cc" xsi:nil="true"/>
+    <TPInstallLocation xmlns="4873beb7-5857-4685-be1f-d57550cc96cc" xsi:nil="true"/>
+    <PublishTargets xmlns="4873beb7-5857-4685-be1f-d57550cc96cc">OfficeOnlineVNext</PublishTargets>
+    <TimesCloned xmlns="4873beb7-5857-4685-be1f-d57550cc96cc" xsi:nil="true"/>
+    <AssetStart xmlns="4873beb7-5857-4685-be1f-d57550cc96cc">2011-11-26T00:30:00+00:00</AssetStart>
+    <Provider xmlns="4873beb7-5857-4685-be1f-d57550cc96cc" xsi:nil="true"/>
+    <AcquiredFrom xmlns="4873beb7-5857-4685-be1f-d57550cc96cc">Internal MS</AcquiredFrom>
+    <FriendlyTitle xmlns="4873beb7-5857-4685-be1f-d57550cc96cc" xsi:nil="true"/>
+    <LastHandOff xmlns="4873beb7-5857-4685-be1f-d57550cc96cc" xsi:nil="true"/>
+    <TPClientViewer xmlns="4873beb7-5857-4685-be1f-d57550cc96cc" xsi:nil="true"/>
+    <TemplateStatus xmlns="4873beb7-5857-4685-be1f-d57550cc96cc">Complete</TemplateStatus>
+    <Downloads xmlns="4873beb7-5857-4685-be1f-d57550cc96cc">0</Downloads>
+    <OOCacheId xmlns="4873beb7-5857-4685-be1f-d57550cc96cc" xsi:nil="true"/>
+    <IsDeleted xmlns="4873beb7-5857-4685-be1f-d57550cc96cc">false</IsDeleted>
+    <LocPublishedDependentAssetsLookup xmlns="4873beb7-5857-4685-be1f-d57550cc96cc" xsi:nil="true"/>
+    <TPExecutable xmlns="4873beb7-5857-4685-be1f-d57550cc96cc" xsi:nil="true"/>
+    <EditorialTags xmlns="4873beb7-5857-4685-be1f-d57550cc96cc" xsi:nil="true"/>
+    <SubmitterId xmlns="4873beb7-5857-4685-be1f-d57550cc96cc" xsi:nil="true"/>
+    <ApprovalLog xmlns="4873beb7-5857-4685-be1f-d57550cc96cc" xsi:nil="true"/>
+    <AssetType xmlns="4873beb7-5857-4685-be1f-d57550cc96cc">TP</AssetType>
+    <BugNumber xmlns="4873beb7-5857-4685-be1f-d57550cc96cc" xsi:nil="true"/>
+    <CSXSubmissionDate xmlns="4873beb7-5857-4685-be1f-d57550cc96cc" xsi:nil="true"/>
+    <CSXUpdate xmlns="4873beb7-5857-4685-be1f-d57550cc96cc">false</CSXUpdate>
+    <Milestone xmlns="4873beb7-5857-4685-be1f-d57550cc96cc" xsi:nil="true"/>
+    <RecommendationsModifier xmlns="4873beb7-5857-4685-be1f-d57550cc96cc" xsi:nil="true"/>
+    <OriginAsset xmlns="4873beb7-5857-4685-be1f-d57550cc96cc" xsi:nil="true"/>
+    <TPComponent xmlns="4873beb7-5857-4685-be1f-d57550cc96cc" xsi:nil="true"/>
+    <AssetId xmlns="4873beb7-5857-4685-be1f-d57550cc96cc">TP102787989</AssetId>
+    <IntlLocPriority xmlns="4873beb7-5857-4685-be1f-d57550cc96cc" xsi:nil="true"/>
+    <PolicheckWords xmlns="4873beb7-5857-4685-be1f-d57550cc96cc" xsi:nil="true"/>
+    <TPLaunchHelpLink xmlns="4873beb7-5857-4685-be1f-d57550cc96cc" xsi:nil="true"/>
+    <TPApplication xmlns="4873beb7-5857-4685-be1f-d57550cc96cc" xsi:nil="true"/>
+    <CrawlForDependencies xmlns="4873beb7-5857-4685-be1f-d57550cc96cc">false</CrawlForDependencies>
+    <HandoffToMSDN xmlns="4873beb7-5857-4685-be1f-d57550cc96cc" xsi:nil="true"/>
+    <PlannedPubDate xmlns="4873beb7-5857-4685-be1f-d57550cc96cc" xsi:nil="true"/>
+    <IntlLangReviewer xmlns="4873beb7-5857-4685-be1f-d57550cc96cc" xsi:nil="true"/>
+    <TrustLevel xmlns="4873beb7-5857-4685-be1f-d57550cc96cc">1 Microsoft Managed Content</TrustLevel>
+    <LocLastLocAttemptVersionLookup xmlns="4873beb7-5857-4685-be1f-d57550cc96cc">694266</LocLastLocAttemptVersionLookup>
+    <LocProcessedForHandoffsLookup xmlns="4873beb7-5857-4685-be1f-d57550cc96cc" xsi:nil="true"/>
+    <IsSearchable xmlns="4873beb7-5857-4685-be1f-d57550cc96cc">true</IsSearchable>
+    <TemplateTemplateType xmlns="4873beb7-5857-4685-be1f-d57550cc96cc">PowerPoint Presentation Template</TemplateTemplateType>
+    <CampaignTagsTaxHTField0 xmlns="4873beb7-5857-4685-be1f-d57550cc96cc">
+      <Terms xmlns="http://schemas.microsoft.com/office/infopath/2007/PartnerControls"/>
+    </CampaignTagsTaxHTField0>
+    <TPNamespace xmlns="4873beb7-5857-4685-be1f-d57550cc96cc" xsi:nil="true"/>
+    <LocOverallPreviewStatusLookup xmlns="4873beb7-5857-4685-be1f-d57550cc96cc" xsi:nil="true"/>
+    <TaxCatchAll xmlns="4873beb7-5857-4685-be1f-d57550cc96cc"/>
+    <Markets xmlns="4873beb7-5857-4685-be1f-d57550cc96cc"/>
+    <UAProjectedTotalWords xmlns="4873beb7-5857-4685-be1f-d57550cc96cc" xsi:nil="true"/>
+    <IntlLangReview xmlns="4873beb7-5857-4685-be1f-d57550cc96cc" xsi:nil="true"/>
+    <OutputCachingOn xmlns="4873beb7-5857-4685-be1f-d57550cc96cc">false</OutputCachingOn>
+    <AverageRating xmlns="4873beb7-5857-4685-be1f-d57550cc96cc" xsi:nil="true"/>
+    <APAuthor xmlns="4873beb7-5857-4685-be1f-d57550cc96cc">
+      <UserInfo>
+        <DisplayName>REDMOND\kristaa</DisplayName>
+        <AccountId>136</AccountId>
+        <AccountType/>
+      </UserInfo>
+    </APAuthor>
+    <LocManualTestRequired xmlns="4873beb7-5857-4685-be1f-d57550cc96cc">false</LocManualTestRequired>
+    <TPCommandLine xmlns="4873beb7-5857-4685-be1f-d57550cc96cc" xsi:nil="true"/>
+    <TPAppVersion xmlns="4873beb7-5857-4685-be1f-d57550cc96cc" xsi:nil="true"/>
+    <EditorialStatus xmlns="4873beb7-5857-4685-be1f-d57550cc96cc">Complete</EditorialStatus>
+    <LastModifiedDateTime xmlns="4873beb7-5857-4685-be1f-d57550cc96cc" xsi:nil="true"/>
+    <ScenarioTagsTaxHTField0 xmlns="4873beb7-5857-4685-be1f-d57550cc96cc">
+      <Terms xmlns="http://schemas.microsoft.com/office/infopath/2007/PartnerControls"/>
+    </ScenarioTagsTaxHTField0>
+    <LocProcessedForMarketsLookup xmlns="4873beb7-5857-4685-be1f-d57550cc96cc" xsi:nil="true"/>
+    <TPLaunchHelpLinkType xmlns="4873beb7-5857-4685-be1f-d57550cc96cc">Template</TPLaunchHelpLinkType>
+    <OriginalRelease xmlns="4873beb7-5857-4685-be1f-d57550cc96cc">15</OriginalRelease>
+    <LocalizationTagsTaxHTField0 xmlns="4873beb7-5857-4685-be1f-d57550cc96cc">
+      <Terms xmlns="http://schemas.microsoft.com/office/infopath/2007/PartnerControls"/>
+    </LocalizationTagsTaxHTField0>
+    <UACurrentWords xmlns="4873beb7-5857-4685-be1f-d57550cc96cc" xsi:nil="true"/>
+    <ArtSampleDocs xmlns="4873beb7-5857-4685-be1f-d57550cc96cc" xsi:nil="true"/>
+    <UALocRecommendation xmlns="4873beb7-5857-4685-be1f-d57550cc96cc">Localize</UALocRecommendation>
+    <Manager xmlns="4873beb7-5857-4685-be1f-d57550cc96cc" xsi:nil="true"/>
+    <LocOverallHandbackStatusLookup xmlns="4873beb7-5857-4685-be1f-d57550cc96cc" xsi:nil="true"/>
+    <ShowIn xmlns="4873beb7-5857-4685-be1f-d57550cc96cc">Show everywhere</ShowIn>
+    <UANotes xmlns="4873beb7-5857-4685-be1f-d57550cc96cc" xsi:nil="true"/>
+    <InternalTagsTaxHTField0 xmlns="4873beb7-5857-4685-be1f-d57550cc96cc">
+      <Terms xmlns="http://schemas.microsoft.com/office/infopath/2007/PartnerControls"/>
+    </InternalTagsTaxHTField0>
+    <CSXHash xmlns="4873beb7-5857-4685-be1f-d57550cc96cc" xsi:nil="true"/>
+    <VoteCount xmlns="4873beb7-5857-4685-be1f-d57550cc96cc" xsi:nil="true"/>
+    <AssetExpire xmlns="4873beb7-5857-4685-be1f-d57550cc96cc">2029-05-12T07:00:00+00:00</AssetExpire>
+    <DSATActionTaken xmlns="4873beb7-5857-4685-be1f-d57550cc96cc" xsi:nil="true"/>
+    <CSXSubmissionMarket xmlns="4873beb7-5857-4685-be1f-d57550cc96cc" xsi:nil="true"/>
+    <LocMarketGroupTiers2 xmlns="4873beb7-5857-4685-be1f-d57550cc96cc" xsi:nil="true"/>
+  </documentManagement>
+</p:properties>
+</file>
+
+<file path=customXml/item3.xml><?xml version="1.0" encoding="utf-8"?>
+<?mso-contentType ?>
+<FormTemplates xmlns="http://schemas.microsoft.com/sharepoint/v3/contenttype/forms">
+  <Display>DocumentLibraryForm</Display>
+  <Edit>AssetEditForm</Edit>
+  <New>DocumentLibraryForm</New>
+</FormTemplates>
+</file>
+
 <file path=customXml/itemProps1.xml><?xml version="1.0" encoding="utf-8"?>
-<ds:datastoreItem xmlns:ds="http://schemas.openxmlformats.org/officeDocument/2006/customXml" ds:itemID="{3836F65B-1B07-41EE-A0E8-BC6EF3855225}">
+<ds:datastoreItem xmlns:ds="http://schemas.openxmlformats.org/officeDocument/2006/customXml" ds:itemID="{A09BF4D4-EF60-4196-BFC3-9462D607978C}">
   <ds:schemaRefs>
-    <ds:schemaRef ds:uri="http://schemas.microsoft.com/sharepoint/v3/contenttype/forms"/>
+    <ds:schemaRef ds:uri="http://schemas.microsoft.com/office/2006/metadata/contentType"/>
+    <ds:schemaRef ds:uri="http://schemas.microsoft.com/office/2006/metadata/properties/metaAttributes"/>
+    <ds:schemaRef ds:uri="http://www.w3.org/2001/XMLSchema"/>
+    <ds:schemaRef ds:uri="http://schemas.microsoft.com/office/2006/metadata/properties"/>
+    <ds:schemaRef ds:uri="4873beb7-5857-4685-be1f-d57550cc96cc"/>
+    <ds:schemaRef ds:uri="http://schemas.microsoft.com/office/2006/documentManagement/types"/>
+    <ds:schemaRef ds:uri="http://schemas.microsoft.com/office/infopath/2007/PartnerControls"/>
+    <ds:schemaRef ds:uri="http://schemas.openxmlformats.org/package/2006/metadata/core-properties"/>
+    <ds:schemaRef ds:uri="http://purl.org/dc/elements/1.1/"/>
+    <ds:schemaRef ds:uri="http://purl.org/dc/terms/"/>
+    <ds:schemaRef ds:uri="http://schemas.microsoft.com/internal/obd"/>
   </ds:schemaRefs>
 </ds:datastoreItem>
 </file>
@@ -13434,19 +13188,9 @@
 </file>
 
 <file path=customXml/itemProps3.xml><?xml version="1.0" encoding="utf-8"?>
-<ds:datastoreItem xmlns:ds="http://schemas.openxmlformats.org/officeDocument/2006/customXml" ds:itemID="{A09BF4D4-EF60-4196-BFC3-9462D607978C}">
+<ds:datastoreItem xmlns:ds="http://schemas.openxmlformats.org/officeDocument/2006/customXml" ds:itemID="{3836F65B-1B07-41EE-A0E8-BC6EF3855225}">
   <ds:schemaRefs>
-    <ds:schemaRef ds:uri="http://schemas.microsoft.com/office/2006/metadata/contentType"/>
-    <ds:schemaRef ds:uri="http://schemas.microsoft.com/office/2006/metadata/properties/metaAttributes"/>
-    <ds:schemaRef ds:uri="http://www.w3.org/2001/XMLSchema"/>
-    <ds:schemaRef ds:uri="http://schemas.microsoft.com/office/2006/metadata/properties"/>
-    <ds:schemaRef ds:uri="4873beb7-5857-4685-be1f-d57550cc96cc"/>
-    <ds:schemaRef ds:uri="http://schemas.microsoft.com/office/2006/documentManagement/types"/>
-    <ds:schemaRef ds:uri="http://schemas.microsoft.com/office/infopath/2007/PartnerControls"/>
-    <ds:schemaRef ds:uri="http://schemas.openxmlformats.org/package/2006/metadata/core-properties"/>
-    <ds:schemaRef ds:uri="http://purl.org/dc/elements/1.1/"/>
-    <ds:schemaRef ds:uri="http://purl.org/dc/terms/"/>
-    <ds:schemaRef ds:uri="http://schemas.microsoft.com/internal/obd"/>
+    <ds:schemaRef ds:uri="http://schemas.microsoft.com/sharepoint/v3/contenttype/forms"/>
   </ds:schemaRefs>
 </ds:datastoreItem>
 </file>
--- a/Presentation.pptx
+++ b/Presentation.pptx
@@ -5,10 +5,10 @@
     <p:sldMasterId id="2147483660" r:id="rId4"/>
   </p:sldMasterIdLst>
   <p:notesMasterIdLst>
-    <p:notesMasterId r:id="rId18"/>
+    <p:notesMasterId r:id="rId24"/>
   </p:notesMasterIdLst>
   <p:handoutMasterIdLst>
-    <p:handoutMasterId r:id="rId19"/>
+    <p:handoutMasterId r:id="rId25"/>
   </p:handoutMasterIdLst>
   <p:sldIdLst>
     <p:sldId id="257" r:id="rId5"/>
@@ -21,9 +21,15 @@
     <p:sldId id="275" r:id="rId12"/>
     <p:sldId id="285" r:id="rId13"/>
     <p:sldId id="278" r:id="rId14"/>
-    <p:sldId id="279" r:id="rId15"/>
-    <p:sldId id="281" r:id="rId16"/>
-    <p:sldId id="283" r:id="rId17"/>
+    <p:sldId id="292" r:id="rId15"/>
+    <p:sldId id="293" r:id="rId16"/>
+    <p:sldId id="279" r:id="rId17"/>
+    <p:sldId id="281" r:id="rId18"/>
+    <p:sldId id="283" r:id="rId19"/>
+    <p:sldId id="288" r:id="rId20"/>
+    <p:sldId id="290" r:id="rId21"/>
+    <p:sldId id="291" r:id="rId22"/>
+    <p:sldId id="294" r:id="rId23"/>
   </p:sldIdLst>
   <p:sldSz cx="12188825" cy="6858000"/>
   <p:notesSz cx="6858000" cy="9144000"/>
@@ -137,6 +143,8 @@
             <p14:sldId id="275"/>
             <p14:sldId id="285"/>
             <p14:sldId id="278"/>
+            <p14:sldId id="292"/>
+            <p14:sldId id="293"/>
           </p14:sldIdLst>
         </p14:section>
         <p14:section name="Untitled Section" id="{DFCAEDE0-7835-484C-BFDA-B048600CD1C6}">
@@ -144,6 +152,10 @@
             <p14:sldId id="279"/>
             <p14:sldId id="281"/>
             <p14:sldId id="283"/>
+            <p14:sldId id="288"/>
+            <p14:sldId id="290"/>
+            <p14:sldId id="291"/>
+            <p14:sldId id="294"/>
           </p14:sldIdLst>
         </p14:section>
       </p14:sectionLst>
@@ -262,7 +274,7 @@
           <a:p>
             <a:fld id="{FE5B4EDC-59C0-49C7-8ADA-5A781B329E02}" type="datetimeFigureOut">
               <a:rPr lang="en-US"/>
-              <a:t>12/1/2016</a:t>
+              <a:t>12/2/2016</a:t>
             </a:fld>
             <a:endParaRPr/>
           </a:p>
@@ -427,7 +439,7 @@
           <a:p>
             <a:fld id="{F2D8D46A-B586-417D-BFBD-8C8FE0AAF762}" type="datetimeFigureOut">
               <a:rPr lang="en-US"/>
-              <a:t>12/1/2016</a:t>
+              <a:t>12/2/2016</a:t>
             </a:fld>
             <a:endParaRPr/>
           </a:p>
@@ -800,6 +812,246 @@
 </p:notes>
 </file>
 
+<file path=ppt/notesSlides/notesSlide10.xml><?xml version="1.0" encoding="utf-8"?>
+<p:notes xmlns:a="http://schemas.openxmlformats.org/drawingml/2006/main" xmlns:r="http://schemas.openxmlformats.org/officeDocument/2006/relationships" xmlns:p="http://schemas.openxmlformats.org/presentationml/2006/main">
+  <p:cSld>
+    <p:spTree>
+      <p:nvGrpSpPr>
+        <p:cNvPr id="1" name=""/>
+        <p:cNvGrpSpPr/>
+        <p:nvPr/>
+      </p:nvGrpSpPr>
+      <p:grpSpPr>
+        <a:xfrm>
+          <a:off x="0" y="0"/>
+          <a:ext cx="0" cy="0"/>
+          <a:chOff x="0" y="0"/>
+          <a:chExt cx="0" cy="0"/>
+        </a:xfrm>
+      </p:grpSpPr>
+      <p:sp>
+        <p:nvSpPr>
+          <p:cNvPr id="2" name="Slide Image Placeholder 1"/>
+          <p:cNvSpPr>
+            <a:spLocks noGrp="1" noRot="1" noChangeAspect="1"/>
+          </p:cNvSpPr>
+          <p:nvPr>
+            <p:ph type="sldImg"/>
+          </p:nvPr>
+        </p:nvSpPr>
+        <p:spPr/>
+      </p:sp>
+      <p:sp>
+        <p:nvSpPr>
+          <p:cNvPr id="3" name="Notes Placeholder 2"/>
+          <p:cNvSpPr>
+            <a:spLocks noGrp="1"/>
+          </p:cNvSpPr>
+          <p:nvPr>
+            <p:ph type="body" idx="1"/>
+          </p:nvPr>
+        </p:nvSpPr>
+        <p:spPr/>
+        <p:txBody>
+          <a:bodyPr/>
+          <a:lstStyle/>
+          <a:p>
+            <a:r>
+              <a:rPr lang="pt-PT" dirty="0"/>
+              <a:t>UPPAAL;	</a:t>
+            </a:r>
+            <a:r>
+              <a:rPr lang="pt-PT" dirty="0" err="1"/>
+              <a:t>Academic</a:t>
+            </a:r>
+            <a:r>
+              <a:rPr lang="pt-PT" dirty="0"/>
+              <a:t> ;	UML;	Windows </a:t>
+            </a:r>
+          </a:p>
+          <a:p>
+            <a:r>
+              <a:rPr lang="pt-PT" dirty="0" err="1"/>
+              <a:t>CowSuite</a:t>
+            </a:r>
+            <a:r>
+              <a:rPr lang="pt-PT" dirty="0"/>
+              <a:t>;	Research;	UML;	Windows </a:t>
+            </a:r>
+          </a:p>
+          <a:p>
+            <a:r>
+              <a:rPr lang="pt-PT" dirty="0"/>
+              <a:t>JUMBL;	</a:t>
+            </a:r>
+            <a:r>
+              <a:rPr lang="pt-PT" dirty="0" err="1"/>
+              <a:t>Academic</a:t>
+            </a:r>
+            <a:r>
+              <a:rPr lang="pt-PT" dirty="0"/>
+              <a:t> ;	TML;	Windows /Unix</a:t>
+            </a:r>
+          </a:p>
+          <a:p>
+            <a:r>
+              <a:rPr lang="pt-PT" dirty="0" err="1"/>
+              <a:t>Enterprise</a:t>
+            </a:r>
+            <a:r>
+              <a:rPr lang="pt-PT" dirty="0"/>
+              <a:t> </a:t>
+            </a:r>
+            <a:r>
+              <a:rPr lang="pt-PT" dirty="0" err="1"/>
+              <a:t>Architect;Commercial</a:t>
+            </a:r>
+            <a:r>
+              <a:rPr lang="pt-PT" dirty="0"/>
+              <a:t>;	UML;	</a:t>
+            </a:r>
+            <a:r>
+              <a:rPr lang="pt-PT" dirty="0" err="1"/>
+              <a:t>Only</a:t>
+            </a:r>
+            <a:r>
+              <a:rPr lang="pt-PT" dirty="0"/>
+              <a:t> for </a:t>
+            </a:r>
+            <a:r>
+              <a:rPr lang="pt-PT" dirty="0" err="1"/>
+              <a:t>Modeling</a:t>
+            </a:r>
+            <a:r>
+              <a:rPr lang="pt-PT" dirty="0"/>
+              <a:t> </a:t>
+            </a:r>
+            <a:r>
+              <a:rPr lang="pt-PT" dirty="0" err="1"/>
+              <a:t>and</a:t>
+            </a:r>
+            <a:r>
+              <a:rPr lang="pt-PT" dirty="0"/>
+              <a:t> does </a:t>
+            </a:r>
+            <a:r>
+              <a:rPr lang="pt-PT" dirty="0" err="1"/>
+              <a:t>not</a:t>
+            </a:r>
+            <a:r>
+              <a:rPr lang="pt-PT" dirty="0"/>
+              <a:t> </a:t>
+            </a:r>
+            <a:r>
+              <a:rPr lang="pt-PT" dirty="0" err="1"/>
+              <a:t>support</a:t>
+            </a:r>
+            <a:r>
+              <a:rPr lang="pt-PT" dirty="0"/>
+              <a:t> </a:t>
+            </a:r>
+            <a:r>
+              <a:rPr lang="pt-PT" dirty="0" err="1"/>
+              <a:t>model</a:t>
+            </a:r>
+            <a:r>
+              <a:rPr lang="pt-PT" dirty="0"/>
+              <a:t> </a:t>
+            </a:r>
+            <a:r>
+              <a:rPr lang="pt-PT" dirty="0" err="1"/>
+              <a:t>based</a:t>
+            </a:r>
+            <a:r>
+              <a:rPr lang="pt-PT" dirty="0"/>
+              <a:t> </a:t>
+            </a:r>
+            <a:r>
+              <a:rPr lang="pt-PT" dirty="0" err="1"/>
+              <a:t>testing</a:t>
+            </a:r>
+            <a:r>
+              <a:rPr lang="pt-PT" dirty="0"/>
+              <a:t>;;;</a:t>
+            </a:r>
+          </a:p>
+          <a:p>
+            <a:r>
+              <a:rPr lang="pt-PT" dirty="0" err="1"/>
+              <a:t>Spec</a:t>
+            </a:r>
+            <a:r>
+              <a:rPr lang="pt-PT" dirty="0"/>
+              <a:t> Explorer ;	Research ;	SPEC # </a:t>
+            </a:r>
+            <a:r>
+              <a:rPr lang="pt-PT" dirty="0" err="1"/>
+              <a:t>and</a:t>
+            </a:r>
+            <a:r>
+              <a:rPr lang="pt-PT" dirty="0"/>
+              <a:t> ASML 	Windows</a:t>
+            </a:r>
+          </a:p>
+          <a:p>
+            <a:r>
+              <a:rPr lang="pt-PT" dirty="0" err="1"/>
+              <a:t>Model</a:t>
+            </a:r>
+            <a:r>
+              <a:rPr lang="pt-PT" dirty="0"/>
+              <a:t> </a:t>
+            </a:r>
+            <a:r>
+              <a:rPr lang="pt-PT" dirty="0" err="1"/>
+              <a:t>Junit;Academic</a:t>
+            </a:r>
+            <a:r>
+              <a:rPr lang="pt-PT" dirty="0"/>
+              <a:t> ;	Java ;	Windows </a:t>
+            </a:r>
+          </a:p>
+          <a:p>
+            <a:endParaRPr lang="pt-PT" dirty="0"/>
+          </a:p>
+        </p:txBody>
+      </p:sp>
+      <p:sp>
+        <p:nvSpPr>
+          <p:cNvPr id="4" name="Slide Number Placeholder 3"/>
+          <p:cNvSpPr>
+            <a:spLocks noGrp="1"/>
+          </p:cNvSpPr>
+          <p:nvPr>
+            <p:ph type="sldNum" sz="quarter" idx="10"/>
+          </p:nvPr>
+        </p:nvSpPr>
+        <p:spPr/>
+        <p:txBody>
+          <a:bodyPr/>
+          <a:lstStyle/>
+          <a:p>
+            <a:fld id="{3EBA5BD7-F043-4D1B-AA17-CD412FC534DE}" type="slidenum">
+              <a:rPr lang="pt-PT" smtClean="0"/>
+              <a:t>12</a:t>
+            </a:fld>
+            <a:endParaRPr lang="pt-PT"/>
+          </a:p>
+        </p:txBody>
+      </p:sp>
+    </p:spTree>
+    <p:extLst>
+      <p:ext uri="{BB962C8B-B14F-4D97-AF65-F5344CB8AC3E}">
+        <p14:creationId xmlns:p14="http://schemas.microsoft.com/office/powerpoint/2010/main" val="3624094711"/>
+      </p:ext>
+    </p:extLst>
+  </p:cSld>
+  <p:clrMapOvr>
+    <a:masterClrMapping/>
+  </p:clrMapOvr>
+</p:notes>
+</file>
+
 <file path=ppt/notesSlides/notesSlide2.xml><?xml version="1.0" encoding="utf-8"?>
 <p:notes xmlns:a="http://schemas.openxmlformats.org/drawingml/2006/main" xmlns:r="http://schemas.openxmlformats.org/officeDocument/2006/relationships" xmlns:p="http://schemas.openxmlformats.org/presentationml/2006/main">
   <p:cSld>
@@ -1718,6 +1970,246 @@
     <p:extLst>
       <p:ext uri="{BB962C8B-B14F-4D97-AF65-F5344CB8AC3E}">
         <p14:creationId xmlns:p14="http://schemas.microsoft.com/office/powerpoint/2010/main" val="4144054894"/>
+      </p:ext>
+    </p:extLst>
+  </p:cSld>
+  <p:clrMapOvr>
+    <a:masterClrMapping/>
+  </p:clrMapOvr>
+</p:notes>
+</file>
+
+<file path=ppt/notesSlides/notesSlide9.xml><?xml version="1.0" encoding="utf-8"?>
+<p:notes xmlns:a="http://schemas.openxmlformats.org/drawingml/2006/main" xmlns:r="http://schemas.openxmlformats.org/officeDocument/2006/relationships" xmlns:p="http://schemas.openxmlformats.org/presentationml/2006/main">
+  <p:cSld>
+    <p:spTree>
+      <p:nvGrpSpPr>
+        <p:cNvPr id="1" name=""/>
+        <p:cNvGrpSpPr/>
+        <p:nvPr/>
+      </p:nvGrpSpPr>
+      <p:grpSpPr>
+        <a:xfrm>
+          <a:off x="0" y="0"/>
+          <a:ext cx="0" cy="0"/>
+          <a:chOff x="0" y="0"/>
+          <a:chExt cx="0" cy="0"/>
+        </a:xfrm>
+      </p:grpSpPr>
+      <p:sp>
+        <p:nvSpPr>
+          <p:cNvPr id="2" name="Slide Image Placeholder 1"/>
+          <p:cNvSpPr>
+            <a:spLocks noGrp="1" noRot="1" noChangeAspect="1"/>
+          </p:cNvSpPr>
+          <p:nvPr>
+            <p:ph type="sldImg"/>
+          </p:nvPr>
+        </p:nvSpPr>
+        <p:spPr/>
+      </p:sp>
+      <p:sp>
+        <p:nvSpPr>
+          <p:cNvPr id="3" name="Notes Placeholder 2"/>
+          <p:cNvSpPr>
+            <a:spLocks noGrp="1"/>
+          </p:cNvSpPr>
+          <p:nvPr>
+            <p:ph type="body" idx="1"/>
+          </p:nvPr>
+        </p:nvSpPr>
+        <p:spPr/>
+        <p:txBody>
+          <a:bodyPr/>
+          <a:lstStyle/>
+          <a:p>
+            <a:r>
+              <a:rPr lang="pt-PT" dirty="0"/>
+              <a:t>UPPAAL;	</a:t>
+            </a:r>
+            <a:r>
+              <a:rPr lang="pt-PT" dirty="0" err="1"/>
+              <a:t>Academic</a:t>
+            </a:r>
+            <a:r>
+              <a:rPr lang="pt-PT" dirty="0"/>
+              <a:t> ;	UML;	Windows </a:t>
+            </a:r>
+          </a:p>
+          <a:p>
+            <a:r>
+              <a:rPr lang="pt-PT" dirty="0" err="1"/>
+              <a:t>CowSuite</a:t>
+            </a:r>
+            <a:r>
+              <a:rPr lang="pt-PT" dirty="0"/>
+              <a:t>;	Research;	UML;	Windows </a:t>
+            </a:r>
+          </a:p>
+          <a:p>
+            <a:r>
+              <a:rPr lang="pt-PT" dirty="0"/>
+              <a:t>JUMBL;	</a:t>
+            </a:r>
+            <a:r>
+              <a:rPr lang="pt-PT" dirty="0" err="1"/>
+              <a:t>Academic</a:t>
+            </a:r>
+            <a:r>
+              <a:rPr lang="pt-PT" dirty="0"/>
+              <a:t> ;	TML;	Windows /Unix</a:t>
+            </a:r>
+          </a:p>
+          <a:p>
+            <a:r>
+              <a:rPr lang="pt-PT" dirty="0" err="1"/>
+              <a:t>Enterprise</a:t>
+            </a:r>
+            <a:r>
+              <a:rPr lang="pt-PT" dirty="0"/>
+              <a:t> </a:t>
+            </a:r>
+            <a:r>
+              <a:rPr lang="pt-PT" dirty="0" err="1"/>
+              <a:t>Architect;Commercial</a:t>
+            </a:r>
+            <a:r>
+              <a:rPr lang="pt-PT" dirty="0"/>
+              <a:t>;	UML;	</a:t>
+            </a:r>
+            <a:r>
+              <a:rPr lang="pt-PT" dirty="0" err="1"/>
+              <a:t>Only</a:t>
+            </a:r>
+            <a:r>
+              <a:rPr lang="pt-PT" dirty="0"/>
+              <a:t> for </a:t>
+            </a:r>
+            <a:r>
+              <a:rPr lang="pt-PT" dirty="0" err="1"/>
+              <a:t>Modeling</a:t>
+            </a:r>
+            <a:r>
+              <a:rPr lang="pt-PT" dirty="0"/>
+              <a:t> </a:t>
+            </a:r>
+            <a:r>
+              <a:rPr lang="pt-PT" dirty="0" err="1"/>
+              <a:t>and</a:t>
+            </a:r>
+            <a:r>
+              <a:rPr lang="pt-PT" dirty="0"/>
+              <a:t> does </a:t>
+            </a:r>
+            <a:r>
+              <a:rPr lang="pt-PT" dirty="0" err="1"/>
+              <a:t>not</a:t>
+            </a:r>
+            <a:r>
+              <a:rPr lang="pt-PT" dirty="0"/>
+              <a:t> </a:t>
+            </a:r>
+            <a:r>
+              <a:rPr lang="pt-PT" dirty="0" err="1"/>
+              <a:t>support</a:t>
+            </a:r>
+            <a:r>
+              <a:rPr lang="pt-PT" dirty="0"/>
+              <a:t> </a:t>
+            </a:r>
+            <a:r>
+              <a:rPr lang="pt-PT" dirty="0" err="1"/>
+              <a:t>model</a:t>
+            </a:r>
+            <a:r>
+              <a:rPr lang="pt-PT" dirty="0"/>
+              <a:t> </a:t>
+            </a:r>
+            <a:r>
+              <a:rPr lang="pt-PT" dirty="0" err="1"/>
+              <a:t>based</a:t>
+            </a:r>
+            <a:r>
+              <a:rPr lang="pt-PT" dirty="0"/>
+              <a:t> </a:t>
+            </a:r>
+            <a:r>
+              <a:rPr lang="pt-PT" dirty="0" err="1"/>
+              <a:t>testing</a:t>
+            </a:r>
+            <a:r>
+              <a:rPr lang="pt-PT" dirty="0"/>
+              <a:t>;;;</a:t>
+            </a:r>
+          </a:p>
+          <a:p>
+            <a:r>
+              <a:rPr lang="pt-PT" dirty="0" err="1"/>
+              <a:t>Spec</a:t>
+            </a:r>
+            <a:r>
+              <a:rPr lang="pt-PT" dirty="0"/>
+              <a:t> Explorer ;	Research ;	SPEC # </a:t>
+            </a:r>
+            <a:r>
+              <a:rPr lang="pt-PT" dirty="0" err="1"/>
+              <a:t>and</a:t>
+            </a:r>
+            <a:r>
+              <a:rPr lang="pt-PT" dirty="0"/>
+              <a:t> ASML 	Windows</a:t>
+            </a:r>
+          </a:p>
+          <a:p>
+            <a:r>
+              <a:rPr lang="pt-PT" dirty="0" err="1"/>
+              <a:t>Model</a:t>
+            </a:r>
+            <a:r>
+              <a:rPr lang="pt-PT" dirty="0"/>
+              <a:t> </a:t>
+            </a:r>
+            <a:r>
+              <a:rPr lang="pt-PT" dirty="0" err="1"/>
+              <a:t>Junit;Academic</a:t>
+            </a:r>
+            <a:r>
+              <a:rPr lang="pt-PT" dirty="0"/>
+              <a:t> ;	Java ;	Windows </a:t>
+            </a:r>
+          </a:p>
+          <a:p>
+            <a:endParaRPr lang="pt-PT" dirty="0"/>
+          </a:p>
+        </p:txBody>
+      </p:sp>
+      <p:sp>
+        <p:nvSpPr>
+          <p:cNvPr id="4" name="Slide Number Placeholder 3"/>
+          <p:cNvSpPr>
+            <a:spLocks noGrp="1"/>
+          </p:cNvSpPr>
+          <p:nvPr>
+            <p:ph type="sldNum" sz="quarter" idx="10"/>
+          </p:nvPr>
+        </p:nvSpPr>
+        <p:spPr/>
+        <p:txBody>
+          <a:bodyPr/>
+          <a:lstStyle/>
+          <a:p>
+            <a:fld id="{3EBA5BD7-F043-4D1B-AA17-CD412FC534DE}" type="slidenum">
+              <a:rPr lang="pt-PT" smtClean="0"/>
+              <a:t>11</a:t>
+            </a:fld>
+            <a:endParaRPr lang="pt-PT"/>
+          </a:p>
+        </p:txBody>
+      </p:sp>
+    </p:spTree>
+    <p:extLst>
+      <p:ext uri="{BB962C8B-B14F-4D97-AF65-F5344CB8AC3E}">
+        <p14:creationId xmlns:p14="http://schemas.microsoft.com/office/powerpoint/2010/main" val="952217747"/>
       </p:ext>
     </p:extLst>
   </p:cSld>
@@ -2483,7 +2975,7 @@
           <a:p>
             <a:fld id="{F0DFD029-FB74-4578-B929-F66AA97659CA}" type="datetimeFigureOut">
               <a:rPr lang="en-US"/>
-              <a:t>12/1/2016</a:t>
+              <a:t>12/2/2016</a:t>
             </a:fld>
             <a:endParaRPr/>
           </a:p>
@@ -2681,7 +3173,7 @@
           <a:p>
             <a:fld id="{F0DFD029-FB74-4578-B929-F66AA97659CA}" type="datetimeFigureOut">
               <a:rPr lang="en-US"/>
-              <a:t>12/1/2016</a:t>
+              <a:t>12/2/2016</a:t>
             </a:fld>
             <a:endParaRPr/>
           </a:p>
@@ -2889,7 +3381,7 @@
           <a:p>
             <a:fld id="{F0DFD029-FB74-4578-B929-F66AA97659CA}" type="datetimeFigureOut">
               <a:rPr lang="en-US"/>
-              <a:t>12/1/2016</a:t>
+              <a:t>12/2/2016</a:t>
             </a:fld>
             <a:endParaRPr/>
           </a:p>
@@ -3087,7 +3579,7 @@
           <a:p>
             <a:fld id="{F0DFD029-FB74-4578-B929-F66AA97659CA}" type="datetimeFigureOut">
               <a:rPr lang="en-US"/>
-              <a:t>12/1/2016</a:t>
+              <a:t>12/2/2016</a:t>
             </a:fld>
             <a:endParaRPr/>
           </a:p>
@@ -3519,7 +4011,7 @@
           <a:p>
             <a:fld id="{F0DFD029-FB74-4578-B929-F66AA97659CA}" type="datetimeFigureOut">
               <a:rPr lang="en-US"/>
-              <a:t>12/1/2016</a:t>
+              <a:t>12/2/2016</a:t>
             </a:fld>
             <a:endParaRPr/>
           </a:p>
@@ -3823,7 +4315,7 @@
           <a:p>
             <a:fld id="{F0DFD029-FB74-4578-B929-F66AA97659CA}" type="datetimeFigureOut">
               <a:rPr lang="en-US"/>
-              <a:t>12/1/2016</a:t>
+              <a:t>12/2/2016</a:t>
             </a:fld>
             <a:endParaRPr/>
           </a:p>
@@ -4279,7 +4771,7 @@
           <a:p>
             <a:fld id="{F0DFD029-FB74-4578-B929-F66AA97659CA}" type="datetimeFigureOut">
               <a:rPr lang="en-US"/>
-              <a:t>12/1/2016</a:t>
+              <a:t>12/2/2016</a:t>
             </a:fld>
             <a:endParaRPr/>
           </a:p>
@@ -4409,7 +4901,7 @@
           <a:p>
             <a:fld id="{F0DFD029-FB74-4578-B929-F66AA97659CA}" type="datetimeFigureOut">
               <a:rPr lang="en-US"/>
-              <a:t>12/1/2016</a:t>
+              <a:t>12/2/2016</a:t>
             </a:fld>
             <a:endParaRPr/>
           </a:p>
@@ -4516,7 +5008,7 @@
           <a:p>
             <a:fld id="{F0DFD029-FB74-4578-B929-F66AA97659CA}" type="datetimeFigureOut">
               <a:rPr lang="en-US"/>
-              <a:t>12/1/2016</a:t>
+              <a:t>12/2/2016</a:t>
             </a:fld>
             <a:endParaRPr/>
           </a:p>
@@ -4815,7 +5307,7 @@
           <a:p>
             <a:fld id="{F0DFD029-FB74-4578-B929-F66AA97659CA}" type="datetimeFigureOut">
               <a:rPr lang="en-US"/>
-              <a:t>12/1/2016</a:t>
+              <a:t>12/2/2016</a:t>
             </a:fld>
             <a:endParaRPr/>
           </a:p>
@@ -5103,7 +5595,7 @@
           <a:p>
             <a:fld id="{F0DFD029-FB74-4578-B929-F66AA97659CA}" type="datetimeFigureOut">
               <a:rPr lang="en-US"/>
-              <a:t>12/1/2016</a:t>
+              <a:t>12/2/2016</a:t>
             </a:fld>
             <a:endParaRPr/>
           </a:p>
@@ -5726,7 +6218,7 @@
             <a:fld id="{F0DFD029-FB74-4578-B929-F66AA97659CA}" type="datetimeFigureOut">
               <a:rPr lang="en-US"/>
               <a:pPr/>
-              <a:t>12/1/2016</a:t>
+              <a:t>12/2/2016</a:t>
             </a:fld>
             <a:endParaRPr/>
           </a:p>
@@ -6377,7 +6869,7 @@
             </a:r>
             <a:r>
               <a:rPr lang="en-US" sz="2000" dirty="0"/>
-              <a:t> – 03 December 2016</a:t>
+              <a:t> – 02 December 2016</a:t>
             </a:r>
           </a:p>
         </p:txBody>
@@ -8478,6 +8970,3882 @@
           <a:lstStyle/>
           <a:p>
             <a:r>
+              <a:rPr lang="en-US" dirty="0"/>
+              <a:t>Which tool I use?</a:t>
+            </a:r>
+          </a:p>
+        </p:txBody>
+      </p:sp>
+      <p:sp>
+        <p:nvSpPr>
+          <p:cNvPr id="6" name="Title 12"/>
+          <p:cNvSpPr txBox="1">
+            <a:spLocks/>
+          </p:cNvSpPr>
+          <p:nvPr/>
+        </p:nvSpPr>
+        <p:spPr>
+          <a:xfrm>
+            <a:off x="6526460" y="6597352"/>
+            <a:ext cx="5760640" cy="346051"/>
+          </a:xfrm>
+          <a:prstGeom prst="rect">
+            <a:avLst/>
+          </a:prstGeom>
+        </p:spPr>
+        <p:txBody>
+          <a:bodyPr vert="horz" lIns="121899" tIns="60949" rIns="121899" bIns="60949" rtlCol="0" anchor="b">
+            <a:noAutofit/>
+          </a:bodyPr>
+          <a:lstStyle>
+            <a:lvl1pPr algn="l" defTabSz="1218987" rtl="0" eaLnBrk="1" latinLnBrk="0" hangingPunct="1">
+              <a:lnSpc>
+                <a:spcPct val="90000"/>
+              </a:lnSpc>
+              <a:spcBef>
+                <a:spcPct val="0"/>
+              </a:spcBef>
+              <a:buNone/>
+              <a:defRPr sz="5400" kern="1200">
+                <a:solidFill>
+                  <a:schemeClr val="tx1"/>
+                </a:solidFill>
+                <a:latin typeface="+mj-lt"/>
+                <a:ea typeface="+mj-ea"/>
+                <a:cs typeface="+mj-cs"/>
+              </a:defRPr>
+            </a:lvl1pPr>
+          </a:lstStyle>
+          <a:p>
+            <a:pPr algn="ctr"/>
+            <a:r>
+              <a:rPr lang="en-US" sz="2000" dirty="0"/>
+              <a:t>José Esteves e Ricardo </a:t>
+            </a:r>
+            <a:r>
+              <a:rPr lang="en-US" sz="2000" dirty="0" err="1"/>
+              <a:t>Malafaya</a:t>
+            </a:r>
+            <a:r>
+              <a:rPr lang="en-US" sz="2000" dirty="0"/>
+              <a:t> – 02 December 2016</a:t>
+            </a:r>
+          </a:p>
+        </p:txBody>
+      </p:sp>
+      <p:graphicFrame>
+        <p:nvGraphicFramePr>
+          <p:cNvPr id="5" name="Group 96"/>
+          <p:cNvGraphicFramePr>
+            <a:graphicFrameLocks noGrp="1"/>
+          </p:cNvGraphicFramePr>
+          <p:nvPr>
+            <p:ph idx="1"/>
+            <p:extLst>
+              <p:ext uri="{D42A27DB-BD31-4B8C-83A1-F6EECF244321}">
+                <p14:modId xmlns:p14="http://schemas.microsoft.com/office/powerpoint/2010/main" val="3437297459"/>
+              </p:ext>
+            </p:extLst>
+          </p:nvPr>
+        </p:nvGraphicFramePr>
+        <p:xfrm>
+          <a:off x="909835" y="1498600"/>
+          <a:ext cx="11017225" cy="4976813"/>
+        </p:xfrm>
+        <a:graphic>
+          <a:graphicData uri="http://schemas.openxmlformats.org/drawingml/2006/table">
+            <a:tbl>
+              <a:tblPr firstRow="1" firstCol="1">
+                <a:tableStyleId>{5C22544A-7EE6-4342-B048-85BDC9FD1C3A}</a:tableStyleId>
+              </a:tblPr>
+              <a:tblGrid>
+                <a:gridCol w="1205659">
+                  <a:extLst>
+                    <a:ext uri="{9D8B030D-6E8A-4147-A177-3AD203B41FA5}">
+                      <a16:colId xmlns:a16="http://schemas.microsoft.com/office/drawing/2014/main" val="20000"/>
+                    </a:ext>
+                  </a:extLst>
+                </a:gridCol>
+                <a:gridCol w="1457085">
+                  <a:extLst>
+                    <a:ext uri="{9D8B030D-6E8A-4147-A177-3AD203B41FA5}">
+                      <a16:colId xmlns:a16="http://schemas.microsoft.com/office/drawing/2014/main" val="20001"/>
+                    </a:ext>
+                  </a:extLst>
+                </a:gridCol>
+                <a:gridCol w="1415510">
+                  <a:extLst>
+                    <a:ext uri="{9D8B030D-6E8A-4147-A177-3AD203B41FA5}">
+                      <a16:colId xmlns:a16="http://schemas.microsoft.com/office/drawing/2014/main" val="20002"/>
+                    </a:ext>
+                  </a:extLst>
+                </a:gridCol>
+                <a:gridCol w="1237335">
+                  <a:extLst>
+                    <a:ext uri="{9D8B030D-6E8A-4147-A177-3AD203B41FA5}">
+                      <a16:colId xmlns:a16="http://schemas.microsoft.com/office/drawing/2014/main" val="20003"/>
+                    </a:ext>
+                  </a:extLst>
+                </a:gridCol>
+                <a:gridCol w="1195760">
+                  <a:extLst>
+                    <a:ext uri="{9D8B030D-6E8A-4147-A177-3AD203B41FA5}">
+                      <a16:colId xmlns:a16="http://schemas.microsoft.com/office/drawing/2014/main" val="20004"/>
+                    </a:ext>
+                  </a:extLst>
+                </a:gridCol>
+                <a:gridCol w="1633280">
+                  <a:extLst>
+                    <a:ext uri="{9D8B030D-6E8A-4147-A177-3AD203B41FA5}">
+                      <a16:colId xmlns:a16="http://schemas.microsoft.com/office/drawing/2014/main" val="20005"/>
+                    </a:ext>
+                  </a:extLst>
+                </a:gridCol>
+                <a:gridCol w="1320484">
+                  <a:extLst>
+                    <a:ext uri="{9D8B030D-6E8A-4147-A177-3AD203B41FA5}">
+                      <a16:colId xmlns:a16="http://schemas.microsoft.com/office/drawing/2014/main" val="20006"/>
+                    </a:ext>
+                  </a:extLst>
+                </a:gridCol>
+                <a:gridCol w="1552112">
+                  <a:extLst>
+                    <a:ext uri="{9D8B030D-6E8A-4147-A177-3AD203B41FA5}">
+                      <a16:colId xmlns:a16="http://schemas.microsoft.com/office/drawing/2014/main" val="20007"/>
+                    </a:ext>
+                  </a:extLst>
+                </a:gridCol>
+              </a:tblGrid>
+              <a:tr h="487711">
+                <a:tc>
+                  <a:txBody>
+                    <a:bodyPr/>
+                    <a:lstStyle/>
+                    <a:p>
+                      <a:pPr marL="0" marR="0" lvl="0" indent="0" algn="l" defTabSz="914400" rtl="0" eaLnBrk="0" fontAlgn="base" latinLnBrk="0" hangingPunct="0">
+                        <a:lnSpc>
+                          <a:spcPct val="100000"/>
+                        </a:lnSpc>
+                        <a:spcBef>
+                          <a:spcPct val="0"/>
+                        </a:spcBef>
+                        <a:spcAft>
+                          <a:spcPct val="0"/>
+                        </a:spcAft>
+                        <a:buClrTx/>
+                        <a:buSzTx/>
+                        <a:buFontTx/>
+                        <a:buNone/>
+                        <a:tabLst/>
+                      </a:pPr>
+                      <a:r>
+                        <a:rPr kumimoji="0" lang="en-US" sz="1300" u="none" strike="noStrike" cap="none" normalizeH="0" baseline="0">
+                          <a:ln>
+                            <a:noFill/>
+                          </a:ln>
+                          <a:effectLst/>
+                        </a:rPr>
+                        <a:t>Tool Name</a:t>
+                      </a:r>
+                      <a:endParaRPr kumimoji="0" lang="en-US" sz="1800" b="0" i="0" u="none" strike="noStrike" cap="none" normalizeH="0" baseline="0">
+                        <a:ln>
+                          <a:noFill/>
+                        </a:ln>
+                        <a:solidFill>
+                          <a:schemeClr val="tx1"/>
+                        </a:solidFill>
+                        <a:effectLst/>
+                        <a:latin typeface="Arial" charset="0"/>
+                        <a:ea typeface="MS PGothic" pitchFamily="34" charset="-128"/>
+                      </a:endParaRPr>
+                    </a:p>
+                  </a:txBody>
+                  <a:tcPr marT="45723" marB="45723" horzOverflow="overflow"/>
+                </a:tc>
+                <a:tc>
+                  <a:txBody>
+                    <a:bodyPr/>
+                    <a:lstStyle/>
+                    <a:p>
+                      <a:pPr marL="0" marR="0" lvl="0" indent="0" algn="l" defTabSz="914400" rtl="0" eaLnBrk="0" fontAlgn="base" latinLnBrk="0" hangingPunct="0">
+                        <a:lnSpc>
+                          <a:spcPct val="100000"/>
+                        </a:lnSpc>
+                        <a:spcBef>
+                          <a:spcPct val="0"/>
+                        </a:spcBef>
+                        <a:spcAft>
+                          <a:spcPct val="0"/>
+                        </a:spcAft>
+                        <a:buClrTx/>
+                        <a:buSzTx/>
+                        <a:buFontTx/>
+                        <a:buNone/>
+                        <a:tabLst/>
+                      </a:pPr>
+                      <a:r>
+                        <a:rPr kumimoji="0" lang="en-US" sz="1300" u="none" strike="noStrike" cap="none" normalizeH="0" baseline="0" dirty="0">
+                          <a:ln>
+                            <a:noFill/>
+                          </a:ln>
+                          <a:effectLst/>
+                        </a:rPr>
+                        <a:t>Functionality</a:t>
+                      </a:r>
+                      <a:endParaRPr kumimoji="0" lang="en-US" sz="1800" b="0" i="0" u="none" strike="noStrike" cap="none" normalizeH="0" baseline="0" dirty="0">
+                        <a:ln>
+                          <a:noFill/>
+                        </a:ln>
+                        <a:solidFill>
+                          <a:schemeClr val="tx1"/>
+                        </a:solidFill>
+                        <a:effectLst/>
+                        <a:latin typeface="Arial" charset="0"/>
+                        <a:ea typeface="MS PGothic" pitchFamily="34" charset="-128"/>
+                      </a:endParaRPr>
+                    </a:p>
+                  </a:txBody>
+                  <a:tcPr marT="45723" marB="45723" horzOverflow="overflow"/>
+                </a:tc>
+                <a:tc>
+                  <a:txBody>
+                    <a:bodyPr/>
+                    <a:lstStyle/>
+                    <a:p>
+                      <a:pPr marL="0" marR="0" lvl="0" indent="0" algn="l" defTabSz="914400" rtl="0" eaLnBrk="0" fontAlgn="base" latinLnBrk="0" hangingPunct="0">
+                        <a:lnSpc>
+                          <a:spcPct val="100000"/>
+                        </a:lnSpc>
+                        <a:spcBef>
+                          <a:spcPct val="0"/>
+                        </a:spcBef>
+                        <a:spcAft>
+                          <a:spcPct val="0"/>
+                        </a:spcAft>
+                        <a:buClrTx/>
+                        <a:buSzTx/>
+                        <a:buFontTx/>
+                        <a:buNone/>
+                        <a:tabLst/>
+                      </a:pPr>
+                      <a:r>
+                        <a:rPr kumimoji="0" lang="en-US" sz="1300" u="none" strike="noStrike" cap="none" normalizeH="0" baseline="0">
+                          <a:ln>
+                            <a:noFill/>
+                          </a:ln>
+                          <a:effectLst/>
+                        </a:rPr>
+                        <a:t>Reliability</a:t>
+                      </a:r>
+                      <a:endParaRPr kumimoji="0" lang="en-US" sz="1800" b="0" i="0" u="none" strike="noStrike" cap="none" normalizeH="0" baseline="0">
+                        <a:ln>
+                          <a:noFill/>
+                        </a:ln>
+                        <a:solidFill>
+                          <a:schemeClr val="tx1"/>
+                        </a:solidFill>
+                        <a:effectLst/>
+                        <a:latin typeface="Arial" charset="0"/>
+                        <a:ea typeface="MS PGothic" pitchFamily="34" charset="-128"/>
+                      </a:endParaRPr>
+                    </a:p>
+                  </a:txBody>
+                  <a:tcPr marT="45723" marB="45723" horzOverflow="overflow"/>
+                </a:tc>
+                <a:tc>
+                  <a:txBody>
+                    <a:bodyPr/>
+                    <a:lstStyle/>
+                    <a:p>
+                      <a:pPr marL="0" marR="0" lvl="0" indent="0" algn="l" defTabSz="914400" rtl="0" eaLnBrk="0" fontAlgn="base" latinLnBrk="0" hangingPunct="0">
+                        <a:lnSpc>
+                          <a:spcPct val="100000"/>
+                        </a:lnSpc>
+                        <a:spcBef>
+                          <a:spcPct val="0"/>
+                        </a:spcBef>
+                        <a:spcAft>
+                          <a:spcPct val="0"/>
+                        </a:spcAft>
+                        <a:buClrTx/>
+                        <a:buSzTx/>
+                        <a:buFontTx/>
+                        <a:buNone/>
+                        <a:tabLst/>
+                      </a:pPr>
+                      <a:r>
+                        <a:rPr kumimoji="0" lang="en-US" sz="1300" u="none" strike="noStrike" cap="none" normalizeH="0" baseline="0">
+                          <a:ln>
+                            <a:noFill/>
+                          </a:ln>
+                          <a:effectLst/>
+                        </a:rPr>
+                        <a:t>Usability</a:t>
+                      </a:r>
+                      <a:endParaRPr kumimoji="0" lang="en-US" sz="1800" b="0" i="0" u="none" strike="noStrike" cap="none" normalizeH="0" baseline="0">
+                        <a:ln>
+                          <a:noFill/>
+                        </a:ln>
+                        <a:solidFill>
+                          <a:schemeClr val="tx1"/>
+                        </a:solidFill>
+                        <a:effectLst/>
+                        <a:latin typeface="Arial" charset="0"/>
+                        <a:ea typeface="MS PGothic" pitchFamily="34" charset="-128"/>
+                      </a:endParaRPr>
+                    </a:p>
+                  </a:txBody>
+                  <a:tcPr marT="45723" marB="45723" horzOverflow="overflow"/>
+                </a:tc>
+                <a:tc>
+                  <a:txBody>
+                    <a:bodyPr/>
+                    <a:lstStyle/>
+                    <a:p>
+                      <a:pPr marL="0" marR="0" lvl="0" indent="0" algn="l" defTabSz="914400" rtl="0" eaLnBrk="0" fontAlgn="base" latinLnBrk="0" hangingPunct="0">
+                        <a:lnSpc>
+                          <a:spcPct val="100000"/>
+                        </a:lnSpc>
+                        <a:spcBef>
+                          <a:spcPct val="0"/>
+                        </a:spcBef>
+                        <a:spcAft>
+                          <a:spcPct val="0"/>
+                        </a:spcAft>
+                        <a:buClrTx/>
+                        <a:buSzTx/>
+                        <a:buFontTx/>
+                        <a:buNone/>
+                        <a:tabLst/>
+                      </a:pPr>
+                      <a:r>
+                        <a:rPr kumimoji="0" lang="en-US" sz="1300" u="none" strike="noStrike" cap="none" normalizeH="0" baseline="0">
+                          <a:ln>
+                            <a:noFill/>
+                          </a:ln>
+                          <a:effectLst/>
+                        </a:rPr>
+                        <a:t>Efficiency</a:t>
+                      </a:r>
+                      <a:endParaRPr kumimoji="0" lang="en-US" sz="1800" b="0" i="0" u="none" strike="noStrike" cap="none" normalizeH="0" baseline="0">
+                        <a:ln>
+                          <a:noFill/>
+                        </a:ln>
+                        <a:solidFill>
+                          <a:schemeClr val="tx1"/>
+                        </a:solidFill>
+                        <a:effectLst/>
+                        <a:latin typeface="Arial" charset="0"/>
+                        <a:ea typeface="MS PGothic" pitchFamily="34" charset="-128"/>
+                      </a:endParaRPr>
+                    </a:p>
+                  </a:txBody>
+                  <a:tcPr marT="45723" marB="45723" horzOverflow="overflow"/>
+                </a:tc>
+                <a:tc>
+                  <a:txBody>
+                    <a:bodyPr/>
+                    <a:lstStyle/>
+                    <a:p>
+                      <a:pPr marL="0" marR="0" lvl="0" indent="0" algn="l" defTabSz="914400" rtl="0" eaLnBrk="0" fontAlgn="base" latinLnBrk="0" hangingPunct="0">
+                        <a:lnSpc>
+                          <a:spcPct val="100000"/>
+                        </a:lnSpc>
+                        <a:spcBef>
+                          <a:spcPct val="0"/>
+                        </a:spcBef>
+                        <a:spcAft>
+                          <a:spcPct val="0"/>
+                        </a:spcAft>
+                        <a:buClrTx/>
+                        <a:buSzTx/>
+                        <a:buFontTx/>
+                        <a:buNone/>
+                        <a:tabLst/>
+                      </a:pPr>
+                      <a:r>
+                        <a:rPr kumimoji="0" lang="en-US" sz="1300" u="none" strike="noStrike" cap="none" normalizeH="0" baseline="0">
+                          <a:ln>
+                            <a:noFill/>
+                          </a:ln>
+                          <a:effectLst/>
+                        </a:rPr>
+                        <a:t>Maintainability</a:t>
+                      </a:r>
+                      <a:endParaRPr kumimoji="0" lang="en-US" sz="1800" b="0" i="0" u="none" strike="noStrike" cap="none" normalizeH="0" baseline="0">
+                        <a:ln>
+                          <a:noFill/>
+                        </a:ln>
+                        <a:solidFill>
+                          <a:schemeClr val="tx1"/>
+                        </a:solidFill>
+                        <a:effectLst/>
+                        <a:latin typeface="Arial" charset="0"/>
+                        <a:ea typeface="MS PGothic" pitchFamily="34" charset="-128"/>
+                      </a:endParaRPr>
+                    </a:p>
+                  </a:txBody>
+                  <a:tcPr marT="45723" marB="45723" horzOverflow="overflow"/>
+                </a:tc>
+                <a:tc>
+                  <a:txBody>
+                    <a:bodyPr/>
+                    <a:lstStyle/>
+                    <a:p>
+                      <a:pPr marL="0" marR="0" lvl="0" indent="0" algn="l" defTabSz="914400" rtl="0" eaLnBrk="0" fontAlgn="base" latinLnBrk="0" hangingPunct="0">
+                        <a:lnSpc>
+                          <a:spcPct val="100000"/>
+                        </a:lnSpc>
+                        <a:spcBef>
+                          <a:spcPct val="0"/>
+                        </a:spcBef>
+                        <a:spcAft>
+                          <a:spcPct val="0"/>
+                        </a:spcAft>
+                        <a:buClrTx/>
+                        <a:buSzTx/>
+                        <a:buFontTx/>
+                        <a:buNone/>
+                        <a:tabLst/>
+                      </a:pPr>
+                      <a:r>
+                        <a:rPr kumimoji="0" lang="en-US" sz="1300" u="none" strike="noStrike" cap="none" normalizeH="0" baseline="0">
+                          <a:ln>
+                            <a:noFill/>
+                          </a:ln>
+                          <a:effectLst/>
+                        </a:rPr>
+                        <a:t>Portability</a:t>
+                      </a:r>
+                      <a:endParaRPr kumimoji="0" lang="en-US" sz="1800" b="0" i="0" u="none" strike="noStrike" cap="none" normalizeH="0" baseline="0">
+                        <a:ln>
+                          <a:noFill/>
+                        </a:ln>
+                        <a:solidFill>
+                          <a:schemeClr val="tx1"/>
+                        </a:solidFill>
+                        <a:effectLst/>
+                        <a:latin typeface="Arial" charset="0"/>
+                        <a:ea typeface="MS PGothic" pitchFamily="34" charset="-128"/>
+                      </a:endParaRPr>
+                    </a:p>
+                  </a:txBody>
+                  <a:tcPr marT="45723" marB="45723" horzOverflow="overflow"/>
+                </a:tc>
+                <a:tc>
+                  <a:txBody>
+                    <a:bodyPr/>
+                    <a:lstStyle/>
+                    <a:p>
+                      <a:pPr marL="0" marR="0" lvl="0" indent="0" algn="l" defTabSz="914400" rtl="0" eaLnBrk="0" fontAlgn="base" latinLnBrk="0" hangingPunct="0">
+                        <a:lnSpc>
+                          <a:spcPct val="100000"/>
+                        </a:lnSpc>
+                        <a:spcBef>
+                          <a:spcPct val="0"/>
+                        </a:spcBef>
+                        <a:spcAft>
+                          <a:spcPct val="0"/>
+                        </a:spcAft>
+                        <a:buClrTx/>
+                        <a:buSzTx/>
+                        <a:buFontTx/>
+                        <a:buNone/>
+                        <a:tabLst/>
+                      </a:pPr>
+                      <a:r>
+                        <a:rPr kumimoji="0" lang="en-US" sz="1300" u="none" strike="noStrike" cap="none" normalizeH="0" baseline="0">
+                          <a:ln>
+                            <a:noFill/>
+                          </a:ln>
+                          <a:effectLst/>
+                        </a:rPr>
+                        <a:t>Licensing and pricing</a:t>
+                      </a:r>
+                      <a:endParaRPr kumimoji="0" lang="en-US" sz="1800" b="0" i="0" u="none" strike="noStrike" cap="none" normalizeH="0" baseline="0">
+                        <a:ln>
+                          <a:noFill/>
+                        </a:ln>
+                        <a:solidFill>
+                          <a:schemeClr val="tx1"/>
+                        </a:solidFill>
+                        <a:effectLst/>
+                        <a:latin typeface="Arial" charset="0"/>
+                        <a:ea typeface="MS PGothic" pitchFamily="34" charset="-128"/>
+                      </a:endParaRPr>
+                    </a:p>
+                  </a:txBody>
+                  <a:tcPr marT="45723" marB="45723" horzOverflow="overflow"/>
+                </a:tc>
+                <a:extLst>
+                  <a:ext uri="{0D108BD9-81ED-4DB2-BD59-A6C34878D82A}">
+                    <a16:rowId xmlns:a16="http://schemas.microsoft.com/office/drawing/2014/main" val="10000"/>
+                  </a:ext>
+                </a:extLst>
+              </a:tr>
+              <a:tr h="1959100">
+                <a:tc>
+                  <a:txBody>
+                    <a:bodyPr/>
+                    <a:lstStyle/>
+                    <a:p>
+                      <a:pPr marL="0" marR="0" lvl="0" indent="0" algn="l" defTabSz="914400" rtl="0" eaLnBrk="0" fontAlgn="base" latinLnBrk="0" hangingPunct="0">
+                        <a:lnSpc>
+                          <a:spcPct val="100000"/>
+                        </a:lnSpc>
+                        <a:spcBef>
+                          <a:spcPct val="0"/>
+                        </a:spcBef>
+                        <a:spcAft>
+                          <a:spcPct val="0"/>
+                        </a:spcAft>
+                        <a:buClrTx/>
+                        <a:buSzTx/>
+                        <a:buFontTx/>
+                        <a:buNone/>
+                        <a:tabLst/>
+                      </a:pPr>
+                      <a:r>
+                        <a:rPr kumimoji="0" lang="en-US" sz="1100" u="none" strike="noStrike" cap="none" normalizeH="0" baseline="0" dirty="0">
+                          <a:ln>
+                            <a:noFill/>
+                          </a:ln>
+                          <a:effectLst/>
+                        </a:rPr>
+                        <a:t>UPPAAL</a:t>
+                      </a:r>
+                      <a:endParaRPr kumimoji="0" lang="en-US" sz="1100" b="1" i="0" u="none" strike="noStrike" cap="none" normalizeH="0" baseline="0" dirty="0">
+                        <a:ln>
+                          <a:noFill/>
+                        </a:ln>
+                        <a:solidFill>
+                          <a:schemeClr val="tx1"/>
+                        </a:solidFill>
+                        <a:effectLst/>
+                        <a:latin typeface="Arial" charset="0"/>
+                        <a:ea typeface="MS PGothic" pitchFamily="34" charset="-128"/>
+                      </a:endParaRPr>
+                    </a:p>
+                  </a:txBody>
+                  <a:tcPr marT="45723" marB="45723" horzOverflow="overflow"/>
+                </a:tc>
+                <a:tc>
+                  <a:txBody>
+                    <a:bodyPr/>
+                    <a:lstStyle/>
+                    <a:p>
+                      <a:pPr marL="0" marR="0" lvl="0" indent="0" algn="l" defTabSz="914400" rtl="0" eaLnBrk="0" fontAlgn="base" latinLnBrk="0" hangingPunct="0">
+                        <a:lnSpc>
+                          <a:spcPct val="100000"/>
+                        </a:lnSpc>
+                        <a:spcBef>
+                          <a:spcPct val="0"/>
+                        </a:spcBef>
+                        <a:spcAft>
+                          <a:spcPct val="0"/>
+                        </a:spcAft>
+                        <a:buClrTx/>
+                        <a:buSzTx/>
+                        <a:buFontTx/>
+                        <a:buNone/>
+                        <a:tabLst/>
+                      </a:pPr>
+                      <a:r>
+                        <a:rPr kumimoji="0" lang="en-US" sz="1100" u="none" strike="noStrike" cap="none" normalizeH="0" baseline="0">
+                          <a:ln>
+                            <a:noFill/>
+                          </a:ln>
+                          <a:effectLst/>
+                        </a:rPr>
+                        <a:t>Suitability: supports MBT</a:t>
+                      </a:r>
+                      <a:endParaRPr kumimoji="0" lang="en-IN" sz="1100" u="none" strike="noStrike" cap="none" normalizeH="0" baseline="0">
+                        <a:ln>
+                          <a:noFill/>
+                        </a:ln>
+                        <a:effectLst/>
+                      </a:endParaRPr>
+                    </a:p>
+                    <a:p>
+                      <a:pPr marL="0" marR="0" lvl="0" indent="0" algn="l" defTabSz="914400" rtl="0" eaLnBrk="0" fontAlgn="base" latinLnBrk="0" hangingPunct="0">
+                        <a:lnSpc>
+                          <a:spcPct val="100000"/>
+                        </a:lnSpc>
+                        <a:spcBef>
+                          <a:spcPct val="0"/>
+                        </a:spcBef>
+                        <a:spcAft>
+                          <a:spcPct val="0"/>
+                        </a:spcAft>
+                        <a:buClrTx/>
+                        <a:buSzTx/>
+                        <a:buFontTx/>
+                        <a:buNone/>
+                        <a:tabLst/>
+                      </a:pPr>
+                      <a:r>
+                        <a:rPr kumimoji="0" lang="en-US" sz="1100" u="none" strike="noStrike" cap="none" normalizeH="0" baseline="0">
+                          <a:ln>
+                            <a:noFill/>
+                          </a:ln>
+                          <a:effectLst/>
+                        </a:rPr>
+                        <a:t>Interoperability: models nor testcases cannot be interchanged between tools</a:t>
+                      </a:r>
+                      <a:endParaRPr kumimoji="0" lang="en-US" sz="1100" b="0" i="0" u="none" strike="noStrike" cap="none" normalizeH="0" baseline="0">
+                        <a:ln>
+                          <a:noFill/>
+                        </a:ln>
+                        <a:solidFill>
+                          <a:schemeClr val="tx1"/>
+                        </a:solidFill>
+                        <a:effectLst/>
+                        <a:latin typeface="Arial" charset="0"/>
+                        <a:ea typeface="MS PGothic" pitchFamily="34" charset="-128"/>
+                      </a:endParaRPr>
+                    </a:p>
+                  </a:txBody>
+                  <a:tcPr marT="45723" marB="45723" horzOverflow="overflow"/>
+                </a:tc>
+                <a:tc>
+                  <a:txBody>
+                    <a:bodyPr/>
+                    <a:lstStyle/>
+                    <a:p>
+                      <a:pPr marL="0" marR="0" lvl="0" indent="0" algn="l" defTabSz="914400" rtl="0" eaLnBrk="0" fontAlgn="base" latinLnBrk="0" hangingPunct="0">
+                        <a:lnSpc>
+                          <a:spcPct val="100000"/>
+                        </a:lnSpc>
+                        <a:spcBef>
+                          <a:spcPct val="0"/>
+                        </a:spcBef>
+                        <a:spcAft>
+                          <a:spcPct val="0"/>
+                        </a:spcAft>
+                        <a:buClrTx/>
+                        <a:buSzTx/>
+                        <a:buFontTx/>
+                        <a:buNone/>
+                        <a:tabLst/>
+                      </a:pPr>
+                      <a:r>
+                        <a:rPr kumimoji="0" lang="en-US" sz="1100" u="none" strike="noStrike" cap="none" normalizeH="0" baseline="0">
+                          <a:ln>
+                            <a:noFill/>
+                          </a:ln>
+                          <a:effectLst/>
+                        </a:rPr>
+                        <a:t>Fault tolerance: Only if the model is created and simulated without any errors testing is possible. Each phase is completely depended on previous phase</a:t>
+                      </a:r>
+                      <a:endParaRPr kumimoji="0" lang="en-US" sz="1100" b="0" i="0" u="none" strike="noStrike" cap="none" normalizeH="0" baseline="0">
+                        <a:ln>
+                          <a:noFill/>
+                        </a:ln>
+                        <a:solidFill>
+                          <a:schemeClr val="tx1"/>
+                        </a:solidFill>
+                        <a:effectLst/>
+                        <a:latin typeface="Arial" charset="0"/>
+                        <a:ea typeface="MS PGothic" pitchFamily="34" charset="-128"/>
+                      </a:endParaRPr>
+                    </a:p>
+                  </a:txBody>
+                  <a:tcPr marT="45723" marB="45723" horzOverflow="overflow"/>
+                </a:tc>
+                <a:tc>
+                  <a:txBody>
+                    <a:bodyPr/>
+                    <a:lstStyle/>
+                    <a:p>
+                      <a:pPr marL="0" marR="0" lvl="0" indent="0" algn="l" defTabSz="914400" rtl="0" eaLnBrk="0" fontAlgn="base" latinLnBrk="0" hangingPunct="0">
+                        <a:lnSpc>
+                          <a:spcPct val="100000"/>
+                        </a:lnSpc>
+                        <a:spcBef>
+                          <a:spcPct val="0"/>
+                        </a:spcBef>
+                        <a:spcAft>
+                          <a:spcPct val="0"/>
+                        </a:spcAft>
+                        <a:buClrTx/>
+                        <a:buSzTx/>
+                        <a:buFontTx/>
+                        <a:buNone/>
+                        <a:tabLst/>
+                      </a:pPr>
+                      <a:r>
+                        <a:rPr kumimoji="0" lang="en-US" sz="1100" u="none" strike="noStrike" cap="none" normalizeH="0" baseline="0">
+                          <a:ln>
+                            <a:noFill/>
+                          </a:ln>
+                          <a:effectLst/>
+                        </a:rPr>
+                        <a:t>Yes, graphical user interface and drag and drop approach</a:t>
+                      </a:r>
+                      <a:endParaRPr kumimoji="0" lang="en-US" sz="1100" b="0" i="0" u="none" strike="noStrike" cap="none" normalizeH="0" baseline="0">
+                        <a:ln>
+                          <a:noFill/>
+                        </a:ln>
+                        <a:solidFill>
+                          <a:schemeClr val="tx1"/>
+                        </a:solidFill>
+                        <a:effectLst/>
+                        <a:latin typeface="Arial" charset="0"/>
+                        <a:ea typeface="MS PGothic" pitchFamily="34" charset="-128"/>
+                      </a:endParaRPr>
+                    </a:p>
+                  </a:txBody>
+                  <a:tcPr marT="45723" marB="45723" horzOverflow="overflow"/>
+                </a:tc>
+                <a:tc>
+                  <a:txBody>
+                    <a:bodyPr/>
+                    <a:lstStyle/>
+                    <a:p>
+                      <a:pPr marL="0" marR="0" lvl="0" indent="0" algn="l" defTabSz="914400" rtl="0" eaLnBrk="0" fontAlgn="base" latinLnBrk="0" hangingPunct="0">
+                        <a:lnSpc>
+                          <a:spcPct val="100000"/>
+                        </a:lnSpc>
+                        <a:spcBef>
+                          <a:spcPct val="0"/>
+                        </a:spcBef>
+                        <a:spcAft>
+                          <a:spcPct val="0"/>
+                        </a:spcAft>
+                        <a:buClrTx/>
+                        <a:buSzTx/>
+                        <a:buFontTx/>
+                        <a:buNone/>
+                        <a:tabLst/>
+                      </a:pPr>
+                      <a:r>
+                        <a:rPr kumimoji="0" lang="en-US" sz="1100" u="none" strike="noStrike" cap="none" normalizeH="0" baseline="0">
+                          <a:ln>
+                            <a:noFill/>
+                          </a:ln>
+                          <a:effectLst/>
+                        </a:rPr>
+                        <a:t>Time, effort and resource used : less</a:t>
+                      </a:r>
+                      <a:endParaRPr kumimoji="0" lang="en-US" sz="1100" b="0" i="0" u="none" strike="noStrike" cap="none" normalizeH="0" baseline="0">
+                        <a:ln>
+                          <a:noFill/>
+                        </a:ln>
+                        <a:solidFill>
+                          <a:schemeClr val="tx1"/>
+                        </a:solidFill>
+                        <a:effectLst/>
+                        <a:latin typeface="Arial" charset="0"/>
+                        <a:ea typeface="MS PGothic" pitchFamily="34" charset="-128"/>
+                      </a:endParaRPr>
+                    </a:p>
+                  </a:txBody>
+                  <a:tcPr marT="45723" marB="45723" horzOverflow="overflow"/>
+                </a:tc>
+                <a:tc>
+                  <a:txBody>
+                    <a:bodyPr/>
+                    <a:lstStyle/>
+                    <a:p>
+                      <a:pPr marL="0" marR="0" lvl="0" indent="0" algn="l" defTabSz="914400" rtl="0" eaLnBrk="0" fontAlgn="base" latinLnBrk="0" hangingPunct="0">
+                        <a:lnSpc>
+                          <a:spcPct val="100000"/>
+                        </a:lnSpc>
+                        <a:spcBef>
+                          <a:spcPct val="0"/>
+                        </a:spcBef>
+                        <a:spcAft>
+                          <a:spcPct val="0"/>
+                        </a:spcAft>
+                        <a:buClrTx/>
+                        <a:buSzTx/>
+                        <a:buFontTx/>
+                        <a:buNone/>
+                        <a:tabLst/>
+                      </a:pPr>
+                      <a:r>
+                        <a:rPr kumimoji="0" lang="en-US" sz="1100" u="none" strike="noStrike" cap="none" normalizeH="0" baseline="0">
+                          <a:ln>
+                            <a:noFill/>
+                          </a:ln>
+                          <a:effectLst/>
+                        </a:rPr>
+                        <a:t>Analyzability: Yes </a:t>
+                      </a:r>
+                      <a:endParaRPr kumimoji="0" lang="en-IN" sz="1100" u="none" strike="noStrike" cap="none" normalizeH="0" baseline="0">
+                        <a:ln>
+                          <a:noFill/>
+                        </a:ln>
+                        <a:effectLst/>
+                      </a:endParaRPr>
+                    </a:p>
+                    <a:p>
+                      <a:pPr marL="0" marR="0" lvl="0" indent="0" algn="l" defTabSz="914400" rtl="0" eaLnBrk="0" fontAlgn="base" latinLnBrk="0" hangingPunct="0">
+                        <a:lnSpc>
+                          <a:spcPct val="100000"/>
+                        </a:lnSpc>
+                        <a:spcBef>
+                          <a:spcPct val="0"/>
+                        </a:spcBef>
+                        <a:spcAft>
+                          <a:spcPct val="0"/>
+                        </a:spcAft>
+                        <a:buClrTx/>
+                        <a:buSzTx/>
+                        <a:buFontTx/>
+                        <a:buNone/>
+                        <a:tabLst/>
+                      </a:pPr>
+                      <a:r>
+                        <a:rPr kumimoji="0" lang="en-US" sz="1100" u="none" strike="noStrike" cap="none" normalizeH="0" baseline="0">
+                          <a:ln>
+                            <a:noFill/>
+                          </a:ln>
+                          <a:effectLst/>
+                        </a:rPr>
+                        <a:t>Changeability: Yes</a:t>
+                      </a:r>
+                      <a:endParaRPr kumimoji="0" lang="en-IN" sz="1100" u="none" strike="noStrike" cap="none" normalizeH="0" baseline="0">
+                        <a:ln>
+                          <a:noFill/>
+                        </a:ln>
+                        <a:effectLst/>
+                      </a:endParaRPr>
+                    </a:p>
+                    <a:p>
+                      <a:pPr marL="0" marR="0" lvl="0" indent="0" algn="l" defTabSz="914400" rtl="0" eaLnBrk="0" fontAlgn="base" latinLnBrk="0" hangingPunct="0">
+                        <a:lnSpc>
+                          <a:spcPct val="100000"/>
+                        </a:lnSpc>
+                        <a:spcBef>
+                          <a:spcPct val="0"/>
+                        </a:spcBef>
+                        <a:spcAft>
+                          <a:spcPct val="0"/>
+                        </a:spcAft>
+                        <a:buClrTx/>
+                        <a:buSzTx/>
+                        <a:buFontTx/>
+                        <a:buNone/>
+                        <a:tabLst/>
+                      </a:pPr>
+                      <a:r>
+                        <a:rPr kumimoji="0" lang="en-US" sz="1100" u="none" strike="noStrike" cap="none" normalizeH="0" baseline="0">
+                          <a:ln>
+                            <a:noFill/>
+                          </a:ln>
+                          <a:effectLst/>
+                        </a:rPr>
+                        <a:t>Testability: Yes</a:t>
+                      </a:r>
+                      <a:endParaRPr kumimoji="0" lang="en-US" sz="1100" b="0" i="0" u="none" strike="noStrike" cap="none" normalizeH="0" baseline="0">
+                        <a:ln>
+                          <a:noFill/>
+                        </a:ln>
+                        <a:solidFill>
+                          <a:schemeClr val="tx1"/>
+                        </a:solidFill>
+                        <a:effectLst/>
+                        <a:latin typeface="Arial" charset="0"/>
+                        <a:ea typeface="MS PGothic" pitchFamily="34" charset="-128"/>
+                      </a:endParaRPr>
+                    </a:p>
+                  </a:txBody>
+                  <a:tcPr marT="45723" marB="45723" horzOverflow="overflow"/>
+                </a:tc>
+                <a:tc>
+                  <a:txBody>
+                    <a:bodyPr/>
+                    <a:lstStyle/>
+                    <a:p>
+                      <a:pPr marL="0" marR="0" lvl="0" indent="0" algn="l" defTabSz="914400" rtl="0" eaLnBrk="0" fontAlgn="base" latinLnBrk="0" hangingPunct="0">
+                        <a:lnSpc>
+                          <a:spcPct val="100000"/>
+                        </a:lnSpc>
+                        <a:spcBef>
+                          <a:spcPct val="0"/>
+                        </a:spcBef>
+                        <a:spcAft>
+                          <a:spcPct val="0"/>
+                        </a:spcAft>
+                        <a:buClrTx/>
+                        <a:buSzTx/>
+                        <a:buFontTx/>
+                        <a:buNone/>
+                        <a:tabLst/>
+                      </a:pPr>
+                      <a:r>
+                        <a:rPr kumimoji="0" lang="en-US" sz="1100" u="none" strike="noStrike" cap="none" normalizeH="0" baseline="0">
+                          <a:ln>
+                            <a:noFill/>
+                          </a:ln>
+                          <a:effectLst/>
+                        </a:rPr>
+                        <a:t>Installability: easy</a:t>
+                      </a:r>
+                      <a:endParaRPr kumimoji="0" lang="en-US" sz="1100" b="0" i="0" u="none" strike="noStrike" cap="none" normalizeH="0" baseline="0">
+                        <a:ln>
+                          <a:noFill/>
+                        </a:ln>
+                        <a:solidFill>
+                          <a:schemeClr val="tx1"/>
+                        </a:solidFill>
+                        <a:effectLst/>
+                        <a:latin typeface="Arial" charset="0"/>
+                        <a:ea typeface="MS PGothic" pitchFamily="34" charset="-128"/>
+                      </a:endParaRPr>
+                    </a:p>
+                  </a:txBody>
+                  <a:tcPr marT="45723" marB="45723" horzOverflow="overflow"/>
+                </a:tc>
+                <a:tc>
+                  <a:txBody>
+                    <a:bodyPr/>
+                    <a:lstStyle/>
+                    <a:p>
+                      <a:pPr marL="0" marR="0" lvl="0" indent="0" algn="l" defTabSz="914400" rtl="0" eaLnBrk="0" fontAlgn="base" latinLnBrk="0" hangingPunct="0">
+                        <a:lnSpc>
+                          <a:spcPct val="100000"/>
+                        </a:lnSpc>
+                        <a:spcBef>
+                          <a:spcPct val="0"/>
+                        </a:spcBef>
+                        <a:spcAft>
+                          <a:spcPct val="0"/>
+                        </a:spcAft>
+                        <a:buClrTx/>
+                        <a:buSzTx/>
+                        <a:buFontTx/>
+                        <a:buNone/>
+                        <a:tabLst/>
+                      </a:pPr>
+                      <a:r>
+                        <a:rPr kumimoji="0" lang="en-US" sz="1100" u="none" strike="noStrike" cap="none" normalizeH="0" baseline="0">
+                          <a:ln>
+                            <a:noFill/>
+                          </a:ln>
+                          <a:effectLst/>
+                        </a:rPr>
+                        <a:t>Open source and academic tool</a:t>
+                      </a:r>
+                      <a:endParaRPr kumimoji="0" lang="en-US" sz="1100" b="0" i="0" u="none" strike="noStrike" cap="none" normalizeH="0" baseline="0">
+                        <a:ln>
+                          <a:noFill/>
+                        </a:ln>
+                        <a:solidFill>
+                          <a:schemeClr val="tx1"/>
+                        </a:solidFill>
+                        <a:effectLst/>
+                        <a:latin typeface="Arial" charset="0"/>
+                        <a:ea typeface="MS PGothic" pitchFamily="34" charset="-128"/>
+                      </a:endParaRPr>
+                    </a:p>
+                  </a:txBody>
+                  <a:tcPr marT="45723" marB="45723" horzOverflow="overflow"/>
+                </a:tc>
+                <a:extLst>
+                  <a:ext uri="{0D108BD9-81ED-4DB2-BD59-A6C34878D82A}">
+                    <a16:rowId xmlns:a16="http://schemas.microsoft.com/office/drawing/2014/main" val="10001"/>
+                  </a:ext>
+                </a:extLst>
+              </a:tr>
+              <a:tr h="1265001">
+                <a:tc>
+                  <a:txBody>
+                    <a:bodyPr/>
+                    <a:lstStyle/>
+                    <a:p>
+                      <a:pPr marL="0" marR="0" lvl="0" indent="0" algn="l" defTabSz="914400" rtl="0" eaLnBrk="0" fontAlgn="base" latinLnBrk="0" hangingPunct="0">
+                        <a:lnSpc>
+                          <a:spcPct val="100000"/>
+                        </a:lnSpc>
+                        <a:spcBef>
+                          <a:spcPct val="0"/>
+                        </a:spcBef>
+                        <a:spcAft>
+                          <a:spcPct val="0"/>
+                        </a:spcAft>
+                        <a:buClrTx/>
+                        <a:buSzTx/>
+                        <a:buFontTx/>
+                        <a:buNone/>
+                        <a:tabLst/>
+                      </a:pPr>
+                      <a:r>
+                        <a:rPr kumimoji="0" lang="en-US" sz="1100" u="none" strike="noStrike" cap="none" normalizeH="0" baseline="0">
+                          <a:ln>
+                            <a:noFill/>
+                          </a:ln>
+                          <a:effectLst/>
+                        </a:rPr>
+                        <a:t>CowSuite</a:t>
+                      </a:r>
+                      <a:endParaRPr kumimoji="0" lang="en-US" sz="1100" b="1" i="0" u="none" strike="noStrike" cap="none" normalizeH="0" baseline="0">
+                        <a:ln>
+                          <a:noFill/>
+                        </a:ln>
+                        <a:solidFill>
+                          <a:schemeClr val="tx1"/>
+                        </a:solidFill>
+                        <a:effectLst/>
+                        <a:latin typeface="Arial" charset="0"/>
+                        <a:ea typeface="MS PGothic" pitchFamily="34" charset="-128"/>
+                      </a:endParaRPr>
+                    </a:p>
+                  </a:txBody>
+                  <a:tcPr marT="45723" marB="45723" horzOverflow="overflow"/>
+                </a:tc>
+                <a:tc>
+                  <a:txBody>
+                    <a:bodyPr/>
+                    <a:lstStyle/>
+                    <a:p>
+                      <a:pPr marL="0" marR="0" lvl="0" indent="0" algn="l" defTabSz="914400" rtl="0" eaLnBrk="0" fontAlgn="base" latinLnBrk="0" hangingPunct="0">
+                        <a:lnSpc>
+                          <a:spcPct val="100000"/>
+                        </a:lnSpc>
+                        <a:spcBef>
+                          <a:spcPct val="0"/>
+                        </a:spcBef>
+                        <a:spcAft>
+                          <a:spcPct val="0"/>
+                        </a:spcAft>
+                        <a:buClrTx/>
+                        <a:buSzTx/>
+                        <a:buFontTx/>
+                        <a:buNone/>
+                        <a:tabLst/>
+                      </a:pPr>
+                      <a:r>
+                        <a:rPr kumimoji="0" lang="en-US" sz="1100" u="none" strike="noStrike" cap="none" normalizeH="0" baseline="0">
+                          <a:ln>
+                            <a:noFill/>
+                          </a:ln>
+                          <a:effectLst/>
+                        </a:rPr>
+                        <a:t>Suitability: supports MBT</a:t>
+                      </a:r>
+                      <a:endParaRPr kumimoji="0" lang="en-IN" sz="1100" u="none" strike="noStrike" cap="none" normalizeH="0" baseline="0">
+                        <a:ln>
+                          <a:noFill/>
+                        </a:ln>
+                        <a:effectLst/>
+                      </a:endParaRPr>
+                    </a:p>
+                    <a:p>
+                      <a:pPr marL="0" marR="0" lvl="0" indent="0" algn="l" defTabSz="914400" rtl="0" eaLnBrk="0" fontAlgn="base" latinLnBrk="0" hangingPunct="0">
+                        <a:lnSpc>
+                          <a:spcPct val="100000"/>
+                        </a:lnSpc>
+                        <a:spcBef>
+                          <a:spcPct val="0"/>
+                        </a:spcBef>
+                        <a:spcAft>
+                          <a:spcPct val="0"/>
+                        </a:spcAft>
+                        <a:buClrTx/>
+                        <a:buSzTx/>
+                        <a:buFontTx/>
+                        <a:buNone/>
+                        <a:tabLst/>
+                      </a:pPr>
+                      <a:r>
+                        <a:rPr kumimoji="0" lang="en-US" sz="1100" u="none" strike="noStrike" cap="none" normalizeH="0" baseline="0">
+                          <a:ln>
+                            <a:noFill/>
+                          </a:ln>
+                          <a:effectLst/>
+                        </a:rPr>
+                        <a:t>Interoperability: models nor test cases cannot be interchanged between tools</a:t>
+                      </a:r>
+                      <a:endParaRPr kumimoji="0" lang="en-US" sz="1100" b="0" i="0" u="none" strike="noStrike" cap="none" normalizeH="0" baseline="0">
+                        <a:ln>
+                          <a:noFill/>
+                        </a:ln>
+                        <a:solidFill>
+                          <a:schemeClr val="tx1"/>
+                        </a:solidFill>
+                        <a:effectLst/>
+                        <a:latin typeface="Arial" charset="0"/>
+                        <a:ea typeface="MS PGothic" pitchFamily="34" charset="-128"/>
+                      </a:endParaRPr>
+                    </a:p>
+                  </a:txBody>
+                  <a:tcPr marT="45723" marB="45723" horzOverflow="overflow"/>
+                </a:tc>
+                <a:tc>
+                  <a:txBody>
+                    <a:bodyPr/>
+                    <a:lstStyle/>
+                    <a:p>
+                      <a:pPr marL="0" marR="0" lvl="0" indent="0" algn="l" defTabSz="914400" rtl="0" eaLnBrk="0" fontAlgn="base" latinLnBrk="0" hangingPunct="0">
+                        <a:lnSpc>
+                          <a:spcPct val="100000"/>
+                        </a:lnSpc>
+                        <a:spcBef>
+                          <a:spcPct val="20000"/>
+                        </a:spcBef>
+                        <a:spcAft>
+                          <a:spcPct val="0"/>
+                        </a:spcAft>
+                        <a:buClrTx/>
+                        <a:buSzTx/>
+                        <a:buFontTx/>
+                        <a:buNone/>
+                        <a:tabLst/>
+                      </a:pPr>
+                      <a:endParaRPr kumimoji="0" lang="en-IN" sz="1100" b="0" i="0" u="none" strike="noStrike" cap="none" normalizeH="0" baseline="0">
+                        <a:ln>
+                          <a:noFill/>
+                        </a:ln>
+                        <a:solidFill>
+                          <a:schemeClr val="tx1"/>
+                        </a:solidFill>
+                        <a:effectLst/>
+                        <a:latin typeface="Arial" charset="0"/>
+                        <a:ea typeface="MS PGothic" pitchFamily="34" charset="-128"/>
+                      </a:endParaRPr>
+                    </a:p>
+                  </a:txBody>
+                  <a:tcPr marT="45723" marB="45723" horzOverflow="overflow"/>
+                </a:tc>
+                <a:tc>
+                  <a:txBody>
+                    <a:bodyPr/>
+                    <a:lstStyle/>
+                    <a:p>
+                      <a:pPr marL="0" marR="0" lvl="0" indent="0" algn="l" defTabSz="914400" rtl="0" eaLnBrk="0" fontAlgn="base" latinLnBrk="0" hangingPunct="0">
+                        <a:lnSpc>
+                          <a:spcPct val="100000"/>
+                        </a:lnSpc>
+                        <a:spcBef>
+                          <a:spcPct val="0"/>
+                        </a:spcBef>
+                        <a:spcAft>
+                          <a:spcPct val="0"/>
+                        </a:spcAft>
+                        <a:buClrTx/>
+                        <a:buSzTx/>
+                        <a:buFontTx/>
+                        <a:buNone/>
+                        <a:tabLst/>
+                      </a:pPr>
+                      <a:r>
+                        <a:rPr kumimoji="0" lang="en-US" sz="1100" u="none" strike="noStrike" cap="none" normalizeH="0" baseline="0">
+                          <a:ln>
+                            <a:noFill/>
+                          </a:ln>
+                          <a:effectLst/>
+                        </a:rPr>
+                        <a:t>Yes, graphical user interface and drag and drop approach</a:t>
+                      </a:r>
+                      <a:endParaRPr kumimoji="0" lang="en-US" sz="1100" b="0" i="0" u="none" strike="noStrike" cap="none" normalizeH="0" baseline="0">
+                        <a:ln>
+                          <a:noFill/>
+                        </a:ln>
+                        <a:solidFill>
+                          <a:schemeClr val="tx1"/>
+                        </a:solidFill>
+                        <a:effectLst/>
+                        <a:latin typeface="Arial" charset="0"/>
+                        <a:ea typeface="MS PGothic" pitchFamily="34" charset="-128"/>
+                      </a:endParaRPr>
+                    </a:p>
+                  </a:txBody>
+                  <a:tcPr marT="45723" marB="45723" horzOverflow="overflow"/>
+                </a:tc>
+                <a:tc>
+                  <a:txBody>
+                    <a:bodyPr/>
+                    <a:lstStyle/>
+                    <a:p>
+                      <a:pPr marL="0" marR="0" lvl="0" indent="0" algn="l" defTabSz="914400" rtl="0" eaLnBrk="0" fontAlgn="base" latinLnBrk="0" hangingPunct="0">
+                        <a:lnSpc>
+                          <a:spcPct val="100000"/>
+                        </a:lnSpc>
+                        <a:spcBef>
+                          <a:spcPct val="0"/>
+                        </a:spcBef>
+                        <a:spcAft>
+                          <a:spcPct val="0"/>
+                        </a:spcAft>
+                        <a:buClrTx/>
+                        <a:buSzTx/>
+                        <a:buFontTx/>
+                        <a:buNone/>
+                        <a:tabLst/>
+                      </a:pPr>
+                      <a:r>
+                        <a:rPr kumimoji="0" lang="en-US" sz="1100" u="none" strike="noStrike" cap="none" normalizeH="0" baseline="0">
+                          <a:ln>
+                            <a:noFill/>
+                          </a:ln>
+                          <a:effectLst/>
+                        </a:rPr>
+                        <a:t>Time, effort and resource used : less</a:t>
+                      </a:r>
+                      <a:endParaRPr kumimoji="0" lang="en-US" sz="1100" b="0" i="0" u="none" strike="noStrike" cap="none" normalizeH="0" baseline="0">
+                        <a:ln>
+                          <a:noFill/>
+                        </a:ln>
+                        <a:solidFill>
+                          <a:schemeClr val="tx1"/>
+                        </a:solidFill>
+                        <a:effectLst/>
+                        <a:latin typeface="Arial" charset="0"/>
+                        <a:ea typeface="MS PGothic" pitchFamily="34" charset="-128"/>
+                      </a:endParaRPr>
+                    </a:p>
+                  </a:txBody>
+                  <a:tcPr marT="45723" marB="45723" horzOverflow="overflow"/>
+                </a:tc>
+                <a:tc>
+                  <a:txBody>
+                    <a:bodyPr/>
+                    <a:lstStyle/>
+                    <a:p>
+                      <a:pPr marL="0" marR="0" lvl="0" indent="0" algn="l" defTabSz="914400" rtl="0" eaLnBrk="0" fontAlgn="base" latinLnBrk="0" hangingPunct="0">
+                        <a:lnSpc>
+                          <a:spcPct val="100000"/>
+                        </a:lnSpc>
+                        <a:spcBef>
+                          <a:spcPct val="0"/>
+                        </a:spcBef>
+                        <a:spcAft>
+                          <a:spcPct val="0"/>
+                        </a:spcAft>
+                        <a:buClrTx/>
+                        <a:buSzTx/>
+                        <a:buFontTx/>
+                        <a:buNone/>
+                        <a:tabLst/>
+                      </a:pPr>
+                      <a:r>
+                        <a:rPr kumimoji="0" lang="en-US" sz="1100" u="none" strike="noStrike" cap="none" normalizeH="0" baseline="0">
+                          <a:ln>
+                            <a:noFill/>
+                          </a:ln>
+                          <a:effectLst/>
+                        </a:rPr>
+                        <a:t>Analyzability: Yes </a:t>
+                      </a:r>
+                      <a:endParaRPr kumimoji="0" lang="en-IN" sz="1100" u="none" strike="noStrike" cap="none" normalizeH="0" baseline="0">
+                        <a:ln>
+                          <a:noFill/>
+                        </a:ln>
+                        <a:effectLst/>
+                      </a:endParaRPr>
+                    </a:p>
+                    <a:p>
+                      <a:pPr marL="0" marR="0" lvl="0" indent="0" algn="l" defTabSz="914400" rtl="0" eaLnBrk="0" fontAlgn="base" latinLnBrk="0" hangingPunct="0">
+                        <a:lnSpc>
+                          <a:spcPct val="100000"/>
+                        </a:lnSpc>
+                        <a:spcBef>
+                          <a:spcPct val="0"/>
+                        </a:spcBef>
+                        <a:spcAft>
+                          <a:spcPct val="0"/>
+                        </a:spcAft>
+                        <a:buClrTx/>
+                        <a:buSzTx/>
+                        <a:buFontTx/>
+                        <a:buNone/>
+                        <a:tabLst/>
+                      </a:pPr>
+                      <a:r>
+                        <a:rPr kumimoji="0" lang="en-US" sz="1100" u="none" strike="noStrike" cap="none" normalizeH="0" baseline="0">
+                          <a:ln>
+                            <a:noFill/>
+                          </a:ln>
+                          <a:effectLst/>
+                        </a:rPr>
+                        <a:t>Changeability: Yes</a:t>
+                      </a:r>
+                      <a:endParaRPr kumimoji="0" lang="en-IN" sz="1100" u="none" strike="noStrike" cap="none" normalizeH="0" baseline="0">
+                        <a:ln>
+                          <a:noFill/>
+                        </a:ln>
+                        <a:effectLst/>
+                      </a:endParaRPr>
+                    </a:p>
+                    <a:p>
+                      <a:pPr marL="0" marR="0" lvl="0" indent="0" algn="l" defTabSz="914400" rtl="0" eaLnBrk="0" fontAlgn="base" latinLnBrk="0" hangingPunct="0">
+                        <a:lnSpc>
+                          <a:spcPct val="100000"/>
+                        </a:lnSpc>
+                        <a:spcBef>
+                          <a:spcPct val="0"/>
+                        </a:spcBef>
+                        <a:spcAft>
+                          <a:spcPct val="0"/>
+                        </a:spcAft>
+                        <a:buClrTx/>
+                        <a:buSzTx/>
+                        <a:buFontTx/>
+                        <a:buNone/>
+                        <a:tabLst/>
+                      </a:pPr>
+                      <a:r>
+                        <a:rPr kumimoji="0" lang="en-US" sz="1100" u="none" strike="noStrike" cap="none" normalizeH="0" baseline="0">
+                          <a:ln>
+                            <a:noFill/>
+                          </a:ln>
+                          <a:effectLst/>
+                        </a:rPr>
+                        <a:t>Testability: Yes</a:t>
+                      </a:r>
+                      <a:endParaRPr kumimoji="0" lang="en-US" sz="1100" b="0" i="0" u="none" strike="noStrike" cap="none" normalizeH="0" baseline="0">
+                        <a:ln>
+                          <a:noFill/>
+                        </a:ln>
+                        <a:solidFill>
+                          <a:schemeClr val="tx1"/>
+                        </a:solidFill>
+                        <a:effectLst/>
+                        <a:latin typeface="Arial" charset="0"/>
+                        <a:ea typeface="MS PGothic" pitchFamily="34" charset="-128"/>
+                      </a:endParaRPr>
+                    </a:p>
+                  </a:txBody>
+                  <a:tcPr marT="45723" marB="45723" horzOverflow="overflow"/>
+                </a:tc>
+                <a:tc>
+                  <a:txBody>
+                    <a:bodyPr/>
+                    <a:lstStyle/>
+                    <a:p>
+                      <a:pPr marL="0" marR="0" lvl="0" indent="0" algn="l" defTabSz="914400" rtl="0" eaLnBrk="0" fontAlgn="base" latinLnBrk="0" hangingPunct="0">
+                        <a:lnSpc>
+                          <a:spcPct val="100000"/>
+                        </a:lnSpc>
+                        <a:spcBef>
+                          <a:spcPct val="0"/>
+                        </a:spcBef>
+                        <a:spcAft>
+                          <a:spcPct val="0"/>
+                        </a:spcAft>
+                        <a:buClrTx/>
+                        <a:buSzTx/>
+                        <a:buFontTx/>
+                        <a:buNone/>
+                        <a:tabLst/>
+                      </a:pPr>
+                      <a:r>
+                        <a:rPr kumimoji="0" lang="en-US" sz="1100" u="none" strike="noStrike" cap="none" normalizeH="0" baseline="0">
+                          <a:ln>
+                            <a:noFill/>
+                          </a:ln>
+                          <a:effectLst/>
+                        </a:rPr>
+                        <a:t>Installability: easy</a:t>
+                      </a:r>
+                      <a:endParaRPr kumimoji="0" lang="en-US" sz="1100" b="0" i="0" u="none" strike="noStrike" cap="none" normalizeH="0" baseline="0">
+                        <a:ln>
+                          <a:noFill/>
+                        </a:ln>
+                        <a:solidFill>
+                          <a:schemeClr val="tx1"/>
+                        </a:solidFill>
+                        <a:effectLst/>
+                        <a:latin typeface="Arial" charset="0"/>
+                        <a:ea typeface="MS PGothic" pitchFamily="34" charset="-128"/>
+                      </a:endParaRPr>
+                    </a:p>
+                  </a:txBody>
+                  <a:tcPr marT="45723" marB="45723" horzOverflow="overflow"/>
+                </a:tc>
+                <a:tc>
+                  <a:txBody>
+                    <a:bodyPr/>
+                    <a:lstStyle/>
+                    <a:p>
+                      <a:pPr marL="0" marR="0" lvl="0" indent="0" algn="l" defTabSz="914400" rtl="0" eaLnBrk="0" fontAlgn="base" latinLnBrk="0" hangingPunct="0">
+                        <a:lnSpc>
+                          <a:spcPct val="100000"/>
+                        </a:lnSpc>
+                        <a:spcBef>
+                          <a:spcPct val="0"/>
+                        </a:spcBef>
+                        <a:spcAft>
+                          <a:spcPct val="0"/>
+                        </a:spcAft>
+                        <a:buClrTx/>
+                        <a:buSzTx/>
+                        <a:buFontTx/>
+                        <a:buNone/>
+                        <a:tabLst/>
+                      </a:pPr>
+                      <a:r>
+                        <a:rPr kumimoji="0" lang="en-US" sz="1100" u="none" strike="noStrike" cap="none" normalizeH="0" baseline="0">
+                          <a:ln>
+                            <a:noFill/>
+                          </a:ln>
+                          <a:effectLst/>
+                        </a:rPr>
+                        <a:t>Open source and academic tool</a:t>
+                      </a:r>
+                      <a:endParaRPr kumimoji="0" lang="en-US" sz="1100" b="0" i="0" u="none" strike="noStrike" cap="none" normalizeH="0" baseline="0">
+                        <a:ln>
+                          <a:noFill/>
+                        </a:ln>
+                        <a:solidFill>
+                          <a:schemeClr val="tx1"/>
+                        </a:solidFill>
+                        <a:effectLst/>
+                        <a:latin typeface="Arial" charset="0"/>
+                        <a:ea typeface="MS PGothic" pitchFamily="34" charset="-128"/>
+                      </a:endParaRPr>
+                    </a:p>
+                  </a:txBody>
+                  <a:tcPr marT="45723" marB="45723" horzOverflow="overflow"/>
+                </a:tc>
+                <a:extLst>
+                  <a:ext uri="{0D108BD9-81ED-4DB2-BD59-A6C34878D82A}">
+                    <a16:rowId xmlns:a16="http://schemas.microsoft.com/office/drawing/2014/main" val="10002"/>
+                  </a:ext>
+                </a:extLst>
+              </a:tr>
+              <a:tr h="1265001">
+                <a:tc>
+                  <a:txBody>
+                    <a:bodyPr/>
+                    <a:lstStyle/>
+                    <a:p>
+                      <a:pPr marL="0" marR="0" lvl="0" indent="0" algn="l" defTabSz="914400" rtl="0" eaLnBrk="0" fontAlgn="base" latinLnBrk="0" hangingPunct="0">
+                        <a:lnSpc>
+                          <a:spcPct val="100000"/>
+                        </a:lnSpc>
+                        <a:spcBef>
+                          <a:spcPct val="0"/>
+                        </a:spcBef>
+                        <a:spcAft>
+                          <a:spcPct val="0"/>
+                        </a:spcAft>
+                        <a:buClrTx/>
+                        <a:buSzTx/>
+                        <a:buFontTx/>
+                        <a:buNone/>
+                        <a:tabLst/>
+                      </a:pPr>
+                      <a:r>
+                        <a:rPr kumimoji="0" lang="en-US" sz="1100" u="none" strike="noStrike" cap="none" normalizeH="0" baseline="0">
+                          <a:ln>
+                            <a:noFill/>
+                          </a:ln>
+                          <a:effectLst/>
+                        </a:rPr>
+                        <a:t>JUMBL</a:t>
+                      </a:r>
+                      <a:endParaRPr kumimoji="0" lang="en-US" sz="1100" b="1" i="0" u="none" strike="noStrike" cap="none" normalizeH="0" baseline="0">
+                        <a:ln>
+                          <a:noFill/>
+                        </a:ln>
+                        <a:solidFill>
+                          <a:schemeClr val="tx1"/>
+                        </a:solidFill>
+                        <a:effectLst/>
+                        <a:latin typeface="Arial" charset="0"/>
+                        <a:ea typeface="MS PGothic" pitchFamily="34" charset="-128"/>
+                      </a:endParaRPr>
+                    </a:p>
+                  </a:txBody>
+                  <a:tcPr marT="45723" marB="45723" horzOverflow="overflow"/>
+                </a:tc>
+                <a:tc>
+                  <a:txBody>
+                    <a:bodyPr/>
+                    <a:lstStyle/>
+                    <a:p>
+                      <a:pPr marL="0" marR="0" lvl="0" indent="0" algn="l" defTabSz="914400" rtl="0" eaLnBrk="0" fontAlgn="base" latinLnBrk="0" hangingPunct="0">
+                        <a:lnSpc>
+                          <a:spcPct val="100000"/>
+                        </a:lnSpc>
+                        <a:spcBef>
+                          <a:spcPct val="0"/>
+                        </a:spcBef>
+                        <a:spcAft>
+                          <a:spcPct val="0"/>
+                        </a:spcAft>
+                        <a:buClrTx/>
+                        <a:buSzTx/>
+                        <a:buFontTx/>
+                        <a:buNone/>
+                        <a:tabLst/>
+                      </a:pPr>
+                      <a:r>
+                        <a:rPr kumimoji="0" lang="en-US" sz="1100" u="none" strike="noStrike" cap="none" normalizeH="0" baseline="0" dirty="0">
+                          <a:ln>
+                            <a:noFill/>
+                          </a:ln>
+                          <a:effectLst/>
+                        </a:rPr>
+                        <a:t>Suitability: supports MBT</a:t>
+                      </a:r>
+                      <a:endParaRPr kumimoji="0" lang="en-IN" sz="1100" u="none" strike="noStrike" cap="none" normalizeH="0" baseline="0" dirty="0">
+                        <a:ln>
+                          <a:noFill/>
+                        </a:ln>
+                        <a:effectLst/>
+                      </a:endParaRPr>
+                    </a:p>
+                    <a:p>
+                      <a:pPr marL="0" marR="0" lvl="0" indent="0" algn="l" defTabSz="914400" rtl="0" eaLnBrk="0" fontAlgn="base" latinLnBrk="0" hangingPunct="0">
+                        <a:lnSpc>
+                          <a:spcPct val="100000"/>
+                        </a:lnSpc>
+                        <a:spcBef>
+                          <a:spcPct val="0"/>
+                        </a:spcBef>
+                        <a:spcAft>
+                          <a:spcPct val="0"/>
+                        </a:spcAft>
+                        <a:buClrTx/>
+                        <a:buSzTx/>
+                        <a:buFontTx/>
+                        <a:buNone/>
+                        <a:tabLst/>
+                      </a:pPr>
+                      <a:r>
+                        <a:rPr kumimoji="0" lang="en-US" sz="1100" u="none" strike="noStrike" cap="none" normalizeH="0" baseline="0" dirty="0">
+                          <a:ln>
+                            <a:noFill/>
+                          </a:ln>
+                          <a:effectLst/>
+                        </a:rPr>
+                        <a:t>Interoperability: models nor </a:t>
+                      </a:r>
+                      <a:r>
+                        <a:rPr kumimoji="0" lang="en-US" sz="1100" u="none" strike="noStrike" cap="none" normalizeH="0" baseline="0" dirty="0" err="1">
+                          <a:ln>
+                            <a:noFill/>
+                          </a:ln>
+                          <a:effectLst/>
+                        </a:rPr>
+                        <a:t>testcases</a:t>
+                      </a:r>
+                      <a:r>
+                        <a:rPr kumimoji="0" lang="en-US" sz="1100" u="none" strike="noStrike" cap="none" normalizeH="0" baseline="0" dirty="0">
+                          <a:ln>
+                            <a:noFill/>
+                          </a:ln>
+                          <a:effectLst/>
+                        </a:rPr>
+                        <a:t> cannot be interchanged between tools</a:t>
+                      </a:r>
+                      <a:endParaRPr kumimoji="0" lang="en-US" sz="1100" b="0" i="0" u="none" strike="noStrike" cap="none" normalizeH="0" baseline="0" dirty="0">
+                        <a:ln>
+                          <a:noFill/>
+                        </a:ln>
+                        <a:solidFill>
+                          <a:schemeClr val="tx1"/>
+                        </a:solidFill>
+                        <a:effectLst/>
+                        <a:latin typeface="Arial" charset="0"/>
+                        <a:ea typeface="MS PGothic" pitchFamily="34" charset="-128"/>
+                      </a:endParaRPr>
+                    </a:p>
+                  </a:txBody>
+                  <a:tcPr marT="45723" marB="45723" horzOverflow="overflow"/>
+                </a:tc>
+                <a:tc>
+                  <a:txBody>
+                    <a:bodyPr/>
+                    <a:lstStyle/>
+                    <a:p>
+                      <a:pPr marL="0" marR="0" lvl="0" indent="0" algn="l" defTabSz="914400" rtl="0" eaLnBrk="0" fontAlgn="base" latinLnBrk="0" hangingPunct="0">
+                        <a:lnSpc>
+                          <a:spcPct val="100000"/>
+                        </a:lnSpc>
+                        <a:spcBef>
+                          <a:spcPct val="20000"/>
+                        </a:spcBef>
+                        <a:spcAft>
+                          <a:spcPct val="0"/>
+                        </a:spcAft>
+                        <a:buClrTx/>
+                        <a:buSzTx/>
+                        <a:buFontTx/>
+                        <a:buNone/>
+                        <a:tabLst/>
+                      </a:pPr>
+                      <a:endParaRPr kumimoji="0" lang="en-IN" sz="1100" b="0" i="0" u="none" strike="noStrike" cap="none" normalizeH="0" baseline="0" dirty="0">
+                        <a:ln>
+                          <a:noFill/>
+                        </a:ln>
+                        <a:solidFill>
+                          <a:schemeClr val="tx1"/>
+                        </a:solidFill>
+                        <a:effectLst/>
+                        <a:latin typeface="Arial" charset="0"/>
+                        <a:ea typeface="MS PGothic" pitchFamily="34" charset="-128"/>
+                      </a:endParaRPr>
+                    </a:p>
+                  </a:txBody>
+                  <a:tcPr marT="45723" marB="45723" horzOverflow="overflow"/>
+                </a:tc>
+                <a:tc>
+                  <a:txBody>
+                    <a:bodyPr/>
+                    <a:lstStyle/>
+                    <a:p>
+                      <a:pPr marL="0" marR="0" lvl="0" indent="0" algn="l" defTabSz="914400" rtl="0" eaLnBrk="0" fontAlgn="base" latinLnBrk="0" hangingPunct="0">
+                        <a:lnSpc>
+                          <a:spcPct val="100000"/>
+                        </a:lnSpc>
+                        <a:spcBef>
+                          <a:spcPct val="0"/>
+                        </a:spcBef>
+                        <a:spcAft>
+                          <a:spcPct val="0"/>
+                        </a:spcAft>
+                        <a:buClrTx/>
+                        <a:buSzTx/>
+                        <a:buFontTx/>
+                        <a:buNone/>
+                        <a:tabLst/>
+                      </a:pPr>
+                      <a:r>
+                        <a:rPr kumimoji="0" lang="en-US" sz="1100" u="none" strike="noStrike" cap="none" normalizeH="0" baseline="0">
+                          <a:ln>
+                            <a:noFill/>
+                          </a:ln>
+                          <a:effectLst/>
+                        </a:rPr>
+                        <a:t>No, a new language called TTL has to be mastered for modeling</a:t>
+                      </a:r>
+                      <a:endParaRPr kumimoji="0" lang="en-US" sz="1100" b="0" i="0" u="none" strike="noStrike" cap="none" normalizeH="0" baseline="0">
+                        <a:ln>
+                          <a:noFill/>
+                        </a:ln>
+                        <a:solidFill>
+                          <a:schemeClr val="tx1"/>
+                        </a:solidFill>
+                        <a:effectLst/>
+                        <a:latin typeface="Arial" charset="0"/>
+                        <a:ea typeface="MS PGothic" pitchFamily="34" charset="-128"/>
+                      </a:endParaRPr>
+                    </a:p>
+                  </a:txBody>
+                  <a:tcPr marT="45723" marB="45723" horzOverflow="overflow"/>
+                </a:tc>
+                <a:tc>
+                  <a:txBody>
+                    <a:bodyPr/>
+                    <a:lstStyle/>
+                    <a:p>
+                      <a:pPr marL="0" marR="0" lvl="0" indent="0" algn="l" defTabSz="914400" rtl="0" eaLnBrk="0" fontAlgn="base" latinLnBrk="0" hangingPunct="0">
+                        <a:lnSpc>
+                          <a:spcPct val="100000"/>
+                        </a:lnSpc>
+                        <a:spcBef>
+                          <a:spcPct val="0"/>
+                        </a:spcBef>
+                        <a:spcAft>
+                          <a:spcPct val="0"/>
+                        </a:spcAft>
+                        <a:buClrTx/>
+                        <a:buSzTx/>
+                        <a:buFontTx/>
+                        <a:buNone/>
+                        <a:tabLst/>
+                      </a:pPr>
+                      <a:r>
+                        <a:rPr kumimoji="0" lang="en-US" sz="1100" u="none" strike="noStrike" cap="none" normalizeH="0" baseline="0">
+                          <a:ln>
+                            <a:noFill/>
+                          </a:ln>
+                          <a:effectLst/>
+                        </a:rPr>
+                        <a:t>Time, effort and resource used : High</a:t>
+                      </a:r>
+                      <a:endParaRPr kumimoji="0" lang="en-US" sz="1100" b="0" i="0" u="none" strike="noStrike" cap="none" normalizeH="0" baseline="0">
+                        <a:ln>
+                          <a:noFill/>
+                        </a:ln>
+                        <a:solidFill>
+                          <a:schemeClr val="tx1"/>
+                        </a:solidFill>
+                        <a:effectLst/>
+                        <a:latin typeface="Arial" charset="0"/>
+                        <a:ea typeface="MS PGothic" pitchFamily="34" charset="-128"/>
+                      </a:endParaRPr>
+                    </a:p>
+                  </a:txBody>
+                  <a:tcPr marT="45723" marB="45723" horzOverflow="overflow"/>
+                </a:tc>
+                <a:tc>
+                  <a:txBody>
+                    <a:bodyPr/>
+                    <a:lstStyle/>
+                    <a:p>
+                      <a:pPr marL="0" marR="0" lvl="0" indent="0" algn="l" defTabSz="914400" rtl="0" eaLnBrk="0" fontAlgn="base" latinLnBrk="0" hangingPunct="0">
+                        <a:lnSpc>
+                          <a:spcPct val="100000"/>
+                        </a:lnSpc>
+                        <a:spcBef>
+                          <a:spcPct val="0"/>
+                        </a:spcBef>
+                        <a:spcAft>
+                          <a:spcPct val="0"/>
+                        </a:spcAft>
+                        <a:buClrTx/>
+                        <a:buSzTx/>
+                        <a:buFontTx/>
+                        <a:buNone/>
+                        <a:tabLst/>
+                      </a:pPr>
+                      <a:r>
+                        <a:rPr kumimoji="0" lang="en-US" sz="1100" u="none" strike="noStrike" cap="none" normalizeH="0" baseline="0">
+                          <a:ln>
+                            <a:noFill/>
+                          </a:ln>
+                          <a:effectLst/>
+                        </a:rPr>
+                        <a:t>Analyzability: No </a:t>
+                      </a:r>
+                      <a:endParaRPr kumimoji="0" lang="en-IN" sz="1100" u="none" strike="noStrike" cap="none" normalizeH="0" baseline="0">
+                        <a:ln>
+                          <a:noFill/>
+                        </a:ln>
+                        <a:effectLst/>
+                      </a:endParaRPr>
+                    </a:p>
+                    <a:p>
+                      <a:pPr marL="0" marR="0" lvl="0" indent="0" algn="l" defTabSz="914400" rtl="0" eaLnBrk="0" fontAlgn="base" latinLnBrk="0" hangingPunct="0">
+                        <a:lnSpc>
+                          <a:spcPct val="100000"/>
+                        </a:lnSpc>
+                        <a:spcBef>
+                          <a:spcPct val="0"/>
+                        </a:spcBef>
+                        <a:spcAft>
+                          <a:spcPct val="0"/>
+                        </a:spcAft>
+                        <a:buClrTx/>
+                        <a:buSzTx/>
+                        <a:buFontTx/>
+                        <a:buNone/>
+                        <a:tabLst/>
+                      </a:pPr>
+                      <a:r>
+                        <a:rPr kumimoji="0" lang="en-US" sz="1100" u="none" strike="noStrike" cap="none" normalizeH="0" baseline="0">
+                          <a:ln>
+                            <a:noFill/>
+                          </a:ln>
+                          <a:effectLst/>
+                        </a:rPr>
+                        <a:t>Changeability: Yes</a:t>
+                      </a:r>
+                      <a:endParaRPr kumimoji="0" lang="en-IN" sz="1100" u="none" strike="noStrike" cap="none" normalizeH="0" baseline="0">
+                        <a:ln>
+                          <a:noFill/>
+                        </a:ln>
+                        <a:effectLst/>
+                      </a:endParaRPr>
+                    </a:p>
+                    <a:p>
+                      <a:pPr marL="0" marR="0" lvl="0" indent="0" algn="l" defTabSz="914400" rtl="0" eaLnBrk="0" fontAlgn="base" latinLnBrk="0" hangingPunct="0">
+                        <a:lnSpc>
+                          <a:spcPct val="100000"/>
+                        </a:lnSpc>
+                        <a:spcBef>
+                          <a:spcPct val="0"/>
+                        </a:spcBef>
+                        <a:spcAft>
+                          <a:spcPct val="0"/>
+                        </a:spcAft>
+                        <a:buClrTx/>
+                        <a:buSzTx/>
+                        <a:buFontTx/>
+                        <a:buNone/>
+                        <a:tabLst/>
+                      </a:pPr>
+                      <a:r>
+                        <a:rPr kumimoji="0" lang="en-US" sz="1100" u="none" strike="noStrike" cap="none" normalizeH="0" baseline="0">
+                          <a:ln>
+                            <a:noFill/>
+                          </a:ln>
+                          <a:effectLst/>
+                        </a:rPr>
+                        <a:t>Testability: Yes</a:t>
+                      </a:r>
+                      <a:endParaRPr kumimoji="0" lang="en-US" sz="1100" b="0" i="0" u="none" strike="noStrike" cap="none" normalizeH="0" baseline="0">
+                        <a:ln>
+                          <a:noFill/>
+                        </a:ln>
+                        <a:solidFill>
+                          <a:schemeClr val="tx1"/>
+                        </a:solidFill>
+                        <a:effectLst/>
+                        <a:latin typeface="Arial" charset="0"/>
+                        <a:ea typeface="MS PGothic" pitchFamily="34" charset="-128"/>
+                      </a:endParaRPr>
+                    </a:p>
+                  </a:txBody>
+                  <a:tcPr marT="45723" marB="45723" horzOverflow="overflow"/>
+                </a:tc>
+                <a:tc>
+                  <a:txBody>
+                    <a:bodyPr/>
+                    <a:lstStyle/>
+                    <a:p>
+                      <a:pPr marL="0" marR="0" lvl="0" indent="0" algn="l" defTabSz="914400" rtl="0" eaLnBrk="0" fontAlgn="base" latinLnBrk="0" hangingPunct="0">
+                        <a:lnSpc>
+                          <a:spcPct val="100000"/>
+                        </a:lnSpc>
+                        <a:spcBef>
+                          <a:spcPct val="0"/>
+                        </a:spcBef>
+                        <a:spcAft>
+                          <a:spcPct val="0"/>
+                        </a:spcAft>
+                        <a:buClrTx/>
+                        <a:buSzTx/>
+                        <a:buFontTx/>
+                        <a:buNone/>
+                        <a:tabLst/>
+                      </a:pPr>
+                      <a:r>
+                        <a:rPr kumimoji="0" lang="en-US" sz="1100" u="none" strike="noStrike" cap="none" normalizeH="0" baseline="0">
+                          <a:ln>
+                            <a:noFill/>
+                          </a:ln>
+                          <a:effectLst/>
+                        </a:rPr>
+                        <a:t>Installability: time consuming</a:t>
+                      </a:r>
+                      <a:endParaRPr kumimoji="0" lang="en-US" sz="1100" b="0" i="0" u="none" strike="noStrike" cap="none" normalizeH="0" baseline="0">
+                        <a:ln>
+                          <a:noFill/>
+                        </a:ln>
+                        <a:solidFill>
+                          <a:schemeClr val="tx1"/>
+                        </a:solidFill>
+                        <a:effectLst/>
+                        <a:latin typeface="Arial" charset="0"/>
+                        <a:ea typeface="MS PGothic" pitchFamily="34" charset="-128"/>
+                      </a:endParaRPr>
+                    </a:p>
+                  </a:txBody>
+                  <a:tcPr marT="45723" marB="45723" horzOverflow="overflow"/>
+                </a:tc>
+                <a:tc>
+                  <a:txBody>
+                    <a:bodyPr/>
+                    <a:lstStyle/>
+                    <a:p>
+                      <a:pPr marL="0" marR="0" lvl="0" indent="0" algn="l" defTabSz="914400" rtl="0" eaLnBrk="0" fontAlgn="base" latinLnBrk="0" hangingPunct="0">
+                        <a:lnSpc>
+                          <a:spcPct val="100000"/>
+                        </a:lnSpc>
+                        <a:spcBef>
+                          <a:spcPct val="0"/>
+                        </a:spcBef>
+                        <a:spcAft>
+                          <a:spcPct val="0"/>
+                        </a:spcAft>
+                        <a:buClrTx/>
+                        <a:buSzTx/>
+                        <a:buFontTx/>
+                        <a:buNone/>
+                        <a:tabLst/>
+                      </a:pPr>
+                      <a:r>
+                        <a:rPr kumimoji="0" lang="en-US" sz="1100" u="none" strike="noStrike" cap="none" normalizeH="0" baseline="0" dirty="0">
+                          <a:ln>
+                            <a:noFill/>
+                          </a:ln>
+                          <a:effectLst/>
+                        </a:rPr>
+                        <a:t>Open source and academic tool</a:t>
+                      </a:r>
+                      <a:endParaRPr kumimoji="0" lang="en-IN" sz="1100" b="0" i="0" u="none" strike="noStrike" cap="none" normalizeH="0" baseline="0" dirty="0">
+                        <a:ln>
+                          <a:noFill/>
+                        </a:ln>
+                        <a:solidFill>
+                          <a:schemeClr val="tx1"/>
+                        </a:solidFill>
+                        <a:effectLst/>
+                        <a:latin typeface="Times New Roman" pitchFamily="18" charset="0"/>
+                        <a:ea typeface="MS PGothic" pitchFamily="34" charset="-128"/>
+                        <a:cs typeface="Times New Roman" pitchFamily="18" charset="0"/>
+                      </a:endParaRPr>
+                    </a:p>
+                  </a:txBody>
+                  <a:tcPr marT="45723" marB="45723" horzOverflow="overflow"/>
+                </a:tc>
+                <a:extLst>
+                  <a:ext uri="{0D108BD9-81ED-4DB2-BD59-A6C34878D82A}">
+                    <a16:rowId xmlns:a16="http://schemas.microsoft.com/office/drawing/2014/main" val="10003"/>
+                  </a:ext>
+                </a:extLst>
+              </a:tr>
+            </a:tbl>
+          </a:graphicData>
+        </a:graphic>
+      </p:graphicFrame>
+    </p:spTree>
+    <p:extLst>
+      <p:ext uri="{BB962C8B-B14F-4D97-AF65-F5344CB8AC3E}">
+        <p14:creationId xmlns:p14="http://schemas.microsoft.com/office/powerpoint/2010/main" val="1010874080"/>
+      </p:ext>
+    </p:extLst>
+  </p:cSld>
+  <p:clrMapOvr>
+    <a:masterClrMapping/>
+  </p:clrMapOvr>
+  <mc:AlternateContent xmlns:mc="http://schemas.openxmlformats.org/markup-compatibility/2006" xmlns:p14="http://schemas.microsoft.com/office/powerpoint/2010/main">
+    <mc:Choice Requires="p14">
+      <p:transition spd="med" p14:dur="700">
+        <p:fade/>
+      </p:transition>
+    </mc:Choice>
+    <mc:Fallback xmlns="">
+      <p:transition spd="med">
+        <p:fade/>
+      </p:transition>
+    </mc:Fallback>
+  </mc:AlternateContent>
+</p:sld>
+</file>
+
+<file path=ppt/slides/slide12.xml><?xml version="1.0" encoding="utf-8"?>
+<p:sld xmlns:a="http://schemas.openxmlformats.org/drawingml/2006/main" xmlns:r="http://schemas.openxmlformats.org/officeDocument/2006/relationships" xmlns:p="http://schemas.openxmlformats.org/presentationml/2006/main">
+  <p:cSld>
+    <p:spTree>
+      <p:nvGrpSpPr>
+        <p:cNvPr id="1" name=""/>
+        <p:cNvGrpSpPr/>
+        <p:nvPr/>
+      </p:nvGrpSpPr>
+      <p:grpSpPr>
+        <a:xfrm>
+          <a:off x="0" y="0"/>
+          <a:ext cx="0" cy="0"/>
+          <a:chOff x="0" y="0"/>
+          <a:chExt cx="0" cy="0"/>
+        </a:xfrm>
+      </p:grpSpPr>
+      <p:sp>
+        <p:nvSpPr>
+          <p:cNvPr id="13" name="Title 12"/>
+          <p:cNvSpPr>
+            <a:spLocks noGrp="1"/>
+          </p:cNvSpPr>
+          <p:nvPr>
+            <p:ph type="title"/>
+          </p:nvPr>
+        </p:nvSpPr>
+        <p:spPr/>
+        <p:txBody>
+          <a:bodyPr/>
+          <a:lstStyle/>
+          <a:p>
+            <a:r>
+              <a:rPr lang="en-US" dirty="0"/>
+              <a:t>Which tool I use?</a:t>
+            </a:r>
+          </a:p>
+        </p:txBody>
+      </p:sp>
+      <p:sp>
+        <p:nvSpPr>
+          <p:cNvPr id="6" name="Title 12"/>
+          <p:cNvSpPr txBox="1">
+            <a:spLocks/>
+          </p:cNvSpPr>
+          <p:nvPr/>
+        </p:nvSpPr>
+        <p:spPr>
+          <a:xfrm>
+            <a:off x="6526460" y="6597352"/>
+            <a:ext cx="5760640" cy="346051"/>
+          </a:xfrm>
+          <a:prstGeom prst="rect">
+            <a:avLst/>
+          </a:prstGeom>
+        </p:spPr>
+        <p:txBody>
+          <a:bodyPr vert="horz" lIns="121899" tIns="60949" rIns="121899" bIns="60949" rtlCol="0" anchor="b">
+            <a:noAutofit/>
+          </a:bodyPr>
+          <a:lstStyle>
+            <a:lvl1pPr algn="l" defTabSz="1218987" rtl="0" eaLnBrk="1" latinLnBrk="0" hangingPunct="1">
+              <a:lnSpc>
+                <a:spcPct val="90000"/>
+              </a:lnSpc>
+              <a:spcBef>
+                <a:spcPct val="0"/>
+              </a:spcBef>
+              <a:buNone/>
+              <a:defRPr sz="5400" kern="1200">
+                <a:solidFill>
+                  <a:schemeClr val="tx1"/>
+                </a:solidFill>
+                <a:latin typeface="+mj-lt"/>
+                <a:ea typeface="+mj-ea"/>
+                <a:cs typeface="+mj-cs"/>
+              </a:defRPr>
+            </a:lvl1pPr>
+          </a:lstStyle>
+          <a:p>
+            <a:pPr algn="ctr"/>
+            <a:r>
+              <a:rPr lang="en-US" sz="2000" dirty="0"/>
+              <a:t>José Esteves e Ricardo </a:t>
+            </a:r>
+            <a:r>
+              <a:rPr lang="en-US" sz="2000" dirty="0" err="1"/>
+              <a:t>Malafaya</a:t>
+            </a:r>
+            <a:r>
+              <a:rPr lang="en-US" sz="2000" dirty="0"/>
+              <a:t> – 02 December 2016</a:t>
+            </a:r>
+          </a:p>
+        </p:txBody>
+      </p:sp>
+      <p:graphicFrame>
+        <p:nvGraphicFramePr>
+          <p:cNvPr id="7" name="Group 112"/>
+          <p:cNvGraphicFramePr>
+            <a:graphicFrameLocks noGrp="1"/>
+          </p:cNvGraphicFramePr>
+          <p:nvPr>
+            <p:ph idx="1"/>
+            <p:extLst>
+              <p:ext uri="{D42A27DB-BD31-4B8C-83A1-F6EECF244321}">
+                <p14:modId xmlns:p14="http://schemas.microsoft.com/office/powerpoint/2010/main" val="2021101916"/>
+              </p:ext>
+            </p:extLst>
+          </p:nvPr>
+        </p:nvGraphicFramePr>
+        <p:xfrm>
+          <a:off x="909836" y="1498600"/>
+          <a:ext cx="11017223" cy="4995863"/>
+        </p:xfrm>
+        <a:graphic>
+          <a:graphicData uri="http://schemas.openxmlformats.org/drawingml/2006/table">
+            <a:tbl>
+              <a:tblPr firstRow="1" firstCol="1">
+                <a:tableStyleId>{5C22544A-7EE6-4342-B048-85BDC9FD1C3A}</a:tableStyleId>
+              </a:tblPr>
+              <a:tblGrid>
+                <a:gridCol w="1072280">
+                  <a:extLst>
+                    <a:ext uri="{9D8B030D-6E8A-4147-A177-3AD203B41FA5}">
+                      <a16:colId xmlns:a16="http://schemas.microsoft.com/office/drawing/2014/main" val="20000"/>
+                    </a:ext>
+                  </a:extLst>
+                </a:gridCol>
+                <a:gridCol w="1599466">
+                  <a:extLst>
+                    <a:ext uri="{9D8B030D-6E8A-4147-A177-3AD203B41FA5}">
+                      <a16:colId xmlns:a16="http://schemas.microsoft.com/office/drawing/2014/main" val="20001"/>
+                    </a:ext>
+                  </a:extLst>
+                </a:gridCol>
+                <a:gridCol w="1414454">
+                  <a:extLst>
+                    <a:ext uri="{9D8B030D-6E8A-4147-A177-3AD203B41FA5}">
+                      <a16:colId xmlns:a16="http://schemas.microsoft.com/office/drawing/2014/main" val="20002"/>
+                    </a:ext>
+                  </a:extLst>
+                </a:gridCol>
+                <a:gridCol w="1271219">
+                  <a:extLst>
+                    <a:ext uri="{9D8B030D-6E8A-4147-A177-3AD203B41FA5}">
+                      <a16:colId xmlns:a16="http://schemas.microsoft.com/office/drawing/2014/main" val="20003"/>
+                    </a:ext>
+                  </a:extLst>
+                </a:gridCol>
+                <a:gridCol w="1145887">
+                  <a:extLst>
+                    <a:ext uri="{9D8B030D-6E8A-4147-A177-3AD203B41FA5}">
+                      <a16:colId xmlns:a16="http://schemas.microsoft.com/office/drawing/2014/main" val="20004"/>
+                    </a:ext>
+                  </a:extLst>
+                </a:gridCol>
+                <a:gridCol w="1643233">
+                  <a:extLst>
+                    <a:ext uri="{9D8B030D-6E8A-4147-A177-3AD203B41FA5}">
+                      <a16:colId xmlns:a16="http://schemas.microsoft.com/office/drawing/2014/main" val="20005"/>
+                    </a:ext>
+                  </a:extLst>
+                </a:gridCol>
+                <a:gridCol w="1503976">
+                  <a:extLst>
+                    <a:ext uri="{9D8B030D-6E8A-4147-A177-3AD203B41FA5}">
+                      <a16:colId xmlns:a16="http://schemas.microsoft.com/office/drawing/2014/main" val="20006"/>
+                    </a:ext>
+                  </a:extLst>
+                </a:gridCol>
+                <a:gridCol w="1366708">
+                  <a:extLst>
+                    <a:ext uri="{9D8B030D-6E8A-4147-A177-3AD203B41FA5}">
+                      <a16:colId xmlns:a16="http://schemas.microsoft.com/office/drawing/2014/main" val="20007"/>
+                    </a:ext>
+                  </a:extLst>
+                </a:gridCol>
+              </a:tblGrid>
+              <a:tr h="517525">
+                <a:tc>
+                  <a:txBody>
+                    <a:bodyPr/>
+                    <a:lstStyle/>
+                    <a:p>
+                      <a:pPr marL="0" marR="0" lvl="0" indent="0" algn="l" defTabSz="914400" rtl="0" eaLnBrk="0" fontAlgn="base" latinLnBrk="0" hangingPunct="0">
+                        <a:lnSpc>
+                          <a:spcPct val="100000"/>
+                        </a:lnSpc>
+                        <a:spcBef>
+                          <a:spcPct val="0"/>
+                        </a:spcBef>
+                        <a:spcAft>
+                          <a:spcPct val="0"/>
+                        </a:spcAft>
+                        <a:buClrTx/>
+                        <a:buSzTx/>
+                        <a:buFontTx/>
+                        <a:buNone/>
+                        <a:tabLst/>
+                      </a:pPr>
+                      <a:r>
+                        <a:rPr kumimoji="0" lang="en-US" sz="1300" u="none" strike="noStrike" cap="none" normalizeH="0" baseline="0" dirty="0">
+                          <a:ln>
+                            <a:noFill/>
+                          </a:ln>
+                          <a:effectLst/>
+                        </a:rPr>
+                        <a:t>Tool Name</a:t>
+                      </a:r>
+                      <a:endParaRPr kumimoji="0" lang="en-US" sz="1800" b="0" i="0" u="none" strike="noStrike" cap="none" normalizeH="0" baseline="0" dirty="0">
+                        <a:ln>
+                          <a:noFill/>
+                        </a:ln>
+                        <a:solidFill>
+                          <a:schemeClr val="tx1"/>
+                        </a:solidFill>
+                        <a:effectLst/>
+                        <a:latin typeface="Arial" charset="0"/>
+                        <a:ea typeface="MS PGothic" pitchFamily="34" charset="-128"/>
+                      </a:endParaRPr>
+                    </a:p>
+                  </a:txBody>
+                  <a:tcPr horzOverflow="overflow"/>
+                </a:tc>
+                <a:tc>
+                  <a:txBody>
+                    <a:bodyPr/>
+                    <a:lstStyle/>
+                    <a:p>
+                      <a:pPr marL="0" marR="0" lvl="0" indent="0" algn="l" defTabSz="914400" rtl="0" eaLnBrk="0" fontAlgn="base" latinLnBrk="0" hangingPunct="0">
+                        <a:lnSpc>
+                          <a:spcPct val="100000"/>
+                        </a:lnSpc>
+                        <a:spcBef>
+                          <a:spcPct val="0"/>
+                        </a:spcBef>
+                        <a:spcAft>
+                          <a:spcPct val="0"/>
+                        </a:spcAft>
+                        <a:buClrTx/>
+                        <a:buSzTx/>
+                        <a:buFontTx/>
+                        <a:buNone/>
+                        <a:tabLst/>
+                      </a:pPr>
+                      <a:r>
+                        <a:rPr kumimoji="0" lang="en-US" sz="1300" u="none" strike="noStrike" cap="none" normalizeH="0" baseline="0">
+                          <a:ln>
+                            <a:noFill/>
+                          </a:ln>
+                          <a:effectLst/>
+                        </a:rPr>
+                        <a:t>Functionality</a:t>
+                      </a:r>
+                      <a:endParaRPr kumimoji="0" lang="en-US" sz="1800" b="0" i="0" u="none" strike="noStrike" cap="none" normalizeH="0" baseline="0">
+                        <a:ln>
+                          <a:noFill/>
+                        </a:ln>
+                        <a:solidFill>
+                          <a:schemeClr val="tx1"/>
+                        </a:solidFill>
+                        <a:effectLst/>
+                        <a:latin typeface="Arial" charset="0"/>
+                        <a:ea typeface="MS PGothic" pitchFamily="34" charset="-128"/>
+                      </a:endParaRPr>
+                    </a:p>
+                  </a:txBody>
+                  <a:tcPr horzOverflow="overflow"/>
+                </a:tc>
+                <a:tc>
+                  <a:txBody>
+                    <a:bodyPr/>
+                    <a:lstStyle/>
+                    <a:p>
+                      <a:pPr marL="0" marR="0" lvl="0" indent="0" algn="l" defTabSz="914400" rtl="0" eaLnBrk="0" fontAlgn="base" latinLnBrk="0" hangingPunct="0">
+                        <a:lnSpc>
+                          <a:spcPct val="100000"/>
+                        </a:lnSpc>
+                        <a:spcBef>
+                          <a:spcPct val="0"/>
+                        </a:spcBef>
+                        <a:spcAft>
+                          <a:spcPct val="0"/>
+                        </a:spcAft>
+                        <a:buClrTx/>
+                        <a:buSzTx/>
+                        <a:buFontTx/>
+                        <a:buNone/>
+                        <a:tabLst/>
+                      </a:pPr>
+                      <a:r>
+                        <a:rPr kumimoji="0" lang="en-US" sz="1300" u="none" strike="noStrike" cap="none" normalizeH="0" baseline="0">
+                          <a:ln>
+                            <a:noFill/>
+                          </a:ln>
+                          <a:effectLst/>
+                        </a:rPr>
+                        <a:t>Reliability</a:t>
+                      </a:r>
+                      <a:endParaRPr kumimoji="0" lang="en-US" sz="1800" b="0" i="0" u="none" strike="noStrike" cap="none" normalizeH="0" baseline="0">
+                        <a:ln>
+                          <a:noFill/>
+                        </a:ln>
+                        <a:solidFill>
+                          <a:schemeClr val="tx1"/>
+                        </a:solidFill>
+                        <a:effectLst/>
+                        <a:latin typeface="Arial" charset="0"/>
+                        <a:ea typeface="MS PGothic" pitchFamily="34" charset="-128"/>
+                      </a:endParaRPr>
+                    </a:p>
+                  </a:txBody>
+                  <a:tcPr horzOverflow="overflow"/>
+                </a:tc>
+                <a:tc>
+                  <a:txBody>
+                    <a:bodyPr/>
+                    <a:lstStyle/>
+                    <a:p>
+                      <a:pPr marL="0" marR="0" lvl="0" indent="0" algn="l" defTabSz="914400" rtl="0" eaLnBrk="0" fontAlgn="base" latinLnBrk="0" hangingPunct="0">
+                        <a:lnSpc>
+                          <a:spcPct val="100000"/>
+                        </a:lnSpc>
+                        <a:spcBef>
+                          <a:spcPct val="0"/>
+                        </a:spcBef>
+                        <a:spcAft>
+                          <a:spcPct val="0"/>
+                        </a:spcAft>
+                        <a:buClrTx/>
+                        <a:buSzTx/>
+                        <a:buFontTx/>
+                        <a:buNone/>
+                        <a:tabLst/>
+                      </a:pPr>
+                      <a:r>
+                        <a:rPr kumimoji="0" lang="en-US" sz="1300" u="none" strike="noStrike" cap="none" normalizeH="0" baseline="0">
+                          <a:ln>
+                            <a:noFill/>
+                          </a:ln>
+                          <a:effectLst/>
+                        </a:rPr>
+                        <a:t>Usability</a:t>
+                      </a:r>
+                      <a:endParaRPr kumimoji="0" lang="en-US" sz="1800" b="0" i="0" u="none" strike="noStrike" cap="none" normalizeH="0" baseline="0">
+                        <a:ln>
+                          <a:noFill/>
+                        </a:ln>
+                        <a:solidFill>
+                          <a:schemeClr val="tx1"/>
+                        </a:solidFill>
+                        <a:effectLst/>
+                        <a:latin typeface="Arial" charset="0"/>
+                        <a:ea typeface="MS PGothic" pitchFamily="34" charset="-128"/>
+                      </a:endParaRPr>
+                    </a:p>
+                  </a:txBody>
+                  <a:tcPr horzOverflow="overflow"/>
+                </a:tc>
+                <a:tc>
+                  <a:txBody>
+                    <a:bodyPr/>
+                    <a:lstStyle/>
+                    <a:p>
+                      <a:pPr marL="0" marR="0" lvl="0" indent="0" algn="l" defTabSz="914400" rtl="0" eaLnBrk="0" fontAlgn="base" latinLnBrk="0" hangingPunct="0">
+                        <a:lnSpc>
+                          <a:spcPct val="100000"/>
+                        </a:lnSpc>
+                        <a:spcBef>
+                          <a:spcPct val="0"/>
+                        </a:spcBef>
+                        <a:spcAft>
+                          <a:spcPct val="0"/>
+                        </a:spcAft>
+                        <a:buClrTx/>
+                        <a:buSzTx/>
+                        <a:buFontTx/>
+                        <a:buNone/>
+                        <a:tabLst/>
+                      </a:pPr>
+                      <a:r>
+                        <a:rPr kumimoji="0" lang="en-US" sz="1300" u="none" strike="noStrike" cap="none" normalizeH="0" baseline="0">
+                          <a:ln>
+                            <a:noFill/>
+                          </a:ln>
+                          <a:effectLst/>
+                        </a:rPr>
+                        <a:t>Efficiency</a:t>
+                      </a:r>
+                      <a:endParaRPr kumimoji="0" lang="en-US" sz="1800" b="0" i="0" u="none" strike="noStrike" cap="none" normalizeH="0" baseline="0">
+                        <a:ln>
+                          <a:noFill/>
+                        </a:ln>
+                        <a:solidFill>
+                          <a:schemeClr val="tx1"/>
+                        </a:solidFill>
+                        <a:effectLst/>
+                        <a:latin typeface="Arial" charset="0"/>
+                        <a:ea typeface="MS PGothic" pitchFamily="34" charset="-128"/>
+                      </a:endParaRPr>
+                    </a:p>
+                  </a:txBody>
+                  <a:tcPr horzOverflow="overflow"/>
+                </a:tc>
+                <a:tc>
+                  <a:txBody>
+                    <a:bodyPr/>
+                    <a:lstStyle/>
+                    <a:p>
+                      <a:pPr marL="0" marR="0" lvl="0" indent="0" algn="l" defTabSz="914400" rtl="0" eaLnBrk="0" fontAlgn="base" latinLnBrk="0" hangingPunct="0">
+                        <a:lnSpc>
+                          <a:spcPct val="100000"/>
+                        </a:lnSpc>
+                        <a:spcBef>
+                          <a:spcPct val="0"/>
+                        </a:spcBef>
+                        <a:spcAft>
+                          <a:spcPct val="0"/>
+                        </a:spcAft>
+                        <a:buClrTx/>
+                        <a:buSzTx/>
+                        <a:buFontTx/>
+                        <a:buNone/>
+                        <a:tabLst/>
+                      </a:pPr>
+                      <a:r>
+                        <a:rPr kumimoji="0" lang="en-US" sz="1300" u="none" strike="noStrike" cap="none" normalizeH="0" baseline="0">
+                          <a:ln>
+                            <a:noFill/>
+                          </a:ln>
+                          <a:effectLst/>
+                        </a:rPr>
+                        <a:t>Maintainability</a:t>
+                      </a:r>
+                      <a:endParaRPr kumimoji="0" lang="en-US" sz="1800" b="0" i="0" u="none" strike="noStrike" cap="none" normalizeH="0" baseline="0">
+                        <a:ln>
+                          <a:noFill/>
+                        </a:ln>
+                        <a:solidFill>
+                          <a:schemeClr val="tx1"/>
+                        </a:solidFill>
+                        <a:effectLst/>
+                        <a:latin typeface="Arial" charset="0"/>
+                        <a:ea typeface="MS PGothic" pitchFamily="34" charset="-128"/>
+                      </a:endParaRPr>
+                    </a:p>
+                  </a:txBody>
+                  <a:tcPr horzOverflow="overflow"/>
+                </a:tc>
+                <a:tc>
+                  <a:txBody>
+                    <a:bodyPr/>
+                    <a:lstStyle/>
+                    <a:p>
+                      <a:pPr marL="0" marR="0" lvl="0" indent="0" algn="l" defTabSz="914400" rtl="0" eaLnBrk="0" fontAlgn="base" latinLnBrk="0" hangingPunct="0">
+                        <a:lnSpc>
+                          <a:spcPct val="100000"/>
+                        </a:lnSpc>
+                        <a:spcBef>
+                          <a:spcPct val="0"/>
+                        </a:spcBef>
+                        <a:spcAft>
+                          <a:spcPct val="0"/>
+                        </a:spcAft>
+                        <a:buClrTx/>
+                        <a:buSzTx/>
+                        <a:buFontTx/>
+                        <a:buNone/>
+                        <a:tabLst/>
+                      </a:pPr>
+                      <a:r>
+                        <a:rPr kumimoji="0" lang="en-US" sz="1300" u="none" strike="noStrike" cap="none" normalizeH="0" baseline="0">
+                          <a:ln>
+                            <a:noFill/>
+                          </a:ln>
+                          <a:effectLst/>
+                        </a:rPr>
+                        <a:t>Portability</a:t>
+                      </a:r>
+                      <a:endParaRPr kumimoji="0" lang="en-US" sz="1800" b="0" i="0" u="none" strike="noStrike" cap="none" normalizeH="0" baseline="0">
+                        <a:ln>
+                          <a:noFill/>
+                        </a:ln>
+                        <a:solidFill>
+                          <a:schemeClr val="tx1"/>
+                        </a:solidFill>
+                        <a:effectLst/>
+                        <a:latin typeface="Arial" charset="0"/>
+                        <a:ea typeface="MS PGothic" pitchFamily="34" charset="-128"/>
+                      </a:endParaRPr>
+                    </a:p>
+                  </a:txBody>
+                  <a:tcPr horzOverflow="overflow"/>
+                </a:tc>
+                <a:tc>
+                  <a:txBody>
+                    <a:bodyPr/>
+                    <a:lstStyle/>
+                    <a:p>
+                      <a:pPr marL="0" marR="0" lvl="0" indent="0" algn="l" defTabSz="914400" rtl="0" eaLnBrk="0" fontAlgn="base" latinLnBrk="0" hangingPunct="0">
+                        <a:lnSpc>
+                          <a:spcPct val="100000"/>
+                        </a:lnSpc>
+                        <a:spcBef>
+                          <a:spcPct val="0"/>
+                        </a:spcBef>
+                        <a:spcAft>
+                          <a:spcPct val="0"/>
+                        </a:spcAft>
+                        <a:buClrTx/>
+                        <a:buSzTx/>
+                        <a:buFontTx/>
+                        <a:buNone/>
+                        <a:tabLst/>
+                      </a:pPr>
+                      <a:r>
+                        <a:rPr kumimoji="0" lang="en-US" sz="1300" u="none" strike="noStrike" cap="none" normalizeH="0" baseline="0">
+                          <a:ln>
+                            <a:noFill/>
+                          </a:ln>
+                          <a:effectLst/>
+                        </a:rPr>
+                        <a:t>Licensing and pricing</a:t>
+                      </a:r>
+                      <a:endParaRPr kumimoji="0" lang="en-US" sz="1800" b="0" i="0" u="none" strike="noStrike" cap="none" normalizeH="0" baseline="0">
+                        <a:ln>
+                          <a:noFill/>
+                        </a:ln>
+                        <a:solidFill>
+                          <a:schemeClr val="tx1"/>
+                        </a:solidFill>
+                        <a:effectLst/>
+                        <a:latin typeface="Arial" charset="0"/>
+                        <a:ea typeface="MS PGothic" pitchFamily="34" charset="-128"/>
+                      </a:endParaRPr>
+                    </a:p>
+                  </a:txBody>
+                  <a:tcPr horzOverflow="overflow"/>
+                </a:tc>
+                <a:extLst>
+                  <a:ext uri="{0D108BD9-81ED-4DB2-BD59-A6C34878D82A}">
+                    <a16:rowId xmlns:a16="http://schemas.microsoft.com/office/drawing/2014/main" val="10000"/>
+                  </a:ext>
+                </a:extLst>
+              </a:tr>
+              <a:tr h="1009650">
+                <a:tc>
+                  <a:txBody>
+                    <a:bodyPr/>
+                    <a:lstStyle/>
+                    <a:p>
+                      <a:pPr marL="0" marR="0" lvl="0" indent="0" algn="l" defTabSz="914400" rtl="0" eaLnBrk="0" fontAlgn="base" latinLnBrk="0" hangingPunct="0">
+                        <a:lnSpc>
+                          <a:spcPct val="100000"/>
+                        </a:lnSpc>
+                        <a:spcBef>
+                          <a:spcPct val="0"/>
+                        </a:spcBef>
+                        <a:spcAft>
+                          <a:spcPct val="0"/>
+                        </a:spcAft>
+                        <a:buClrTx/>
+                        <a:buSzTx/>
+                        <a:buFontTx/>
+                        <a:buNone/>
+                        <a:tabLst/>
+                      </a:pPr>
+                      <a:r>
+                        <a:rPr kumimoji="0" lang="en-US" sz="1100" u="none" strike="noStrike" cap="none" normalizeH="0" baseline="0">
+                          <a:ln>
+                            <a:noFill/>
+                          </a:ln>
+                          <a:effectLst/>
+                        </a:rPr>
+                        <a:t>Enterprise Architect</a:t>
+                      </a:r>
+                      <a:endParaRPr kumimoji="0" lang="en-US" sz="1100" b="1" i="0" u="none" strike="noStrike" cap="none" normalizeH="0" baseline="0">
+                        <a:ln>
+                          <a:noFill/>
+                        </a:ln>
+                        <a:solidFill>
+                          <a:schemeClr val="tx1"/>
+                        </a:solidFill>
+                        <a:effectLst/>
+                        <a:latin typeface="Arial" charset="0"/>
+                        <a:ea typeface="MS PGothic" pitchFamily="34" charset="-128"/>
+                      </a:endParaRPr>
+                    </a:p>
+                  </a:txBody>
+                  <a:tcPr horzOverflow="overflow"/>
+                </a:tc>
+                <a:tc>
+                  <a:txBody>
+                    <a:bodyPr/>
+                    <a:lstStyle/>
+                    <a:p>
+                      <a:pPr marL="0" marR="0" lvl="0" indent="0" algn="l" defTabSz="914400" rtl="0" eaLnBrk="0" fontAlgn="base" latinLnBrk="0" hangingPunct="0">
+                        <a:lnSpc>
+                          <a:spcPct val="100000"/>
+                        </a:lnSpc>
+                        <a:spcBef>
+                          <a:spcPct val="0"/>
+                        </a:spcBef>
+                        <a:spcAft>
+                          <a:spcPct val="0"/>
+                        </a:spcAft>
+                        <a:buClrTx/>
+                        <a:buSzTx/>
+                        <a:buFontTx/>
+                        <a:buNone/>
+                        <a:tabLst/>
+                      </a:pPr>
+                      <a:r>
+                        <a:rPr kumimoji="0" lang="en-US" sz="1100" u="none" strike="noStrike" cap="none" normalizeH="0" baseline="0" dirty="0">
+                          <a:ln>
+                            <a:noFill/>
+                          </a:ln>
+                          <a:effectLst/>
+                        </a:rPr>
+                        <a:t>Suitability: Supports only modeling and not MBT</a:t>
+                      </a:r>
+                      <a:endParaRPr kumimoji="0" lang="en-IN" sz="1100" b="0" i="0" u="none" strike="noStrike" cap="none" normalizeH="0" baseline="0" dirty="0">
+                        <a:ln>
+                          <a:noFill/>
+                        </a:ln>
+                        <a:solidFill>
+                          <a:schemeClr val="tx1"/>
+                        </a:solidFill>
+                        <a:effectLst/>
+                        <a:latin typeface="Times New Roman" pitchFamily="18" charset="0"/>
+                        <a:ea typeface="MS PGothic" pitchFamily="34" charset="-128"/>
+                        <a:cs typeface="Times New Roman" pitchFamily="18" charset="0"/>
+                      </a:endParaRPr>
+                    </a:p>
+                  </a:txBody>
+                  <a:tcPr horzOverflow="overflow"/>
+                </a:tc>
+                <a:tc>
+                  <a:txBody>
+                    <a:bodyPr/>
+                    <a:lstStyle/>
+                    <a:p>
+                      <a:pPr marL="0" marR="0" lvl="0" indent="0" algn="l" defTabSz="914400" rtl="0" eaLnBrk="0" fontAlgn="base" latinLnBrk="0" hangingPunct="0">
+                        <a:lnSpc>
+                          <a:spcPct val="100000"/>
+                        </a:lnSpc>
+                        <a:spcBef>
+                          <a:spcPct val="20000"/>
+                        </a:spcBef>
+                        <a:spcAft>
+                          <a:spcPct val="0"/>
+                        </a:spcAft>
+                        <a:buClrTx/>
+                        <a:buSzTx/>
+                        <a:buFontTx/>
+                        <a:buNone/>
+                        <a:tabLst/>
+                      </a:pPr>
+                      <a:endParaRPr kumimoji="0" lang="en-IN" sz="1100" b="0" i="0" u="none" strike="noStrike" cap="none" normalizeH="0" baseline="0">
+                        <a:ln>
+                          <a:noFill/>
+                        </a:ln>
+                        <a:solidFill>
+                          <a:schemeClr val="tx1"/>
+                        </a:solidFill>
+                        <a:effectLst/>
+                        <a:latin typeface="Arial" charset="0"/>
+                        <a:ea typeface="MS PGothic" pitchFamily="34" charset="-128"/>
+                      </a:endParaRPr>
+                    </a:p>
+                  </a:txBody>
+                  <a:tcPr horzOverflow="overflow"/>
+                </a:tc>
+                <a:tc>
+                  <a:txBody>
+                    <a:bodyPr/>
+                    <a:lstStyle/>
+                    <a:p>
+                      <a:pPr marL="0" marR="0" lvl="0" indent="0" algn="l" defTabSz="914400" rtl="0" eaLnBrk="0" fontAlgn="base" latinLnBrk="0" hangingPunct="0">
+                        <a:lnSpc>
+                          <a:spcPct val="100000"/>
+                        </a:lnSpc>
+                        <a:spcBef>
+                          <a:spcPct val="0"/>
+                        </a:spcBef>
+                        <a:spcAft>
+                          <a:spcPct val="0"/>
+                        </a:spcAft>
+                        <a:buClrTx/>
+                        <a:buSzTx/>
+                        <a:buFontTx/>
+                        <a:buNone/>
+                        <a:tabLst/>
+                      </a:pPr>
+                      <a:r>
+                        <a:rPr kumimoji="0" lang="en-US" sz="1100" u="none" strike="noStrike" cap="none" normalizeH="0" baseline="0">
+                          <a:ln>
+                            <a:noFill/>
+                          </a:ln>
+                          <a:effectLst/>
+                        </a:rPr>
+                        <a:t>Yes, graphical user interface and drag and drop approach</a:t>
+                      </a:r>
+                      <a:endParaRPr kumimoji="0" lang="en-US" sz="1100" b="0" i="0" u="none" strike="noStrike" cap="none" normalizeH="0" baseline="0">
+                        <a:ln>
+                          <a:noFill/>
+                        </a:ln>
+                        <a:solidFill>
+                          <a:schemeClr val="tx1"/>
+                        </a:solidFill>
+                        <a:effectLst/>
+                        <a:latin typeface="Arial" charset="0"/>
+                        <a:ea typeface="MS PGothic" pitchFamily="34" charset="-128"/>
+                      </a:endParaRPr>
+                    </a:p>
+                  </a:txBody>
+                  <a:tcPr horzOverflow="overflow"/>
+                </a:tc>
+                <a:tc>
+                  <a:txBody>
+                    <a:bodyPr/>
+                    <a:lstStyle/>
+                    <a:p>
+                      <a:pPr marL="0" marR="0" lvl="0" indent="0" algn="l" defTabSz="914400" rtl="0" eaLnBrk="0" fontAlgn="base" latinLnBrk="0" hangingPunct="0">
+                        <a:lnSpc>
+                          <a:spcPct val="100000"/>
+                        </a:lnSpc>
+                        <a:spcBef>
+                          <a:spcPct val="0"/>
+                        </a:spcBef>
+                        <a:spcAft>
+                          <a:spcPct val="0"/>
+                        </a:spcAft>
+                        <a:buClrTx/>
+                        <a:buSzTx/>
+                        <a:buFontTx/>
+                        <a:buNone/>
+                        <a:tabLst/>
+                      </a:pPr>
+                      <a:r>
+                        <a:rPr kumimoji="0" lang="en-US" sz="1100" u="none" strike="noStrike" cap="none" normalizeH="0" baseline="0">
+                          <a:ln>
+                            <a:noFill/>
+                          </a:ln>
+                          <a:effectLst/>
+                        </a:rPr>
+                        <a:t>Time, effort and resource used : less</a:t>
+                      </a:r>
+                      <a:endParaRPr kumimoji="0" lang="en-US" sz="1100" b="0" i="0" u="none" strike="noStrike" cap="none" normalizeH="0" baseline="0">
+                        <a:ln>
+                          <a:noFill/>
+                        </a:ln>
+                        <a:solidFill>
+                          <a:schemeClr val="tx1"/>
+                        </a:solidFill>
+                        <a:effectLst/>
+                        <a:latin typeface="Arial" charset="0"/>
+                        <a:ea typeface="MS PGothic" pitchFamily="34" charset="-128"/>
+                      </a:endParaRPr>
+                    </a:p>
+                  </a:txBody>
+                  <a:tcPr horzOverflow="overflow"/>
+                </a:tc>
+                <a:tc>
+                  <a:txBody>
+                    <a:bodyPr/>
+                    <a:lstStyle/>
+                    <a:p>
+                      <a:pPr marL="0" marR="0" lvl="0" indent="0" algn="l" defTabSz="914400" rtl="0" eaLnBrk="0" fontAlgn="base" latinLnBrk="0" hangingPunct="0">
+                        <a:lnSpc>
+                          <a:spcPct val="100000"/>
+                        </a:lnSpc>
+                        <a:spcBef>
+                          <a:spcPct val="0"/>
+                        </a:spcBef>
+                        <a:spcAft>
+                          <a:spcPct val="0"/>
+                        </a:spcAft>
+                        <a:buClrTx/>
+                        <a:buSzTx/>
+                        <a:buFontTx/>
+                        <a:buNone/>
+                        <a:tabLst/>
+                      </a:pPr>
+                      <a:r>
+                        <a:rPr kumimoji="0" lang="en-US" sz="1100" u="none" strike="noStrike" cap="none" normalizeH="0" baseline="0">
+                          <a:ln>
+                            <a:noFill/>
+                          </a:ln>
+                          <a:effectLst/>
+                        </a:rPr>
+                        <a:t>Analyzability: Yes </a:t>
+                      </a:r>
+                      <a:endParaRPr kumimoji="0" lang="en-IN" sz="1100" u="none" strike="noStrike" cap="none" normalizeH="0" baseline="0">
+                        <a:ln>
+                          <a:noFill/>
+                        </a:ln>
+                        <a:effectLst/>
+                      </a:endParaRPr>
+                    </a:p>
+                    <a:p>
+                      <a:pPr marL="0" marR="0" lvl="0" indent="0" algn="l" defTabSz="914400" rtl="0" eaLnBrk="0" fontAlgn="base" latinLnBrk="0" hangingPunct="0">
+                        <a:lnSpc>
+                          <a:spcPct val="100000"/>
+                        </a:lnSpc>
+                        <a:spcBef>
+                          <a:spcPct val="0"/>
+                        </a:spcBef>
+                        <a:spcAft>
+                          <a:spcPct val="0"/>
+                        </a:spcAft>
+                        <a:buClrTx/>
+                        <a:buSzTx/>
+                        <a:buFontTx/>
+                        <a:buNone/>
+                        <a:tabLst/>
+                      </a:pPr>
+                      <a:r>
+                        <a:rPr kumimoji="0" lang="en-US" sz="1100" u="none" strike="noStrike" cap="none" normalizeH="0" baseline="0">
+                          <a:ln>
+                            <a:noFill/>
+                          </a:ln>
+                          <a:effectLst/>
+                        </a:rPr>
+                        <a:t>Changeability: Yes</a:t>
+                      </a:r>
+                      <a:endParaRPr kumimoji="0" lang="en-IN" sz="1100" u="none" strike="noStrike" cap="none" normalizeH="0" baseline="0">
+                        <a:ln>
+                          <a:noFill/>
+                        </a:ln>
+                        <a:effectLst/>
+                      </a:endParaRPr>
+                    </a:p>
+                    <a:p>
+                      <a:pPr marL="0" marR="0" lvl="0" indent="0" algn="l" defTabSz="914400" rtl="0" eaLnBrk="0" fontAlgn="base" latinLnBrk="0" hangingPunct="0">
+                        <a:lnSpc>
+                          <a:spcPct val="100000"/>
+                        </a:lnSpc>
+                        <a:spcBef>
+                          <a:spcPct val="0"/>
+                        </a:spcBef>
+                        <a:spcAft>
+                          <a:spcPct val="0"/>
+                        </a:spcAft>
+                        <a:buClrTx/>
+                        <a:buSzTx/>
+                        <a:buFontTx/>
+                        <a:buNone/>
+                        <a:tabLst/>
+                      </a:pPr>
+                      <a:r>
+                        <a:rPr kumimoji="0" lang="en-US" sz="1100" u="none" strike="noStrike" cap="none" normalizeH="0" baseline="0">
+                          <a:ln>
+                            <a:noFill/>
+                          </a:ln>
+                          <a:effectLst/>
+                        </a:rPr>
+                        <a:t>Testability: Yes</a:t>
+                      </a:r>
+                      <a:endParaRPr kumimoji="0" lang="en-US" sz="1100" b="0" i="0" u="none" strike="noStrike" cap="none" normalizeH="0" baseline="0">
+                        <a:ln>
+                          <a:noFill/>
+                        </a:ln>
+                        <a:solidFill>
+                          <a:schemeClr val="tx1"/>
+                        </a:solidFill>
+                        <a:effectLst/>
+                        <a:latin typeface="Arial" charset="0"/>
+                        <a:ea typeface="MS PGothic" pitchFamily="34" charset="-128"/>
+                      </a:endParaRPr>
+                    </a:p>
+                  </a:txBody>
+                  <a:tcPr horzOverflow="overflow"/>
+                </a:tc>
+                <a:tc>
+                  <a:txBody>
+                    <a:bodyPr/>
+                    <a:lstStyle/>
+                    <a:p>
+                      <a:pPr marL="0" marR="0" lvl="0" indent="0" algn="l" defTabSz="914400" rtl="0" eaLnBrk="0" fontAlgn="base" latinLnBrk="0" hangingPunct="0">
+                        <a:lnSpc>
+                          <a:spcPct val="100000"/>
+                        </a:lnSpc>
+                        <a:spcBef>
+                          <a:spcPct val="0"/>
+                        </a:spcBef>
+                        <a:spcAft>
+                          <a:spcPct val="0"/>
+                        </a:spcAft>
+                        <a:buClrTx/>
+                        <a:buSzTx/>
+                        <a:buFontTx/>
+                        <a:buNone/>
+                        <a:tabLst/>
+                      </a:pPr>
+                      <a:r>
+                        <a:rPr kumimoji="0" lang="en-US" sz="1100" u="none" strike="noStrike" cap="none" normalizeH="0" baseline="0">
+                          <a:ln>
+                            <a:noFill/>
+                          </a:ln>
+                          <a:effectLst/>
+                        </a:rPr>
+                        <a:t>Installability: easy</a:t>
+                      </a:r>
+                      <a:endParaRPr kumimoji="0" lang="en-US" sz="1100" b="0" i="0" u="none" strike="noStrike" cap="none" normalizeH="0" baseline="0">
+                        <a:ln>
+                          <a:noFill/>
+                        </a:ln>
+                        <a:solidFill>
+                          <a:schemeClr val="tx1"/>
+                        </a:solidFill>
+                        <a:effectLst/>
+                        <a:latin typeface="Arial" charset="0"/>
+                        <a:ea typeface="MS PGothic" pitchFamily="34" charset="-128"/>
+                      </a:endParaRPr>
+                    </a:p>
+                  </a:txBody>
+                  <a:tcPr horzOverflow="overflow"/>
+                </a:tc>
+                <a:tc>
+                  <a:txBody>
+                    <a:bodyPr/>
+                    <a:lstStyle/>
+                    <a:p>
+                      <a:pPr marL="0" marR="0" lvl="0" indent="0" algn="l" defTabSz="914400" rtl="0" eaLnBrk="0" fontAlgn="base" latinLnBrk="0" hangingPunct="0">
+                        <a:lnSpc>
+                          <a:spcPct val="100000"/>
+                        </a:lnSpc>
+                        <a:spcBef>
+                          <a:spcPct val="0"/>
+                        </a:spcBef>
+                        <a:spcAft>
+                          <a:spcPct val="0"/>
+                        </a:spcAft>
+                        <a:buClrTx/>
+                        <a:buSzTx/>
+                        <a:buFontTx/>
+                        <a:buNone/>
+                        <a:tabLst/>
+                      </a:pPr>
+                      <a:r>
+                        <a:rPr kumimoji="0" lang="en-US" sz="1100" u="none" strike="noStrike" cap="none" normalizeH="0" baseline="0">
+                          <a:ln>
+                            <a:noFill/>
+                          </a:ln>
+                          <a:effectLst/>
+                        </a:rPr>
+                        <a:t>Commercial tool</a:t>
+                      </a:r>
+                      <a:endParaRPr kumimoji="0" lang="en-IN" sz="1100" b="0" i="0" u="none" strike="noStrike" cap="none" normalizeH="0" baseline="0">
+                        <a:ln>
+                          <a:noFill/>
+                        </a:ln>
+                        <a:solidFill>
+                          <a:schemeClr val="tx1"/>
+                        </a:solidFill>
+                        <a:effectLst/>
+                        <a:latin typeface="Times New Roman" pitchFamily="18" charset="0"/>
+                        <a:ea typeface="MS PGothic" pitchFamily="34" charset="-128"/>
+                        <a:cs typeface="Times New Roman" pitchFamily="18" charset="0"/>
+                      </a:endParaRPr>
+                    </a:p>
+                  </a:txBody>
+                  <a:tcPr horzOverflow="overflow"/>
+                </a:tc>
+                <a:extLst>
+                  <a:ext uri="{0D108BD9-81ED-4DB2-BD59-A6C34878D82A}">
+                    <a16:rowId xmlns:a16="http://schemas.microsoft.com/office/drawing/2014/main" val="10001"/>
+                  </a:ext>
+                </a:extLst>
+              </a:tr>
+              <a:tr h="2122488">
+                <a:tc>
+                  <a:txBody>
+                    <a:bodyPr/>
+                    <a:lstStyle/>
+                    <a:p>
+                      <a:pPr marL="0" marR="0" lvl="0" indent="0" algn="l" defTabSz="914400" rtl="0" eaLnBrk="0" fontAlgn="base" latinLnBrk="0" hangingPunct="0">
+                        <a:lnSpc>
+                          <a:spcPct val="100000"/>
+                        </a:lnSpc>
+                        <a:spcBef>
+                          <a:spcPct val="0"/>
+                        </a:spcBef>
+                        <a:spcAft>
+                          <a:spcPct val="0"/>
+                        </a:spcAft>
+                        <a:buClrTx/>
+                        <a:buSzTx/>
+                        <a:buFontTx/>
+                        <a:buNone/>
+                        <a:tabLst/>
+                      </a:pPr>
+                      <a:r>
+                        <a:rPr kumimoji="0" lang="en-US" sz="1100" u="none" strike="noStrike" cap="none" normalizeH="0" baseline="0" dirty="0">
+                          <a:ln>
+                            <a:noFill/>
+                          </a:ln>
+                          <a:effectLst/>
+                        </a:rPr>
+                        <a:t>Spec Explorer </a:t>
+                      </a:r>
+                      <a:endParaRPr kumimoji="0" lang="en-US" sz="1100" b="1" i="0" u="none" strike="noStrike" cap="none" normalizeH="0" baseline="0" dirty="0">
+                        <a:ln>
+                          <a:noFill/>
+                        </a:ln>
+                        <a:solidFill>
+                          <a:schemeClr val="tx1"/>
+                        </a:solidFill>
+                        <a:effectLst/>
+                        <a:latin typeface="Arial" charset="0"/>
+                        <a:ea typeface="MS PGothic" pitchFamily="34" charset="-128"/>
+                      </a:endParaRPr>
+                    </a:p>
+                  </a:txBody>
+                  <a:tcPr horzOverflow="overflow"/>
+                </a:tc>
+                <a:tc>
+                  <a:txBody>
+                    <a:bodyPr/>
+                    <a:lstStyle/>
+                    <a:p>
+                      <a:pPr marL="0" marR="0" lvl="0" indent="0" algn="l" defTabSz="914400" rtl="0" eaLnBrk="0" fontAlgn="base" latinLnBrk="0" hangingPunct="0">
+                        <a:lnSpc>
+                          <a:spcPct val="100000"/>
+                        </a:lnSpc>
+                        <a:spcBef>
+                          <a:spcPct val="0"/>
+                        </a:spcBef>
+                        <a:spcAft>
+                          <a:spcPct val="0"/>
+                        </a:spcAft>
+                        <a:buClrTx/>
+                        <a:buSzTx/>
+                        <a:buFontTx/>
+                        <a:buNone/>
+                        <a:tabLst/>
+                      </a:pPr>
+                      <a:r>
+                        <a:rPr kumimoji="0" lang="en-US" sz="1100" u="none" strike="noStrike" cap="none" normalizeH="0" baseline="0" dirty="0">
+                          <a:ln>
+                            <a:noFill/>
+                          </a:ln>
+                          <a:effectLst/>
+                        </a:rPr>
+                        <a:t>Interoperability :</a:t>
+                      </a:r>
+                      <a:endParaRPr kumimoji="0" lang="en-IN" sz="1100" u="none" strike="noStrike" cap="none" normalizeH="0" baseline="0" dirty="0">
+                        <a:ln>
+                          <a:noFill/>
+                        </a:ln>
+                        <a:effectLst/>
+                      </a:endParaRPr>
+                    </a:p>
+                    <a:p>
+                      <a:pPr marL="0" marR="0" lvl="0" indent="0" algn="l" defTabSz="914400" rtl="0" eaLnBrk="0" fontAlgn="base" latinLnBrk="0" hangingPunct="0">
+                        <a:lnSpc>
+                          <a:spcPct val="100000"/>
+                        </a:lnSpc>
+                        <a:spcBef>
+                          <a:spcPct val="0"/>
+                        </a:spcBef>
+                        <a:spcAft>
+                          <a:spcPct val="0"/>
+                        </a:spcAft>
+                        <a:buClrTx/>
+                        <a:buSzTx/>
+                        <a:buFontTx/>
+                        <a:buNone/>
+                        <a:tabLst/>
+                      </a:pPr>
+                      <a:r>
+                        <a:rPr kumimoji="0" lang="en-US" sz="1100" u="none" strike="noStrike" cap="none" normalizeH="0" baseline="0" dirty="0">
+                          <a:ln>
+                            <a:noFill/>
+                          </a:ln>
+                          <a:effectLst/>
+                        </a:rPr>
+                        <a:t>Databases parts of states, transitions and test suites can be exported to an XML file but not the State machine diagram as whole. So interoperability is not achieved in this tool.  </a:t>
+                      </a:r>
+                      <a:endParaRPr kumimoji="0" lang="en-US" sz="1100" b="0" i="0" u="none" strike="noStrike" cap="none" normalizeH="0" baseline="0" dirty="0">
+                        <a:ln>
+                          <a:noFill/>
+                        </a:ln>
+                        <a:solidFill>
+                          <a:schemeClr val="tx1"/>
+                        </a:solidFill>
+                        <a:effectLst/>
+                        <a:latin typeface="Arial" charset="0"/>
+                        <a:ea typeface="MS PGothic" pitchFamily="34" charset="-128"/>
+                      </a:endParaRPr>
+                    </a:p>
+                  </a:txBody>
+                  <a:tcPr horzOverflow="overflow"/>
+                </a:tc>
+                <a:tc>
+                  <a:txBody>
+                    <a:bodyPr/>
+                    <a:lstStyle/>
+                    <a:p>
+                      <a:pPr marL="0" marR="0" lvl="0" indent="0" algn="l" defTabSz="914400" rtl="0" eaLnBrk="0" fontAlgn="base" latinLnBrk="0" hangingPunct="0">
+                        <a:lnSpc>
+                          <a:spcPct val="100000"/>
+                        </a:lnSpc>
+                        <a:spcBef>
+                          <a:spcPct val="0"/>
+                        </a:spcBef>
+                        <a:spcAft>
+                          <a:spcPct val="0"/>
+                        </a:spcAft>
+                        <a:buClrTx/>
+                        <a:buSzTx/>
+                        <a:buFontTx/>
+                        <a:buNone/>
+                        <a:tabLst/>
+                      </a:pPr>
+                      <a:r>
+                        <a:rPr kumimoji="0" lang="en-US" sz="1100" u="none" strike="noStrike" cap="none" normalizeH="0" baseline="0">
+                          <a:ln>
+                            <a:noFill/>
+                          </a:ln>
+                          <a:effectLst/>
+                        </a:rPr>
+                        <a:t>Fault Tolerance: Tool does not support this.  </a:t>
+                      </a:r>
+                      <a:endParaRPr kumimoji="0" lang="en-IN" sz="1100" u="none" strike="noStrike" cap="none" normalizeH="0" baseline="0">
+                        <a:ln>
+                          <a:noFill/>
+                        </a:ln>
+                        <a:effectLst/>
+                      </a:endParaRPr>
+                    </a:p>
+                    <a:p>
+                      <a:pPr marL="0" marR="0" lvl="0" indent="0" algn="l" defTabSz="914400" rtl="0" eaLnBrk="0" fontAlgn="base" latinLnBrk="0" hangingPunct="0">
+                        <a:lnSpc>
+                          <a:spcPct val="100000"/>
+                        </a:lnSpc>
+                        <a:spcBef>
+                          <a:spcPct val="0"/>
+                        </a:spcBef>
+                        <a:spcAft>
+                          <a:spcPct val="0"/>
+                        </a:spcAft>
+                        <a:buClrTx/>
+                        <a:buSzTx/>
+                        <a:buFontTx/>
+                        <a:buNone/>
+                        <a:tabLst/>
+                      </a:pPr>
+                      <a:r>
+                        <a:rPr kumimoji="0" lang="en-US" sz="1100" u="none" strike="noStrike" cap="none" normalizeH="0" baseline="0">
+                          <a:ln>
+                            <a:noFill/>
+                          </a:ln>
+                          <a:effectLst/>
+                        </a:rPr>
+                        <a:t>Recoverability: If the application crashes it can be recovered as data is stored locally. </a:t>
+                      </a:r>
+                      <a:endParaRPr kumimoji="0" lang="en-IN" sz="1100" b="0" i="0" u="none" strike="noStrike" cap="none" normalizeH="0" baseline="0">
+                        <a:ln>
+                          <a:noFill/>
+                        </a:ln>
+                        <a:solidFill>
+                          <a:schemeClr val="tx1"/>
+                        </a:solidFill>
+                        <a:effectLst/>
+                        <a:latin typeface="Times New Roman" pitchFamily="18" charset="0"/>
+                        <a:ea typeface="MS PGothic" pitchFamily="34" charset="-128"/>
+                        <a:cs typeface="Times New Roman" pitchFamily="18" charset="0"/>
+                      </a:endParaRPr>
+                    </a:p>
+                  </a:txBody>
+                  <a:tcPr horzOverflow="overflow"/>
+                </a:tc>
+                <a:tc>
+                  <a:txBody>
+                    <a:bodyPr/>
+                    <a:lstStyle/>
+                    <a:p>
+                      <a:pPr marL="0" marR="0" lvl="0" indent="0" algn="l" defTabSz="914400" rtl="0" eaLnBrk="0" fontAlgn="base" latinLnBrk="0" hangingPunct="0">
+                        <a:lnSpc>
+                          <a:spcPct val="100000"/>
+                        </a:lnSpc>
+                        <a:spcBef>
+                          <a:spcPct val="0"/>
+                        </a:spcBef>
+                        <a:spcAft>
+                          <a:spcPct val="0"/>
+                        </a:spcAft>
+                        <a:buClrTx/>
+                        <a:buSzTx/>
+                        <a:buFontTx/>
+                        <a:buNone/>
+                        <a:tabLst/>
+                      </a:pPr>
+                      <a:r>
+                        <a:rPr kumimoji="0" lang="en-US" sz="1100" u="none" strike="noStrike" cap="none" normalizeH="0" baseline="0">
+                          <a:ln>
+                            <a:noFill/>
+                          </a:ln>
+                          <a:effectLst/>
+                        </a:rPr>
+                        <a:t>Easy to operate with good GUI. But application does not support lower versions Microsoft word 2007.</a:t>
+                      </a:r>
+                      <a:endParaRPr kumimoji="0" lang="en-US" sz="1100" b="0" i="0" u="none" strike="noStrike" cap="none" normalizeH="0" baseline="0">
+                        <a:ln>
+                          <a:noFill/>
+                        </a:ln>
+                        <a:solidFill>
+                          <a:schemeClr val="tx1"/>
+                        </a:solidFill>
+                        <a:effectLst/>
+                        <a:latin typeface="Arial" charset="0"/>
+                        <a:ea typeface="MS PGothic" pitchFamily="34" charset="-128"/>
+                      </a:endParaRPr>
+                    </a:p>
+                  </a:txBody>
+                  <a:tcPr horzOverflow="overflow"/>
+                </a:tc>
+                <a:tc>
+                  <a:txBody>
+                    <a:bodyPr/>
+                    <a:lstStyle/>
+                    <a:p>
+                      <a:pPr marL="0" marR="0" lvl="0" indent="0" algn="l" defTabSz="914400" rtl="0" eaLnBrk="0" fontAlgn="base" latinLnBrk="0" hangingPunct="0">
+                        <a:lnSpc>
+                          <a:spcPct val="100000"/>
+                        </a:lnSpc>
+                        <a:spcBef>
+                          <a:spcPct val="0"/>
+                        </a:spcBef>
+                        <a:spcAft>
+                          <a:spcPct val="0"/>
+                        </a:spcAft>
+                        <a:buClrTx/>
+                        <a:buSzTx/>
+                        <a:buFontTx/>
+                        <a:buNone/>
+                        <a:tabLst/>
+                      </a:pPr>
+                      <a:r>
+                        <a:rPr kumimoji="0" lang="en-US" sz="1100" u="none" strike="noStrike" cap="none" normalizeH="0" baseline="0">
+                          <a:ln>
+                            <a:noFill/>
+                          </a:ln>
+                          <a:effectLst/>
+                        </a:rPr>
+                        <a:t>An efficient MBT tool supporting all phases  of MBT – modeling to result comparison  </a:t>
+                      </a:r>
+                      <a:endParaRPr kumimoji="0" lang="en-US" sz="1100" b="0" i="0" u="none" strike="noStrike" cap="none" normalizeH="0" baseline="0">
+                        <a:ln>
+                          <a:noFill/>
+                        </a:ln>
+                        <a:solidFill>
+                          <a:schemeClr val="tx1"/>
+                        </a:solidFill>
+                        <a:effectLst/>
+                        <a:latin typeface="Arial" charset="0"/>
+                        <a:ea typeface="MS PGothic" pitchFamily="34" charset="-128"/>
+                      </a:endParaRPr>
+                    </a:p>
+                  </a:txBody>
+                  <a:tcPr horzOverflow="overflow"/>
+                </a:tc>
+                <a:tc>
+                  <a:txBody>
+                    <a:bodyPr/>
+                    <a:lstStyle/>
+                    <a:p>
+                      <a:pPr marL="0" marR="0" lvl="0" indent="0" algn="l" defTabSz="914400" rtl="0" eaLnBrk="0" fontAlgn="base" latinLnBrk="0" hangingPunct="0">
+                        <a:lnSpc>
+                          <a:spcPct val="100000"/>
+                        </a:lnSpc>
+                        <a:spcBef>
+                          <a:spcPct val="0"/>
+                        </a:spcBef>
+                        <a:spcAft>
+                          <a:spcPct val="0"/>
+                        </a:spcAft>
+                        <a:buClrTx/>
+                        <a:buSzTx/>
+                        <a:buFontTx/>
+                        <a:buNone/>
+                        <a:tabLst/>
+                      </a:pPr>
+                      <a:r>
+                        <a:rPr kumimoji="0" lang="en-US" sz="1100" u="none" strike="noStrike" cap="none" normalizeH="0" baseline="0">
+                          <a:ln>
+                            <a:noFill/>
+                          </a:ln>
+                          <a:effectLst/>
+                        </a:rPr>
+                        <a:t>Easy to analyze the application behavior.  </a:t>
+                      </a:r>
+                      <a:endParaRPr kumimoji="0" lang="en-IN" sz="1100" u="none" strike="noStrike" cap="none" normalizeH="0" baseline="0">
+                        <a:ln>
+                          <a:noFill/>
+                        </a:ln>
+                        <a:effectLst/>
+                      </a:endParaRPr>
+                    </a:p>
+                    <a:p>
+                      <a:pPr marL="0" marR="0" lvl="0" indent="0" algn="l" defTabSz="914400" rtl="0" eaLnBrk="0" fontAlgn="base" latinLnBrk="0" hangingPunct="0">
+                        <a:lnSpc>
+                          <a:spcPct val="100000"/>
+                        </a:lnSpc>
+                        <a:spcBef>
+                          <a:spcPct val="0"/>
+                        </a:spcBef>
+                        <a:spcAft>
+                          <a:spcPct val="0"/>
+                        </a:spcAft>
+                        <a:buClrTx/>
+                        <a:buSzTx/>
+                        <a:buFontTx/>
+                        <a:buNone/>
+                        <a:tabLst/>
+                      </a:pPr>
+                      <a:r>
+                        <a:rPr kumimoji="0" lang="en-US" sz="1100" u="none" strike="noStrike" cap="none" normalizeH="0" baseline="0">
+                          <a:ln>
+                            <a:noFill/>
+                          </a:ln>
+                          <a:effectLst/>
+                        </a:rPr>
+                        <a:t>  </a:t>
+                      </a:r>
+                      <a:endParaRPr kumimoji="0" lang="en-US" sz="1100" b="0" i="0" u="none" strike="noStrike" cap="none" normalizeH="0" baseline="0">
+                        <a:ln>
+                          <a:noFill/>
+                        </a:ln>
+                        <a:solidFill>
+                          <a:schemeClr val="tx1"/>
+                        </a:solidFill>
+                        <a:effectLst/>
+                        <a:latin typeface="Arial" charset="0"/>
+                        <a:ea typeface="MS PGothic" pitchFamily="34" charset="-128"/>
+                      </a:endParaRPr>
+                    </a:p>
+                  </a:txBody>
+                  <a:tcPr horzOverflow="overflow"/>
+                </a:tc>
+                <a:tc>
+                  <a:txBody>
+                    <a:bodyPr/>
+                    <a:lstStyle/>
+                    <a:p>
+                      <a:pPr marL="0" marR="0" lvl="0" indent="0" algn="l" defTabSz="914400" rtl="0" eaLnBrk="0" fontAlgn="base" latinLnBrk="0" hangingPunct="0">
+                        <a:lnSpc>
+                          <a:spcPct val="100000"/>
+                        </a:lnSpc>
+                        <a:spcBef>
+                          <a:spcPct val="0"/>
+                        </a:spcBef>
+                        <a:spcAft>
+                          <a:spcPct val="0"/>
+                        </a:spcAft>
+                        <a:buClrTx/>
+                        <a:buSzTx/>
+                        <a:buFontTx/>
+                        <a:buNone/>
+                        <a:tabLst/>
+                      </a:pPr>
+                      <a:r>
+                        <a:rPr kumimoji="0" lang="en-US" sz="1100" u="none" strike="noStrike" cap="none" normalizeH="0" baseline="0">
+                          <a:ln>
+                            <a:noFill/>
+                          </a:ln>
+                          <a:effectLst/>
+                        </a:rPr>
+                        <a:t>Installability: </a:t>
+                      </a:r>
+                      <a:endParaRPr kumimoji="0" lang="en-IN" sz="1100" u="none" strike="noStrike" cap="none" normalizeH="0" baseline="0">
+                        <a:ln>
+                          <a:noFill/>
+                        </a:ln>
+                        <a:effectLst/>
+                      </a:endParaRPr>
+                    </a:p>
+                    <a:p>
+                      <a:pPr marL="0" marR="0" lvl="0" indent="0" algn="l" defTabSz="914400" rtl="0" eaLnBrk="0" fontAlgn="base" latinLnBrk="0" hangingPunct="0">
+                        <a:lnSpc>
+                          <a:spcPct val="100000"/>
+                        </a:lnSpc>
+                        <a:spcBef>
+                          <a:spcPct val="0"/>
+                        </a:spcBef>
+                        <a:spcAft>
+                          <a:spcPct val="0"/>
+                        </a:spcAft>
+                        <a:buClrTx/>
+                        <a:buSzTx/>
+                        <a:buFontTx/>
+                        <a:buNone/>
+                        <a:tabLst/>
+                      </a:pPr>
+                      <a:r>
+                        <a:rPr kumimoji="0" lang="en-US" sz="1100" u="none" strike="noStrike" cap="none" normalizeH="0" baseline="0">
+                          <a:ln>
+                            <a:noFill/>
+                          </a:ln>
+                          <a:effectLst/>
+                        </a:rPr>
+                        <a:t>Simple and Easy to install instructions are provided. </a:t>
+                      </a:r>
+                      <a:endParaRPr kumimoji="0" lang="en-US" sz="1100" b="0" i="0" u="none" strike="noStrike" cap="none" normalizeH="0" baseline="0">
+                        <a:ln>
+                          <a:noFill/>
+                        </a:ln>
+                        <a:solidFill>
+                          <a:schemeClr val="tx1"/>
+                        </a:solidFill>
+                        <a:effectLst/>
+                        <a:latin typeface="Arial" charset="0"/>
+                        <a:ea typeface="MS PGothic" pitchFamily="34" charset="-128"/>
+                      </a:endParaRPr>
+                    </a:p>
+                  </a:txBody>
+                  <a:tcPr horzOverflow="overflow"/>
+                </a:tc>
+                <a:tc>
+                  <a:txBody>
+                    <a:bodyPr/>
+                    <a:lstStyle/>
+                    <a:p>
+                      <a:pPr marL="0" marR="0" lvl="0" indent="0" algn="l" defTabSz="914400" rtl="0" eaLnBrk="0" fontAlgn="base" latinLnBrk="0" hangingPunct="0">
+                        <a:lnSpc>
+                          <a:spcPct val="100000"/>
+                        </a:lnSpc>
+                        <a:spcBef>
+                          <a:spcPct val="0"/>
+                        </a:spcBef>
+                        <a:spcAft>
+                          <a:spcPct val="0"/>
+                        </a:spcAft>
+                        <a:buClrTx/>
+                        <a:buSzTx/>
+                        <a:buFontTx/>
+                        <a:buNone/>
+                        <a:tabLst/>
+                      </a:pPr>
+                      <a:r>
+                        <a:rPr kumimoji="0" lang="en-US" sz="1100" u="none" strike="noStrike" cap="none" normalizeH="0" baseline="0">
+                          <a:ln>
+                            <a:noFill/>
+                          </a:ln>
+                          <a:effectLst/>
+                        </a:rPr>
+                        <a:t>Open Source </a:t>
+                      </a:r>
+                      <a:endParaRPr kumimoji="0" lang="en-US" sz="1100" b="0" i="0" u="none" strike="noStrike" cap="none" normalizeH="0" baseline="0">
+                        <a:ln>
+                          <a:noFill/>
+                        </a:ln>
+                        <a:solidFill>
+                          <a:schemeClr val="tx1"/>
+                        </a:solidFill>
+                        <a:effectLst/>
+                        <a:latin typeface="Arial" charset="0"/>
+                        <a:ea typeface="MS PGothic" pitchFamily="34" charset="-128"/>
+                      </a:endParaRPr>
+                    </a:p>
+                  </a:txBody>
+                  <a:tcPr horzOverflow="overflow"/>
+                </a:tc>
+                <a:extLst>
+                  <a:ext uri="{0D108BD9-81ED-4DB2-BD59-A6C34878D82A}">
+                    <a16:rowId xmlns:a16="http://schemas.microsoft.com/office/drawing/2014/main" val="10002"/>
+                  </a:ext>
+                </a:extLst>
+              </a:tr>
+              <a:tr h="1346200">
+                <a:tc>
+                  <a:txBody>
+                    <a:bodyPr/>
+                    <a:lstStyle/>
+                    <a:p>
+                      <a:pPr marL="0" marR="0" lvl="0" indent="0" algn="l" defTabSz="914400" rtl="0" eaLnBrk="0" fontAlgn="base" latinLnBrk="0" hangingPunct="0">
+                        <a:lnSpc>
+                          <a:spcPct val="100000"/>
+                        </a:lnSpc>
+                        <a:spcBef>
+                          <a:spcPct val="0"/>
+                        </a:spcBef>
+                        <a:spcAft>
+                          <a:spcPct val="0"/>
+                        </a:spcAft>
+                        <a:buClrTx/>
+                        <a:buSzTx/>
+                        <a:buFontTx/>
+                        <a:buNone/>
+                        <a:tabLst/>
+                      </a:pPr>
+                      <a:r>
+                        <a:rPr kumimoji="0" lang="en-US" sz="1100" u="none" strike="noStrike" cap="none" normalizeH="0" baseline="0">
+                          <a:ln>
+                            <a:noFill/>
+                          </a:ln>
+                          <a:effectLst/>
+                        </a:rPr>
+                        <a:t>Model J Unit </a:t>
+                      </a:r>
+                      <a:endParaRPr kumimoji="0" lang="en-US" sz="1100" b="1" i="0" u="none" strike="noStrike" cap="none" normalizeH="0" baseline="0">
+                        <a:ln>
+                          <a:noFill/>
+                        </a:ln>
+                        <a:solidFill>
+                          <a:schemeClr val="tx1"/>
+                        </a:solidFill>
+                        <a:effectLst/>
+                        <a:latin typeface="Arial" charset="0"/>
+                        <a:ea typeface="MS PGothic" pitchFamily="34" charset="-128"/>
+                      </a:endParaRPr>
+                    </a:p>
+                  </a:txBody>
+                  <a:tcPr horzOverflow="overflow"/>
+                </a:tc>
+                <a:tc>
+                  <a:txBody>
+                    <a:bodyPr/>
+                    <a:lstStyle/>
+                    <a:p>
+                      <a:pPr marL="0" marR="0" lvl="0" indent="0" algn="l" defTabSz="914400" rtl="0" eaLnBrk="0" fontAlgn="base" latinLnBrk="0" hangingPunct="0">
+                        <a:lnSpc>
+                          <a:spcPct val="100000"/>
+                        </a:lnSpc>
+                        <a:spcBef>
+                          <a:spcPct val="0"/>
+                        </a:spcBef>
+                        <a:spcAft>
+                          <a:spcPct val="0"/>
+                        </a:spcAft>
+                        <a:buClrTx/>
+                        <a:buSzTx/>
+                        <a:buFontTx/>
+                        <a:buNone/>
+                        <a:tabLst/>
+                      </a:pPr>
+                      <a:r>
+                        <a:rPr kumimoji="0" lang="en-US" sz="1100" u="none" strike="noStrike" cap="none" normalizeH="0" baseline="0">
+                          <a:ln>
+                            <a:noFill/>
+                          </a:ln>
+                          <a:effectLst/>
+                        </a:rPr>
+                        <a:t>There is a provision for user to add his new test generation algorithms.   </a:t>
+                      </a:r>
+                      <a:endParaRPr kumimoji="0" lang="en-US" sz="1100" b="0" i="0" u="none" strike="noStrike" cap="none" normalizeH="0" baseline="0">
+                        <a:ln>
+                          <a:noFill/>
+                        </a:ln>
+                        <a:solidFill>
+                          <a:schemeClr val="tx1"/>
+                        </a:solidFill>
+                        <a:effectLst/>
+                        <a:latin typeface="Arial" charset="0"/>
+                        <a:ea typeface="MS PGothic" pitchFamily="34" charset="-128"/>
+                      </a:endParaRPr>
+                    </a:p>
+                  </a:txBody>
+                  <a:tcPr horzOverflow="overflow"/>
+                </a:tc>
+                <a:tc>
+                  <a:txBody>
+                    <a:bodyPr/>
+                    <a:lstStyle/>
+                    <a:p>
+                      <a:pPr marL="0" marR="0" lvl="0" indent="0" algn="l" defTabSz="914400" rtl="0" eaLnBrk="0" fontAlgn="base" latinLnBrk="0" hangingPunct="0">
+                        <a:lnSpc>
+                          <a:spcPct val="100000"/>
+                        </a:lnSpc>
+                        <a:spcBef>
+                          <a:spcPct val="0"/>
+                        </a:spcBef>
+                        <a:spcAft>
+                          <a:spcPct val="0"/>
+                        </a:spcAft>
+                        <a:buClrTx/>
+                        <a:buSzTx/>
+                        <a:buFontTx/>
+                        <a:buNone/>
+                        <a:tabLst/>
+                      </a:pPr>
+                      <a:r>
+                        <a:rPr kumimoji="0" lang="en-US" sz="1100" u="none" strike="noStrike" cap="none" normalizeH="0" baseline="0">
+                          <a:ln>
+                            <a:noFill/>
+                          </a:ln>
+                          <a:effectLst/>
+                        </a:rPr>
+                        <a:t>Recoverability: If the application crashes it can be recovered as data is stored locally. </a:t>
+                      </a:r>
+                      <a:endParaRPr kumimoji="0" lang="en-IN" sz="1100" b="0" i="0" u="none" strike="noStrike" cap="none" normalizeH="0" baseline="0">
+                        <a:ln>
+                          <a:noFill/>
+                        </a:ln>
+                        <a:solidFill>
+                          <a:schemeClr val="tx1"/>
+                        </a:solidFill>
+                        <a:effectLst/>
+                        <a:latin typeface="Times New Roman" pitchFamily="18" charset="0"/>
+                        <a:ea typeface="MS PGothic" pitchFamily="34" charset="-128"/>
+                        <a:cs typeface="Times New Roman" pitchFamily="18" charset="0"/>
+                      </a:endParaRPr>
+                    </a:p>
+                  </a:txBody>
+                  <a:tcPr horzOverflow="overflow"/>
+                </a:tc>
+                <a:tc>
+                  <a:txBody>
+                    <a:bodyPr/>
+                    <a:lstStyle/>
+                    <a:p>
+                      <a:pPr marL="0" marR="0" lvl="0" indent="0" algn="l" defTabSz="914400" rtl="0" eaLnBrk="0" fontAlgn="base" latinLnBrk="0" hangingPunct="0">
+                        <a:lnSpc>
+                          <a:spcPct val="100000"/>
+                        </a:lnSpc>
+                        <a:spcBef>
+                          <a:spcPct val="0"/>
+                        </a:spcBef>
+                        <a:spcAft>
+                          <a:spcPct val="0"/>
+                        </a:spcAft>
+                        <a:buClrTx/>
+                        <a:buSzTx/>
+                        <a:buFontTx/>
+                        <a:buNone/>
+                        <a:tabLst/>
+                      </a:pPr>
+                      <a:r>
+                        <a:rPr kumimoji="0" lang="en-US" sz="1100" u="none" strike="noStrike" cap="none" normalizeH="0" baseline="0">
+                          <a:ln>
+                            <a:noFill/>
+                          </a:ln>
+                          <a:effectLst/>
+                        </a:rPr>
+                        <a:t>GUI that is downloaded from internet is not working </a:t>
+                      </a:r>
+                      <a:endParaRPr kumimoji="0" lang="en-US" sz="1100" b="0" i="0" u="none" strike="noStrike" cap="none" normalizeH="0" baseline="0">
+                        <a:ln>
+                          <a:noFill/>
+                        </a:ln>
+                        <a:solidFill>
+                          <a:schemeClr val="tx1"/>
+                        </a:solidFill>
+                        <a:effectLst/>
+                        <a:latin typeface="Arial" charset="0"/>
+                        <a:ea typeface="MS PGothic" pitchFamily="34" charset="-128"/>
+                      </a:endParaRPr>
+                    </a:p>
+                  </a:txBody>
+                  <a:tcPr horzOverflow="overflow"/>
+                </a:tc>
+                <a:tc>
+                  <a:txBody>
+                    <a:bodyPr/>
+                    <a:lstStyle/>
+                    <a:p>
+                      <a:pPr marL="0" marR="0" lvl="0" indent="0" algn="l" defTabSz="914400" rtl="0" eaLnBrk="0" fontAlgn="base" latinLnBrk="0" hangingPunct="0">
+                        <a:lnSpc>
+                          <a:spcPct val="100000"/>
+                        </a:lnSpc>
+                        <a:spcBef>
+                          <a:spcPct val="0"/>
+                        </a:spcBef>
+                        <a:spcAft>
+                          <a:spcPct val="0"/>
+                        </a:spcAft>
+                        <a:buClrTx/>
+                        <a:buSzTx/>
+                        <a:buFontTx/>
+                        <a:buNone/>
+                        <a:tabLst/>
+                      </a:pPr>
+                      <a:r>
+                        <a:rPr kumimoji="0" lang="en-US" sz="1100" u="none" strike="noStrike" cap="none" normalizeH="0" baseline="0">
+                          <a:ln>
+                            <a:noFill/>
+                          </a:ln>
+                          <a:effectLst/>
+                        </a:rPr>
+                        <a:t>Supports all phases of MBT </a:t>
+                      </a:r>
+                      <a:endParaRPr kumimoji="0" lang="en-US" sz="1100" b="0" i="0" u="none" strike="noStrike" cap="none" normalizeH="0" baseline="0">
+                        <a:ln>
+                          <a:noFill/>
+                        </a:ln>
+                        <a:solidFill>
+                          <a:schemeClr val="tx1"/>
+                        </a:solidFill>
+                        <a:effectLst/>
+                        <a:latin typeface="Arial" charset="0"/>
+                        <a:ea typeface="MS PGothic" pitchFamily="34" charset="-128"/>
+                      </a:endParaRPr>
+                    </a:p>
+                  </a:txBody>
+                  <a:tcPr horzOverflow="overflow"/>
+                </a:tc>
+                <a:tc>
+                  <a:txBody>
+                    <a:bodyPr/>
+                    <a:lstStyle/>
+                    <a:p>
+                      <a:pPr marL="0" marR="0" lvl="0" indent="0" algn="l" defTabSz="914400" rtl="0" eaLnBrk="0" fontAlgn="base" latinLnBrk="0" hangingPunct="0">
+                        <a:lnSpc>
+                          <a:spcPct val="100000"/>
+                        </a:lnSpc>
+                        <a:spcBef>
+                          <a:spcPct val="0"/>
+                        </a:spcBef>
+                        <a:spcAft>
+                          <a:spcPct val="0"/>
+                        </a:spcAft>
+                        <a:buClrTx/>
+                        <a:buSzTx/>
+                        <a:buFontTx/>
+                        <a:buNone/>
+                        <a:tabLst/>
+                      </a:pPr>
+                      <a:r>
+                        <a:rPr kumimoji="0" lang="en-US" sz="1100" u="none" strike="noStrike" cap="none" normalizeH="0" baseline="0">
+                          <a:ln>
+                            <a:noFill/>
+                          </a:ln>
+                          <a:effectLst/>
+                        </a:rPr>
+                        <a:t>Since GUI is not working we could not analyze the entire application.</a:t>
+                      </a:r>
+                      <a:endParaRPr kumimoji="0" lang="en-US" sz="1100" b="0" i="0" u="none" strike="noStrike" cap="none" normalizeH="0" baseline="0">
+                        <a:ln>
+                          <a:noFill/>
+                        </a:ln>
+                        <a:solidFill>
+                          <a:schemeClr val="tx1"/>
+                        </a:solidFill>
+                        <a:effectLst/>
+                        <a:latin typeface="Arial" charset="0"/>
+                        <a:ea typeface="MS PGothic" pitchFamily="34" charset="-128"/>
+                      </a:endParaRPr>
+                    </a:p>
+                  </a:txBody>
+                  <a:tcPr horzOverflow="overflow"/>
+                </a:tc>
+                <a:tc>
+                  <a:txBody>
+                    <a:bodyPr/>
+                    <a:lstStyle/>
+                    <a:p>
+                      <a:pPr marL="0" marR="0" lvl="0" indent="0" algn="l" defTabSz="914400" rtl="0" eaLnBrk="0" fontAlgn="base" latinLnBrk="0" hangingPunct="0">
+                        <a:lnSpc>
+                          <a:spcPct val="100000"/>
+                        </a:lnSpc>
+                        <a:spcBef>
+                          <a:spcPct val="0"/>
+                        </a:spcBef>
+                        <a:spcAft>
+                          <a:spcPct val="0"/>
+                        </a:spcAft>
+                        <a:buClrTx/>
+                        <a:buSzTx/>
+                        <a:buFontTx/>
+                        <a:buNone/>
+                        <a:tabLst/>
+                      </a:pPr>
+                      <a:r>
+                        <a:rPr kumimoji="0" lang="en-US" sz="1100" u="none" strike="noStrike" cap="none" normalizeH="0" baseline="0">
+                          <a:ln>
+                            <a:noFill/>
+                          </a:ln>
+                          <a:effectLst/>
+                        </a:rPr>
+                        <a:t>Installability: </a:t>
+                      </a:r>
+                      <a:endParaRPr kumimoji="0" lang="en-IN" sz="1100" u="none" strike="noStrike" cap="none" normalizeH="0" baseline="0">
+                        <a:ln>
+                          <a:noFill/>
+                        </a:ln>
+                        <a:effectLst/>
+                      </a:endParaRPr>
+                    </a:p>
+                    <a:p>
+                      <a:pPr marL="0" marR="0" lvl="0" indent="0" algn="l" defTabSz="914400" rtl="0" eaLnBrk="0" fontAlgn="base" latinLnBrk="0" hangingPunct="0">
+                        <a:lnSpc>
+                          <a:spcPct val="100000"/>
+                        </a:lnSpc>
+                        <a:spcBef>
+                          <a:spcPct val="0"/>
+                        </a:spcBef>
+                        <a:spcAft>
+                          <a:spcPct val="0"/>
+                        </a:spcAft>
+                        <a:buClrTx/>
+                        <a:buSzTx/>
+                        <a:buFontTx/>
+                        <a:buNone/>
+                        <a:tabLst/>
+                      </a:pPr>
+                      <a:r>
+                        <a:rPr kumimoji="0" lang="en-US" sz="1100" u="none" strike="noStrike" cap="none" normalizeH="0" baseline="0">
+                          <a:ln>
+                            <a:noFill/>
+                          </a:ln>
+                          <a:effectLst/>
+                        </a:rPr>
+                        <a:t>Easy </a:t>
+                      </a:r>
+                      <a:endParaRPr kumimoji="0" lang="en-US" sz="1100" b="0" i="0" u="none" strike="noStrike" cap="none" normalizeH="0" baseline="0">
+                        <a:ln>
+                          <a:noFill/>
+                        </a:ln>
+                        <a:solidFill>
+                          <a:schemeClr val="tx1"/>
+                        </a:solidFill>
+                        <a:effectLst/>
+                        <a:latin typeface="Arial" charset="0"/>
+                        <a:ea typeface="MS PGothic" pitchFamily="34" charset="-128"/>
+                      </a:endParaRPr>
+                    </a:p>
+                  </a:txBody>
+                  <a:tcPr horzOverflow="overflow"/>
+                </a:tc>
+                <a:tc>
+                  <a:txBody>
+                    <a:bodyPr/>
+                    <a:lstStyle/>
+                    <a:p>
+                      <a:pPr marL="0" marR="0" lvl="0" indent="0" algn="l" defTabSz="914400" rtl="0" eaLnBrk="0" fontAlgn="base" latinLnBrk="0" hangingPunct="0">
+                        <a:lnSpc>
+                          <a:spcPct val="100000"/>
+                        </a:lnSpc>
+                        <a:spcBef>
+                          <a:spcPct val="0"/>
+                        </a:spcBef>
+                        <a:spcAft>
+                          <a:spcPct val="0"/>
+                        </a:spcAft>
+                        <a:buClrTx/>
+                        <a:buSzTx/>
+                        <a:buFontTx/>
+                        <a:buNone/>
+                        <a:tabLst/>
+                      </a:pPr>
+                      <a:r>
+                        <a:rPr kumimoji="0" lang="en-US" sz="1100" u="none" strike="noStrike" cap="none" normalizeH="0" baseline="0" dirty="0">
+                          <a:ln>
+                            <a:noFill/>
+                          </a:ln>
+                          <a:effectLst/>
+                        </a:rPr>
+                        <a:t>Open source</a:t>
+                      </a:r>
+                      <a:endParaRPr kumimoji="0" lang="en-US" sz="1100" b="0" i="0" u="none" strike="noStrike" cap="none" normalizeH="0" baseline="0" dirty="0">
+                        <a:ln>
+                          <a:noFill/>
+                        </a:ln>
+                        <a:solidFill>
+                          <a:schemeClr val="tx1"/>
+                        </a:solidFill>
+                        <a:effectLst/>
+                        <a:latin typeface="Arial" charset="0"/>
+                        <a:ea typeface="MS PGothic" pitchFamily="34" charset="-128"/>
+                      </a:endParaRPr>
+                    </a:p>
+                  </a:txBody>
+                  <a:tcPr horzOverflow="overflow"/>
+                </a:tc>
+                <a:extLst>
+                  <a:ext uri="{0D108BD9-81ED-4DB2-BD59-A6C34878D82A}">
+                    <a16:rowId xmlns:a16="http://schemas.microsoft.com/office/drawing/2014/main" val="10003"/>
+                  </a:ext>
+                </a:extLst>
+              </a:tr>
+            </a:tbl>
+          </a:graphicData>
+        </a:graphic>
+      </p:graphicFrame>
+    </p:spTree>
+    <p:extLst>
+      <p:ext uri="{BB962C8B-B14F-4D97-AF65-F5344CB8AC3E}">
+        <p14:creationId xmlns:p14="http://schemas.microsoft.com/office/powerpoint/2010/main" val="2811641696"/>
+      </p:ext>
+    </p:extLst>
+  </p:cSld>
+  <p:clrMapOvr>
+    <a:masterClrMapping/>
+  </p:clrMapOvr>
+  <mc:AlternateContent xmlns:mc="http://schemas.openxmlformats.org/markup-compatibility/2006" xmlns:p14="http://schemas.microsoft.com/office/powerpoint/2010/main">
+    <mc:Choice Requires="p14">
+      <p:transition spd="med" p14:dur="700">
+        <p:fade/>
+      </p:transition>
+    </mc:Choice>
+    <mc:Fallback xmlns="">
+      <p:transition spd="med">
+        <p:fade/>
+      </p:transition>
+    </mc:Fallback>
+  </mc:AlternateContent>
+</p:sld>
+</file>
+
+<file path=ppt/slides/slide13.xml><?xml version="1.0" encoding="utf-8"?>
+<p:sld xmlns:a="http://schemas.openxmlformats.org/drawingml/2006/main" xmlns:r="http://schemas.openxmlformats.org/officeDocument/2006/relationships" xmlns:p="http://schemas.openxmlformats.org/presentationml/2006/main">
+  <p:cSld>
+    <p:spTree>
+      <p:nvGrpSpPr>
+        <p:cNvPr id="1" name=""/>
+        <p:cNvGrpSpPr/>
+        <p:nvPr/>
+      </p:nvGrpSpPr>
+      <p:grpSpPr>
+        <a:xfrm>
+          <a:off x="0" y="0"/>
+          <a:ext cx="0" cy="0"/>
+          <a:chOff x="0" y="0"/>
+          <a:chExt cx="0" cy="0"/>
+        </a:xfrm>
+      </p:grpSpPr>
+      <p:sp>
+        <p:nvSpPr>
+          <p:cNvPr id="13" name="Title 12"/>
+          <p:cNvSpPr>
+            <a:spLocks noGrp="1"/>
+          </p:cNvSpPr>
+          <p:nvPr>
+            <p:ph type="title"/>
+          </p:nvPr>
+        </p:nvSpPr>
+        <p:spPr/>
+        <p:txBody>
+          <a:bodyPr/>
+          <a:lstStyle/>
+          <a:p>
+            <a:r>
               <a:rPr lang="en-US"/>
               <a:t>Which tool I use?</a:t>
             </a:r>
@@ -8706,7 +13074,7 @@
 </p:sld>
 </file>
 
-<file path=ppt/slides/slide12.xml><?xml version="1.0" encoding="utf-8"?>
+<file path=ppt/slides/slide14.xml><?xml version="1.0" encoding="utf-8"?>
 <p:sld xmlns:a="http://schemas.openxmlformats.org/drawingml/2006/main" xmlns:r="http://schemas.openxmlformats.org/officeDocument/2006/relationships" xmlns:p="http://schemas.openxmlformats.org/presentationml/2006/main">
   <p:cSld>
     <p:spTree>
@@ -8826,7 +13194,7 @@
             </a:r>
             <a:r>
               <a:rPr lang="en-US" sz="2000" dirty="0"/>
-              <a:t> – 03 December 2016</a:t>
+              <a:t> – 02 December 2016</a:t>
             </a:r>
           </a:p>
         </p:txBody>
@@ -8921,7 +13289,7 @@
 </p:sld>
 </file>
 
-<file path=ppt/slides/slide13.xml><?xml version="1.0" encoding="utf-8"?>
+<file path=ppt/slides/slide15.xml><?xml version="1.0" encoding="utf-8"?>
 <p:sld xmlns:a="http://schemas.openxmlformats.org/drawingml/2006/main" xmlns:r="http://schemas.openxmlformats.org/officeDocument/2006/relationships" xmlns:p="http://schemas.openxmlformats.org/presentationml/2006/main">
   <p:cSld>
     <p:spTree>
@@ -9040,7 +13408,7 @@
             </a:r>
             <a:r>
               <a:rPr lang="en-US" sz="2000" dirty="0"/>
-              <a:t> – 03 December 2016</a:t>
+              <a:t> – 02 December 2016</a:t>
             </a:r>
           </a:p>
         </p:txBody>
@@ -9111,7 +13479,7 @@
 </p:sld>
 </file>
 
-<file path=ppt/slides/slide2.xml><?xml version="1.0" encoding="utf-8"?>
+<file path=ppt/slides/slide16.xml><?xml version="1.0" encoding="utf-8"?>
 <p:sld xmlns:a="http://schemas.openxmlformats.org/drawingml/2006/main" xmlns:r="http://schemas.openxmlformats.org/officeDocument/2006/relationships" xmlns:p="http://schemas.openxmlformats.org/presentationml/2006/main">
   <p:cSld>
     <p:spTree>
@@ -9145,59 +13513,7 @@
           <a:p>
             <a:r>
               <a:rPr lang="en-US" dirty="0"/>
-              <a:t>Model-based testing</a:t>
-            </a:r>
-          </a:p>
-        </p:txBody>
-      </p:sp>
-      <p:sp>
-        <p:nvSpPr>
-          <p:cNvPr id="14" name="Content Placeholder 13"/>
-          <p:cNvSpPr>
-            <a:spLocks noGrp="1"/>
-          </p:cNvSpPr>
-          <p:nvPr>
-            <p:ph idx="1"/>
-          </p:nvPr>
-        </p:nvSpPr>
-        <p:spPr/>
-        <p:txBody>
-          <a:bodyPr/>
-          <a:lstStyle/>
-          <a:p>
-            <a:r>
-              <a:rPr lang="en-US" dirty="0"/>
-              <a:t>What is model-based testing?</a:t>
-            </a:r>
-          </a:p>
-          <a:p>
-            <a:r>
-              <a:rPr lang="en-US" dirty="0"/>
-              <a:t>Why is this used?</a:t>
-            </a:r>
-          </a:p>
-          <a:p>
-            <a:r>
-              <a:rPr lang="en-US" dirty="0"/>
-              <a:t>What is the model?</a:t>
-            </a:r>
-          </a:p>
-          <a:p>
-            <a:r>
-              <a:rPr lang="en-US" dirty="0"/>
-              <a:t>Which tool I use?</a:t>
-            </a:r>
-          </a:p>
-          <a:p>
-            <a:r>
-              <a:rPr lang="en-US" dirty="0"/>
               <a:t>Exercise demonstration</a:t>
-            </a:r>
-          </a:p>
-          <a:p>
-            <a:r>
-              <a:rPr lang="en-US" dirty="0"/>
-              <a:t>Now is your turn</a:t>
             </a:r>
           </a:p>
         </p:txBody>
@@ -9254,7 +13570,928 @@
             </a:r>
             <a:r>
               <a:rPr lang="en-US" sz="2000" dirty="0"/>
-              <a:t> – 03 December 2016</a:t>
+              <a:t> – 02 December 2016</a:t>
+            </a:r>
+          </a:p>
+        </p:txBody>
+      </p:sp>
+      <p:pic>
+        <p:nvPicPr>
+          <p:cNvPr id="3" name="Picture 2"/>
+          <p:cNvPicPr>
+            <a:picLocks noChangeAspect="1"/>
+          </p:cNvPicPr>
+          <p:nvPr/>
+        </p:nvPicPr>
+        <p:blipFill>
+          <a:blip r:embed="rId2"/>
+          <a:stretch>
+            <a:fillRect/>
+          </a:stretch>
+        </p:blipFill>
+        <p:spPr>
+          <a:xfrm>
+            <a:off x="693812" y="1628800"/>
+            <a:ext cx="11106150" cy="4543425"/>
+          </a:xfrm>
+          <a:prstGeom prst="rect">
+            <a:avLst/>
+          </a:prstGeom>
+        </p:spPr>
+      </p:pic>
+    </p:spTree>
+    <p:extLst>
+      <p:ext uri="{BB962C8B-B14F-4D97-AF65-F5344CB8AC3E}">
+        <p14:creationId xmlns:p14="http://schemas.microsoft.com/office/powerpoint/2010/main" val="3674910467"/>
+      </p:ext>
+    </p:extLst>
+  </p:cSld>
+  <p:clrMapOvr>
+    <a:masterClrMapping/>
+  </p:clrMapOvr>
+  <mc:AlternateContent xmlns:mc="http://schemas.openxmlformats.org/markup-compatibility/2006" xmlns:p14="http://schemas.microsoft.com/office/powerpoint/2010/main">
+    <mc:Choice Requires="p14">
+      <p:transition spd="med" p14:dur="700">
+        <p:fade/>
+      </p:transition>
+    </mc:Choice>
+    <mc:Fallback xmlns="">
+      <p:transition spd="med">
+        <p:fade/>
+      </p:transition>
+    </mc:Fallback>
+  </mc:AlternateContent>
+</p:sld>
+</file>
+
+<file path=ppt/slides/slide17.xml><?xml version="1.0" encoding="utf-8"?>
+<p:sld xmlns:a="http://schemas.openxmlformats.org/drawingml/2006/main" xmlns:r="http://schemas.openxmlformats.org/officeDocument/2006/relationships" xmlns:p="http://schemas.openxmlformats.org/presentationml/2006/main">
+  <p:cSld>
+    <p:spTree>
+      <p:nvGrpSpPr>
+        <p:cNvPr id="1" name=""/>
+        <p:cNvGrpSpPr/>
+        <p:nvPr/>
+      </p:nvGrpSpPr>
+      <p:grpSpPr>
+        <a:xfrm>
+          <a:off x="0" y="0"/>
+          <a:ext cx="0" cy="0"/>
+          <a:chOff x="0" y="0"/>
+          <a:chExt cx="0" cy="0"/>
+        </a:xfrm>
+      </p:grpSpPr>
+      <p:sp>
+        <p:nvSpPr>
+          <p:cNvPr id="2" name="Title 1"/>
+          <p:cNvSpPr>
+            <a:spLocks noGrp="1"/>
+          </p:cNvSpPr>
+          <p:nvPr>
+            <p:ph type="title"/>
+          </p:nvPr>
+        </p:nvSpPr>
+        <p:spPr/>
+        <p:txBody>
+          <a:bodyPr/>
+          <a:lstStyle/>
+          <a:p>
+            <a:r>
+              <a:rPr lang="en-US" dirty="0"/>
+              <a:t>Now is your turn</a:t>
+            </a:r>
+            <a:r>
+              <a:rPr lang="en-US" spc="-1" dirty="0">
+                <a:solidFill>
+                  <a:srgbClr val="FFFFFF"/>
+                </a:solidFill>
+                <a:uFill>
+                  <a:solidFill>
+                    <a:srgbClr val="FFFFFF"/>
+                  </a:solidFill>
+                </a:uFill>
+              </a:rPr>
+              <a:t> – Civil State | </a:t>
+            </a:r>
+            <a:r>
+              <a:rPr lang="en-US" spc="-1" dirty="0" err="1">
+                <a:solidFill>
+                  <a:srgbClr val="FFFFFF"/>
+                </a:solidFill>
+                <a:uFill>
+                  <a:solidFill>
+                    <a:srgbClr val="FFFFFF"/>
+                  </a:solidFill>
+                </a:uFill>
+              </a:rPr>
+              <a:t>GraphWalker</a:t>
+            </a:r>
+            <a:endParaRPr lang="pt-PT" dirty="0"/>
+          </a:p>
+        </p:txBody>
+      </p:sp>
+      <p:sp>
+        <p:nvSpPr>
+          <p:cNvPr id="4" name="Content Placeholder 3"/>
+          <p:cNvSpPr>
+            <a:spLocks noGrp="1"/>
+          </p:cNvSpPr>
+          <p:nvPr>
+            <p:ph sz="half" idx="2"/>
+          </p:nvPr>
+        </p:nvSpPr>
+        <p:spPr/>
+        <p:txBody>
+          <a:bodyPr/>
+          <a:lstStyle/>
+          <a:p>
+            <a:pPr marL="216000" indent="-216000">
+              <a:buClr>
+                <a:srgbClr val="FFFFFF"/>
+              </a:buClr>
+              <a:buFont typeface="StarSymbol"/>
+              <a:buAutoNum type="arabicParenR"/>
+            </a:pPr>
+            <a:endParaRPr lang="en-US" spc="-1" dirty="0">
+              <a:solidFill>
+                <a:srgbClr val="FFFFFF"/>
+              </a:solidFill>
+              <a:uFill>
+                <a:solidFill>
+                  <a:srgbClr val="FFFFFF"/>
+                </a:solidFill>
+              </a:uFill>
+              <a:latin typeface="Arial"/>
+            </a:endParaRPr>
+          </a:p>
+          <a:p>
+            <a:pPr marL="216000" indent="-216000">
+              <a:buClr>
+                <a:srgbClr val="FFFFFF"/>
+              </a:buClr>
+              <a:buFont typeface="StarSymbol"/>
+              <a:buAutoNum type="arabicParenR"/>
+            </a:pPr>
+            <a:r>
+              <a:rPr lang="en-US" spc="-1" dirty="0">
+                <a:solidFill>
+                  <a:srgbClr val="FFFFFF"/>
+                </a:solidFill>
+                <a:uFill>
+                  <a:solidFill>
+                    <a:srgbClr val="FFFFFF"/>
+                  </a:solidFill>
+                </a:uFill>
+                <a:latin typeface="Arial"/>
+              </a:rPr>
+              <a:t> Using the file GraphWalkerTestIntro.java.</a:t>
+            </a:r>
+          </a:p>
+          <a:p>
+            <a:pPr marL="216000" indent="-216000">
+              <a:buClr>
+                <a:srgbClr val="FFFFFF"/>
+              </a:buClr>
+              <a:buFont typeface="StarSymbol"/>
+              <a:buAutoNum type="arabicParenR"/>
+            </a:pPr>
+            <a:r>
+              <a:rPr lang="en-US" spc="-1" dirty="0">
+                <a:solidFill>
+                  <a:srgbClr val="FFFFFF"/>
+                </a:solidFill>
+                <a:uFill>
+                  <a:solidFill>
+                    <a:srgbClr val="FFFFFF"/>
+                  </a:solidFill>
+                </a:uFill>
+                <a:latin typeface="Arial"/>
+              </a:rPr>
+              <a:t> Create a State Diagram.</a:t>
+            </a:r>
+          </a:p>
+          <a:p>
+            <a:pPr marL="216000" indent="-216000">
+              <a:buClr>
+                <a:srgbClr val="FFFFFF"/>
+              </a:buClr>
+              <a:buFont typeface="StarSymbol"/>
+              <a:buAutoNum type="arabicParenR"/>
+            </a:pPr>
+            <a:r>
+              <a:rPr lang="en-US" spc="-1" dirty="0">
+                <a:solidFill>
+                  <a:srgbClr val="FFFFFF"/>
+                </a:solidFill>
+                <a:uFill>
+                  <a:solidFill>
+                    <a:srgbClr val="FFFFFF"/>
+                  </a:solidFill>
+                </a:uFill>
+                <a:latin typeface="Arial"/>
+              </a:rPr>
+              <a:t> Run tests: Vertex Coverage.</a:t>
+            </a:r>
+          </a:p>
+          <a:p>
+            <a:pPr marL="216000" indent="-216000">
+              <a:buClr>
+                <a:srgbClr val="FFFFFF"/>
+              </a:buClr>
+              <a:buFont typeface="StarSymbol"/>
+              <a:buAutoNum type="arabicParenR"/>
+            </a:pPr>
+            <a:r>
+              <a:rPr lang="en-US" spc="-1" dirty="0">
+                <a:solidFill>
+                  <a:srgbClr val="FFFFFF"/>
+                </a:solidFill>
+                <a:uFill>
+                  <a:solidFill>
+                    <a:srgbClr val="FFFFFF"/>
+                  </a:solidFill>
+                </a:uFill>
+                <a:latin typeface="Arial"/>
+              </a:rPr>
+              <a:t> Run tests: Edge Coverage.</a:t>
+            </a:r>
+          </a:p>
+          <a:p>
+            <a:endParaRPr lang="pt-PT" dirty="0"/>
+          </a:p>
+        </p:txBody>
+      </p:sp>
+      <p:pic>
+        <p:nvPicPr>
+          <p:cNvPr id="7" name="Content Placeholder 6"/>
+          <p:cNvPicPr>
+            <a:picLocks noGrp="1"/>
+          </p:cNvPicPr>
+          <p:nvPr>
+            <p:ph sz="half" idx="1"/>
+          </p:nvPr>
+        </p:nvPicPr>
+        <p:blipFill>
+          <a:blip r:embed="rId2"/>
+          <a:stretch/>
+        </p:blipFill>
+        <p:spPr>
+          <a:xfrm>
+            <a:off x="1219200" y="2599514"/>
+            <a:ext cx="5078413" cy="2679735"/>
+          </a:xfrm>
+          <a:prstGeom prst="rect">
+            <a:avLst/>
+          </a:prstGeom>
+          <a:ln>
+            <a:noFill/>
+          </a:ln>
+        </p:spPr>
+      </p:pic>
+      <p:sp>
+        <p:nvSpPr>
+          <p:cNvPr id="8" name="Title 12"/>
+          <p:cNvSpPr txBox="1">
+            <a:spLocks/>
+          </p:cNvSpPr>
+          <p:nvPr/>
+        </p:nvSpPr>
+        <p:spPr>
+          <a:xfrm>
+            <a:off x="6526460" y="6597352"/>
+            <a:ext cx="5760640" cy="346051"/>
+          </a:xfrm>
+          <a:prstGeom prst="rect">
+            <a:avLst/>
+          </a:prstGeom>
+        </p:spPr>
+        <p:txBody>
+          <a:bodyPr vert="horz" lIns="121899" tIns="60949" rIns="121899" bIns="60949" rtlCol="0" anchor="b">
+            <a:noAutofit/>
+          </a:bodyPr>
+          <a:lstStyle>
+            <a:lvl1pPr algn="l" defTabSz="1218987" rtl="0" eaLnBrk="1" latinLnBrk="0" hangingPunct="1">
+              <a:lnSpc>
+                <a:spcPct val="90000"/>
+              </a:lnSpc>
+              <a:spcBef>
+                <a:spcPct val="0"/>
+              </a:spcBef>
+              <a:buNone/>
+              <a:defRPr sz="5400" kern="1200">
+                <a:solidFill>
+                  <a:schemeClr val="tx1"/>
+                </a:solidFill>
+                <a:latin typeface="+mj-lt"/>
+                <a:ea typeface="+mj-ea"/>
+                <a:cs typeface="+mj-cs"/>
+              </a:defRPr>
+            </a:lvl1pPr>
+          </a:lstStyle>
+          <a:p>
+            <a:pPr algn="ctr"/>
+            <a:r>
+              <a:rPr lang="en-US" sz="2000" dirty="0"/>
+              <a:t>José Esteves e Ricardo </a:t>
+            </a:r>
+            <a:r>
+              <a:rPr lang="en-US" sz="2000" dirty="0" err="1"/>
+              <a:t>Malafaya</a:t>
+            </a:r>
+            <a:r>
+              <a:rPr lang="en-US" sz="2000" dirty="0"/>
+              <a:t> – 02 December 2016</a:t>
+            </a:r>
+          </a:p>
+        </p:txBody>
+      </p:sp>
+    </p:spTree>
+    <p:extLst>
+      <p:ext uri="{BB962C8B-B14F-4D97-AF65-F5344CB8AC3E}">
+        <p14:creationId xmlns:p14="http://schemas.microsoft.com/office/powerpoint/2010/main" val="3526076794"/>
+      </p:ext>
+    </p:extLst>
+  </p:cSld>
+  <p:clrMapOvr>
+    <a:masterClrMapping/>
+  </p:clrMapOvr>
+  <mc:AlternateContent xmlns:mc="http://schemas.openxmlformats.org/markup-compatibility/2006" xmlns:p14="http://schemas.microsoft.com/office/powerpoint/2010/main">
+    <mc:Choice Requires="p14">
+      <p:transition spd="med" p14:dur="700">
+        <p:fade/>
+      </p:transition>
+    </mc:Choice>
+    <mc:Fallback xmlns="">
+      <p:transition spd="med">
+        <p:fade/>
+      </p:transition>
+    </mc:Fallback>
+  </mc:AlternateContent>
+</p:sld>
+</file>
+
+<file path=ppt/slides/slide18.xml><?xml version="1.0" encoding="utf-8"?>
+<p:sld xmlns:a="http://schemas.openxmlformats.org/drawingml/2006/main" xmlns:r="http://schemas.openxmlformats.org/officeDocument/2006/relationships" xmlns:p="http://schemas.openxmlformats.org/presentationml/2006/main">
+  <p:cSld>
+    <p:spTree>
+      <p:nvGrpSpPr>
+        <p:cNvPr id="1" name=""/>
+        <p:cNvGrpSpPr/>
+        <p:nvPr/>
+      </p:nvGrpSpPr>
+      <p:grpSpPr>
+        <a:xfrm>
+          <a:off x="0" y="0"/>
+          <a:ext cx="0" cy="0"/>
+          <a:chOff x="0" y="0"/>
+          <a:chExt cx="0" cy="0"/>
+        </a:xfrm>
+      </p:grpSpPr>
+      <p:sp>
+        <p:nvSpPr>
+          <p:cNvPr id="2" name="Title 1"/>
+          <p:cNvSpPr>
+            <a:spLocks noGrp="1"/>
+          </p:cNvSpPr>
+          <p:nvPr>
+            <p:ph type="title"/>
+          </p:nvPr>
+        </p:nvSpPr>
+        <p:spPr/>
+        <p:txBody>
+          <a:bodyPr/>
+          <a:lstStyle/>
+          <a:p>
+            <a:r>
+              <a:rPr lang="en-US" dirty="0"/>
+              <a:t>Now is your turn</a:t>
+            </a:r>
+            <a:r>
+              <a:rPr lang="en-US" spc="-1" dirty="0">
+                <a:solidFill>
+                  <a:srgbClr val="FFFFFF"/>
+                </a:solidFill>
+                <a:uFill>
+                  <a:solidFill>
+                    <a:srgbClr val="FFFFFF"/>
+                  </a:solidFill>
+                </a:uFill>
+              </a:rPr>
+              <a:t> – Civil State | MISTA</a:t>
+            </a:r>
+            <a:endParaRPr lang="pt-PT" dirty="0"/>
+          </a:p>
+        </p:txBody>
+      </p:sp>
+      <p:sp>
+        <p:nvSpPr>
+          <p:cNvPr id="4" name="Content Placeholder 3"/>
+          <p:cNvSpPr>
+            <a:spLocks noGrp="1"/>
+          </p:cNvSpPr>
+          <p:nvPr>
+            <p:ph sz="half" idx="2"/>
+          </p:nvPr>
+        </p:nvSpPr>
+        <p:spPr/>
+        <p:txBody>
+          <a:bodyPr/>
+          <a:lstStyle/>
+          <a:p>
+            <a:pPr marL="216000" indent="-216000">
+              <a:buClr>
+                <a:srgbClr val="FFFFFF"/>
+              </a:buClr>
+              <a:buFont typeface="StarSymbol"/>
+              <a:buAutoNum type="arabicParenR"/>
+            </a:pPr>
+            <a:endParaRPr lang="en-US" spc="-1" dirty="0">
+              <a:solidFill>
+                <a:srgbClr val="FFFFFF"/>
+              </a:solidFill>
+              <a:uFill>
+                <a:solidFill>
+                  <a:srgbClr val="FFFFFF"/>
+                </a:solidFill>
+              </a:uFill>
+              <a:latin typeface="Arial"/>
+            </a:endParaRPr>
+          </a:p>
+          <a:p>
+            <a:pPr marL="216000" indent="-216000">
+              <a:buClr>
+                <a:srgbClr val="FFFFFF"/>
+              </a:buClr>
+              <a:buFont typeface="StarSymbol"/>
+              <a:buAutoNum type="arabicParenR"/>
+            </a:pPr>
+            <a:r>
+              <a:rPr lang="en-US" spc="-1" dirty="0">
+                <a:solidFill>
+                  <a:srgbClr val="FFFFFF"/>
+                </a:solidFill>
+                <a:uFill>
+                  <a:solidFill>
+                    <a:srgbClr val="FFFFFF"/>
+                  </a:solidFill>
+                </a:uFill>
+                <a:latin typeface="Arial"/>
+              </a:rPr>
+              <a:t> Create a New State Machine.</a:t>
+            </a:r>
+          </a:p>
+          <a:p>
+            <a:pPr marL="216000" indent="-216000">
+              <a:buClr>
+                <a:srgbClr val="FFFFFF"/>
+              </a:buClr>
+              <a:buFont typeface="StarSymbol"/>
+              <a:buAutoNum type="arabicParenR"/>
+            </a:pPr>
+            <a:r>
+              <a:rPr lang="en-US" spc="-1" dirty="0">
+                <a:solidFill>
+                  <a:srgbClr val="FFFFFF"/>
+                </a:solidFill>
+                <a:uFill>
+                  <a:solidFill>
+                    <a:srgbClr val="FFFFFF"/>
+                  </a:solidFill>
+                </a:uFill>
+                <a:latin typeface="Arial"/>
+              </a:rPr>
+              <a:t> Define a State Diagram.</a:t>
+            </a:r>
+          </a:p>
+          <a:p>
+            <a:pPr marL="216000" indent="-216000">
+              <a:buClr>
+                <a:srgbClr val="FFFFFF"/>
+              </a:buClr>
+              <a:buFont typeface="StarSymbol"/>
+              <a:buAutoNum type="arabicParenR"/>
+            </a:pPr>
+            <a:r>
+              <a:rPr lang="en-US" spc="-1" dirty="0">
+                <a:solidFill>
+                  <a:srgbClr val="FFFFFF"/>
+                </a:solidFill>
+                <a:uFill>
+                  <a:solidFill>
+                    <a:srgbClr val="FFFFFF"/>
+                  </a:solidFill>
+                </a:uFill>
+                <a:latin typeface="Arial"/>
+              </a:rPr>
+              <a:t> Run tests: Reachability Tree.</a:t>
+            </a:r>
+          </a:p>
+          <a:p>
+            <a:pPr marL="216000" indent="-216000">
+              <a:buClr>
+                <a:srgbClr val="FFFFFF"/>
+              </a:buClr>
+              <a:buFont typeface="StarSymbol"/>
+              <a:buAutoNum type="arabicParenR"/>
+            </a:pPr>
+            <a:r>
+              <a:rPr lang="en-US" spc="-1" dirty="0">
+                <a:solidFill>
+                  <a:srgbClr val="FFFFFF"/>
+                </a:solidFill>
+                <a:uFill>
+                  <a:solidFill>
+                    <a:srgbClr val="FFFFFF"/>
+                  </a:solidFill>
+                </a:uFill>
+                <a:latin typeface="Arial"/>
+              </a:rPr>
+              <a:t> Run tests: Reachability Tree + Invalid Paths</a:t>
+            </a:r>
+            <a:endParaRPr lang="pt-PT" dirty="0"/>
+          </a:p>
+        </p:txBody>
+      </p:sp>
+      <p:pic>
+        <p:nvPicPr>
+          <p:cNvPr id="7" name="Content Placeholder 6"/>
+          <p:cNvPicPr>
+            <a:picLocks noGrp="1"/>
+          </p:cNvPicPr>
+          <p:nvPr>
+            <p:ph sz="half" idx="1"/>
+          </p:nvPr>
+        </p:nvPicPr>
+        <p:blipFill>
+          <a:blip r:embed="rId2"/>
+          <a:stretch/>
+        </p:blipFill>
+        <p:spPr>
+          <a:xfrm>
+            <a:off x="1219200" y="2599514"/>
+            <a:ext cx="5078413" cy="2679735"/>
+          </a:xfrm>
+          <a:prstGeom prst="rect">
+            <a:avLst/>
+          </a:prstGeom>
+          <a:ln>
+            <a:noFill/>
+          </a:ln>
+        </p:spPr>
+      </p:pic>
+      <p:sp>
+        <p:nvSpPr>
+          <p:cNvPr id="8" name="Title 12"/>
+          <p:cNvSpPr txBox="1">
+            <a:spLocks/>
+          </p:cNvSpPr>
+          <p:nvPr/>
+        </p:nvSpPr>
+        <p:spPr>
+          <a:xfrm>
+            <a:off x="6526460" y="6597352"/>
+            <a:ext cx="5760640" cy="346051"/>
+          </a:xfrm>
+          <a:prstGeom prst="rect">
+            <a:avLst/>
+          </a:prstGeom>
+        </p:spPr>
+        <p:txBody>
+          <a:bodyPr vert="horz" lIns="121899" tIns="60949" rIns="121899" bIns="60949" rtlCol="0" anchor="b">
+            <a:noAutofit/>
+          </a:bodyPr>
+          <a:lstStyle>
+            <a:lvl1pPr algn="l" defTabSz="1218987" rtl="0" eaLnBrk="1" latinLnBrk="0" hangingPunct="1">
+              <a:lnSpc>
+                <a:spcPct val="90000"/>
+              </a:lnSpc>
+              <a:spcBef>
+                <a:spcPct val="0"/>
+              </a:spcBef>
+              <a:buNone/>
+              <a:defRPr sz="5400" kern="1200">
+                <a:solidFill>
+                  <a:schemeClr val="tx1"/>
+                </a:solidFill>
+                <a:latin typeface="+mj-lt"/>
+                <a:ea typeface="+mj-ea"/>
+                <a:cs typeface="+mj-cs"/>
+              </a:defRPr>
+            </a:lvl1pPr>
+          </a:lstStyle>
+          <a:p>
+            <a:pPr algn="ctr"/>
+            <a:r>
+              <a:rPr lang="en-US" sz="2000" dirty="0"/>
+              <a:t>José Esteves e Ricardo </a:t>
+            </a:r>
+            <a:r>
+              <a:rPr lang="en-US" sz="2000" dirty="0" err="1"/>
+              <a:t>Malafaya</a:t>
+            </a:r>
+            <a:r>
+              <a:rPr lang="en-US" sz="2000" dirty="0"/>
+              <a:t> – 02 December 2016</a:t>
+            </a:r>
+          </a:p>
+        </p:txBody>
+      </p:sp>
+    </p:spTree>
+    <p:extLst>
+      <p:ext uri="{BB962C8B-B14F-4D97-AF65-F5344CB8AC3E}">
+        <p14:creationId xmlns:p14="http://schemas.microsoft.com/office/powerpoint/2010/main" val="1437476644"/>
+      </p:ext>
+    </p:extLst>
+  </p:cSld>
+  <p:clrMapOvr>
+    <a:masterClrMapping/>
+  </p:clrMapOvr>
+  <mc:AlternateContent xmlns:mc="http://schemas.openxmlformats.org/markup-compatibility/2006" xmlns:p14="http://schemas.microsoft.com/office/powerpoint/2010/main">
+    <mc:Choice Requires="p14">
+      <p:transition spd="med" p14:dur="700">
+        <p:fade/>
+      </p:transition>
+    </mc:Choice>
+    <mc:Fallback xmlns="">
+      <p:transition spd="med">
+        <p:fade/>
+      </p:transition>
+    </mc:Fallback>
+  </mc:AlternateContent>
+</p:sld>
+</file>
+
+<file path=ppt/slides/slide19.xml><?xml version="1.0" encoding="utf-8"?>
+<p:sld xmlns:a="http://schemas.openxmlformats.org/drawingml/2006/main" xmlns:r="http://schemas.openxmlformats.org/officeDocument/2006/relationships" xmlns:p="http://schemas.openxmlformats.org/presentationml/2006/main">
+  <p:cSld>
+    <p:spTree>
+      <p:nvGrpSpPr>
+        <p:cNvPr id="1" name=""/>
+        <p:cNvGrpSpPr/>
+        <p:nvPr/>
+      </p:nvGrpSpPr>
+      <p:grpSpPr>
+        <a:xfrm>
+          <a:off x="0" y="0"/>
+          <a:ext cx="0" cy="0"/>
+          <a:chOff x="0" y="0"/>
+          <a:chExt cx="0" cy="0"/>
+        </a:xfrm>
+      </p:grpSpPr>
+      <p:sp>
+        <p:nvSpPr>
+          <p:cNvPr id="2" name="Title 1"/>
+          <p:cNvSpPr>
+            <a:spLocks noGrp="1"/>
+          </p:cNvSpPr>
+          <p:nvPr>
+            <p:ph type="title"/>
+          </p:nvPr>
+        </p:nvSpPr>
+        <p:spPr>
+          <a:xfrm>
+            <a:off x="4942284" y="2996952"/>
+            <a:ext cx="2808311" cy="1223963"/>
+          </a:xfrm>
+        </p:spPr>
+        <p:txBody>
+          <a:bodyPr/>
+          <a:lstStyle/>
+          <a:p>
+            <a:r>
+              <a:rPr lang="en-US" dirty="0"/>
+              <a:t>Thank You</a:t>
+            </a:r>
+            <a:endParaRPr lang="pt-PT" dirty="0"/>
+          </a:p>
+        </p:txBody>
+      </p:sp>
+      <p:sp>
+        <p:nvSpPr>
+          <p:cNvPr id="8" name="Title 12"/>
+          <p:cNvSpPr txBox="1">
+            <a:spLocks/>
+          </p:cNvSpPr>
+          <p:nvPr/>
+        </p:nvSpPr>
+        <p:spPr>
+          <a:xfrm>
+            <a:off x="6526460" y="6597352"/>
+            <a:ext cx="5760640" cy="346051"/>
+          </a:xfrm>
+          <a:prstGeom prst="rect">
+            <a:avLst/>
+          </a:prstGeom>
+        </p:spPr>
+        <p:txBody>
+          <a:bodyPr vert="horz" lIns="121899" tIns="60949" rIns="121899" bIns="60949" rtlCol="0" anchor="b">
+            <a:noAutofit/>
+          </a:bodyPr>
+          <a:lstStyle>
+            <a:lvl1pPr algn="l" defTabSz="1218987" rtl="0" eaLnBrk="1" latinLnBrk="0" hangingPunct="1">
+              <a:lnSpc>
+                <a:spcPct val="90000"/>
+              </a:lnSpc>
+              <a:spcBef>
+                <a:spcPct val="0"/>
+              </a:spcBef>
+              <a:buNone/>
+              <a:defRPr sz="5400" kern="1200">
+                <a:solidFill>
+                  <a:schemeClr val="tx1"/>
+                </a:solidFill>
+                <a:latin typeface="+mj-lt"/>
+                <a:ea typeface="+mj-ea"/>
+                <a:cs typeface="+mj-cs"/>
+              </a:defRPr>
+            </a:lvl1pPr>
+          </a:lstStyle>
+          <a:p>
+            <a:pPr algn="ctr"/>
+            <a:r>
+              <a:rPr lang="en-US" sz="2000" dirty="0"/>
+              <a:t>José Esteves e Ricardo </a:t>
+            </a:r>
+            <a:r>
+              <a:rPr lang="en-US" sz="2000" dirty="0" err="1"/>
+              <a:t>Malafaya</a:t>
+            </a:r>
+            <a:r>
+              <a:rPr lang="en-US" sz="2000" dirty="0"/>
+              <a:t> – 02 December 2016</a:t>
+            </a:r>
+          </a:p>
+        </p:txBody>
+      </p:sp>
+    </p:spTree>
+    <p:extLst>
+      <p:ext uri="{BB962C8B-B14F-4D97-AF65-F5344CB8AC3E}">
+        <p14:creationId xmlns:p14="http://schemas.microsoft.com/office/powerpoint/2010/main" val="1316661292"/>
+      </p:ext>
+    </p:extLst>
+  </p:cSld>
+  <p:clrMapOvr>
+    <a:masterClrMapping/>
+  </p:clrMapOvr>
+  <mc:AlternateContent xmlns:mc="http://schemas.openxmlformats.org/markup-compatibility/2006" xmlns:p14="http://schemas.microsoft.com/office/powerpoint/2010/main">
+    <mc:Choice Requires="p14">
+      <p:transition spd="med" p14:dur="700">
+        <p:fade/>
+      </p:transition>
+    </mc:Choice>
+    <mc:Fallback xmlns="">
+      <p:transition spd="med">
+        <p:fade/>
+      </p:transition>
+    </mc:Fallback>
+  </mc:AlternateContent>
+</p:sld>
+</file>
+
+<file path=ppt/slides/slide2.xml><?xml version="1.0" encoding="utf-8"?>
+<p:sld xmlns:a="http://schemas.openxmlformats.org/drawingml/2006/main" xmlns:r="http://schemas.openxmlformats.org/officeDocument/2006/relationships" xmlns:p="http://schemas.openxmlformats.org/presentationml/2006/main">
+  <p:cSld>
+    <p:spTree>
+      <p:nvGrpSpPr>
+        <p:cNvPr id="1" name=""/>
+        <p:cNvGrpSpPr/>
+        <p:nvPr/>
+      </p:nvGrpSpPr>
+      <p:grpSpPr>
+        <a:xfrm>
+          <a:off x="0" y="0"/>
+          <a:ext cx="0" cy="0"/>
+          <a:chOff x="0" y="0"/>
+          <a:chExt cx="0" cy="0"/>
+        </a:xfrm>
+      </p:grpSpPr>
+      <p:sp>
+        <p:nvSpPr>
+          <p:cNvPr id="13" name="Title 12"/>
+          <p:cNvSpPr>
+            <a:spLocks noGrp="1"/>
+          </p:cNvSpPr>
+          <p:nvPr>
+            <p:ph type="title"/>
+          </p:nvPr>
+        </p:nvSpPr>
+        <p:spPr/>
+        <p:txBody>
+          <a:bodyPr/>
+          <a:lstStyle/>
+          <a:p>
+            <a:r>
+              <a:rPr lang="en-US" dirty="0"/>
+              <a:t>Model-based testing</a:t>
+            </a:r>
+          </a:p>
+        </p:txBody>
+      </p:sp>
+      <p:sp>
+        <p:nvSpPr>
+          <p:cNvPr id="14" name="Content Placeholder 13"/>
+          <p:cNvSpPr>
+            <a:spLocks noGrp="1"/>
+          </p:cNvSpPr>
+          <p:nvPr>
+            <p:ph idx="1"/>
+          </p:nvPr>
+        </p:nvSpPr>
+        <p:spPr/>
+        <p:txBody>
+          <a:bodyPr/>
+          <a:lstStyle/>
+          <a:p>
+            <a:r>
+              <a:rPr lang="en-US" dirty="0"/>
+              <a:t>What is model-based testing?</a:t>
+            </a:r>
+          </a:p>
+          <a:p>
+            <a:r>
+              <a:rPr lang="en-US" dirty="0"/>
+              <a:t>Why is this used?</a:t>
+            </a:r>
+          </a:p>
+          <a:p>
+            <a:r>
+              <a:rPr lang="en-US" dirty="0"/>
+              <a:t>What is the model?</a:t>
+            </a:r>
+          </a:p>
+          <a:p>
+            <a:r>
+              <a:rPr lang="en-US" dirty="0"/>
+              <a:t>Which tool I use?</a:t>
+            </a:r>
+          </a:p>
+          <a:p>
+            <a:r>
+              <a:rPr lang="en-US" dirty="0"/>
+              <a:t>Exercise demonstration</a:t>
+            </a:r>
+          </a:p>
+          <a:p>
+            <a:r>
+              <a:rPr lang="en-US" dirty="0"/>
+              <a:t>Now is your turn</a:t>
+            </a:r>
+          </a:p>
+        </p:txBody>
+      </p:sp>
+      <p:sp>
+        <p:nvSpPr>
+          <p:cNvPr id="6" name="Title 12"/>
+          <p:cNvSpPr txBox="1">
+            <a:spLocks/>
+          </p:cNvSpPr>
+          <p:nvPr/>
+        </p:nvSpPr>
+        <p:spPr>
+          <a:xfrm>
+            <a:off x="6526460" y="6597352"/>
+            <a:ext cx="5760640" cy="346051"/>
+          </a:xfrm>
+          <a:prstGeom prst="rect">
+            <a:avLst/>
+          </a:prstGeom>
+        </p:spPr>
+        <p:txBody>
+          <a:bodyPr vert="horz" lIns="121899" tIns="60949" rIns="121899" bIns="60949" rtlCol="0" anchor="b">
+            <a:noAutofit/>
+          </a:bodyPr>
+          <a:lstStyle>
+            <a:lvl1pPr algn="l" defTabSz="1218987" rtl="0" eaLnBrk="1" latinLnBrk="0" hangingPunct="1">
+              <a:lnSpc>
+                <a:spcPct val="90000"/>
+              </a:lnSpc>
+              <a:spcBef>
+                <a:spcPct val="0"/>
+              </a:spcBef>
+              <a:buNone/>
+              <a:defRPr sz="5400" kern="1200">
+                <a:solidFill>
+                  <a:schemeClr val="tx1"/>
+                </a:solidFill>
+                <a:latin typeface="+mj-lt"/>
+                <a:ea typeface="+mj-ea"/>
+                <a:cs typeface="+mj-cs"/>
+              </a:defRPr>
+            </a:lvl1pPr>
+          </a:lstStyle>
+          <a:p>
+            <a:pPr algn="ctr"/>
+            <a:r>
+              <a:rPr lang="en-US" sz="2000" dirty="0"/>
+              <a:t>José Esteves e Ricardo </a:t>
+            </a:r>
+            <a:r>
+              <a:rPr lang="en-US" sz="2000" dirty="0" err="1"/>
+              <a:t>Malafaya</a:t>
+            </a:r>
+            <a:r>
+              <a:rPr lang="en-US" sz="2000" dirty="0"/>
+              <a:t> – 02 December 2016</a:t>
             </a:r>
           </a:p>
         </p:txBody>
@@ -9446,7 +14683,7 @@
             </a:r>
             <a:r>
               <a:rPr lang="en-US" sz="2000" dirty="0"/>
-              <a:t> – 03 December 2016</a:t>
+              <a:t> – 02 December 2016</a:t>
             </a:r>
           </a:p>
         </p:txBody>
@@ -9759,7 +14996,7 @@
             </a:r>
             <a:r>
               <a:rPr lang="en-US" sz="2000" dirty="0"/>
-              <a:t> – 03 December 2016</a:t>
+              <a:t> – 02 December 2016</a:t>
             </a:r>
           </a:p>
         </p:txBody>
@@ -10040,7 +15277,7 @@
             </a:r>
             <a:r>
               <a:rPr lang="en-US" sz="2000" dirty="0"/>
-              <a:t> – 03 December 2016</a:t>
+              <a:t> – 02 December 2016</a:t>
             </a:r>
           </a:p>
         </p:txBody>
@@ -10272,7 +15509,7 @@
           <a:p>
             <a:r>
               <a:rPr lang="en-GB" dirty="0"/>
-              <a:t>•Next step is design after the output receiving </a:t>
+              <a:t>Next step is design after the output receiving </a:t>
             </a:r>
           </a:p>
           <a:p>
@@ -10314,6 +15551,63 @@
           </a:prstGeom>
         </p:spPr>
       </p:pic>
+      <p:sp>
+        <p:nvSpPr>
+          <p:cNvPr id="8" name="Title 12"/>
+          <p:cNvSpPr txBox="1">
+            <a:spLocks/>
+          </p:cNvSpPr>
+          <p:nvPr/>
+        </p:nvSpPr>
+        <p:spPr>
+          <a:xfrm>
+            <a:off x="6526460" y="6597352"/>
+            <a:ext cx="5760640" cy="346051"/>
+          </a:xfrm>
+          <a:prstGeom prst="rect">
+            <a:avLst/>
+          </a:prstGeom>
+        </p:spPr>
+        <p:txBody>
+          <a:bodyPr vert="horz" lIns="121899" tIns="60949" rIns="121899" bIns="60949" rtlCol="0" anchor="b">
+            <a:noAutofit/>
+          </a:bodyPr>
+          <a:lstStyle>
+            <a:lvl1pPr algn="l" defTabSz="1218987" rtl="0" eaLnBrk="1" latinLnBrk="0" hangingPunct="1">
+              <a:lnSpc>
+                <a:spcPct val="90000"/>
+              </a:lnSpc>
+              <a:spcBef>
+                <a:spcPct val="0"/>
+              </a:spcBef>
+              <a:buNone/>
+              <a:defRPr sz="5400" kern="1200">
+                <a:solidFill>
+                  <a:schemeClr val="tx1"/>
+                </a:solidFill>
+                <a:latin typeface="+mj-lt"/>
+                <a:ea typeface="+mj-ea"/>
+                <a:cs typeface="+mj-cs"/>
+              </a:defRPr>
+            </a:lvl1pPr>
+          </a:lstStyle>
+          <a:p>
+            <a:pPr algn="ctr"/>
+            <a:r>
+              <a:rPr lang="en-US" sz="2000" dirty="0"/>
+              <a:t>José Esteves e Ricardo </a:t>
+            </a:r>
+            <a:r>
+              <a:rPr lang="en-US" sz="2000" dirty="0" err="1"/>
+              <a:t>Malafaya</a:t>
+            </a:r>
+            <a:r>
+              <a:rPr lang="en-US" sz="2000" dirty="0"/>
+              <a:t> – 02 December 2016</a:t>
+            </a:r>
+          </a:p>
+        </p:txBody>
+      </p:sp>
     </p:spTree>
     <p:extLst>
       <p:ext uri="{BB962C8B-B14F-4D97-AF65-F5344CB8AC3E}">
@@ -10484,7 +15778,7 @@
             </a:r>
             <a:r>
               <a:rPr lang="en-US" sz="2000" dirty="0"/>
-              <a:t> – 03 December 2016</a:t>
+              <a:t> – 02 December 2016</a:t>
             </a:r>
           </a:p>
         </p:txBody>
@@ -10651,7 +15945,7 @@
             </a:r>
             <a:r>
               <a:rPr lang="en-US" sz="2000" dirty="0"/>
-              <a:t> – 03 December 2016</a:t>
+              <a:t> – 02 December 2016</a:t>
             </a:r>
           </a:p>
         </p:txBody>
@@ -10772,7 +16066,7 @@
             </a:r>
             <a:r>
               <a:rPr lang="en-US" sz="2000" dirty="0"/>
-              <a:t> – 03 December 2016</a:t>
+              <a:t> – 02 December 2016</a:t>
             </a:r>
           </a:p>
         </p:txBody>
@@ -11969,6 +17263,151 @@
 </file>
 
 <file path=customXml/item1.xml><?xml version="1.0" encoding="utf-8"?>
+<?mso-contentType ?>
+<FormTemplates xmlns="http://schemas.microsoft.com/sharepoint/v3/contenttype/forms">
+  <Display>DocumentLibraryForm</Display>
+  <Edit>AssetEditForm</Edit>
+  <New>DocumentLibraryForm</New>
+</FormTemplates>
+</file>
+
+<file path=customXml/item2.xml><?xml version="1.0" encoding="utf-8"?>
+<p:properties xmlns:p="http://schemas.microsoft.com/office/2006/metadata/properties" xmlns:xsi="http://www.w3.org/2001/XMLSchema-instance" xmlns:pc="http://schemas.microsoft.com/office/infopath/2007/PartnerControls">
+  <documentManagement>
+    <LocPublishedLinkedAssetsLookup xmlns="4873beb7-5857-4685-be1f-d57550cc96cc" xsi:nil="true"/>
+    <ApprovalStatus xmlns="4873beb7-5857-4685-be1f-d57550cc96cc">InProgress</ApprovalStatus>
+    <MarketSpecific xmlns="4873beb7-5857-4685-be1f-d57550cc96cc">false</MarketSpecific>
+    <LocComments xmlns="4873beb7-5857-4685-be1f-d57550cc96cc" xsi:nil="true"/>
+    <LocLastLocAttemptVersionTypeLookup xmlns="4873beb7-5857-4685-be1f-d57550cc96cc" xsi:nil="true"/>
+    <DirectSourceMarket xmlns="4873beb7-5857-4685-be1f-d57550cc96cc" xsi:nil="true"/>
+    <ThumbnailAssetId xmlns="4873beb7-5857-4685-be1f-d57550cc96cc" xsi:nil="true"/>
+    <PrimaryImageGen xmlns="4873beb7-5857-4685-be1f-d57550cc96cc">false</PrimaryImageGen>
+    <LocNewPublishedVersionLookup xmlns="4873beb7-5857-4685-be1f-d57550cc96cc" xsi:nil="true"/>
+    <LegacyData xmlns="4873beb7-5857-4685-be1f-d57550cc96cc" xsi:nil="true"/>
+    <LocRecommendedHandoff xmlns="4873beb7-5857-4685-be1f-d57550cc96cc" xsi:nil="true"/>
+    <BusinessGroup xmlns="4873beb7-5857-4685-be1f-d57550cc96cc" xsi:nil="true"/>
+    <BlockPublish xmlns="4873beb7-5857-4685-be1f-d57550cc96cc">false</BlockPublish>
+    <TPFriendlyName xmlns="4873beb7-5857-4685-be1f-d57550cc96cc" xsi:nil="true"/>
+    <LocOverallPublishStatusLookup xmlns="4873beb7-5857-4685-be1f-d57550cc96cc" xsi:nil="true"/>
+    <NumericId xmlns="4873beb7-5857-4685-be1f-d57550cc96cc" xsi:nil="true"/>
+    <APEditor xmlns="4873beb7-5857-4685-be1f-d57550cc96cc">
+      <UserInfo>
+        <DisplayName/>
+        <AccountId xsi:nil="true"/>
+        <AccountType/>
+      </UserInfo>
+    </APEditor>
+    <SourceTitle xmlns="4873beb7-5857-4685-be1f-d57550cc96cc" xsi:nil="true"/>
+    <OpenTemplate xmlns="4873beb7-5857-4685-be1f-d57550cc96cc">true</OpenTemplate>
+    <LocOverallLocStatusLookup xmlns="4873beb7-5857-4685-be1f-d57550cc96cc" xsi:nil="true"/>
+    <UALocComments xmlns="4873beb7-5857-4685-be1f-d57550cc96cc" xsi:nil="true"/>
+    <ParentAssetId xmlns="4873beb7-5857-4685-be1f-d57550cc96cc" xsi:nil="true"/>
+    <IntlLangReviewDate xmlns="4873beb7-5857-4685-be1f-d57550cc96cc" xsi:nil="true"/>
+    <FeatureTagsTaxHTField0 xmlns="4873beb7-5857-4685-be1f-d57550cc96cc">
+      <Terms xmlns="http://schemas.microsoft.com/office/infopath/2007/PartnerControls"/>
+    </FeatureTagsTaxHTField0>
+    <PublishStatusLookup xmlns="4873beb7-5857-4685-be1f-d57550cc96cc">
+      <Value>1345093</Value>
+    </PublishStatusLookup>
+    <Providers xmlns="4873beb7-5857-4685-be1f-d57550cc96cc" xsi:nil="true"/>
+    <MachineTranslated xmlns="4873beb7-5857-4685-be1f-d57550cc96cc">false</MachineTranslated>
+    <OriginalSourceMarket xmlns="4873beb7-5857-4685-be1f-d57550cc96cc" xsi:nil="true"/>
+    <APDescription xmlns="4873beb7-5857-4685-be1f-d57550cc96cc">This simple template design works for technology and  businesses, but it's versatile enough to use in other contexts.  It features multiple slide layouts designed for widescreen (16x9 resolution) and includes a sample SmartArt list and chart that are easily editable.</APDescription>
+    <ClipArtFilename xmlns="4873beb7-5857-4685-be1f-d57550cc96cc" xsi:nil="true"/>
+    <ContentItem xmlns="4873beb7-5857-4685-be1f-d57550cc96cc" xsi:nil="true"/>
+    <TPInstallLocation xmlns="4873beb7-5857-4685-be1f-d57550cc96cc" xsi:nil="true"/>
+    <PublishTargets xmlns="4873beb7-5857-4685-be1f-d57550cc96cc">OfficeOnlineVNext</PublishTargets>
+    <TimesCloned xmlns="4873beb7-5857-4685-be1f-d57550cc96cc" xsi:nil="true"/>
+    <AssetStart xmlns="4873beb7-5857-4685-be1f-d57550cc96cc">2011-11-26T00:30:00+00:00</AssetStart>
+    <Provider xmlns="4873beb7-5857-4685-be1f-d57550cc96cc" xsi:nil="true"/>
+    <AcquiredFrom xmlns="4873beb7-5857-4685-be1f-d57550cc96cc">Internal MS</AcquiredFrom>
+    <FriendlyTitle xmlns="4873beb7-5857-4685-be1f-d57550cc96cc" xsi:nil="true"/>
+    <LastHandOff xmlns="4873beb7-5857-4685-be1f-d57550cc96cc" xsi:nil="true"/>
+    <TPClientViewer xmlns="4873beb7-5857-4685-be1f-d57550cc96cc" xsi:nil="true"/>
+    <TemplateStatus xmlns="4873beb7-5857-4685-be1f-d57550cc96cc">Complete</TemplateStatus>
+    <Downloads xmlns="4873beb7-5857-4685-be1f-d57550cc96cc">0</Downloads>
+    <OOCacheId xmlns="4873beb7-5857-4685-be1f-d57550cc96cc" xsi:nil="true"/>
+    <IsDeleted xmlns="4873beb7-5857-4685-be1f-d57550cc96cc">false</IsDeleted>
+    <LocPublishedDependentAssetsLookup xmlns="4873beb7-5857-4685-be1f-d57550cc96cc" xsi:nil="true"/>
+    <TPExecutable xmlns="4873beb7-5857-4685-be1f-d57550cc96cc" xsi:nil="true"/>
+    <EditorialTags xmlns="4873beb7-5857-4685-be1f-d57550cc96cc" xsi:nil="true"/>
+    <SubmitterId xmlns="4873beb7-5857-4685-be1f-d57550cc96cc" xsi:nil="true"/>
+    <ApprovalLog xmlns="4873beb7-5857-4685-be1f-d57550cc96cc" xsi:nil="true"/>
+    <AssetType xmlns="4873beb7-5857-4685-be1f-d57550cc96cc">TP</AssetType>
+    <BugNumber xmlns="4873beb7-5857-4685-be1f-d57550cc96cc" xsi:nil="true"/>
+    <CSXSubmissionDate xmlns="4873beb7-5857-4685-be1f-d57550cc96cc" xsi:nil="true"/>
+    <CSXUpdate xmlns="4873beb7-5857-4685-be1f-d57550cc96cc">false</CSXUpdate>
+    <Milestone xmlns="4873beb7-5857-4685-be1f-d57550cc96cc" xsi:nil="true"/>
+    <RecommendationsModifier xmlns="4873beb7-5857-4685-be1f-d57550cc96cc" xsi:nil="true"/>
+    <OriginAsset xmlns="4873beb7-5857-4685-be1f-d57550cc96cc" xsi:nil="true"/>
+    <TPComponent xmlns="4873beb7-5857-4685-be1f-d57550cc96cc" xsi:nil="true"/>
+    <AssetId xmlns="4873beb7-5857-4685-be1f-d57550cc96cc">TP102787989</AssetId>
+    <IntlLocPriority xmlns="4873beb7-5857-4685-be1f-d57550cc96cc" xsi:nil="true"/>
+    <PolicheckWords xmlns="4873beb7-5857-4685-be1f-d57550cc96cc" xsi:nil="true"/>
+    <TPLaunchHelpLink xmlns="4873beb7-5857-4685-be1f-d57550cc96cc" xsi:nil="true"/>
+    <TPApplication xmlns="4873beb7-5857-4685-be1f-d57550cc96cc" xsi:nil="true"/>
+    <CrawlForDependencies xmlns="4873beb7-5857-4685-be1f-d57550cc96cc">false</CrawlForDependencies>
+    <HandoffToMSDN xmlns="4873beb7-5857-4685-be1f-d57550cc96cc" xsi:nil="true"/>
+    <PlannedPubDate xmlns="4873beb7-5857-4685-be1f-d57550cc96cc" xsi:nil="true"/>
+    <IntlLangReviewer xmlns="4873beb7-5857-4685-be1f-d57550cc96cc" xsi:nil="true"/>
+    <TrustLevel xmlns="4873beb7-5857-4685-be1f-d57550cc96cc">1 Microsoft Managed Content</TrustLevel>
+    <LocLastLocAttemptVersionLookup xmlns="4873beb7-5857-4685-be1f-d57550cc96cc">694266</LocLastLocAttemptVersionLookup>
+    <LocProcessedForHandoffsLookup xmlns="4873beb7-5857-4685-be1f-d57550cc96cc" xsi:nil="true"/>
+    <IsSearchable xmlns="4873beb7-5857-4685-be1f-d57550cc96cc">true</IsSearchable>
+    <TemplateTemplateType xmlns="4873beb7-5857-4685-be1f-d57550cc96cc">PowerPoint Presentation Template</TemplateTemplateType>
+    <CampaignTagsTaxHTField0 xmlns="4873beb7-5857-4685-be1f-d57550cc96cc">
+      <Terms xmlns="http://schemas.microsoft.com/office/infopath/2007/PartnerControls"/>
+    </CampaignTagsTaxHTField0>
+    <TPNamespace xmlns="4873beb7-5857-4685-be1f-d57550cc96cc" xsi:nil="true"/>
+    <LocOverallPreviewStatusLookup xmlns="4873beb7-5857-4685-be1f-d57550cc96cc" xsi:nil="true"/>
+    <TaxCatchAll xmlns="4873beb7-5857-4685-be1f-d57550cc96cc"/>
+    <Markets xmlns="4873beb7-5857-4685-be1f-d57550cc96cc"/>
+    <UAProjectedTotalWords xmlns="4873beb7-5857-4685-be1f-d57550cc96cc" xsi:nil="true"/>
+    <IntlLangReview xmlns="4873beb7-5857-4685-be1f-d57550cc96cc" xsi:nil="true"/>
+    <OutputCachingOn xmlns="4873beb7-5857-4685-be1f-d57550cc96cc">false</OutputCachingOn>
+    <AverageRating xmlns="4873beb7-5857-4685-be1f-d57550cc96cc" xsi:nil="true"/>
+    <APAuthor xmlns="4873beb7-5857-4685-be1f-d57550cc96cc">
+      <UserInfo>
+        <DisplayName>REDMOND\kristaa</DisplayName>
+        <AccountId>136</AccountId>
+        <AccountType/>
+      </UserInfo>
+    </APAuthor>
+    <LocManualTestRequired xmlns="4873beb7-5857-4685-be1f-d57550cc96cc">false</LocManualTestRequired>
+    <TPCommandLine xmlns="4873beb7-5857-4685-be1f-d57550cc96cc" xsi:nil="true"/>
+    <TPAppVersion xmlns="4873beb7-5857-4685-be1f-d57550cc96cc" xsi:nil="true"/>
+    <EditorialStatus xmlns="4873beb7-5857-4685-be1f-d57550cc96cc">Complete</EditorialStatus>
+    <LastModifiedDateTime xmlns="4873beb7-5857-4685-be1f-d57550cc96cc" xsi:nil="true"/>
+    <ScenarioTagsTaxHTField0 xmlns="4873beb7-5857-4685-be1f-d57550cc96cc">
+      <Terms xmlns="http://schemas.microsoft.com/office/infopath/2007/PartnerControls"/>
+    </ScenarioTagsTaxHTField0>
+    <LocProcessedForMarketsLookup xmlns="4873beb7-5857-4685-be1f-d57550cc96cc" xsi:nil="true"/>
+    <TPLaunchHelpLinkType xmlns="4873beb7-5857-4685-be1f-d57550cc96cc">Template</TPLaunchHelpLinkType>
+    <OriginalRelease xmlns="4873beb7-5857-4685-be1f-d57550cc96cc">15</OriginalRelease>
+    <LocalizationTagsTaxHTField0 xmlns="4873beb7-5857-4685-be1f-d57550cc96cc">
+      <Terms xmlns="http://schemas.microsoft.com/office/infopath/2007/PartnerControls"/>
+    </LocalizationTagsTaxHTField0>
+    <UACurrentWords xmlns="4873beb7-5857-4685-be1f-d57550cc96cc" xsi:nil="true"/>
+    <ArtSampleDocs xmlns="4873beb7-5857-4685-be1f-d57550cc96cc" xsi:nil="true"/>
+    <UALocRecommendation xmlns="4873beb7-5857-4685-be1f-d57550cc96cc">Localize</UALocRecommendation>
+    <Manager xmlns="4873beb7-5857-4685-be1f-d57550cc96cc" xsi:nil="true"/>
+    <LocOverallHandbackStatusLookup xmlns="4873beb7-5857-4685-be1f-d57550cc96cc" xsi:nil="true"/>
+    <ShowIn xmlns="4873beb7-5857-4685-be1f-d57550cc96cc">Show everywhere</ShowIn>
+    <UANotes xmlns="4873beb7-5857-4685-be1f-d57550cc96cc" xsi:nil="true"/>
+    <InternalTagsTaxHTField0 xmlns="4873beb7-5857-4685-be1f-d57550cc96cc">
+      <Terms xmlns="http://schemas.microsoft.com/office/infopath/2007/PartnerControls"/>
+    </InternalTagsTaxHTField0>
+    <CSXHash xmlns="4873beb7-5857-4685-be1f-d57550cc96cc" xsi:nil="true"/>
+    <VoteCount xmlns="4873beb7-5857-4685-be1f-d57550cc96cc" xsi:nil="true"/>
+    <AssetExpire xmlns="4873beb7-5857-4685-be1f-d57550cc96cc">2029-05-12T07:00:00+00:00</AssetExpire>
+    <DSATActionTaken xmlns="4873beb7-5857-4685-be1f-d57550cc96cc" xsi:nil="true"/>
+    <CSXSubmissionMarket xmlns="4873beb7-5857-4685-be1f-d57550cc96cc" xsi:nil="true"/>
+    <LocMarketGroupTiers2 xmlns="4873beb7-5857-4685-be1f-d57550cc96cc" xsi:nil="true"/>
+  </documentManagement>
+</p:properties>
+</file>
+
+<file path=customXml/item3.xml><?xml version="1.0" encoding="utf-8"?>
 <ct:contentTypeSchema xmlns:ct="http://schemas.microsoft.com/office/2006/metadata/contentType" xmlns:ma="http://schemas.microsoft.com/office/2006/metadata/properties/metaAttributes" ct:_="" ma:_="" ma:contentTypeName="TemplateFile" ma:contentTypeID="0x0101006EDDDB5EE6D98C44930B742096920B300400F5B6D36B3EF94B4E9A635CDF2A18F5B8" ma:contentTypeVersion="72" ma:contentTypeDescription="Create a new document." ma:contentTypeScope="" ma:versionID="a23e56308344d904b51738559c3d67c9">
   <xsd:schema xmlns:xsd="http://www.w3.org/2001/XMLSchema" xmlns:xs="http://www.w3.org/2001/XMLSchema" xmlns:p="http://schemas.microsoft.com/office/2006/metadata/properties" xmlns:ns2="4873beb7-5857-4685-be1f-d57550cc96cc" targetNamespace="http://schemas.microsoft.com/office/2006/metadata/properties" ma:root="true" ma:fieldsID="cd0908cc4600e77bf5da051303e00c8d" ns2:_="">
     <xsd:import namespace="4873beb7-5857-4685-be1f-d57550cc96cc"/>
@@ -13008,165 +18447,10 @@
 </ct:contentTypeSchema>
 </file>
 
-<file path=customXml/item2.xml><?xml version="1.0" encoding="utf-8"?>
-<p:properties xmlns:p="http://schemas.microsoft.com/office/2006/metadata/properties" xmlns:xsi="http://www.w3.org/2001/XMLSchema-instance" xmlns:pc="http://schemas.microsoft.com/office/infopath/2007/PartnerControls">
-  <documentManagement>
-    <LocPublishedLinkedAssetsLookup xmlns="4873beb7-5857-4685-be1f-d57550cc96cc" xsi:nil="true"/>
-    <ApprovalStatus xmlns="4873beb7-5857-4685-be1f-d57550cc96cc">InProgress</ApprovalStatus>
-    <MarketSpecific xmlns="4873beb7-5857-4685-be1f-d57550cc96cc">false</MarketSpecific>
-    <LocComments xmlns="4873beb7-5857-4685-be1f-d57550cc96cc" xsi:nil="true"/>
-    <LocLastLocAttemptVersionTypeLookup xmlns="4873beb7-5857-4685-be1f-d57550cc96cc" xsi:nil="true"/>
-    <DirectSourceMarket xmlns="4873beb7-5857-4685-be1f-d57550cc96cc" xsi:nil="true"/>
-    <ThumbnailAssetId xmlns="4873beb7-5857-4685-be1f-d57550cc96cc" xsi:nil="true"/>
-    <PrimaryImageGen xmlns="4873beb7-5857-4685-be1f-d57550cc96cc">false</PrimaryImageGen>
-    <LocNewPublishedVersionLookup xmlns="4873beb7-5857-4685-be1f-d57550cc96cc" xsi:nil="true"/>
-    <LegacyData xmlns="4873beb7-5857-4685-be1f-d57550cc96cc" xsi:nil="true"/>
-    <LocRecommendedHandoff xmlns="4873beb7-5857-4685-be1f-d57550cc96cc" xsi:nil="true"/>
-    <BusinessGroup xmlns="4873beb7-5857-4685-be1f-d57550cc96cc" xsi:nil="true"/>
-    <BlockPublish xmlns="4873beb7-5857-4685-be1f-d57550cc96cc">false</BlockPublish>
-    <TPFriendlyName xmlns="4873beb7-5857-4685-be1f-d57550cc96cc" xsi:nil="true"/>
-    <LocOverallPublishStatusLookup xmlns="4873beb7-5857-4685-be1f-d57550cc96cc" xsi:nil="true"/>
-    <NumericId xmlns="4873beb7-5857-4685-be1f-d57550cc96cc" xsi:nil="true"/>
-    <APEditor xmlns="4873beb7-5857-4685-be1f-d57550cc96cc">
-      <UserInfo>
-        <DisplayName/>
-        <AccountId xsi:nil="true"/>
-        <AccountType/>
-      </UserInfo>
-    </APEditor>
-    <SourceTitle xmlns="4873beb7-5857-4685-be1f-d57550cc96cc" xsi:nil="true"/>
-    <OpenTemplate xmlns="4873beb7-5857-4685-be1f-d57550cc96cc">true</OpenTemplate>
-    <LocOverallLocStatusLookup xmlns="4873beb7-5857-4685-be1f-d57550cc96cc" xsi:nil="true"/>
-    <UALocComments xmlns="4873beb7-5857-4685-be1f-d57550cc96cc" xsi:nil="true"/>
-    <ParentAssetId xmlns="4873beb7-5857-4685-be1f-d57550cc96cc" xsi:nil="true"/>
-    <IntlLangReviewDate xmlns="4873beb7-5857-4685-be1f-d57550cc96cc" xsi:nil="true"/>
-    <FeatureTagsTaxHTField0 xmlns="4873beb7-5857-4685-be1f-d57550cc96cc">
-      <Terms xmlns="http://schemas.microsoft.com/office/infopath/2007/PartnerControls"/>
-    </FeatureTagsTaxHTField0>
-    <PublishStatusLookup xmlns="4873beb7-5857-4685-be1f-d57550cc96cc">
-      <Value>1345093</Value>
-    </PublishStatusLookup>
-    <Providers xmlns="4873beb7-5857-4685-be1f-d57550cc96cc" xsi:nil="true"/>
-    <MachineTranslated xmlns="4873beb7-5857-4685-be1f-d57550cc96cc">false</MachineTranslated>
-    <OriginalSourceMarket xmlns="4873beb7-5857-4685-be1f-d57550cc96cc" xsi:nil="true"/>
-    <APDescription xmlns="4873beb7-5857-4685-be1f-d57550cc96cc">This simple template design works for technology and  businesses, but it's versatile enough to use in other contexts.  It features multiple slide layouts designed for widescreen (16x9 resolution) and includes a sample SmartArt list and chart that are easily editable.</APDescription>
-    <ClipArtFilename xmlns="4873beb7-5857-4685-be1f-d57550cc96cc" xsi:nil="true"/>
-    <ContentItem xmlns="4873beb7-5857-4685-be1f-d57550cc96cc" xsi:nil="true"/>
-    <TPInstallLocation xmlns="4873beb7-5857-4685-be1f-d57550cc96cc" xsi:nil="true"/>
-    <PublishTargets xmlns="4873beb7-5857-4685-be1f-d57550cc96cc">OfficeOnlineVNext</PublishTargets>
-    <TimesCloned xmlns="4873beb7-5857-4685-be1f-d57550cc96cc" xsi:nil="true"/>
-    <AssetStart xmlns="4873beb7-5857-4685-be1f-d57550cc96cc">2011-11-26T00:30:00+00:00</AssetStart>
-    <Provider xmlns="4873beb7-5857-4685-be1f-d57550cc96cc" xsi:nil="true"/>
-    <AcquiredFrom xmlns="4873beb7-5857-4685-be1f-d57550cc96cc">Internal MS</AcquiredFrom>
-    <FriendlyTitle xmlns="4873beb7-5857-4685-be1f-d57550cc96cc" xsi:nil="true"/>
-    <LastHandOff xmlns="4873beb7-5857-4685-be1f-d57550cc96cc" xsi:nil="true"/>
-    <TPClientViewer xmlns="4873beb7-5857-4685-be1f-d57550cc96cc" xsi:nil="true"/>
-    <TemplateStatus xmlns="4873beb7-5857-4685-be1f-d57550cc96cc">Complete</TemplateStatus>
-    <Downloads xmlns="4873beb7-5857-4685-be1f-d57550cc96cc">0</Downloads>
-    <OOCacheId xmlns="4873beb7-5857-4685-be1f-d57550cc96cc" xsi:nil="true"/>
-    <IsDeleted xmlns="4873beb7-5857-4685-be1f-d57550cc96cc">false</IsDeleted>
-    <LocPublishedDependentAssetsLookup xmlns="4873beb7-5857-4685-be1f-d57550cc96cc" xsi:nil="true"/>
-    <TPExecutable xmlns="4873beb7-5857-4685-be1f-d57550cc96cc" xsi:nil="true"/>
-    <EditorialTags xmlns="4873beb7-5857-4685-be1f-d57550cc96cc" xsi:nil="true"/>
-    <SubmitterId xmlns="4873beb7-5857-4685-be1f-d57550cc96cc" xsi:nil="true"/>
-    <ApprovalLog xmlns="4873beb7-5857-4685-be1f-d57550cc96cc" xsi:nil="true"/>
-    <AssetType xmlns="4873beb7-5857-4685-be1f-d57550cc96cc">TP</AssetType>
-    <BugNumber xmlns="4873beb7-5857-4685-be1f-d57550cc96cc" xsi:nil="true"/>
-    <CSXSubmissionDate xmlns="4873beb7-5857-4685-be1f-d57550cc96cc" xsi:nil="true"/>
-    <CSXUpdate xmlns="4873beb7-5857-4685-be1f-d57550cc96cc">false</CSXUpdate>
-    <Milestone xmlns="4873beb7-5857-4685-be1f-d57550cc96cc" xsi:nil="true"/>
-    <RecommendationsModifier xmlns="4873beb7-5857-4685-be1f-d57550cc96cc" xsi:nil="true"/>
-    <OriginAsset xmlns="4873beb7-5857-4685-be1f-d57550cc96cc" xsi:nil="true"/>
-    <TPComponent xmlns="4873beb7-5857-4685-be1f-d57550cc96cc" xsi:nil="true"/>
-    <AssetId xmlns="4873beb7-5857-4685-be1f-d57550cc96cc">TP102787989</AssetId>
-    <IntlLocPriority xmlns="4873beb7-5857-4685-be1f-d57550cc96cc" xsi:nil="true"/>
-    <PolicheckWords xmlns="4873beb7-5857-4685-be1f-d57550cc96cc" xsi:nil="true"/>
-    <TPLaunchHelpLink xmlns="4873beb7-5857-4685-be1f-d57550cc96cc" xsi:nil="true"/>
-    <TPApplication xmlns="4873beb7-5857-4685-be1f-d57550cc96cc" xsi:nil="true"/>
-    <CrawlForDependencies xmlns="4873beb7-5857-4685-be1f-d57550cc96cc">false</CrawlForDependencies>
-    <HandoffToMSDN xmlns="4873beb7-5857-4685-be1f-d57550cc96cc" xsi:nil="true"/>
-    <PlannedPubDate xmlns="4873beb7-5857-4685-be1f-d57550cc96cc" xsi:nil="true"/>
-    <IntlLangReviewer xmlns="4873beb7-5857-4685-be1f-d57550cc96cc" xsi:nil="true"/>
-    <TrustLevel xmlns="4873beb7-5857-4685-be1f-d57550cc96cc">1 Microsoft Managed Content</TrustLevel>
-    <LocLastLocAttemptVersionLookup xmlns="4873beb7-5857-4685-be1f-d57550cc96cc">694266</LocLastLocAttemptVersionLookup>
-    <LocProcessedForHandoffsLookup xmlns="4873beb7-5857-4685-be1f-d57550cc96cc" xsi:nil="true"/>
-    <IsSearchable xmlns="4873beb7-5857-4685-be1f-d57550cc96cc">true</IsSearchable>
-    <TemplateTemplateType xmlns="4873beb7-5857-4685-be1f-d57550cc96cc">PowerPoint Presentation Template</TemplateTemplateType>
-    <CampaignTagsTaxHTField0 xmlns="4873beb7-5857-4685-be1f-d57550cc96cc">
-      <Terms xmlns="http://schemas.microsoft.com/office/infopath/2007/PartnerControls"/>
-    </CampaignTagsTaxHTField0>
-    <TPNamespace xmlns="4873beb7-5857-4685-be1f-d57550cc96cc" xsi:nil="true"/>
-    <LocOverallPreviewStatusLookup xmlns="4873beb7-5857-4685-be1f-d57550cc96cc" xsi:nil="true"/>
-    <TaxCatchAll xmlns="4873beb7-5857-4685-be1f-d57550cc96cc"/>
-    <Markets xmlns="4873beb7-5857-4685-be1f-d57550cc96cc"/>
-    <UAProjectedTotalWords xmlns="4873beb7-5857-4685-be1f-d57550cc96cc" xsi:nil="true"/>
-    <IntlLangReview xmlns="4873beb7-5857-4685-be1f-d57550cc96cc" xsi:nil="true"/>
-    <OutputCachingOn xmlns="4873beb7-5857-4685-be1f-d57550cc96cc">false</OutputCachingOn>
-    <AverageRating xmlns="4873beb7-5857-4685-be1f-d57550cc96cc" xsi:nil="true"/>
-    <APAuthor xmlns="4873beb7-5857-4685-be1f-d57550cc96cc">
-      <UserInfo>
-        <DisplayName>REDMOND\kristaa</DisplayName>
-        <AccountId>136</AccountId>
-        <AccountType/>
-      </UserInfo>
-    </APAuthor>
-    <LocManualTestRequired xmlns="4873beb7-5857-4685-be1f-d57550cc96cc">false</LocManualTestRequired>
-    <TPCommandLine xmlns="4873beb7-5857-4685-be1f-d57550cc96cc" xsi:nil="true"/>
-    <TPAppVersion xmlns="4873beb7-5857-4685-be1f-d57550cc96cc" xsi:nil="true"/>
-    <EditorialStatus xmlns="4873beb7-5857-4685-be1f-d57550cc96cc">Complete</EditorialStatus>
-    <LastModifiedDateTime xmlns="4873beb7-5857-4685-be1f-d57550cc96cc" xsi:nil="true"/>
-    <ScenarioTagsTaxHTField0 xmlns="4873beb7-5857-4685-be1f-d57550cc96cc">
-      <Terms xmlns="http://schemas.microsoft.com/office/infopath/2007/PartnerControls"/>
-    </ScenarioTagsTaxHTField0>
-    <LocProcessedForMarketsLookup xmlns="4873beb7-5857-4685-be1f-d57550cc96cc" xsi:nil="true"/>
-    <TPLaunchHelpLinkType xmlns="4873beb7-5857-4685-be1f-d57550cc96cc">Template</TPLaunchHelpLinkType>
-    <OriginalRelease xmlns="4873beb7-5857-4685-be1f-d57550cc96cc">15</OriginalRelease>
-    <LocalizationTagsTaxHTField0 xmlns="4873beb7-5857-4685-be1f-d57550cc96cc">
-      <Terms xmlns="http://schemas.microsoft.com/office/infopath/2007/PartnerControls"/>
-    </LocalizationTagsTaxHTField0>
-    <UACurrentWords xmlns="4873beb7-5857-4685-be1f-d57550cc96cc" xsi:nil="true"/>
-    <ArtSampleDocs xmlns="4873beb7-5857-4685-be1f-d57550cc96cc" xsi:nil="true"/>
-    <UALocRecommendation xmlns="4873beb7-5857-4685-be1f-d57550cc96cc">Localize</UALocRecommendation>
-    <Manager xmlns="4873beb7-5857-4685-be1f-d57550cc96cc" xsi:nil="true"/>
-    <LocOverallHandbackStatusLookup xmlns="4873beb7-5857-4685-be1f-d57550cc96cc" xsi:nil="true"/>
-    <ShowIn xmlns="4873beb7-5857-4685-be1f-d57550cc96cc">Show everywhere</ShowIn>
-    <UANotes xmlns="4873beb7-5857-4685-be1f-d57550cc96cc" xsi:nil="true"/>
-    <InternalTagsTaxHTField0 xmlns="4873beb7-5857-4685-be1f-d57550cc96cc">
-      <Terms xmlns="http://schemas.microsoft.com/office/infopath/2007/PartnerControls"/>
-    </InternalTagsTaxHTField0>
-    <CSXHash xmlns="4873beb7-5857-4685-be1f-d57550cc96cc" xsi:nil="true"/>
-    <VoteCount xmlns="4873beb7-5857-4685-be1f-d57550cc96cc" xsi:nil="true"/>
-    <AssetExpire xmlns="4873beb7-5857-4685-be1f-d57550cc96cc">2029-05-12T07:00:00+00:00</AssetExpire>
-    <DSATActionTaken xmlns="4873beb7-5857-4685-be1f-d57550cc96cc" xsi:nil="true"/>
-    <CSXSubmissionMarket xmlns="4873beb7-5857-4685-be1f-d57550cc96cc" xsi:nil="true"/>
-    <LocMarketGroupTiers2 xmlns="4873beb7-5857-4685-be1f-d57550cc96cc" xsi:nil="true"/>
-  </documentManagement>
-</p:properties>
-</file>
-
-<file path=customXml/item3.xml><?xml version="1.0" encoding="utf-8"?>
-<?mso-contentType ?>
-<FormTemplates xmlns="http://schemas.microsoft.com/sharepoint/v3/contenttype/forms">
-  <Display>DocumentLibraryForm</Display>
-  <Edit>AssetEditForm</Edit>
-  <New>DocumentLibraryForm</New>
-</FormTemplates>
-</file>
-
 <file path=customXml/itemProps1.xml><?xml version="1.0" encoding="utf-8"?>
-<ds:datastoreItem xmlns:ds="http://schemas.openxmlformats.org/officeDocument/2006/customXml" ds:itemID="{A09BF4D4-EF60-4196-BFC3-9462D607978C}">
+<ds:datastoreItem xmlns:ds="http://schemas.openxmlformats.org/officeDocument/2006/customXml" ds:itemID="{3836F65B-1B07-41EE-A0E8-BC6EF3855225}">
   <ds:schemaRefs>
-    <ds:schemaRef ds:uri="http://schemas.microsoft.com/office/2006/metadata/contentType"/>
-    <ds:schemaRef ds:uri="http://schemas.microsoft.com/office/2006/metadata/properties/metaAttributes"/>
-    <ds:schemaRef ds:uri="http://www.w3.org/2001/XMLSchema"/>
-    <ds:schemaRef ds:uri="http://schemas.microsoft.com/office/2006/metadata/properties"/>
-    <ds:schemaRef ds:uri="4873beb7-5857-4685-be1f-d57550cc96cc"/>
-    <ds:schemaRef ds:uri="http://schemas.microsoft.com/office/2006/documentManagement/types"/>
-    <ds:schemaRef ds:uri="http://schemas.microsoft.com/office/infopath/2007/PartnerControls"/>
-    <ds:schemaRef ds:uri="http://schemas.openxmlformats.org/package/2006/metadata/core-properties"/>
-    <ds:schemaRef ds:uri="http://purl.org/dc/elements/1.1/"/>
-    <ds:schemaRef ds:uri="http://purl.org/dc/terms/"/>
-    <ds:schemaRef ds:uri="http://schemas.microsoft.com/internal/obd"/>
+    <ds:schemaRef ds:uri="http://schemas.microsoft.com/sharepoint/v3/contenttype/forms"/>
   </ds:schemaRefs>
 </ds:datastoreItem>
 </file>
@@ -13188,9 +18472,19 @@
 </file>
 
 <file path=customXml/itemProps3.xml><?xml version="1.0" encoding="utf-8"?>
-<ds:datastoreItem xmlns:ds="http://schemas.openxmlformats.org/officeDocument/2006/customXml" ds:itemID="{3836F65B-1B07-41EE-A0E8-BC6EF3855225}">
+<ds:datastoreItem xmlns:ds="http://schemas.openxmlformats.org/officeDocument/2006/customXml" ds:itemID="{A09BF4D4-EF60-4196-BFC3-9462D607978C}">
   <ds:schemaRefs>
-    <ds:schemaRef ds:uri="http://schemas.microsoft.com/sharepoint/v3/contenttype/forms"/>
+    <ds:schemaRef ds:uri="http://schemas.microsoft.com/office/2006/metadata/contentType"/>
+    <ds:schemaRef ds:uri="http://schemas.microsoft.com/office/2006/metadata/properties/metaAttributes"/>
+    <ds:schemaRef ds:uri="http://www.w3.org/2001/XMLSchema"/>
+    <ds:schemaRef ds:uri="http://schemas.microsoft.com/office/2006/metadata/properties"/>
+    <ds:schemaRef ds:uri="4873beb7-5857-4685-be1f-d57550cc96cc"/>
+    <ds:schemaRef ds:uri="http://schemas.microsoft.com/office/2006/documentManagement/types"/>
+    <ds:schemaRef ds:uri="http://schemas.microsoft.com/office/infopath/2007/PartnerControls"/>
+    <ds:schemaRef ds:uri="http://schemas.openxmlformats.org/package/2006/metadata/core-properties"/>
+    <ds:schemaRef ds:uri="http://purl.org/dc/elements/1.1/"/>
+    <ds:schemaRef ds:uri="http://purl.org/dc/terms/"/>
+    <ds:schemaRef ds:uri="http://schemas.microsoft.com/internal/obd"/>
   </ds:schemaRefs>
 </ds:datastoreItem>
 </file>